--- a/presentation.pptx
+++ b/presentation.pptx
@@ -2,24 +2,42 @@
 <file path=ppt/presentation.xml><?xml version="1.0" encoding="utf-8"?>
 <p:presentation xmlns:a="http://schemas.openxmlformats.org/drawingml/2006/main" xmlns:r="http://schemas.openxmlformats.org/officeDocument/2006/relationships" xmlns:p="http://schemas.openxmlformats.org/presentationml/2006/main" saveSubsetFonts="1">
   <p:sldMasterIdLst>
-    <p:sldMasterId id="2147483648" r:id="rId1"/>
+    <p:sldMasterId id="2147483768" r:id="rId1"/>
   </p:sldMasterIdLst>
+  <p:notesMasterIdLst>
+    <p:notesMasterId r:id="rId24"/>
+  </p:notesMasterIdLst>
   <p:sldIdLst>
     <p:sldId id="256" r:id="rId2"/>
     <p:sldId id="257" r:id="rId3"/>
     <p:sldId id="258" r:id="rId4"/>
     <p:sldId id="259" r:id="rId5"/>
     <p:sldId id="260" r:id="rId6"/>
-    <p:sldId id="261" r:id="rId7"/>
-    <p:sldId id="262" r:id="rId8"/>
+    <p:sldId id="273" r:id="rId7"/>
+    <p:sldId id="263" r:id="rId8"/>
+    <p:sldId id="278" r:id="rId9"/>
+    <p:sldId id="280" r:id="rId10"/>
+    <p:sldId id="279" r:id="rId11"/>
+    <p:sldId id="276" r:id="rId12"/>
+    <p:sldId id="274" r:id="rId13"/>
+    <p:sldId id="275" r:id="rId14"/>
+    <p:sldId id="277" r:id="rId15"/>
+    <p:sldId id="262" r:id="rId16"/>
+    <p:sldId id="268" r:id="rId17"/>
+    <p:sldId id="270" r:id="rId18"/>
+    <p:sldId id="267" r:id="rId19"/>
+    <p:sldId id="269" r:id="rId20"/>
+    <p:sldId id="271" r:id="rId21"/>
+    <p:sldId id="272" r:id="rId22"/>
+    <p:sldId id="281" r:id="rId23"/>
   </p:sldIdLst>
   <p:sldSz cx="12192000" cy="6858000"/>
   <p:notesSz cx="6858000" cy="9144000"/>
   <p:defaultTextStyle>
     <a:defPPr>
-      <a:defRPr lang="da-DK"/>
+      <a:defRPr lang="en-US"/>
     </a:defPPr>
-    <a:lvl1pPr marL="0" algn="l" defTabSz="914400" rtl="0" eaLnBrk="1" latinLnBrk="0" hangingPunct="1">
+    <a:lvl1pPr marL="0" algn="l" defTabSz="457200" rtl="0" eaLnBrk="1" latinLnBrk="0" hangingPunct="1">
       <a:defRPr sz="1800" kern="1200">
         <a:solidFill>
           <a:schemeClr val="tx1"/>
@@ -29,7 +47,7 @@
         <a:cs typeface="+mn-cs"/>
       </a:defRPr>
     </a:lvl1pPr>
-    <a:lvl2pPr marL="457200" algn="l" defTabSz="914400" rtl="0" eaLnBrk="1" latinLnBrk="0" hangingPunct="1">
+    <a:lvl2pPr marL="457200" algn="l" defTabSz="457200" rtl="0" eaLnBrk="1" latinLnBrk="0" hangingPunct="1">
       <a:defRPr sz="1800" kern="1200">
         <a:solidFill>
           <a:schemeClr val="tx1"/>
@@ -39,7 +57,7 @@
         <a:cs typeface="+mn-cs"/>
       </a:defRPr>
     </a:lvl2pPr>
-    <a:lvl3pPr marL="914400" algn="l" defTabSz="914400" rtl="0" eaLnBrk="1" latinLnBrk="0" hangingPunct="1">
+    <a:lvl3pPr marL="914400" algn="l" defTabSz="457200" rtl="0" eaLnBrk="1" latinLnBrk="0" hangingPunct="1">
       <a:defRPr sz="1800" kern="1200">
         <a:solidFill>
           <a:schemeClr val="tx1"/>
@@ -49,7 +67,7 @@
         <a:cs typeface="+mn-cs"/>
       </a:defRPr>
     </a:lvl3pPr>
-    <a:lvl4pPr marL="1371600" algn="l" defTabSz="914400" rtl="0" eaLnBrk="1" latinLnBrk="0" hangingPunct="1">
+    <a:lvl4pPr marL="1371600" algn="l" defTabSz="457200" rtl="0" eaLnBrk="1" latinLnBrk="0" hangingPunct="1">
       <a:defRPr sz="1800" kern="1200">
         <a:solidFill>
           <a:schemeClr val="tx1"/>
@@ -59,7 +77,7 @@
         <a:cs typeface="+mn-cs"/>
       </a:defRPr>
     </a:lvl4pPr>
-    <a:lvl5pPr marL="1828800" algn="l" defTabSz="914400" rtl="0" eaLnBrk="1" latinLnBrk="0" hangingPunct="1">
+    <a:lvl5pPr marL="1828800" algn="l" defTabSz="457200" rtl="0" eaLnBrk="1" latinLnBrk="0" hangingPunct="1">
       <a:defRPr sz="1800" kern="1200">
         <a:solidFill>
           <a:schemeClr val="tx1"/>
@@ -69,7 +87,7 @@
         <a:cs typeface="+mn-cs"/>
       </a:defRPr>
     </a:lvl5pPr>
-    <a:lvl6pPr marL="2286000" algn="l" defTabSz="914400" rtl="0" eaLnBrk="1" latinLnBrk="0" hangingPunct="1">
+    <a:lvl6pPr marL="2286000" algn="l" defTabSz="457200" rtl="0" eaLnBrk="1" latinLnBrk="0" hangingPunct="1">
       <a:defRPr sz="1800" kern="1200">
         <a:solidFill>
           <a:schemeClr val="tx1"/>
@@ -79,7 +97,7 @@
         <a:cs typeface="+mn-cs"/>
       </a:defRPr>
     </a:lvl6pPr>
-    <a:lvl7pPr marL="2743200" algn="l" defTabSz="914400" rtl="0" eaLnBrk="1" latinLnBrk="0" hangingPunct="1">
+    <a:lvl7pPr marL="2743200" algn="l" defTabSz="457200" rtl="0" eaLnBrk="1" latinLnBrk="0" hangingPunct="1">
       <a:defRPr sz="1800" kern="1200">
         <a:solidFill>
           <a:schemeClr val="tx1"/>
@@ -89,7 +107,7 @@
         <a:cs typeface="+mn-cs"/>
       </a:defRPr>
     </a:lvl7pPr>
-    <a:lvl8pPr marL="3200400" algn="l" defTabSz="914400" rtl="0" eaLnBrk="1" latinLnBrk="0" hangingPunct="1">
+    <a:lvl8pPr marL="3200400" algn="l" defTabSz="457200" rtl="0" eaLnBrk="1" latinLnBrk="0" hangingPunct="1">
       <a:defRPr sz="1800" kern="1200">
         <a:solidFill>
           <a:schemeClr val="tx1"/>
@@ -99,7 +117,7 @@
         <a:cs typeface="+mn-cs"/>
       </a:defRPr>
     </a:lvl8pPr>
-    <a:lvl9pPr marL="3657600" algn="l" defTabSz="914400" rtl="0" eaLnBrk="1" latinLnBrk="0" hangingPunct="1">
+    <a:lvl9pPr marL="3657600" algn="l" defTabSz="457200" rtl="0" eaLnBrk="1" latinLnBrk="0" hangingPunct="1">
       <a:defRPr sz="1800" kern="1200">
         <a:solidFill>
           <a:schemeClr val="tx1"/>
@@ -116,6 +134,1301 @@
     </p:ext>
   </p:extLst>
 </p:presentation>
+</file>
+
+<file path=ppt/notesMasters/notesMaster1.xml><?xml version="1.0" encoding="utf-8"?>
+<p:notesMaster xmlns:a="http://schemas.openxmlformats.org/drawingml/2006/main" xmlns:r="http://schemas.openxmlformats.org/officeDocument/2006/relationships" xmlns:p="http://schemas.openxmlformats.org/presentationml/2006/main">
+  <p:cSld>
+    <p:bg>
+      <p:bgRef idx="1001">
+        <a:schemeClr val="bg1"/>
+      </p:bgRef>
+    </p:bg>
+    <p:spTree>
+      <p:nvGrpSpPr>
+        <p:cNvPr id="1" name=""/>
+        <p:cNvGrpSpPr/>
+        <p:nvPr/>
+      </p:nvGrpSpPr>
+      <p:grpSpPr>
+        <a:xfrm>
+          <a:off x="0" y="0"/>
+          <a:ext cx="0" cy="0"/>
+          <a:chOff x="0" y="0"/>
+          <a:chExt cx="0" cy="0"/>
+        </a:xfrm>
+      </p:grpSpPr>
+      <p:sp>
+        <p:nvSpPr>
+          <p:cNvPr id="2" name="Pladsholder til sidehoved 1"/>
+          <p:cNvSpPr>
+            <a:spLocks noGrp="1"/>
+          </p:cNvSpPr>
+          <p:nvPr>
+            <p:ph type="hdr" sz="quarter"/>
+          </p:nvPr>
+        </p:nvSpPr>
+        <p:spPr>
+          <a:xfrm>
+            <a:off x="0" y="0"/>
+            <a:ext cx="2971800" cy="458788"/>
+          </a:xfrm>
+          <a:prstGeom prst="rect">
+            <a:avLst/>
+          </a:prstGeom>
+        </p:spPr>
+        <p:txBody>
+          <a:bodyPr vert="horz" lIns="91440" tIns="45720" rIns="91440" bIns="45720" rtlCol="0"/>
+          <a:lstStyle>
+            <a:lvl1pPr algn="l">
+              <a:defRPr sz="1200"/>
+            </a:lvl1pPr>
+          </a:lstStyle>
+          <a:p>
+            <a:endParaRPr lang="da-DK"/>
+          </a:p>
+        </p:txBody>
+      </p:sp>
+      <p:sp>
+        <p:nvSpPr>
+          <p:cNvPr id="3" name="Pladsholder til dato 2"/>
+          <p:cNvSpPr>
+            <a:spLocks noGrp="1"/>
+          </p:cNvSpPr>
+          <p:nvPr>
+            <p:ph type="dt" idx="1"/>
+          </p:nvPr>
+        </p:nvSpPr>
+        <p:spPr>
+          <a:xfrm>
+            <a:off x="3884613" y="0"/>
+            <a:ext cx="2971800" cy="458788"/>
+          </a:xfrm>
+          <a:prstGeom prst="rect">
+            <a:avLst/>
+          </a:prstGeom>
+        </p:spPr>
+        <p:txBody>
+          <a:bodyPr vert="horz" lIns="91440" tIns="45720" rIns="91440" bIns="45720" rtlCol="0"/>
+          <a:lstStyle>
+            <a:lvl1pPr algn="r">
+              <a:defRPr sz="1200"/>
+            </a:lvl1pPr>
+          </a:lstStyle>
+          <a:p>
+            <a:fld id="{8F5AC0EE-C0EF-4DBE-8184-146DED29BF67}" type="datetimeFigureOut">
+              <a:rPr lang="da-DK" smtClean="0"/>
+              <a:t>06-05-2024</a:t>
+            </a:fld>
+            <a:endParaRPr lang="da-DK"/>
+          </a:p>
+        </p:txBody>
+      </p:sp>
+      <p:sp>
+        <p:nvSpPr>
+          <p:cNvPr id="4" name="Pladsholder til slidebillede 3"/>
+          <p:cNvSpPr>
+            <a:spLocks noGrp="1" noRot="1" noChangeAspect="1"/>
+          </p:cNvSpPr>
+          <p:nvPr>
+            <p:ph type="sldImg" idx="2"/>
+          </p:nvPr>
+        </p:nvSpPr>
+        <p:spPr>
+          <a:xfrm>
+            <a:off x="685800" y="1143000"/>
+            <a:ext cx="5486400" cy="3086100"/>
+          </a:xfrm>
+          <a:prstGeom prst="rect">
+            <a:avLst/>
+          </a:prstGeom>
+          <a:noFill/>
+          <a:ln w="12700">
+            <a:solidFill>
+              <a:prstClr val="black"/>
+            </a:solidFill>
+          </a:ln>
+        </p:spPr>
+        <p:txBody>
+          <a:bodyPr vert="horz" lIns="91440" tIns="45720" rIns="91440" bIns="45720" rtlCol="0" anchor="ctr"/>
+          <a:lstStyle/>
+          <a:p>
+            <a:endParaRPr lang="da-DK"/>
+          </a:p>
+        </p:txBody>
+      </p:sp>
+      <p:sp>
+        <p:nvSpPr>
+          <p:cNvPr id="5" name="Pladsholder til noter 4"/>
+          <p:cNvSpPr>
+            <a:spLocks noGrp="1"/>
+          </p:cNvSpPr>
+          <p:nvPr>
+            <p:ph type="body" sz="quarter" idx="3"/>
+          </p:nvPr>
+        </p:nvSpPr>
+        <p:spPr>
+          <a:xfrm>
+            <a:off x="685800" y="4400550"/>
+            <a:ext cx="5486400" cy="3600450"/>
+          </a:xfrm>
+          <a:prstGeom prst="rect">
+            <a:avLst/>
+          </a:prstGeom>
+        </p:spPr>
+        <p:txBody>
+          <a:bodyPr vert="horz" lIns="91440" tIns="45720" rIns="91440" bIns="45720" rtlCol="0"/>
+          <a:lstStyle/>
+          <a:p>
+            <a:pPr lvl="0"/>
+            <a:r>
+              <a:rPr lang="da-DK"/>
+              <a:t>Klik for at redigere teksttypografierne i masteren</a:t>
+            </a:r>
+          </a:p>
+          <a:p>
+            <a:pPr lvl="1"/>
+            <a:r>
+              <a:rPr lang="da-DK"/>
+              <a:t>Andet niveau</a:t>
+            </a:r>
+          </a:p>
+          <a:p>
+            <a:pPr lvl="2"/>
+            <a:r>
+              <a:rPr lang="da-DK"/>
+              <a:t>Tredje niveau</a:t>
+            </a:r>
+          </a:p>
+          <a:p>
+            <a:pPr lvl="3"/>
+            <a:r>
+              <a:rPr lang="da-DK"/>
+              <a:t>Fjerde niveau</a:t>
+            </a:r>
+          </a:p>
+          <a:p>
+            <a:pPr lvl="4"/>
+            <a:r>
+              <a:rPr lang="da-DK"/>
+              <a:t>Femte niveau</a:t>
+            </a:r>
+          </a:p>
+        </p:txBody>
+      </p:sp>
+      <p:sp>
+        <p:nvSpPr>
+          <p:cNvPr id="6" name="Pladsholder til sidefod 5"/>
+          <p:cNvSpPr>
+            <a:spLocks noGrp="1"/>
+          </p:cNvSpPr>
+          <p:nvPr>
+            <p:ph type="ftr" sz="quarter" idx="4"/>
+          </p:nvPr>
+        </p:nvSpPr>
+        <p:spPr>
+          <a:xfrm>
+            <a:off x="0" y="8685213"/>
+            <a:ext cx="2971800" cy="458787"/>
+          </a:xfrm>
+          <a:prstGeom prst="rect">
+            <a:avLst/>
+          </a:prstGeom>
+        </p:spPr>
+        <p:txBody>
+          <a:bodyPr vert="horz" lIns="91440" tIns="45720" rIns="91440" bIns="45720" rtlCol="0" anchor="b"/>
+          <a:lstStyle>
+            <a:lvl1pPr algn="l">
+              <a:defRPr sz="1200"/>
+            </a:lvl1pPr>
+          </a:lstStyle>
+          <a:p>
+            <a:endParaRPr lang="da-DK"/>
+          </a:p>
+        </p:txBody>
+      </p:sp>
+      <p:sp>
+        <p:nvSpPr>
+          <p:cNvPr id="7" name="Pladsholder til slidenummer 6"/>
+          <p:cNvSpPr>
+            <a:spLocks noGrp="1"/>
+          </p:cNvSpPr>
+          <p:nvPr>
+            <p:ph type="sldNum" sz="quarter" idx="5"/>
+          </p:nvPr>
+        </p:nvSpPr>
+        <p:spPr>
+          <a:xfrm>
+            <a:off x="3884613" y="8685213"/>
+            <a:ext cx="2971800" cy="458787"/>
+          </a:xfrm>
+          <a:prstGeom prst="rect">
+            <a:avLst/>
+          </a:prstGeom>
+        </p:spPr>
+        <p:txBody>
+          <a:bodyPr vert="horz" lIns="91440" tIns="45720" rIns="91440" bIns="45720" rtlCol="0" anchor="b"/>
+          <a:lstStyle>
+            <a:lvl1pPr algn="r">
+              <a:defRPr sz="1200"/>
+            </a:lvl1pPr>
+          </a:lstStyle>
+          <a:p>
+            <a:fld id="{252E21F2-0B82-4ACE-A045-2AAC56859006}" type="slidenum">
+              <a:rPr lang="da-DK" smtClean="0"/>
+              <a:t>‹nr.›</a:t>
+            </a:fld>
+            <a:endParaRPr lang="da-DK"/>
+          </a:p>
+        </p:txBody>
+      </p:sp>
+    </p:spTree>
+    <p:extLst>
+      <p:ext uri="{BB962C8B-B14F-4D97-AF65-F5344CB8AC3E}">
+        <p14:creationId xmlns:p14="http://schemas.microsoft.com/office/powerpoint/2010/main" val="2819900994"/>
+      </p:ext>
+    </p:extLst>
+  </p:cSld>
+  <p:clrMap bg1="lt1" tx1="dk1" bg2="lt2" tx2="dk2" accent1="accent1" accent2="accent2" accent3="accent3" accent4="accent4" accent5="accent5" accent6="accent6" hlink="hlink" folHlink="folHlink"/>
+  <p:notesStyle>
+    <a:lvl1pPr marL="0" algn="l" defTabSz="914400" rtl="0" eaLnBrk="1" latinLnBrk="0" hangingPunct="1">
+      <a:defRPr sz="1200" kern="1200">
+        <a:solidFill>
+          <a:schemeClr val="tx1"/>
+        </a:solidFill>
+        <a:latin typeface="+mn-lt"/>
+        <a:ea typeface="+mn-ea"/>
+        <a:cs typeface="+mn-cs"/>
+      </a:defRPr>
+    </a:lvl1pPr>
+    <a:lvl2pPr marL="457200" algn="l" defTabSz="914400" rtl="0" eaLnBrk="1" latinLnBrk="0" hangingPunct="1">
+      <a:defRPr sz="1200" kern="1200">
+        <a:solidFill>
+          <a:schemeClr val="tx1"/>
+        </a:solidFill>
+        <a:latin typeface="+mn-lt"/>
+        <a:ea typeface="+mn-ea"/>
+        <a:cs typeface="+mn-cs"/>
+      </a:defRPr>
+    </a:lvl2pPr>
+    <a:lvl3pPr marL="914400" algn="l" defTabSz="914400" rtl="0" eaLnBrk="1" latinLnBrk="0" hangingPunct="1">
+      <a:defRPr sz="1200" kern="1200">
+        <a:solidFill>
+          <a:schemeClr val="tx1"/>
+        </a:solidFill>
+        <a:latin typeface="+mn-lt"/>
+        <a:ea typeface="+mn-ea"/>
+        <a:cs typeface="+mn-cs"/>
+      </a:defRPr>
+    </a:lvl3pPr>
+    <a:lvl4pPr marL="1371600" algn="l" defTabSz="914400" rtl="0" eaLnBrk="1" latinLnBrk="0" hangingPunct="1">
+      <a:defRPr sz="1200" kern="1200">
+        <a:solidFill>
+          <a:schemeClr val="tx1"/>
+        </a:solidFill>
+        <a:latin typeface="+mn-lt"/>
+        <a:ea typeface="+mn-ea"/>
+        <a:cs typeface="+mn-cs"/>
+      </a:defRPr>
+    </a:lvl4pPr>
+    <a:lvl5pPr marL="1828800" algn="l" defTabSz="914400" rtl="0" eaLnBrk="1" latinLnBrk="0" hangingPunct="1">
+      <a:defRPr sz="1200" kern="1200">
+        <a:solidFill>
+          <a:schemeClr val="tx1"/>
+        </a:solidFill>
+        <a:latin typeface="+mn-lt"/>
+        <a:ea typeface="+mn-ea"/>
+        <a:cs typeface="+mn-cs"/>
+      </a:defRPr>
+    </a:lvl5pPr>
+    <a:lvl6pPr marL="2286000" algn="l" defTabSz="914400" rtl="0" eaLnBrk="1" latinLnBrk="0" hangingPunct="1">
+      <a:defRPr sz="1200" kern="1200">
+        <a:solidFill>
+          <a:schemeClr val="tx1"/>
+        </a:solidFill>
+        <a:latin typeface="+mn-lt"/>
+        <a:ea typeface="+mn-ea"/>
+        <a:cs typeface="+mn-cs"/>
+      </a:defRPr>
+    </a:lvl6pPr>
+    <a:lvl7pPr marL="2743200" algn="l" defTabSz="914400" rtl="0" eaLnBrk="1" latinLnBrk="0" hangingPunct="1">
+      <a:defRPr sz="1200" kern="1200">
+        <a:solidFill>
+          <a:schemeClr val="tx1"/>
+        </a:solidFill>
+        <a:latin typeface="+mn-lt"/>
+        <a:ea typeface="+mn-ea"/>
+        <a:cs typeface="+mn-cs"/>
+      </a:defRPr>
+    </a:lvl7pPr>
+    <a:lvl8pPr marL="3200400" algn="l" defTabSz="914400" rtl="0" eaLnBrk="1" latinLnBrk="0" hangingPunct="1">
+      <a:defRPr sz="1200" kern="1200">
+        <a:solidFill>
+          <a:schemeClr val="tx1"/>
+        </a:solidFill>
+        <a:latin typeface="+mn-lt"/>
+        <a:ea typeface="+mn-ea"/>
+        <a:cs typeface="+mn-cs"/>
+      </a:defRPr>
+    </a:lvl8pPr>
+    <a:lvl9pPr marL="3657600" algn="l" defTabSz="914400" rtl="0" eaLnBrk="1" latinLnBrk="0" hangingPunct="1">
+      <a:defRPr sz="1200" kern="1200">
+        <a:solidFill>
+          <a:schemeClr val="tx1"/>
+        </a:solidFill>
+        <a:latin typeface="+mn-lt"/>
+        <a:ea typeface="+mn-ea"/>
+        <a:cs typeface="+mn-cs"/>
+      </a:defRPr>
+    </a:lvl9pPr>
+  </p:notesStyle>
+</p:notesMaster>
+</file>
+
+<file path=ppt/notesSlides/notesSlide1.xml><?xml version="1.0" encoding="utf-8"?>
+<p:notes xmlns:a="http://schemas.openxmlformats.org/drawingml/2006/main" xmlns:r="http://schemas.openxmlformats.org/officeDocument/2006/relationships" xmlns:p="http://schemas.openxmlformats.org/presentationml/2006/main">
+  <p:cSld>
+    <p:spTree>
+      <p:nvGrpSpPr>
+        <p:cNvPr id="1" name=""/>
+        <p:cNvGrpSpPr/>
+        <p:nvPr/>
+      </p:nvGrpSpPr>
+      <p:grpSpPr>
+        <a:xfrm>
+          <a:off x="0" y="0"/>
+          <a:ext cx="0" cy="0"/>
+          <a:chOff x="0" y="0"/>
+          <a:chExt cx="0" cy="0"/>
+        </a:xfrm>
+      </p:grpSpPr>
+      <p:sp>
+        <p:nvSpPr>
+          <p:cNvPr id="2" name="Pladsholder til slidebillede 1"/>
+          <p:cNvSpPr>
+            <a:spLocks noGrp="1" noRot="1" noChangeAspect="1"/>
+          </p:cNvSpPr>
+          <p:nvPr>
+            <p:ph type="sldImg"/>
+          </p:nvPr>
+        </p:nvSpPr>
+        <p:spPr/>
+      </p:sp>
+      <p:sp>
+        <p:nvSpPr>
+          <p:cNvPr id="3" name="Pladsholder til noter 2"/>
+          <p:cNvSpPr>
+            <a:spLocks noGrp="1"/>
+          </p:cNvSpPr>
+          <p:nvPr>
+            <p:ph type="body" idx="1"/>
+          </p:nvPr>
+        </p:nvSpPr>
+        <p:spPr/>
+        <p:txBody>
+          <a:bodyPr/>
+          <a:lstStyle/>
+          <a:p>
+            <a:r>
+              <a:rPr lang="da-DK" dirty="0"/>
+              <a:t>Kun en enkel aggregatrod skulle påvirkes af gangen.</a:t>
+            </a:r>
+          </a:p>
+          <a:p>
+            <a:r>
+              <a:rPr lang="da-DK" dirty="0"/>
+              <a:t>Overholdes ikke helt dette i produktet, da det ville kræve event og håndtering af disse</a:t>
+            </a:r>
+          </a:p>
+        </p:txBody>
+      </p:sp>
+      <p:sp>
+        <p:nvSpPr>
+          <p:cNvPr id="4" name="Pladsholder til slidenummer 3"/>
+          <p:cNvSpPr>
+            <a:spLocks noGrp="1"/>
+          </p:cNvSpPr>
+          <p:nvPr>
+            <p:ph type="sldNum" sz="quarter" idx="5"/>
+          </p:nvPr>
+        </p:nvSpPr>
+        <p:spPr/>
+        <p:txBody>
+          <a:bodyPr/>
+          <a:lstStyle/>
+          <a:p>
+            <a:fld id="{252E21F2-0B82-4ACE-A045-2AAC56859006}" type="slidenum">
+              <a:rPr lang="da-DK" smtClean="0"/>
+              <a:t>8</a:t>
+            </a:fld>
+            <a:endParaRPr lang="da-DK"/>
+          </a:p>
+        </p:txBody>
+      </p:sp>
+    </p:spTree>
+    <p:extLst>
+      <p:ext uri="{BB962C8B-B14F-4D97-AF65-F5344CB8AC3E}">
+        <p14:creationId xmlns:p14="http://schemas.microsoft.com/office/powerpoint/2010/main" val="815936762"/>
+      </p:ext>
+    </p:extLst>
+  </p:cSld>
+  <p:clrMapOvr>
+    <a:masterClrMapping/>
+  </p:clrMapOvr>
+</p:notes>
+</file>
+
+<file path=ppt/notesSlides/notesSlide10.xml><?xml version="1.0" encoding="utf-8"?>
+<p:notes xmlns:a="http://schemas.openxmlformats.org/drawingml/2006/main" xmlns:r="http://schemas.openxmlformats.org/officeDocument/2006/relationships" xmlns:p="http://schemas.openxmlformats.org/presentationml/2006/main">
+  <p:cSld>
+    <p:spTree>
+      <p:nvGrpSpPr>
+        <p:cNvPr id="1" name=""/>
+        <p:cNvGrpSpPr/>
+        <p:nvPr/>
+      </p:nvGrpSpPr>
+      <p:grpSpPr>
+        <a:xfrm>
+          <a:off x="0" y="0"/>
+          <a:ext cx="0" cy="0"/>
+          <a:chOff x="0" y="0"/>
+          <a:chExt cx="0" cy="0"/>
+        </a:xfrm>
+      </p:grpSpPr>
+      <p:sp>
+        <p:nvSpPr>
+          <p:cNvPr id="2" name="Pladsholder til slidebillede 1"/>
+          <p:cNvSpPr>
+            <a:spLocks noGrp="1" noRot="1" noChangeAspect="1"/>
+          </p:cNvSpPr>
+          <p:nvPr>
+            <p:ph type="sldImg"/>
+          </p:nvPr>
+        </p:nvSpPr>
+        <p:spPr/>
+      </p:sp>
+      <p:sp>
+        <p:nvSpPr>
+          <p:cNvPr id="3" name="Pladsholder til noter 2"/>
+          <p:cNvSpPr>
+            <a:spLocks noGrp="1"/>
+          </p:cNvSpPr>
+          <p:nvPr>
+            <p:ph type="body" idx="1"/>
+          </p:nvPr>
+        </p:nvSpPr>
+        <p:spPr/>
+        <p:txBody>
+          <a:bodyPr/>
+          <a:lstStyle/>
+          <a:p>
+            <a:r>
+              <a:rPr lang="da-DK" dirty="0"/>
+              <a:t>Begge kræver at de kender hinanden.</a:t>
+            </a:r>
+          </a:p>
+          <a:p>
+            <a:r>
+              <a:rPr lang="da-DK" dirty="0"/>
+              <a:t>A kunne sende en url’en til en REST API med over</a:t>
+            </a:r>
+          </a:p>
+        </p:txBody>
+      </p:sp>
+      <p:sp>
+        <p:nvSpPr>
+          <p:cNvPr id="4" name="Pladsholder til slidenummer 3"/>
+          <p:cNvSpPr>
+            <a:spLocks noGrp="1"/>
+          </p:cNvSpPr>
+          <p:nvPr>
+            <p:ph type="sldNum" sz="quarter" idx="5"/>
+          </p:nvPr>
+        </p:nvSpPr>
+        <p:spPr/>
+        <p:txBody>
+          <a:bodyPr/>
+          <a:lstStyle/>
+          <a:p>
+            <a:fld id="{252E21F2-0B82-4ACE-A045-2AAC56859006}" type="slidenum">
+              <a:rPr lang="da-DK" smtClean="0"/>
+              <a:t>21</a:t>
+            </a:fld>
+            <a:endParaRPr lang="da-DK"/>
+          </a:p>
+        </p:txBody>
+      </p:sp>
+    </p:spTree>
+    <p:extLst>
+      <p:ext uri="{BB962C8B-B14F-4D97-AF65-F5344CB8AC3E}">
+        <p14:creationId xmlns:p14="http://schemas.microsoft.com/office/powerpoint/2010/main" val="1430961321"/>
+      </p:ext>
+    </p:extLst>
+  </p:cSld>
+  <p:clrMapOvr>
+    <a:masterClrMapping/>
+  </p:clrMapOvr>
+</p:notes>
+</file>
+
+<file path=ppt/notesSlides/notesSlide2.xml><?xml version="1.0" encoding="utf-8"?>
+<p:notes xmlns:a="http://schemas.openxmlformats.org/drawingml/2006/main" xmlns:r="http://schemas.openxmlformats.org/officeDocument/2006/relationships" xmlns:p="http://schemas.openxmlformats.org/presentationml/2006/main">
+  <p:cSld>
+    <p:spTree>
+      <p:nvGrpSpPr>
+        <p:cNvPr id="1" name=""/>
+        <p:cNvGrpSpPr/>
+        <p:nvPr/>
+      </p:nvGrpSpPr>
+      <p:grpSpPr>
+        <a:xfrm>
+          <a:off x="0" y="0"/>
+          <a:ext cx="0" cy="0"/>
+          <a:chOff x="0" y="0"/>
+          <a:chExt cx="0" cy="0"/>
+        </a:xfrm>
+      </p:grpSpPr>
+      <p:sp>
+        <p:nvSpPr>
+          <p:cNvPr id="2" name="Pladsholder til slidebillede 1"/>
+          <p:cNvSpPr>
+            <a:spLocks noGrp="1" noRot="1" noChangeAspect="1"/>
+          </p:cNvSpPr>
+          <p:nvPr>
+            <p:ph type="sldImg"/>
+          </p:nvPr>
+        </p:nvSpPr>
+        <p:spPr/>
+      </p:sp>
+      <p:sp>
+        <p:nvSpPr>
+          <p:cNvPr id="3" name="Pladsholder til noter 2"/>
+          <p:cNvSpPr>
+            <a:spLocks noGrp="1"/>
+          </p:cNvSpPr>
+          <p:nvPr>
+            <p:ph type="body" idx="1"/>
+          </p:nvPr>
+        </p:nvSpPr>
+        <p:spPr/>
+        <p:txBody>
+          <a:bodyPr/>
+          <a:lstStyle/>
+          <a:p>
+            <a:r>
+              <a:rPr lang="da-DK" dirty="0"/>
+              <a:t>https://martinfowler.com/bliki/UbiquitousLanguage.html</a:t>
+            </a:r>
+          </a:p>
+          <a:p>
+            <a:r>
+              <a:rPr lang="da-DK" dirty="0"/>
+              <a:t>https://martinfowler.com/bliki/BoundedContext.html</a:t>
+            </a:r>
+          </a:p>
+        </p:txBody>
+      </p:sp>
+      <p:sp>
+        <p:nvSpPr>
+          <p:cNvPr id="4" name="Pladsholder til slidenummer 3"/>
+          <p:cNvSpPr>
+            <a:spLocks noGrp="1"/>
+          </p:cNvSpPr>
+          <p:nvPr>
+            <p:ph type="sldNum" sz="quarter" idx="5"/>
+          </p:nvPr>
+        </p:nvSpPr>
+        <p:spPr/>
+        <p:txBody>
+          <a:bodyPr/>
+          <a:lstStyle/>
+          <a:p>
+            <a:fld id="{252E21F2-0B82-4ACE-A045-2AAC56859006}" type="slidenum">
+              <a:rPr lang="da-DK" smtClean="0"/>
+              <a:t>10</a:t>
+            </a:fld>
+            <a:endParaRPr lang="da-DK"/>
+          </a:p>
+        </p:txBody>
+      </p:sp>
+    </p:spTree>
+    <p:extLst>
+      <p:ext uri="{BB962C8B-B14F-4D97-AF65-F5344CB8AC3E}">
+        <p14:creationId xmlns:p14="http://schemas.microsoft.com/office/powerpoint/2010/main" val="2568857346"/>
+      </p:ext>
+    </p:extLst>
+  </p:cSld>
+  <p:clrMapOvr>
+    <a:masterClrMapping/>
+  </p:clrMapOvr>
+</p:notes>
+</file>
+
+<file path=ppt/notesSlides/notesSlide3.xml><?xml version="1.0" encoding="utf-8"?>
+<p:notes xmlns:a="http://schemas.openxmlformats.org/drawingml/2006/main" xmlns:r="http://schemas.openxmlformats.org/officeDocument/2006/relationships" xmlns:p="http://schemas.openxmlformats.org/presentationml/2006/main">
+  <p:cSld>
+    <p:spTree>
+      <p:nvGrpSpPr>
+        <p:cNvPr id="1" name=""/>
+        <p:cNvGrpSpPr/>
+        <p:nvPr/>
+      </p:nvGrpSpPr>
+      <p:grpSpPr>
+        <a:xfrm>
+          <a:off x="0" y="0"/>
+          <a:ext cx="0" cy="0"/>
+          <a:chOff x="0" y="0"/>
+          <a:chExt cx="0" cy="0"/>
+        </a:xfrm>
+      </p:grpSpPr>
+      <p:sp>
+        <p:nvSpPr>
+          <p:cNvPr id="2" name="Pladsholder til slidebillede 1"/>
+          <p:cNvSpPr>
+            <a:spLocks noGrp="1" noRot="1" noChangeAspect="1"/>
+          </p:cNvSpPr>
+          <p:nvPr>
+            <p:ph type="sldImg"/>
+          </p:nvPr>
+        </p:nvSpPr>
+        <p:spPr/>
+      </p:sp>
+      <p:sp>
+        <p:nvSpPr>
+          <p:cNvPr id="3" name="Pladsholder til noter 2"/>
+          <p:cNvSpPr>
+            <a:spLocks noGrp="1"/>
+          </p:cNvSpPr>
+          <p:nvPr>
+            <p:ph type="body" idx="1"/>
+          </p:nvPr>
+        </p:nvSpPr>
+        <p:spPr/>
+        <p:txBody>
+          <a:bodyPr/>
+          <a:lstStyle/>
+          <a:p>
+            <a:r>
+              <a:rPr lang="da-DK" dirty="0" err="1"/>
+              <a:t>RabbitMQ</a:t>
+            </a:r>
+            <a:r>
+              <a:rPr lang="da-DK" dirty="0"/>
+              <a:t> kan nævnes under Kafka</a:t>
+            </a:r>
+          </a:p>
+        </p:txBody>
+      </p:sp>
+      <p:sp>
+        <p:nvSpPr>
+          <p:cNvPr id="4" name="Pladsholder til slidenummer 3"/>
+          <p:cNvSpPr>
+            <a:spLocks noGrp="1"/>
+          </p:cNvSpPr>
+          <p:nvPr>
+            <p:ph type="sldNum" sz="quarter" idx="5"/>
+          </p:nvPr>
+        </p:nvSpPr>
+        <p:spPr/>
+        <p:txBody>
+          <a:bodyPr/>
+          <a:lstStyle/>
+          <a:p>
+            <a:fld id="{252E21F2-0B82-4ACE-A045-2AAC56859006}" type="slidenum">
+              <a:rPr lang="da-DK" smtClean="0"/>
+              <a:t>12</a:t>
+            </a:fld>
+            <a:endParaRPr lang="da-DK"/>
+          </a:p>
+        </p:txBody>
+      </p:sp>
+    </p:spTree>
+    <p:extLst>
+      <p:ext uri="{BB962C8B-B14F-4D97-AF65-F5344CB8AC3E}">
+        <p14:creationId xmlns:p14="http://schemas.microsoft.com/office/powerpoint/2010/main" val="2294237520"/>
+      </p:ext>
+    </p:extLst>
+  </p:cSld>
+  <p:clrMapOvr>
+    <a:masterClrMapping/>
+  </p:clrMapOvr>
+</p:notes>
+</file>
+
+<file path=ppt/notesSlides/notesSlide4.xml><?xml version="1.0" encoding="utf-8"?>
+<p:notes xmlns:a="http://schemas.openxmlformats.org/drawingml/2006/main" xmlns:r="http://schemas.openxmlformats.org/officeDocument/2006/relationships" xmlns:p="http://schemas.openxmlformats.org/presentationml/2006/main">
+  <p:cSld>
+    <p:spTree>
+      <p:nvGrpSpPr>
+        <p:cNvPr id="1" name=""/>
+        <p:cNvGrpSpPr/>
+        <p:nvPr/>
+      </p:nvGrpSpPr>
+      <p:grpSpPr>
+        <a:xfrm>
+          <a:off x="0" y="0"/>
+          <a:ext cx="0" cy="0"/>
+          <a:chOff x="0" y="0"/>
+          <a:chExt cx="0" cy="0"/>
+        </a:xfrm>
+      </p:grpSpPr>
+      <p:sp>
+        <p:nvSpPr>
+          <p:cNvPr id="2" name="Pladsholder til slidebillede 1"/>
+          <p:cNvSpPr>
+            <a:spLocks noGrp="1" noRot="1" noChangeAspect="1"/>
+          </p:cNvSpPr>
+          <p:nvPr>
+            <p:ph type="sldImg"/>
+          </p:nvPr>
+        </p:nvSpPr>
+        <p:spPr/>
+      </p:sp>
+      <p:sp>
+        <p:nvSpPr>
+          <p:cNvPr id="3" name="Pladsholder til noter 2"/>
+          <p:cNvSpPr>
+            <a:spLocks noGrp="1"/>
+          </p:cNvSpPr>
+          <p:nvPr>
+            <p:ph type="body" idx="1"/>
+          </p:nvPr>
+        </p:nvSpPr>
+        <p:spPr/>
+        <p:txBody>
+          <a:bodyPr/>
+          <a:lstStyle/>
+          <a:p>
+            <a:r>
+              <a:rPr lang="da-DK" dirty="0" err="1"/>
+              <a:t>RabbitMQ</a:t>
+            </a:r>
+            <a:r>
+              <a:rPr lang="da-DK" dirty="0"/>
+              <a:t> kan nævnes under Kafka</a:t>
+            </a:r>
+          </a:p>
+        </p:txBody>
+      </p:sp>
+      <p:sp>
+        <p:nvSpPr>
+          <p:cNvPr id="4" name="Pladsholder til slidenummer 3"/>
+          <p:cNvSpPr>
+            <a:spLocks noGrp="1"/>
+          </p:cNvSpPr>
+          <p:nvPr>
+            <p:ph type="sldNum" sz="quarter" idx="5"/>
+          </p:nvPr>
+        </p:nvSpPr>
+        <p:spPr/>
+        <p:txBody>
+          <a:bodyPr/>
+          <a:lstStyle/>
+          <a:p>
+            <a:fld id="{252E21F2-0B82-4ACE-A045-2AAC56859006}" type="slidenum">
+              <a:rPr lang="da-DK" smtClean="0"/>
+              <a:t>13</a:t>
+            </a:fld>
+            <a:endParaRPr lang="da-DK"/>
+          </a:p>
+        </p:txBody>
+      </p:sp>
+    </p:spTree>
+    <p:extLst>
+      <p:ext uri="{BB962C8B-B14F-4D97-AF65-F5344CB8AC3E}">
+        <p14:creationId xmlns:p14="http://schemas.microsoft.com/office/powerpoint/2010/main" val="2737142602"/>
+      </p:ext>
+    </p:extLst>
+  </p:cSld>
+  <p:clrMapOvr>
+    <a:masterClrMapping/>
+  </p:clrMapOvr>
+</p:notes>
+</file>
+
+<file path=ppt/notesSlides/notesSlide5.xml><?xml version="1.0" encoding="utf-8"?>
+<p:notes xmlns:a="http://schemas.openxmlformats.org/drawingml/2006/main" xmlns:r="http://schemas.openxmlformats.org/officeDocument/2006/relationships" xmlns:p="http://schemas.openxmlformats.org/presentationml/2006/main">
+  <p:cSld>
+    <p:spTree>
+      <p:nvGrpSpPr>
+        <p:cNvPr id="1" name=""/>
+        <p:cNvGrpSpPr/>
+        <p:nvPr/>
+      </p:nvGrpSpPr>
+      <p:grpSpPr>
+        <a:xfrm>
+          <a:off x="0" y="0"/>
+          <a:ext cx="0" cy="0"/>
+          <a:chOff x="0" y="0"/>
+          <a:chExt cx="0" cy="0"/>
+        </a:xfrm>
+      </p:grpSpPr>
+      <p:sp>
+        <p:nvSpPr>
+          <p:cNvPr id="2" name="Pladsholder til slidebillede 1"/>
+          <p:cNvSpPr>
+            <a:spLocks noGrp="1" noRot="1" noChangeAspect="1"/>
+          </p:cNvSpPr>
+          <p:nvPr>
+            <p:ph type="sldImg"/>
+          </p:nvPr>
+        </p:nvSpPr>
+        <p:spPr/>
+      </p:sp>
+      <p:sp>
+        <p:nvSpPr>
+          <p:cNvPr id="3" name="Pladsholder til noter 2"/>
+          <p:cNvSpPr>
+            <a:spLocks noGrp="1"/>
+          </p:cNvSpPr>
+          <p:nvPr>
+            <p:ph type="body" idx="1"/>
+          </p:nvPr>
+        </p:nvSpPr>
+        <p:spPr/>
+        <p:txBody>
+          <a:bodyPr/>
+          <a:lstStyle/>
+          <a:p>
+            <a:r>
+              <a:rPr lang="da-DK" dirty="0"/>
+              <a:t>https://kafka.apache.org/documentation/#intro_nutshell</a:t>
+            </a:r>
+          </a:p>
+          <a:p>
+            <a:r>
+              <a:rPr lang="da-DK" dirty="0"/>
+              <a:t>https://kafka.apache.org/documentation/#kraft_role</a:t>
+            </a:r>
+          </a:p>
+        </p:txBody>
+      </p:sp>
+      <p:sp>
+        <p:nvSpPr>
+          <p:cNvPr id="4" name="Pladsholder til slidenummer 3"/>
+          <p:cNvSpPr>
+            <a:spLocks noGrp="1"/>
+          </p:cNvSpPr>
+          <p:nvPr>
+            <p:ph type="sldNum" sz="quarter" idx="5"/>
+          </p:nvPr>
+        </p:nvSpPr>
+        <p:spPr/>
+        <p:txBody>
+          <a:bodyPr/>
+          <a:lstStyle/>
+          <a:p>
+            <a:fld id="{252E21F2-0B82-4ACE-A045-2AAC56859006}" type="slidenum">
+              <a:rPr lang="da-DK" smtClean="0"/>
+              <a:t>15</a:t>
+            </a:fld>
+            <a:endParaRPr lang="da-DK"/>
+          </a:p>
+        </p:txBody>
+      </p:sp>
+    </p:spTree>
+    <p:extLst>
+      <p:ext uri="{BB962C8B-B14F-4D97-AF65-F5344CB8AC3E}">
+        <p14:creationId xmlns:p14="http://schemas.microsoft.com/office/powerpoint/2010/main" val="8081506"/>
+      </p:ext>
+    </p:extLst>
+  </p:cSld>
+  <p:clrMapOvr>
+    <a:masterClrMapping/>
+  </p:clrMapOvr>
+</p:notes>
+</file>
+
+<file path=ppt/notesSlides/notesSlide6.xml><?xml version="1.0" encoding="utf-8"?>
+<p:notes xmlns:a="http://schemas.openxmlformats.org/drawingml/2006/main" xmlns:r="http://schemas.openxmlformats.org/officeDocument/2006/relationships" xmlns:p="http://schemas.openxmlformats.org/presentationml/2006/main">
+  <p:cSld>
+    <p:spTree>
+      <p:nvGrpSpPr>
+        <p:cNvPr id="1" name=""/>
+        <p:cNvGrpSpPr/>
+        <p:nvPr/>
+      </p:nvGrpSpPr>
+      <p:grpSpPr>
+        <a:xfrm>
+          <a:off x="0" y="0"/>
+          <a:ext cx="0" cy="0"/>
+          <a:chOff x="0" y="0"/>
+          <a:chExt cx="0" cy="0"/>
+        </a:xfrm>
+      </p:grpSpPr>
+      <p:sp>
+        <p:nvSpPr>
+          <p:cNvPr id="2" name="Pladsholder til slidebillede 1"/>
+          <p:cNvSpPr>
+            <a:spLocks noGrp="1" noRot="1" noChangeAspect="1"/>
+          </p:cNvSpPr>
+          <p:nvPr>
+            <p:ph type="sldImg"/>
+          </p:nvPr>
+        </p:nvSpPr>
+        <p:spPr/>
+      </p:sp>
+      <p:sp>
+        <p:nvSpPr>
+          <p:cNvPr id="3" name="Pladsholder til noter 2"/>
+          <p:cNvSpPr>
+            <a:spLocks noGrp="1"/>
+          </p:cNvSpPr>
+          <p:nvPr>
+            <p:ph type="body" idx="1"/>
+          </p:nvPr>
+        </p:nvSpPr>
+        <p:spPr/>
+        <p:txBody>
+          <a:bodyPr/>
+          <a:lstStyle/>
+          <a:p>
+            <a:r>
+              <a:rPr lang="da-DK" dirty="0"/>
+              <a:t>Nævn at broker nu kan være controllers, men før var det zookeeper</a:t>
+            </a:r>
+          </a:p>
+        </p:txBody>
+      </p:sp>
+      <p:sp>
+        <p:nvSpPr>
+          <p:cNvPr id="4" name="Pladsholder til slidenummer 3"/>
+          <p:cNvSpPr>
+            <a:spLocks noGrp="1"/>
+          </p:cNvSpPr>
+          <p:nvPr>
+            <p:ph type="sldNum" sz="quarter" idx="5"/>
+          </p:nvPr>
+        </p:nvSpPr>
+        <p:spPr/>
+        <p:txBody>
+          <a:bodyPr/>
+          <a:lstStyle/>
+          <a:p>
+            <a:fld id="{252E21F2-0B82-4ACE-A045-2AAC56859006}" type="slidenum">
+              <a:rPr lang="da-DK" smtClean="0"/>
+              <a:t>17</a:t>
+            </a:fld>
+            <a:endParaRPr lang="da-DK"/>
+          </a:p>
+        </p:txBody>
+      </p:sp>
+    </p:spTree>
+    <p:extLst>
+      <p:ext uri="{BB962C8B-B14F-4D97-AF65-F5344CB8AC3E}">
+        <p14:creationId xmlns:p14="http://schemas.microsoft.com/office/powerpoint/2010/main" val="3998614641"/>
+      </p:ext>
+    </p:extLst>
+  </p:cSld>
+  <p:clrMapOvr>
+    <a:masterClrMapping/>
+  </p:clrMapOvr>
+</p:notes>
+</file>
+
+<file path=ppt/notesSlides/notesSlide7.xml><?xml version="1.0" encoding="utf-8"?>
+<p:notes xmlns:a="http://schemas.openxmlformats.org/drawingml/2006/main" xmlns:r="http://schemas.openxmlformats.org/officeDocument/2006/relationships" xmlns:p="http://schemas.openxmlformats.org/presentationml/2006/main">
+  <p:cSld>
+    <p:spTree>
+      <p:nvGrpSpPr>
+        <p:cNvPr id="1" name=""/>
+        <p:cNvGrpSpPr/>
+        <p:nvPr/>
+      </p:nvGrpSpPr>
+      <p:grpSpPr>
+        <a:xfrm>
+          <a:off x="0" y="0"/>
+          <a:ext cx="0" cy="0"/>
+          <a:chOff x="0" y="0"/>
+          <a:chExt cx="0" cy="0"/>
+        </a:xfrm>
+      </p:grpSpPr>
+      <p:sp>
+        <p:nvSpPr>
+          <p:cNvPr id="2" name="Pladsholder til slidebillede 1"/>
+          <p:cNvSpPr>
+            <a:spLocks noGrp="1" noRot="1" noChangeAspect="1"/>
+          </p:cNvSpPr>
+          <p:nvPr>
+            <p:ph type="sldImg"/>
+          </p:nvPr>
+        </p:nvSpPr>
+        <p:spPr/>
+      </p:sp>
+      <p:sp>
+        <p:nvSpPr>
+          <p:cNvPr id="3" name="Pladsholder til noter 2"/>
+          <p:cNvSpPr>
+            <a:spLocks noGrp="1"/>
+          </p:cNvSpPr>
+          <p:nvPr>
+            <p:ph type="body" idx="1"/>
+          </p:nvPr>
+        </p:nvSpPr>
+        <p:spPr/>
+        <p:txBody>
+          <a:bodyPr/>
+          <a:lstStyle/>
+          <a:p>
+            <a:r>
+              <a:rPr lang="da-DK" dirty="0" err="1"/>
+              <a:t>Confluent</a:t>
+            </a:r>
+            <a:r>
+              <a:rPr lang="da-DK" dirty="0"/>
+              <a:t> Kafka</a:t>
+            </a:r>
+          </a:p>
+        </p:txBody>
+      </p:sp>
+      <p:sp>
+        <p:nvSpPr>
+          <p:cNvPr id="4" name="Pladsholder til slidenummer 3"/>
+          <p:cNvSpPr>
+            <a:spLocks noGrp="1"/>
+          </p:cNvSpPr>
+          <p:nvPr>
+            <p:ph type="sldNum" sz="quarter" idx="5"/>
+          </p:nvPr>
+        </p:nvSpPr>
+        <p:spPr/>
+        <p:txBody>
+          <a:bodyPr/>
+          <a:lstStyle/>
+          <a:p>
+            <a:fld id="{252E21F2-0B82-4ACE-A045-2AAC56859006}" type="slidenum">
+              <a:rPr lang="da-DK" smtClean="0"/>
+              <a:t>18</a:t>
+            </a:fld>
+            <a:endParaRPr lang="da-DK"/>
+          </a:p>
+        </p:txBody>
+      </p:sp>
+    </p:spTree>
+    <p:extLst>
+      <p:ext uri="{BB962C8B-B14F-4D97-AF65-F5344CB8AC3E}">
+        <p14:creationId xmlns:p14="http://schemas.microsoft.com/office/powerpoint/2010/main" val="3004894068"/>
+      </p:ext>
+    </p:extLst>
+  </p:cSld>
+  <p:clrMapOvr>
+    <a:masterClrMapping/>
+  </p:clrMapOvr>
+</p:notes>
+</file>
+
+<file path=ppt/notesSlides/notesSlide8.xml><?xml version="1.0" encoding="utf-8"?>
+<p:notes xmlns:a="http://schemas.openxmlformats.org/drawingml/2006/main" xmlns:r="http://schemas.openxmlformats.org/officeDocument/2006/relationships" xmlns:p="http://schemas.openxmlformats.org/presentationml/2006/main">
+  <p:cSld>
+    <p:spTree>
+      <p:nvGrpSpPr>
+        <p:cNvPr id="1" name=""/>
+        <p:cNvGrpSpPr/>
+        <p:nvPr/>
+      </p:nvGrpSpPr>
+      <p:grpSpPr>
+        <a:xfrm>
+          <a:off x="0" y="0"/>
+          <a:ext cx="0" cy="0"/>
+          <a:chOff x="0" y="0"/>
+          <a:chExt cx="0" cy="0"/>
+        </a:xfrm>
+      </p:grpSpPr>
+      <p:sp>
+        <p:nvSpPr>
+          <p:cNvPr id="2" name="Pladsholder til slidebillede 1"/>
+          <p:cNvSpPr>
+            <a:spLocks noGrp="1" noRot="1" noChangeAspect="1"/>
+          </p:cNvSpPr>
+          <p:nvPr>
+            <p:ph type="sldImg"/>
+          </p:nvPr>
+        </p:nvSpPr>
+        <p:spPr/>
+      </p:sp>
+      <p:sp>
+        <p:nvSpPr>
+          <p:cNvPr id="3" name="Pladsholder til noter 2"/>
+          <p:cNvSpPr>
+            <a:spLocks noGrp="1"/>
+          </p:cNvSpPr>
+          <p:nvPr>
+            <p:ph type="body" idx="1"/>
+          </p:nvPr>
+        </p:nvSpPr>
+        <p:spPr/>
+        <p:txBody>
+          <a:bodyPr/>
+          <a:lstStyle/>
+          <a:p>
+            <a:r>
+              <a:rPr lang="da-DK" dirty="0"/>
+              <a:t>Remote Procedure </a:t>
+            </a:r>
+            <a:r>
+              <a:rPr lang="da-DK" dirty="0" err="1"/>
+              <a:t>Cal</a:t>
+            </a:r>
+            <a:endParaRPr lang="da-DK" dirty="0"/>
+          </a:p>
+          <a:p>
+            <a:r>
+              <a:rPr lang="da-DK" dirty="0"/>
+              <a:t>Nævn at </a:t>
+            </a:r>
+            <a:r>
+              <a:rPr lang="da-DK" dirty="0" err="1"/>
+              <a:t>kafka</a:t>
+            </a:r>
+            <a:r>
+              <a:rPr lang="da-DK" dirty="0"/>
+              <a:t> ikke understøtter </a:t>
+            </a:r>
+            <a:r>
+              <a:rPr lang="da-DK" dirty="0" err="1"/>
+              <a:t>request-response</a:t>
+            </a:r>
+            <a:endParaRPr lang="da-DK" dirty="0"/>
+          </a:p>
+        </p:txBody>
+      </p:sp>
+      <p:sp>
+        <p:nvSpPr>
+          <p:cNvPr id="4" name="Pladsholder til slidenummer 3"/>
+          <p:cNvSpPr>
+            <a:spLocks noGrp="1"/>
+          </p:cNvSpPr>
+          <p:nvPr>
+            <p:ph type="sldNum" sz="quarter" idx="5"/>
+          </p:nvPr>
+        </p:nvSpPr>
+        <p:spPr/>
+        <p:txBody>
+          <a:bodyPr/>
+          <a:lstStyle/>
+          <a:p>
+            <a:fld id="{252E21F2-0B82-4ACE-A045-2AAC56859006}" type="slidenum">
+              <a:rPr lang="da-DK" smtClean="0"/>
+              <a:t>19</a:t>
+            </a:fld>
+            <a:endParaRPr lang="da-DK"/>
+          </a:p>
+        </p:txBody>
+      </p:sp>
+    </p:spTree>
+    <p:extLst>
+      <p:ext uri="{BB962C8B-B14F-4D97-AF65-F5344CB8AC3E}">
+        <p14:creationId xmlns:p14="http://schemas.microsoft.com/office/powerpoint/2010/main" val="1108710331"/>
+      </p:ext>
+    </p:extLst>
+  </p:cSld>
+  <p:clrMapOvr>
+    <a:masterClrMapping/>
+  </p:clrMapOvr>
+</p:notes>
+</file>
+
+<file path=ppt/notesSlides/notesSlide9.xml><?xml version="1.0" encoding="utf-8"?>
+<p:notes xmlns:a="http://schemas.openxmlformats.org/drawingml/2006/main" xmlns:r="http://schemas.openxmlformats.org/officeDocument/2006/relationships" xmlns:p="http://schemas.openxmlformats.org/presentationml/2006/main">
+  <p:cSld>
+    <p:spTree>
+      <p:nvGrpSpPr>
+        <p:cNvPr id="1" name=""/>
+        <p:cNvGrpSpPr/>
+        <p:nvPr/>
+      </p:nvGrpSpPr>
+      <p:grpSpPr>
+        <a:xfrm>
+          <a:off x="0" y="0"/>
+          <a:ext cx="0" cy="0"/>
+          <a:chOff x="0" y="0"/>
+          <a:chExt cx="0" cy="0"/>
+        </a:xfrm>
+      </p:grpSpPr>
+      <p:sp>
+        <p:nvSpPr>
+          <p:cNvPr id="2" name="Pladsholder til slidebillede 1"/>
+          <p:cNvSpPr>
+            <a:spLocks noGrp="1" noRot="1" noChangeAspect="1"/>
+          </p:cNvSpPr>
+          <p:nvPr>
+            <p:ph type="sldImg"/>
+          </p:nvPr>
+        </p:nvSpPr>
+        <p:spPr/>
+      </p:sp>
+      <p:sp>
+        <p:nvSpPr>
+          <p:cNvPr id="3" name="Pladsholder til noter 2"/>
+          <p:cNvSpPr>
+            <a:spLocks noGrp="1"/>
+          </p:cNvSpPr>
+          <p:nvPr>
+            <p:ph type="body" idx="1"/>
+          </p:nvPr>
+        </p:nvSpPr>
+        <p:spPr/>
+        <p:txBody>
+          <a:bodyPr/>
+          <a:lstStyle/>
+          <a:p>
+            <a:r>
+              <a:rPr lang="da-DK" dirty="0"/>
+              <a:t>Nævn at for </a:t>
+            </a:r>
+            <a:r>
+              <a:rPr lang="da-DK" dirty="0" err="1"/>
+              <a:t>RabbitMQ</a:t>
+            </a:r>
+            <a:r>
+              <a:rPr lang="da-DK" dirty="0"/>
+              <a:t> er der intet der tvinger en </a:t>
+            </a:r>
+            <a:r>
+              <a:rPr lang="da-DK" dirty="0" err="1"/>
+              <a:t>consumer</a:t>
+            </a:r>
+            <a:r>
+              <a:rPr lang="da-DK" dirty="0"/>
+              <a:t> at svare på en RPC</a:t>
+            </a:r>
+          </a:p>
+        </p:txBody>
+      </p:sp>
+      <p:sp>
+        <p:nvSpPr>
+          <p:cNvPr id="4" name="Pladsholder til slidenummer 3"/>
+          <p:cNvSpPr>
+            <a:spLocks noGrp="1"/>
+          </p:cNvSpPr>
+          <p:nvPr>
+            <p:ph type="sldNum" sz="quarter" idx="5"/>
+          </p:nvPr>
+        </p:nvSpPr>
+        <p:spPr/>
+        <p:txBody>
+          <a:bodyPr/>
+          <a:lstStyle/>
+          <a:p>
+            <a:fld id="{252E21F2-0B82-4ACE-A045-2AAC56859006}" type="slidenum">
+              <a:rPr lang="da-DK" smtClean="0"/>
+              <a:t>20</a:t>
+            </a:fld>
+            <a:endParaRPr lang="da-DK"/>
+          </a:p>
+        </p:txBody>
+      </p:sp>
+    </p:spTree>
+    <p:extLst>
+      <p:ext uri="{BB962C8B-B14F-4D97-AF65-F5344CB8AC3E}">
+        <p14:creationId xmlns:p14="http://schemas.microsoft.com/office/powerpoint/2010/main" val="282527506"/>
+      </p:ext>
+    </p:extLst>
+  </p:cSld>
+  <p:clrMapOvr>
+    <a:masterClrMapping/>
+  </p:clrMapOvr>
+</p:notes>
 </file>
 
 <file path=ppt/slideLayouts/slideLayout1.xml><?xml version="1.0" encoding="utf-8"?>
@@ -135,32 +1448,58 @@
           <a:chExt cx="0" cy="0"/>
         </a:xfrm>
       </p:grpSpPr>
-      <p:sp>
-        <p:nvSpPr>
-          <p:cNvPr id="2" name="Titel 1">
+      <p:pic>
+        <p:nvPicPr>
+          <p:cNvPr id="8" name="Picture 7" descr="C2-HD-BTM.png"/>
+          <p:cNvPicPr>
+            <a:picLocks noChangeAspect="1"/>
+          </p:cNvPicPr>
+          <p:nvPr/>
+        </p:nvPicPr>
+        <p:blipFill>
+          <a:blip r:embed="rId2">
             <a:extLst>
-              <a:ext uri="{FF2B5EF4-FFF2-40B4-BE49-F238E27FC236}">
-                <a16:creationId xmlns:a16="http://schemas.microsoft.com/office/drawing/2014/main" id="{A097CCF0-BE4F-829E-3DBD-2CF1C3823401}"/>
+              <a:ext uri="{28A0092B-C50C-407E-A947-70E740481C1C}">
+                <a14:useLocalDpi xmlns:a14="http://schemas.microsoft.com/office/drawing/2010/main" val="0"/>
               </a:ext>
             </a:extLst>
-          </p:cNvPr>
-          <p:cNvSpPr>
-            <a:spLocks noGrp="1"/>
-          </p:cNvSpPr>
-          <p:nvPr>
-            <p:ph type="ctrTitle"/>
-          </p:nvPr>
-        </p:nvSpPr>
+          </a:blip>
+          <a:stretch>
+            <a:fillRect/>
+          </a:stretch>
+        </p:blipFill>
         <p:spPr>
           <a:xfrm>
-            <a:off x="1524000" y="1122363"/>
-            <a:ext cx="9144000" cy="2387600"/>
+            <a:off x="0" y="4375150"/>
+            <a:ext cx="12192000" cy="2482850"/>
+          </a:xfrm>
+          <a:prstGeom prst="rect">
+            <a:avLst/>
+          </a:prstGeom>
+        </p:spPr>
+      </p:pic>
+      <p:sp>
+        <p:nvSpPr>
+          <p:cNvPr id="2" name="Title 1"/>
+          <p:cNvSpPr>
+            <a:spLocks noGrp="1"/>
+          </p:cNvSpPr>
+          <p:nvPr>
+            <p:ph type="ctrTitle"/>
+          </p:nvPr>
+        </p:nvSpPr>
+        <p:spPr>
+          <a:xfrm>
+            <a:off x="1371600" y="1803405"/>
+            <a:ext cx="9448800" cy="1825096"/>
           </a:xfrm>
         </p:spPr>
         <p:txBody>
-          <a:bodyPr anchor="b"/>
+          <a:bodyPr anchor="b">
+            <a:normAutofit/>
+          </a:bodyPr>
           <a:lstStyle>
-            <a:lvl1pPr algn="ctr">
+            <a:lvl1pPr algn="l">
               <a:defRPr sz="6000"/>
             </a:lvl1pPr>
           </a:lstStyle>
@@ -169,18 +1508,13 @@
               <a:rPr lang="da-DK"/>
               <a:t>Klik for at redigere titeltypografien i masteren</a:t>
             </a:r>
-          </a:p>
-        </p:txBody>
-      </p:sp>
-      <p:sp>
-        <p:nvSpPr>
-          <p:cNvPr id="3" name="Undertitel 2">
-            <a:extLst>
-              <a:ext uri="{FF2B5EF4-FFF2-40B4-BE49-F238E27FC236}">
-                <a16:creationId xmlns:a16="http://schemas.microsoft.com/office/drawing/2014/main" id="{034DF4DC-4910-4F3D-D36A-AECA577434CA}"/>
-              </a:ext>
-            </a:extLst>
-          </p:cNvPr>
+            <a:endParaRPr lang="en-US" dirty="0"/>
+          </a:p>
+        </p:txBody>
+      </p:sp>
+      <p:sp>
+        <p:nvSpPr>
+          <p:cNvPr id="3" name="Subtitle 2"/>
           <p:cNvSpPr>
             <a:spLocks noGrp="1"/>
           </p:cNvSpPr>
@@ -190,16 +1524,18 @@
         </p:nvSpPr>
         <p:spPr>
           <a:xfrm>
-            <a:off x="1524000" y="3602038"/>
-            <a:ext cx="9144000" cy="1655762"/>
+            <a:off x="1371600" y="3632201"/>
+            <a:ext cx="9448800" cy="685800"/>
           </a:xfrm>
         </p:spPr>
         <p:txBody>
-          <a:bodyPr/>
+          <a:bodyPr>
+            <a:normAutofit/>
+          </a:bodyPr>
           <a:lstStyle>
-            <a:lvl1pPr marL="0" indent="0" algn="ctr">
-              <a:buNone/>
-              <a:defRPr sz="2400"/>
+            <a:lvl1pPr marL="0" indent="0" algn="l">
+              <a:buNone/>
+              <a:defRPr sz="2000"/>
             </a:lvl1pPr>
             <a:lvl2pPr marL="457200" indent="0" algn="ctr">
               <a:buNone/>
@@ -239,18 +1575,13 @@
               <a:rPr lang="da-DK"/>
               <a:t>Klik for at redigere undertiteltypografien i masteren</a:t>
             </a:r>
-          </a:p>
-        </p:txBody>
-      </p:sp>
-      <p:sp>
-        <p:nvSpPr>
-          <p:cNvPr id="4" name="Pladsholder til dato 3">
-            <a:extLst>
-              <a:ext uri="{FF2B5EF4-FFF2-40B4-BE49-F238E27FC236}">
-                <a16:creationId xmlns:a16="http://schemas.microsoft.com/office/drawing/2014/main" id="{305F8703-C220-66AE-374D-394363C7632B}"/>
-              </a:ext>
-            </a:extLst>
-          </p:cNvPr>
+            <a:endParaRPr lang="en-US" dirty="0"/>
+          </a:p>
+        </p:txBody>
+      </p:sp>
+      <p:sp>
+        <p:nvSpPr>
+          <p:cNvPr id="4" name="Date Placeholder 3"/>
           <p:cNvSpPr>
             <a:spLocks noGrp="1"/>
           </p:cNvSpPr>
@@ -258,14 +1589,19 @@
             <p:ph type="dt" sz="half" idx="10"/>
           </p:nvPr>
         </p:nvSpPr>
-        <p:spPr/>
+        <p:spPr>
+          <a:xfrm>
+            <a:off x="7909561" y="4314328"/>
+            <a:ext cx="2910840" cy="374642"/>
+          </a:xfrm>
+        </p:spPr>
         <p:txBody>
           <a:bodyPr/>
           <a:lstStyle/>
           <a:p>
             <a:fld id="{904F8374-DDA3-4289-A3C4-A561B6E67BA2}" type="datetimeFigureOut">
               <a:rPr lang="da-DK" smtClean="0"/>
-              <a:t>03-05-2024</a:t>
+              <a:t>06-05-2024</a:t>
             </a:fld>
             <a:endParaRPr lang="da-DK"/>
           </a:p>
@@ -273,13 +1609,7 @@
       </p:sp>
       <p:sp>
         <p:nvSpPr>
-          <p:cNvPr id="5" name="Pladsholder til sidefod 4">
-            <a:extLst>
-              <a:ext uri="{FF2B5EF4-FFF2-40B4-BE49-F238E27FC236}">
-                <a16:creationId xmlns:a16="http://schemas.microsoft.com/office/drawing/2014/main" id="{71148567-8174-054E-AC85-2786DF5EBA52}"/>
-              </a:ext>
-            </a:extLst>
-          </p:cNvPr>
+          <p:cNvPr id="5" name="Footer Placeholder 4"/>
           <p:cNvSpPr>
             <a:spLocks noGrp="1"/>
           </p:cNvSpPr>
@@ -287,7 +1617,12 @@
             <p:ph type="ftr" sz="quarter" idx="11"/>
           </p:nvPr>
         </p:nvSpPr>
-        <p:spPr/>
+        <p:spPr>
+          <a:xfrm>
+            <a:off x="1371600" y="4323845"/>
+            <a:ext cx="6400800" cy="365125"/>
+          </a:xfrm>
+        </p:spPr>
         <p:txBody>
           <a:bodyPr/>
           <a:lstStyle/>
@@ -298,13 +1633,7 @@
       </p:sp>
       <p:sp>
         <p:nvSpPr>
-          <p:cNvPr id="6" name="Pladsholder til slidenummer 5">
-            <a:extLst>
-              <a:ext uri="{FF2B5EF4-FFF2-40B4-BE49-F238E27FC236}">
-                <a16:creationId xmlns:a16="http://schemas.microsoft.com/office/drawing/2014/main" id="{66172A63-9690-F697-AE50-3374EADDD485}"/>
-              </a:ext>
-            </a:extLst>
-          </p:cNvPr>
+          <p:cNvPr id="6" name="Slide Number Placeholder 5"/>
           <p:cNvSpPr>
             <a:spLocks noGrp="1"/>
           </p:cNvSpPr>
@@ -312,7 +1641,12 @@
             <p:ph type="sldNum" sz="quarter" idx="12"/>
           </p:nvPr>
         </p:nvSpPr>
-        <p:spPr/>
+        <p:spPr>
+          <a:xfrm>
+            <a:off x="8077200" y="1430866"/>
+            <a:ext cx="2743200" cy="365125"/>
+          </a:xfrm>
+        </p:spPr>
         <p:txBody>
           <a:bodyPr/>
           <a:lstStyle/>
@@ -328,7 +1662,7 @@
     </p:spTree>
     <p:extLst>
       <p:ext uri="{BB962C8B-B14F-4D97-AF65-F5344CB8AC3E}">
-        <p14:creationId xmlns:p14="http://schemas.microsoft.com/office/powerpoint/2010/main" val="4260646828"/>
+        <p14:creationId xmlns:p14="http://schemas.microsoft.com/office/powerpoint/2010/main" val="2380612082"/>
       </p:ext>
     </p:extLst>
   </p:cSld>
@@ -339,6 +1673,2598 @@
 </file>
 
 <file path=ppt/slideLayouts/slideLayout10.xml><?xml version="1.0" encoding="utf-8"?>
+<p:sldLayout xmlns:a="http://schemas.openxmlformats.org/drawingml/2006/main" xmlns:r="http://schemas.openxmlformats.org/officeDocument/2006/relationships" xmlns:p="http://schemas.openxmlformats.org/presentationml/2006/main" preserve="1">
+  <p:cSld name="Panoramisk billede med billedtekst">
+    <p:spTree>
+      <p:nvGrpSpPr>
+        <p:cNvPr id="1" name=""/>
+        <p:cNvGrpSpPr/>
+        <p:nvPr/>
+      </p:nvGrpSpPr>
+      <p:grpSpPr>
+        <a:xfrm>
+          <a:off x="0" y="0"/>
+          <a:ext cx="0" cy="0"/>
+          <a:chOff x="0" y="0"/>
+          <a:chExt cx="0" cy="0"/>
+        </a:xfrm>
+      </p:grpSpPr>
+      <p:sp>
+        <p:nvSpPr>
+          <p:cNvPr id="2" name="Title 1"/>
+          <p:cNvSpPr>
+            <a:spLocks noGrp="1"/>
+          </p:cNvSpPr>
+          <p:nvPr>
+            <p:ph type="title"/>
+          </p:nvPr>
+        </p:nvSpPr>
+        <p:spPr>
+          <a:xfrm>
+            <a:off x="685777" y="4697360"/>
+            <a:ext cx="10822034" cy="819355"/>
+          </a:xfrm>
+        </p:spPr>
+        <p:txBody>
+          <a:bodyPr anchor="b"/>
+          <a:lstStyle>
+            <a:lvl1pPr algn="l">
+              <a:defRPr sz="3200"/>
+            </a:lvl1pPr>
+          </a:lstStyle>
+          <a:p>
+            <a:r>
+              <a:rPr lang="da-DK"/>
+              <a:t>Klik for at redigere titeltypografien i masteren</a:t>
+            </a:r>
+            <a:endParaRPr lang="en-US" dirty="0"/>
+          </a:p>
+        </p:txBody>
+      </p:sp>
+      <p:sp>
+        <p:nvSpPr>
+          <p:cNvPr id="3" name="Picture Placeholder 2"/>
+          <p:cNvSpPr>
+            <a:spLocks noGrp="1" noChangeAspect="1"/>
+          </p:cNvSpPr>
+          <p:nvPr>
+            <p:ph type="pic" idx="1"/>
+          </p:nvPr>
+        </p:nvSpPr>
+        <p:spPr>
+          <a:xfrm>
+            <a:off x="681727" y="941439"/>
+            <a:ext cx="10821840" cy="3478161"/>
+          </a:xfrm>
+        </p:spPr>
+        <p:txBody>
+          <a:bodyPr anchor="t"/>
+          <a:lstStyle>
+            <a:lvl1pPr marL="0" indent="0">
+              <a:buNone/>
+              <a:defRPr sz="3200"/>
+            </a:lvl1pPr>
+            <a:lvl2pPr marL="457200" indent="0">
+              <a:buNone/>
+              <a:defRPr sz="2800"/>
+            </a:lvl2pPr>
+            <a:lvl3pPr marL="914400" indent="0">
+              <a:buNone/>
+              <a:defRPr sz="2400"/>
+            </a:lvl3pPr>
+            <a:lvl4pPr marL="1371600" indent="0">
+              <a:buNone/>
+              <a:defRPr sz="2000"/>
+            </a:lvl4pPr>
+            <a:lvl5pPr marL="1828800" indent="0">
+              <a:buNone/>
+              <a:defRPr sz="2000"/>
+            </a:lvl5pPr>
+            <a:lvl6pPr marL="2286000" indent="0">
+              <a:buNone/>
+              <a:defRPr sz="2000"/>
+            </a:lvl6pPr>
+            <a:lvl7pPr marL="2743200" indent="0">
+              <a:buNone/>
+              <a:defRPr sz="2000"/>
+            </a:lvl7pPr>
+            <a:lvl8pPr marL="3200400" indent="0">
+              <a:buNone/>
+              <a:defRPr sz="2000"/>
+            </a:lvl8pPr>
+            <a:lvl9pPr marL="3657600" indent="0">
+              <a:buNone/>
+              <a:defRPr sz="2000"/>
+            </a:lvl9pPr>
+          </a:lstStyle>
+          <a:p>
+            <a:r>
+              <a:rPr lang="da-DK"/>
+              <a:t>Klik på ikonet for at tilføje et billede</a:t>
+            </a:r>
+            <a:endParaRPr lang="en-US" dirty="0"/>
+          </a:p>
+        </p:txBody>
+      </p:sp>
+      <p:sp>
+        <p:nvSpPr>
+          <p:cNvPr id="4" name="Text Placeholder 3"/>
+          <p:cNvSpPr>
+            <a:spLocks noGrp="1"/>
+          </p:cNvSpPr>
+          <p:nvPr>
+            <p:ph type="body" sz="half" idx="2"/>
+          </p:nvPr>
+        </p:nvSpPr>
+        <p:spPr>
+          <a:xfrm>
+            <a:off x="685800" y="5516715"/>
+            <a:ext cx="10820400" cy="701969"/>
+          </a:xfrm>
+        </p:spPr>
+        <p:txBody>
+          <a:bodyPr/>
+          <a:lstStyle>
+            <a:lvl1pPr marL="0" indent="0" algn="l">
+              <a:buNone/>
+              <a:defRPr sz="1600"/>
+            </a:lvl1pPr>
+            <a:lvl2pPr marL="457200" indent="0">
+              <a:buNone/>
+              <a:defRPr sz="1400"/>
+            </a:lvl2pPr>
+            <a:lvl3pPr marL="914400" indent="0">
+              <a:buNone/>
+              <a:defRPr sz="1200"/>
+            </a:lvl3pPr>
+            <a:lvl4pPr marL="1371600" indent="0">
+              <a:buNone/>
+              <a:defRPr sz="1000"/>
+            </a:lvl4pPr>
+            <a:lvl5pPr marL="1828800" indent="0">
+              <a:buNone/>
+              <a:defRPr sz="1000"/>
+            </a:lvl5pPr>
+            <a:lvl6pPr marL="2286000" indent="0">
+              <a:buNone/>
+              <a:defRPr sz="1000"/>
+            </a:lvl6pPr>
+            <a:lvl7pPr marL="2743200" indent="0">
+              <a:buNone/>
+              <a:defRPr sz="1000"/>
+            </a:lvl7pPr>
+            <a:lvl8pPr marL="3200400" indent="0">
+              <a:buNone/>
+              <a:defRPr sz="1000"/>
+            </a:lvl8pPr>
+            <a:lvl9pPr marL="3657600" indent="0">
+              <a:buNone/>
+              <a:defRPr sz="1000"/>
+            </a:lvl9pPr>
+          </a:lstStyle>
+          <a:p>
+            <a:pPr lvl="0"/>
+            <a:r>
+              <a:rPr lang="da-DK"/>
+              <a:t>Klik for at redigere teksttypografierne i masteren</a:t>
+            </a:r>
+          </a:p>
+        </p:txBody>
+      </p:sp>
+      <p:sp>
+        <p:nvSpPr>
+          <p:cNvPr id="5" name="Date Placeholder 4"/>
+          <p:cNvSpPr>
+            <a:spLocks noGrp="1"/>
+          </p:cNvSpPr>
+          <p:nvPr>
+            <p:ph type="dt" sz="half" idx="10"/>
+          </p:nvPr>
+        </p:nvSpPr>
+        <p:spPr/>
+        <p:txBody>
+          <a:bodyPr/>
+          <a:lstStyle/>
+          <a:p>
+            <a:fld id="{904F8374-DDA3-4289-A3C4-A561B6E67BA2}" type="datetimeFigureOut">
+              <a:rPr lang="da-DK" smtClean="0"/>
+              <a:t>06-05-2024</a:t>
+            </a:fld>
+            <a:endParaRPr lang="da-DK"/>
+          </a:p>
+        </p:txBody>
+      </p:sp>
+      <p:sp>
+        <p:nvSpPr>
+          <p:cNvPr id="6" name="Footer Placeholder 5"/>
+          <p:cNvSpPr>
+            <a:spLocks noGrp="1"/>
+          </p:cNvSpPr>
+          <p:nvPr>
+            <p:ph type="ftr" sz="quarter" idx="11"/>
+          </p:nvPr>
+        </p:nvSpPr>
+        <p:spPr/>
+        <p:txBody>
+          <a:bodyPr/>
+          <a:lstStyle/>
+          <a:p>
+            <a:endParaRPr lang="da-DK"/>
+          </a:p>
+        </p:txBody>
+      </p:sp>
+      <p:sp>
+        <p:nvSpPr>
+          <p:cNvPr id="7" name="Slide Number Placeholder 6"/>
+          <p:cNvSpPr>
+            <a:spLocks noGrp="1"/>
+          </p:cNvSpPr>
+          <p:nvPr>
+            <p:ph type="sldNum" sz="quarter" idx="12"/>
+          </p:nvPr>
+        </p:nvSpPr>
+        <p:spPr/>
+        <p:txBody>
+          <a:bodyPr/>
+          <a:lstStyle/>
+          <a:p>
+            <a:fld id="{E29EC0B3-397A-4B17-8045-80EB872916EF}" type="slidenum">
+              <a:rPr lang="da-DK" smtClean="0"/>
+              <a:t>‹nr.›</a:t>
+            </a:fld>
+            <a:endParaRPr lang="da-DK"/>
+          </a:p>
+        </p:txBody>
+      </p:sp>
+    </p:spTree>
+    <p:extLst>
+      <p:ext uri="{BB962C8B-B14F-4D97-AF65-F5344CB8AC3E}">
+        <p14:creationId xmlns:p14="http://schemas.microsoft.com/office/powerpoint/2010/main" val="2739832208"/>
+      </p:ext>
+    </p:extLst>
+  </p:cSld>
+  <p:clrMapOvr>
+    <a:masterClrMapping/>
+  </p:clrMapOvr>
+</p:sldLayout>
+</file>
+
+<file path=ppt/slideLayouts/slideLayout11.xml><?xml version="1.0" encoding="utf-8"?>
+<p:sldLayout xmlns:a="http://schemas.openxmlformats.org/drawingml/2006/main" xmlns:r="http://schemas.openxmlformats.org/officeDocument/2006/relationships" xmlns:p="http://schemas.openxmlformats.org/presentationml/2006/main" showMasterSp="0" preserve="1">
+  <p:cSld name="Titel og billedtekst">
+    <p:spTree>
+      <p:nvGrpSpPr>
+        <p:cNvPr id="1" name=""/>
+        <p:cNvGrpSpPr/>
+        <p:nvPr/>
+      </p:nvGrpSpPr>
+      <p:grpSpPr>
+        <a:xfrm>
+          <a:off x="0" y="0"/>
+          <a:ext cx="0" cy="0"/>
+          <a:chOff x="0" y="0"/>
+          <a:chExt cx="0" cy="0"/>
+        </a:xfrm>
+      </p:grpSpPr>
+      <p:pic>
+        <p:nvPicPr>
+          <p:cNvPr id="9" name="Picture 8" descr="C2-HD-BTM.png"/>
+          <p:cNvPicPr>
+            <a:picLocks noChangeAspect="1"/>
+          </p:cNvPicPr>
+          <p:nvPr/>
+        </p:nvPicPr>
+        <p:blipFill>
+          <a:blip r:embed="rId2">
+            <a:extLst>
+              <a:ext uri="{28A0092B-C50C-407E-A947-70E740481C1C}">
+                <a14:useLocalDpi xmlns:a14="http://schemas.microsoft.com/office/drawing/2010/main" val="0"/>
+              </a:ext>
+            </a:extLst>
+          </a:blip>
+          <a:stretch>
+            <a:fillRect/>
+          </a:stretch>
+        </p:blipFill>
+        <p:spPr>
+          <a:xfrm>
+            <a:off x="0" y="4375150"/>
+            <a:ext cx="12192000" cy="2482850"/>
+          </a:xfrm>
+          <a:prstGeom prst="rect">
+            <a:avLst/>
+          </a:prstGeom>
+        </p:spPr>
+      </p:pic>
+      <p:sp>
+        <p:nvSpPr>
+          <p:cNvPr id="2" name="Title 1"/>
+          <p:cNvSpPr>
+            <a:spLocks noGrp="1"/>
+          </p:cNvSpPr>
+          <p:nvPr>
+            <p:ph type="title"/>
+          </p:nvPr>
+        </p:nvSpPr>
+        <p:spPr>
+          <a:xfrm>
+            <a:off x="685800" y="753532"/>
+            <a:ext cx="10820400" cy="2802467"/>
+          </a:xfrm>
+        </p:spPr>
+        <p:txBody>
+          <a:bodyPr anchor="ctr"/>
+          <a:lstStyle>
+            <a:lvl1pPr algn="l">
+              <a:defRPr sz="3200"/>
+            </a:lvl1pPr>
+          </a:lstStyle>
+          <a:p>
+            <a:r>
+              <a:rPr lang="da-DK"/>
+              <a:t>Klik for at redigere titeltypografien i masteren</a:t>
+            </a:r>
+            <a:endParaRPr lang="en-US" dirty="0"/>
+          </a:p>
+        </p:txBody>
+      </p:sp>
+      <p:sp>
+        <p:nvSpPr>
+          <p:cNvPr id="4" name="Text Placeholder 3"/>
+          <p:cNvSpPr>
+            <a:spLocks noGrp="1"/>
+          </p:cNvSpPr>
+          <p:nvPr>
+            <p:ph type="body" sz="half" idx="2"/>
+          </p:nvPr>
+        </p:nvSpPr>
+        <p:spPr>
+          <a:xfrm>
+            <a:off x="1024467" y="3649133"/>
+            <a:ext cx="10130516" cy="999067"/>
+          </a:xfrm>
+        </p:spPr>
+        <p:txBody>
+          <a:bodyPr anchor="ctr"/>
+          <a:lstStyle>
+            <a:lvl1pPr marL="0" indent="0">
+              <a:buNone/>
+              <a:defRPr sz="1600"/>
+            </a:lvl1pPr>
+            <a:lvl2pPr marL="457200" indent="0">
+              <a:buNone/>
+              <a:defRPr sz="1400"/>
+            </a:lvl2pPr>
+            <a:lvl3pPr marL="914400" indent="0">
+              <a:buNone/>
+              <a:defRPr sz="1200"/>
+            </a:lvl3pPr>
+            <a:lvl4pPr marL="1371600" indent="0">
+              <a:buNone/>
+              <a:defRPr sz="1000"/>
+            </a:lvl4pPr>
+            <a:lvl5pPr marL="1828800" indent="0">
+              <a:buNone/>
+              <a:defRPr sz="1000"/>
+            </a:lvl5pPr>
+            <a:lvl6pPr marL="2286000" indent="0">
+              <a:buNone/>
+              <a:defRPr sz="1000"/>
+            </a:lvl6pPr>
+            <a:lvl7pPr marL="2743200" indent="0">
+              <a:buNone/>
+              <a:defRPr sz="1000"/>
+            </a:lvl7pPr>
+            <a:lvl8pPr marL="3200400" indent="0">
+              <a:buNone/>
+              <a:defRPr sz="1000"/>
+            </a:lvl8pPr>
+            <a:lvl9pPr marL="3657600" indent="0">
+              <a:buNone/>
+              <a:defRPr sz="1000"/>
+            </a:lvl9pPr>
+          </a:lstStyle>
+          <a:p>
+            <a:pPr lvl="0"/>
+            <a:r>
+              <a:rPr lang="da-DK"/>
+              <a:t>Klik for at redigere teksttypografierne i masteren</a:t>
+            </a:r>
+          </a:p>
+        </p:txBody>
+      </p:sp>
+      <p:sp>
+        <p:nvSpPr>
+          <p:cNvPr id="5" name="Date Placeholder 4"/>
+          <p:cNvSpPr>
+            <a:spLocks noGrp="1"/>
+          </p:cNvSpPr>
+          <p:nvPr>
+            <p:ph type="dt" sz="half" idx="10"/>
+          </p:nvPr>
+        </p:nvSpPr>
+        <p:spPr>
+          <a:xfrm>
+            <a:off x="7814452" y="381000"/>
+            <a:ext cx="2910840" cy="365125"/>
+          </a:xfrm>
+        </p:spPr>
+        <p:txBody>
+          <a:bodyPr/>
+          <a:lstStyle>
+            <a:lvl1pPr algn="r">
+              <a:defRPr/>
+            </a:lvl1pPr>
+          </a:lstStyle>
+          <a:p>
+            <a:fld id="{904F8374-DDA3-4289-A3C4-A561B6E67BA2}" type="datetimeFigureOut">
+              <a:rPr lang="da-DK" smtClean="0"/>
+              <a:t>06-05-2024</a:t>
+            </a:fld>
+            <a:endParaRPr lang="da-DK"/>
+          </a:p>
+        </p:txBody>
+      </p:sp>
+      <p:sp>
+        <p:nvSpPr>
+          <p:cNvPr id="6" name="Footer Placeholder 5"/>
+          <p:cNvSpPr>
+            <a:spLocks noGrp="1"/>
+          </p:cNvSpPr>
+          <p:nvPr>
+            <p:ph type="ftr" sz="quarter" idx="11"/>
+          </p:nvPr>
+        </p:nvSpPr>
+        <p:spPr>
+          <a:xfrm>
+            <a:off x="685800" y="379941"/>
+            <a:ext cx="6991492" cy="365125"/>
+          </a:xfrm>
+        </p:spPr>
+        <p:txBody>
+          <a:bodyPr/>
+          <a:lstStyle/>
+          <a:p>
+            <a:endParaRPr lang="da-DK"/>
+          </a:p>
+        </p:txBody>
+      </p:sp>
+      <p:sp>
+        <p:nvSpPr>
+          <p:cNvPr id="7" name="Slide Number Placeholder 6"/>
+          <p:cNvSpPr>
+            <a:spLocks noGrp="1"/>
+          </p:cNvSpPr>
+          <p:nvPr>
+            <p:ph type="sldNum" sz="quarter" idx="12"/>
+          </p:nvPr>
+        </p:nvSpPr>
+        <p:spPr>
+          <a:xfrm>
+            <a:off x="10862452" y="381000"/>
+            <a:ext cx="643748" cy="365125"/>
+          </a:xfrm>
+        </p:spPr>
+        <p:txBody>
+          <a:bodyPr/>
+          <a:lstStyle/>
+          <a:p>
+            <a:fld id="{E29EC0B3-397A-4B17-8045-80EB872916EF}" type="slidenum">
+              <a:rPr lang="da-DK" smtClean="0"/>
+              <a:t>‹nr.›</a:t>
+            </a:fld>
+            <a:endParaRPr lang="da-DK"/>
+          </a:p>
+        </p:txBody>
+      </p:sp>
+    </p:spTree>
+    <p:extLst>
+      <p:ext uri="{BB962C8B-B14F-4D97-AF65-F5344CB8AC3E}">
+        <p14:creationId xmlns:p14="http://schemas.microsoft.com/office/powerpoint/2010/main" val="849068425"/>
+      </p:ext>
+    </p:extLst>
+  </p:cSld>
+  <p:clrMapOvr>
+    <a:masterClrMapping/>
+  </p:clrMapOvr>
+</p:sldLayout>
+</file>
+
+<file path=ppt/slideLayouts/slideLayout12.xml><?xml version="1.0" encoding="utf-8"?>
+<p:sldLayout xmlns:a="http://schemas.openxmlformats.org/drawingml/2006/main" xmlns:r="http://schemas.openxmlformats.org/officeDocument/2006/relationships" xmlns:p="http://schemas.openxmlformats.org/presentationml/2006/main" showMasterSp="0" preserve="1">
+  <p:cSld name="Citat med billedtekst">
+    <p:spTree>
+      <p:nvGrpSpPr>
+        <p:cNvPr id="1" name=""/>
+        <p:cNvGrpSpPr/>
+        <p:nvPr/>
+      </p:nvGrpSpPr>
+      <p:grpSpPr>
+        <a:xfrm>
+          <a:off x="0" y="0"/>
+          <a:ext cx="0" cy="0"/>
+          <a:chOff x="0" y="0"/>
+          <a:chExt cx="0" cy="0"/>
+        </a:xfrm>
+      </p:grpSpPr>
+      <p:pic>
+        <p:nvPicPr>
+          <p:cNvPr id="11" name="Picture 10" descr="C2-HD-BTM.png"/>
+          <p:cNvPicPr>
+            <a:picLocks noChangeAspect="1"/>
+          </p:cNvPicPr>
+          <p:nvPr/>
+        </p:nvPicPr>
+        <p:blipFill>
+          <a:blip r:embed="rId2">
+            <a:extLst>
+              <a:ext uri="{28A0092B-C50C-407E-A947-70E740481C1C}">
+                <a14:useLocalDpi xmlns:a14="http://schemas.microsoft.com/office/drawing/2010/main" val="0"/>
+              </a:ext>
+            </a:extLst>
+          </a:blip>
+          <a:stretch>
+            <a:fillRect/>
+          </a:stretch>
+        </p:blipFill>
+        <p:spPr>
+          <a:xfrm>
+            <a:off x="0" y="4375150"/>
+            <a:ext cx="12192000" cy="2482850"/>
+          </a:xfrm>
+          <a:prstGeom prst="rect">
+            <a:avLst/>
+          </a:prstGeom>
+        </p:spPr>
+      </p:pic>
+      <p:sp>
+        <p:nvSpPr>
+          <p:cNvPr id="2" name="Title 1"/>
+          <p:cNvSpPr>
+            <a:spLocks noGrp="1"/>
+          </p:cNvSpPr>
+          <p:nvPr>
+            <p:ph type="title"/>
+          </p:nvPr>
+        </p:nvSpPr>
+        <p:spPr>
+          <a:xfrm>
+            <a:off x="1024467" y="753533"/>
+            <a:ext cx="10151533" cy="2604495"/>
+          </a:xfrm>
+        </p:spPr>
+        <p:txBody>
+          <a:bodyPr anchor="ctr"/>
+          <a:lstStyle>
+            <a:lvl1pPr algn="l">
+              <a:defRPr sz="3200"/>
+            </a:lvl1pPr>
+          </a:lstStyle>
+          <a:p>
+            <a:r>
+              <a:rPr lang="da-DK"/>
+              <a:t>Klik for at redigere titeltypografien i masteren</a:t>
+            </a:r>
+            <a:endParaRPr lang="en-US" dirty="0"/>
+          </a:p>
+        </p:txBody>
+      </p:sp>
+      <p:sp>
+        <p:nvSpPr>
+          <p:cNvPr id="12" name="Text Placeholder 3"/>
+          <p:cNvSpPr>
+            <a:spLocks noGrp="1"/>
+          </p:cNvSpPr>
+          <p:nvPr>
+            <p:ph type="body" sz="half" idx="13"/>
+          </p:nvPr>
+        </p:nvSpPr>
+        <p:spPr>
+          <a:xfrm>
+            <a:off x="1303865" y="3365556"/>
+            <a:ext cx="9592736" cy="444443"/>
+          </a:xfrm>
+        </p:spPr>
+        <p:txBody>
+          <a:bodyPr anchor="t">
+            <a:normAutofit/>
+          </a:bodyPr>
+          <a:lstStyle>
+            <a:lvl1pPr marL="0" indent="0">
+              <a:buNone/>
+              <a:defRPr sz="1400"/>
+            </a:lvl1pPr>
+            <a:lvl2pPr marL="457200" indent="0">
+              <a:buNone/>
+              <a:defRPr sz="1400"/>
+            </a:lvl2pPr>
+            <a:lvl3pPr marL="914400" indent="0">
+              <a:buNone/>
+              <a:defRPr sz="1200"/>
+            </a:lvl3pPr>
+            <a:lvl4pPr marL="1371600" indent="0">
+              <a:buNone/>
+              <a:defRPr sz="1000"/>
+            </a:lvl4pPr>
+            <a:lvl5pPr marL="1828800" indent="0">
+              <a:buNone/>
+              <a:defRPr sz="1000"/>
+            </a:lvl5pPr>
+            <a:lvl6pPr marL="2286000" indent="0">
+              <a:buNone/>
+              <a:defRPr sz="1000"/>
+            </a:lvl6pPr>
+            <a:lvl7pPr marL="2743200" indent="0">
+              <a:buNone/>
+              <a:defRPr sz="1000"/>
+            </a:lvl7pPr>
+            <a:lvl8pPr marL="3200400" indent="0">
+              <a:buNone/>
+              <a:defRPr sz="1000"/>
+            </a:lvl8pPr>
+            <a:lvl9pPr marL="3657600" indent="0">
+              <a:buNone/>
+              <a:defRPr sz="1000"/>
+            </a:lvl9pPr>
+          </a:lstStyle>
+          <a:p>
+            <a:pPr lvl="0"/>
+            <a:r>
+              <a:rPr lang="da-DK"/>
+              <a:t>Klik for at redigere teksttypografierne i masteren</a:t>
+            </a:r>
+          </a:p>
+        </p:txBody>
+      </p:sp>
+      <p:sp>
+        <p:nvSpPr>
+          <p:cNvPr id="4" name="Text Placeholder 3"/>
+          <p:cNvSpPr>
+            <a:spLocks noGrp="1"/>
+          </p:cNvSpPr>
+          <p:nvPr>
+            <p:ph type="body" sz="half" idx="2"/>
+          </p:nvPr>
+        </p:nvSpPr>
+        <p:spPr>
+          <a:xfrm>
+            <a:off x="1024467" y="3959862"/>
+            <a:ext cx="10151533" cy="679871"/>
+          </a:xfrm>
+        </p:spPr>
+        <p:txBody>
+          <a:bodyPr anchor="ctr">
+            <a:normAutofit/>
+          </a:bodyPr>
+          <a:lstStyle>
+            <a:lvl1pPr marL="0" indent="0">
+              <a:buNone/>
+              <a:defRPr sz="1600"/>
+            </a:lvl1pPr>
+            <a:lvl2pPr marL="457200" indent="0">
+              <a:buNone/>
+              <a:defRPr sz="1400"/>
+            </a:lvl2pPr>
+            <a:lvl3pPr marL="914400" indent="0">
+              <a:buNone/>
+              <a:defRPr sz="1200"/>
+            </a:lvl3pPr>
+            <a:lvl4pPr marL="1371600" indent="0">
+              <a:buNone/>
+              <a:defRPr sz="1000"/>
+            </a:lvl4pPr>
+            <a:lvl5pPr marL="1828800" indent="0">
+              <a:buNone/>
+              <a:defRPr sz="1000"/>
+            </a:lvl5pPr>
+            <a:lvl6pPr marL="2286000" indent="0">
+              <a:buNone/>
+              <a:defRPr sz="1000"/>
+            </a:lvl6pPr>
+            <a:lvl7pPr marL="2743200" indent="0">
+              <a:buNone/>
+              <a:defRPr sz="1000"/>
+            </a:lvl7pPr>
+            <a:lvl8pPr marL="3200400" indent="0">
+              <a:buNone/>
+              <a:defRPr sz="1000"/>
+            </a:lvl8pPr>
+            <a:lvl9pPr marL="3657600" indent="0">
+              <a:buNone/>
+              <a:defRPr sz="1000"/>
+            </a:lvl9pPr>
+          </a:lstStyle>
+          <a:p>
+            <a:pPr lvl="0"/>
+            <a:r>
+              <a:rPr lang="da-DK"/>
+              <a:t>Klik for at redigere teksttypografierne i masteren</a:t>
+            </a:r>
+          </a:p>
+        </p:txBody>
+      </p:sp>
+      <p:sp>
+        <p:nvSpPr>
+          <p:cNvPr id="5" name="Date Placeholder 4"/>
+          <p:cNvSpPr>
+            <a:spLocks noGrp="1"/>
+          </p:cNvSpPr>
+          <p:nvPr>
+            <p:ph type="dt" sz="half" idx="10"/>
+          </p:nvPr>
+        </p:nvSpPr>
+        <p:spPr>
+          <a:xfrm>
+            <a:off x="7814452" y="381000"/>
+            <a:ext cx="2910840" cy="365125"/>
+          </a:xfrm>
+        </p:spPr>
+        <p:txBody>
+          <a:bodyPr/>
+          <a:lstStyle>
+            <a:lvl1pPr algn="r">
+              <a:defRPr/>
+            </a:lvl1pPr>
+          </a:lstStyle>
+          <a:p>
+            <a:fld id="{904F8374-DDA3-4289-A3C4-A561B6E67BA2}" type="datetimeFigureOut">
+              <a:rPr lang="da-DK" smtClean="0"/>
+              <a:t>06-05-2024</a:t>
+            </a:fld>
+            <a:endParaRPr lang="da-DK"/>
+          </a:p>
+        </p:txBody>
+      </p:sp>
+      <p:sp>
+        <p:nvSpPr>
+          <p:cNvPr id="6" name="Footer Placeholder 5"/>
+          <p:cNvSpPr>
+            <a:spLocks noGrp="1"/>
+          </p:cNvSpPr>
+          <p:nvPr>
+            <p:ph type="ftr" sz="quarter" idx="11"/>
+          </p:nvPr>
+        </p:nvSpPr>
+        <p:spPr>
+          <a:xfrm>
+            <a:off x="685800" y="379941"/>
+            <a:ext cx="6991492" cy="365125"/>
+          </a:xfrm>
+        </p:spPr>
+        <p:txBody>
+          <a:bodyPr/>
+          <a:lstStyle/>
+          <a:p>
+            <a:endParaRPr lang="da-DK"/>
+          </a:p>
+        </p:txBody>
+      </p:sp>
+      <p:sp>
+        <p:nvSpPr>
+          <p:cNvPr id="7" name="Slide Number Placeholder 6"/>
+          <p:cNvSpPr>
+            <a:spLocks noGrp="1"/>
+          </p:cNvSpPr>
+          <p:nvPr>
+            <p:ph type="sldNum" sz="quarter" idx="12"/>
+          </p:nvPr>
+        </p:nvSpPr>
+        <p:spPr>
+          <a:xfrm>
+            <a:off x="10862452" y="381000"/>
+            <a:ext cx="643748" cy="365125"/>
+          </a:xfrm>
+        </p:spPr>
+        <p:txBody>
+          <a:bodyPr/>
+          <a:lstStyle/>
+          <a:p>
+            <a:fld id="{E29EC0B3-397A-4B17-8045-80EB872916EF}" type="slidenum">
+              <a:rPr lang="da-DK" smtClean="0"/>
+              <a:t>‹nr.›</a:t>
+            </a:fld>
+            <a:endParaRPr lang="da-DK"/>
+          </a:p>
+        </p:txBody>
+      </p:sp>
+      <p:sp>
+        <p:nvSpPr>
+          <p:cNvPr id="9" name="TextBox 8"/>
+          <p:cNvSpPr txBox="1"/>
+          <p:nvPr/>
+        </p:nvSpPr>
+        <p:spPr>
+          <a:xfrm>
+            <a:off x="476250" y="933450"/>
+            <a:ext cx="609600" cy="584776"/>
+          </a:xfrm>
+          <a:prstGeom prst="rect">
+            <a:avLst/>
+          </a:prstGeom>
+        </p:spPr>
+        <p:txBody>
+          <a:bodyPr vert="horz" lIns="91440" tIns="45720" rIns="91440" bIns="45720" rtlCol="0" anchor="ctr">
+            <a:noAutofit/>
+          </a:bodyPr>
+          <a:lstStyle>
+            <a:lvl1pPr>
+              <a:spcBef>
+                <a:spcPct val="0"/>
+              </a:spcBef>
+              <a:buNone/>
+              <a:defRPr sz="3200" b="0" cap="all">
+                <a:ln w="3175" cmpd="sng">
+                  <a:noFill/>
+                </a:ln>
+                <a:effectLst>
+                  <a:glow rad="38100">
+                    <a:schemeClr val="bg1">
+                      <a:lumMod val="65000"/>
+                      <a:lumOff val="35000"/>
+                      <a:alpha val="40000"/>
+                    </a:schemeClr>
+                  </a:glow>
+                  <a:outerShdw blurRad="28575" dist="38100" dir="14040000" algn="tl" rotWithShape="0">
+                    <a:srgbClr val="000000">
+                      <a:alpha val="25000"/>
+                    </a:srgbClr>
+                  </a:outerShdw>
+                </a:effectLst>
+              </a:defRPr>
+            </a:lvl1pPr>
+            <a:lvl2pPr>
+              <a:defRPr>
+                <a:solidFill>
+                  <a:schemeClr val="tx2"/>
+                </a:solidFill>
+              </a:defRPr>
+            </a:lvl2pPr>
+            <a:lvl3pPr>
+              <a:defRPr>
+                <a:solidFill>
+                  <a:schemeClr val="tx2"/>
+                </a:solidFill>
+              </a:defRPr>
+            </a:lvl3pPr>
+            <a:lvl4pPr>
+              <a:defRPr>
+                <a:solidFill>
+                  <a:schemeClr val="tx2"/>
+                </a:solidFill>
+              </a:defRPr>
+            </a:lvl4pPr>
+            <a:lvl5pPr>
+              <a:defRPr>
+                <a:solidFill>
+                  <a:schemeClr val="tx2"/>
+                </a:solidFill>
+              </a:defRPr>
+            </a:lvl5pPr>
+            <a:lvl6pPr>
+              <a:defRPr>
+                <a:solidFill>
+                  <a:schemeClr val="tx2"/>
+                </a:solidFill>
+              </a:defRPr>
+            </a:lvl6pPr>
+            <a:lvl7pPr>
+              <a:defRPr>
+                <a:solidFill>
+                  <a:schemeClr val="tx2"/>
+                </a:solidFill>
+              </a:defRPr>
+            </a:lvl7pPr>
+            <a:lvl8pPr>
+              <a:defRPr>
+                <a:solidFill>
+                  <a:schemeClr val="tx2"/>
+                </a:solidFill>
+              </a:defRPr>
+            </a:lvl8pPr>
+            <a:lvl9pPr>
+              <a:defRPr>
+                <a:solidFill>
+                  <a:schemeClr val="tx2"/>
+                </a:solidFill>
+              </a:defRPr>
+            </a:lvl9pPr>
+          </a:lstStyle>
+          <a:p>
+            <a:pPr lvl="0"/>
+            <a:r>
+              <a:rPr lang="en-US" sz="8000" dirty="0">
+                <a:solidFill>
+                  <a:schemeClr val="tx1"/>
+                </a:solidFill>
+                <a:effectLst/>
+              </a:rPr>
+              <a:t>“</a:t>
+            </a:r>
+          </a:p>
+        </p:txBody>
+      </p:sp>
+      <p:sp>
+        <p:nvSpPr>
+          <p:cNvPr id="10" name="TextBox 9"/>
+          <p:cNvSpPr txBox="1"/>
+          <p:nvPr/>
+        </p:nvSpPr>
+        <p:spPr>
+          <a:xfrm>
+            <a:off x="10984230" y="2701290"/>
+            <a:ext cx="609600" cy="584776"/>
+          </a:xfrm>
+          <a:prstGeom prst="rect">
+            <a:avLst/>
+          </a:prstGeom>
+        </p:spPr>
+        <p:txBody>
+          <a:bodyPr vert="horz" lIns="91440" tIns="45720" rIns="91440" bIns="45720" rtlCol="0" anchor="ctr">
+            <a:noAutofit/>
+          </a:bodyPr>
+          <a:lstStyle>
+            <a:lvl1pPr>
+              <a:spcBef>
+                <a:spcPct val="0"/>
+              </a:spcBef>
+              <a:buNone/>
+              <a:defRPr sz="3200" b="0" cap="all">
+                <a:ln w="3175" cmpd="sng">
+                  <a:noFill/>
+                </a:ln>
+                <a:effectLst>
+                  <a:glow rad="38100">
+                    <a:schemeClr val="bg1">
+                      <a:lumMod val="65000"/>
+                      <a:lumOff val="35000"/>
+                      <a:alpha val="40000"/>
+                    </a:schemeClr>
+                  </a:glow>
+                  <a:outerShdw blurRad="28575" dist="38100" dir="14040000" algn="tl" rotWithShape="0">
+                    <a:srgbClr val="000000">
+                      <a:alpha val="25000"/>
+                    </a:srgbClr>
+                  </a:outerShdw>
+                </a:effectLst>
+              </a:defRPr>
+            </a:lvl1pPr>
+            <a:lvl2pPr>
+              <a:defRPr>
+                <a:solidFill>
+                  <a:schemeClr val="tx2"/>
+                </a:solidFill>
+              </a:defRPr>
+            </a:lvl2pPr>
+            <a:lvl3pPr>
+              <a:defRPr>
+                <a:solidFill>
+                  <a:schemeClr val="tx2"/>
+                </a:solidFill>
+              </a:defRPr>
+            </a:lvl3pPr>
+            <a:lvl4pPr>
+              <a:defRPr>
+                <a:solidFill>
+                  <a:schemeClr val="tx2"/>
+                </a:solidFill>
+              </a:defRPr>
+            </a:lvl4pPr>
+            <a:lvl5pPr>
+              <a:defRPr>
+                <a:solidFill>
+                  <a:schemeClr val="tx2"/>
+                </a:solidFill>
+              </a:defRPr>
+            </a:lvl5pPr>
+            <a:lvl6pPr>
+              <a:defRPr>
+                <a:solidFill>
+                  <a:schemeClr val="tx2"/>
+                </a:solidFill>
+              </a:defRPr>
+            </a:lvl6pPr>
+            <a:lvl7pPr>
+              <a:defRPr>
+                <a:solidFill>
+                  <a:schemeClr val="tx2"/>
+                </a:solidFill>
+              </a:defRPr>
+            </a:lvl7pPr>
+            <a:lvl8pPr>
+              <a:defRPr>
+                <a:solidFill>
+                  <a:schemeClr val="tx2"/>
+                </a:solidFill>
+              </a:defRPr>
+            </a:lvl8pPr>
+            <a:lvl9pPr>
+              <a:defRPr>
+                <a:solidFill>
+                  <a:schemeClr val="tx2"/>
+                </a:solidFill>
+              </a:defRPr>
+            </a:lvl9pPr>
+          </a:lstStyle>
+          <a:p>
+            <a:pPr lvl="0" algn="r"/>
+            <a:r>
+              <a:rPr lang="en-US" sz="8000" dirty="0">
+                <a:solidFill>
+                  <a:schemeClr val="tx1"/>
+                </a:solidFill>
+                <a:effectLst/>
+              </a:rPr>
+              <a:t>”</a:t>
+            </a:r>
+          </a:p>
+        </p:txBody>
+      </p:sp>
+    </p:spTree>
+    <p:extLst>
+      <p:ext uri="{BB962C8B-B14F-4D97-AF65-F5344CB8AC3E}">
+        <p14:creationId xmlns:p14="http://schemas.microsoft.com/office/powerpoint/2010/main" val="1473057204"/>
+      </p:ext>
+    </p:extLst>
+  </p:cSld>
+  <p:clrMapOvr>
+    <a:masterClrMapping/>
+  </p:clrMapOvr>
+</p:sldLayout>
+</file>
+
+<file path=ppt/slideLayouts/slideLayout13.xml><?xml version="1.0" encoding="utf-8"?>
+<p:sldLayout xmlns:a="http://schemas.openxmlformats.org/drawingml/2006/main" xmlns:r="http://schemas.openxmlformats.org/officeDocument/2006/relationships" xmlns:p="http://schemas.openxmlformats.org/presentationml/2006/main" showMasterSp="0" preserve="1">
+  <p:cSld name="Navnekort">
+    <p:spTree>
+      <p:nvGrpSpPr>
+        <p:cNvPr id="1" name=""/>
+        <p:cNvGrpSpPr/>
+        <p:nvPr/>
+      </p:nvGrpSpPr>
+      <p:grpSpPr>
+        <a:xfrm>
+          <a:off x="0" y="0"/>
+          <a:ext cx="0" cy="0"/>
+          <a:chOff x="0" y="0"/>
+          <a:chExt cx="0" cy="0"/>
+        </a:xfrm>
+      </p:grpSpPr>
+      <p:pic>
+        <p:nvPicPr>
+          <p:cNvPr id="8" name="Picture 7" descr="C2-HD-BTM.png"/>
+          <p:cNvPicPr>
+            <a:picLocks noChangeAspect="1"/>
+          </p:cNvPicPr>
+          <p:nvPr/>
+        </p:nvPicPr>
+        <p:blipFill>
+          <a:blip r:embed="rId2">
+            <a:extLst>
+              <a:ext uri="{28A0092B-C50C-407E-A947-70E740481C1C}">
+                <a14:useLocalDpi xmlns:a14="http://schemas.microsoft.com/office/drawing/2010/main" val="0"/>
+              </a:ext>
+            </a:extLst>
+          </a:blip>
+          <a:stretch>
+            <a:fillRect/>
+          </a:stretch>
+        </p:blipFill>
+        <p:spPr>
+          <a:xfrm>
+            <a:off x="0" y="4375150"/>
+            <a:ext cx="12192000" cy="2482850"/>
+          </a:xfrm>
+          <a:prstGeom prst="rect">
+            <a:avLst/>
+          </a:prstGeom>
+        </p:spPr>
+      </p:pic>
+      <p:sp>
+        <p:nvSpPr>
+          <p:cNvPr id="2" name="Title 1"/>
+          <p:cNvSpPr>
+            <a:spLocks noGrp="1"/>
+          </p:cNvSpPr>
+          <p:nvPr>
+            <p:ph type="title"/>
+          </p:nvPr>
+        </p:nvSpPr>
+        <p:spPr>
+          <a:xfrm>
+            <a:off x="1024495" y="1124701"/>
+            <a:ext cx="10146186" cy="2511835"/>
+          </a:xfrm>
+        </p:spPr>
+        <p:txBody>
+          <a:bodyPr anchor="b"/>
+          <a:lstStyle>
+            <a:lvl1pPr algn="l">
+              <a:defRPr sz="3200"/>
+            </a:lvl1pPr>
+          </a:lstStyle>
+          <a:p>
+            <a:r>
+              <a:rPr lang="da-DK"/>
+              <a:t>Klik for at redigere titeltypografien i masteren</a:t>
+            </a:r>
+            <a:endParaRPr lang="en-US" dirty="0"/>
+          </a:p>
+        </p:txBody>
+      </p:sp>
+      <p:sp>
+        <p:nvSpPr>
+          <p:cNvPr id="4" name="Text Placeholder 3"/>
+          <p:cNvSpPr>
+            <a:spLocks noGrp="1"/>
+          </p:cNvSpPr>
+          <p:nvPr>
+            <p:ph type="body" sz="half" idx="2"/>
+          </p:nvPr>
+        </p:nvSpPr>
+        <p:spPr>
+          <a:xfrm>
+            <a:off x="1024467" y="3648315"/>
+            <a:ext cx="10144654" cy="999885"/>
+          </a:xfrm>
+        </p:spPr>
+        <p:txBody>
+          <a:bodyPr anchor="t"/>
+          <a:lstStyle>
+            <a:lvl1pPr marL="0" indent="0">
+              <a:buNone/>
+              <a:defRPr sz="1600"/>
+            </a:lvl1pPr>
+            <a:lvl2pPr marL="457200" indent="0">
+              <a:buNone/>
+              <a:defRPr sz="1400"/>
+            </a:lvl2pPr>
+            <a:lvl3pPr marL="914400" indent="0">
+              <a:buNone/>
+              <a:defRPr sz="1200"/>
+            </a:lvl3pPr>
+            <a:lvl4pPr marL="1371600" indent="0">
+              <a:buNone/>
+              <a:defRPr sz="1000"/>
+            </a:lvl4pPr>
+            <a:lvl5pPr marL="1828800" indent="0">
+              <a:buNone/>
+              <a:defRPr sz="1000"/>
+            </a:lvl5pPr>
+            <a:lvl6pPr marL="2286000" indent="0">
+              <a:buNone/>
+              <a:defRPr sz="1000"/>
+            </a:lvl6pPr>
+            <a:lvl7pPr marL="2743200" indent="0">
+              <a:buNone/>
+              <a:defRPr sz="1000"/>
+            </a:lvl7pPr>
+            <a:lvl8pPr marL="3200400" indent="0">
+              <a:buNone/>
+              <a:defRPr sz="1000"/>
+            </a:lvl8pPr>
+            <a:lvl9pPr marL="3657600" indent="0">
+              <a:buNone/>
+              <a:defRPr sz="1000"/>
+            </a:lvl9pPr>
+          </a:lstStyle>
+          <a:p>
+            <a:pPr lvl="0"/>
+            <a:r>
+              <a:rPr lang="da-DK"/>
+              <a:t>Klik for at redigere teksttypografierne i masteren</a:t>
+            </a:r>
+          </a:p>
+        </p:txBody>
+      </p:sp>
+      <p:sp>
+        <p:nvSpPr>
+          <p:cNvPr id="5" name="Date Placeholder 4"/>
+          <p:cNvSpPr>
+            <a:spLocks noGrp="1"/>
+          </p:cNvSpPr>
+          <p:nvPr>
+            <p:ph type="dt" sz="half" idx="10"/>
+          </p:nvPr>
+        </p:nvSpPr>
+        <p:spPr>
+          <a:xfrm>
+            <a:off x="7814452" y="378883"/>
+            <a:ext cx="2910840" cy="365125"/>
+          </a:xfrm>
+        </p:spPr>
+        <p:txBody>
+          <a:bodyPr/>
+          <a:lstStyle>
+            <a:lvl1pPr algn="r">
+              <a:defRPr/>
+            </a:lvl1pPr>
+          </a:lstStyle>
+          <a:p>
+            <a:fld id="{904F8374-DDA3-4289-A3C4-A561B6E67BA2}" type="datetimeFigureOut">
+              <a:rPr lang="da-DK" smtClean="0"/>
+              <a:t>06-05-2024</a:t>
+            </a:fld>
+            <a:endParaRPr lang="da-DK"/>
+          </a:p>
+        </p:txBody>
+      </p:sp>
+      <p:sp>
+        <p:nvSpPr>
+          <p:cNvPr id="6" name="Footer Placeholder 5"/>
+          <p:cNvSpPr>
+            <a:spLocks noGrp="1"/>
+          </p:cNvSpPr>
+          <p:nvPr>
+            <p:ph type="ftr" sz="quarter" idx="11"/>
+          </p:nvPr>
+        </p:nvSpPr>
+        <p:spPr>
+          <a:xfrm>
+            <a:off x="685800" y="378883"/>
+            <a:ext cx="6991492" cy="365125"/>
+          </a:xfrm>
+        </p:spPr>
+        <p:txBody>
+          <a:bodyPr/>
+          <a:lstStyle/>
+          <a:p>
+            <a:endParaRPr lang="da-DK"/>
+          </a:p>
+        </p:txBody>
+      </p:sp>
+      <p:sp>
+        <p:nvSpPr>
+          <p:cNvPr id="7" name="Slide Number Placeholder 6"/>
+          <p:cNvSpPr>
+            <a:spLocks noGrp="1"/>
+          </p:cNvSpPr>
+          <p:nvPr>
+            <p:ph type="sldNum" sz="quarter" idx="12"/>
+          </p:nvPr>
+        </p:nvSpPr>
+        <p:spPr>
+          <a:xfrm>
+            <a:off x="10862452" y="381000"/>
+            <a:ext cx="643748" cy="365125"/>
+          </a:xfrm>
+        </p:spPr>
+        <p:txBody>
+          <a:bodyPr/>
+          <a:lstStyle/>
+          <a:p>
+            <a:fld id="{E29EC0B3-397A-4B17-8045-80EB872916EF}" type="slidenum">
+              <a:rPr lang="da-DK" smtClean="0"/>
+              <a:t>‹nr.›</a:t>
+            </a:fld>
+            <a:endParaRPr lang="da-DK"/>
+          </a:p>
+        </p:txBody>
+      </p:sp>
+    </p:spTree>
+    <p:extLst>
+      <p:ext uri="{BB962C8B-B14F-4D97-AF65-F5344CB8AC3E}">
+        <p14:creationId xmlns:p14="http://schemas.microsoft.com/office/powerpoint/2010/main" val="913292886"/>
+      </p:ext>
+    </p:extLst>
+  </p:cSld>
+  <p:clrMapOvr>
+    <a:masterClrMapping/>
+  </p:clrMapOvr>
+</p:sldLayout>
+</file>
+
+<file path=ppt/slideLayouts/slideLayout14.xml><?xml version="1.0" encoding="utf-8"?>
+<p:sldLayout xmlns:a="http://schemas.openxmlformats.org/drawingml/2006/main" xmlns:r="http://schemas.openxmlformats.org/officeDocument/2006/relationships" xmlns:p="http://schemas.openxmlformats.org/presentationml/2006/main" preserve="1">
+  <p:cSld name="3 kolonner">
+    <p:spTree>
+      <p:nvGrpSpPr>
+        <p:cNvPr id="1" name=""/>
+        <p:cNvGrpSpPr/>
+        <p:nvPr/>
+      </p:nvGrpSpPr>
+      <p:grpSpPr>
+        <a:xfrm>
+          <a:off x="0" y="0"/>
+          <a:ext cx="0" cy="0"/>
+          <a:chOff x="0" y="0"/>
+          <a:chExt cx="0" cy="0"/>
+        </a:xfrm>
+      </p:grpSpPr>
+      <p:sp>
+        <p:nvSpPr>
+          <p:cNvPr id="15" name="Title 1"/>
+          <p:cNvSpPr>
+            <a:spLocks noGrp="1"/>
+          </p:cNvSpPr>
+          <p:nvPr>
+            <p:ph type="title"/>
+          </p:nvPr>
+        </p:nvSpPr>
+        <p:spPr>
+          <a:xfrm>
+            <a:off x="2895600" y="761999"/>
+            <a:ext cx="8610599" cy="1303867"/>
+          </a:xfrm>
+        </p:spPr>
+        <p:txBody>
+          <a:bodyPr/>
+          <a:lstStyle/>
+          <a:p>
+            <a:r>
+              <a:rPr lang="da-DK"/>
+              <a:t>Klik for at redigere titeltypografien i masteren</a:t>
+            </a:r>
+            <a:endParaRPr lang="en-US" dirty="0"/>
+          </a:p>
+        </p:txBody>
+      </p:sp>
+      <p:sp>
+        <p:nvSpPr>
+          <p:cNvPr id="7" name="Text Placeholder 2"/>
+          <p:cNvSpPr>
+            <a:spLocks noGrp="1"/>
+          </p:cNvSpPr>
+          <p:nvPr>
+            <p:ph type="body" idx="1"/>
+          </p:nvPr>
+        </p:nvSpPr>
+        <p:spPr>
+          <a:xfrm>
+            <a:off x="685800" y="2202080"/>
+            <a:ext cx="3456432" cy="617320"/>
+          </a:xfrm>
+        </p:spPr>
+        <p:txBody>
+          <a:bodyPr anchor="b">
+            <a:noAutofit/>
+          </a:bodyPr>
+          <a:lstStyle>
+            <a:lvl1pPr marL="0" indent="0">
+              <a:buNone/>
+              <a:defRPr sz="2400" b="0">
+                <a:solidFill>
+                  <a:schemeClr val="tx1"/>
+                </a:solidFill>
+              </a:defRPr>
+            </a:lvl1pPr>
+            <a:lvl2pPr marL="457200" indent="0">
+              <a:buNone/>
+              <a:defRPr sz="2000" b="1"/>
+            </a:lvl2pPr>
+            <a:lvl3pPr marL="914400" indent="0">
+              <a:buNone/>
+              <a:defRPr sz="1800" b="1"/>
+            </a:lvl3pPr>
+            <a:lvl4pPr marL="1371600" indent="0">
+              <a:buNone/>
+              <a:defRPr sz="1600" b="1"/>
+            </a:lvl4pPr>
+            <a:lvl5pPr marL="1828800" indent="0">
+              <a:buNone/>
+              <a:defRPr sz="1600" b="1"/>
+            </a:lvl5pPr>
+            <a:lvl6pPr marL="2286000" indent="0">
+              <a:buNone/>
+              <a:defRPr sz="1600" b="1"/>
+            </a:lvl6pPr>
+            <a:lvl7pPr marL="2743200" indent="0">
+              <a:buNone/>
+              <a:defRPr sz="1600" b="1"/>
+            </a:lvl7pPr>
+            <a:lvl8pPr marL="3200400" indent="0">
+              <a:buNone/>
+              <a:defRPr sz="1600" b="1"/>
+            </a:lvl8pPr>
+            <a:lvl9pPr marL="3657600" indent="0">
+              <a:buNone/>
+              <a:defRPr sz="1600" b="1"/>
+            </a:lvl9pPr>
+          </a:lstStyle>
+          <a:p>
+            <a:pPr lvl="0"/>
+            <a:r>
+              <a:rPr lang="da-DK"/>
+              <a:t>Klik for at redigere teksttypografierne i masteren</a:t>
+            </a:r>
+          </a:p>
+        </p:txBody>
+      </p:sp>
+      <p:sp>
+        <p:nvSpPr>
+          <p:cNvPr id="8" name="Text Placeholder 3"/>
+          <p:cNvSpPr>
+            <a:spLocks noGrp="1"/>
+          </p:cNvSpPr>
+          <p:nvPr>
+            <p:ph type="body" sz="half" idx="15"/>
+          </p:nvPr>
+        </p:nvSpPr>
+        <p:spPr>
+          <a:xfrm>
+            <a:off x="685799" y="2904565"/>
+            <a:ext cx="3456432" cy="3314132"/>
+          </a:xfrm>
+        </p:spPr>
+        <p:txBody>
+          <a:bodyPr anchor="t">
+            <a:normAutofit/>
+          </a:bodyPr>
+          <a:lstStyle>
+            <a:lvl1pPr marL="0" indent="0">
+              <a:buNone/>
+              <a:defRPr sz="1400"/>
+            </a:lvl1pPr>
+            <a:lvl2pPr marL="457200" indent="0">
+              <a:buNone/>
+              <a:defRPr sz="1200"/>
+            </a:lvl2pPr>
+            <a:lvl3pPr marL="914400" indent="0">
+              <a:buNone/>
+              <a:defRPr sz="1000"/>
+            </a:lvl3pPr>
+            <a:lvl4pPr marL="1371600" indent="0">
+              <a:buNone/>
+              <a:defRPr sz="900"/>
+            </a:lvl4pPr>
+            <a:lvl5pPr marL="1828800" indent="0">
+              <a:buNone/>
+              <a:defRPr sz="900"/>
+            </a:lvl5pPr>
+            <a:lvl6pPr marL="2286000" indent="0">
+              <a:buNone/>
+              <a:defRPr sz="900"/>
+            </a:lvl6pPr>
+            <a:lvl7pPr marL="2743200" indent="0">
+              <a:buNone/>
+              <a:defRPr sz="900"/>
+            </a:lvl7pPr>
+            <a:lvl8pPr marL="3200400" indent="0">
+              <a:buNone/>
+              <a:defRPr sz="900"/>
+            </a:lvl8pPr>
+            <a:lvl9pPr marL="3657600" indent="0">
+              <a:buNone/>
+              <a:defRPr sz="900"/>
+            </a:lvl9pPr>
+          </a:lstStyle>
+          <a:p>
+            <a:pPr lvl="0"/>
+            <a:r>
+              <a:rPr lang="da-DK"/>
+              <a:t>Klik for at redigere teksttypografierne i masteren</a:t>
+            </a:r>
+          </a:p>
+        </p:txBody>
+      </p:sp>
+      <p:sp>
+        <p:nvSpPr>
+          <p:cNvPr id="9" name="Text Placeholder 4"/>
+          <p:cNvSpPr>
+            <a:spLocks noGrp="1"/>
+          </p:cNvSpPr>
+          <p:nvPr>
+            <p:ph type="body" sz="quarter" idx="3"/>
+          </p:nvPr>
+        </p:nvSpPr>
+        <p:spPr>
+          <a:xfrm>
+            <a:off x="4368800" y="2201333"/>
+            <a:ext cx="3456432" cy="626534"/>
+          </a:xfrm>
+        </p:spPr>
+        <p:txBody>
+          <a:bodyPr anchor="b">
+            <a:noAutofit/>
+          </a:bodyPr>
+          <a:lstStyle>
+            <a:lvl1pPr marL="0" indent="0">
+              <a:buNone/>
+              <a:defRPr sz="2400" b="0">
+                <a:solidFill>
+                  <a:schemeClr val="tx1"/>
+                </a:solidFill>
+              </a:defRPr>
+            </a:lvl1pPr>
+            <a:lvl2pPr marL="457200" indent="0">
+              <a:buNone/>
+              <a:defRPr sz="2000" b="1"/>
+            </a:lvl2pPr>
+            <a:lvl3pPr marL="914400" indent="0">
+              <a:buNone/>
+              <a:defRPr sz="1800" b="1"/>
+            </a:lvl3pPr>
+            <a:lvl4pPr marL="1371600" indent="0">
+              <a:buNone/>
+              <a:defRPr sz="1600" b="1"/>
+            </a:lvl4pPr>
+            <a:lvl5pPr marL="1828800" indent="0">
+              <a:buNone/>
+              <a:defRPr sz="1600" b="1"/>
+            </a:lvl5pPr>
+            <a:lvl6pPr marL="2286000" indent="0">
+              <a:buNone/>
+              <a:defRPr sz="1600" b="1"/>
+            </a:lvl6pPr>
+            <a:lvl7pPr marL="2743200" indent="0">
+              <a:buNone/>
+              <a:defRPr sz="1600" b="1"/>
+            </a:lvl7pPr>
+            <a:lvl8pPr marL="3200400" indent="0">
+              <a:buNone/>
+              <a:defRPr sz="1600" b="1"/>
+            </a:lvl8pPr>
+            <a:lvl9pPr marL="3657600" indent="0">
+              <a:buNone/>
+              <a:defRPr sz="1600" b="1"/>
+            </a:lvl9pPr>
+          </a:lstStyle>
+          <a:p>
+            <a:pPr lvl="0"/>
+            <a:r>
+              <a:rPr lang="da-DK"/>
+              <a:t>Klik for at redigere teksttypografierne i masteren</a:t>
+            </a:r>
+          </a:p>
+        </p:txBody>
+      </p:sp>
+      <p:sp>
+        <p:nvSpPr>
+          <p:cNvPr id="10" name="Text Placeholder 3"/>
+          <p:cNvSpPr>
+            <a:spLocks noGrp="1"/>
+          </p:cNvSpPr>
+          <p:nvPr>
+            <p:ph type="body" sz="half" idx="16"/>
+          </p:nvPr>
+        </p:nvSpPr>
+        <p:spPr>
+          <a:xfrm>
+            <a:off x="4366858" y="2904067"/>
+            <a:ext cx="3456432" cy="3314618"/>
+          </a:xfrm>
+        </p:spPr>
+        <p:txBody>
+          <a:bodyPr anchor="t">
+            <a:normAutofit/>
+          </a:bodyPr>
+          <a:lstStyle>
+            <a:lvl1pPr marL="0" indent="0">
+              <a:buNone/>
+              <a:defRPr sz="1400"/>
+            </a:lvl1pPr>
+            <a:lvl2pPr marL="457200" indent="0">
+              <a:buNone/>
+              <a:defRPr sz="1200"/>
+            </a:lvl2pPr>
+            <a:lvl3pPr marL="914400" indent="0">
+              <a:buNone/>
+              <a:defRPr sz="1000"/>
+            </a:lvl3pPr>
+            <a:lvl4pPr marL="1371600" indent="0">
+              <a:buNone/>
+              <a:defRPr sz="900"/>
+            </a:lvl4pPr>
+            <a:lvl5pPr marL="1828800" indent="0">
+              <a:buNone/>
+              <a:defRPr sz="900"/>
+            </a:lvl5pPr>
+            <a:lvl6pPr marL="2286000" indent="0">
+              <a:buNone/>
+              <a:defRPr sz="900"/>
+            </a:lvl6pPr>
+            <a:lvl7pPr marL="2743200" indent="0">
+              <a:buNone/>
+              <a:defRPr sz="900"/>
+            </a:lvl7pPr>
+            <a:lvl8pPr marL="3200400" indent="0">
+              <a:buNone/>
+              <a:defRPr sz="900"/>
+            </a:lvl8pPr>
+            <a:lvl9pPr marL="3657600" indent="0">
+              <a:buNone/>
+              <a:defRPr sz="900"/>
+            </a:lvl9pPr>
+          </a:lstStyle>
+          <a:p>
+            <a:pPr lvl="0"/>
+            <a:r>
+              <a:rPr lang="da-DK"/>
+              <a:t>Klik for at redigere teksttypografierne i masteren</a:t>
+            </a:r>
+          </a:p>
+        </p:txBody>
+      </p:sp>
+      <p:sp>
+        <p:nvSpPr>
+          <p:cNvPr id="11" name="Text Placeholder 4"/>
+          <p:cNvSpPr>
+            <a:spLocks noGrp="1"/>
+          </p:cNvSpPr>
+          <p:nvPr>
+            <p:ph type="body" sz="quarter" idx="13"/>
+          </p:nvPr>
+        </p:nvSpPr>
+        <p:spPr>
+          <a:xfrm>
+            <a:off x="8051800" y="2192866"/>
+            <a:ext cx="3456432" cy="626534"/>
+          </a:xfrm>
+        </p:spPr>
+        <p:txBody>
+          <a:bodyPr anchor="b">
+            <a:noAutofit/>
+          </a:bodyPr>
+          <a:lstStyle>
+            <a:lvl1pPr marL="0" indent="0">
+              <a:buNone/>
+              <a:defRPr sz="2400" b="0">
+                <a:solidFill>
+                  <a:schemeClr val="tx1"/>
+                </a:solidFill>
+              </a:defRPr>
+            </a:lvl1pPr>
+            <a:lvl2pPr marL="457200" indent="0">
+              <a:buNone/>
+              <a:defRPr sz="2000" b="1"/>
+            </a:lvl2pPr>
+            <a:lvl3pPr marL="914400" indent="0">
+              <a:buNone/>
+              <a:defRPr sz="1800" b="1"/>
+            </a:lvl3pPr>
+            <a:lvl4pPr marL="1371600" indent="0">
+              <a:buNone/>
+              <a:defRPr sz="1600" b="1"/>
+            </a:lvl4pPr>
+            <a:lvl5pPr marL="1828800" indent="0">
+              <a:buNone/>
+              <a:defRPr sz="1600" b="1"/>
+            </a:lvl5pPr>
+            <a:lvl6pPr marL="2286000" indent="0">
+              <a:buNone/>
+              <a:defRPr sz="1600" b="1"/>
+            </a:lvl6pPr>
+            <a:lvl7pPr marL="2743200" indent="0">
+              <a:buNone/>
+              <a:defRPr sz="1600" b="1"/>
+            </a:lvl7pPr>
+            <a:lvl8pPr marL="3200400" indent="0">
+              <a:buNone/>
+              <a:defRPr sz="1600" b="1"/>
+            </a:lvl8pPr>
+            <a:lvl9pPr marL="3657600" indent="0">
+              <a:buNone/>
+              <a:defRPr sz="1600" b="1"/>
+            </a:lvl9pPr>
+          </a:lstStyle>
+          <a:p>
+            <a:pPr lvl="0"/>
+            <a:r>
+              <a:rPr lang="da-DK"/>
+              <a:t>Klik for at redigere teksttypografierne i masteren</a:t>
+            </a:r>
+          </a:p>
+        </p:txBody>
+      </p:sp>
+      <p:sp>
+        <p:nvSpPr>
+          <p:cNvPr id="12" name="Text Placeholder 3"/>
+          <p:cNvSpPr>
+            <a:spLocks noGrp="1"/>
+          </p:cNvSpPr>
+          <p:nvPr>
+            <p:ph type="body" sz="half" idx="17"/>
+          </p:nvPr>
+        </p:nvSpPr>
+        <p:spPr>
+          <a:xfrm>
+            <a:off x="8051801" y="2904565"/>
+            <a:ext cx="3456432" cy="3314132"/>
+          </a:xfrm>
+        </p:spPr>
+        <p:txBody>
+          <a:bodyPr anchor="t">
+            <a:normAutofit/>
+          </a:bodyPr>
+          <a:lstStyle>
+            <a:lvl1pPr marL="0" indent="0">
+              <a:buNone/>
+              <a:defRPr sz="1400"/>
+            </a:lvl1pPr>
+            <a:lvl2pPr marL="457200" indent="0">
+              <a:buNone/>
+              <a:defRPr sz="1200"/>
+            </a:lvl2pPr>
+            <a:lvl3pPr marL="914400" indent="0">
+              <a:buNone/>
+              <a:defRPr sz="1000"/>
+            </a:lvl3pPr>
+            <a:lvl4pPr marL="1371600" indent="0">
+              <a:buNone/>
+              <a:defRPr sz="900"/>
+            </a:lvl4pPr>
+            <a:lvl5pPr marL="1828800" indent="0">
+              <a:buNone/>
+              <a:defRPr sz="900"/>
+            </a:lvl5pPr>
+            <a:lvl6pPr marL="2286000" indent="0">
+              <a:buNone/>
+              <a:defRPr sz="900"/>
+            </a:lvl6pPr>
+            <a:lvl7pPr marL="2743200" indent="0">
+              <a:buNone/>
+              <a:defRPr sz="900"/>
+            </a:lvl7pPr>
+            <a:lvl8pPr marL="3200400" indent="0">
+              <a:buNone/>
+              <a:defRPr sz="900"/>
+            </a:lvl8pPr>
+            <a:lvl9pPr marL="3657600" indent="0">
+              <a:buNone/>
+              <a:defRPr sz="900"/>
+            </a:lvl9pPr>
+          </a:lstStyle>
+          <a:p>
+            <a:pPr lvl="0"/>
+            <a:r>
+              <a:rPr lang="da-DK"/>
+              <a:t>Klik for at redigere teksttypografierne i masteren</a:t>
+            </a:r>
+          </a:p>
+        </p:txBody>
+      </p:sp>
+      <p:sp>
+        <p:nvSpPr>
+          <p:cNvPr id="3" name="Date Placeholder 2"/>
+          <p:cNvSpPr>
+            <a:spLocks noGrp="1"/>
+          </p:cNvSpPr>
+          <p:nvPr>
+            <p:ph type="dt" sz="half" idx="10"/>
+          </p:nvPr>
+        </p:nvSpPr>
+        <p:spPr/>
+        <p:txBody>
+          <a:bodyPr/>
+          <a:lstStyle/>
+          <a:p>
+            <a:fld id="{904F8374-DDA3-4289-A3C4-A561B6E67BA2}" type="datetimeFigureOut">
+              <a:rPr lang="da-DK" smtClean="0"/>
+              <a:t>06-05-2024</a:t>
+            </a:fld>
+            <a:endParaRPr lang="da-DK"/>
+          </a:p>
+        </p:txBody>
+      </p:sp>
+      <p:sp>
+        <p:nvSpPr>
+          <p:cNvPr id="4" name="Footer Placeholder 3"/>
+          <p:cNvSpPr>
+            <a:spLocks noGrp="1"/>
+          </p:cNvSpPr>
+          <p:nvPr>
+            <p:ph type="ftr" sz="quarter" idx="11"/>
+          </p:nvPr>
+        </p:nvSpPr>
+        <p:spPr/>
+        <p:txBody>
+          <a:bodyPr/>
+          <a:lstStyle/>
+          <a:p>
+            <a:endParaRPr lang="da-DK"/>
+          </a:p>
+        </p:txBody>
+      </p:sp>
+      <p:sp>
+        <p:nvSpPr>
+          <p:cNvPr id="5" name="Slide Number Placeholder 4"/>
+          <p:cNvSpPr>
+            <a:spLocks noGrp="1"/>
+          </p:cNvSpPr>
+          <p:nvPr>
+            <p:ph type="sldNum" sz="quarter" idx="12"/>
+          </p:nvPr>
+        </p:nvSpPr>
+        <p:spPr/>
+        <p:txBody>
+          <a:bodyPr/>
+          <a:lstStyle/>
+          <a:p>
+            <a:fld id="{E29EC0B3-397A-4B17-8045-80EB872916EF}" type="slidenum">
+              <a:rPr lang="da-DK" smtClean="0"/>
+              <a:t>‹nr.›</a:t>
+            </a:fld>
+            <a:endParaRPr lang="da-DK"/>
+          </a:p>
+        </p:txBody>
+      </p:sp>
+    </p:spTree>
+    <p:extLst>
+      <p:ext uri="{BB962C8B-B14F-4D97-AF65-F5344CB8AC3E}">
+        <p14:creationId xmlns:p14="http://schemas.microsoft.com/office/powerpoint/2010/main" val="1150557498"/>
+      </p:ext>
+    </p:extLst>
+  </p:cSld>
+  <p:clrMapOvr>
+    <a:masterClrMapping/>
+  </p:clrMapOvr>
+</p:sldLayout>
+</file>
+
+<file path=ppt/slideLayouts/slideLayout15.xml><?xml version="1.0" encoding="utf-8"?>
+<p:sldLayout xmlns:a="http://schemas.openxmlformats.org/drawingml/2006/main" xmlns:r="http://schemas.openxmlformats.org/officeDocument/2006/relationships" xmlns:p="http://schemas.openxmlformats.org/presentationml/2006/main" preserve="1">
+  <p:cSld name="3 kolonner med billede">
+    <p:spTree>
+      <p:nvGrpSpPr>
+        <p:cNvPr id="1" name=""/>
+        <p:cNvGrpSpPr/>
+        <p:nvPr/>
+      </p:nvGrpSpPr>
+      <p:grpSpPr>
+        <a:xfrm>
+          <a:off x="0" y="0"/>
+          <a:ext cx="0" cy="0"/>
+          <a:chOff x="0" y="0"/>
+          <a:chExt cx="0" cy="0"/>
+        </a:xfrm>
+      </p:grpSpPr>
+      <p:sp>
+        <p:nvSpPr>
+          <p:cNvPr id="30" name="Title 1"/>
+          <p:cNvSpPr>
+            <a:spLocks noGrp="1"/>
+          </p:cNvSpPr>
+          <p:nvPr>
+            <p:ph type="title"/>
+          </p:nvPr>
+        </p:nvSpPr>
+        <p:spPr>
+          <a:xfrm>
+            <a:off x="2895600" y="762000"/>
+            <a:ext cx="8610599" cy="1295400"/>
+          </a:xfrm>
+        </p:spPr>
+        <p:txBody>
+          <a:bodyPr/>
+          <a:lstStyle/>
+          <a:p>
+            <a:r>
+              <a:rPr lang="da-DK"/>
+              <a:t>Klik for at redigere titeltypografien i masteren</a:t>
+            </a:r>
+            <a:endParaRPr lang="en-US" dirty="0"/>
+          </a:p>
+        </p:txBody>
+      </p:sp>
+      <p:sp>
+        <p:nvSpPr>
+          <p:cNvPr id="19" name="Text Placeholder 2"/>
+          <p:cNvSpPr>
+            <a:spLocks noGrp="1"/>
+          </p:cNvSpPr>
+          <p:nvPr>
+            <p:ph type="body" idx="1"/>
+          </p:nvPr>
+        </p:nvSpPr>
+        <p:spPr>
+          <a:xfrm>
+            <a:off x="688618" y="4191000"/>
+            <a:ext cx="3451582" cy="682765"/>
+          </a:xfrm>
+        </p:spPr>
+        <p:txBody>
+          <a:bodyPr anchor="b">
+            <a:noAutofit/>
+          </a:bodyPr>
+          <a:lstStyle>
+            <a:lvl1pPr marL="0" indent="0">
+              <a:buNone/>
+              <a:defRPr sz="2400" b="0">
+                <a:solidFill>
+                  <a:schemeClr val="tx1"/>
+                </a:solidFill>
+              </a:defRPr>
+            </a:lvl1pPr>
+            <a:lvl2pPr marL="457200" indent="0">
+              <a:buNone/>
+              <a:defRPr sz="2000" b="1"/>
+            </a:lvl2pPr>
+            <a:lvl3pPr marL="914400" indent="0">
+              <a:buNone/>
+              <a:defRPr sz="1800" b="1"/>
+            </a:lvl3pPr>
+            <a:lvl4pPr marL="1371600" indent="0">
+              <a:buNone/>
+              <a:defRPr sz="1600" b="1"/>
+            </a:lvl4pPr>
+            <a:lvl5pPr marL="1828800" indent="0">
+              <a:buNone/>
+              <a:defRPr sz="1600" b="1"/>
+            </a:lvl5pPr>
+            <a:lvl6pPr marL="2286000" indent="0">
+              <a:buNone/>
+              <a:defRPr sz="1600" b="1"/>
+            </a:lvl6pPr>
+            <a:lvl7pPr marL="2743200" indent="0">
+              <a:buNone/>
+              <a:defRPr sz="1600" b="1"/>
+            </a:lvl7pPr>
+            <a:lvl8pPr marL="3200400" indent="0">
+              <a:buNone/>
+              <a:defRPr sz="1600" b="1"/>
+            </a:lvl8pPr>
+            <a:lvl9pPr marL="3657600" indent="0">
+              <a:buNone/>
+              <a:defRPr sz="1600" b="1"/>
+            </a:lvl9pPr>
+          </a:lstStyle>
+          <a:p>
+            <a:pPr lvl="0"/>
+            <a:r>
+              <a:rPr lang="da-DK"/>
+              <a:t>Klik for at redigere teksttypografierne i masteren</a:t>
+            </a:r>
+          </a:p>
+        </p:txBody>
+      </p:sp>
+      <p:sp>
+        <p:nvSpPr>
+          <p:cNvPr id="20" name="Picture Placeholder 2"/>
+          <p:cNvSpPr>
+            <a:spLocks noGrp="1" noChangeAspect="1"/>
+          </p:cNvSpPr>
+          <p:nvPr>
+            <p:ph type="pic" idx="15"/>
+          </p:nvPr>
+        </p:nvSpPr>
+        <p:spPr>
+          <a:xfrm>
+            <a:off x="688618" y="2362200"/>
+            <a:ext cx="3451582" cy="1524000"/>
+          </a:xfrm>
+          <a:prstGeom prst="roundRect">
+            <a:avLst>
+              <a:gd name="adj" fmla="val 0"/>
+            </a:avLst>
+          </a:prstGeom>
+          <a:effectLst>
+            <a:outerShdw blurRad="50800" dist="50800" dir="5400000" algn="tl" rotWithShape="0">
+              <a:srgbClr val="000000">
+                <a:alpha val="43000"/>
+              </a:srgbClr>
+            </a:outerShdw>
+          </a:effectLst>
+        </p:spPr>
+        <p:txBody>
+          <a:bodyPr anchor="t">
+            <a:normAutofit/>
+          </a:bodyPr>
+          <a:lstStyle>
+            <a:lvl1pPr marL="0" indent="0" algn="ctr">
+              <a:buNone/>
+              <a:defRPr sz="1600"/>
+            </a:lvl1pPr>
+            <a:lvl2pPr marL="457200" indent="0">
+              <a:buNone/>
+              <a:defRPr sz="1600"/>
+            </a:lvl2pPr>
+            <a:lvl3pPr marL="914400" indent="0">
+              <a:buNone/>
+              <a:defRPr sz="1600"/>
+            </a:lvl3pPr>
+            <a:lvl4pPr marL="1371600" indent="0">
+              <a:buNone/>
+              <a:defRPr sz="1600"/>
+            </a:lvl4pPr>
+            <a:lvl5pPr marL="1828800" indent="0">
+              <a:buNone/>
+              <a:defRPr sz="1600"/>
+            </a:lvl5pPr>
+            <a:lvl6pPr marL="2286000" indent="0">
+              <a:buNone/>
+              <a:defRPr sz="1600"/>
+            </a:lvl6pPr>
+            <a:lvl7pPr marL="2743200" indent="0">
+              <a:buNone/>
+              <a:defRPr sz="1600"/>
+            </a:lvl7pPr>
+            <a:lvl8pPr marL="3200400" indent="0">
+              <a:buNone/>
+              <a:defRPr sz="1600"/>
+            </a:lvl8pPr>
+            <a:lvl9pPr marL="3657600" indent="0">
+              <a:buNone/>
+              <a:defRPr sz="1600"/>
+            </a:lvl9pPr>
+          </a:lstStyle>
+          <a:p>
+            <a:r>
+              <a:rPr lang="da-DK"/>
+              <a:t>Klik på ikonet for at tilføje et billede</a:t>
+            </a:r>
+            <a:endParaRPr lang="en-US" dirty="0"/>
+          </a:p>
+        </p:txBody>
+      </p:sp>
+      <p:sp>
+        <p:nvSpPr>
+          <p:cNvPr id="21" name="Text Placeholder 3"/>
+          <p:cNvSpPr>
+            <a:spLocks noGrp="1"/>
+          </p:cNvSpPr>
+          <p:nvPr>
+            <p:ph type="body" sz="half" idx="18"/>
+          </p:nvPr>
+        </p:nvSpPr>
+        <p:spPr>
+          <a:xfrm>
+            <a:off x="688618" y="4873764"/>
+            <a:ext cx="3451582" cy="1344921"/>
+          </a:xfrm>
+        </p:spPr>
+        <p:txBody>
+          <a:bodyPr anchor="t">
+            <a:normAutofit/>
+          </a:bodyPr>
+          <a:lstStyle>
+            <a:lvl1pPr marL="0" indent="0">
+              <a:buNone/>
+              <a:defRPr sz="1400"/>
+            </a:lvl1pPr>
+            <a:lvl2pPr marL="457200" indent="0">
+              <a:buNone/>
+              <a:defRPr sz="1200"/>
+            </a:lvl2pPr>
+            <a:lvl3pPr marL="914400" indent="0">
+              <a:buNone/>
+              <a:defRPr sz="1000"/>
+            </a:lvl3pPr>
+            <a:lvl4pPr marL="1371600" indent="0">
+              <a:buNone/>
+              <a:defRPr sz="900"/>
+            </a:lvl4pPr>
+            <a:lvl5pPr marL="1828800" indent="0">
+              <a:buNone/>
+              <a:defRPr sz="900"/>
+            </a:lvl5pPr>
+            <a:lvl6pPr marL="2286000" indent="0">
+              <a:buNone/>
+              <a:defRPr sz="900"/>
+            </a:lvl6pPr>
+            <a:lvl7pPr marL="2743200" indent="0">
+              <a:buNone/>
+              <a:defRPr sz="900"/>
+            </a:lvl7pPr>
+            <a:lvl8pPr marL="3200400" indent="0">
+              <a:buNone/>
+              <a:defRPr sz="900"/>
+            </a:lvl8pPr>
+            <a:lvl9pPr marL="3657600" indent="0">
+              <a:buNone/>
+              <a:defRPr sz="900"/>
+            </a:lvl9pPr>
+          </a:lstStyle>
+          <a:p>
+            <a:pPr lvl="0"/>
+            <a:r>
+              <a:rPr lang="da-DK"/>
+              <a:t>Klik for at redigere teksttypografierne i masteren</a:t>
+            </a:r>
+          </a:p>
+        </p:txBody>
+      </p:sp>
+      <p:sp>
+        <p:nvSpPr>
+          <p:cNvPr id="22" name="Text Placeholder 4"/>
+          <p:cNvSpPr>
+            <a:spLocks noGrp="1"/>
+          </p:cNvSpPr>
+          <p:nvPr>
+            <p:ph type="body" sz="quarter" idx="3"/>
+          </p:nvPr>
+        </p:nvSpPr>
+        <p:spPr>
+          <a:xfrm>
+            <a:off x="4374263" y="4191000"/>
+            <a:ext cx="3448935" cy="682765"/>
+          </a:xfrm>
+        </p:spPr>
+        <p:txBody>
+          <a:bodyPr anchor="b">
+            <a:noAutofit/>
+          </a:bodyPr>
+          <a:lstStyle>
+            <a:lvl1pPr marL="0" indent="0">
+              <a:buNone/>
+              <a:defRPr sz="2400" b="0">
+                <a:solidFill>
+                  <a:schemeClr val="tx1"/>
+                </a:solidFill>
+              </a:defRPr>
+            </a:lvl1pPr>
+            <a:lvl2pPr marL="457200" indent="0">
+              <a:buNone/>
+              <a:defRPr sz="2000" b="1"/>
+            </a:lvl2pPr>
+            <a:lvl3pPr marL="914400" indent="0">
+              <a:buNone/>
+              <a:defRPr sz="1800" b="1"/>
+            </a:lvl3pPr>
+            <a:lvl4pPr marL="1371600" indent="0">
+              <a:buNone/>
+              <a:defRPr sz="1600" b="1"/>
+            </a:lvl4pPr>
+            <a:lvl5pPr marL="1828800" indent="0">
+              <a:buNone/>
+              <a:defRPr sz="1600" b="1"/>
+            </a:lvl5pPr>
+            <a:lvl6pPr marL="2286000" indent="0">
+              <a:buNone/>
+              <a:defRPr sz="1600" b="1"/>
+            </a:lvl6pPr>
+            <a:lvl7pPr marL="2743200" indent="0">
+              <a:buNone/>
+              <a:defRPr sz="1600" b="1"/>
+            </a:lvl7pPr>
+            <a:lvl8pPr marL="3200400" indent="0">
+              <a:buNone/>
+              <a:defRPr sz="1600" b="1"/>
+            </a:lvl8pPr>
+            <a:lvl9pPr marL="3657600" indent="0">
+              <a:buNone/>
+              <a:defRPr sz="1600" b="1"/>
+            </a:lvl9pPr>
+          </a:lstStyle>
+          <a:p>
+            <a:pPr lvl="0"/>
+            <a:r>
+              <a:rPr lang="da-DK"/>
+              <a:t>Klik for at redigere teksttypografierne i masteren</a:t>
+            </a:r>
+          </a:p>
+        </p:txBody>
+      </p:sp>
+      <p:sp>
+        <p:nvSpPr>
+          <p:cNvPr id="23" name="Picture Placeholder 2"/>
+          <p:cNvSpPr>
+            <a:spLocks noGrp="1" noChangeAspect="1"/>
+          </p:cNvSpPr>
+          <p:nvPr>
+            <p:ph type="pic" idx="21"/>
+          </p:nvPr>
+        </p:nvSpPr>
+        <p:spPr>
+          <a:xfrm>
+            <a:off x="4374263" y="2362200"/>
+            <a:ext cx="3448936" cy="1524000"/>
+          </a:xfrm>
+          <a:prstGeom prst="roundRect">
+            <a:avLst>
+              <a:gd name="adj" fmla="val 0"/>
+            </a:avLst>
+          </a:prstGeom>
+          <a:effectLst>
+            <a:outerShdw blurRad="50800" dist="50800" dir="5400000" algn="tl" rotWithShape="0">
+              <a:srgbClr val="000000">
+                <a:alpha val="43000"/>
+              </a:srgbClr>
+            </a:outerShdw>
+          </a:effectLst>
+        </p:spPr>
+        <p:txBody>
+          <a:bodyPr anchor="t">
+            <a:normAutofit/>
+          </a:bodyPr>
+          <a:lstStyle>
+            <a:lvl1pPr marL="0" indent="0" algn="ctr">
+              <a:buNone/>
+              <a:defRPr sz="1600"/>
+            </a:lvl1pPr>
+            <a:lvl2pPr marL="457200" indent="0">
+              <a:buNone/>
+              <a:defRPr sz="1600"/>
+            </a:lvl2pPr>
+            <a:lvl3pPr marL="914400" indent="0">
+              <a:buNone/>
+              <a:defRPr sz="1600"/>
+            </a:lvl3pPr>
+            <a:lvl4pPr marL="1371600" indent="0">
+              <a:buNone/>
+              <a:defRPr sz="1600"/>
+            </a:lvl4pPr>
+            <a:lvl5pPr marL="1828800" indent="0">
+              <a:buNone/>
+              <a:defRPr sz="1600"/>
+            </a:lvl5pPr>
+            <a:lvl6pPr marL="2286000" indent="0">
+              <a:buNone/>
+              <a:defRPr sz="1600"/>
+            </a:lvl6pPr>
+            <a:lvl7pPr marL="2743200" indent="0">
+              <a:buNone/>
+              <a:defRPr sz="1600"/>
+            </a:lvl7pPr>
+            <a:lvl8pPr marL="3200400" indent="0">
+              <a:buNone/>
+              <a:defRPr sz="1600"/>
+            </a:lvl8pPr>
+            <a:lvl9pPr marL="3657600" indent="0">
+              <a:buNone/>
+              <a:defRPr sz="1600"/>
+            </a:lvl9pPr>
+          </a:lstStyle>
+          <a:p>
+            <a:r>
+              <a:rPr lang="da-DK"/>
+              <a:t>Klik på ikonet for at tilføje et billede</a:t>
+            </a:r>
+            <a:endParaRPr lang="en-US" dirty="0"/>
+          </a:p>
+        </p:txBody>
+      </p:sp>
+      <p:sp>
+        <p:nvSpPr>
+          <p:cNvPr id="24" name="Text Placeholder 3"/>
+          <p:cNvSpPr>
+            <a:spLocks noGrp="1"/>
+          </p:cNvSpPr>
+          <p:nvPr>
+            <p:ph type="body" sz="half" idx="19"/>
+          </p:nvPr>
+        </p:nvSpPr>
+        <p:spPr>
+          <a:xfrm>
+            <a:off x="4374264" y="4873763"/>
+            <a:ext cx="3448935" cy="1344921"/>
+          </a:xfrm>
+        </p:spPr>
+        <p:txBody>
+          <a:bodyPr anchor="t">
+            <a:normAutofit/>
+          </a:bodyPr>
+          <a:lstStyle>
+            <a:lvl1pPr marL="0" indent="0">
+              <a:buNone/>
+              <a:defRPr sz="1400"/>
+            </a:lvl1pPr>
+            <a:lvl2pPr marL="457200" indent="0">
+              <a:buNone/>
+              <a:defRPr sz="1200"/>
+            </a:lvl2pPr>
+            <a:lvl3pPr marL="914400" indent="0">
+              <a:buNone/>
+              <a:defRPr sz="1000"/>
+            </a:lvl3pPr>
+            <a:lvl4pPr marL="1371600" indent="0">
+              <a:buNone/>
+              <a:defRPr sz="900"/>
+            </a:lvl4pPr>
+            <a:lvl5pPr marL="1828800" indent="0">
+              <a:buNone/>
+              <a:defRPr sz="900"/>
+            </a:lvl5pPr>
+            <a:lvl6pPr marL="2286000" indent="0">
+              <a:buNone/>
+              <a:defRPr sz="900"/>
+            </a:lvl6pPr>
+            <a:lvl7pPr marL="2743200" indent="0">
+              <a:buNone/>
+              <a:defRPr sz="900"/>
+            </a:lvl7pPr>
+            <a:lvl8pPr marL="3200400" indent="0">
+              <a:buNone/>
+              <a:defRPr sz="900"/>
+            </a:lvl8pPr>
+            <a:lvl9pPr marL="3657600" indent="0">
+              <a:buNone/>
+              <a:defRPr sz="900"/>
+            </a:lvl9pPr>
+          </a:lstStyle>
+          <a:p>
+            <a:pPr lvl="0"/>
+            <a:r>
+              <a:rPr lang="da-DK"/>
+              <a:t>Klik for at redigere teksttypografierne i masteren</a:t>
+            </a:r>
+          </a:p>
+        </p:txBody>
+      </p:sp>
+      <p:sp>
+        <p:nvSpPr>
+          <p:cNvPr id="25" name="Text Placeholder 4"/>
+          <p:cNvSpPr>
+            <a:spLocks noGrp="1"/>
+          </p:cNvSpPr>
+          <p:nvPr>
+            <p:ph type="body" sz="quarter" idx="13"/>
+          </p:nvPr>
+        </p:nvSpPr>
+        <p:spPr>
+          <a:xfrm>
+            <a:off x="8049731" y="4191000"/>
+            <a:ext cx="3456469" cy="682765"/>
+          </a:xfrm>
+        </p:spPr>
+        <p:txBody>
+          <a:bodyPr anchor="b">
+            <a:noAutofit/>
+          </a:bodyPr>
+          <a:lstStyle>
+            <a:lvl1pPr marL="0" indent="0">
+              <a:buNone/>
+              <a:defRPr sz="2400" b="0">
+                <a:solidFill>
+                  <a:schemeClr val="tx1"/>
+                </a:solidFill>
+              </a:defRPr>
+            </a:lvl1pPr>
+            <a:lvl2pPr marL="457200" indent="0">
+              <a:buNone/>
+              <a:defRPr sz="2000" b="1"/>
+            </a:lvl2pPr>
+            <a:lvl3pPr marL="914400" indent="0">
+              <a:buNone/>
+              <a:defRPr sz="1800" b="1"/>
+            </a:lvl3pPr>
+            <a:lvl4pPr marL="1371600" indent="0">
+              <a:buNone/>
+              <a:defRPr sz="1600" b="1"/>
+            </a:lvl4pPr>
+            <a:lvl5pPr marL="1828800" indent="0">
+              <a:buNone/>
+              <a:defRPr sz="1600" b="1"/>
+            </a:lvl5pPr>
+            <a:lvl6pPr marL="2286000" indent="0">
+              <a:buNone/>
+              <a:defRPr sz="1600" b="1"/>
+            </a:lvl6pPr>
+            <a:lvl7pPr marL="2743200" indent="0">
+              <a:buNone/>
+              <a:defRPr sz="1600" b="1"/>
+            </a:lvl7pPr>
+            <a:lvl8pPr marL="3200400" indent="0">
+              <a:buNone/>
+              <a:defRPr sz="1600" b="1"/>
+            </a:lvl8pPr>
+            <a:lvl9pPr marL="3657600" indent="0">
+              <a:buNone/>
+              <a:defRPr sz="1600" b="1"/>
+            </a:lvl9pPr>
+          </a:lstStyle>
+          <a:p>
+            <a:pPr lvl="0"/>
+            <a:r>
+              <a:rPr lang="da-DK"/>
+              <a:t>Klik for at redigere teksttypografierne i masteren</a:t>
+            </a:r>
+          </a:p>
+        </p:txBody>
+      </p:sp>
+      <p:sp>
+        <p:nvSpPr>
+          <p:cNvPr id="26" name="Picture Placeholder 2"/>
+          <p:cNvSpPr>
+            <a:spLocks noGrp="1" noChangeAspect="1"/>
+          </p:cNvSpPr>
+          <p:nvPr>
+            <p:ph type="pic" idx="22"/>
+          </p:nvPr>
+        </p:nvSpPr>
+        <p:spPr>
+          <a:xfrm>
+            <a:off x="8049855" y="2362200"/>
+            <a:ext cx="3447878" cy="1524000"/>
+          </a:xfrm>
+          <a:prstGeom prst="roundRect">
+            <a:avLst>
+              <a:gd name="adj" fmla="val 0"/>
+            </a:avLst>
+          </a:prstGeom>
+          <a:effectLst>
+            <a:outerShdw blurRad="50800" dist="50800" dir="5400000" algn="tl" rotWithShape="0">
+              <a:srgbClr val="000000">
+                <a:alpha val="43000"/>
+              </a:srgbClr>
+            </a:outerShdw>
+          </a:effectLst>
+        </p:spPr>
+        <p:txBody>
+          <a:bodyPr anchor="t">
+            <a:normAutofit/>
+          </a:bodyPr>
+          <a:lstStyle>
+            <a:lvl1pPr marL="0" indent="0" algn="ctr">
+              <a:buNone/>
+              <a:defRPr sz="1600"/>
+            </a:lvl1pPr>
+            <a:lvl2pPr marL="457200" indent="0">
+              <a:buNone/>
+              <a:defRPr sz="1600"/>
+            </a:lvl2pPr>
+            <a:lvl3pPr marL="914400" indent="0">
+              <a:buNone/>
+              <a:defRPr sz="1600"/>
+            </a:lvl3pPr>
+            <a:lvl4pPr marL="1371600" indent="0">
+              <a:buNone/>
+              <a:defRPr sz="1600"/>
+            </a:lvl4pPr>
+            <a:lvl5pPr marL="1828800" indent="0">
+              <a:buNone/>
+              <a:defRPr sz="1600"/>
+            </a:lvl5pPr>
+            <a:lvl6pPr marL="2286000" indent="0">
+              <a:buNone/>
+              <a:defRPr sz="1600"/>
+            </a:lvl6pPr>
+            <a:lvl7pPr marL="2743200" indent="0">
+              <a:buNone/>
+              <a:defRPr sz="1600"/>
+            </a:lvl7pPr>
+            <a:lvl8pPr marL="3200400" indent="0">
+              <a:buNone/>
+              <a:defRPr sz="1600"/>
+            </a:lvl8pPr>
+            <a:lvl9pPr marL="3657600" indent="0">
+              <a:buNone/>
+              <a:defRPr sz="1600"/>
+            </a:lvl9pPr>
+          </a:lstStyle>
+          <a:p>
+            <a:r>
+              <a:rPr lang="da-DK"/>
+              <a:t>Klik på ikonet for at tilføje et billede</a:t>
+            </a:r>
+            <a:endParaRPr lang="en-US" dirty="0"/>
+          </a:p>
+        </p:txBody>
+      </p:sp>
+      <p:sp>
+        <p:nvSpPr>
+          <p:cNvPr id="27" name="Text Placeholder 3"/>
+          <p:cNvSpPr>
+            <a:spLocks noGrp="1"/>
+          </p:cNvSpPr>
+          <p:nvPr>
+            <p:ph type="body" sz="half" idx="20"/>
+          </p:nvPr>
+        </p:nvSpPr>
+        <p:spPr>
+          <a:xfrm>
+            <a:off x="8049731" y="4873761"/>
+            <a:ext cx="3452445" cy="1344921"/>
+          </a:xfrm>
+        </p:spPr>
+        <p:txBody>
+          <a:bodyPr anchor="t">
+            <a:normAutofit/>
+          </a:bodyPr>
+          <a:lstStyle>
+            <a:lvl1pPr marL="0" indent="0">
+              <a:buNone/>
+              <a:defRPr sz="1400"/>
+            </a:lvl1pPr>
+            <a:lvl2pPr marL="457200" indent="0">
+              <a:buNone/>
+              <a:defRPr sz="1200"/>
+            </a:lvl2pPr>
+            <a:lvl3pPr marL="914400" indent="0">
+              <a:buNone/>
+              <a:defRPr sz="1000"/>
+            </a:lvl3pPr>
+            <a:lvl4pPr marL="1371600" indent="0">
+              <a:buNone/>
+              <a:defRPr sz="900"/>
+            </a:lvl4pPr>
+            <a:lvl5pPr marL="1828800" indent="0">
+              <a:buNone/>
+              <a:defRPr sz="900"/>
+            </a:lvl5pPr>
+            <a:lvl6pPr marL="2286000" indent="0">
+              <a:buNone/>
+              <a:defRPr sz="900"/>
+            </a:lvl6pPr>
+            <a:lvl7pPr marL="2743200" indent="0">
+              <a:buNone/>
+              <a:defRPr sz="900"/>
+            </a:lvl7pPr>
+            <a:lvl8pPr marL="3200400" indent="0">
+              <a:buNone/>
+              <a:defRPr sz="900"/>
+            </a:lvl8pPr>
+            <a:lvl9pPr marL="3657600" indent="0">
+              <a:buNone/>
+              <a:defRPr sz="900"/>
+            </a:lvl9pPr>
+          </a:lstStyle>
+          <a:p>
+            <a:pPr lvl="0"/>
+            <a:r>
+              <a:rPr lang="da-DK"/>
+              <a:t>Klik for at redigere teksttypografierne i masteren</a:t>
+            </a:r>
+          </a:p>
+        </p:txBody>
+      </p:sp>
+      <p:sp>
+        <p:nvSpPr>
+          <p:cNvPr id="3" name="Date Placeholder 2"/>
+          <p:cNvSpPr>
+            <a:spLocks noGrp="1"/>
+          </p:cNvSpPr>
+          <p:nvPr>
+            <p:ph type="dt" sz="half" idx="10"/>
+          </p:nvPr>
+        </p:nvSpPr>
+        <p:spPr/>
+        <p:txBody>
+          <a:bodyPr/>
+          <a:lstStyle/>
+          <a:p>
+            <a:fld id="{904F8374-DDA3-4289-A3C4-A561B6E67BA2}" type="datetimeFigureOut">
+              <a:rPr lang="da-DK" smtClean="0"/>
+              <a:t>06-05-2024</a:t>
+            </a:fld>
+            <a:endParaRPr lang="da-DK"/>
+          </a:p>
+        </p:txBody>
+      </p:sp>
+      <p:sp>
+        <p:nvSpPr>
+          <p:cNvPr id="4" name="Footer Placeholder 3"/>
+          <p:cNvSpPr>
+            <a:spLocks noGrp="1"/>
+          </p:cNvSpPr>
+          <p:nvPr>
+            <p:ph type="ftr" sz="quarter" idx="11"/>
+          </p:nvPr>
+        </p:nvSpPr>
+        <p:spPr/>
+        <p:txBody>
+          <a:bodyPr/>
+          <a:lstStyle/>
+          <a:p>
+            <a:endParaRPr lang="da-DK"/>
+          </a:p>
+        </p:txBody>
+      </p:sp>
+      <p:sp>
+        <p:nvSpPr>
+          <p:cNvPr id="5" name="Slide Number Placeholder 4"/>
+          <p:cNvSpPr>
+            <a:spLocks noGrp="1"/>
+          </p:cNvSpPr>
+          <p:nvPr>
+            <p:ph type="sldNum" sz="quarter" idx="12"/>
+          </p:nvPr>
+        </p:nvSpPr>
+        <p:spPr/>
+        <p:txBody>
+          <a:bodyPr/>
+          <a:lstStyle/>
+          <a:p>
+            <a:fld id="{E29EC0B3-397A-4B17-8045-80EB872916EF}" type="slidenum">
+              <a:rPr lang="da-DK" smtClean="0"/>
+              <a:t>‹nr.›</a:t>
+            </a:fld>
+            <a:endParaRPr lang="da-DK"/>
+          </a:p>
+        </p:txBody>
+      </p:sp>
+    </p:spTree>
+    <p:extLst>
+      <p:ext uri="{BB962C8B-B14F-4D97-AF65-F5344CB8AC3E}">
+        <p14:creationId xmlns:p14="http://schemas.microsoft.com/office/powerpoint/2010/main" val="1940379417"/>
+      </p:ext>
+    </p:extLst>
+  </p:cSld>
+  <p:clrMapOvr>
+    <a:masterClrMapping/>
+  </p:clrMapOvr>
+</p:sldLayout>
+</file>
+
+<file path=ppt/slideLayouts/slideLayout16.xml><?xml version="1.0" encoding="utf-8"?>
 <p:sldLayout xmlns:a="http://schemas.openxmlformats.org/drawingml/2006/main" xmlns:r="http://schemas.openxmlformats.org/officeDocument/2006/relationships" xmlns:p="http://schemas.openxmlformats.org/presentationml/2006/main" type="vertTx" preserve="1">
   <p:cSld name="Titel og lodret tekst">
     <p:spTree>
@@ -357,13 +4283,7 @@
       </p:grpSpPr>
       <p:sp>
         <p:nvSpPr>
-          <p:cNvPr id="2" name="Titel 1">
-            <a:extLst>
-              <a:ext uri="{FF2B5EF4-FFF2-40B4-BE49-F238E27FC236}">
-                <a16:creationId xmlns:a16="http://schemas.microsoft.com/office/drawing/2014/main" id="{3C8A9093-2538-1367-07E0-18872B307743}"/>
-              </a:ext>
-            </a:extLst>
-          </p:cNvPr>
+          <p:cNvPr id="2" name="Title 1"/>
           <p:cNvSpPr>
             <a:spLocks noGrp="1"/>
           </p:cNvSpPr>
@@ -380,18 +4300,13 @@
               <a:rPr lang="da-DK"/>
               <a:t>Klik for at redigere titeltypografien i masteren</a:t>
             </a:r>
-          </a:p>
-        </p:txBody>
-      </p:sp>
-      <p:sp>
-        <p:nvSpPr>
-          <p:cNvPr id="3" name="Pladsholder til lodret titel 2">
-            <a:extLst>
-              <a:ext uri="{FF2B5EF4-FFF2-40B4-BE49-F238E27FC236}">
-                <a16:creationId xmlns:a16="http://schemas.microsoft.com/office/drawing/2014/main" id="{B3F345B4-9020-4C27-44CB-7016D7BA2751}"/>
-              </a:ext>
-            </a:extLst>
-          </p:cNvPr>
+            <a:endParaRPr lang="en-US" dirty="0"/>
+          </a:p>
+        </p:txBody>
+      </p:sp>
+      <p:sp>
+        <p:nvSpPr>
+          <p:cNvPr id="3" name="Vertical Text Placeholder 2"/>
           <p:cNvSpPr>
             <a:spLocks noGrp="1"/>
           </p:cNvSpPr>
@@ -399,7 +4314,12 @@
             <p:ph type="body" orient="vert" idx="1"/>
           </p:nvPr>
         </p:nvSpPr>
-        <p:spPr/>
+        <p:spPr>
+          <a:xfrm>
+            <a:off x="685800" y="2194559"/>
+            <a:ext cx="10820400" cy="4024125"/>
+          </a:xfrm>
+        </p:spPr>
         <p:txBody>
           <a:bodyPr vert="eaVert"/>
           <a:lstStyle/>
@@ -437,18 +4357,13 @@
               <a:rPr lang="da-DK"/>
               <a:t>Femte niveau</a:t>
             </a:r>
-          </a:p>
-        </p:txBody>
-      </p:sp>
-      <p:sp>
-        <p:nvSpPr>
-          <p:cNvPr id="4" name="Pladsholder til dato 3">
-            <a:extLst>
-              <a:ext uri="{FF2B5EF4-FFF2-40B4-BE49-F238E27FC236}">
-                <a16:creationId xmlns:a16="http://schemas.microsoft.com/office/drawing/2014/main" id="{6DA1B79C-BAE8-A0B1-22C6-DBB9771A7F6A}"/>
-              </a:ext>
-            </a:extLst>
-          </p:cNvPr>
+            <a:endParaRPr lang="en-US" dirty="0"/>
+          </a:p>
+        </p:txBody>
+      </p:sp>
+      <p:sp>
+        <p:nvSpPr>
+          <p:cNvPr id="4" name="Date Placeholder 3"/>
           <p:cNvSpPr>
             <a:spLocks noGrp="1"/>
           </p:cNvSpPr>
@@ -463,7 +4378,7 @@
           <a:p>
             <a:fld id="{904F8374-DDA3-4289-A3C4-A561B6E67BA2}" type="datetimeFigureOut">
               <a:rPr lang="da-DK" smtClean="0"/>
-              <a:t>03-05-2024</a:t>
+              <a:t>06-05-2024</a:t>
             </a:fld>
             <a:endParaRPr lang="da-DK"/>
           </a:p>
@@ -471,13 +4386,7 @@
       </p:sp>
       <p:sp>
         <p:nvSpPr>
-          <p:cNvPr id="5" name="Pladsholder til sidefod 4">
-            <a:extLst>
-              <a:ext uri="{FF2B5EF4-FFF2-40B4-BE49-F238E27FC236}">
-                <a16:creationId xmlns:a16="http://schemas.microsoft.com/office/drawing/2014/main" id="{2C89DF7B-D2B7-A128-7521-E89A6FAD8C2F}"/>
-              </a:ext>
-            </a:extLst>
-          </p:cNvPr>
+          <p:cNvPr id="5" name="Footer Placeholder 4"/>
           <p:cNvSpPr>
             <a:spLocks noGrp="1"/>
           </p:cNvSpPr>
@@ -496,13 +4405,7 @@
       </p:sp>
       <p:sp>
         <p:nvSpPr>
-          <p:cNvPr id="6" name="Pladsholder til slidenummer 5">
-            <a:extLst>
-              <a:ext uri="{FF2B5EF4-FFF2-40B4-BE49-F238E27FC236}">
-                <a16:creationId xmlns:a16="http://schemas.microsoft.com/office/drawing/2014/main" id="{02EC29BC-F2EE-44CD-9F5C-4451C063B0D8}"/>
-              </a:ext>
-            </a:extLst>
-          </p:cNvPr>
+          <p:cNvPr id="6" name="Slide Number Placeholder 5"/>
           <p:cNvSpPr>
             <a:spLocks noGrp="1"/>
           </p:cNvSpPr>
@@ -526,7 +4429,7 @@
     </p:spTree>
     <p:extLst>
       <p:ext uri="{BB962C8B-B14F-4D97-AF65-F5344CB8AC3E}">
-        <p14:creationId xmlns:p14="http://schemas.microsoft.com/office/powerpoint/2010/main" val="32230158"/>
+        <p14:creationId xmlns:p14="http://schemas.microsoft.com/office/powerpoint/2010/main" val="699747340"/>
       </p:ext>
     </p:extLst>
   </p:cSld>
@@ -536,8 +4439,8 @@
 </p:sldLayout>
 </file>
 
-<file path=ppt/slideLayouts/slideLayout11.xml><?xml version="1.0" encoding="utf-8"?>
-<p:sldLayout xmlns:a="http://schemas.openxmlformats.org/drawingml/2006/main" xmlns:r="http://schemas.openxmlformats.org/officeDocument/2006/relationships" xmlns:p="http://schemas.openxmlformats.org/presentationml/2006/main" type="vertTitleAndTx" preserve="1">
+<file path=ppt/slideLayouts/slideLayout17.xml><?xml version="1.0" encoding="utf-8"?>
+<p:sldLayout xmlns:a="http://schemas.openxmlformats.org/drawingml/2006/main" xmlns:r="http://schemas.openxmlformats.org/officeDocument/2006/relationships" xmlns:p="http://schemas.openxmlformats.org/presentationml/2006/main" showMasterSp="0" type="vertTitleAndTx" preserve="1">
   <p:cSld name="Lodret titel og tekst">
     <p:spTree>
       <p:nvGrpSpPr>
@@ -553,48 +4456,71 @@
           <a:chExt cx="0" cy="0"/>
         </a:xfrm>
       </p:grpSpPr>
-      <p:sp>
-        <p:nvSpPr>
-          <p:cNvPr id="2" name="Lodret titel 1">
+      <p:pic>
+        <p:nvPicPr>
+          <p:cNvPr id="9" name="Picture 8" descr="C2-HD-BTM.png"/>
+          <p:cNvPicPr>
+            <a:picLocks noChangeAspect="1"/>
+          </p:cNvPicPr>
+          <p:nvPr/>
+        </p:nvPicPr>
+        <p:blipFill>
+          <a:blip r:embed="rId2">
             <a:extLst>
-              <a:ext uri="{FF2B5EF4-FFF2-40B4-BE49-F238E27FC236}">
-                <a16:creationId xmlns:a16="http://schemas.microsoft.com/office/drawing/2014/main" id="{46DA23A2-024E-2ED4-BCFD-9893F2CF003F}"/>
+              <a:ext uri="{28A0092B-C50C-407E-A947-70E740481C1C}">
+                <a14:useLocalDpi xmlns:a14="http://schemas.microsoft.com/office/drawing/2010/main" val="0"/>
               </a:ext>
             </a:extLst>
-          </p:cNvPr>
-          <p:cNvSpPr>
-            <a:spLocks noGrp="1"/>
-          </p:cNvSpPr>
-          <p:nvPr>
-            <p:ph type="title" orient="vert"/>
-          </p:nvPr>
-        </p:nvSpPr>
+          </a:blip>
+          <a:stretch>
+            <a:fillRect/>
+          </a:stretch>
+        </p:blipFill>
         <p:spPr>
           <a:xfrm>
-            <a:off x="8724900" y="365125"/>
-            <a:ext cx="2628900" cy="5811838"/>
+            <a:off x="0" y="4375150"/>
+            <a:ext cx="12192000" cy="2482850"/>
+          </a:xfrm>
+          <a:prstGeom prst="rect">
+            <a:avLst/>
+          </a:prstGeom>
+        </p:spPr>
+      </p:pic>
+      <p:sp>
+        <p:nvSpPr>
+          <p:cNvPr id="2" name="Vertical Title 1"/>
+          <p:cNvSpPr>
+            <a:spLocks noGrp="1"/>
+          </p:cNvSpPr>
+          <p:nvPr>
+            <p:ph type="title" orient="vert"/>
+          </p:nvPr>
+        </p:nvSpPr>
+        <p:spPr>
+          <a:xfrm>
+            <a:off x="9448800" y="745066"/>
+            <a:ext cx="2057400" cy="3903133"/>
           </a:xfrm>
         </p:spPr>
         <p:txBody>
           <a:bodyPr vert="eaVert"/>
-          <a:lstStyle/>
+          <a:lstStyle>
+            <a:lvl1pPr algn="l">
+              <a:defRPr/>
+            </a:lvl1pPr>
+          </a:lstStyle>
           <a:p>
             <a:r>
               <a:rPr lang="da-DK"/>
               <a:t>Klik for at redigere titeltypografien i masteren</a:t>
             </a:r>
-          </a:p>
-        </p:txBody>
-      </p:sp>
-      <p:sp>
-        <p:nvSpPr>
-          <p:cNvPr id="3" name="Pladsholder til lodret titel 2">
-            <a:extLst>
-              <a:ext uri="{FF2B5EF4-FFF2-40B4-BE49-F238E27FC236}">
-                <a16:creationId xmlns:a16="http://schemas.microsoft.com/office/drawing/2014/main" id="{DC8E5FF2-A6E3-AAD2-B846-E320F5BBE111}"/>
-              </a:ext>
-            </a:extLst>
-          </p:cNvPr>
+            <a:endParaRPr lang="en-US" dirty="0"/>
+          </a:p>
+        </p:txBody>
+      </p:sp>
+      <p:sp>
+        <p:nvSpPr>
+          <p:cNvPr id="3" name="Vertical Text Placeholder 2"/>
           <p:cNvSpPr>
             <a:spLocks noGrp="1"/>
           </p:cNvSpPr>
@@ -604,8 +4530,8 @@
         </p:nvSpPr>
         <p:spPr>
           <a:xfrm>
-            <a:off x="838200" y="365125"/>
-            <a:ext cx="7734300" cy="5811838"/>
+            <a:off x="1024466" y="745067"/>
+            <a:ext cx="8204201" cy="3903133"/>
           </a:xfrm>
         </p:spPr>
         <p:txBody>
@@ -645,18 +4571,13 @@
               <a:rPr lang="da-DK"/>
               <a:t>Femte niveau</a:t>
             </a:r>
-          </a:p>
-        </p:txBody>
-      </p:sp>
-      <p:sp>
-        <p:nvSpPr>
-          <p:cNvPr id="4" name="Pladsholder til dato 3">
-            <a:extLst>
-              <a:ext uri="{FF2B5EF4-FFF2-40B4-BE49-F238E27FC236}">
-                <a16:creationId xmlns:a16="http://schemas.microsoft.com/office/drawing/2014/main" id="{AEB9ED2A-37CF-0625-DC8E-48E33ED288A8}"/>
-              </a:ext>
-            </a:extLst>
-          </p:cNvPr>
+            <a:endParaRPr lang="en-US" dirty="0"/>
+          </a:p>
+        </p:txBody>
+      </p:sp>
+      <p:sp>
+        <p:nvSpPr>
+          <p:cNvPr id="4" name="Date Placeholder 3"/>
           <p:cNvSpPr>
             <a:spLocks noGrp="1"/>
           </p:cNvSpPr>
@@ -664,14 +4585,23 @@
             <p:ph type="dt" sz="half" idx="10"/>
           </p:nvPr>
         </p:nvSpPr>
-        <p:spPr/>
-        <p:txBody>
-          <a:bodyPr/>
-          <a:lstStyle/>
+        <p:spPr>
+          <a:xfrm>
+            <a:off x="7814452" y="379941"/>
+            <a:ext cx="2910840" cy="365125"/>
+          </a:xfrm>
+        </p:spPr>
+        <p:txBody>
+          <a:bodyPr/>
+          <a:lstStyle>
+            <a:lvl1pPr algn="r">
+              <a:defRPr/>
+            </a:lvl1pPr>
+          </a:lstStyle>
           <a:p>
             <a:fld id="{904F8374-DDA3-4289-A3C4-A561B6E67BA2}" type="datetimeFigureOut">
               <a:rPr lang="da-DK" smtClean="0"/>
-              <a:t>03-05-2024</a:t>
+              <a:t>06-05-2024</a:t>
             </a:fld>
             <a:endParaRPr lang="da-DK"/>
           </a:p>
@@ -679,13 +4609,7 @@
       </p:sp>
       <p:sp>
         <p:nvSpPr>
-          <p:cNvPr id="5" name="Pladsholder til sidefod 4">
-            <a:extLst>
-              <a:ext uri="{FF2B5EF4-FFF2-40B4-BE49-F238E27FC236}">
-                <a16:creationId xmlns:a16="http://schemas.microsoft.com/office/drawing/2014/main" id="{33A523D1-64B7-E540-F671-01BF6BB92202}"/>
-              </a:ext>
-            </a:extLst>
-          </p:cNvPr>
+          <p:cNvPr id="5" name="Footer Placeholder 4"/>
           <p:cNvSpPr>
             <a:spLocks noGrp="1"/>
           </p:cNvSpPr>
@@ -693,7 +4617,12 @@
             <p:ph type="ftr" sz="quarter" idx="11"/>
           </p:nvPr>
         </p:nvSpPr>
-        <p:spPr/>
+        <p:spPr>
+          <a:xfrm>
+            <a:off x="685800" y="381000"/>
+            <a:ext cx="6991492" cy="365125"/>
+          </a:xfrm>
+        </p:spPr>
         <p:txBody>
           <a:bodyPr/>
           <a:lstStyle/>
@@ -704,13 +4633,7 @@
       </p:sp>
       <p:sp>
         <p:nvSpPr>
-          <p:cNvPr id="6" name="Pladsholder til slidenummer 5">
-            <a:extLst>
-              <a:ext uri="{FF2B5EF4-FFF2-40B4-BE49-F238E27FC236}">
-                <a16:creationId xmlns:a16="http://schemas.microsoft.com/office/drawing/2014/main" id="{48EEDB96-B5B6-ECE0-D711-E8B17A9A33B9}"/>
-              </a:ext>
-            </a:extLst>
-          </p:cNvPr>
+          <p:cNvPr id="6" name="Slide Number Placeholder 5"/>
           <p:cNvSpPr>
             <a:spLocks noGrp="1"/>
           </p:cNvSpPr>
@@ -718,7 +4641,12 @@
             <p:ph type="sldNum" sz="quarter" idx="12"/>
           </p:nvPr>
         </p:nvSpPr>
-        <p:spPr/>
+        <p:spPr>
+          <a:xfrm>
+            <a:off x="10862452" y="381000"/>
+            <a:ext cx="643748" cy="365125"/>
+          </a:xfrm>
+        </p:spPr>
         <p:txBody>
           <a:bodyPr/>
           <a:lstStyle/>
@@ -734,7 +4662,7 @@
     </p:spTree>
     <p:extLst>
       <p:ext uri="{BB962C8B-B14F-4D97-AF65-F5344CB8AC3E}">
-        <p14:creationId xmlns:p14="http://schemas.microsoft.com/office/powerpoint/2010/main" val="3535108306"/>
+        <p14:creationId xmlns:p14="http://schemas.microsoft.com/office/powerpoint/2010/main" val="3224116551"/>
       </p:ext>
     </p:extLst>
   </p:cSld>
@@ -763,13 +4691,7 @@
       </p:grpSpPr>
       <p:sp>
         <p:nvSpPr>
-          <p:cNvPr id="2" name="Titel 1">
-            <a:extLst>
-              <a:ext uri="{FF2B5EF4-FFF2-40B4-BE49-F238E27FC236}">
-                <a16:creationId xmlns:a16="http://schemas.microsoft.com/office/drawing/2014/main" id="{1F31B957-FA49-B231-80A4-C0AD66E1CF48}"/>
-              </a:ext>
-            </a:extLst>
-          </p:cNvPr>
+          <p:cNvPr id="2" name="Title 1"/>
           <p:cNvSpPr>
             <a:spLocks noGrp="1"/>
           </p:cNvSpPr>
@@ -786,18 +4708,13 @@
               <a:rPr lang="da-DK"/>
               <a:t>Klik for at redigere titeltypografien i masteren</a:t>
             </a:r>
-          </a:p>
-        </p:txBody>
-      </p:sp>
-      <p:sp>
-        <p:nvSpPr>
-          <p:cNvPr id="3" name="Pladsholder til indhold 2">
-            <a:extLst>
-              <a:ext uri="{FF2B5EF4-FFF2-40B4-BE49-F238E27FC236}">
-                <a16:creationId xmlns:a16="http://schemas.microsoft.com/office/drawing/2014/main" id="{99246951-EA34-5D57-D053-9A913CD30AF4}"/>
-              </a:ext>
-            </a:extLst>
-          </p:cNvPr>
+            <a:endParaRPr lang="en-US" dirty="0"/>
+          </a:p>
+        </p:txBody>
+      </p:sp>
+      <p:sp>
+        <p:nvSpPr>
+          <p:cNvPr id="3" name="Content Placeholder 2"/>
           <p:cNvSpPr>
             <a:spLocks noGrp="1"/>
           </p:cNvSpPr>
@@ -843,18 +4760,13 @@
               <a:rPr lang="da-DK"/>
               <a:t>Femte niveau</a:t>
             </a:r>
-          </a:p>
-        </p:txBody>
-      </p:sp>
-      <p:sp>
-        <p:nvSpPr>
-          <p:cNvPr id="4" name="Pladsholder til dato 3">
-            <a:extLst>
-              <a:ext uri="{FF2B5EF4-FFF2-40B4-BE49-F238E27FC236}">
-                <a16:creationId xmlns:a16="http://schemas.microsoft.com/office/drawing/2014/main" id="{36F798CA-5E29-2D0F-F9A1-8A85517C6F10}"/>
-              </a:ext>
-            </a:extLst>
-          </p:cNvPr>
+            <a:endParaRPr lang="en-US" dirty="0"/>
+          </a:p>
+        </p:txBody>
+      </p:sp>
+      <p:sp>
+        <p:nvSpPr>
+          <p:cNvPr id="4" name="Date Placeholder 3"/>
           <p:cNvSpPr>
             <a:spLocks noGrp="1"/>
           </p:cNvSpPr>
@@ -869,7 +4781,7 @@
           <a:p>
             <a:fld id="{904F8374-DDA3-4289-A3C4-A561B6E67BA2}" type="datetimeFigureOut">
               <a:rPr lang="da-DK" smtClean="0"/>
-              <a:t>03-05-2024</a:t>
+              <a:t>06-05-2024</a:t>
             </a:fld>
             <a:endParaRPr lang="da-DK"/>
           </a:p>
@@ -877,13 +4789,7 @@
       </p:sp>
       <p:sp>
         <p:nvSpPr>
-          <p:cNvPr id="5" name="Pladsholder til sidefod 4">
-            <a:extLst>
-              <a:ext uri="{FF2B5EF4-FFF2-40B4-BE49-F238E27FC236}">
-                <a16:creationId xmlns:a16="http://schemas.microsoft.com/office/drawing/2014/main" id="{3CD083B7-6D87-1A05-DD86-B792AEE7C619}"/>
-              </a:ext>
-            </a:extLst>
-          </p:cNvPr>
+          <p:cNvPr id="5" name="Footer Placeholder 4"/>
           <p:cNvSpPr>
             <a:spLocks noGrp="1"/>
           </p:cNvSpPr>
@@ -902,13 +4808,7 @@
       </p:sp>
       <p:sp>
         <p:nvSpPr>
-          <p:cNvPr id="6" name="Pladsholder til slidenummer 5">
-            <a:extLst>
-              <a:ext uri="{FF2B5EF4-FFF2-40B4-BE49-F238E27FC236}">
-                <a16:creationId xmlns:a16="http://schemas.microsoft.com/office/drawing/2014/main" id="{3CE6B227-DBBC-4807-1B0B-16DD3324B354}"/>
-              </a:ext>
-            </a:extLst>
-          </p:cNvPr>
+          <p:cNvPr id="6" name="Slide Number Placeholder 5"/>
           <p:cNvSpPr>
             <a:spLocks noGrp="1"/>
           </p:cNvSpPr>
@@ -932,7 +4832,7 @@
     </p:spTree>
     <p:extLst>
       <p:ext uri="{BB962C8B-B14F-4D97-AF65-F5344CB8AC3E}">
-        <p14:creationId xmlns:p14="http://schemas.microsoft.com/office/powerpoint/2010/main" val="3754132719"/>
+        <p14:creationId xmlns:p14="http://schemas.microsoft.com/office/powerpoint/2010/main" val="637358076"/>
       </p:ext>
     </p:extLst>
   </p:cSld>
@@ -943,7 +4843,7 @@
 </file>
 
 <file path=ppt/slideLayouts/slideLayout3.xml><?xml version="1.0" encoding="utf-8"?>
-<p:sldLayout xmlns:a="http://schemas.openxmlformats.org/drawingml/2006/main" xmlns:r="http://schemas.openxmlformats.org/officeDocument/2006/relationships" xmlns:p="http://schemas.openxmlformats.org/presentationml/2006/main" type="secHead" preserve="1">
+<p:sldLayout xmlns:a="http://schemas.openxmlformats.org/drawingml/2006/main" xmlns:r="http://schemas.openxmlformats.org/officeDocument/2006/relationships" xmlns:p="http://schemas.openxmlformats.org/presentationml/2006/main" showMasterSp="0" type="secHead" preserve="1">
   <p:cSld name="Afsnitsoverskrift">
     <p:spTree>
       <p:nvGrpSpPr>
@@ -959,33 +4859,59 @@
           <a:chExt cx="0" cy="0"/>
         </a:xfrm>
       </p:grpSpPr>
-      <p:sp>
-        <p:nvSpPr>
-          <p:cNvPr id="2" name="Titel 1">
+      <p:pic>
+        <p:nvPicPr>
+          <p:cNvPr id="8" name="Picture 7" descr="C2-HD-BTM.png"/>
+          <p:cNvPicPr>
+            <a:picLocks noChangeAspect="1"/>
+          </p:cNvPicPr>
+          <p:nvPr/>
+        </p:nvPicPr>
+        <p:blipFill>
+          <a:blip r:embed="rId2">
             <a:extLst>
-              <a:ext uri="{FF2B5EF4-FFF2-40B4-BE49-F238E27FC236}">
-                <a16:creationId xmlns:a16="http://schemas.microsoft.com/office/drawing/2014/main" id="{7521D77D-C796-6D83-0C63-6AE34E6F279C}"/>
+              <a:ext uri="{28A0092B-C50C-407E-A947-70E740481C1C}">
+                <a14:useLocalDpi xmlns:a14="http://schemas.microsoft.com/office/drawing/2010/main" val="0"/>
               </a:ext>
             </a:extLst>
-          </p:cNvPr>
-          <p:cNvSpPr>
-            <a:spLocks noGrp="1"/>
-          </p:cNvSpPr>
-          <p:nvPr>
-            <p:ph type="title"/>
-          </p:nvPr>
-        </p:nvSpPr>
+          </a:blip>
+          <a:stretch>
+            <a:fillRect/>
+          </a:stretch>
+        </p:blipFill>
         <p:spPr>
           <a:xfrm>
-            <a:off x="831850" y="1709738"/>
-            <a:ext cx="10515600" cy="2852737"/>
+            <a:off x="0" y="4375150"/>
+            <a:ext cx="12192000" cy="2482850"/>
+          </a:xfrm>
+          <a:prstGeom prst="rect">
+            <a:avLst/>
+          </a:prstGeom>
+        </p:spPr>
+      </p:pic>
+      <p:sp>
+        <p:nvSpPr>
+          <p:cNvPr id="2" name="Title 1"/>
+          <p:cNvSpPr>
+            <a:spLocks noGrp="1"/>
+          </p:cNvSpPr>
+          <p:nvPr>
+            <p:ph type="title"/>
+          </p:nvPr>
+        </p:nvSpPr>
+        <p:spPr>
+          <a:xfrm>
+            <a:off x="685800" y="753533"/>
+            <a:ext cx="10820399" cy="2801935"/>
           </a:xfrm>
         </p:spPr>
         <p:txBody>
-          <a:bodyPr anchor="b"/>
+          <a:bodyPr anchor="b">
+            <a:normAutofit/>
+          </a:bodyPr>
           <a:lstStyle>
-            <a:lvl1pPr>
-              <a:defRPr sz="6000"/>
+            <a:lvl1pPr algn="r">
+              <a:defRPr sz="4000"/>
             </a:lvl1pPr>
           </a:lstStyle>
           <a:p>
@@ -993,18 +4919,13 @@
               <a:rPr lang="da-DK"/>
               <a:t>Klik for at redigere titeltypografien i masteren</a:t>
             </a:r>
-          </a:p>
-        </p:txBody>
-      </p:sp>
-      <p:sp>
-        <p:nvSpPr>
-          <p:cNvPr id="3" name="Pladsholder til tekst 2">
-            <a:extLst>
-              <a:ext uri="{FF2B5EF4-FFF2-40B4-BE49-F238E27FC236}">
-                <a16:creationId xmlns:a16="http://schemas.microsoft.com/office/drawing/2014/main" id="{E91DB923-3B51-FD40-44F1-B2500BEE6AC4}"/>
-              </a:ext>
-            </a:extLst>
-          </p:cNvPr>
+            <a:endParaRPr lang="en-US" dirty="0"/>
+          </a:p>
+        </p:txBody>
+      </p:sp>
+      <p:sp>
+        <p:nvSpPr>
+          <p:cNvPr id="3" name="Text Placeholder 2"/>
           <p:cNvSpPr>
             <a:spLocks noGrp="1"/>
           </p:cNvSpPr>
@@ -1014,16 +4935,18 @@
         </p:nvSpPr>
         <p:spPr>
           <a:xfrm>
-            <a:off x="831850" y="4589463"/>
-            <a:ext cx="10515600" cy="1500187"/>
+            <a:off x="1024467" y="3641725"/>
+            <a:ext cx="10490200" cy="955675"/>
           </a:xfrm>
         </p:spPr>
         <p:txBody>
-          <a:bodyPr/>
+          <a:bodyPr>
+            <a:normAutofit/>
+          </a:bodyPr>
           <a:lstStyle>
-            <a:lvl1pPr marL="0" indent="0">
-              <a:buNone/>
-              <a:defRPr sz="2400">
+            <a:lvl1pPr marL="0" indent="0" algn="r">
+              <a:buNone/>
+              <a:defRPr sz="2200">
                 <a:solidFill>
                   <a:schemeClr val="tx1">
                     <a:tint val="75000"/>
@@ -1123,13 +5046,7 @@
       </p:sp>
       <p:sp>
         <p:nvSpPr>
-          <p:cNvPr id="4" name="Pladsholder til dato 3">
-            <a:extLst>
-              <a:ext uri="{FF2B5EF4-FFF2-40B4-BE49-F238E27FC236}">
-                <a16:creationId xmlns:a16="http://schemas.microsoft.com/office/drawing/2014/main" id="{58AE5D48-3005-4ED9-A28F-487034C0C5B2}"/>
-              </a:ext>
-            </a:extLst>
-          </p:cNvPr>
+          <p:cNvPr id="4" name="Date Placeholder 3"/>
           <p:cNvSpPr>
             <a:spLocks noGrp="1"/>
           </p:cNvSpPr>
@@ -1137,14 +5054,23 @@
             <p:ph type="dt" sz="half" idx="10"/>
           </p:nvPr>
         </p:nvSpPr>
-        <p:spPr/>
-        <p:txBody>
-          <a:bodyPr/>
-          <a:lstStyle/>
+        <p:spPr>
+          <a:xfrm>
+            <a:off x="7814452" y="381000"/>
+            <a:ext cx="2910840" cy="365125"/>
+          </a:xfrm>
+        </p:spPr>
+        <p:txBody>
+          <a:bodyPr/>
+          <a:lstStyle>
+            <a:lvl1pPr algn="r">
+              <a:defRPr/>
+            </a:lvl1pPr>
+          </a:lstStyle>
           <a:p>
             <a:fld id="{904F8374-DDA3-4289-A3C4-A561B6E67BA2}" type="datetimeFigureOut">
               <a:rPr lang="da-DK" smtClean="0"/>
-              <a:t>03-05-2024</a:t>
+              <a:t>06-05-2024</a:t>
             </a:fld>
             <a:endParaRPr lang="da-DK"/>
           </a:p>
@@ -1152,13 +5078,7 @@
       </p:sp>
       <p:sp>
         <p:nvSpPr>
-          <p:cNvPr id="5" name="Pladsholder til sidefod 4">
-            <a:extLst>
-              <a:ext uri="{FF2B5EF4-FFF2-40B4-BE49-F238E27FC236}">
-                <a16:creationId xmlns:a16="http://schemas.microsoft.com/office/drawing/2014/main" id="{A9045909-5DB6-0F71-7234-78F3FD38067F}"/>
-              </a:ext>
-            </a:extLst>
-          </p:cNvPr>
+          <p:cNvPr id="5" name="Footer Placeholder 4"/>
           <p:cNvSpPr>
             <a:spLocks noGrp="1"/>
           </p:cNvSpPr>
@@ -1166,7 +5086,12 @@
             <p:ph type="ftr" sz="quarter" idx="11"/>
           </p:nvPr>
         </p:nvSpPr>
-        <p:spPr/>
+        <p:spPr>
+          <a:xfrm>
+            <a:off x="685800" y="381001"/>
+            <a:ext cx="6991492" cy="364065"/>
+          </a:xfrm>
+        </p:spPr>
         <p:txBody>
           <a:bodyPr/>
           <a:lstStyle/>
@@ -1177,13 +5102,7 @@
       </p:sp>
       <p:sp>
         <p:nvSpPr>
-          <p:cNvPr id="6" name="Pladsholder til slidenummer 5">
-            <a:extLst>
-              <a:ext uri="{FF2B5EF4-FFF2-40B4-BE49-F238E27FC236}">
-                <a16:creationId xmlns:a16="http://schemas.microsoft.com/office/drawing/2014/main" id="{FCCE251D-0873-03E8-6C6A-E26FD331E71B}"/>
-              </a:ext>
-            </a:extLst>
-          </p:cNvPr>
+          <p:cNvPr id="6" name="Slide Number Placeholder 5"/>
           <p:cNvSpPr>
             <a:spLocks noGrp="1"/>
           </p:cNvSpPr>
@@ -1191,7 +5110,12 @@
             <p:ph type="sldNum" sz="quarter" idx="12"/>
           </p:nvPr>
         </p:nvSpPr>
-        <p:spPr/>
+        <p:spPr>
+          <a:xfrm>
+            <a:off x="10862452" y="381000"/>
+            <a:ext cx="643748" cy="365125"/>
+          </a:xfrm>
+        </p:spPr>
         <p:txBody>
           <a:bodyPr/>
           <a:lstStyle/>
@@ -1207,7 +5131,7 @@
     </p:spTree>
     <p:extLst>
       <p:ext uri="{BB962C8B-B14F-4D97-AF65-F5344CB8AC3E}">
-        <p14:creationId xmlns:p14="http://schemas.microsoft.com/office/powerpoint/2010/main" val="2172338711"/>
+        <p14:creationId xmlns:p14="http://schemas.microsoft.com/office/powerpoint/2010/main" val="3902640410"/>
       </p:ext>
     </p:extLst>
   </p:cSld>
@@ -1236,13 +5160,7 @@
       </p:grpSpPr>
       <p:sp>
         <p:nvSpPr>
-          <p:cNvPr id="2" name="Titel 1">
-            <a:extLst>
-              <a:ext uri="{FF2B5EF4-FFF2-40B4-BE49-F238E27FC236}">
-                <a16:creationId xmlns:a16="http://schemas.microsoft.com/office/drawing/2014/main" id="{FDBD344A-669B-E725-A12A-28A4A51B4932}"/>
-              </a:ext>
-            </a:extLst>
-          </p:cNvPr>
+          <p:cNvPr id="2" name="Title 1"/>
           <p:cNvSpPr>
             <a:spLocks noGrp="1"/>
           </p:cNvSpPr>
@@ -1259,18 +5177,13 @@
               <a:rPr lang="da-DK"/>
               <a:t>Klik for at redigere titeltypografien i masteren</a:t>
             </a:r>
-          </a:p>
-        </p:txBody>
-      </p:sp>
-      <p:sp>
-        <p:nvSpPr>
-          <p:cNvPr id="3" name="Pladsholder til indhold 2">
-            <a:extLst>
-              <a:ext uri="{FF2B5EF4-FFF2-40B4-BE49-F238E27FC236}">
-                <a16:creationId xmlns:a16="http://schemas.microsoft.com/office/drawing/2014/main" id="{2B8B0BC7-00D3-11FA-C88F-B1EBD92FFB47}"/>
-              </a:ext>
-            </a:extLst>
-          </p:cNvPr>
+            <a:endParaRPr lang="en-US" dirty="0"/>
+          </a:p>
+        </p:txBody>
+      </p:sp>
+      <p:sp>
+        <p:nvSpPr>
+          <p:cNvPr id="3" name="Content Placeholder 2"/>
           <p:cNvSpPr>
             <a:spLocks noGrp="1"/>
           </p:cNvSpPr>
@@ -1280,8 +5193,8 @@
         </p:nvSpPr>
         <p:spPr>
           <a:xfrm>
-            <a:off x="838200" y="1825625"/>
-            <a:ext cx="5181600" cy="4351338"/>
+            <a:off x="685800" y="2194559"/>
+            <a:ext cx="5334000" cy="4024125"/>
           </a:xfrm>
         </p:spPr>
         <p:txBody>
@@ -1321,18 +5234,13 @@
               <a:rPr lang="da-DK"/>
               <a:t>Femte niveau</a:t>
             </a:r>
-          </a:p>
-        </p:txBody>
-      </p:sp>
-      <p:sp>
-        <p:nvSpPr>
-          <p:cNvPr id="4" name="Pladsholder til indhold 3">
-            <a:extLst>
-              <a:ext uri="{FF2B5EF4-FFF2-40B4-BE49-F238E27FC236}">
-                <a16:creationId xmlns:a16="http://schemas.microsoft.com/office/drawing/2014/main" id="{C3B0478C-26CA-94CD-187A-238B072CDB58}"/>
-              </a:ext>
-            </a:extLst>
-          </p:cNvPr>
+            <a:endParaRPr lang="en-US" dirty="0"/>
+          </a:p>
+        </p:txBody>
+      </p:sp>
+      <p:sp>
+        <p:nvSpPr>
+          <p:cNvPr id="4" name="Content Placeholder 3"/>
           <p:cNvSpPr>
             <a:spLocks noGrp="1"/>
           </p:cNvSpPr>
@@ -1342,8 +5250,8 @@
         </p:nvSpPr>
         <p:spPr>
           <a:xfrm>
-            <a:off x="6172200" y="1825625"/>
-            <a:ext cx="5181600" cy="4351338"/>
+            <a:off x="6172200" y="2194559"/>
+            <a:ext cx="5334000" cy="4024125"/>
           </a:xfrm>
         </p:spPr>
         <p:txBody>
@@ -1383,18 +5291,13 @@
               <a:rPr lang="da-DK"/>
               <a:t>Femte niveau</a:t>
             </a:r>
-          </a:p>
-        </p:txBody>
-      </p:sp>
-      <p:sp>
-        <p:nvSpPr>
-          <p:cNvPr id="5" name="Pladsholder til dato 4">
-            <a:extLst>
-              <a:ext uri="{FF2B5EF4-FFF2-40B4-BE49-F238E27FC236}">
-                <a16:creationId xmlns:a16="http://schemas.microsoft.com/office/drawing/2014/main" id="{BAE8D42E-2D8E-054F-8BAD-3A0FEF54CA38}"/>
-              </a:ext>
-            </a:extLst>
-          </p:cNvPr>
+            <a:endParaRPr lang="en-US" dirty="0"/>
+          </a:p>
+        </p:txBody>
+      </p:sp>
+      <p:sp>
+        <p:nvSpPr>
+          <p:cNvPr id="5" name="Date Placeholder 4"/>
           <p:cNvSpPr>
             <a:spLocks noGrp="1"/>
           </p:cNvSpPr>
@@ -1409,7 +5312,7 @@
           <a:p>
             <a:fld id="{904F8374-DDA3-4289-A3C4-A561B6E67BA2}" type="datetimeFigureOut">
               <a:rPr lang="da-DK" smtClean="0"/>
-              <a:t>03-05-2024</a:t>
+              <a:t>06-05-2024</a:t>
             </a:fld>
             <a:endParaRPr lang="da-DK"/>
           </a:p>
@@ -1417,13 +5320,7 @@
       </p:sp>
       <p:sp>
         <p:nvSpPr>
-          <p:cNvPr id="6" name="Pladsholder til sidefod 5">
-            <a:extLst>
-              <a:ext uri="{FF2B5EF4-FFF2-40B4-BE49-F238E27FC236}">
-                <a16:creationId xmlns:a16="http://schemas.microsoft.com/office/drawing/2014/main" id="{29247103-256A-6EF1-01D0-329E84EA8841}"/>
-              </a:ext>
-            </a:extLst>
-          </p:cNvPr>
+          <p:cNvPr id="6" name="Footer Placeholder 5"/>
           <p:cNvSpPr>
             <a:spLocks noGrp="1"/>
           </p:cNvSpPr>
@@ -1442,13 +5339,7 @@
       </p:sp>
       <p:sp>
         <p:nvSpPr>
-          <p:cNvPr id="7" name="Pladsholder til slidenummer 6">
-            <a:extLst>
-              <a:ext uri="{FF2B5EF4-FFF2-40B4-BE49-F238E27FC236}">
-                <a16:creationId xmlns:a16="http://schemas.microsoft.com/office/drawing/2014/main" id="{A9BE9B45-954B-9677-5F0D-871429EB7330}"/>
-              </a:ext>
-            </a:extLst>
-          </p:cNvPr>
+          <p:cNvPr id="7" name="Slide Number Placeholder 6"/>
           <p:cNvSpPr>
             <a:spLocks noGrp="1"/>
           </p:cNvSpPr>
@@ -1472,7 +5363,7 @@
     </p:spTree>
     <p:extLst>
       <p:ext uri="{BB962C8B-B14F-4D97-AF65-F5344CB8AC3E}">
-        <p14:creationId xmlns:p14="http://schemas.microsoft.com/office/powerpoint/2010/main" val="2326739424"/>
+        <p14:creationId xmlns:p14="http://schemas.microsoft.com/office/powerpoint/2010/main" val="627302987"/>
       </p:ext>
     </p:extLst>
   </p:cSld>
@@ -1501,13 +5392,7 @@
       </p:grpSpPr>
       <p:sp>
         <p:nvSpPr>
-          <p:cNvPr id="2" name="Titel 1">
-            <a:extLst>
-              <a:ext uri="{FF2B5EF4-FFF2-40B4-BE49-F238E27FC236}">
-                <a16:creationId xmlns:a16="http://schemas.microsoft.com/office/drawing/2014/main" id="{8A346F2A-D9A9-B63D-CE4F-D3DB4CACC879}"/>
-              </a:ext>
-            </a:extLst>
-          </p:cNvPr>
+          <p:cNvPr id="2" name="Title 1"/>
           <p:cNvSpPr>
             <a:spLocks noGrp="1"/>
           </p:cNvSpPr>
@@ -1517,8 +5402,8 @@
         </p:nvSpPr>
         <p:spPr>
           <a:xfrm>
-            <a:off x="839788" y="365125"/>
-            <a:ext cx="10515600" cy="1325563"/>
+            <a:off x="2895600" y="762000"/>
+            <a:ext cx="8610600" cy="1295400"/>
           </a:xfrm>
         </p:spPr>
         <p:txBody>
@@ -1529,18 +5414,13 @@
               <a:rPr lang="da-DK"/>
               <a:t>Klik for at redigere titeltypografien i masteren</a:t>
             </a:r>
-          </a:p>
-        </p:txBody>
-      </p:sp>
-      <p:sp>
-        <p:nvSpPr>
-          <p:cNvPr id="3" name="Pladsholder til tekst 2">
-            <a:extLst>
-              <a:ext uri="{FF2B5EF4-FFF2-40B4-BE49-F238E27FC236}">
-                <a16:creationId xmlns:a16="http://schemas.microsoft.com/office/drawing/2014/main" id="{8FD14700-1CDC-DC5C-4551-B750CF8851AF}"/>
-              </a:ext>
-            </a:extLst>
-          </p:cNvPr>
+            <a:endParaRPr lang="en-US" dirty="0"/>
+          </a:p>
+        </p:txBody>
+      </p:sp>
+      <p:sp>
+        <p:nvSpPr>
+          <p:cNvPr id="3" name="Text Placeholder 2"/>
           <p:cNvSpPr>
             <a:spLocks noGrp="1"/>
           </p:cNvSpPr>
@@ -1550,16 +5430,22 @@
         </p:nvSpPr>
         <p:spPr>
           <a:xfrm>
-            <a:off x="839788" y="1681163"/>
-            <a:ext cx="5157787" cy="823912"/>
+            <a:off x="914409" y="2183802"/>
+            <a:ext cx="5079991" cy="823912"/>
           </a:xfrm>
         </p:spPr>
         <p:txBody>
-          <a:bodyPr anchor="b"/>
+          <a:bodyPr anchor="b">
+            <a:normAutofit/>
+          </a:bodyPr>
           <a:lstStyle>
             <a:lvl1pPr marL="0" indent="0">
               <a:buNone/>
-              <a:defRPr sz="2400" b="1"/>
+              <a:defRPr sz="2800" b="0">
+                <a:solidFill>
+                  <a:schemeClr val="tx1"/>
+                </a:solidFill>
+              </a:defRPr>
             </a:lvl1pPr>
             <a:lvl2pPr marL="457200" indent="0">
               <a:buNone/>
@@ -1605,13 +5491,7 @@
       </p:sp>
       <p:sp>
         <p:nvSpPr>
-          <p:cNvPr id="4" name="Pladsholder til indhold 3">
-            <a:extLst>
-              <a:ext uri="{FF2B5EF4-FFF2-40B4-BE49-F238E27FC236}">
-                <a16:creationId xmlns:a16="http://schemas.microsoft.com/office/drawing/2014/main" id="{71BAB708-4355-742D-3E83-76A8074D781F}"/>
-              </a:ext>
-            </a:extLst>
-          </p:cNvPr>
+          <p:cNvPr id="4" name="Content Placeholder 3"/>
           <p:cNvSpPr>
             <a:spLocks noGrp="1"/>
           </p:cNvSpPr>
@@ -1621,8 +5501,8 @@
         </p:nvSpPr>
         <p:spPr>
           <a:xfrm>
-            <a:off x="839788" y="2505075"/>
-            <a:ext cx="5157787" cy="3684588"/>
+            <a:off x="685800" y="3132666"/>
+            <a:ext cx="5311775" cy="3086019"/>
           </a:xfrm>
         </p:spPr>
         <p:txBody>
@@ -1662,18 +5542,13 @@
               <a:rPr lang="da-DK"/>
               <a:t>Femte niveau</a:t>
             </a:r>
-          </a:p>
-        </p:txBody>
-      </p:sp>
-      <p:sp>
-        <p:nvSpPr>
-          <p:cNvPr id="5" name="Pladsholder til tekst 4">
-            <a:extLst>
-              <a:ext uri="{FF2B5EF4-FFF2-40B4-BE49-F238E27FC236}">
-                <a16:creationId xmlns:a16="http://schemas.microsoft.com/office/drawing/2014/main" id="{18251343-406A-9F6C-D16E-8E29AABC0B51}"/>
-              </a:ext>
-            </a:extLst>
-          </p:cNvPr>
+            <a:endParaRPr lang="en-US" dirty="0"/>
+          </a:p>
+        </p:txBody>
+      </p:sp>
+      <p:sp>
+        <p:nvSpPr>
+          <p:cNvPr id="5" name="Text Placeholder 4"/>
           <p:cNvSpPr>
             <a:spLocks noGrp="1"/>
           </p:cNvSpPr>
@@ -1683,16 +5558,22 @@
         </p:nvSpPr>
         <p:spPr>
           <a:xfrm>
-            <a:off x="6172200" y="1681163"/>
-            <a:ext cx="5183188" cy="823912"/>
+            <a:off x="6400800" y="2183802"/>
+            <a:ext cx="5105400" cy="823912"/>
           </a:xfrm>
         </p:spPr>
         <p:txBody>
-          <a:bodyPr anchor="b"/>
+          <a:bodyPr anchor="b">
+            <a:normAutofit/>
+          </a:bodyPr>
           <a:lstStyle>
             <a:lvl1pPr marL="0" indent="0">
               <a:buNone/>
-              <a:defRPr sz="2400" b="1"/>
+              <a:defRPr sz="2800" b="0">
+                <a:solidFill>
+                  <a:schemeClr val="tx1"/>
+                </a:solidFill>
+              </a:defRPr>
             </a:lvl1pPr>
             <a:lvl2pPr marL="457200" indent="0">
               <a:buNone/>
@@ -1738,13 +5619,7 @@
       </p:sp>
       <p:sp>
         <p:nvSpPr>
-          <p:cNvPr id="6" name="Pladsholder til indhold 5">
-            <a:extLst>
-              <a:ext uri="{FF2B5EF4-FFF2-40B4-BE49-F238E27FC236}">
-                <a16:creationId xmlns:a16="http://schemas.microsoft.com/office/drawing/2014/main" id="{DA40E42B-53F1-18E0-CCBB-1C7C0E71AC39}"/>
-              </a:ext>
-            </a:extLst>
-          </p:cNvPr>
+          <p:cNvPr id="6" name="Content Placeholder 5"/>
           <p:cNvSpPr>
             <a:spLocks noGrp="1"/>
           </p:cNvSpPr>
@@ -1754,8 +5629,8 @@
         </p:nvSpPr>
         <p:spPr>
           <a:xfrm>
-            <a:off x="6172200" y="2505075"/>
-            <a:ext cx="5183188" cy="3684588"/>
+            <a:off x="6172200" y="3132666"/>
+            <a:ext cx="5334000" cy="3086019"/>
           </a:xfrm>
         </p:spPr>
         <p:txBody>
@@ -1795,18 +5670,13 @@
               <a:rPr lang="da-DK"/>
               <a:t>Femte niveau</a:t>
             </a:r>
-          </a:p>
-        </p:txBody>
-      </p:sp>
-      <p:sp>
-        <p:nvSpPr>
-          <p:cNvPr id="7" name="Pladsholder til dato 6">
-            <a:extLst>
-              <a:ext uri="{FF2B5EF4-FFF2-40B4-BE49-F238E27FC236}">
-                <a16:creationId xmlns:a16="http://schemas.microsoft.com/office/drawing/2014/main" id="{6F0A9217-AA92-10E1-F170-A94FEBF6ABB7}"/>
-              </a:ext>
-            </a:extLst>
-          </p:cNvPr>
+            <a:endParaRPr lang="en-US" dirty="0"/>
+          </a:p>
+        </p:txBody>
+      </p:sp>
+      <p:sp>
+        <p:nvSpPr>
+          <p:cNvPr id="7" name="Date Placeholder 6"/>
           <p:cNvSpPr>
             <a:spLocks noGrp="1"/>
           </p:cNvSpPr>
@@ -1821,7 +5691,7 @@
           <a:p>
             <a:fld id="{904F8374-DDA3-4289-A3C4-A561B6E67BA2}" type="datetimeFigureOut">
               <a:rPr lang="da-DK" smtClean="0"/>
-              <a:t>03-05-2024</a:t>
+              <a:t>06-05-2024</a:t>
             </a:fld>
             <a:endParaRPr lang="da-DK"/>
           </a:p>
@@ -1829,13 +5699,7 @@
       </p:sp>
       <p:sp>
         <p:nvSpPr>
-          <p:cNvPr id="8" name="Pladsholder til sidefod 7">
-            <a:extLst>
-              <a:ext uri="{FF2B5EF4-FFF2-40B4-BE49-F238E27FC236}">
-                <a16:creationId xmlns:a16="http://schemas.microsoft.com/office/drawing/2014/main" id="{5269CF8B-4C0F-1A36-9CA1-75DC79F88100}"/>
-              </a:ext>
-            </a:extLst>
-          </p:cNvPr>
+          <p:cNvPr id="8" name="Footer Placeholder 7"/>
           <p:cNvSpPr>
             <a:spLocks noGrp="1"/>
           </p:cNvSpPr>
@@ -1854,13 +5718,7 @@
       </p:sp>
       <p:sp>
         <p:nvSpPr>
-          <p:cNvPr id="9" name="Pladsholder til slidenummer 8">
-            <a:extLst>
-              <a:ext uri="{FF2B5EF4-FFF2-40B4-BE49-F238E27FC236}">
-                <a16:creationId xmlns:a16="http://schemas.microsoft.com/office/drawing/2014/main" id="{9A460E8B-311F-C790-7840-CB213F33AFE7}"/>
-              </a:ext>
-            </a:extLst>
-          </p:cNvPr>
+          <p:cNvPr id="9" name="Slide Number Placeholder 8"/>
           <p:cNvSpPr>
             <a:spLocks noGrp="1"/>
           </p:cNvSpPr>
@@ -1884,7 +5742,7 @@
     </p:spTree>
     <p:extLst>
       <p:ext uri="{BB962C8B-B14F-4D97-AF65-F5344CB8AC3E}">
-        <p14:creationId xmlns:p14="http://schemas.microsoft.com/office/powerpoint/2010/main" val="3674191025"/>
+        <p14:creationId xmlns:p14="http://schemas.microsoft.com/office/powerpoint/2010/main" val="254351556"/>
       </p:ext>
     </p:extLst>
   </p:cSld>
@@ -1913,13 +5771,7 @@
       </p:grpSpPr>
       <p:sp>
         <p:nvSpPr>
-          <p:cNvPr id="2" name="Titel 1">
-            <a:extLst>
-              <a:ext uri="{FF2B5EF4-FFF2-40B4-BE49-F238E27FC236}">
-                <a16:creationId xmlns:a16="http://schemas.microsoft.com/office/drawing/2014/main" id="{D84A14C9-43D4-9C28-2843-A6F5FEF0FF91}"/>
-              </a:ext>
-            </a:extLst>
-          </p:cNvPr>
+          <p:cNvPr id="2" name="Title 1"/>
           <p:cNvSpPr>
             <a:spLocks noGrp="1"/>
           </p:cNvSpPr>
@@ -1936,18 +5788,13 @@
               <a:rPr lang="da-DK"/>
               <a:t>Klik for at redigere titeltypografien i masteren</a:t>
             </a:r>
-          </a:p>
-        </p:txBody>
-      </p:sp>
-      <p:sp>
-        <p:nvSpPr>
-          <p:cNvPr id="3" name="Pladsholder til dato 2">
-            <a:extLst>
-              <a:ext uri="{FF2B5EF4-FFF2-40B4-BE49-F238E27FC236}">
-                <a16:creationId xmlns:a16="http://schemas.microsoft.com/office/drawing/2014/main" id="{65B4A7E8-6B1B-035B-C587-9A18BEF14615}"/>
-              </a:ext>
-            </a:extLst>
-          </p:cNvPr>
+            <a:endParaRPr lang="en-US" dirty="0"/>
+          </a:p>
+        </p:txBody>
+      </p:sp>
+      <p:sp>
+        <p:nvSpPr>
+          <p:cNvPr id="3" name="Date Placeholder 2"/>
           <p:cNvSpPr>
             <a:spLocks noGrp="1"/>
           </p:cNvSpPr>
@@ -1962,7 +5809,7 @@
           <a:p>
             <a:fld id="{904F8374-DDA3-4289-A3C4-A561B6E67BA2}" type="datetimeFigureOut">
               <a:rPr lang="da-DK" smtClean="0"/>
-              <a:t>03-05-2024</a:t>
+              <a:t>06-05-2024</a:t>
             </a:fld>
             <a:endParaRPr lang="da-DK"/>
           </a:p>
@@ -1970,13 +5817,7 @@
       </p:sp>
       <p:sp>
         <p:nvSpPr>
-          <p:cNvPr id="4" name="Pladsholder til sidefod 3">
-            <a:extLst>
-              <a:ext uri="{FF2B5EF4-FFF2-40B4-BE49-F238E27FC236}">
-                <a16:creationId xmlns:a16="http://schemas.microsoft.com/office/drawing/2014/main" id="{67E3BE04-9AB7-FB3F-5A63-7B0C35CDC690}"/>
-              </a:ext>
-            </a:extLst>
-          </p:cNvPr>
+          <p:cNvPr id="4" name="Footer Placeholder 3"/>
           <p:cNvSpPr>
             <a:spLocks noGrp="1"/>
           </p:cNvSpPr>
@@ -1995,13 +5836,7 @@
       </p:sp>
       <p:sp>
         <p:nvSpPr>
-          <p:cNvPr id="5" name="Pladsholder til slidenummer 4">
-            <a:extLst>
-              <a:ext uri="{FF2B5EF4-FFF2-40B4-BE49-F238E27FC236}">
-                <a16:creationId xmlns:a16="http://schemas.microsoft.com/office/drawing/2014/main" id="{D0ACE0E9-CE0F-7AD9-83B5-32FADEBC7381}"/>
-              </a:ext>
-            </a:extLst>
-          </p:cNvPr>
+          <p:cNvPr id="5" name="Slide Number Placeholder 4"/>
           <p:cNvSpPr>
             <a:spLocks noGrp="1"/>
           </p:cNvSpPr>
@@ -2025,7 +5860,7 @@
     </p:spTree>
     <p:extLst>
       <p:ext uri="{BB962C8B-B14F-4D97-AF65-F5344CB8AC3E}">
-        <p14:creationId xmlns:p14="http://schemas.microsoft.com/office/powerpoint/2010/main" val="432344891"/>
+        <p14:creationId xmlns:p14="http://schemas.microsoft.com/office/powerpoint/2010/main" val="541780683"/>
       </p:ext>
     </p:extLst>
   </p:cSld>
@@ -2054,13 +5889,7 @@
       </p:grpSpPr>
       <p:sp>
         <p:nvSpPr>
-          <p:cNvPr id="2" name="Pladsholder til dato 1">
-            <a:extLst>
-              <a:ext uri="{FF2B5EF4-FFF2-40B4-BE49-F238E27FC236}">
-                <a16:creationId xmlns:a16="http://schemas.microsoft.com/office/drawing/2014/main" id="{1AE79D8E-84BC-A722-1BB0-2027341A4E6D}"/>
-              </a:ext>
-            </a:extLst>
-          </p:cNvPr>
+          <p:cNvPr id="2" name="Date Placeholder 1"/>
           <p:cNvSpPr>
             <a:spLocks noGrp="1"/>
           </p:cNvSpPr>
@@ -2075,7 +5904,7 @@
           <a:p>
             <a:fld id="{904F8374-DDA3-4289-A3C4-A561B6E67BA2}" type="datetimeFigureOut">
               <a:rPr lang="da-DK" smtClean="0"/>
-              <a:t>03-05-2024</a:t>
+              <a:t>06-05-2024</a:t>
             </a:fld>
             <a:endParaRPr lang="da-DK"/>
           </a:p>
@@ -2083,13 +5912,7 @@
       </p:sp>
       <p:sp>
         <p:nvSpPr>
-          <p:cNvPr id="3" name="Pladsholder til sidefod 2">
-            <a:extLst>
-              <a:ext uri="{FF2B5EF4-FFF2-40B4-BE49-F238E27FC236}">
-                <a16:creationId xmlns:a16="http://schemas.microsoft.com/office/drawing/2014/main" id="{890F1F05-5B20-415E-2280-BC96F4AF60D1}"/>
-              </a:ext>
-            </a:extLst>
-          </p:cNvPr>
+          <p:cNvPr id="3" name="Footer Placeholder 2"/>
           <p:cNvSpPr>
             <a:spLocks noGrp="1"/>
           </p:cNvSpPr>
@@ -2108,13 +5931,7 @@
       </p:sp>
       <p:sp>
         <p:nvSpPr>
-          <p:cNvPr id="4" name="Pladsholder til slidenummer 3">
-            <a:extLst>
-              <a:ext uri="{FF2B5EF4-FFF2-40B4-BE49-F238E27FC236}">
-                <a16:creationId xmlns:a16="http://schemas.microsoft.com/office/drawing/2014/main" id="{A1AEB80F-179F-4283-D4BB-F132D570FD8F}"/>
-              </a:ext>
-            </a:extLst>
-          </p:cNvPr>
+          <p:cNvPr id="4" name="Slide Number Placeholder 3"/>
           <p:cNvSpPr>
             <a:spLocks noGrp="1"/>
           </p:cNvSpPr>
@@ -2138,7 +5955,7 @@
     </p:spTree>
     <p:extLst>
       <p:ext uri="{BB962C8B-B14F-4D97-AF65-F5344CB8AC3E}">
-        <p14:creationId xmlns:p14="http://schemas.microsoft.com/office/powerpoint/2010/main" val="790384392"/>
+        <p14:creationId xmlns:p14="http://schemas.microsoft.com/office/powerpoint/2010/main" val="1131255361"/>
       </p:ext>
     </p:extLst>
   </p:cSld>
@@ -2167,13 +5984,7 @@
       </p:grpSpPr>
       <p:sp>
         <p:nvSpPr>
-          <p:cNvPr id="2" name="Titel 1">
-            <a:extLst>
-              <a:ext uri="{FF2B5EF4-FFF2-40B4-BE49-F238E27FC236}">
-                <a16:creationId xmlns:a16="http://schemas.microsoft.com/office/drawing/2014/main" id="{56D2A02B-019A-200B-81E9-12AD33E51D48}"/>
-              </a:ext>
-            </a:extLst>
-          </p:cNvPr>
+          <p:cNvPr id="2" name="Title 1"/>
           <p:cNvSpPr>
             <a:spLocks noGrp="1"/>
           </p:cNvSpPr>
@@ -2183,14 +5994,14 @@
         </p:nvSpPr>
         <p:spPr>
           <a:xfrm>
-            <a:off x="839788" y="457200"/>
-            <a:ext cx="3932237" cy="1600200"/>
+            <a:off x="685800" y="1524000"/>
+            <a:ext cx="4114800" cy="1600200"/>
           </a:xfrm>
         </p:spPr>
         <p:txBody>
           <a:bodyPr anchor="b"/>
           <a:lstStyle>
-            <a:lvl1pPr>
+            <a:lvl1pPr algn="l">
               <a:defRPr sz="3200"/>
             </a:lvl1pPr>
           </a:lstStyle>
@@ -2199,18 +6010,13 @@
               <a:rPr lang="da-DK"/>
               <a:t>Klik for at redigere titeltypografien i masteren</a:t>
             </a:r>
-          </a:p>
-        </p:txBody>
-      </p:sp>
-      <p:sp>
-        <p:nvSpPr>
-          <p:cNvPr id="3" name="Pladsholder til indhold 2">
-            <a:extLst>
-              <a:ext uri="{FF2B5EF4-FFF2-40B4-BE49-F238E27FC236}">
-                <a16:creationId xmlns:a16="http://schemas.microsoft.com/office/drawing/2014/main" id="{787DC638-BF4B-D906-6556-2D364136379D}"/>
-              </a:ext>
-            </a:extLst>
-          </p:cNvPr>
+            <a:endParaRPr lang="en-US" dirty="0"/>
+          </a:p>
+        </p:txBody>
+      </p:sp>
+      <p:sp>
+        <p:nvSpPr>
+          <p:cNvPr id="3" name="Content Placeholder 2"/>
           <p:cNvSpPr>
             <a:spLocks noGrp="1"/>
           </p:cNvSpPr>
@@ -2220,41 +6026,13 @@
         </p:nvSpPr>
         <p:spPr>
           <a:xfrm>
-            <a:off x="5183188" y="987425"/>
-            <a:ext cx="6172200" cy="4873625"/>
+            <a:off x="4995582" y="746759"/>
+            <a:ext cx="6510618" cy="5471925"/>
           </a:xfrm>
         </p:spPr>
         <p:txBody>
-          <a:bodyPr/>
-          <a:lstStyle>
-            <a:lvl1pPr>
-              <a:defRPr sz="3200"/>
-            </a:lvl1pPr>
-            <a:lvl2pPr>
-              <a:defRPr sz="2800"/>
-            </a:lvl2pPr>
-            <a:lvl3pPr>
-              <a:defRPr sz="2400"/>
-            </a:lvl3pPr>
-            <a:lvl4pPr>
-              <a:defRPr sz="2000"/>
-            </a:lvl4pPr>
-            <a:lvl5pPr>
-              <a:defRPr sz="2000"/>
-            </a:lvl5pPr>
-            <a:lvl6pPr>
-              <a:defRPr sz="2000"/>
-            </a:lvl6pPr>
-            <a:lvl7pPr>
-              <a:defRPr sz="2000"/>
-            </a:lvl7pPr>
-            <a:lvl8pPr>
-              <a:defRPr sz="2000"/>
-            </a:lvl8pPr>
-            <a:lvl9pPr>
-              <a:defRPr sz="2000"/>
-            </a:lvl9pPr>
-          </a:lstStyle>
+          <a:bodyPr anchor="ctr"/>
+          <a:lstStyle/>
           <a:p>
             <a:pPr lvl="0"/>
             <a:r>
@@ -2289,18 +6067,13 @@
               <a:rPr lang="da-DK"/>
               <a:t>Femte niveau</a:t>
             </a:r>
-          </a:p>
-        </p:txBody>
-      </p:sp>
-      <p:sp>
-        <p:nvSpPr>
-          <p:cNvPr id="4" name="Pladsholder til tekst 3">
-            <a:extLst>
-              <a:ext uri="{FF2B5EF4-FFF2-40B4-BE49-F238E27FC236}">
-                <a16:creationId xmlns:a16="http://schemas.microsoft.com/office/drawing/2014/main" id="{1DC209D5-405E-7B3E-A26C-9CDA83D8881C}"/>
-              </a:ext>
-            </a:extLst>
-          </p:cNvPr>
+            <a:endParaRPr lang="en-US" dirty="0"/>
+          </a:p>
+        </p:txBody>
+      </p:sp>
+      <p:sp>
+        <p:nvSpPr>
+          <p:cNvPr id="4" name="Text Placeholder 3"/>
           <p:cNvSpPr>
             <a:spLocks noGrp="1"/>
           </p:cNvSpPr>
@@ -2310,8 +6083,8 @@
         </p:nvSpPr>
         <p:spPr>
           <a:xfrm>
-            <a:off x="839788" y="2057400"/>
-            <a:ext cx="3932237" cy="3811588"/>
+            <a:off x="685800" y="3124199"/>
+            <a:ext cx="4114800" cy="3094485"/>
           </a:xfrm>
         </p:spPr>
         <p:txBody>
@@ -2365,13 +6138,7 @@
       </p:sp>
       <p:sp>
         <p:nvSpPr>
-          <p:cNvPr id="5" name="Pladsholder til dato 4">
-            <a:extLst>
-              <a:ext uri="{FF2B5EF4-FFF2-40B4-BE49-F238E27FC236}">
-                <a16:creationId xmlns:a16="http://schemas.microsoft.com/office/drawing/2014/main" id="{E643F827-206D-92DD-48D8-6C7043B60E44}"/>
-              </a:ext>
-            </a:extLst>
-          </p:cNvPr>
+          <p:cNvPr id="5" name="Date Placeholder 4"/>
           <p:cNvSpPr>
             <a:spLocks noGrp="1"/>
           </p:cNvSpPr>
@@ -2386,7 +6153,7 @@
           <a:p>
             <a:fld id="{904F8374-DDA3-4289-A3C4-A561B6E67BA2}" type="datetimeFigureOut">
               <a:rPr lang="da-DK" smtClean="0"/>
-              <a:t>03-05-2024</a:t>
+              <a:t>06-05-2024</a:t>
             </a:fld>
             <a:endParaRPr lang="da-DK"/>
           </a:p>
@@ -2394,13 +6161,7 @@
       </p:sp>
       <p:sp>
         <p:nvSpPr>
-          <p:cNvPr id="6" name="Pladsholder til sidefod 5">
-            <a:extLst>
-              <a:ext uri="{FF2B5EF4-FFF2-40B4-BE49-F238E27FC236}">
-                <a16:creationId xmlns:a16="http://schemas.microsoft.com/office/drawing/2014/main" id="{0DF8C7F3-8C6E-EB51-BEB7-F09DC3237A95}"/>
-              </a:ext>
-            </a:extLst>
-          </p:cNvPr>
+          <p:cNvPr id="6" name="Footer Placeholder 5"/>
           <p:cNvSpPr>
             <a:spLocks noGrp="1"/>
           </p:cNvSpPr>
@@ -2419,13 +6180,7 @@
       </p:sp>
       <p:sp>
         <p:nvSpPr>
-          <p:cNvPr id="7" name="Pladsholder til slidenummer 6">
-            <a:extLst>
-              <a:ext uri="{FF2B5EF4-FFF2-40B4-BE49-F238E27FC236}">
-                <a16:creationId xmlns:a16="http://schemas.microsoft.com/office/drawing/2014/main" id="{14AF3019-254C-A2E8-0E95-ABD92110E836}"/>
-              </a:ext>
-            </a:extLst>
-          </p:cNvPr>
+          <p:cNvPr id="7" name="Slide Number Placeholder 6"/>
           <p:cNvSpPr>
             <a:spLocks noGrp="1"/>
           </p:cNvSpPr>
@@ -2449,7 +6204,7 @@
     </p:spTree>
     <p:extLst>
       <p:ext uri="{BB962C8B-B14F-4D97-AF65-F5344CB8AC3E}">
-        <p14:creationId xmlns:p14="http://schemas.microsoft.com/office/powerpoint/2010/main" val="4275106174"/>
+        <p14:creationId xmlns:p14="http://schemas.microsoft.com/office/powerpoint/2010/main" val="3334954007"/>
       </p:ext>
     </p:extLst>
   </p:cSld>
@@ -2478,13 +6233,7 @@
       </p:grpSpPr>
       <p:sp>
         <p:nvSpPr>
-          <p:cNvPr id="2" name="Titel 1">
-            <a:extLst>
-              <a:ext uri="{FF2B5EF4-FFF2-40B4-BE49-F238E27FC236}">
-                <a16:creationId xmlns:a16="http://schemas.microsoft.com/office/drawing/2014/main" id="{6360F252-FA52-DABB-61C5-2413D2D5BB56}"/>
-              </a:ext>
-            </a:extLst>
-          </p:cNvPr>
+          <p:cNvPr id="2" name="Title 1"/>
           <p:cNvSpPr>
             <a:spLocks noGrp="1"/>
           </p:cNvSpPr>
@@ -2494,14 +6243,14 @@
         </p:nvSpPr>
         <p:spPr>
           <a:xfrm>
-            <a:off x="839788" y="457200"/>
-            <a:ext cx="3932237" cy="1600200"/>
+            <a:off x="685800" y="1524000"/>
+            <a:ext cx="6873240" cy="1600200"/>
           </a:xfrm>
         </p:spPr>
         <p:txBody>
           <a:bodyPr anchor="b"/>
           <a:lstStyle>
-            <a:lvl1pPr>
+            <a:lvl1pPr algn="l">
               <a:defRPr sz="3200"/>
             </a:lvl1pPr>
           </a:lstStyle>
@@ -2510,20 +6259,15 @@
               <a:rPr lang="da-DK"/>
               <a:t>Klik for at redigere titeltypografien i masteren</a:t>
             </a:r>
-          </a:p>
-        </p:txBody>
-      </p:sp>
-      <p:sp>
-        <p:nvSpPr>
-          <p:cNvPr id="3" name="Pladsholder til billede 2">
-            <a:extLst>
-              <a:ext uri="{FF2B5EF4-FFF2-40B4-BE49-F238E27FC236}">
-                <a16:creationId xmlns:a16="http://schemas.microsoft.com/office/drawing/2014/main" id="{7ED975D7-AA50-A4FA-B53F-98CDCDD51D9B}"/>
-              </a:ext>
-            </a:extLst>
-          </p:cNvPr>
-          <p:cNvSpPr>
-            <a:spLocks noGrp="1"/>
+            <a:endParaRPr lang="en-US" dirty="0"/>
+          </a:p>
+        </p:txBody>
+      </p:sp>
+      <p:sp>
+        <p:nvSpPr>
+          <p:cNvPr id="3" name="Picture Placeholder 2"/>
+          <p:cNvSpPr>
+            <a:spLocks noGrp="1" noChangeAspect="1"/>
           </p:cNvSpPr>
           <p:nvPr>
             <p:ph type="pic" idx="1"/>
@@ -2531,12 +6275,12 @@
         </p:nvSpPr>
         <p:spPr>
           <a:xfrm>
-            <a:off x="5183188" y="987425"/>
-            <a:ext cx="6172200" cy="4873625"/>
+            <a:off x="7861238" y="751241"/>
+            <a:ext cx="3644962" cy="5467443"/>
           </a:xfrm>
         </p:spPr>
         <p:txBody>
-          <a:bodyPr/>
+          <a:bodyPr anchor="t"/>
           <a:lstStyle>
             <a:lvl1pPr marL="0" indent="0">
               <a:buNone/>
@@ -2576,19 +6320,17 @@
             </a:lvl9pPr>
           </a:lstStyle>
           <a:p>
-            <a:endParaRPr lang="da-DK"/>
-          </a:p>
-        </p:txBody>
-      </p:sp>
-      <p:sp>
-        <p:nvSpPr>
-          <p:cNvPr id="4" name="Pladsholder til tekst 3">
-            <a:extLst>
-              <a:ext uri="{FF2B5EF4-FFF2-40B4-BE49-F238E27FC236}">
-                <a16:creationId xmlns:a16="http://schemas.microsoft.com/office/drawing/2014/main" id="{F6D68646-BFB3-F3A4-8C65-411A3216A97E}"/>
-              </a:ext>
-            </a:extLst>
-          </p:cNvPr>
+            <a:r>
+              <a:rPr lang="da-DK"/>
+              <a:t>Klik på ikonet for at tilføje et billede</a:t>
+            </a:r>
+            <a:endParaRPr lang="en-US" dirty="0"/>
+          </a:p>
+        </p:txBody>
+      </p:sp>
+      <p:sp>
+        <p:nvSpPr>
+          <p:cNvPr id="4" name="Text Placeholder 3"/>
           <p:cNvSpPr>
             <a:spLocks noGrp="1"/>
           </p:cNvSpPr>
@@ -2598,8 +6340,8 @@
         </p:nvSpPr>
         <p:spPr>
           <a:xfrm>
-            <a:off x="839788" y="2057400"/>
-            <a:ext cx="3932237" cy="3811588"/>
+            <a:off x="685800" y="3124199"/>
+            <a:ext cx="6873240" cy="3094485"/>
           </a:xfrm>
         </p:spPr>
         <p:txBody>
@@ -2653,13 +6395,7 @@
       </p:sp>
       <p:sp>
         <p:nvSpPr>
-          <p:cNvPr id="5" name="Pladsholder til dato 4">
-            <a:extLst>
-              <a:ext uri="{FF2B5EF4-FFF2-40B4-BE49-F238E27FC236}">
-                <a16:creationId xmlns:a16="http://schemas.microsoft.com/office/drawing/2014/main" id="{8DEEC9FA-1967-BA46-14F6-5A749E3B2DFF}"/>
-              </a:ext>
-            </a:extLst>
-          </p:cNvPr>
+          <p:cNvPr id="5" name="Date Placeholder 4"/>
           <p:cNvSpPr>
             <a:spLocks noGrp="1"/>
           </p:cNvSpPr>
@@ -2674,7 +6410,7 @@
           <a:p>
             <a:fld id="{904F8374-DDA3-4289-A3C4-A561B6E67BA2}" type="datetimeFigureOut">
               <a:rPr lang="da-DK" smtClean="0"/>
-              <a:t>03-05-2024</a:t>
+              <a:t>06-05-2024</a:t>
             </a:fld>
             <a:endParaRPr lang="da-DK"/>
           </a:p>
@@ -2682,13 +6418,7 @@
       </p:sp>
       <p:sp>
         <p:nvSpPr>
-          <p:cNvPr id="6" name="Pladsholder til sidefod 5">
-            <a:extLst>
-              <a:ext uri="{FF2B5EF4-FFF2-40B4-BE49-F238E27FC236}">
-                <a16:creationId xmlns:a16="http://schemas.microsoft.com/office/drawing/2014/main" id="{ADBF31F1-6938-0BD5-F194-43C48CA0ED28}"/>
-              </a:ext>
-            </a:extLst>
-          </p:cNvPr>
+          <p:cNvPr id="6" name="Footer Placeholder 5"/>
           <p:cNvSpPr>
             <a:spLocks noGrp="1"/>
           </p:cNvSpPr>
@@ -2707,13 +6437,7 @@
       </p:sp>
       <p:sp>
         <p:nvSpPr>
-          <p:cNvPr id="7" name="Pladsholder til slidenummer 6">
-            <a:extLst>
-              <a:ext uri="{FF2B5EF4-FFF2-40B4-BE49-F238E27FC236}">
-                <a16:creationId xmlns:a16="http://schemas.microsoft.com/office/drawing/2014/main" id="{36C4D9CB-7928-49FD-E890-136F5CFCD923}"/>
-              </a:ext>
-            </a:extLst>
-          </p:cNvPr>
+          <p:cNvPr id="7" name="Slide Number Placeholder 6"/>
           <p:cNvSpPr>
             <a:spLocks noGrp="1"/>
           </p:cNvSpPr>
@@ -2737,7 +6461,7 @@
     </p:spTree>
     <p:extLst>
       <p:ext uri="{BB962C8B-B14F-4D97-AF65-F5344CB8AC3E}">
-        <p14:creationId xmlns:p14="http://schemas.microsoft.com/office/powerpoint/2010/main" val="3155584576"/>
+        <p14:creationId xmlns:p14="http://schemas.microsoft.com/office/powerpoint/2010/main" val="3955696503"/>
       </p:ext>
     </p:extLst>
   </p:cSld>
@@ -2751,7 +6475,7 @@
 <p:sldMaster xmlns:a="http://schemas.openxmlformats.org/drawingml/2006/main" xmlns:r="http://schemas.openxmlformats.org/officeDocument/2006/relationships" xmlns:p="http://schemas.openxmlformats.org/presentationml/2006/main">
   <p:cSld>
     <p:bg>
-      <p:bgRef idx="1001">
+      <p:bgRef idx="1003">
         <a:schemeClr val="bg1"/>
       </p:bgRef>
     </p:bg>
@@ -2769,141 +6493,155 @@
           <a:chExt cx="0" cy="0"/>
         </a:xfrm>
       </p:grpSpPr>
-      <p:sp>
-        <p:nvSpPr>
-          <p:cNvPr id="2" name="Pladsholder til titel 1">
+      <p:pic>
+        <p:nvPicPr>
+          <p:cNvPr id="8" name="Picture 7" descr="C2-HD-TOP.png"/>
+          <p:cNvPicPr>
+            <a:picLocks noChangeAspect="1"/>
+          </p:cNvPicPr>
+          <p:nvPr/>
+        </p:nvPicPr>
+        <p:blipFill>
+          <a:blip r:embed="rId19">
             <a:extLst>
-              <a:ext uri="{FF2B5EF4-FFF2-40B4-BE49-F238E27FC236}">
-                <a16:creationId xmlns:a16="http://schemas.microsoft.com/office/drawing/2014/main" id="{1200E73B-84B8-29D8-C17B-BB60BCD6FDE7}"/>
+              <a:ext uri="{28A0092B-C50C-407E-A947-70E740481C1C}">
+                <a14:useLocalDpi xmlns:a14="http://schemas.microsoft.com/office/drawing/2010/main" val="0"/>
               </a:ext>
             </a:extLst>
-          </p:cNvPr>
-          <p:cNvSpPr>
-            <a:spLocks noGrp="1"/>
-          </p:cNvSpPr>
-          <p:nvPr>
-            <p:ph type="title"/>
-          </p:nvPr>
-        </p:nvSpPr>
+          </a:blip>
+          <a:stretch>
+            <a:fillRect/>
+          </a:stretch>
+        </p:blipFill>
         <p:spPr>
           <a:xfrm>
-            <a:off x="838200" y="365125"/>
-            <a:ext cx="10515600" cy="1325563"/>
+            <a:off x="0" y="0"/>
+            <a:ext cx="12192000" cy="1441450"/>
           </a:xfrm>
           <a:prstGeom prst="rect">
             <a:avLst/>
           </a:prstGeom>
         </p:spPr>
-        <p:txBody>
-          <a:bodyPr vert="horz" lIns="91440" tIns="45720" rIns="91440" bIns="45720" rtlCol="0" anchor="ctr">
-            <a:normAutofit/>
-          </a:bodyPr>
-          <a:lstStyle/>
-          <a:p>
-            <a:r>
-              <a:rPr lang="da-DK"/>
-              <a:t>Klik for at redigere titeltypografien i masteren</a:t>
-            </a:r>
-          </a:p>
-        </p:txBody>
-      </p:sp>
-      <p:sp>
-        <p:nvSpPr>
-          <p:cNvPr id="3" name="Pladsholder til tekst 2">
-            <a:extLst>
-              <a:ext uri="{FF2B5EF4-FFF2-40B4-BE49-F238E27FC236}">
-                <a16:creationId xmlns:a16="http://schemas.microsoft.com/office/drawing/2014/main" id="{A181DB34-9F80-17DE-4E46-685AFDA254D9}"/>
-              </a:ext>
-            </a:extLst>
-          </p:cNvPr>
-          <p:cNvSpPr>
-            <a:spLocks noGrp="1"/>
-          </p:cNvSpPr>
-          <p:nvPr>
-            <p:ph type="body" idx="1"/>
+      </p:pic>
+      <p:sp>
+        <p:nvSpPr>
+          <p:cNvPr id="2" name="Title Placeholder 1"/>
+          <p:cNvSpPr>
+            <a:spLocks noGrp="1"/>
+          </p:cNvSpPr>
+          <p:nvPr>
+            <p:ph type="title"/>
           </p:nvPr>
         </p:nvSpPr>
         <p:spPr>
           <a:xfrm>
-            <a:off x="838200" y="1825625"/>
-            <a:ext cx="10515600" cy="4351338"/>
+            <a:off x="2895600" y="764373"/>
+            <a:ext cx="8610600" cy="1293028"/>
           </a:xfrm>
           <a:prstGeom prst="rect">
             <a:avLst/>
           </a:prstGeom>
         </p:spPr>
         <p:txBody>
-          <a:bodyPr vert="horz" lIns="91440" tIns="45720" rIns="91440" bIns="45720" rtlCol="0">
+          <a:bodyPr vert="horz" lIns="91440" tIns="45720" rIns="91440" bIns="45720" rtlCol="0" anchor="ctr">
             <a:normAutofit/>
           </a:bodyPr>
           <a:lstStyle/>
           <a:p>
-            <a:pPr lvl="0"/>
             <a:r>
               <a:rPr lang="da-DK"/>
-              <a:t>Klik for at redigere teksttypografierne i masteren</a:t>
-            </a:r>
-          </a:p>
-          <a:p>
-            <a:pPr lvl="1"/>
-            <a:r>
-              <a:rPr lang="da-DK"/>
-              <a:t>Andet niveau</a:t>
-            </a:r>
-          </a:p>
-          <a:p>
-            <a:pPr lvl="2"/>
-            <a:r>
-              <a:rPr lang="da-DK"/>
-              <a:t>Tredje niveau</a:t>
-            </a:r>
-          </a:p>
-          <a:p>
-            <a:pPr lvl="3"/>
-            <a:r>
-              <a:rPr lang="da-DK"/>
-              <a:t>Fjerde niveau</a:t>
-            </a:r>
-          </a:p>
-          <a:p>
-            <a:pPr lvl="4"/>
-            <a:r>
-              <a:rPr lang="da-DK"/>
-              <a:t>Femte niveau</a:t>
-            </a:r>
-          </a:p>
-        </p:txBody>
-      </p:sp>
-      <p:sp>
-        <p:nvSpPr>
-          <p:cNvPr id="4" name="Pladsholder til dato 3">
-            <a:extLst>
-              <a:ext uri="{FF2B5EF4-FFF2-40B4-BE49-F238E27FC236}">
-                <a16:creationId xmlns:a16="http://schemas.microsoft.com/office/drawing/2014/main" id="{747A0AA2-AAB1-F2CC-D79A-2844437A38AD}"/>
-              </a:ext>
-            </a:extLst>
-          </p:cNvPr>
-          <p:cNvSpPr>
-            <a:spLocks noGrp="1"/>
-          </p:cNvSpPr>
-          <p:nvPr>
-            <p:ph type="dt" sz="half" idx="2"/>
+              <a:t>Klik for at redigere titeltypografien i masteren</a:t>
+            </a:r>
+            <a:endParaRPr lang="en-US" dirty="0"/>
+          </a:p>
+        </p:txBody>
+      </p:sp>
+      <p:sp>
+        <p:nvSpPr>
+          <p:cNvPr id="3" name="Text Placeholder 2"/>
+          <p:cNvSpPr>
+            <a:spLocks noGrp="1"/>
+          </p:cNvSpPr>
+          <p:nvPr>
+            <p:ph type="body" idx="1"/>
           </p:nvPr>
         </p:nvSpPr>
         <p:spPr>
           <a:xfrm>
-            <a:off x="838200" y="6356350"/>
-            <a:ext cx="2743200" cy="365125"/>
+            <a:off x="685800" y="2194560"/>
+            <a:ext cx="10820400" cy="4024125"/>
           </a:xfrm>
           <a:prstGeom prst="rect">
             <a:avLst/>
           </a:prstGeom>
         </p:spPr>
         <p:txBody>
+          <a:bodyPr vert="horz" lIns="91440" tIns="45720" rIns="91440" bIns="45720" rtlCol="0">
+            <a:normAutofit/>
+          </a:bodyPr>
+          <a:lstStyle/>
+          <a:p>
+            <a:pPr lvl="0"/>
+            <a:r>
+              <a:rPr lang="da-DK"/>
+              <a:t>Klik for at redigere teksttypografierne i masteren</a:t>
+            </a:r>
+          </a:p>
+          <a:p>
+            <a:pPr lvl="1"/>
+            <a:r>
+              <a:rPr lang="da-DK"/>
+              <a:t>Andet niveau</a:t>
+            </a:r>
+          </a:p>
+          <a:p>
+            <a:pPr lvl="2"/>
+            <a:r>
+              <a:rPr lang="da-DK"/>
+              <a:t>Tredje niveau</a:t>
+            </a:r>
+          </a:p>
+          <a:p>
+            <a:pPr lvl="3"/>
+            <a:r>
+              <a:rPr lang="da-DK"/>
+              <a:t>Fjerde niveau</a:t>
+            </a:r>
+          </a:p>
+          <a:p>
+            <a:pPr lvl="4"/>
+            <a:r>
+              <a:rPr lang="da-DK"/>
+              <a:t>Femte niveau</a:t>
+            </a:r>
+            <a:endParaRPr lang="en-US" dirty="0"/>
+          </a:p>
+        </p:txBody>
+      </p:sp>
+      <p:sp>
+        <p:nvSpPr>
+          <p:cNvPr id="4" name="Date Placeholder 3"/>
+          <p:cNvSpPr>
+            <a:spLocks noGrp="1"/>
+          </p:cNvSpPr>
+          <p:nvPr>
+            <p:ph type="dt" sz="half" idx="2"/>
+          </p:nvPr>
+        </p:nvSpPr>
+        <p:spPr>
+          <a:xfrm>
+            <a:off x="8595360" y="6356350"/>
+            <a:ext cx="2910840" cy="365125"/>
+          </a:xfrm>
+          <a:prstGeom prst="rect">
+            <a:avLst/>
+          </a:prstGeom>
+        </p:spPr>
+        <p:txBody>
           <a:bodyPr vert="horz" lIns="91440" tIns="45720" rIns="91440" bIns="45720" rtlCol="0" anchor="ctr"/>
           <a:lstStyle>
-            <a:lvl1pPr algn="l">
-              <a:defRPr sz="1200">
+            <a:lvl1pPr algn="r">
+              <a:defRPr sz="1050">
                 <a:solidFill>
                   <a:schemeClr val="tx1">
                     <a:tint val="75000"/>
@@ -2915,7 +6653,7 @@
           <a:p>
             <a:fld id="{904F8374-DDA3-4289-A3C4-A561B6E67BA2}" type="datetimeFigureOut">
               <a:rPr lang="da-DK" smtClean="0"/>
-              <a:t>03-05-2024</a:t>
+              <a:t>06-05-2024</a:t>
             </a:fld>
             <a:endParaRPr lang="da-DK"/>
           </a:p>
@@ -2923,13 +6661,7 @@
       </p:sp>
       <p:sp>
         <p:nvSpPr>
-          <p:cNvPr id="5" name="Pladsholder til sidefod 4">
-            <a:extLst>
-              <a:ext uri="{FF2B5EF4-FFF2-40B4-BE49-F238E27FC236}">
-                <a16:creationId xmlns:a16="http://schemas.microsoft.com/office/drawing/2014/main" id="{BBB76EA1-B454-B61F-8453-18C5D357ADB2}"/>
-              </a:ext>
-            </a:extLst>
-          </p:cNvPr>
+          <p:cNvPr id="5" name="Footer Placeholder 4"/>
           <p:cNvSpPr>
             <a:spLocks noGrp="1"/>
           </p:cNvSpPr>
@@ -2939,8 +6671,8 @@
         </p:nvSpPr>
         <p:spPr>
           <a:xfrm>
-            <a:off x="4038600" y="6356350"/>
-            <a:ext cx="4114800" cy="365125"/>
+            <a:off x="685800" y="6355845"/>
+            <a:ext cx="7772400" cy="365125"/>
           </a:xfrm>
           <a:prstGeom prst="rect">
             <a:avLst/>
@@ -2949,8 +6681,8 @@
         <p:txBody>
           <a:bodyPr vert="horz" lIns="91440" tIns="45720" rIns="91440" bIns="45720" rtlCol="0" anchor="ctr"/>
           <a:lstStyle>
-            <a:lvl1pPr algn="ctr">
-              <a:defRPr sz="1200">
+            <a:lvl1pPr algn="l">
+              <a:defRPr sz="1050">
                 <a:solidFill>
                   <a:schemeClr val="tx1">
                     <a:tint val="75000"/>
@@ -2966,13 +6698,7 @@
       </p:sp>
       <p:sp>
         <p:nvSpPr>
-          <p:cNvPr id="6" name="Pladsholder til slidenummer 5">
-            <a:extLst>
-              <a:ext uri="{FF2B5EF4-FFF2-40B4-BE49-F238E27FC236}">
-                <a16:creationId xmlns:a16="http://schemas.microsoft.com/office/drawing/2014/main" id="{223DEEB6-C1EC-65C5-1398-58D14F1EC124}"/>
-              </a:ext>
-            </a:extLst>
-          </p:cNvPr>
+          <p:cNvPr id="6" name="Slide Number Placeholder 5"/>
           <p:cNvSpPr>
             <a:spLocks noGrp="1"/>
           </p:cNvSpPr>
@@ -2982,7 +6708,7 @@
         </p:nvSpPr>
         <p:spPr>
           <a:xfrm>
-            <a:off x="8610600" y="6356350"/>
+            <a:off x="8763000" y="381000"/>
             <a:ext cx="2743200" cy="365125"/>
           </a:xfrm>
           <a:prstGeom prst="rect">
@@ -2993,7 +6719,7 @@
           <a:bodyPr vert="horz" lIns="91440" tIns="45720" rIns="91440" bIns="45720" rtlCol="0" anchor="ctr"/>
           <a:lstStyle>
             <a:lvl1pPr algn="r">
-              <a:defRPr sz="1200">
+              <a:defRPr sz="1050">
                 <a:solidFill>
                   <a:schemeClr val="tx1">
                     <a:tint val="75000"/>
@@ -3014,27 +6740,33 @@
     </p:spTree>
     <p:extLst>
       <p:ext uri="{BB962C8B-B14F-4D97-AF65-F5344CB8AC3E}">
-        <p14:creationId xmlns:p14="http://schemas.microsoft.com/office/powerpoint/2010/main" val="2501660482"/>
+        <p14:creationId xmlns:p14="http://schemas.microsoft.com/office/powerpoint/2010/main" val="4154742172"/>
       </p:ext>
     </p:extLst>
   </p:cSld>
   <p:clrMap bg1="lt1" tx1="dk1" bg2="lt2" tx2="dk2" accent1="accent1" accent2="accent2" accent3="accent3" accent4="accent4" accent5="accent5" accent6="accent6" hlink="hlink" folHlink="folHlink"/>
   <p:sldLayoutIdLst>
-    <p:sldLayoutId id="2147483649" r:id="rId1"/>
-    <p:sldLayoutId id="2147483650" r:id="rId2"/>
-    <p:sldLayoutId id="2147483651" r:id="rId3"/>
-    <p:sldLayoutId id="2147483652" r:id="rId4"/>
-    <p:sldLayoutId id="2147483653" r:id="rId5"/>
-    <p:sldLayoutId id="2147483654" r:id="rId6"/>
-    <p:sldLayoutId id="2147483655" r:id="rId7"/>
-    <p:sldLayoutId id="2147483656" r:id="rId8"/>
-    <p:sldLayoutId id="2147483657" r:id="rId9"/>
-    <p:sldLayoutId id="2147483658" r:id="rId10"/>
-    <p:sldLayoutId id="2147483659" r:id="rId11"/>
+    <p:sldLayoutId id="2147483769" r:id="rId1"/>
+    <p:sldLayoutId id="2147483770" r:id="rId2"/>
+    <p:sldLayoutId id="2147483771" r:id="rId3"/>
+    <p:sldLayoutId id="2147483772" r:id="rId4"/>
+    <p:sldLayoutId id="2147483773" r:id="rId5"/>
+    <p:sldLayoutId id="2147483774" r:id="rId6"/>
+    <p:sldLayoutId id="2147483775" r:id="rId7"/>
+    <p:sldLayoutId id="2147483776" r:id="rId8"/>
+    <p:sldLayoutId id="2147483777" r:id="rId9"/>
+    <p:sldLayoutId id="2147483778" r:id="rId10"/>
+    <p:sldLayoutId id="2147483779" r:id="rId11"/>
+    <p:sldLayoutId id="2147483780" r:id="rId12"/>
+    <p:sldLayoutId id="2147483781" r:id="rId13"/>
+    <p:sldLayoutId id="2147483782" r:id="rId14"/>
+    <p:sldLayoutId id="2147483783" r:id="rId15"/>
+    <p:sldLayoutId id="2147483784" r:id="rId16"/>
+    <p:sldLayoutId id="2147483785" r:id="rId17"/>
   </p:sldLayoutIdLst>
   <p:txStyles>
     <p:titleStyle>
-      <a:lvl1pPr algn="l" defTabSz="914400" rtl="0" eaLnBrk="1" latinLnBrk="0" hangingPunct="1">
+      <a:lvl1pPr algn="r" defTabSz="914400" rtl="0" eaLnBrk="1" latinLnBrk="0" hangingPunct="1">
         <a:lnSpc>
           <a:spcPct val="90000"/>
         </a:lnSpc>
@@ -3042,7 +6774,7 @@
           <a:spcPct val="0"/>
         </a:spcBef>
         <a:buNone/>
-        <a:defRPr sz="4400" kern="1200">
+        <a:defRPr sz="4000" kern="1200" cap="all" baseline="0">
           <a:solidFill>
             <a:schemeClr val="tx1"/>
           </a:solidFill>
@@ -3062,7 +6794,7 @@
         </a:spcBef>
         <a:buFont typeface="Arial" panose="020B0604020202020204" pitchFamily="34" charset="0"/>
         <a:buChar char="•"/>
-        <a:defRPr sz="2800" kern="1200">
+        <a:defRPr sz="2200" kern="1200">
           <a:solidFill>
             <a:schemeClr val="tx1"/>
           </a:solidFill>
@@ -3080,7 +6812,7 @@
         </a:spcBef>
         <a:buFont typeface="Arial" panose="020B0604020202020204" pitchFamily="34" charset="0"/>
         <a:buChar char="•"/>
-        <a:defRPr sz="2400" kern="1200">
+        <a:defRPr sz="2000" kern="1200">
           <a:solidFill>
             <a:schemeClr val="tx1"/>
           </a:solidFill>
@@ -3098,7 +6830,7 @@
         </a:spcBef>
         <a:buFont typeface="Arial" panose="020B0604020202020204" pitchFamily="34" charset="0"/>
         <a:buChar char="•"/>
-        <a:defRPr sz="2000" kern="1200">
+        <a:defRPr sz="1800" kern="1200">
           <a:solidFill>
             <a:schemeClr val="tx1"/>
           </a:solidFill>
@@ -3116,7 +6848,7 @@
         </a:spcBef>
         <a:buFont typeface="Arial" panose="020B0604020202020204" pitchFamily="34" charset="0"/>
         <a:buChar char="•"/>
-        <a:defRPr sz="1800" kern="1200">
+        <a:defRPr sz="1600" kern="1200">
           <a:solidFill>
             <a:schemeClr val="tx1"/>
           </a:solidFill>
@@ -3134,7 +6866,7 @@
         </a:spcBef>
         <a:buFont typeface="Arial" panose="020B0604020202020204" pitchFamily="34" charset="0"/>
         <a:buChar char="•"/>
-        <a:defRPr sz="1800" kern="1200">
+        <a:defRPr sz="1600" kern="1200">
           <a:solidFill>
             <a:schemeClr val="tx1"/>
           </a:solidFill>
@@ -3152,7 +6884,7 @@
         </a:spcBef>
         <a:buFont typeface="Arial" panose="020B0604020202020204" pitchFamily="34" charset="0"/>
         <a:buChar char="•"/>
-        <a:defRPr sz="1800" kern="1200">
+        <a:defRPr sz="1600" kern="1200">
           <a:solidFill>
             <a:schemeClr val="tx1"/>
           </a:solidFill>
@@ -3170,7 +6902,7 @@
         </a:spcBef>
         <a:buFont typeface="Arial" panose="020B0604020202020204" pitchFamily="34" charset="0"/>
         <a:buChar char="•"/>
-        <a:defRPr sz="1800" kern="1200">
+        <a:defRPr sz="1600" kern="1200">
           <a:solidFill>
             <a:schemeClr val="tx1"/>
           </a:solidFill>
@@ -3188,7 +6920,7 @@
         </a:spcBef>
         <a:buFont typeface="Arial" panose="020B0604020202020204" pitchFamily="34" charset="0"/>
         <a:buChar char="•"/>
-        <a:defRPr sz="1800" kern="1200">
+        <a:defRPr sz="1600" kern="1200">
           <a:solidFill>
             <a:schemeClr val="tx1"/>
           </a:solidFill>
@@ -3206,7 +6938,7 @@
         </a:spcBef>
         <a:buFont typeface="Arial" panose="020B0604020202020204" pitchFamily="34" charset="0"/>
         <a:buChar char="•"/>
-        <a:defRPr sz="1800" kern="1200">
+        <a:defRPr sz="1600" kern="1200">
           <a:solidFill>
             <a:schemeClr val="tx1"/>
           </a:solidFill>
@@ -3218,7 +6950,7 @@
     </p:bodyStyle>
     <p:otherStyle>
       <a:defPPr>
-        <a:defRPr lang="da-DK"/>
+        <a:defRPr lang="en-US"/>
       </a:defPPr>
       <a:lvl1pPr marL="0" algn="l" defTabSz="914400" rtl="0" eaLnBrk="1" latinLnBrk="0" hangingPunct="1">
         <a:defRPr sz="1800" kern="1200">
@@ -3381,7 +7113,10 @@
           <a:bodyPr/>
           <a:lstStyle/>
           <a:p>
-            <a:endParaRPr lang="da-DK"/>
+            <a:r>
+              <a:rPr lang="da-DK" dirty="0"/>
+              <a:t>Benjamin Elif Larsen</a:t>
+            </a:r>
           </a:p>
         </p:txBody>
       </p:sp>
@@ -3389,6 +7124,1219 @@
     <p:extLst>
       <p:ext uri="{BB962C8B-B14F-4D97-AF65-F5344CB8AC3E}">
         <p14:creationId xmlns:p14="http://schemas.microsoft.com/office/powerpoint/2010/main" val="952994654"/>
+      </p:ext>
+    </p:extLst>
+  </p:cSld>
+  <p:clrMapOvr>
+    <a:masterClrMapping/>
+  </p:clrMapOvr>
+</p:sld>
+</file>
+
+<file path=ppt/slides/slide10.xml><?xml version="1.0" encoding="utf-8"?>
+<p:sld xmlns:a="http://schemas.openxmlformats.org/drawingml/2006/main" xmlns:r="http://schemas.openxmlformats.org/officeDocument/2006/relationships" xmlns:p="http://schemas.openxmlformats.org/presentationml/2006/main">
+  <p:cSld>
+    <p:spTree>
+      <p:nvGrpSpPr>
+        <p:cNvPr id="1" name=""/>
+        <p:cNvGrpSpPr/>
+        <p:nvPr/>
+      </p:nvGrpSpPr>
+      <p:grpSpPr>
+        <a:xfrm>
+          <a:off x="0" y="0"/>
+          <a:ext cx="0" cy="0"/>
+          <a:chOff x="0" y="0"/>
+          <a:chExt cx="0" cy="0"/>
+        </a:xfrm>
+      </p:grpSpPr>
+      <p:sp>
+        <p:nvSpPr>
+          <p:cNvPr id="2" name="Titel 1">
+            <a:extLst>
+              <a:ext uri="{FF2B5EF4-FFF2-40B4-BE49-F238E27FC236}">
+                <a16:creationId xmlns:a16="http://schemas.microsoft.com/office/drawing/2014/main" id="{0144FA41-7639-5CB5-9FCA-41B95901E250}"/>
+              </a:ext>
+            </a:extLst>
+          </p:cNvPr>
+          <p:cNvSpPr>
+            <a:spLocks noGrp="1"/>
+          </p:cNvSpPr>
+          <p:nvPr>
+            <p:ph type="title"/>
+          </p:nvPr>
+        </p:nvSpPr>
+        <p:spPr/>
+        <p:txBody>
+          <a:bodyPr/>
+          <a:lstStyle/>
+          <a:p>
+            <a:r>
+              <a:rPr lang="da-DK" dirty="0"/>
+              <a:t>Domain Driven Design – </a:t>
+            </a:r>
+            <a:r>
+              <a:rPr lang="da-DK" dirty="0" err="1"/>
+              <a:t>Bounded</a:t>
+            </a:r>
+            <a:r>
+              <a:rPr lang="da-DK" dirty="0"/>
+              <a:t> </a:t>
+            </a:r>
+            <a:r>
+              <a:rPr lang="da-DK" dirty="0" err="1"/>
+              <a:t>Context</a:t>
+            </a:r>
+            <a:endParaRPr lang="da-DK" dirty="0"/>
+          </a:p>
+        </p:txBody>
+      </p:sp>
+      <p:sp>
+        <p:nvSpPr>
+          <p:cNvPr id="3" name="Pladsholder til indhold 2">
+            <a:extLst>
+              <a:ext uri="{FF2B5EF4-FFF2-40B4-BE49-F238E27FC236}">
+                <a16:creationId xmlns:a16="http://schemas.microsoft.com/office/drawing/2014/main" id="{55AE5268-ACD0-3AE3-BBE1-F098D71C0741}"/>
+              </a:ext>
+            </a:extLst>
+          </p:cNvPr>
+          <p:cNvSpPr>
+            <a:spLocks noGrp="1"/>
+          </p:cNvSpPr>
+          <p:nvPr>
+            <p:ph idx="1"/>
+          </p:nvPr>
+        </p:nvSpPr>
+        <p:spPr/>
+        <p:txBody>
+          <a:bodyPr/>
+          <a:lstStyle/>
+          <a:p>
+            <a:r>
+              <a:rPr lang="da-DK" dirty="0"/>
+              <a:t>User</a:t>
+            </a:r>
+          </a:p>
+          <a:p>
+            <a:r>
+              <a:rPr lang="da-DK" dirty="0"/>
+              <a:t>Customer </a:t>
+            </a:r>
+          </a:p>
+        </p:txBody>
+      </p:sp>
+      <p:pic>
+        <p:nvPicPr>
+          <p:cNvPr id="5" name="Pladsholder til indhold 4">
+            <a:extLst>
+              <a:ext uri="{FF2B5EF4-FFF2-40B4-BE49-F238E27FC236}">
+                <a16:creationId xmlns:a16="http://schemas.microsoft.com/office/drawing/2014/main" id="{12715739-907A-9A95-10FA-139D55138502}"/>
+              </a:ext>
+            </a:extLst>
+          </p:cNvPr>
+          <p:cNvPicPr>
+            <a:picLocks noChangeAspect="1"/>
+          </p:cNvPicPr>
+          <p:nvPr/>
+        </p:nvPicPr>
+        <p:blipFill>
+          <a:blip r:embed="rId3">
+            <a:extLst>
+              <a:ext uri="{28A0092B-C50C-407E-A947-70E740481C1C}">
+                <a14:useLocalDpi xmlns:a14="http://schemas.microsoft.com/office/drawing/2010/main" val="0"/>
+              </a:ext>
+            </a:extLst>
+          </a:blip>
+          <a:stretch>
+            <a:fillRect/>
+          </a:stretch>
+        </p:blipFill>
+        <p:spPr>
+          <a:xfrm>
+            <a:off x="3260558" y="2194560"/>
+            <a:ext cx="8373980" cy="3479934"/>
+          </a:xfrm>
+          <a:prstGeom prst="rect">
+            <a:avLst/>
+          </a:prstGeom>
+        </p:spPr>
+      </p:pic>
+    </p:spTree>
+    <p:extLst>
+      <p:ext uri="{BB962C8B-B14F-4D97-AF65-F5344CB8AC3E}">
+        <p14:creationId xmlns:p14="http://schemas.microsoft.com/office/powerpoint/2010/main" val="1578549375"/>
+      </p:ext>
+    </p:extLst>
+  </p:cSld>
+  <p:clrMapOvr>
+    <a:masterClrMapping/>
+  </p:clrMapOvr>
+</p:sld>
+</file>
+
+<file path=ppt/slides/slide11.xml><?xml version="1.0" encoding="utf-8"?>
+<p:sld xmlns:a="http://schemas.openxmlformats.org/drawingml/2006/main" xmlns:r="http://schemas.openxmlformats.org/officeDocument/2006/relationships" xmlns:p="http://schemas.openxmlformats.org/presentationml/2006/main">
+  <p:cSld>
+    <p:spTree>
+      <p:nvGrpSpPr>
+        <p:cNvPr id="1" name=""/>
+        <p:cNvGrpSpPr/>
+        <p:nvPr/>
+      </p:nvGrpSpPr>
+      <p:grpSpPr>
+        <a:xfrm>
+          <a:off x="0" y="0"/>
+          <a:ext cx="0" cy="0"/>
+          <a:chOff x="0" y="0"/>
+          <a:chExt cx="0" cy="0"/>
+        </a:xfrm>
+      </p:grpSpPr>
+      <p:sp>
+        <p:nvSpPr>
+          <p:cNvPr id="2" name="Titel 1">
+            <a:extLst>
+              <a:ext uri="{FF2B5EF4-FFF2-40B4-BE49-F238E27FC236}">
+                <a16:creationId xmlns:a16="http://schemas.microsoft.com/office/drawing/2014/main" id="{FFEC5993-EFA9-A519-83CC-AF07225CE353}"/>
+              </a:ext>
+            </a:extLst>
+          </p:cNvPr>
+          <p:cNvSpPr>
+            <a:spLocks noGrp="1"/>
+          </p:cNvSpPr>
+          <p:nvPr>
+            <p:ph type="title"/>
+          </p:nvPr>
+        </p:nvSpPr>
+        <p:spPr>
+          <a:xfrm>
+            <a:off x="0" y="0"/>
+            <a:ext cx="12192000" cy="6857999"/>
+          </a:xfrm>
+        </p:spPr>
+        <p:txBody>
+          <a:bodyPr/>
+          <a:lstStyle/>
+          <a:p>
+            <a:pPr algn="ctr"/>
+            <a:r>
+              <a:rPr lang="da-DK" dirty="0"/>
+              <a:t>Logning</a:t>
+            </a:r>
+          </a:p>
+        </p:txBody>
+      </p:sp>
+    </p:spTree>
+    <p:extLst>
+      <p:ext uri="{BB962C8B-B14F-4D97-AF65-F5344CB8AC3E}">
+        <p14:creationId xmlns:p14="http://schemas.microsoft.com/office/powerpoint/2010/main" val="1136211132"/>
+      </p:ext>
+    </p:extLst>
+  </p:cSld>
+  <p:clrMapOvr>
+    <a:masterClrMapping/>
+  </p:clrMapOvr>
+</p:sld>
+</file>
+
+<file path=ppt/slides/slide12.xml><?xml version="1.0" encoding="utf-8"?>
+<p:sld xmlns:a="http://schemas.openxmlformats.org/drawingml/2006/main" xmlns:r="http://schemas.openxmlformats.org/officeDocument/2006/relationships" xmlns:p="http://schemas.openxmlformats.org/presentationml/2006/main">
+  <p:cSld>
+    <p:spTree>
+      <p:nvGrpSpPr>
+        <p:cNvPr id="1" name=""/>
+        <p:cNvGrpSpPr/>
+        <p:nvPr/>
+      </p:nvGrpSpPr>
+      <p:grpSpPr>
+        <a:xfrm>
+          <a:off x="0" y="0"/>
+          <a:ext cx="0" cy="0"/>
+          <a:chOff x="0" y="0"/>
+          <a:chExt cx="0" cy="0"/>
+        </a:xfrm>
+      </p:grpSpPr>
+      <p:sp>
+        <p:nvSpPr>
+          <p:cNvPr id="2" name="Titel 1">
+            <a:extLst>
+              <a:ext uri="{FF2B5EF4-FFF2-40B4-BE49-F238E27FC236}">
+                <a16:creationId xmlns:a16="http://schemas.microsoft.com/office/drawing/2014/main" id="{21C30BFC-C22D-1BBC-081D-EF99A2BD28B4}"/>
+              </a:ext>
+            </a:extLst>
+          </p:cNvPr>
+          <p:cNvSpPr>
+            <a:spLocks noGrp="1"/>
+          </p:cNvSpPr>
+          <p:nvPr>
+            <p:ph type="title"/>
+          </p:nvPr>
+        </p:nvSpPr>
+        <p:spPr/>
+        <p:txBody>
+          <a:bodyPr/>
+          <a:lstStyle/>
+          <a:p>
+            <a:r>
+              <a:rPr lang="da-DK" dirty="0"/>
+              <a:t>Logning – </a:t>
+            </a:r>
+            <a:r>
+              <a:rPr lang="da-DK" dirty="0" err="1"/>
+              <a:t>Seq</a:t>
+            </a:r>
+            <a:r>
+              <a:rPr lang="da-DK" dirty="0"/>
+              <a:t> og </a:t>
+            </a:r>
+            <a:r>
+              <a:rPr lang="da-DK" dirty="0" err="1"/>
+              <a:t>Serilog</a:t>
+            </a:r>
+            <a:endParaRPr lang="da-DK" dirty="0"/>
+          </a:p>
+        </p:txBody>
+      </p:sp>
+      <p:sp>
+        <p:nvSpPr>
+          <p:cNvPr id="4" name="Pladsholder til tekst 3">
+            <a:extLst>
+              <a:ext uri="{FF2B5EF4-FFF2-40B4-BE49-F238E27FC236}">
+                <a16:creationId xmlns:a16="http://schemas.microsoft.com/office/drawing/2014/main" id="{C7115E19-A3D9-018B-4495-D7CCCE012934}"/>
+              </a:ext>
+            </a:extLst>
+          </p:cNvPr>
+          <p:cNvSpPr>
+            <a:spLocks noGrp="1"/>
+          </p:cNvSpPr>
+          <p:nvPr>
+            <p:ph type="body" idx="1"/>
+          </p:nvPr>
+        </p:nvSpPr>
+        <p:spPr/>
+        <p:txBody>
+          <a:bodyPr/>
+          <a:lstStyle/>
+          <a:p>
+            <a:r>
+              <a:rPr lang="da-DK" dirty="0"/>
+              <a:t>SEQ</a:t>
+            </a:r>
+          </a:p>
+        </p:txBody>
+      </p:sp>
+      <p:sp>
+        <p:nvSpPr>
+          <p:cNvPr id="3" name="Pladsholder til indhold 2">
+            <a:extLst>
+              <a:ext uri="{FF2B5EF4-FFF2-40B4-BE49-F238E27FC236}">
+                <a16:creationId xmlns:a16="http://schemas.microsoft.com/office/drawing/2014/main" id="{33B21E7F-37E8-8AE0-E2C8-025FD2672AC8}"/>
+              </a:ext>
+            </a:extLst>
+          </p:cNvPr>
+          <p:cNvSpPr>
+            <a:spLocks noGrp="1"/>
+          </p:cNvSpPr>
+          <p:nvPr>
+            <p:ph sz="half" idx="2"/>
+          </p:nvPr>
+        </p:nvSpPr>
+        <p:spPr/>
+        <p:txBody>
+          <a:bodyPr/>
+          <a:lstStyle/>
+          <a:p>
+            <a:r>
+              <a:rPr lang="da-DK" dirty="0"/>
+              <a:t>Logs</a:t>
+            </a:r>
+          </a:p>
+          <a:p>
+            <a:r>
+              <a:rPr lang="da-DK" dirty="0"/>
+              <a:t>Søgning</a:t>
+            </a:r>
+          </a:p>
+          <a:p>
+            <a:r>
+              <a:rPr lang="da-DK" dirty="0"/>
+              <a:t>Analyse</a:t>
+            </a:r>
+          </a:p>
+        </p:txBody>
+      </p:sp>
+      <p:sp>
+        <p:nvSpPr>
+          <p:cNvPr id="5" name="Pladsholder til tekst 4">
+            <a:extLst>
+              <a:ext uri="{FF2B5EF4-FFF2-40B4-BE49-F238E27FC236}">
+                <a16:creationId xmlns:a16="http://schemas.microsoft.com/office/drawing/2014/main" id="{FA45C245-A085-C2A0-0AAC-9A8E904D5E68}"/>
+              </a:ext>
+            </a:extLst>
+          </p:cNvPr>
+          <p:cNvSpPr>
+            <a:spLocks noGrp="1"/>
+          </p:cNvSpPr>
+          <p:nvPr>
+            <p:ph type="body" sz="quarter" idx="3"/>
+          </p:nvPr>
+        </p:nvSpPr>
+        <p:spPr/>
+        <p:txBody>
+          <a:bodyPr/>
+          <a:lstStyle/>
+          <a:p>
+            <a:r>
+              <a:rPr lang="da-DK" dirty="0" err="1"/>
+              <a:t>Serilog</a:t>
+            </a:r>
+            <a:endParaRPr lang="da-DK" dirty="0"/>
+          </a:p>
+        </p:txBody>
+      </p:sp>
+      <p:sp>
+        <p:nvSpPr>
+          <p:cNvPr id="6" name="Pladsholder til indhold 5">
+            <a:extLst>
+              <a:ext uri="{FF2B5EF4-FFF2-40B4-BE49-F238E27FC236}">
+                <a16:creationId xmlns:a16="http://schemas.microsoft.com/office/drawing/2014/main" id="{5D96D52F-6278-0768-2607-BB35BC501956}"/>
+              </a:ext>
+            </a:extLst>
+          </p:cNvPr>
+          <p:cNvSpPr>
+            <a:spLocks noGrp="1"/>
+          </p:cNvSpPr>
+          <p:nvPr>
+            <p:ph sz="quarter" idx="4"/>
+          </p:nvPr>
+        </p:nvSpPr>
+        <p:spPr/>
+        <p:txBody>
+          <a:bodyPr/>
+          <a:lstStyle/>
+          <a:p>
+            <a:endParaRPr lang="da-DK" dirty="0"/>
+          </a:p>
+        </p:txBody>
+      </p:sp>
+    </p:spTree>
+    <p:extLst>
+      <p:ext uri="{BB962C8B-B14F-4D97-AF65-F5344CB8AC3E}">
+        <p14:creationId xmlns:p14="http://schemas.microsoft.com/office/powerpoint/2010/main" val="3231485805"/>
+      </p:ext>
+    </p:extLst>
+  </p:cSld>
+  <p:clrMapOvr>
+    <a:masterClrMapping/>
+  </p:clrMapOvr>
+</p:sld>
+</file>
+
+<file path=ppt/slides/slide13.xml><?xml version="1.0" encoding="utf-8"?>
+<p:sld xmlns:a="http://schemas.openxmlformats.org/drawingml/2006/main" xmlns:r="http://schemas.openxmlformats.org/officeDocument/2006/relationships" xmlns:p="http://schemas.openxmlformats.org/presentationml/2006/main" show="0">
+  <p:cSld>
+    <p:spTree>
+      <p:nvGrpSpPr>
+        <p:cNvPr id="1" name=""/>
+        <p:cNvGrpSpPr/>
+        <p:nvPr/>
+      </p:nvGrpSpPr>
+      <p:grpSpPr>
+        <a:xfrm>
+          <a:off x="0" y="0"/>
+          <a:ext cx="0" cy="0"/>
+          <a:chOff x="0" y="0"/>
+          <a:chExt cx="0" cy="0"/>
+        </a:xfrm>
+      </p:grpSpPr>
+      <p:sp>
+        <p:nvSpPr>
+          <p:cNvPr id="2" name="Titel 1">
+            <a:extLst>
+              <a:ext uri="{FF2B5EF4-FFF2-40B4-BE49-F238E27FC236}">
+                <a16:creationId xmlns:a16="http://schemas.microsoft.com/office/drawing/2014/main" id="{21C30BFC-C22D-1BBC-081D-EF99A2BD28B4}"/>
+              </a:ext>
+            </a:extLst>
+          </p:cNvPr>
+          <p:cNvSpPr>
+            <a:spLocks noGrp="1"/>
+          </p:cNvSpPr>
+          <p:nvPr>
+            <p:ph type="title"/>
+          </p:nvPr>
+        </p:nvSpPr>
+        <p:spPr/>
+        <p:txBody>
+          <a:bodyPr/>
+          <a:lstStyle/>
+          <a:p>
+            <a:r>
+              <a:rPr lang="da-DK" dirty="0" err="1"/>
+              <a:t>Serilog</a:t>
+            </a:r>
+            <a:endParaRPr lang="da-DK" dirty="0"/>
+          </a:p>
+        </p:txBody>
+      </p:sp>
+      <p:sp>
+        <p:nvSpPr>
+          <p:cNvPr id="3" name="Pladsholder til indhold 2">
+            <a:extLst>
+              <a:ext uri="{FF2B5EF4-FFF2-40B4-BE49-F238E27FC236}">
+                <a16:creationId xmlns:a16="http://schemas.microsoft.com/office/drawing/2014/main" id="{33B21E7F-37E8-8AE0-E2C8-025FD2672AC8}"/>
+              </a:ext>
+            </a:extLst>
+          </p:cNvPr>
+          <p:cNvSpPr>
+            <a:spLocks noGrp="1"/>
+          </p:cNvSpPr>
+          <p:nvPr>
+            <p:ph idx="1"/>
+          </p:nvPr>
+        </p:nvSpPr>
+        <p:spPr/>
+        <p:txBody>
+          <a:bodyPr/>
+          <a:lstStyle/>
+          <a:p>
+            <a:endParaRPr lang="da-DK" dirty="0"/>
+          </a:p>
+        </p:txBody>
+      </p:sp>
+    </p:spTree>
+    <p:extLst>
+      <p:ext uri="{BB962C8B-B14F-4D97-AF65-F5344CB8AC3E}">
+        <p14:creationId xmlns:p14="http://schemas.microsoft.com/office/powerpoint/2010/main" val="2926001139"/>
+      </p:ext>
+    </p:extLst>
+  </p:cSld>
+  <p:clrMapOvr>
+    <a:masterClrMapping/>
+  </p:clrMapOvr>
+</p:sld>
+</file>
+
+<file path=ppt/slides/slide14.xml><?xml version="1.0" encoding="utf-8"?>
+<p:sld xmlns:a="http://schemas.openxmlformats.org/drawingml/2006/main" xmlns:r="http://schemas.openxmlformats.org/officeDocument/2006/relationships" xmlns:p="http://schemas.openxmlformats.org/presentationml/2006/main">
+  <p:cSld>
+    <p:spTree>
+      <p:nvGrpSpPr>
+        <p:cNvPr id="1" name=""/>
+        <p:cNvGrpSpPr/>
+        <p:nvPr/>
+      </p:nvGrpSpPr>
+      <p:grpSpPr>
+        <a:xfrm>
+          <a:off x="0" y="0"/>
+          <a:ext cx="0" cy="0"/>
+          <a:chOff x="0" y="0"/>
+          <a:chExt cx="0" cy="0"/>
+        </a:xfrm>
+      </p:grpSpPr>
+      <p:sp>
+        <p:nvSpPr>
+          <p:cNvPr id="2" name="Titel 1">
+            <a:extLst>
+              <a:ext uri="{FF2B5EF4-FFF2-40B4-BE49-F238E27FC236}">
+                <a16:creationId xmlns:a16="http://schemas.microsoft.com/office/drawing/2014/main" id="{FFEC5993-EFA9-A519-83CC-AF07225CE353}"/>
+              </a:ext>
+            </a:extLst>
+          </p:cNvPr>
+          <p:cNvSpPr>
+            <a:spLocks noGrp="1"/>
+          </p:cNvSpPr>
+          <p:nvPr>
+            <p:ph type="title"/>
+          </p:nvPr>
+        </p:nvSpPr>
+        <p:spPr>
+          <a:xfrm>
+            <a:off x="0" y="0"/>
+            <a:ext cx="12192000" cy="6857999"/>
+          </a:xfrm>
+        </p:spPr>
+        <p:txBody>
+          <a:bodyPr/>
+          <a:lstStyle/>
+          <a:p>
+            <a:pPr algn="ctr"/>
+            <a:r>
+              <a:rPr lang="da-DK" dirty="0"/>
+              <a:t>Selvvalgt Emne </a:t>
+            </a:r>
+            <a:br>
+              <a:rPr lang="da-DK" dirty="0"/>
+            </a:br>
+            <a:r>
+              <a:rPr lang="da-DK" dirty="0"/>
+              <a:t>Kafka</a:t>
+            </a:r>
+          </a:p>
+        </p:txBody>
+      </p:sp>
+    </p:spTree>
+    <p:extLst>
+      <p:ext uri="{BB962C8B-B14F-4D97-AF65-F5344CB8AC3E}">
+        <p14:creationId xmlns:p14="http://schemas.microsoft.com/office/powerpoint/2010/main" val="900528911"/>
+      </p:ext>
+    </p:extLst>
+  </p:cSld>
+  <p:clrMapOvr>
+    <a:masterClrMapping/>
+  </p:clrMapOvr>
+</p:sld>
+</file>
+
+<file path=ppt/slides/slide15.xml><?xml version="1.0" encoding="utf-8"?>
+<p:sld xmlns:a="http://schemas.openxmlformats.org/drawingml/2006/main" xmlns:r="http://schemas.openxmlformats.org/officeDocument/2006/relationships" xmlns:p="http://schemas.openxmlformats.org/presentationml/2006/main" show="0">
+  <p:cSld>
+    <p:spTree>
+      <p:nvGrpSpPr>
+        <p:cNvPr id="1" name=""/>
+        <p:cNvGrpSpPr/>
+        <p:nvPr/>
+      </p:nvGrpSpPr>
+      <p:grpSpPr>
+        <a:xfrm>
+          <a:off x="0" y="0"/>
+          <a:ext cx="0" cy="0"/>
+          <a:chOff x="0" y="0"/>
+          <a:chExt cx="0" cy="0"/>
+        </a:xfrm>
+      </p:grpSpPr>
+      <p:sp>
+        <p:nvSpPr>
+          <p:cNvPr id="2" name="Titel 1">
+            <a:extLst>
+              <a:ext uri="{FF2B5EF4-FFF2-40B4-BE49-F238E27FC236}">
+                <a16:creationId xmlns:a16="http://schemas.microsoft.com/office/drawing/2014/main" id="{1472BA20-C2D2-35CC-B001-35FBC754D728}"/>
+              </a:ext>
+            </a:extLst>
+          </p:cNvPr>
+          <p:cNvSpPr>
+            <a:spLocks noGrp="1"/>
+          </p:cNvSpPr>
+          <p:nvPr>
+            <p:ph type="title"/>
+          </p:nvPr>
+        </p:nvSpPr>
+        <p:spPr/>
+        <p:txBody>
+          <a:bodyPr/>
+          <a:lstStyle/>
+          <a:p>
+            <a:r>
+              <a:rPr lang="da-DK" dirty="0"/>
+              <a:t>Apache Kafka</a:t>
+            </a:r>
+          </a:p>
+        </p:txBody>
+      </p:sp>
+      <p:sp>
+        <p:nvSpPr>
+          <p:cNvPr id="3" name="Pladsholder til indhold 2">
+            <a:extLst>
+              <a:ext uri="{FF2B5EF4-FFF2-40B4-BE49-F238E27FC236}">
+                <a16:creationId xmlns:a16="http://schemas.microsoft.com/office/drawing/2014/main" id="{9C39A511-988C-E6E3-1E83-875E8D499B70}"/>
+              </a:ext>
+            </a:extLst>
+          </p:cNvPr>
+          <p:cNvSpPr>
+            <a:spLocks noGrp="1"/>
+          </p:cNvSpPr>
+          <p:nvPr>
+            <p:ph idx="1"/>
+          </p:nvPr>
+        </p:nvSpPr>
+        <p:spPr/>
+        <p:txBody>
+          <a:bodyPr>
+            <a:normAutofit/>
+          </a:bodyPr>
+          <a:lstStyle/>
+          <a:p>
+            <a:r>
+              <a:rPr lang="da-DK" dirty="0"/>
+              <a:t>Event Streaming </a:t>
+            </a:r>
+          </a:p>
+          <a:p>
+            <a:r>
+              <a:rPr lang="da-DK" dirty="0"/>
+              <a:t>Broker – Lager</a:t>
+            </a:r>
+          </a:p>
+          <a:p>
+            <a:r>
+              <a:rPr lang="da-DK" dirty="0"/>
+              <a:t>Connect – </a:t>
+            </a:r>
+          </a:p>
+          <a:p>
+            <a:r>
+              <a:rPr lang="da-DK" dirty="0"/>
+              <a:t>Stream </a:t>
+            </a:r>
+          </a:p>
+          <a:p>
+            <a:r>
+              <a:rPr lang="da-DK" dirty="0"/>
+              <a:t>Event</a:t>
+            </a:r>
+          </a:p>
+          <a:p>
+            <a:r>
+              <a:rPr lang="da-DK" dirty="0"/>
+              <a:t>Producer</a:t>
+            </a:r>
+          </a:p>
+          <a:p>
+            <a:r>
+              <a:rPr lang="da-DK" dirty="0"/>
+              <a:t>Consumer</a:t>
+            </a:r>
+          </a:p>
+          <a:p>
+            <a:r>
+              <a:rPr lang="da-DK" dirty="0" err="1"/>
+              <a:t>Topic</a:t>
+            </a:r>
+            <a:endParaRPr lang="da-DK" dirty="0"/>
+          </a:p>
+          <a:p>
+            <a:r>
+              <a:rPr lang="da-DK" dirty="0"/>
+              <a:t>Partition</a:t>
+            </a:r>
+          </a:p>
+        </p:txBody>
+      </p:sp>
+    </p:spTree>
+    <p:extLst>
+      <p:ext uri="{BB962C8B-B14F-4D97-AF65-F5344CB8AC3E}">
+        <p14:creationId xmlns:p14="http://schemas.microsoft.com/office/powerpoint/2010/main" val="4027690829"/>
+      </p:ext>
+    </p:extLst>
+  </p:cSld>
+  <p:clrMapOvr>
+    <a:masterClrMapping/>
+  </p:clrMapOvr>
+</p:sld>
+</file>
+
+<file path=ppt/slides/slide16.xml><?xml version="1.0" encoding="utf-8"?>
+<p:sld xmlns:a="http://schemas.openxmlformats.org/drawingml/2006/main" xmlns:r="http://schemas.openxmlformats.org/officeDocument/2006/relationships" xmlns:p="http://schemas.openxmlformats.org/presentationml/2006/main">
+  <p:cSld>
+    <p:spTree>
+      <p:nvGrpSpPr>
+        <p:cNvPr id="1" name=""/>
+        <p:cNvGrpSpPr/>
+        <p:nvPr/>
+      </p:nvGrpSpPr>
+      <p:grpSpPr>
+        <a:xfrm>
+          <a:off x="0" y="0"/>
+          <a:ext cx="0" cy="0"/>
+          <a:chOff x="0" y="0"/>
+          <a:chExt cx="0" cy="0"/>
+        </a:xfrm>
+      </p:grpSpPr>
+      <p:sp>
+        <p:nvSpPr>
+          <p:cNvPr id="8" name="Titel 7">
+            <a:extLst>
+              <a:ext uri="{FF2B5EF4-FFF2-40B4-BE49-F238E27FC236}">
+                <a16:creationId xmlns:a16="http://schemas.microsoft.com/office/drawing/2014/main" id="{964C56D4-D3DF-1B49-7986-BDEB15B6AF6E}"/>
+              </a:ext>
+            </a:extLst>
+          </p:cNvPr>
+          <p:cNvSpPr>
+            <a:spLocks noGrp="1"/>
+          </p:cNvSpPr>
+          <p:nvPr>
+            <p:ph type="title"/>
+          </p:nvPr>
+        </p:nvSpPr>
+        <p:spPr/>
+        <p:txBody>
+          <a:bodyPr/>
+          <a:lstStyle/>
+          <a:p>
+            <a:r>
+              <a:rPr lang="da-DK" dirty="0"/>
+              <a:t>Apache Kafka - Hvad Er</a:t>
+            </a:r>
+          </a:p>
+        </p:txBody>
+      </p:sp>
+      <p:sp>
+        <p:nvSpPr>
+          <p:cNvPr id="9" name="Pladsholder til indhold 8">
+            <a:extLst>
+              <a:ext uri="{FF2B5EF4-FFF2-40B4-BE49-F238E27FC236}">
+                <a16:creationId xmlns:a16="http://schemas.microsoft.com/office/drawing/2014/main" id="{084956D3-F9BC-364C-BE60-DE221C9ECB77}"/>
+              </a:ext>
+            </a:extLst>
+          </p:cNvPr>
+          <p:cNvSpPr>
+            <a:spLocks noGrp="1"/>
+          </p:cNvSpPr>
+          <p:nvPr>
+            <p:ph idx="1"/>
+          </p:nvPr>
+        </p:nvSpPr>
+        <p:spPr/>
+        <p:txBody>
+          <a:bodyPr/>
+          <a:lstStyle/>
+          <a:p>
+            <a:r>
+              <a:rPr lang="da-DK" dirty="0"/>
+              <a:t>Åben-kilde event streaming platform</a:t>
+            </a:r>
+          </a:p>
+          <a:p>
+            <a:r>
+              <a:rPr lang="da-DK" dirty="0"/>
+              <a:t>Event </a:t>
+            </a:r>
+            <a:r>
+              <a:rPr lang="da-DK" dirty="0" err="1"/>
+              <a:t>replikering</a:t>
+            </a:r>
+            <a:endParaRPr lang="da-DK" dirty="0"/>
+          </a:p>
+          <a:p>
+            <a:r>
+              <a:rPr lang="da-DK" dirty="0"/>
+              <a:t>Event </a:t>
+            </a:r>
+            <a:r>
+              <a:rPr lang="da-DK" dirty="0" err="1"/>
+              <a:t>schema</a:t>
+            </a:r>
+            <a:r>
+              <a:rPr lang="da-DK" dirty="0"/>
+              <a:t> //ikke nødvendigt</a:t>
+            </a:r>
+          </a:p>
+          <a:p>
+            <a:r>
+              <a:rPr lang="da-DK" dirty="0" err="1"/>
+              <a:t>Topic</a:t>
+            </a:r>
+            <a:endParaRPr lang="da-DK" dirty="0"/>
+          </a:p>
+        </p:txBody>
+      </p:sp>
+    </p:spTree>
+    <p:extLst>
+      <p:ext uri="{BB962C8B-B14F-4D97-AF65-F5344CB8AC3E}">
+        <p14:creationId xmlns:p14="http://schemas.microsoft.com/office/powerpoint/2010/main" val="2863351694"/>
+      </p:ext>
+    </p:extLst>
+  </p:cSld>
+  <p:clrMapOvr>
+    <a:masterClrMapping/>
+  </p:clrMapOvr>
+</p:sld>
+</file>
+
+<file path=ppt/slides/slide17.xml><?xml version="1.0" encoding="utf-8"?>
+<p:sld xmlns:a="http://schemas.openxmlformats.org/drawingml/2006/main" xmlns:r="http://schemas.openxmlformats.org/officeDocument/2006/relationships" xmlns:p="http://schemas.openxmlformats.org/presentationml/2006/main">
+  <p:cSld>
+    <p:spTree>
+      <p:nvGrpSpPr>
+        <p:cNvPr id="1" name=""/>
+        <p:cNvGrpSpPr/>
+        <p:nvPr/>
+      </p:nvGrpSpPr>
+      <p:grpSpPr>
+        <a:xfrm>
+          <a:off x="0" y="0"/>
+          <a:ext cx="0" cy="0"/>
+          <a:chOff x="0" y="0"/>
+          <a:chExt cx="0" cy="0"/>
+        </a:xfrm>
+      </p:grpSpPr>
+      <p:sp>
+        <p:nvSpPr>
+          <p:cNvPr id="8" name="Titel 7">
+            <a:extLst>
+              <a:ext uri="{FF2B5EF4-FFF2-40B4-BE49-F238E27FC236}">
+                <a16:creationId xmlns:a16="http://schemas.microsoft.com/office/drawing/2014/main" id="{964C56D4-D3DF-1B49-7986-BDEB15B6AF6E}"/>
+              </a:ext>
+            </a:extLst>
+          </p:cNvPr>
+          <p:cNvSpPr>
+            <a:spLocks noGrp="1"/>
+          </p:cNvSpPr>
+          <p:nvPr>
+            <p:ph type="title"/>
+          </p:nvPr>
+        </p:nvSpPr>
+        <p:spPr/>
+        <p:txBody>
+          <a:bodyPr/>
+          <a:lstStyle/>
+          <a:p>
+            <a:r>
+              <a:rPr lang="da-DK" dirty="0"/>
+              <a:t>Apache Kafka - Dele</a:t>
+            </a:r>
+          </a:p>
+        </p:txBody>
+      </p:sp>
+      <p:sp>
+        <p:nvSpPr>
+          <p:cNvPr id="9" name="Pladsholder til indhold 8">
+            <a:extLst>
+              <a:ext uri="{FF2B5EF4-FFF2-40B4-BE49-F238E27FC236}">
+                <a16:creationId xmlns:a16="http://schemas.microsoft.com/office/drawing/2014/main" id="{084956D3-F9BC-364C-BE60-DE221C9ECB77}"/>
+              </a:ext>
+            </a:extLst>
+          </p:cNvPr>
+          <p:cNvSpPr>
+            <a:spLocks noGrp="1"/>
+          </p:cNvSpPr>
+          <p:nvPr>
+            <p:ph idx="1"/>
+          </p:nvPr>
+        </p:nvSpPr>
+        <p:spPr/>
+        <p:txBody>
+          <a:bodyPr/>
+          <a:lstStyle/>
+          <a:p>
+            <a:r>
+              <a:rPr lang="da-DK" dirty="0"/>
+              <a:t>Broker</a:t>
+            </a:r>
+          </a:p>
+          <a:p>
+            <a:r>
+              <a:rPr lang="da-DK" dirty="0"/>
+              <a:t>Controller </a:t>
+            </a:r>
+          </a:p>
+          <a:p>
+            <a:r>
+              <a:rPr lang="da-DK" dirty="0"/>
+              <a:t>Connect</a:t>
+            </a:r>
+          </a:p>
+          <a:p>
+            <a:r>
+              <a:rPr lang="da-DK" dirty="0"/>
+              <a:t>Stream</a:t>
+            </a:r>
+          </a:p>
+          <a:p>
+            <a:r>
+              <a:rPr lang="da-DK" dirty="0" err="1"/>
+              <a:t>Schema</a:t>
+            </a:r>
+            <a:r>
+              <a:rPr lang="da-DK" dirty="0"/>
+              <a:t> Registry</a:t>
+            </a:r>
+          </a:p>
+        </p:txBody>
+      </p:sp>
+    </p:spTree>
+    <p:extLst>
+      <p:ext uri="{BB962C8B-B14F-4D97-AF65-F5344CB8AC3E}">
+        <p14:creationId xmlns:p14="http://schemas.microsoft.com/office/powerpoint/2010/main" val="3462775647"/>
+      </p:ext>
+    </p:extLst>
+  </p:cSld>
+  <p:clrMapOvr>
+    <a:masterClrMapping/>
+  </p:clrMapOvr>
+</p:sld>
+</file>
+
+<file path=ppt/slides/slide18.xml><?xml version="1.0" encoding="utf-8"?>
+<p:sld xmlns:a="http://schemas.openxmlformats.org/drawingml/2006/main" xmlns:r="http://schemas.openxmlformats.org/officeDocument/2006/relationships" xmlns:p="http://schemas.openxmlformats.org/presentationml/2006/main">
+  <p:cSld>
+    <p:spTree>
+      <p:nvGrpSpPr>
+        <p:cNvPr id="1" name=""/>
+        <p:cNvGrpSpPr/>
+        <p:nvPr/>
+      </p:nvGrpSpPr>
+      <p:grpSpPr>
+        <a:xfrm>
+          <a:off x="0" y="0"/>
+          <a:ext cx="0" cy="0"/>
+          <a:chOff x="0" y="0"/>
+          <a:chExt cx="0" cy="0"/>
+        </a:xfrm>
+      </p:grpSpPr>
+      <p:sp>
+        <p:nvSpPr>
+          <p:cNvPr id="2" name="Titel 1">
+            <a:extLst>
+              <a:ext uri="{FF2B5EF4-FFF2-40B4-BE49-F238E27FC236}">
+                <a16:creationId xmlns:a16="http://schemas.microsoft.com/office/drawing/2014/main" id="{FFEC5993-EFA9-A519-83CC-AF07225CE353}"/>
+              </a:ext>
+            </a:extLst>
+          </p:cNvPr>
+          <p:cNvSpPr>
+            <a:spLocks noGrp="1"/>
+          </p:cNvSpPr>
+          <p:nvPr>
+            <p:ph type="title"/>
+          </p:nvPr>
+        </p:nvSpPr>
+        <p:spPr>
+          <a:xfrm>
+            <a:off x="0" y="0"/>
+            <a:ext cx="12192000" cy="6857999"/>
+          </a:xfrm>
+        </p:spPr>
+        <p:txBody>
+          <a:bodyPr/>
+          <a:lstStyle/>
+          <a:p>
+            <a:pPr algn="ctr"/>
+            <a:r>
+              <a:rPr lang="da-DK" dirty="0"/>
+              <a:t>Demo</a:t>
+            </a:r>
+            <a:br>
+              <a:rPr lang="da-DK" dirty="0"/>
+            </a:br>
+            <a:r>
+              <a:rPr lang="da-DK" dirty="0"/>
+              <a:t>Kafka</a:t>
+            </a:r>
+          </a:p>
+        </p:txBody>
+      </p:sp>
+    </p:spTree>
+    <p:extLst>
+      <p:ext uri="{BB962C8B-B14F-4D97-AF65-F5344CB8AC3E}">
+        <p14:creationId xmlns:p14="http://schemas.microsoft.com/office/powerpoint/2010/main" val="230170436"/>
+      </p:ext>
+    </p:extLst>
+  </p:cSld>
+  <p:clrMapOvr>
+    <a:masterClrMapping/>
+  </p:clrMapOvr>
+</p:sld>
+</file>
+
+<file path=ppt/slides/slide19.xml><?xml version="1.0" encoding="utf-8"?>
+<p:sld xmlns:a="http://schemas.openxmlformats.org/drawingml/2006/main" xmlns:r="http://schemas.openxmlformats.org/officeDocument/2006/relationships" xmlns:p="http://schemas.openxmlformats.org/presentationml/2006/main">
+  <p:cSld>
+    <p:spTree>
+      <p:nvGrpSpPr>
+        <p:cNvPr id="1" name=""/>
+        <p:cNvGrpSpPr/>
+        <p:nvPr/>
+      </p:nvGrpSpPr>
+      <p:grpSpPr>
+        <a:xfrm>
+          <a:off x="0" y="0"/>
+          <a:ext cx="0" cy="0"/>
+          <a:chOff x="0" y="0"/>
+          <a:chExt cx="0" cy="0"/>
+        </a:xfrm>
+      </p:grpSpPr>
+      <p:sp>
+        <p:nvSpPr>
+          <p:cNvPr id="8" name="Titel 7">
+            <a:extLst>
+              <a:ext uri="{FF2B5EF4-FFF2-40B4-BE49-F238E27FC236}">
+                <a16:creationId xmlns:a16="http://schemas.microsoft.com/office/drawing/2014/main" id="{964C56D4-D3DF-1B49-7986-BDEB15B6AF6E}"/>
+              </a:ext>
+            </a:extLst>
+          </p:cNvPr>
+          <p:cNvSpPr>
+            <a:spLocks noGrp="1"/>
+          </p:cNvSpPr>
+          <p:nvPr>
+            <p:ph type="title"/>
+          </p:nvPr>
+        </p:nvSpPr>
+        <p:spPr/>
+        <p:txBody>
+          <a:bodyPr/>
+          <a:lstStyle/>
+          <a:p>
+            <a:r>
+              <a:rPr lang="da-DK" dirty="0"/>
+              <a:t>Kafka - I forhold til </a:t>
+            </a:r>
+            <a:r>
+              <a:rPr lang="da-DK" dirty="0" err="1"/>
+              <a:t>RabbitMQ</a:t>
+            </a:r>
+            <a:endParaRPr lang="da-DK" dirty="0"/>
+          </a:p>
+        </p:txBody>
+      </p:sp>
+      <p:sp>
+        <p:nvSpPr>
+          <p:cNvPr id="2" name="Pladsholder til tekst 1">
+            <a:extLst>
+              <a:ext uri="{FF2B5EF4-FFF2-40B4-BE49-F238E27FC236}">
+                <a16:creationId xmlns:a16="http://schemas.microsoft.com/office/drawing/2014/main" id="{52D09D76-F7EA-FB42-58D6-435CFFBC688F}"/>
+              </a:ext>
+            </a:extLst>
+          </p:cNvPr>
+          <p:cNvSpPr>
+            <a:spLocks noGrp="1"/>
+          </p:cNvSpPr>
+          <p:nvPr>
+            <p:ph type="body" idx="1"/>
+          </p:nvPr>
+        </p:nvSpPr>
+        <p:spPr/>
+        <p:txBody>
+          <a:bodyPr/>
+          <a:lstStyle/>
+          <a:p>
+            <a:r>
+              <a:rPr lang="da-DK" dirty="0"/>
+              <a:t>Kafka</a:t>
+            </a:r>
+          </a:p>
+        </p:txBody>
+      </p:sp>
+      <p:sp>
+        <p:nvSpPr>
+          <p:cNvPr id="3" name="Pladsholder til indhold 2">
+            <a:extLst>
+              <a:ext uri="{FF2B5EF4-FFF2-40B4-BE49-F238E27FC236}">
+                <a16:creationId xmlns:a16="http://schemas.microsoft.com/office/drawing/2014/main" id="{339997B2-9ED5-7B5A-EBCA-3B5D07672F58}"/>
+              </a:ext>
+            </a:extLst>
+          </p:cNvPr>
+          <p:cNvSpPr>
+            <a:spLocks noGrp="1"/>
+          </p:cNvSpPr>
+          <p:nvPr>
+            <p:ph sz="half" idx="2"/>
+          </p:nvPr>
+        </p:nvSpPr>
+        <p:spPr/>
+        <p:txBody>
+          <a:bodyPr/>
+          <a:lstStyle/>
+          <a:p>
+            <a:r>
+              <a:rPr lang="da-DK" dirty="0" err="1"/>
+              <a:t>Topic</a:t>
+            </a:r>
+            <a:endParaRPr lang="da-DK" dirty="0"/>
+          </a:p>
+          <a:p>
+            <a:r>
+              <a:rPr lang="da-DK" dirty="0"/>
+              <a:t>Kan have skema	</a:t>
+            </a:r>
+          </a:p>
+          <a:p>
+            <a:r>
+              <a:rPr lang="da-DK" dirty="0" err="1"/>
+              <a:t>Komplext</a:t>
+            </a:r>
+            <a:endParaRPr lang="da-DK" dirty="0"/>
+          </a:p>
+          <a:p>
+            <a:r>
+              <a:rPr lang="da-DK" dirty="0"/>
+              <a:t>Event</a:t>
+            </a:r>
+          </a:p>
+        </p:txBody>
+      </p:sp>
+      <p:sp>
+        <p:nvSpPr>
+          <p:cNvPr id="4" name="Pladsholder til tekst 3">
+            <a:extLst>
+              <a:ext uri="{FF2B5EF4-FFF2-40B4-BE49-F238E27FC236}">
+                <a16:creationId xmlns:a16="http://schemas.microsoft.com/office/drawing/2014/main" id="{D2BCD25E-3062-C776-FDCD-8724CFA931AE}"/>
+              </a:ext>
+            </a:extLst>
+          </p:cNvPr>
+          <p:cNvSpPr>
+            <a:spLocks noGrp="1"/>
+          </p:cNvSpPr>
+          <p:nvPr>
+            <p:ph type="body" sz="quarter" idx="3"/>
+          </p:nvPr>
+        </p:nvSpPr>
+        <p:spPr/>
+        <p:txBody>
+          <a:bodyPr/>
+          <a:lstStyle/>
+          <a:p>
+            <a:r>
+              <a:rPr lang="da-DK" dirty="0" err="1"/>
+              <a:t>RabbitMQ</a:t>
+            </a:r>
+            <a:endParaRPr lang="da-DK" dirty="0"/>
+          </a:p>
+        </p:txBody>
+      </p:sp>
+      <p:sp>
+        <p:nvSpPr>
+          <p:cNvPr id="5" name="Pladsholder til indhold 4">
+            <a:extLst>
+              <a:ext uri="{FF2B5EF4-FFF2-40B4-BE49-F238E27FC236}">
+                <a16:creationId xmlns:a16="http://schemas.microsoft.com/office/drawing/2014/main" id="{A6395EEA-AED6-2FD6-EC89-277DA9898817}"/>
+              </a:ext>
+            </a:extLst>
+          </p:cNvPr>
+          <p:cNvSpPr>
+            <a:spLocks noGrp="1"/>
+          </p:cNvSpPr>
+          <p:nvPr>
+            <p:ph sz="quarter" idx="4"/>
+          </p:nvPr>
+        </p:nvSpPr>
+        <p:spPr/>
+        <p:txBody>
+          <a:bodyPr/>
+          <a:lstStyle/>
+          <a:p>
+            <a:r>
+              <a:rPr lang="da-DK" dirty="0"/>
+              <a:t>Queue</a:t>
+            </a:r>
+          </a:p>
+          <a:p>
+            <a:r>
+              <a:rPr lang="da-DK" dirty="0"/>
+              <a:t>Intet skema</a:t>
+            </a:r>
+          </a:p>
+          <a:p>
+            <a:r>
+              <a:rPr lang="da-DK" dirty="0"/>
+              <a:t>RPC</a:t>
+            </a:r>
+          </a:p>
+          <a:p>
+            <a:r>
+              <a:rPr lang="da-DK" dirty="0"/>
+              <a:t>Simpelt</a:t>
+            </a:r>
+          </a:p>
+          <a:p>
+            <a:r>
+              <a:rPr lang="da-DK" dirty="0"/>
+              <a:t>Message</a:t>
+            </a:r>
+          </a:p>
+        </p:txBody>
+      </p:sp>
+    </p:spTree>
+    <p:extLst>
+      <p:ext uri="{BB962C8B-B14F-4D97-AF65-F5344CB8AC3E}">
+        <p14:creationId xmlns:p14="http://schemas.microsoft.com/office/powerpoint/2010/main" val="1977421596"/>
       </p:ext>
     </p:extLst>
   </p:cSld>
@@ -3445,10 +8393,10 @@
       </p:sp>
       <p:sp>
         <p:nvSpPr>
-          <p:cNvPr id="3" name="Pladsholder til indhold 2">
+          <p:cNvPr id="6" name="Pladsholder til tekst 5">
             <a:extLst>
               <a:ext uri="{FF2B5EF4-FFF2-40B4-BE49-F238E27FC236}">
-                <a16:creationId xmlns:a16="http://schemas.microsoft.com/office/drawing/2014/main" id="{0DE4FB38-7C5B-5B44-11D2-E112BAA227F1}"/>
+                <a16:creationId xmlns:a16="http://schemas.microsoft.com/office/drawing/2014/main" id="{9862A6A7-65AF-A3EE-D155-4F89406DD00C}"/>
               </a:ext>
             </a:extLst>
           </p:cNvPr>
@@ -3456,15 +8404,149 @@
             <a:spLocks noGrp="1"/>
           </p:cNvSpPr>
           <p:nvPr>
-            <p:ph idx="1"/>
-          </p:nvPr>
-        </p:nvSpPr>
-        <p:spPr/>
-        <p:txBody>
-          <a:bodyPr/>
-          <a:lstStyle/>
-          <a:p>
-            <a:endParaRPr lang="da-DK"/>
+            <p:ph type="body" idx="1"/>
+          </p:nvPr>
+        </p:nvSpPr>
+        <p:spPr/>
+        <p:txBody>
+          <a:bodyPr/>
+          <a:lstStyle/>
+          <a:p>
+            <a:r>
+              <a:rPr lang="da-DK" dirty="0"/>
+              <a:t>Første Del</a:t>
+            </a:r>
+          </a:p>
+        </p:txBody>
+      </p:sp>
+      <p:sp>
+        <p:nvSpPr>
+          <p:cNvPr id="4" name="Pladsholder til indhold 3">
+            <a:extLst>
+              <a:ext uri="{FF2B5EF4-FFF2-40B4-BE49-F238E27FC236}">
+                <a16:creationId xmlns:a16="http://schemas.microsoft.com/office/drawing/2014/main" id="{1B45E29F-C4F1-480E-5FAC-2A1EED74552B}"/>
+              </a:ext>
+            </a:extLst>
+          </p:cNvPr>
+          <p:cNvSpPr>
+            <a:spLocks noGrp="1"/>
+          </p:cNvSpPr>
+          <p:nvPr>
+            <p:ph sz="half" idx="2"/>
+          </p:nvPr>
+        </p:nvSpPr>
+        <p:spPr/>
+        <p:txBody>
+          <a:bodyPr/>
+          <a:lstStyle/>
+          <a:p>
+            <a:r>
+              <a:rPr lang="da-DK" dirty="0"/>
+              <a:t>Case</a:t>
+            </a:r>
+          </a:p>
+          <a:p>
+            <a:r>
+              <a:rPr lang="da-DK" dirty="0"/>
+              <a:t>Løsning</a:t>
+            </a:r>
+          </a:p>
+          <a:p>
+            <a:r>
+              <a:rPr lang="da-DK" dirty="0"/>
+              <a:t>Demo</a:t>
+            </a:r>
+          </a:p>
+          <a:p>
+            <a:r>
+              <a:rPr lang="da-DK" dirty="0"/>
+              <a:t>Domain Driven Design</a:t>
+            </a:r>
+          </a:p>
+          <a:p>
+            <a:r>
+              <a:rPr lang="da-DK" dirty="0"/>
+              <a:t>Logning</a:t>
+            </a:r>
+          </a:p>
+        </p:txBody>
+      </p:sp>
+      <p:sp>
+        <p:nvSpPr>
+          <p:cNvPr id="7" name="Pladsholder til tekst 6">
+            <a:extLst>
+              <a:ext uri="{FF2B5EF4-FFF2-40B4-BE49-F238E27FC236}">
+                <a16:creationId xmlns:a16="http://schemas.microsoft.com/office/drawing/2014/main" id="{D223F7D6-A3E1-4A87-1531-EE6F797584FF}"/>
+              </a:ext>
+            </a:extLst>
+          </p:cNvPr>
+          <p:cNvSpPr>
+            <a:spLocks noGrp="1"/>
+          </p:cNvSpPr>
+          <p:nvPr>
+            <p:ph type="body" sz="quarter" idx="3"/>
+          </p:nvPr>
+        </p:nvSpPr>
+        <p:spPr/>
+        <p:txBody>
+          <a:bodyPr/>
+          <a:lstStyle/>
+          <a:p>
+            <a:r>
+              <a:rPr lang="da-DK" dirty="0"/>
+              <a:t>Anden Del</a:t>
+            </a:r>
+          </a:p>
+        </p:txBody>
+      </p:sp>
+      <p:sp>
+        <p:nvSpPr>
+          <p:cNvPr id="5" name="Pladsholder til indhold 4">
+            <a:extLst>
+              <a:ext uri="{FF2B5EF4-FFF2-40B4-BE49-F238E27FC236}">
+                <a16:creationId xmlns:a16="http://schemas.microsoft.com/office/drawing/2014/main" id="{ACEED9D0-D427-8A0D-3E47-4B436B8D1CF4}"/>
+              </a:ext>
+            </a:extLst>
+          </p:cNvPr>
+          <p:cNvSpPr>
+            <a:spLocks noGrp="1"/>
+          </p:cNvSpPr>
+          <p:nvPr>
+            <p:ph sz="quarter" idx="4"/>
+          </p:nvPr>
+        </p:nvSpPr>
+        <p:spPr/>
+        <p:txBody>
+          <a:bodyPr/>
+          <a:lstStyle/>
+          <a:p>
+            <a:r>
+              <a:rPr lang="da-DK" dirty="0"/>
+              <a:t>Selvvalgt Emne</a:t>
+            </a:r>
+          </a:p>
+          <a:p>
+            <a:r>
+              <a:rPr lang="da-DK" dirty="0"/>
+              <a:t>Kafka</a:t>
+            </a:r>
+          </a:p>
+          <a:p>
+            <a:r>
+              <a:rPr lang="da-DK" dirty="0"/>
+              <a:t>Demo</a:t>
+            </a:r>
+          </a:p>
+          <a:p>
+            <a:r>
+              <a:rPr lang="da-DK" dirty="0"/>
+              <a:t>Kafka i forhold til </a:t>
+            </a:r>
+            <a:r>
+              <a:rPr lang="da-DK" dirty="0" err="1"/>
+              <a:t>RabbitMQ</a:t>
+            </a:r>
+            <a:endParaRPr lang="da-DK" dirty="0"/>
           </a:p>
         </p:txBody>
       </p:sp>
@@ -3472,6 +8554,307 @@
     <p:extLst>
       <p:ext uri="{BB962C8B-B14F-4D97-AF65-F5344CB8AC3E}">
         <p14:creationId xmlns:p14="http://schemas.microsoft.com/office/powerpoint/2010/main" val="765036083"/>
+      </p:ext>
+    </p:extLst>
+  </p:cSld>
+  <p:clrMapOvr>
+    <a:masterClrMapping/>
+  </p:clrMapOvr>
+</p:sld>
+</file>
+
+<file path=ppt/slides/slide20.xml><?xml version="1.0" encoding="utf-8"?>
+<p:sld xmlns:a="http://schemas.openxmlformats.org/drawingml/2006/main" xmlns:r="http://schemas.openxmlformats.org/officeDocument/2006/relationships" xmlns:p="http://schemas.openxmlformats.org/presentationml/2006/main">
+  <p:cSld>
+    <p:spTree>
+      <p:nvGrpSpPr>
+        <p:cNvPr id="1" name=""/>
+        <p:cNvGrpSpPr/>
+        <p:nvPr/>
+      </p:nvGrpSpPr>
+      <p:grpSpPr>
+        <a:xfrm>
+          <a:off x="0" y="0"/>
+          <a:ext cx="0" cy="0"/>
+          <a:chOff x="0" y="0"/>
+          <a:chExt cx="0" cy="0"/>
+        </a:xfrm>
+      </p:grpSpPr>
+      <p:sp>
+        <p:nvSpPr>
+          <p:cNvPr id="8" name="Titel 7">
+            <a:extLst>
+              <a:ext uri="{FF2B5EF4-FFF2-40B4-BE49-F238E27FC236}">
+                <a16:creationId xmlns:a16="http://schemas.microsoft.com/office/drawing/2014/main" id="{964C56D4-D3DF-1B49-7986-BDEB15B6AF6E}"/>
+              </a:ext>
+            </a:extLst>
+          </p:cNvPr>
+          <p:cNvSpPr>
+            <a:spLocks noGrp="1"/>
+          </p:cNvSpPr>
+          <p:nvPr>
+            <p:ph type="title"/>
+          </p:nvPr>
+        </p:nvSpPr>
+        <p:spPr/>
+        <p:txBody>
+          <a:bodyPr/>
+          <a:lstStyle/>
+          <a:p>
+            <a:r>
+              <a:rPr lang="da-DK" dirty="0"/>
+              <a:t>Kafka - Hvis brugt i produktet</a:t>
+            </a:r>
+          </a:p>
+        </p:txBody>
+      </p:sp>
+      <p:sp>
+        <p:nvSpPr>
+          <p:cNvPr id="9" name="Pladsholder til indhold 8">
+            <a:extLst>
+              <a:ext uri="{FF2B5EF4-FFF2-40B4-BE49-F238E27FC236}">
+                <a16:creationId xmlns:a16="http://schemas.microsoft.com/office/drawing/2014/main" id="{084956D3-F9BC-364C-BE60-DE221C9ECB77}"/>
+              </a:ext>
+            </a:extLst>
+          </p:cNvPr>
+          <p:cNvSpPr>
+            <a:spLocks noGrp="1"/>
+          </p:cNvSpPr>
+          <p:nvPr>
+            <p:ph idx="1"/>
+          </p:nvPr>
+        </p:nvSpPr>
+        <p:spPr/>
+        <p:txBody>
+          <a:bodyPr/>
+          <a:lstStyle/>
+          <a:p>
+            <a:r>
+              <a:rPr lang="da-DK" dirty="0"/>
+              <a:t>Kafka understøtter ikke </a:t>
+            </a:r>
+            <a:r>
+              <a:rPr lang="da-DK" dirty="0" err="1"/>
+              <a:t>Request-Response</a:t>
+            </a:r>
+            <a:endParaRPr lang="da-DK" dirty="0"/>
+          </a:p>
+          <a:p>
+            <a:pPr lvl="1"/>
+            <a:r>
+              <a:rPr lang="da-DK" dirty="0"/>
+              <a:t>Skulle selv implementer en løsning for dette</a:t>
+            </a:r>
+          </a:p>
+          <a:p>
+            <a:r>
+              <a:rPr lang="da-DK" dirty="0"/>
+              <a:t>Consumers i </a:t>
+            </a:r>
+            <a:r>
+              <a:rPr lang="da-DK" dirty="0" err="1"/>
+              <a:t>Catering.DataProcessingPlatform</a:t>
+            </a:r>
+            <a:r>
+              <a:rPr lang="da-DK" dirty="0"/>
+              <a:t> skulle håndtere </a:t>
+            </a:r>
+            <a:r>
+              <a:rPr lang="da-DK" dirty="0" err="1"/>
+              <a:t>opskalering</a:t>
+            </a:r>
+            <a:endParaRPr lang="da-DK" dirty="0"/>
+          </a:p>
+        </p:txBody>
+      </p:sp>
+    </p:spTree>
+    <p:extLst>
+      <p:ext uri="{BB962C8B-B14F-4D97-AF65-F5344CB8AC3E}">
+        <p14:creationId xmlns:p14="http://schemas.microsoft.com/office/powerpoint/2010/main" val="1680969427"/>
+      </p:ext>
+    </p:extLst>
+  </p:cSld>
+  <p:clrMapOvr>
+    <a:masterClrMapping/>
+  </p:clrMapOvr>
+</p:sld>
+</file>
+
+<file path=ppt/slides/slide21.xml><?xml version="1.0" encoding="utf-8"?>
+<p:sld xmlns:a="http://schemas.openxmlformats.org/drawingml/2006/main" xmlns:r="http://schemas.openxmlformats.org/officeDocument/2006/relationships" xmlns:p="http://schemas.openxmlformats.org/presentationml/2006/main">
+  <p:cSld>
+    <p:spTree>
+      <p:nvGrpSpPr>
+        <p:cNvPr id="1" name=""/>
+        <p:cNvGrpSpPr/>
+        <p:nvPr/>
+      </p:nvGrpSpPr>
+      <p:grpSpPr>
+        <a:xfrm>
+          <a:off x="0" y="0"/>
+          <a:ext cx="0" cy="0"/>
+          <a:chOff x="0" y="0"/>
+          <a:chExt cx="0" cy="0"/>
+        </a:xfrm>
+      </p:grpSpPr>
+      <p:sp>
+        <p:nvSpPr>
+          <p:cNvPr id="2" name="Titel 1">
+            <a:extLst>
+              <a:ext uri="{FF2B5EF4-FFF2-40B4-BE49-F238E27FC236}">
+                <a16:creationId xmlns:a16="http://schemas.microsoft.com/office/drawing/2014/main" id="{9BB2D000-224A-BA2B-755A-B15044B919B1}"/>
+              </a:ext>
+            </a:extLst>
+          </p:cNvPr>
+          <p:cNvSpPr>
+            <a:spLocks noGrp="1"/>
+          </p:cNvSpPr>
+          <p:nvPr>
+            <p:ph type="title"/>
+          </p:nvPr>
+        </p:nvSpPr>
+        <p:spPr/>
+        <p:txBody>
+          <a:bodyPr/>
+          <a:lstStyle/>
+          <a:p>
+            <a:r>
+              <a:rPr lang="da-DK" dirty="0"/>
+              <a:t>Kafka - </a:t>
+            </a:r>
+            <a:r>
+              <a:rPr lang="da-DK" dirty="0" err="1"/>
+              <a:t>Request-Response</a:t>
+            </a:r>
+            <a:endParaRPr lang="da-DK" dirty="0"/>
+          </a:p>
+        </p:txBody>
+      </p:sp>
+      <p:pic>
+        <p:nvPicPr>
+          <p:cNvPr id="4" name="Pladsholder til indhold 3">
+            <a:extLst>
+              <a:ext uri="{FF2B5EF4-FFF2-40B4-BE49-F238E27FC236}">
+                <a16:creationId xmlns:a16="http://schemas.microsoft.com/office/drawing/2014/main" id="{668A7713-CA03-DA91-C2AF-EB92AC0442FC}"/>
+              </a:ext>
+            </a:extLst>
+          </p:cNvPr>
+          <p:cNvPicPr>
+            <a:picLocks noGrp="1" noChangeAspect="1"/>
+          </p:cNvPicPr>
+          <p:nvPr>
+            <p:ph idx="1"/>
+          </p:nvPr>
+        </p:nvPicPr>
+        <p:blipFill>
+          <a:blip r:embed="rId3">
+            <a:extLst>
+              <a:ext uri="{28A0092B-C50C-407E-A947-70E740481C1C}">
+                <a14:useLocalDpi xmlns:a14="http://schemas.microsoft.com/office/drawing/2010/main" val="0"/>
+              </a:ext>
+            </a:extLst>
+          </a:blip>
+          <a:stretch>
+            <a:fillRect/>
+          </a:stretch>
+        </p:blipFill>
+        <p:spPr>
+          <a:xfrm>
+            <a:off x="3614737" y="2553494"/>
+            <a:ext cx="4962525" cy="3305175"/>
+          </a:xfrm>
+          <a:prstGeom prst="rect">
+            <a:avLst/>
+          </a:prstGeom>
+        </p:spPr>
+      </p:pic>
+    </p:spTree>
+    <p:extLst>
+      <p:ext uri="{BB962C8B-B14F-4D97-AF65-F5344CB8AC3E}">
+        <p14:creationId xmlns:p14="http://schemas.microsoft.com/office/powerpoint/2010/main" val="2036341507"/>
+      </p:ext>
+    </p:extLst>
+  </p:cSld>
+  <p:clrMapOvr>
+    <a:masterClrMapping/>
+  </p:clrMapOvr>
+</p:sld>
+</file>
+
+<file path=ppt/slides/slide22.xml><?xml version="1.0" encoding="utf-8"?>
+<p:sld xmlns:a="http://schemas.openxmlformats.org/drawingml/2006/main" xmlns:r="http://schemas.openxmlformats.org/officeDocument/2006/relationships" xmlns:p="http://schemas.openxmlformats.org/presentationml/2006/main">
+  <p:cSld>
+    <p:spTree>
+      <p:nvGrpSpPr>
+        <p:cNvPr id="1" name=""/>
+        <p:cNvGrpSpPr/>
+        <p:nvPr/>
+      </p:nvGrpSpPr>
+      <p:grpSpPr>
+        <a:xfrm>
+          <a:off x="0" y="0"/>
+          <a:ext cx="0" cy="0"/>
+          <a:chOff x="0" y="0"/>
+          <a:chExt cx="0" cy="0"/>
+        </a:xfrm>
+      </p:grpSpPr>
+      <p:sp>
+        <p:nvSpPr>
+          <p:cNvPr id="2" name="Titel 1">
+            <a:extLst>
+              <a:ext uri="{FF2B5EF4-FFF2-40B4-BE49-F238E27FC236}">
+                <a16:creationId xmlns:a16="http://schemas.microsoft.com/office/drawing/2014/main" id="{BD49CE15-8830-7735-EEBA-56B46383EED4}"/>
+              </a:ext>
+            </a:extLst>
+          </p:cNvPr>
+          <p:cNvSpPr>
+            <a:spLocks noGrp="1"/>
+          </p:cNvSpPr>
+          <p:nvPr>
+            <p:ph type="title"/>
+          </p:nvPr>
+        </p:nvSpPr>
+        <p:spPr/>
+        <p:txBody>
+          <a:bodyPr/>
+          <a:lstStyle/>
+          <a:p>
+            <a:r>
+              <a:rPr lang="da-DK" dirty="0"/>
+              <a:t>Referencer</a:t>
+            </a:r>
+          </a:p>
+        </p:txBody>
+      </p:sp>
+      <p:sp>
+        <p:nvSpPr>
+          <p:cNvPr id="3" name="Pladsholder til indhold 2">
+            <a:extLst>
+              <a:ext uri="{FF2B5EF4-FFF2-40B4-BE49-F238E27FC236}">
+                <a16:creationId xmlns:a16="http://schemas.microsoft.com/office/drawing/2014/main" id="{DBD79205-814B-8ABA-7820-A8964F2C7957}"/>
+              </a:ext>
+            </a:extLst>
+          </p:cNvPr>
+          <p:cNvSpPr>
+            <a:spLocks noGrp="1"/>
+          </p:cNvSpPr>
+          <p:nvPr>
+            <p:ph idx="1"/>
+          </p:nvPr>
+        </p:nvSpPr>
+        <p:spPr/>
+        <p:txBody>
+          <a:bodyPr/>
+          <a:lstStyle/>
+          <a:p>
+            <a:endParaRPr lang="da-DK"/>
+          </a:p>
+        </p:txBody>
+      </p:sp>
+    </p:spTree>
+    <p:extLst>
+      <p:ext uri="{BB962C8B-B14F-4D97-AF65-F5344CB8AC3E}">
+        <p14:creationId xmlns:p14="http://schemas.microsoft.com/office/powerpoint/2010/main" val="221808590"/>
       </p:ext>
     </p:extLst>
   </p:cSld>
@@ -3544,10 +8927,26 @@
         </p:nvSpPr>
         <p:spPr/>
         <p:txBody>
-          <a:bodyPr/>
-          <a:lstStyle/>
-          <a:p>
-            <a:endParaRPr lang="da-DK"/>
+          <a:bodyPr>
+            <a:normAutofit/>
+          </a:bodyPr>
+          <a:lstStyle/>
+          <a:p>
+            <a:pPr marL="0" indent="0">
+              <a:buNone/>
+            </a:pPr>
+            <a:r>
+              <a:rPr lang="da-DK" dirty="0"/>
+              <a:t>Ikke alle virksomheder har mulighed for at servere mad i deres kantiner fra deres egen køkken. Dermed er der økonomiske gevinster for en cateringvirksomhed ved at sælge færdiglavede retter til disse virksomheder. På sammen tid er det blevet mere udbredt blandt virksomheder at sælge deres produkter via internettet. Disse muligheder vil cateringvirksomheden </a:t>
+            </a:r>
+            <a:r>
+              <a:rPr lang="da-DK" dirty="0" err="1"/>
+              <a:t>FoodForAll</a:t>
+            </a:r>
+            <a:r>
+              <a:rPr lang="da-DK" dirty="0"/>
+              <a:t> A/S gerne benytte sig af for at øge deres omsætning og øge antallet af kunder via en hjemmeside der er let at bruge, da de på nuværende tidspunkt kun tillader bestillinger via deres telefon besat af en enkelt ansat</a:t>
+            </a:r>
           </a:p>
         </p:txBody>
       </p:sp>
@@ -3609,31 +9008,41 @@
           </a:p>
         </p:txBody>
       </p:sp>
-      <p:sp>
-        <p:nvSpPr>
-          <p:cNvPr id="3" name="Pladsholder til indhold 2">
+      <p:pic>
+        <p:nvPicPr>
+          <p:cNvPr id="5" name="Pladsholder til indhold 4">
             <a:extLst>
               <a:ext uri="{FF2B5EF4-FFF2-40B4-BE49-F238E27FC236}">
-                <a16:creationId xmlns:a16="http://schemas.microsoft.com/office/drawing/2014/main" id="{E804A735-124C-F903-A073-22AB36543FF3}"/>
+                <a16:creationId xmlns:a16="http://schemas.microsoft.com/office/drawing/2014/main" id="{8C883641-BA3F-FE04-CB3A-CE5E74CAE614}"/>
               </a:ext>
             </a:extLst>
           </p:cNvPr>
-          <p:cNvSpPr>
-            <a:spLocks noGrp="1"/>
-          </p:cNvSpPr>
+          <p:cNvPicPr>
+            <a:picLocks noGrp="1" noChangeAspect="1"/>
+          </p:cNvPicPr>
           <p:nvPr>
             <p:ph idx="1"/>
           </p:nvPr>
-        </p:nvSpPr>
-        <p:spPr/>
-        <p:txBody>
-          <a:bodyPr/>
-          <a:lstStyle/>
-          <a:p>
-            <a:endParaRPr lang="da-DK"/>
-          </a:p>
-        </p:txBody>
-      </p:sp>
+        </p:nvPicPr>
+        <p:blipFill>
+          <a:blip r:embed="rId2">
+            <a:extLst>
+              <a:ext uri="{28A0092B-C50C-407E-A947-70E740481C1C}">
+                <a14:useLocalDpi xmlns:a14="http://schemas.microsoft.com/office/drawing/2010/main" val="0"/>
+              </a:ext>
+            </a:extLst>
+          </a:blip>
+          <a:stretch>
+            <a:fillRect/>
+          </a:stretch>
+        </p:blipFill>
+        <p:spPr>
+          <a:xfrm>
+            <a:off x="1195136" y="2169454"/>
+            <a:ext cx="9801728" cy="4073256"/>
+          </a:xfrm>
+        </p:spPr>
+      </p:pic>
     </p:spTree>
     <p:extLst>
       <p:ext uri="{BB962C8B-B14F-4D97-AF65-F5344CB8AC3E}">
@@ -3680,40 +9089,21 @@
             <p:ph type="title"/>
           </p:nvPr>
         </p:nvSpPr>
-        <p:spPr/>
-        <p:txBody>
-          <a:bodyPr/>
-          <a:lstStyle/>
-          <a:p>
+        <p:spPr>
+          <a:xfrm>
+            <a:off x="0" y="0"/>
+            <a:ext cx="12192000" cy="6857999"/>
+          </a:xfrm>
+        </p:spPr>
+        <p:txBody>
+          <a:bodyPr/>
+          <a:lstStyle/>
+          <a:p>
+            <a:pPr algn="ctr"/>
             <a:r>
               <a:rPr lang="da-DK" dirty="0"/>
               <a:t>Demo</a:t>
             </a:r>
-          </a:p>
-        </p:txBody>
-      </p:sp>
-      <p:sp>
-        <p:nvSpPr>
-          <p:cNvPr id="3" name="Pladsholder til indhold 2">
-            <a:extLst>
-              <a:ext uri="{FF2B5EF4-FFF2-40B4-BE49-F238E27FC236}">
-                <a16:creationId xmlns:a16="http://schemas.microsoft.com/office/drawing/2014/main" id="{AD41567B-3088-295F-FD6C-92B5F93BC58A}"/>
-              </a:ext>
-            </a:extLst>
-          </p:cNvPr>
-          <p:cNvSpPr>
-            <a:spLocks noGrp="1"/>
-          </p:cNvSpPr>
-          <p:nvPr>
-            <p:ph idx="1"/>
-          </p:nvPr>
-        </p:nvSpPr>
-        <p:spPr/>
-        <p:txBody>
-          <a:bodyPr/>
-          <a:lstStyle/>
-          <a:p>
-            <a:endParaRPr lang="da-DK"/>
           </a:p>
         </p:txBody>
       </p:sp>
@@ -3752,7 +9142,7 @@
           <p:cNvPr id="2" name="Titel 1">
             <a:extLst>
               <a:ext uri="{FF2B5EF4-FFF2-40B4-BE49-F238E27FC236}">
-                <a16:creationId xmlns:a16="http://schemas.microsoft.com/office/drawing/2014/main" id="{B1D2CC2F-167B-077C-5F77-FC4712F9B2D8}"/>
+                <a16:creationId xmlns:a16="http://schemas.microsoft.com/office/drawing/2014/main" id="{FFEC5993-EFA9-A519-83CC-AF07225CE353}"/>
               </a:ext>
             </a:extLst>
           </p:cNvPr>
@@ -3763,51 +9153,28 @@
             <p:ph type="title"/>
           </p:nvPr>
         </p:nvSpPr>
-        <p:spPr/>
-        <p:txBody>
-          <a:bodyPr/>
-          <a:lstStyle/>
-          <a:p>
-            <a:r>
-              <a:rPr lang="da-DK" dirty="0" err="1"/>
-              <a:t>Details</a:t>
-            </a:r>
-            <a:r>
-              <a:rPr lang="da-DK" dirty="0"/>
-              <a:t>???</a:t>
-            </a:r>
-          </a:p>
-        </p:txBody>
-      </p:sp>
-      <p:sp>
-        <p:nvSpPr>
-          <p:cNvPr id="3" name="Pladsholder til indhold 2">
-            <a:extLst>
-              <a:ext uri="{FF2B5EF4-FFF2-40B4-BE49-F238E27FC236}">
-                <a16:creationId xmlns:a16="http://schemas.microsoft.com/office/drawing/2014/main" id="{6F395537-5F99-66CA-9888-A52BD9472E6A}"/>
-              </a:ext>
-            </a:extLst>
-          </p:cNvPr>
-          <p:cNvSpPr>
-            <a:spLocks noGrp="1"/>
-          </p:cNvSpPr>
-          <p:nvPr>
-            <p:ph idx="1"/>
-          </p:nvPr>
-        </p:nvSpPr>
-        <p:spPr/>
-        <p:txBody>
-          <a:bodyPr/>
-          <a:lstStyle/>
-          <a:p>
-            <a:endParaRPr lang="da-DK"/>
+        <p:spPr>
+          <a:xfrm>
+            <a:off x="0" y="0"/>
+            <a:ext cx="12192000" cy="6857999"/>
+          </a:xfrm>
+        </p:spPr>
+        <p:txBody>
+          <a:bodyPr/>
+          <a:lstStyle/>
+          <a:p>
+            <a:pPr algn="ctr"/>
+            <a:r>
+              <a:rPr lang="da-DK" dirty="0"/>
+              <a:t>Domain Driven Design</a:t>
+            </a:r>
           </a:p>
         </p:txBody>
       </p:sp>
     </p:spTree>
     <p:extLst>
       <p:ext uri="{BB962C8B-B14F-4D97-AF65-F5344CB8AC3E}">
-        <p14:creationId xmlns:p14="http://schemas.microsoft.com/office/powerpoint/2010/main" val="433806478"/>
+        <p14:creationId xmlns:p14="http://schemas.microsoft.com/office/powerpoint/2010/main" val="546680082"/>
       </p:ext>
     </p:extLst>
   </p:cSld>
@@ -3839,7 +9206,7 @@
           <p:cNvPr id="2" name="Titel 1">
             <a:extLst>
               <a:ext uri="{FF2B5EF4-FFF2-40B4-BE49-F238E27FC236}">
-                <a16:creationId xmlns:a16="http://schemas.microsoft.com/office/drawing/2014/main" id="{1472BA20-C2D2-35CC-B001-35FBC754D728}"/>
+                <a16:creationId xmlns:a16="http://schemas.microsoft.com/office/drawing/2014/main" id="{0144FA41-7639-5CB5-9FCA-41B95901E250}"/>
               </a:ext>
             </a:extLst>
           </p:cNvPr>
@@ -3857,7 +9224,7 @@
           <a:p>
             <a:r>
               <a:rPr lang="da-DK" dirty="0"/>
-              <a:t>Kafka</a:t>
+              <a:t>Domain Driven Design</a:t>
             </a:r>
           </a:p>
         </p:txBody>
@@ -3867,7 +9234,7 @@
           <p:cNvPr id="3" name="Pladsholder til indhold 2">
             <a:extLst>
               <a:ext uri="{FF2B5EF4-FFF2-40B4-BE49-F238E27FC236}">
-                <a16:creationId xmlns:a16="http://schemas.microsoft.com/office/drawing/2014/main" id="{9C39A511-988C-E6E3-1E83-875E8D499B70}"/>
+                <a16:creationId xmlns:a16="http://schemas.microsoft.com/office/drawing/2014/main" id="{55AE5268-ACD0-3AE3-BBE1-F098D71C0741}"/>
               </a:ext>
             </a:extLst>
           </p:cNvPr>
@@ -3883,14 +9250,338 @@
           <a:bodyPr/>
           <a:lstStyle/>
           <a:p>
-            <a:endParaRPr lang="da-DK"/>
+            <a:r>
+              <a:rPr lang="da-DK" dirty="0"/>
+              <a:t>Arkitektur</a:t>
+            </a:r>
+          </a:p>
+          <a:p>
+            <a:r>
+              <a:rPr lang="da-DK" dirty="0"/>
+              <a:t>Fokus på domæner</a:t>
+            </a:r>
+          </a:p>
+          <a:p>
+            <a:r>
+              <a:rPr lang="da-DK" dirty="0"/>
+              <a:t>Aggregater </a:t>
+            </a:r>
+          </a:p>
+          <a:p>
+            <a:r>
+              <a:rPr lang="da-DK" dirty="0" err="1"/>
+              <a:t>Bounded</a:t>
+            </a:r>
+            <a:r>
+              <a:rPr lang="da-DK" dirty="0"/>
+              <a:t> </a:t>
+            </a:r>
+            <a:r>
+              <a:rPr lang="da-DK" dirty="0" err="1"/>
+              <a:t>Context</a:t>
+            </a:r>
+            <a:endParaRPr lang="da-DK" dirty="0"/>
+          </a:p>
+          <a:p>
+            <a:r>
+              <a:rPr lang="da-DK" dirty="0"/>
+              <a:t>Value Objekt</a:t>
+            </a:r>
+          </a:p>
+          <a:p>
+            <a:endParaRPr lang="da-DK" dirty="0"/>
           </a:p>
         </p:txBody>
       </p:sp>
     </p:spTree>
     <p:extLst>
       <p:ext uri="{BB962C8B-B14F-4D97-AF65-F5344CB8AC3E}">
-        <p14:creationId xmlns:p14="http://schemas.microsoft.com/office/powerpoint/2010/main" val="4027690829"/>
+        <p14:creationId xmlns:p14="http://schemas.microsoft.com/office/powerpoint/2010/main" val="999421233"/>
+      </p:ext>
+    </p:extLst>
+  </p:cSld>
+  <p:clrMapOvr>
+    <a:masterClrMapping/>
+  </p:clrMapOvr>
+</p:sld>
+</file>
+
+<file path=ppt/slides/slide8.xml><?xml version="1.0" encoding="utf-8"?>
+<p:sld xmlns:a="http://schemas.openxmlformats.org/drawingml/2006/main" xmlns:r="http://schemas.openxmlformats.org/officeDocument/2006/relationships" xmlns:p="http://schemas.openxmlformats.org/presentationml/2006/main">
+  <p:cSld>
+    <p:spTree>
+      <p:nvGrpSpPr>
+        <p:cNvPr id="1" name=""/>
+        <p:cNvGrpSpPr/>
+        <p:nvPr/>
+      </p:nvGrpSpPr>
+      <p:grpSpPr>
+        <a:xfrm>
+          <a:off x="0" y="0"/>
+          <a:ext cx="0" cy="0"/>
+          <a:chOff x="0" y="0"/>
+          <a:chExt cx="0" cy="0"/>
+        </a:xfrm>
+      </p:grpSpPr>
+      <p:sp>
+        <p:nvSpPr>
+          <p:cNvPr id="2" name="Titel 1">
+            <a:extLst>
+              <a:ext uri="{FF2B5EF4-FFF2-40B4-BE49-F238E27FC236}">
+                <a16:creationId xmlns:a16="http://schemas.microsoft.com/office/drawing/2014/main" id="{0144FA41-7639-5CB5-9FCA-41B95901E250}"/>
+              </a:ext>
+            </a:extLst>
+          </p:cNvPr>
+          <p:cNvSpPr>
+            <a:spLocks noGrp="1"/>
+          </p:cNvSpPr>
+          <p:nvPr>
+            <p:ph type="title"/>
+          </p:nvPr>
+        </p:nvSpPr>
+        <p:spPr/>
+        <p:txBody>
+          <a:bodyPr/>
+          <a:lstStyle/>
+          <a:p>
+            <a:r>
+              <a:rPr lang="da-DK" dirty="0"/>
+              <a:t>Domain Driven Design - Aggregat</a:t>
+            </a:r>
+          </a:p>
+        </p:txBody>
+      </p:sp>
+      <p:sp>
+        <p:nvSpPr>
+          <p:cNvPr id="3" name="Pladsholder til indhold 2">
+            <a:extLst>
+              <a:ext uri="{FF2B5EF4-FFF2-40B4-BE49-F238E27FC236}">
+                <a16:creationId xmlns:a16="http://schemas.microsoft.com/office/drawing/2014/main" id="{55AE5268-ACD0-3AE3-BBE1-F098D71C0741}"/>
+              </a:ext>
+            </a:extLst>
+          </p:cNvPr>
+          <p:cNvSpPr>
+            <a:spLocks noGrp="1"/>
+          </p:cNvSpPr>
+          <p:nvPr>
+            <p:ph sz="half" idx="1"/>
+          </p:nvPr>
+        </p:nvSpPr>
+        <p:spPr/>
+        <p:txBody>
+          <a:bodyPr/>
+          <a:lstStyle/>
+          <a:p>
+            <a:r>
+              <a:rPr lang="da-DK" dirty="0"/>
+              <a:t>Samling af objekter </a:t>
+            </a:r>
+          </a:p>
+          <a:p>
+            <a:r>
+              <a:rPr lang="da-DK" dirty="0"/>
+              <a:t>Har en rod</a:t>
+            </a:r>
+          </a:p>
+          <a:p>
+            <a:r>
+              <a:rPr lang="da-DK" dirty="0"/>
+              <a:t>Andre aggregater og deres objekter kan kun refererer til rødderne</a:t>
+            </a:r>
+          </a:p>
+        </p:txBody>
+      </p:sp>
+      <p:sp>
+        <p:nvSpPr>
+          <p:cNvPr id="4" name="Pladsholder til indhold 3">
+            <a:extLst>
+              <a:ext uri="{FF2B5EF4-FFF2-40B4-BE49-F238E27FC236}">
+                <a16:creationId xmlns:a16="http://schemas.microsoft.com/office/drawing/2014/main" id="{6BA43CF8-57B3-4A0A-879C-0FD7745D1924}"/>
+              </a:ext>
+            </a:extLst>
+          </p:cNvPr>
+          <p:cNvSpPr>
+            <a:spLocks noGrp="1"/>
+          </p:cNvSpPr>
+          <p:nvPr>
+            <p:ph sz="half" idx="2"/>
+          </p:nvPr>
+        </p:nvSpPr>
+        <p:spPr/>
+        <p:txBody>
+          <a:bodyPr/>
+          <a:lstStyle/>
+          <a:p>
+            <a:r>
+              <a:rPr lang="da-DK" dirty="0" err="1">
+                <a:solidFill>
+                  <a:srgbClr val="000000"/>
+                </a:solidFill>
+                <a:latin typeface="Cascadia Mono" panose="020B0609020000020004" pitchFamily="49" charset="0"/>
+              </a:rPr>
+              <a:t>IAggregateRoot:Interface</a:t>
+            </a:r>
+            <a:endParaRPr lang="da-DK" dirty="0">
+              <a:solidFill>
+                <a:srgbClr val="000000"/>
+              </a:solidFill>
+              <a:latin typeface="Cascadia Mono" panose="020B0609020000020004" pitchFamily="49" charset="0"/>
+            </a:endParaRPr>
+          </a:p>
+          <a:p>
+            <a:r>
+              <a:rPr lang="da-DK" dirty="0" err="1">
+                <a:solidFill>
+                  <a:srgbClr val="000000"/>
+                </a:solidFill>
+                <a:latin typeface="Cascadia Mono" panose="020B0609020000020004" pitchFamily="49" charset="0"/>
+              </a:rPr>
+              <a:t>ReferenceId:Record</a:t>
+            </a:r>
+            <a:endParaRPr lang="da-DK" dirty="0">
+              <a:solidFill>
+                <a:srgbClr val="000000"/>
+              </a:solidFill>
+              <a:latin typeface="Cascadia Mono" panose="020B0609020000020004" pitchFamily="49" charset="0"/>
+            </a:endParaRPr>
+          </a:p>
+          <a:p>
+            <a:endParaRPr lang="da-DK" dirty="0"/>
+          </a:p>
+        </p:txBody>
+      </p:sp>
+    </p:spTree>
+    <p:extLst>
+      <p:ext uri="{BB962C8B-B14F-4D97-AF65-F5344CB8AC3E}">
+        <p14:creationId xmlns:p14="http://schemas.microsoft.com/office/powerpoint/2010/main" val="1920184944"/>
+      </p:ext>
+    </p:extLst>
+  </p:cSld>
+  <p:clrMapOvr>
+    <a:masterClrMapping/>
+  </p:clrMapOvr>
+</p:sld>
+</file>
+
+<file path=ppt/slides/slide9.xml><?xml version="1.0" encoding="utf-8"?>
+<p:sld xmlns:a="http://schemas.openxmlformats.org/drawingml/2006/main" xmlns:r="http://schemas.openxmlformats.org/officeDocument/2006/relationships" xmlns:p="http://schemas.openxmlformats.org/presentationml/2006/main">
+  <p:cSld>
+    <p:spTree>
+      <p:nvGrpSpPr>
+        <p:cNvPr id="1" name=""/>
+        <p:cNvGrpSpPr/>
+        <p:nvPr/>
+      </p:nvGrpSpPr>
+      <p:grpSpPr>
+        <a:xfrm>
+          <a:off x="0" y="0"/>
+          <a:ext cx="0" cy="0"/>
+          <a:chOff x="0" y="0"/>
+          <a:chExt cx="0" cy="0"/>
+        </a:xfrm>
+      </p:grpSpPr>
+      <p:sp>
+        <p:nvSpPr>
+          <p:cNvPr id="2" name="Titel 1">
+            <a:extLst>
+              <a:ext uri="{FF2B5EF4-FFF2-40B4-BE49-F238E27FC236}">
+                <a16:creationId xmlns:a16="http://schemas.microsoft.com/office/drawing/2014/main" id="{0144FA41-7639-5CB5-9FCA-41B95901E250}"/>
+              </a:ext>
+            </a:extLst>
+          </p:cNvPr>
+          <p:cNvSpPr>
+            <a:spLocks noGrp="1"/>
+          </p:cNvSpPr>
+          <p:nvPr>
+            <p:ph type="title"/>
+          </p:nvPr>
+        </p:nvSpPr>
+        <p:spPr/>
+        <p:txBody>
+          <a:bodyPr/>
+          <a:lstStyle/>
+          <a:p>
+            <a:r>
+              <a:rPr lang="da-DK" dirty="0"/>
+              <a:t>Domain Driven Design –   Value Objekt</a:t>
+            </a:r>
+          </a:p>
+        </p:txBody>
+      </p:sp>
+      <p:sp>
+        <p:nvSpPr>
+          <p:cNvPr id="3" name="Pladsholder til indhold 2">
+            <a:extLst>
+              <a:ext uri="{FF2B5EF4-FFF2-40B4-BE49-F238E27FC236}">
+                <a16:creationId xmlns:a16="http://schemas.microsoft.com/office/drawing/2014/main" id="{55AE5268-ACD0-3AE3-BBE1-F098D71C0741}"/>
+              </a:ext>
+            </a:extLst>
+          </p:cNvPr>
+          <p:cNvSpPr>
+            <a:spLocks noGrp="1"/>
+          </p:cNvSpPr>
+          <p:nvPr>
+            <p:ph sz="half" idx="1"/>
+          </p:nvPr>
+        </p:nvSpPr>
+        <p:spPr/>
+        <p:txBody>
+          <a:bodyPr/>
+          <a:lstStyle/>
+          <a:p>
+            <a:r>
+              <a:rPr lang="da-DK" dirty="0"/>
+              <a:t>Objekter uden referencer</a:t>
+            </a:r>
+          </a:p>
+          <a:p>
+            <a:r>
+              <a:rPr lang="da-DK" dirty="0"/>
+              <a:t>Kun værdierne er vigtige</a:t>
+            </a:r>
+          </a:p>
+        </p:txBody>
+      </p:sp>
+      <p:sp>
+        <p:nvSpPr>
+          <p:cNvPr id="4" name="Pladsholder til indhold 3">
+            <a:extLst>
+              <a:ext uri="{FF2B5EF4-FFF2-40B4-BE49-F238E27FC236}">
+                <a16:creationId xmlns:a16="http://schemas.microsoft.com/office/drawing/2014/main" id="{6BA43CF8-57B3-4A0A-879C-0FD7745D1924}"/>
+              </a:ext>
+            </a:extLst>
+          </p:cNvPr>
+          <p:cNvSpPr>
+            <a:spLocks noGrp="1"/>
+          </p:cNvSpPr>
+          <p:nvPr>
+            <p:ph sz="half" idx="2"/>
+          </p:nvPr>
+        </p:nvSpPr>
+        <p:spPr/>
+        <p:txBody>
+          <a:bodyPr>
+            <a:normAutofit/>
+          </a:bodyPr>
+          <a:lstStyle/>
+          <a:p>
+            <a:r>
+              <a:rPr lang="da-DK" dirty="0" err="1">
+                <a:solidFill>
+                  <a:srgbClr val="000000"/>
+                </a:solidFill>
+                <a:latin typeface="Cascadia Mono" panose="020B0609020000020004" pitchFamily="49" charset="0"/>
+              </a:rPr>
+              <a:t>ValueObject:Record</a:t>
+            </a:r>
+            <a:endParaRPr lang="da-DK" dirty="0"/>
+          </a:p>
+        </p:txBody>
+      </p:sp>
+    </p:spTree>
+    <p:extLst>
+      <p:ext uri="{BB962C8B-B14F-4D97-AF65-F5344CB8AC3E}">
+        <p14:creationId xmlns:p14="http://schemas.microsoft.com/office/powerpoint/2010/main" val="1840209252"/>
       </p:ext>
     </p:extLst>
   </p:cSld>
@@ -3901,6 +9592,276 @@
 </file>
 
 <file path=ppt/theme/theme1.xml><?xml version="1.0" encoding="utf-8"?>
+<a:theme xmlns:a="http://schemas.openxmlformats.org/drawingml/2006/main" name="Tågespor">
+  <a:themeElements>
+    <a:clrScheme name="Tågespor">
+      <a:dk1>
+        <a:sysClr val="windowText" lastClr="000000"/>
+      </a:dk1>
+      <a:lt1>
+        <a:sysClr val="window" lastClr="FFFFFF"/>
+      </a:lt1>
+      <a:dk2>
+        <a:srgbClr val="454545"/>
+      </a:dk2>
+      <a:lt2>
+        <a:srgbClr val="DADADA"/>
+      </a:lt2>
+      <a:accent1>
+        <a:srgbClr val="E5224E"/>
+      </a:accent1>
+      <a:accent2>
+        <a:srgbClr val="9D074E"/>
+      </a:accent2>
+      <a:accent3>
+        <a:srgbClr val="7F2294"/>
+      </a:accent3>
+      <a:accent4>
+        <a:srgbClr val="8D65EA"/>
+      </a:accent4>
+      <a:accent5>
+        <a:srgbClr val="588FE2"/>
+      </a:accent5>
+      <a:accent6>
+        <a:srgbClr val="127CA4"/>
+      </a:accent6>
+      <a:hlink>
+        <a:srgbClr val="FB4AB6"/>
+      </a:hlink>
+      <a:folHlink>
+        <a:srgbClr val="F98FE9"/>
+      </a:folHlink>
+    </a:clrScheme>
+    <a:fontScheme name="Times New Roman-Arial">
+      <a:majorFont>
+        <a:latin typeface="Times New Roman" panose="02020603050405020304"/>
+        <a:ea typeface=""/>
+        <a:cs typeface=""/>
+        <a:font script="Jpan" typeface="ＭＳ Ｐ明朝"/>
+        <a:font script="Hang" typeface="바탕"/>
+        <a:font script="Hans" typeface="宋体"/>
+        <a:font script="Hant" typeface="新細明體"/>
+        <a:font script="Arab" typeface="Times New Roman"/>
+        <a:font script="Hebr" typeface="Times New Roman"/>
+        <a:font script="Thai" typeface="Angsana New"/>
+        <a:font script="Ethi" typeface="Nyala"/>
+        <a:font script="Beng" typeface="Vrinda"/>
+        <a:font script="Gujr" typeface="Shruti"/>
+        <a:font script="Khmr" typeface="MoolBoran"/>
+        <a:font script="Knda" typeface="Tunga"/>
+        <a:font script="Guru" typeface="Raavi"/>
+        <a:font script="Cans" typeface="Euphemia"/>
+        <a:font script="Cher" typeface="Plantagenet Cherokee"/>
+        <a:font script="Yiii" typeface="Microsoft Yi Baiti"/>
+        <a:font script="Tibt" typeface="Microsoft Himalaya"/>
+        <a:font script="Thaa" typeface="MV Boli"/>
+        <a:font script="Deva" typeface="Mangal"/>
+        <a:font script="Telu" typeface="Gautami"/>
+        <a:font script="Taml" typeface="Latha"/>
+        <a:font script="Syrc" typeface="Estrangelo Edessa"/>
+        <a:font script="Orya" typeface="Kalinga"/>
+        <a:font script="Mlym" typeface="Kartika"/>
+        <a:font script="Laoo" typeface="DokChampa"/>
+        <a:font script="Sinh" typeface="Iskoola Pota"/>
+        <a:font script="Mong" typeface="Mongolian Baiti"/>
+        <a:font script="Viet" typeface="Times New Roman"/>
+        <a:font script="Uigh" typeface="Microsoft Uighur"/>
+        <a:font script="Geor" typeface="Sylfaen"/>
+      </a:majorFont>
+      <a:minorFont>
+        <a:latin typeface="Arial" panose="020B0604020202020204"/>
+        <a:ea typeface=""/>
+        <a:cs typeface=""/>
+        <a:font script="Jpan" typeface="ＭＳ Ｐゴシック"/>
+        <a:font script="Hang" typeface="돋움"/>
+        <a:font script="Hans" typeface="黑体"/>
+        <a:font script="Hant" typeface="微軟正黑體"/>
+        <a:font script="Arab" typeface="Arial"/>
+        <a:font script="Hebr" typeface="Arial"/>
+        <a:font script="Thai" typeface="Cordia New"/>
+        <a:font script="Ethi" typeface="Nyala"/>
+        <a:font script="Beng" typeface="Vrinda"/>
+        <a:font script="Gujr" typeface="Shruti"/>
+        <a:font script="Khmr" typeface="DaunPenh"/>
+        <a:font script="Knda" typeface="Tunga"/>
+        <a:font script="Guru" typeface="Raavi"/>
+        <a:font script="Cans" typeface="Euphemia"/>
+        <a:font script="Cher" typeface="Plantagenet Cherokee"/>
+        <a:font script="Yiii" typeface="Microsoft Yi Baiti"/>
+        <a:font script="Tibt" typeface="Microsoft Himalaya"/>
+        <a:font script="Thaa" typeface="MV Boli"/>
+        <a:font script="Deva" typeface="Mangal"/>
+        <a:font script="Telu" typeface="Gautami"/>
+        <a:font script="Taml" typeface="Latha"/>
+        <a:font script="Syrc" typeface="Estrangelo Edessa"/>
+        <a:font script="Orya" typeface="Kalinga"/>
+        <a:font script="Mlym" typeface="Kartika"/>
+        <a:font script="Laoo" typeface="DokChampa"/>
+        <a:font script="Sinh" typeface="Iskoola Pota"/>
+        <a:font script="Mong" typeface="Mongolian Baiti"/>
+        <a:font script="Viet" typeface="Arial"/>
+        <a:font script="Uigh" typeface="Microsoft Uighur"/>
+        <a:font script="Geor" typeface="Sylfaen"/>
+      </a:minorFont>
+    </a:fontScheme>
+    <a:fmtScheme name="Tågespor">
+      <a:fillStyleLst>
+        <a:solidFill>
+          <a:schemeClr val="phClr"/>
+        </a:solidFill>
+        <a:gradFill rotWithShape="1">
+          <a:gsLst>
+            <a:gs pos="0">
+              <a:schemeClr val="phClr">
+                <a:tint val="69000"/>
+                <a:alpha val="100000"/>
+                <a:satMod val="109000"/>
+                <a:lumMod val="110000"/>
+              </a:schemeClr>
+            </a:gs>
+            <a:gs pos="52000">
+              <a:schemeClr val="phClr">
+                <a:tint val="74000"/>
+                <a:satMod val="100000"/>
+                <a:lumMod val="104000"/>
+              </a:schemeClr>
+            </a:gs>
+            <a:gs pos="100000">
+              <a:schemeClr val="phClr">
+                <a:tint val="78000"/>
+                <a:satMod val="100000"/>
+                <a:lumMod val="100000"/>
+              </a:schemeClr>
+            </a:gs>
+          </a:gsLst>
+          <a:lin ang="5400000" scaled="0"/>
+        </a:gradFill>
+        <a:gradFill rotWithShape="1">
+          <a:gsLst>
+            <a:gs pos="0">
+              <a:schemeClr val="phClr">
+                <a:tint val="96000"/>
+                <a:satMod val="100000"/>
+                <a:lumMod val="104000"/>
+              </a:schemeClr>
+            </a:gs>
+            <a:gs pos="78000">
+              <a:schemeClr val="phClr">
+                <a:shade val="100000"/>
+                <a:satMod val="110000"/>
+                <a:lumMod val="100000"/>
+              </a:schemeClr>
+            </a:gs>
+          </a:gsLst>
+          <a:lin ang="5400000" scaled="0"/>
+        </a:gradFill>
+      </a:fillStyleLst>
+      <a:lnStyleLst>
+        <a:ln w="9525" cap="flat" cmpd="sng" algn="ctr">
+          <a:solidFill>
+            <a:schemeClr val="phClr"/>
+          </a:solidFill>
+          <a:prstDash val="solid"/>
+        </a:ln>
+        <a:ln w="12700" cap="flat" cmpd="sng" algn="ctr">
+          <a:solidFill>
+            <a:schemeClr val="phClr"/>
+          </a:solidFill>
+          <a:prstDash val="solid"/>
+        </a:ln>
+        <a:ln w="19050" cap="flat" cmpd="sng" algn="ctr">
+          <a:solidFill>
+            <a:schemeClr val="phClr"/>
+          </a:solidFill>
+          <a:prstDash val="solid"/>
+        </a:ln>
+      </a:lnStyleLst>
+      <a:effectStyleLst>
+        <a:effectStyle>
+          <a:effectLst/>
+        </a:effectStyle>
+        <a:effectStyle>
+          <a:effectLst/>
+          <a:scene3d>
+            <a:camera prst="orthographicFront">
+              <a:rot lat="0" lon="0" rev="0"/>
+            </a:camera>
+            <a:lightRig rig="threePt" dir="t"/>
+          </a:scene3d>
+          <a:sp3d>
+            <a:bevelT w="25400" h="12700"/>
+          </a:sp3d>
+        </a:effectStyle>
+        <a:effectStyle>
+          <a:effectLst>
+            <a:outerShdw blurRad="57150" dist="19050" dir="5400000" algn="ctr" rotWithShape="0">
+              <a:srgbClr val="000000">
+                <a:alpha val="48000"/>
+              </a:srgbClr>
+            </a:outerShdw>
+          </a:effectLst>
+          <a:scene3d>
+            <a:camera prst="orthographicFront">
+              <a:rot lat="0" lon="0" rev="0"/>
+            </a:camera>
+            <a:lightRig rig="threePt" dir="t"/>
+          </a:scene3d>
+          <a:sp3d>
+            <a:bevelT w="50800" h="25400"/>
+          </a:sp3d>
+        </a:effectStyle>
+      </a:effectStyleLst>
+      <a:bgFillStyleLst>
+        <a:solidFill>
+          <a:schemeClr val="phClr"/>
+        </a:solidFill>
+        <a:solidFill>
+          <a:schemeClr val="phClr">
+            <a:tint val="95000"/>
+            <a:satMod val="170000"/>
+          </a:schemeClr>
+        </a:solidFill>
+        <a:gradFill rotWithShape="1">
+          <a:gsLst>
+            <a:gs pos="0">
+              <a:schemeClr val="phClr">
+                <a:tint val="93000"/>
+                <a:shade val="98000"/>
+                <a:satMod val="150000"/>
+                <a:lumMod val="102000"/>
+              </a:schemeClr>
+            </a:gs>
+            <a:gs pos="50000">
+              <a:schemeClr val="phClr">
+                <a:tint val="98000"/>
+                <a:shade val="90000"/>
+                <a:satMod val="130000"/>
+                <a:lumMod val="103000"/>
+              </a:schemeClr>
+            </a:gs>
+            <a:gs pos="100000">
+              <a:schemeClr val="phClr">
+                <a:shade val="63000"/>
+                <a:satMod val="120000"/>
+              </a:schemeClr>
+            </a:gs>
+          </a:gsLst>
+          <a:lin ang="5400000" scaled="0"/>
+        </a:gradFill>
+      </a:bgFillStyleLst>
+    </a:fmtScheme>
+  </a:themeElements>
+  <a:objectDefaults/>
+  <a:extraClrSchemeLst/>
+  <a:extLst>
+    <a:ext uri="{05A4C25C-085E-4340-85A3-A5531E510DB2}">
+      <thm15:themeFamily xmlns:thm15="http://schemas.microsoft.com/office/thememl/2012/main" name="Vapor Trail" id="{4FDF2955-7D9C-493C-B9F9-C205151B46CD}" vid="{6DB8EB18-3657-4051-A897-2ED38832359E}"/>
+    </a:ext>
+  </a:extLst>
+</a:theme>
+</file>
+
+<file path=ppt/theme/theme2.xml><?xml version="1.0" encoding="utf-8"?>
 <a:theme xmlns:a="http://schemas.openxmlformats.org/drawingml/2006/main" name="Office-tema">
   <a:themeElements>
     <a:clrScheme name="Office">

--- a/presentation.pptx
+++ b/presentation.pptx
@@ -5,31 +5,41 @@
     <p:sldMasterId id="2147483768" r:id="rId1"/>
   </p:sldMasterIdLst>
   <p:notesMasterIdLst>
-    <p:notesMasterId r:id="rId24"/>
+    <p:notesMasterId r:id="rId34"/>
   </p:notesMasterIdLst>
   <p:sldIdLst>
     <p:sldId id="256" r:id="rId2"/>
     <p:sldId id="257" r:id="rId3"/>
     <p:sldId id="258" r:id="rId4"/>
-    <p:sldId id="259" r:id="rId5"/>
-    <p:sldId id="260" r:id="rId6"/>
-    <p:sldId id="273" r:id="rId7"/>
-    <p:sldId id="263" r:id="rId8"/>
-    <p:sldId id="278" r:id="rId9"/>
-    <p:sldId id="280" r:id="rId10"/>
-    <p:sldId id="279" r:id="rId11"/>
-    <p:sldId id="276" r:id="rId12"/>
-    <p:sldId id="274" r:id="rId13"/>
-    <p:sldId id="275" r:id="rId14"/>
-    <p:sldId id="277" r:id="rId15"/>
-    <p:sldId id="262" r:id="rId16"/>
-    <p:sldId id="268" r:id="rId17"/>
-    <p:sldId id="270" r:id="rId18"/>
-    <p:sldId id="267" r:id="rId19"/>
-    <p:sldId id="269" r:id="rId20"/>
-    <p:sldId id="271" r:id="rId21"/>
-    <p:sldId id="272" r:id="rId22"/>
-    <p:sldId id="281" r:id="rId23"/>
+    <p:sldId id="287" r:id="rId5"/>
+    <p:sldId id="283" r:id="rId6"/>
+    <p:sldId id="259" r:id="rId7"/>
+    <p:sldId id="284" r:id="rId8"/>
+    <p:sldId id="285" r:id="rId9"/>
+    <p:sldId id="286" r:id="rId10"/>
+    <p:sldId id="260" r:id="rId11"/>
+    <p:sldId id="273" r:id="rId12"/>
+    <p:sldId id="263" r:id="rId13"/>
+    <p:sldId id="278" r:id="rId14"/>
+    <p:sldId id="280" r:id="rId15"/>
+    <p:sldId id="279" r:id="rId16"/>
+    <p:sldId id="288" r:id="rId17"/>
+    <p:sldId id="290" r:id="rId18"/>
+    <p:sldId id="291" r:id="rId19"/>
+    <p:sldId id="289" r:id="rId20"/>
+    <p:sldId id="276" r:id="rId21"/>
+    <p:sldId id="274" r:id="rId22"/>
+    <p:sldId id="282" r:id="rId23"/>
+    <p:sldId id="277" r:id="rId24"/>
+    <p:sldId id="262" r:id="rId25"/>
+    <p:sldId id="268" r:id="rId26"/>
+    <p:sldId id="292" r:id="rId27"/>
+    <p:sldId id="270" r:id="rId28"/>
+    <p:sldId id="267" r:id="rId29"/>
+    <p:sldId id="269" r:id="rId30"/>
+    <p:sldId id="271" r:id="rId31"/>
+    <p:sldId id="272" r:id="rId32"/>
+    <p:sldId id="281" r:id="rId33"/>
   </p:sldIdLst>
   <p:sldSz cx="12192000" cy="6858000"/>
   <p:notesSz cx="6858000" cy="9144000"/>
@@ -218,7 +228,7 @@
           <a:p>
             <a:fld id="{8F5AC0EE-C0EF-4DBE-8184-146DED29BF67}" type="datetimeFigureOut">
               <a:rPr lang="da-DK" smtClean="0"/>
-              <a:t>06-05-2024</a:t>
+              <a:t>07-05-2024</a:t>
             </a:fld>
             <a:endParaRPr lang="da-DK"/>
           </a:p>
@@ -531,13 +541,21 @@
           <a:p>
             <a:r>
               <a:rPr lang="da-DK" dirty="0"/>
-              <a:t>Kun en enkel aggregatrod skulle påvirkes af gangen.</a:t>
-            </a:r>
-          </a:p>
-          <a:p>
-            <a:r>
-              <a:rPr lang="da-DK" dirty="0"/>
-              <a:t>Overholdes ikke helt dette i produktet, da det ville kræve event og håndtering af disse</a:t>
+              <a:t>https://martinfowler.com/microservices/</a:t>
+            </a:r>
+          </a:p>
+          <a:p>
+            <a:r>
+              <a:rPr lang="da-DK" dirty="0"/>
+              <a:t>Hver boks er sin egen </a:t>
+            </a:r>
+            <a:r>
+              <a:rPr lang="da-DK" dirty="0" err="1"/>
+              <a:t>microservice</a:t>
+            </a:r>
+            <a:r>
+              <a:rPr lang="da-DK" dirty="0"/>
+              <a:t> i princippet</a:t>
             </a:r>
           </a:p>
         </p:txBody>
@@ -559,7 +577,7 @@
           <a:p>
             <a:fld id="{252E21F2-0B82-4ACE-A045-2AAC56859006}" type="slidenum">
               <a:rPr lang="da-DK" smtClean="0"/>
-              <a:t>8</a:t>
+              <a:t>6</a:t>
             </a:fld>
             <a:endParaRPr lang="da-DK"/>
           </a:p>
@@ -568,7 +586,7 @@
     </p:spTree>
     <p:extLst>
       <p:ext uri="{BB962C8B-B14F-4D97-AF65-F5344CB8AC3E}">
-        <p14:creationId xmlns:p14="http://schemas.microsoft.com/office/powerpoint/2010/main" val="815936762"/>
+        <p14:creationId xmlns:p14="http://schemas.microsoft.com/office/powerpoint/2010/main" val="669242770"/>
       </p:ext>
     </p:extLst>
   </p:cSld>
@@ -624,13 +642,25 @@
           <a:p>
             <a:r>
               <a:rPr lang="da-DK" dirty="0"/>
-              <a:t>Begge kræver at de kender hinanden.</a:t>
-            </a:r>
-          </a:p>
-          <a:p>
-            <a:r>
-              <a:rPr lang="da-DK" dirty="0"/>
-              <a:t>A kunne sende en url’en til en REST API med over</a:t>
+              <a:t>Nævn at broker nu kan være controllers, men før var det zookeeper</a:t>
+            </a:r>
+          </a:p>
+          <a:p>
+            <a:r>
+              <a:rPr lang="da-DK" dirty="0" err="1"/>
+              <a:t>ZooKeeper</a:t>
+            </a:r>
+            <a:r>
+              <a:rPr lang="da-DK" dirty="0"/>
+              <a:t> udskiftet med Kraft, en </a:t>
+            </a:r>
+            <a:r>
+              <a:rPr lang="da-DK" dirty="0" err="1"/>
+              <a:t>kafka</a:t>
+            </a:r>
+            <a:r>
+              <a:rPr lang="da-DK" dirty="0"/>
+              <a:t> server som enten er en controller, broker eller begge</a:t>
             </a:r>
           </a:p>
         </p:txBody>
@@ -652,7 +682,469 @@
           <a:p>
             <a:fld id="{252E21F2-0B82-4ACE-A045-2AAC56859006}" type="slidenum">
               <a:rPr lang="da-DK" smtClean="0"/>
-              <a:t>21</a:t>
+              <a:t>27</a:t>
+            </a:fld>
+            <a:endParaRPr lang="da-DK"/>
+          </a:p>
+        </p:txBody>
+      </p:sp>
+    </p:spTree>
+    <p:extLst>
+      <p:ext uri="{BB962C8B-B14F-4D97-AF65-F5344CB8AC3E}">
+        <p14:creationId xmlns:p14="http://schemas.microsoft.com/office/powerpoint/2010/main" val="3998614641"/>
+      </p:ext>
+    </p:extLst>
+  </p:cSld>
+  <p:clrMapOvr>
+    <a:masterClrMapping/>
+  </p:clrMapOvr>
+</p:notes>
+</file>
+
+<file path=ppt/notesSlides/notesSlide11.xml><?xml version="1.0" encoding="utf-8"?>
+<p:notes xmlns:a="http://schemas.openxmlformats.org/drawingml/2006/main" xmlns:r="http://schemas.openxmlformats.org/officeDocument/2006/relationships" xmlns:p="http://schemas.openxmlformats.org/presentationml/2006/main">
+  <p:cSld>
+    <p:spTree>
+      <p:nvGrpSpPr>
+        <p:cNvPr id="1" name=""/>
+        <p:cNvGrpSpPr/>
+        <p:nvPr/>
+      </p:nvGrpSpPr>
+      <p:grpSpPr>
+        <a:xfrm>
+          <a:off x="0" y="0"/>
+          <a:ext cx="0" cy="0"/>
+          <a:chOff x="0" y="0"/>
+          <a:chExt cx="0" cy="0"/>
+        </a:xfrm>
+      </p:grpSpPr>
+      <p:sp>
+        <p:nvSpPr>
+          <p:cNvPr id="2" name="Pladsholder til slidebillede 1"/>
+          <p:cNvSpPr>
+            <a:spLocks noGrp="1" noRot="1" noChangeAspect="1"/>
+          </p:cNvSpPr>
+          <p:nvPr>
+            <p:ph type="sldImg"/>
+          </p:nvPr>
+        </p:nvSpPr>
+        <p:spPr/>
+      </p:sp>
+      <p:sp>
+        <p:nvSpPr>
+          <p:cNvPr id="3" name="Pladsholder til noter 2"/>
+          <p:cNvSpPr>
+            <a:spLocks noGrp="1"/>
+          </p:cNvSpPr>
+          <p:nvPr>
+            <p:ph type="body" idx="1"/>
+          </p:nvPr>
+        </p:nvSpPr>
+        <p:spPr/>
+        <p:txBody>
+          <a:bodyPr/>
+          <a:lstStyle/>
+          <a:p>
+            <a:r>
+              <a:rPr lang="da-DK" dirty="0" err="1"/>
+              <a:t>Confluent</a:t>
+            </a:r>
+            <a:r>
+              <a:rPr lang="da-DK" dirty="0"/>
+              <a:t> Kafka</a:t>
+            </a:r>
+          </a:p>
+          <a:p>
+            <a:r>
+              <a:rPr lang="da-DK" dirty="0"/>
+              <a:t>Kunne havde brugt </a:t>
+            </a:r>
+            <a:r>
+              <a:rPr lang="da-DK" dirty="0" err="1"/>
+              <a:t>KNet</a:t>
+            </a:r>
+            <a:endParaRPr lang="da-DK" dirty="0"/>
+          </a:p>
+        </p:txBody>
+      </p:sp>
+      <p:sp>
+        <p:nvSpPr>
+          <p:cNvPr id="4" name="Pladsholder til slidenummer 3"/>
+          <p:cNvSpPr>
+            <a:spLocks noGrp="1"/>
+          </p:cNvSpPr>
+          <p:nvPr>
+            <p:ph type="sldNum" sz="quarter" idx="5"/>
+          </p:nvPr>
+        </p:nvSpPr>
+        <p:spPr/>
+        <p:txBody>
+          <a:bodyPr/>
+          <a:lstStyle/>
+          <a:p>
+            <a:fld id="{252E21F2-0B82-4ACE-A045-2AAC56859006}" type="slidenum">
+              <a:rPr lang="da-DK" smtClean="0"/>
+              <a:t>28</a:t>
+            </a:fld>
+            <a:endParaRPr lang="da-DK"/>
+          </a:p>
+        </p:txBody>
+      </p:sp>
+    </p:spTree>
+    <p:extLst>
+      <p:ext uri="{BB962C8B-B14F-4D97-AF65-F5344CB8AC3E}">
+        <p14:creationId xmlns:p14="http://schemas.microsoft.com/office/powerpoint/2010/main" val="3004894068"/>
+      </p:ext>
+    </p:extLst>
+  </p:cSld>
+  <p:clrMapOvr>
+    <a:masterClrMapping/>
+  </p:clrMapOvr>
+</p:notes>
+</file>
+
+<file path=ppt/notesSlides/notesSlide12.xml><?xml version="1.0" encoding="utf-8"?>
+<p:notes xmlns:a="http://schemas.openxmlformats.org/drawingml/2006/main" xmlns:r="http://schemas.openxmlformats.org/officeDocument/2006/relationships" xmlns:p="http://schemas.openxmlformats.org/presentationml/2006/main">
+  <p:cSld>
+    <p:spTree>
+      <p:nvGrpSpPr>
+        <p:cNvPr id="1" name=""/>
+        <p:cNvGrpSpPr/>
+        <p:nvPr/>
+      </p:nvGrpSpPr>
+      <p:grpSpPr>
+        <a:xfrm>
+          <a:off x="0" y="0"/>
+          <a:ext cx="0" cy="0"/>
+          <a:chOff x="0" y="0"/>
+          <a:chExt cx="0" cy="0"/>
+        </a:xfrm>
+      </p:grpSpPr>
+      <p:sp>
+        <p:nvSpPr>
+          <p:cNvPr id="2" name="Pladsholder til slidebillede 1"/>
+          <p:cNvSpPr>
+            <a:spLocks noGrp="1" noRot="1" noChangeAspect="1"/>
+          </p:cNvSpPr>
+          <p:nvPr>
+            <p:ph type="sldImg"/>
+          </p:nvPr>
+        </p:nvSpPr>
+        <p:spPr/>
+      </p:sp>
+      <p:sp>
+        <p:nvSpPr>
+          <p:cNvPr id="3" name="Pladsholder til noter 2"/>
+          <p:cNvSpPr>
+            <a:spLocks noGrp="1"/>
+          </p:cNvSpPr>
+          <p:nvPr>
+            <p:ph type="body" idx="1"/>
+          </p:nvPr>
+        </p:nvSpPr>
+        <p:spPr/>
+        <p:txBody>
+          <a:bodyPr/>
+          <a:lstStyle/>
+          <a:p>
+            <a:r>
+              <a:rPr lang="da-DK" dirty="0"/>
+              <a:t>Remote Procedure </a:t>
+            </a:r>
+            <a:r>
+              <a:rPr lang="da-DK" dirty="0" err="1"/>
+              <a:t>Cal</a:t>
+            </a:r>
+            <a:endParaRPr lang="da-DK" dirty="0"/>
+          </a:p>
+          <a:p>
+            <a:r>
+              <a:rPr lang="da-DK" dirty="0"/>
+              <a:t>Nævn at </a:t>
+            </a:r>
+            <a:r>
+              <a:rPr lang="da-DK" dirty="0" err="1"/>
+              <a:t>kafka</a:t>
+            </a:r>
+            <a:r>
+              <a:rPr lang="da-DK" dirty="0"/>
+              <a:t> ikke understøtter </a:t>
+            </a:r>
+            <a:r>
+              <a:rPr lang="da-DK" dirty="0" err="1"/>
+              <a:t>request-response</a:t>
+            </a:r>
+            <a:endParaRPr lang="da-DK" dirty="0"/>
+          </a:p>
+          <a:p>
+            <a:r>
+              <a:rPr lang="da-DK" dirty="0"/>
+              <a:t>https://kafka.apache.org/documentation/#intro_nutshell nævner Kafka som en alternativ til </a:t>
+            </a:r>
+            <a:r>
+              <a:rPr lang="da-DK" dirty="0" err="1"/>
+              <a:t>RabbitMQ</a:t>
+            </a:r>
+            <a:r>
+              <a:rPr lang="da-DK" dirty="0"/>
+              <a:t> </a:t>
+            </a:r>
+          </a:p>
+        </p:txBody>
+      </p:sp>
+      <p:sp>
+        <p:nvSpPr>
+          <p:cNvPr id="4" name="Pladsholder til slidenummer 3"/>
+          <p:cNvSpPr>
+            <a:spLocks noGrp="1"/>
+          </p:cNvSpPr>
+          <p:nvPr>
+            <p:ph type="sldNum" sz="quarter" idx="5"/>
+          </p:nvPr>
+        </p:nvSpPr>
+        <p:spPr/>
+        <p:txBody>
+          <a:bodyPr/>
+          <a:lstStyle/>
+          <a:p>
+            <a:fld id="{252E21F2-0B82-4ACE-A045-2AAC56859006}" type="slidenum">
+              <a:rPr lang="da-DK" smtClean="0"/>
+              <a:t>29</a:t>
+            </a:fld>
+            <a:endParaRPr lang="da-DK"/>
+          </a:p>
+        </p:txBody>
+      </p:sp>
+    </p:spTree>
+    <p:extLst>
+      <p:ext uri="{BB962C8B-B14F-4D97-AF65-F5344CB8AC3E}">
+        <p14:creationId xmlns:p14="http://schemas.microsoft.com/office/powerpoint/2010/main" val="1108710331"/>
+      </p:ext>
+    </p:extLst>
+  </p:cSld>
+  <p:clrMapOvr>
+    <a:masterClrMapping/>
+  </p:clrMapOvr>
+</p:notes>
+</file>
+
+<file path=ppt/notesSlides/notesSlide13.xml><?xml version="1.0" encoding="utf-8"?>
+<p:notes xmlns:a="http://schemas.openxmlformats.org/drawingml/2006/main" xmlns:r="http://schemas.openxmlformats.org/officeDocument/2006/relationships" xmlns:p="http://schemas.openxmlformats.org/presentationml/2006/main">
+  <p:cSld>
+    <p:spTree>
+      <p:nvGrpSpPr>
+        <p:cNvPr id="1" name=""/>
+        <p:cNvGrpSpPr/>
+        <p:nvPr/>
+      </p:nvGrpSpPr>
+      <p:grpSpPr>
+        <a:xfrm>
+          <a:off x="0" y="0"/>
+          <a:ext cx="0" cy="0"/>
+          <a:chOff x="0" y="0"/>
+          <a:chExt cx="0" cy="0"/>
+        </a:xfrm>
+      </p:grpSpPr>
+      <p:sp>
+        <p:nvSpPr>
+          <p:cNvPr id="2" name="Pladsholder til slidebillede 1"/>
+          <p:cNvSpPr>
+            <a:spLocks noGrp="1" noRot="1" noChangeAspect="1"/>
+          </p:cNvSpPr>
+          <p:nvPr>
+            <p:ph type="sldImg"/>
+          </p:nvPr>
+        </p:nvSpPr>
+        <p:spPr/>
+      </p:sp>
+      <p:sp>
+        <p:nvSpPr>
+          <p:cNvPr id="3" name="Pladsholder til noter 2"/>
+          <p:cNvSpPr>
+            <a:spLocks noGrp="1"/>
+          </p:cNvSpPr>
+          <p:nvPr>
+            <p:ph type="body" idx="1"/>
+          </p:nvPr>
+        </p:nvSpPr>
+        <p:spPr/>
+        <p:txBody>
+          <a:bodyPr/>
+          <a:lstStyle/>
+          <a:p>
+            <a:r>
+              <a:rPr lang="da-DK" dirty="0"/>
+              <a:t>Nævn at for </a:t>
+            </a:r>
+            <a:r>
+              <a:rPr lang="da-DK" dirty="0" err="1"/>
+              <a:t>RabbitMQ</a:t>
+            </a:r>
+            <a:r>
+              <a:rPr lang="da-DK" dirty="0"/>
+              <a:t> er der intet der tvinger en </a:t>
+            </a:r>
+            <a:r>
+              <a:rPr lang="da-DK" dirty="0" err="1"/>
+              <a:t>consumer</a:t>
+            </a:r>
+            <a:r>
+              <a:rPr lang="da-DK" dirty="0"/>
+              <a:t> at svare på en RPC</a:t>
+            </a:r>
+          </a:p>
+          <a:p>
+            <a:r>
+              <a:rPr lang="da-DK" dirty="0"/>
+              <a:t>Kafka er nok bedre for Event Collaboration/</a:t>
+            </a:r>
+            <a:r>
+              <a:rPr lang="da-DK" dirty="0" err="1"/>
+              <a:t>Sourcing</a:t>
+            </a:r>
+            <a:endParaRPr lang="da-DK" dirty="0"/>
+          </a:p>
+          <a:p>
+            <a:r>
+              <a:rPr lang="da-DK" dirty="0"/>
+              <a:t>https://martinfowler.com/eaaDev/EventCollaboration.html</a:t>
+            </a:r>
+          </a:p>
+        </p:txBody>
+      </p:sp>
+      <p:sp>
+        <p:nvSpPr>
+          <p:cNvPr id="4" name="Pladsholder til slidenummer 3"/>
+          <p:cNvSpPr>
+            <a:spLocks noGrp="1"/>
+          </p:cNvSpPr>
+          <p:nvPr>
+            <p:ph type="sldNum" sz="quarter" idx="5"/>
+          </p:nvPr>
+        </p:nvSpPr>
+        <p:spPr/>
+        <p:txBody>
+          <a:bodyPr/>
+          <a:lstStyle/>
+          <a:p>
+            <a:fld id="{252E21F2-0B82-4ACE-A045-2AAC56859006}" type="slidenum">
+              <a:rPr lang="da-DK" smtClean="0"/>
+              <a:t>30</a:t>
+            </a:fld>
+            <a:endParaRPr lang="da-DK"/>
+          </a:p>
+        </p:txBody>
+      </p:sp>
+    </p:spTree>
+    <p:extLst>
+      <p:ext uri="{BB962C8B-B14F-4D97-AF65-F5344CB8AC3E}">
+        <p14:creationId xmlns:p14="http://schemas.microsoft.com/office/powerpoint/2010/main" val="282527506"/>
+      </p:ext>
+    </p:extLst>
+  </p:cSld>
+  <p:clrMapOvr>
+    <a:masterClrMapping/>
+  </p:clrMapOvr>
+</p:notes>
+</file>
+
+<file path=ppt/notesSlides/notesSlide14.xml><?xml version="1.0" encoding="utf-8"?>
+<p:notes xmlns:a="http://schemas.openxmlformats.org/drawingml/2006/main" xmlns:r="http://schemas.openxmlformats.org/officeDocument/2006/relationships" xmlns:p="http://schemas.openxmlformats.org/presentationml/2006/main">
+  <p:cSld>
+    <p:spTree>
+      <p:nvGrpSpPr>
+        <p:cNvPr id="1" name=""/>
+        <p:cNvGrpSpPr/>
+        <p:nvPr/>
+      </p:nvGrpSpPr>
+      <p:grpSpPr>
+        <a:xfrm>
+          <a:off x="0" y="0"/>
+          <a:ext cx="0" cy="0"/>
+          <a:chOff x="0" y="0"/>
+          <a:chExt cx="0" cy="0"/>
+        </a:xfrm>
+      </p:grpSpPr>
+      <p:sp>
+        <p:nvSpPr>
+          <p:cNvPr id="2" name="Pladsholder til slidebillede 1"/>
+          <p:cNvSpPr>
+            <a:spLocks noGrp="1" noRot="1" noChangeAspect="1"/>
+          </p:cNvSpPr>
+          <p:nvPr>
+            <p:ph type="sldImg"/>
+          </p:nvPr>
+        </p:nvSpPr>
+        <p:spPr/>
+      </p:sp>
+      <p:sp>
+        <p:nvSpPr>
+          <p:cNvPr id="3" name="Pladsholder til noter 2"/>
+          <p:cNvSpPr>
+            <a:spLocks noGrp="1"/>
+          </p:cNvSpPr>
+          <p:nvPr>
+            <p:ph type="body" idx="1"/>
+          </p:nvPr>
+        </p:nvSpPr>
+        <p:spPr/>
+        <p:txBody>
+          <a:bodyPr/>
+          <a:lstStyle/>
+          <a:p>
+            <a:r>
+              <a:rPr lang="da-DK" dirty="0"/>
+              <a:t>Begge kræver at de kender hinanden.</a:t>
+            </a:r>
+          </a:p>
+          <a:p>
+            <a:r>
+              <a:rPr lang="da-DK" dirty="0"/>
+              <a:t>A kunne sende en url’en til en REST API med over</a:t>
+            </a:r>
+          </a:p>
+          <a:p>
+            <a:r>
+              <a:rPr lang="da-DK" dirty="0"/>
+              <a:t>Kafka er nok bedre hvis </a:t>
+            </a:r>
+            <a:r>
+              <a:rPr lang="da-DK" dirty="0" err="1"/>
+              <a:t>producer’en</a:t>
+            </a:r>
+            <a:r>
+              <a:rPr lang="da-DK" dirty="0"/>
+              <a:t> ikke skal reagere på </a:t>
+            </a:r>
+            <a:r>
+              <a:rPr lang="da-DK" dirty="0" err="1"/>
+              <a:t>consumer</a:t>
+            </a:r>
+            <a:r>
+              <a:rPr lang="da-DK" dirty="0"/>
+              <a:t> </a:t>
+            </a:r>
+          </a:p>
+        </p:txBody>
+      </p:sp>
+      <p:sp>
+        <p:nvSpPr>
+          <p:cNvPr id="4" name="Pladsholder til slidenummer 3"/>
+          <p:cNvSpPr>
+            <a:spLocks noGrp="1"/>
+          </p:cNvSpPr>
+          <p:nvPr>
+            <p:ph type="sldNum" sz="quarter" idx="5"/>
+          </p:nvPr>
+        </p:nvSpPr>
+        <p:spPr/>
+        <p:txBody>
+          <a:bodyPr/>
+          <a:lstStyle/>
+          <a:p>
+            <a:fld id="{252E21F2-0B82-4ACE-A045-2AAC56859006}" type="slidenum">
+              <a:rPr lang="da-DK" smtClean="0"/>
+              <a:t>31</a:t>
             </a:fld>
             <a:endParaRPr lang="da-DK"/>
           </a:p>
@@ -716,14 +1208,56 @@
           <a:lstStyle/>
           <a:p>
             <a:r>
-              <a:rPr lang="da-DK" dirty="0"/>
-              <a:t>https://martinfowler.com/bliki/UbiquitousLanguage.html</a:t>
-            </a:r>
-          </a:p>
-          <a:p>
-            <a:r>
-              <a:rPr lang="da-DK" dirty="0"/>
-              <a:t>https://martinfowler.com/bliki/BoundedContext.html</a:t>
+              <a:rPr lang="da-DK" dirty="0" err="1"/>
+              <a:t>Onion</a:t>
+            </a:r>
+            <a:r>
+              <a:rPr lang="da-DK" dirty="0"/>
+              <a:t> Arkitektur</a:t>
+            </a:r>
+          </a:p>
+          <a:p>
+            <a:r>
+              <a:rPr lang="da-DK" dirty="0"/>
+              <a:t>Diagram</a:t>
+            </a:r>
+          </a:p>
+          <a:p>
+            <a:r>
+              <a:rPr lang="da-DK" dirty="0"/>
+              <a:t>Domain </a:t>
+            </a:r>
+            <a:r>
+              <a:rPr lang="da-DK" dirty="0" err="1"/>
+              <a:t>Serice</a:t>
+            </a:r>
+            <a:r>
+              <a:rPr lang="da-DK" dirty="0"/>
+              <a:t> </a:t>
+            </a:r>
+            <a:r>
+              <a:rPr lang="da-DK" dirty="0" err="1"/>
+              <a:t>Layer</a:t>
+            </a:r>
+            <a:r>
+              <a:rPr lang="da-DK" dirty="0"/>
+              <a:t> had domæne logik, </a:t>
+            </a:r>
+            <a:r>
+              <a:rPr lang="da-DK" dirty="0" err="1"/>
+              <a:t>application</a:t>
+            </a:r>
+            <a:r>
+              <a:rPr lang="da-DK" dirty="0"/>
+              <a:t> service </a:t>
+            </a:r>
+            <a:r>
+              <a:rPr lang="da-DK" dirty="0" err="1"/>
+              <a:t>layer</a:t>
+            </a:r>
+            <a:r>
+              <a:rPr lang="da-DK" dirty="0"/>
+              <a:t> har ikke</a:t>
             </a:r>
           </a:p>
         </p:txBody>
@@ -745,7 +1279,7 @@
           <a:p>
             <a:fld id="{252E21F2-0B82-4ACE-A045-2AAC56859006}" type="slidenum">
               <a:rPr lang="da-DK" smtClean="0"/>
-              <a:t>10</a:t>
+              <a:t>7</a:t>
             </a:fld>
             <a:endParaRPr lang="da-DK"/>
           </a:p>
@@ -754,7 +1288,7 @@
     </p:spTree>
     <p:extLst>
       <p:ext uri="{BB962C8B-B14F-4D97-AF65-F5344CB8AC3E}">
-        <p14:creationId xmlns:p14="http://schemas.microsoft.com/office/powerpoint/2010/main" val="2568857346"/>
+        <p14:creationId xmlns:p14="http://schemas.microsoft.com/office/powerpoint/2010/main" val="1916579596"/>
       </p:ext>
     </p:extLst>
   </p:cSld>
@@ -808,14 +1342,40 @@
           <a:bodyPr/>
           <a:lstStyle/>
           <a:p>
+            <a:endParaRPr lang="da-DK" dirty="0"/>
+          </a:p>
+          <a:p>
+            <a:endParaRPr lang="da-DK" dirty="0"/>
+          </a:p>
+          <a:p>
+            <a:r>
+              <a:rPr lang="da-DK" dirty="0"/>
+              <a:t>Aggregater </a:t>
+            </a:r>
+          </a:p>
+          <a:p>
             <a:r>
               <a:rPr lang="da-DK" dirty="0" err="1"/>
-              <a:t>RabbitMQ</a:t>
-            </a:r>
-            <a:r>
-              <a:rPr lang="da-DK" dirty="0"/>
-              <a:t> kan nævnes under Kafka</a:t>
-            </a:r>
+              <a:t>Bounded</a:t>
+            </a:r>
+            <a:r>
+              <a:rPr lang="da-DK" dirty="0"/>
+              <a:t> </a:t>
+            </a:r>
+            <a:r>
+              <a:rPr lang="da-DK" dirty="0" err="1"/>
+              <a:t>Context</a:t>
+            </a:r>
+            <a:endParaRPr lang="da-DK" dirty="0"/>
+          </a:p>
+          <a:p>
+            <a:r>
+              <a:rPr lang="da-DK" dirty="0"/>
+              <a:t>Value Objekt</a:t>
+            </a:r>
+          </a:p>
+          <a:p>
+            <a:endParaRPr lang="da-DK" dirty="0"/>
           </a:p>
         </p:txBody>
       </p:sp>
@@ -845,7 +1405,7 @@
     </p:spTree>
     <p:extLst>
       <p:ext uri="{BB962C8B-B14F-4D97-AF65-F5344CB8AC3E}">
-        <p14:creationId xmlns:p14="http://schemas.microsoft.com/office/powerpoint/2010/main" val="2294237520"/>
+        <p14:creationId xmlns:p14="http://schemas.microsoft.com/office/powerpoint/2010/main" val="2824294709"/>
       </p:ext>
     </p:extLst>
   </p:cSld>
@@ -900,13 +1460,58 @@
           <a:lstStyle/>
           <a:p>
             <a:r>
+              <a:rPr lang="da-DK" dirty="0"/>
+              <a:t>Kun en enkel aggregatrod skulle påvirkes af gangen.</a:t>
+            </a:r>
+          </a:p>
+          <a:p>
+            <a:r>
+              <a:rPr lang="da-DK" dirty="0"/>
+              <a:t>Overholdes ikke helt dette i produktet, da det ville kræve event og håndtering af disse</a:t>
+            </a:r>
+          </a:p>
+          <a:p>
+            <a:r>
+              <a:rPr lang="da-DK" dirty="0"/>
+              <a:t>Søgning: F.eks. </a:t>
+            </a:r>
+            <a:r>
               <a:rPr lang="da-DK" dirty="0" err="1"/>
-              <a:t>RabbitMQ</a:t>
-            </a:r>
-            <a:r>
-              <a:rPr lang="da-DK" dirty="0"/>
-              <a:t> kan nævnes under Kafka</a:t>
-            </a:r>
+              <a:t>MenuPart</a:t>
+            </a:r>
+            <a:r>
+              <a:rPr lang="da-DK" dirty="0"/>
+              <a:t> indeholdte information omkring den bestemte </a:t>
+            </a:r>
+            <a:r>
+              <a:rPr lang="da-DK" dirty="0" err="1"/>
+              <a:t>MenuPart</a:t>
+            </a:r>
+            <a:r>
+              <a:rPr lang="da-DK" dirty="0"/>
+              <a:t> er </a:t>
+            </a:r>
+            <a:r>
+              <a:rPr lang="da-DK" dirty="0" err="1"/>
+              <a:t>veganisk</a:t>
+            </a:r>
+            <a:r>
+              <a:rPr lang="da-DK" dirty="0"/>
+              <a:t> eller ej, så ville der være en metode på roden der returner true, hvis alle </a:t>
+            </a:r>
+            <a:r>
+              <a:rPr lang="da-DK" dirty="0" err="1"/>
+              <a:t>MenuParts</a:t>
+            </a:r>
+            <a:r>
+              <a:rPr lang="da-DK" dirty="0"/>
+              <a:t> i Menu er </a:t>
+            </a:r>
+            <a:r>
+              <a:rPr lang="da-DK" dirty="0" err="1"/>
+              <a:t>veganisk</a:t>
+            </a:r>
+            <a:endParaRPr lang="da-DK" dirty="0"/>
           </a:p>
         </p:txBody>
       </p:sp>
@@ -936,7 +1541,7 @@
     </p:spTree>
     <p:extLst>
       <p:ext uri="{BB962C8B-B14F-4D97-AF65-F5344CB8AC3E}">
-        <p14:creationId xmlns:p14="http://schemas.microsoft.com/office/powerpoint/2010/main" val="2737142602"/>
+        <p14:creationId xmlns:p14="http://schemas.microsoft.com/office/powerpoint/2010/main" val="815936762"/>
       </p:ext>
     </p:extLst>
   </p:cSld>
@@ -992,13 +1597,13 @@
           <a:p>
             <a:r>
               <a:rPr lang="da-DK" dirty="0"/>
-              <a:t>https://kafka.apache.org/documentation/#intro_nutshell</a:t>
-            </a:r>
-          </a:p>
-          <a:p>
-            <a:r>
-              <a:rPr lang="da-DK" dirty="0"/>
-              <a:t>https://kafka.apache.org/documentation/#kraft_role</a:t>
+              <a:t>https://martinfowler.com/bliki/UbiquitousLanguage.html</a:t>
+            </a:r>
+          </a:p>
+          <a:p>
+            <a:r>
+              <a:rPr lang="da-DK" dirty="0"/>
+              <a:t>https://martinfowler.com/bliki/BoundedContext.html</a:t>
             </a:r>
           </a:p>
         </p:txBody>
@@ -1029,7 +1634,7 @@
     </p:spTree>
     <p:extLst>
       <p:ext uri="{BB962C8B-B14F-4D97-AF65-F5344CB8AC3E}">
-        <p14:creationId xmlns:p14="http://schemas.microsoft.com/office/powerpoint/2010/main" val="8081506"/>
+        <p14:creationId xmlns:p14="http://schemas.microsoft.com/office/powerpoint/2010/main" val="2568857346"/>
       </p:ext>
     </p:extLst>
   </p:cSld>
@@ -1084,8 +1689,28 @@
           <a:lstStyle/>
           <a:p>
             <a:r>
-              <a:rPr lang="da-DK" dirty="0"/>
-              <a:t>Nævn at broker nu kan være controllers, men før var det zookeeper</a:t>
+              <a:rPr lang="da-DK" dirty="0" err="1"/>
+              <a:t>Seq</a:t>
+            </a:r>
+            <a:r>
+              <a:rPr lang="da-DK" dirty="0"/>
+              <a:t> og </a:t>
+            </a:r>
+            <a:r>
+              <a:rPr lang="da-DK" dirty="0" err="1"/>
+              <a:t>Serilog</a:t>
+            </a:r>
+            <a:r>
+              <a:rPr lang="da-DK" dirty="0"/>
+              <a:t> er begge lette og små? </a:t>
+            </a:r>
+            <a:r>
+              <a:rPr lang="da-DK" dirty="0" err="1"/>
+              <a:t>Koncenteret</a:t>
+            </a:r>
+            <a:r>
+              <a:rPr lang="da-DK" dirty="0"/>
+              <a:t>? </a:t>
             </a:r>
           </a:p>
         </p:txBody>
@@ -1107,7 +1732,7 @@
           <a:p>
             <a:fld id="{252E21F2-0B82-4ACE-A045-2AAC56859006}" type="slidenum">
               <a:rPr lang="da-DK" smtClean="0"/>
-              <a:t>17</a:t>
+              <a:t>21</a:t>
             </a:fld>
             <a:endParaRPr lang="da-DK"/>
           </a:p>
@@ -1116,7 +1741,7 @@
     </p:spTree>
     <p:extLst>
       <p:ext uri="{BB962C8B-B14F-4D97-AF65-F5344CB8AC3E}">
-        <p14:creationId xmlns:p14="http://schemas.microsoft.com/office/powerpoint/2010/main" val="3998614641"/>
+        <p14:creationId xmlns:p14="http://schemas.microsoft.com/office/powerpoint/2010/main" val="2294237520"/>
       </p:ext>
     </p:extLst>
   </p:cSld>
@@ -1171,12 +1796,14 @@
           <a:lstStyle/>
           <a:p>
             <a:r>
-              <a:rPr lang="da-DK" dirty="0" err="1"/>
-              <a:t>Confluent</a:t>
-            </a:r>
-            <a:r>
-              <a:rPr lang="da-DK" dirty="0"/>
-              <a:t> Kafka</a:t>
+              <a:rPr lang="da-DK" dirty="0"/>
+              <a:t>https://kafka.apache.org/documentation/#intro_nutshell</a:t>
+            </a:r>
+          </a:p>
+          <a:p>
+            <a:r>
+              <a:rPr lang="da-DK" dirty="0"/>
+              <a:t>https://kafka.apache.org/documentation/#kraft_role</a:t>
             </a:r>
           </a:p>
         </p:txBody>
@@ -1198,7 +1825,7 @@
           <a:p>
             <a:fld id="{252E21F2-0B82-4ACE-A045-2AAC56859006}" type="slidenum">
               <a:rPr lang="da-DK" smtClean="0"/>
-              <a:t>18</a:t>
+              <a:t>24</a:t>
             </a:fld>
             <a:endParaRPr lang="da-DK"/>
           </a:p>
@@ -1207,7 +1834,7 @@
     </p:spTree>
     <p:extLst>
       <p:ext uri="{BB962C8B-B14F-4D97-AF65-F5344CB8AC3E}">
-        <p14:creationId xmlns:p14="http://schemas.microsoft.com/office/powerpoint/2010/main" val="3004894068"/>
+        <p14:creationId xmlns:p14="http://schemas.microsoft.com/office/powerpoint/2010/main" val="8081506"/>
       </p:ext>
     </p:extLst>
   </p:cSld>
@@ -1261,34 +1888,81 @@
           <a:bodyPr/>
           <a:lstStyle/>
           <a:p>
-            <a:r>
-              <a:rPr lang="da-DK" dirty="0"/>
-              <a:t>Remote Procedure </a:t>
+            <a:pPr marL="0" marR="0" lvl="0" indent="0" algn="l" defTabSz="914400" rtl="0" eaLnBrk="1" fontAlgn="auto" latinLnBrk="0" hangingPunct="1">
+              <a:lnSpc>
+                <a:spcPct val="100000"/>
+              </a:lnSpc>
+              <a:spcBef>
+                <a:spcPts val="0"/>
+              </a:spcBef>
+              <a:spcAft>
+                <a:spcPts val="0"/>
+              </a:spcAft>
+              <a:buClrTx/>
+              <a:buSzTx/>
+              <a:buFontTx/>
+              <a:buNone/>
+              <a:tabLst/>
+              <a:defRPr/>
+            </a:pPr>
+            <a:r>
+              <a:rPr lang="da-DK" dirty="0"/>
+              <a:t>Event </a:t>
             </a:r>
             <a:r>
               <a:rPr lang="da-DK" dirty="0" err="1"/>
-              <a:t>Cal</a:t>
-            </a:r>
-            <a:endParaRPr lang="da-DK" dirty="0"/>
-          </a:p>
-          <a:p>
-            <a:r>
-              <a:rPr lang="da-DK" dirty="0"/>
-              <a:t>Nævn at </a:t>
-            </a:r>
+              <a:t>schema</a:t>
+            </a:r>
+            <a:r>
+              <a:rPr lang="da-DK" dirty="0"/>
+              <a:t> //ikke nødvendigt</a:t>
+            </a:r>
+          </a:p>
+          <a:p>
+            <a:r>
+              <a:rPr lang="da-DK" dirty="0"/>
+              <a:t>Event, noget der er sket</a:t>
+            </a:r>
+          </a:p>
+          <a:p>
             <a:r>
               <a:rPr lang="da-DK" dirty="0" err="1"/>
-              <a:t>kafka</a:t>
-            </a:r>
-            <a:r>
-              <a:rPr lang="da-DK" dirty="0"/>
-              <a:t> ikke understøtter </a:t>
+              <a:t>Topic</a:t>
+            </a:r>
+            <a:r>
+              <a:rPr lang="da-DK" dirty="0"/>
+              <a:t> </a:t>
             </a:r>
             <a:r>
               <a:rPr lang="da-DK" dirty="0" err="1"/>
-              <a:t>request-response</a:t>
-            </a:r>
-            <a:endParaRPr lang="da-DK" dirty="0"/>
+              <a:t>partitioneret</a:t>
+            </a:r>
+            <a:r>
+              <a:rPr lang="da-DK" dirty="0"/>
+              <a:t> over flere brokers</a:t>
+            </a:r>
+          </a:p>
+          <a:p>
+            <a:r>
+              <a:rPr lang="da-DK" dirty="0"/>
+              <a:t>Event </a:t>
+            </a:r>
+            <a:r>
+              <a:rPr lang="da-DK" dirty="0" err="1"/>
+              <a:t>Replikering</a:t>
+            </a:r>
+            <a:r>
+              <a:rPr lang="da-DK" dirty="0"/>
+              <a:t>, event er </a:t>
+            </a:r>
+            <a:r>
+              <a:rPr lang="da-DK" dirty="0" err="1"/>
+              <a:t>replikeret</a:t>
+            </a:r>
+            <a:r>
+              <a:rPr lang="da-DK" dirty="0"/>
+              <a:t> over flere brokers</a:t>
+            </a:r>
           </a:p>
         </p:txBody>
       </p:sp>
@@ -1309,7 +1983,7 @@
           <a:p>
             <a:fld id="{252E21F2-0B82-4ACE-A045-2AAC56859006}" type="slidenum">
               <a:rPr lang="da-DK" smtClean="0"/>
-              <a:t>19</a:t>
+              <a:t>25</a:t>
             </a:fld>
             <a:endParaRPr lang="da-DK"/>
           </a:p>
@@ -1318,7 +1992,7 @@
     </p:spTree>
     <p:extLst>
       <p:ext uri="{BB962C8B-B14F-4D97-AF65-F5344CB8AC3E}">
-        <p14:creationId xmlns:p14="http://schemas.microsoft.com/office/powerpoint/2010/main" val="1108710331"/>
+        <p14:creationId xmlns:p14="http://schemas.microsoft.com/office/powerpoint/2010/main" val="2764263524"/>
       </p:ext>
     </p:extLst>
   </p:cSld>
@@ -1374,24 +2048,11 @@
           <a:p>
             <a:r>
               <a:rPr lang="da-DK" dirty="0"/>
-              <a:t>Nævn at for </a:t>
-            </a:r>
-            <a:r>
-              <a:rPr lang="da-DK" dirty="0" err="1"/>
-              <a:t>RabbitMQ</a:t>
-            </a:r>
-            <a:r>
-              <a:rPr lang="da-DK" dirty="0"/>
-              <a:t> er der intet der tvinger en </a:t>
-            </a:r>
-            <a:r>
-              <a:rPr lang="da-DK" dirty="0" err="1"/>
-              <a:t>consumer</a:t>
-            </a:r>
-            <a:r>
-              <a:rPr lang="da-DK" dirty="0"/>
-              <a:t> at svare på en RPC</a:t>
-            </a:r>
+              <a:t>Nævn at broker nu kan være controllers, men før var det zookeeper</a:t>
+            </a:r>
+          </a:p>
+          <a:p>
+            <a:endParaRPr lang="da-DK" dirty="0"/>
           </a:p>
         </p:txBody>
       </p:sp>
@@ -1412,7 +2073,7 @@
           <a:p>
             <a:fld id="{252E21F2-0B82-4ACE-A045-2AAC56859006}" type="slidenum">
               <a:rPr lang="da-DK" smtClean="0"/>
-              <a:t>20</a:t>
+              <a:t>26</a:t>
             </a:fld>
             <a:endParaRPr lang="da-DK"/>
           </a:p>
@@ -1421,7 +2082,7 @@
     </p:spTree>
     <p:extLst>
       <p:ext uri="{BB962C8B-B14F-4D97-AF65-F5344CB8AC3E}">
-        <p14:creationId xmlns:p14="http://schemas.microsoft.com/office/powerpoint/2010/main" val="282527506"/>
+        <p14:creationId xmlns:p14="http://schemas.microsoft.com/office/powerpoint/2010/main" val="2125408469"/>
       </p:ext>
     </p:extLst>
   </p:cSld>
@@ -1601,7 +2262,7 @@
           <a:p>
             <a:fld id="{904F8374-DDA3-4289-A3C4-A561B6E67BA2}" type="datetimeFigureOut">
               <a:rPr lang="da-DK" smtClean="0"/>
-              <a:t>06-05-2024</a:t>
+              <a:t>07-05-2024</a:t>
             </a:fld>
             <a:endParaRPr lang="da-DK"/>
           </a:p>
@@ -1868,7 +2529,7 @@
           <a:p>
             <a:fld id="{904F8374-DDA3-4289-A3C4-A561B6E67BA2}" type="datetimeFigureOut">
               <a:rPr lang="da-DK" smtClean="0"/>
-              <a:t>06-05-2024</a:t>
+              <a:t>07-05-2024</a:t>
             </a:fld>
             <a:endParaRPr lang="da-DK"/>
           </a:p>
@@ -2099,7 +2760,7 @@
           <a:p>
             <a:fld id="{904F8374-DDA3-4289-A3C4-A561B6E67BA2}" type="datetimeFigureOut">
               <a:rPr lang="da-DK" smtClean="0"/>
-              <a:t>06-05-2024</a:t>
+              <a:t>07-05-2024</a:t>
             </a:fld>
             <a:endParaRPr lang="da-DK"/>
           </a:p>
@@ -2409,7 +3070,7 @@
           <a:p>
             <a:fld id="{904F8374-DDA3-4289-A3C4-A561B6E67BA2}" type="datetimeFigureOut">
               <a:rPr lang="da-DK" smtClean="0"/>
-              <a:t>06-05-2024</a:t>
+              <a:t>07-05-2024</a:t>
             </a:fld>
             <a:endParaRPr lang="da-DK"/>
           </a:p>
@@ -2882,7 +3543,7 @@
           <a:p>
             <a:fld id="{904F8374-DDA3-4289-A3C4-A561B6E67BA2}" type="datetimeFigureOut">
               <a:rPr lang="da-DK" smtClean="0"/>
-              <a:t>06-05-2024</a:t>
+              <a:t>07-05-2024</a:t>
             </a:fld>
             <a:endParaRPr lang="da-DK"/>
           </a:p>
@@ -3429,7 +4090,7 @@
           <a:p>
             <a:fld id="{904F8374-DDA3-4289-A3C4-A561B6E67BA2}" type="datetimeFigureOut">
               <a:rPr lang="da-DK" smtClean="0"/>
-              <a:t>06-05-2024</a:t>
+              <a:t>07-05-2024</a:t>
             </a:fld>
             <a:endParaRPr lang="da-DK"/>
           </a:p>
@@ -4203,7 +4864,7 @@
           <a:p>
             <a:fld id="{904F8374-DDA3-4289-A3C4-A561B6E67BA2}" type="datetimeFigureOut">
               <a:rPr lang="da-DK" smtClean="0"/>
-              <a:t>06-05-2024</a:t>
+              <a:t>07-05-2024</a:t>
             </a:fld>
             <a:endParaRPr lang="da-DK"/>
           </a:p>
@@ -4378,7 +5039,7 @@
           <a:p>
             <a:fld id="{904F8374-DDA3-4289-A3C4-A561B6E67BA2}" type="datetimeFigureOut">
               <a:rPr lang="da-DK" smtClean="0"/>
-              <a:t>06-05-2024</a:t>
+              <a:t>07-05-2024</a:t>
             </a:fld>
             <a:endParaRPr lang="da-DK"/>
           </a:p>
@@ -4601,7 +5262,7 @@
           <a:p>
             <a:fld id="{904F8374-DDA3-4289-A3C4-A561B6E67BA2}" type="datetimeFigureOut">
               <a:rPr lang="da-DK" smtClean="0"/>
-              <a:t>06-05-2024</a:t>
+              <a:t>07-05-2024</a:t>
             </a:fld>
             <a:endParaRPr lang="da-DK"/>
           </a:p>
@@ -4781,7 +5442,7 @@
           <a:p>
             <a:fld id="{904F8374-DDA3-4289-A3C4-A561B6E67BA2}" type="datetimeFigureOut">
               <a:rPr lang="da-DK" smtClean="0"/>
-              <a:t>06-05-2024</a:t>
+              <a:t>07-05-2024</a:t>
             </a:fld>
             <a:endParaRPr lang="da-DK"/>
           </a:p>
@@ -5070,7 +5731,7 @@
           <a:p>
             <a:fld id="{904F8374-DDA3-4289-A3C4-A561B6E67BA2}" type="datetimeFigureOut">
               <a:rPr lang="da-DK" smtClean="0"/>
-              <a:t>06-05-2024</a:t>
+              <a:t>07-05-2024</a:t>
             </a:fld>
             <a:endParaRPr lang="da-DK"/>
           </a:p>
@@ -5312,7 +5973,7 @@
           <a:p>
             <a:fld id="{904F8374-DDA3-4289-A3C4-A561B6E67BA2}" type="datetimeFigureOut">
               <a:rPr lang="da-DK" smtClean="0"/>
-              <a:t>06-05-2024</a:t>
+              <a:t>07-05-2024</a:t>
             </a:fld>
             <a:endParaRPr lang="da-DK"/>
           </a:p>
@@ -5691,7 +6352,7 @@
           <a:p>
             <a:fld id="{904F8374-DDA3-4289-A3C4-A561B6E67BA2}" type="datetimeFigureOut">
               <a:rPr lang="da-DK" smtClean="0"/>
-              <a:t>06-05-2024</a:t>
+              <a:t>07-05-2024</a:t>
             </a:fld>
             <a:endParaRPr lang="da-DK"/>
           </a:p>
@@ -5809,7 +6470,7 @@
           <a:p>
             <a:fld id="{904F8374-DDA3-4289-A3C4-A561B6E67BA2}" type="datetimeFigureOut">
               <a:rPr lang="da-DK" smtClean="0"/>
-              <a:t>06-05-2024</a:t>
+              <a:t>07-05-2024</a:t>
             </a:fld>
             <a:endParaRPr lang="da-DK"/>
           </a:p>
@@ -5904,7 +6565,7 @@
           <a:p>
             <a:fld id="{904F8374-DDA3-4289-A3C4-A561B6E67BA2}" type="datetimeFigureOut">
               <a:rPr lang="da-DK" smtClean="0"/>
-              <a:t>06-05-2024</a:t>
+              <a:t>07-05-2024</a:t>
             </a:fld>
             <a:endParaRPr lang="da-DK"/>
           </a:p>
@@ -6153,7 +6814,7 @@
           <a:p>
             <a:fld id="{904F8374-DDA3-4289-A3C4-A561B6E67BA2}" type="datetimeFigureOut">
               <a:rPr lang="da-DK" smtClean="0"/>
-              <a:t>06-05-2024</a:t>
+              <a:t>07-05-2024</a:t>
             </a:fld>
             <a:endParaRPr lang="da-DK"/>
           </a:p>
@@ -6410,7 +7071,7 @@
           <a:p>
             <a:fld id="{904F8374-DDA3-4289-A3C4-A561B6E67BA2}" type="datetimeFigureOut">
               <a:rPr lang="da-DK" smtClean="0"/>
-              <a:t>06-05-2024</a:t>
+              <a:t>07-05-2024</a:t>
             </a:fld>
             <a:endParaRPr lang="da-DK"/>
           </a:p>
@@ -6653,7 +7314,7 @@
           <a:p>
             <a:fld id="{904F8374-DDA3-4289-A3C4-A561B6E67BA2}" type="datetimeFigureOut">
               <a:rPr lang="da-DK" smtClean="0"/>
-              <a:t>06-05-2024</a:t>
+              <a:t>07-05-2024</a:t>
             </a:fld>
             <a:endParaRPr lang="da-DK"/>
           </a:p>
@@ -7155,7 +7816,7 @@
           <p:cNvPr id="2" name="Titel 1">
             <a:extLst>
               <a:ext uri="{FF2B5EF4-FFF2-40B4-BE49-F238E27FC236}">
-                <a16:creationId xmlns:a16="http://schemas.microsoft.com/office/drawing/2014/main" id="{0144FA41-7639-5CB5-9FCA-41B95901E250}"/>
+                <a16:creationId xmlns:a16="http://schemas.microsoft.com/office/drawing/2014/main" id="{FFEC5993-EFA9-A519-83CC-AF07225CE353}"/>
               </a:ext>
             </a:extLst>
           </p:cNvPr>
@@ -7166,105 +7827,28 @@
             <p:ph type="title"/>
           </p:nvPr>
         </p:nvSpPr>
-        <p:spPr/>
-        <p:txBody>
-          <a:bodyPr/>
-          <a:lstStyle/>
-          <a:p>
-            <a:r>
-              <a:rPr lang="da-DK" dirty="0"/>
-              <a:t>Domain Driven Design – </a:t>
-            </a:r>
-            <a:r>
-              <a:rPr lang="da-DK" dirty="0" err="1"/>
-              <a:t>Bounded</a:t>
-            </a:r>
-            <a:r>
-              <a:rPr lang="da-DK" dirty="0"/>
-              <a:t> </a:t>
-            </a:r>
-            <a:r>
-              <a:rPr lang="da-DK" dirty="0" err="1"/>
-              <a:t>Context</a:t>
-            </a:r>
-            <a:endParaRPr lang="da-DK" dirty="0"/>
-          </a:p>
-        </p:txBody>
-      </p:sp>
-      <p:sp>
-        <p:nvSpPr>
-          <p:cNvPr id="3" name="Pladsholder til indhold 2">
-            <a:extLst>
-              <a:ext uri="{FF2B5EF4-FFF2-40B4-BE49-F238E27FC236}">
-                <a16:creationId xmlns:a16="http://schemas.microsoft.com/office/drawing/2014/main" id="{55AE5268-ACD0-3AE3-BBE1-F098D71C0741}"/>
-              </a:ext>
-            </a:extLst>
-          </p:cNvPr>
-          <p:cNvSpPr>
-            <a:spLocks noGrp="1"/>
-          </p:cNvSpPr>
-          <p:nvPr>
-            <p:ph idx="1"/>
-          </p:nvPr>
-        </p:nvSpPr>
-        <p:spPr/>
-        <p:txBody>
-          <a:bodyPr/>
-          <a:lstStyle/>
-          <a:p>
-            <a:r>
-              <a:rPr lang="da-DK" dirty="0"/>
-              <a:t>User</a:t>
-            </a:r>
-          </a:p>
-          <a:p>
-            <a:r>
-              <a:rPr lang="da-DK" dirty="0"/>
-              <a:t>Customer </a:t>
-            </a:r>
-          </a:p>
-        </p:txBody>
-      </p:sp>
-      <p:pic>
-        <p:nvPicPr>
-          <p:cNvPr id="5" name="Pladsholder til indhold 4">
-            <a:extLst>
-              <a:ext uri="{FF2B5EF4-FFF2-40B4-BE49-F238E27FC236}">
-                <a16:creationId xmlns:a16="http://schemas.microsoft.com/office/drawing/2014/main" id="{12715739-907A-9A95-10FA-139D55138502}"/>
-              </a:ext>
-            </a:extLst>
-          </p:cNvPr>
-          <p:cNvPicPr>
-            <a:picLocks noChangeAspect="1"/>
-          </p:cNvPicPr>
-          <p:nvPr/>
-        </p:nvPicPr>
-        <p:blipFill>
-          <a:blip r:embed="rId3">
-            <a:extLst>
-              <a:ext uri="{28A0092B-C50C-407E-A947-70E740481C1C}">
-                <a14:useLocalDpi xmlns:a14="http://schemas.microsoft.com/office/drawing/2010/main" val="0"/>
-              </a:ext>
-            </a:extLst>
-          </a:blip>
-          <a:stretch>
-            <a:fillRect/>
-          </a:stretch>
-        </p:blipFill>
         <p:spPr>
           <a:xfrm>
-            <a:off x="3260558" y="2194560"/>
-            <a:ext cx="8373980" cy="3479934"/>
+            <a:off x="0" y="0"/>
+            <a:ext cx="12192000" cy="6857999"/>
           </a:xfrm>
-          <a:prstGeom prst="rect">
-            <a:avLst/>
-          </a:prstGeom>
         </p:spPr>
-      </p:pic>
+        <p:txBody>
+          <a:bodyPr/>
+          <a:lstStyle/>
+          <a:p>
+            <a:pPr algn="ctr"/>
+            <a:r>
+              <a:rPr lang="da-DK" dirty="0"/>
+              <a:t>Demo</a:t>
+            </a:r>
+          </a:p>
+        </p:txBody>
+      </p:sp>
     </p:spTree>
     <p:extLst>
       <p:ext uri="{BB962C8B-B14F-4D97-AF65-F5344CB8AC3E}">
-        <p14:creationId xmlns:p14="http://schemas.microsoft.com/office/powerpoint/2010/main" val="1578549375"/>
+        <p14:creationId xmlns:p14="http://schemas.microsoft.com/office/powerpoint/2010/main" val="4041610140"/>
       </p:ext>
     </p:extLst>
   </p:cSld>
@@ -7320,7 +7904,7 @@
             <a:pPr algn="ctr"/>
             <a:r>
               <a:rPr lang="da-DK" dirty="0"/>
-              <a:t>Logning</a:t>
+              <a:t>Domain Driven Design</a:t>
             </a:r>
           </a:p>
         </p:txBody>
@@ -7328,7 +7912,7 @@
     </p:spTree>
     <p:extLst>
       <p:ext uri="{BB962C8B-B14F-4D97-AF65-F5344CB8AC3E}">
-        <p14:creationId xmlns:p14="http://schemas.microsoft.com/office/powerpoint/2010/main" val="1136211132"/>
+        <p14:creationId xmlns:p14="http://schemas.microsoft.com/office/powerpoint/2010/main" val="546680082"/>
       </p:ext>
     </p:extLst>
   </p:cSld>
@@ -7360,7 +7944,7 @@
           <p:cNvPr id="2" name="Titel 1">
             <a:extLst>
               <a:ext uri="{FF2B5EF4-FFF2-40B4-BE49-F238E27FC236}">
-                <a16:creationId xmlns:a16="http://schemas.microsoft.com/office/drawing/2014/main" id="{21C30BFC-C22D-1BBC-081D-EF99A2BD28B4}"/>
+                <a16:creationId xmlns:a16="http://schemas.microsoft.com/office/drawing/2014/main" id="{0144FA41-7639-5CB5-9FCA-41B95901E250}"/>
               </a:ext>
             </a:extLst>
           </p:cNvPr>
@@ -7378,30 +7962,17 @@
           <a:p>
             <a:r>
               <a:rPr lang="da-DK" dirty="0"/>
-              <a:t>Logning – </a:t>
-            </a:r>
-            <a:r>
-              <a:rPr lang="da-DK" dirty="0" err="1"/>
-              <a:t>Seq</a:t>
-            </a:r>
-            <a:r>
-              <a:rPr lang="da-DK" dirty="0"/>
-              <a:t> og </a:t>
-            </a:r>
-            <a:r>
-              <a:rPr lang="da-DK" dirty="0" err="1"/>
-              <a:t>Serilog</a:t>
-            </a:r>
-            <a:endParaRPr lang="da-DK" dirty="0"/>
-          </a:p>
-        </p:txBody>
-      </p:sp>
-      <p:sp>
-        <p:nvSpPr>
-          <p:cNvPr id="4" name="Pladsholder til tekst 3">
+              <a:t>Domain Driven Design</a:t>
+            </a:r>
+          </a:p>
+        </p:txBody>
+      </p:sp>
+      <p:sp>
+        <p:nvSpPr>
+          <p:cNvPr id="3" name="Pladsholder til indhold 2">
             <a:extLst>
               <a:ext uri="{FF2B5EF4-FFF2-40B4-BE49-F238E27FC236}">
-                <a16:creationId xmlns:a16="http://schemas.microsoft.com/office/drawing/2014/main" id="{C7115E19-A3D9-018B-4495-D7CCCE012934}"/>
+                <a16:creationId xmlns:a16="http://schemas.microsoft.com/office/drawing/2014/main" id="{55AE5268-ACD0-3AE3-BBE1-F098D71C0741}"/>
               </a:ext>
             </a:extLst>
           </p:cNvPr>
@@ -7409,110 +7980,37 @@
             <a:spLocks noGrp="1"/>
           </p:cNvSpPr>
           <p:nvPr>
-            <p:ph type="body" idx="1"/>
-          </p:nvPr>
-        </p:nvSpPr>
-        <p:spPr/>
-        <p:txBody>
-          <a:bodyPr/>
-          <a:lstStyle/>
-          <a:p>
-            <a:r>
-              <a:rPr lang="da-DK" dirty="0"/>
-              <a:t>SEQ</a:t>
-            </a:r>
-          </a:p>
-        </p:txBody>
-      </p:sp>
-      <p:sp>
-        <p:nvSpPr>
-          <p:cNvPr id="3" name="Pladsholder til indhold 2">
-            <a:extLst>
-              <a:ext uri="{FF2B5EF4-FFF2-40B4-BE49-F238E27FC236}">
-                <a16:creationId xmlns:a16="http://schemas.microsoft.com/office/drawing/2014/main" id="{33B21E7F-37E8-8AE0-E2C8-025FD2672AC8}"/>
-              </a:ext>
-            </a:extLst>
-          </p:cNvPr>
-          <p:cNvSpPr>
-            <a:spLocks noGrp="1"/>
-          </p:cNvSpPr>
-          <p:nvPr>
-            <p:ph sz="half" idx="2"/>
-          </p:nvPr>
-        </p:nvSpPr>
-        <p:spPr/>
-        <p:txBody>
-          <a:bodyPr/>
-          <a:lstStyle/>
-          <a:p>
-            <a:r>
-              <a:rPr lang="da-DK" dirty="0"/>
-              <a:t>Logs</a:t>
-            </a:r>
-          </a:p>
-          <a:p>
-            <a:r>
-              <a:rPr lang="da-DK" dirty="0"/>
-              <a:t>Søgning</a:t>
-            </a:r>
-          </a:p>
-          <a:p>
-            <a:r>
-              <a:rPr lang="da-DK" dirty="0"/>
-              <a:t>Analyse</a:t>
-            </a:r>
-          </a:p>
-        </p:txBody>
-      </p:sp>
-      <p:sp>
-        <p:nvSpPr>
-          <p:cNvPr id="5" name="Pladsholder til tekst 4">
-            <a:extLst>
-              <a:ext uri="{FF2B5EF4-FFF2-40B4-BE49-F238E27FC236}">
-                <a16:creationId xmlns:a16="http://schemas.microsoft.com/office/drawing/2014/main" id="{FA45C245-A085-C2A0-0AAC-9A8E904D5E68}"/>
-              </a:ext>
-            </a:extLst>
-          </p:cNvPr>
-          <p:cNvSpPr>
-            <a:spLocks noGrp="1"/>
-          </p:cNvSpPr>
-          <p:nvPr>
-            <p:ph type="body" sz="quarter" idx="3"/>
-          </p:nvPr>
-        </p:nvSpPr>
-        <p:spPr/>
-        <p:txBody>
-          <a:bodyPr/>
-          <a:lstStyle/>
-          <a:p>
-            <a:r>
-              <a:rPr lang="da-DK" dirty="0" err="1"/>
-              <a:t>Serilog</a:t>
-            </a:r>
-            <a:endParaRPr lang="da-DK" dirty="0"/>
-          </a:p>
-        </p:txBody>
-      </p:sp>
-      <p:sp>
-        <p:nvSpPr>
-          <p:cNvPr id="6" name="Pladsholder til indhold 5">
-            <a:extLst>
-              <a:ext uri="{FF2B5EF4-FFF2-40B4-BE49-F238E27FC236}">
-                <a16:creationId xmlns:a16="http://schemas.microsoft.com/office/drawing/2014/main" id="{5D96D52F-6278-0768-2607-BB35BC501956}"/>
-              </a:ext>
-            </a:extLst>
-          </p:cNvPr>
-          <p:cNvSpPr>
-            <a:spLocks noGrp="1"/>
-          </p:cNvSpPr>
-          <p:nvPr>
-            <p:ph sz="quarter" idx="4"/>
-          </p:nvPr>
-        </p:nvSpPr>
-        <p:spPr/>
-        <p:txBody>
-          <a:bodyPr/>
-          <a:lstStyle/>
+            <p:ph idx="1"/>
+          </p:nvPr>
+        </p:nvSpPr>
+        <p:spPr/>
+        <p:txBody>
+          <a:bodyPr/>
+          <a:lstStyle/>
+          <a:p>
+            <a:r>
+              <a:rPr lang="da-DK" dirty="0"/>
+              <a:t>Arkitektur</a:t>
+            </a:r>
+          </a:p>
+          <a:p>
+            <a:r>
+              <a:rPr lang="da-DK" dirty="0"/>
+              <a:t>Fokus på domæner</a:t>
+            </a:r>
+          </a:p>
+          <a:p>
+            <a:r>
+              <a:rPr lang="da-DK" dirty="0"/>
+              <a:t>Forretningslogik i modellerne</a:t>
+            </a:r>
+          </a:p>
+          <a:p>
+            <a:r>
+              <a:rPr lang="da-DK" dirty="0"/>
+              <a:t>Allestedsnærværende sprog</a:t>
+            </a:r>
+          </a:p>
           <a:p>
             <a:endParaRPr lang="da-DK" dirty="0"/>
           </a:p>
@@ -7521,7 +8019,7 @@
     </p:spTree>
     <p:extLst>
       <p:ext uri="{BB962C8B-B14F-4D97-AF65-F5344CB8AC3E}">
-        <p14:creationId xmlns:p14="http://schemas.microsoft.com/office/powerpoint/2010/main" val="3231485805"/>
+        <p14:creationId xmlns:p14="http://schemas.microsoft.com/office/powerpoint/2010/main" val="999421233"/>
       </p:ext>
     </p:extLst>
   </p:cSld>
@@ -7532,7 +8030,7 @@
 </file>
 
 <file path=ppt/slides/slide13.xml><?xml version="1.0" encoding="utf-8"?>
-<p:sld xmlns:a="http://schemas.openxmlformats.org/drawingml/2006/main" xmlns:r="http://schemas.openxmlformats.org/officeDocument/2006/relationships" xmlns:p="http://schemas.openxmlformats.org/presentationml/2006/main" show="0">
+<p:sld xmlns:a="http://schemas.openxmlformats.org/drawingml/2006/main" xmlns:r="http://schemas.openxmlformats.org/officeDocument/2006/relationships" xmlns:p="http://schemas.openxmlformats.org/presentationml/2006/main">
   <p:cSld>
     <p:spTree>
       <p:nvGrpSpPr>
@@ -7553,7 +8051,7 @@
           <p:cNvPr id="2" name="Titel 1">
             <a:extLst>
               <a:ext uri="{FF2B5EF4-FFF2-40B4-BE49-F238E27FC236}">
-                <a16:creationId xmlns:a16="http://schemas.microsoft.com/office/drawing/2014/main" id="{21C30BFC-C22D-1BBC-081D-EF99A2BD28B4}"/>
+                <a16:creationId xmlns:a16="http://schemas.microsoft.com/office/drawing/2014/main" id="{0144FA41-7639-5CB5-9FCA-41B95901E250}"/>
               </a:ext>
             </a:extLst>
           </p:cNvPr>
@@ -7570,10 +8068,9 @@
           <a:lstStyle/>
           <a:p>
             <a:r>
-              <a:rPr lang="da-DK" dirty="0" err="1"/>
-              <a:t>Serilog</a:t>
-            </a:r>
-            <a:endParaRPr lang="da-DK" dirty="0"/>
+              <a:rPr lang="da-DK" dirty="0"/>
+              <a:t>Domain Driven Design - Aggregat</a:t>
+            </a:r>
           </a:p>
         </p:txBody>
       </p:sp>
@@ -7582,7 +8079,7 @@
           <p:cNvPr id="3" name="Pladsholder til indhold 2">
             <a:extLst>
               <a:ext uri="{FF2B5EF4-FFF2-40B4-BE49-F238E27FC236}">
-                <a16:creationId xmlns:a16="http://schemas.microsoft.com/office/drawing/2014/main" id="{33B21E7F-37E8-8AE0-E2C8-025FD2672AC8}"/>
+                <a16:creationId xmlns:a16="http://schemas.microsoft.com/office/drawing/2014/main" id="{55AE5268-ACD0-3AE3-BBE1-F098D71C0741}"/>
               </a:ext>
             </a:extLst>
           </p:cNvPr>
@@ -7590,13 +8087,99 @@
             <a:spLocks noGrp="1"/>
           </p:cNvSpPr>
           <p:nvPr>
-            <p:ph idx="1"/>
-          </p:nvPr>
-        </p:nvSpPr>
-        <p:spPr/>
-        <p:txBody>
-          <a:bodyPr/>
-          <a:lstStyle/>
+            <p:ph sz="half" idx="1"/>
+          </p:nvPr>
+        </p:nvSpPr>
+        <p:spPr/>
+        <p:txBody>
+          <a:bodyPr/>
+          <a:lstStyle/>
+          <a:p>
+            <a:r>
+              <a:rPr lang="da-DK" dirty="0"/>
+              <a:t>Samling af objekter </a:t>
+            </a:r>
+          </a:p>
+          <a:p>
+            <a:r>
+              <a:rPr lang="da-DK" dirty="0"/>
+              <a:t>Har en rod</a:t>
+            </a:r>
+          </a:p>
+          <a:p>
+            <a:r>
+              <a:rPr lang="da-DK" dirty="0"/>
+              <a:t>Andre aggregater og deres objekter kan kun refererer til roden</a:t>
+            </a:r>
+          </a:p>
+          <a:p>
+            <a:r>
+              <a:rPr lang="da-DK" dirty="0"/>
+              <a:t>Alle ændringer foregår igennem roden</a:t>
+            </a:r>
+          </a:p>
+          <a:p>
+            <a:r>
+              <a:rPr lang="da-DK" dirty="0"/>
+              <a:t>Søgning foregår via roden</a:t>
+            </a:r>
+          </a:p>
+        </p:txBody>
+      </p:sp>
+      <p:sp>
+        <p:nvSpPr>
+          <p:cNvPr id="4" name="Pladsholder til indhold 3">
+            <a:extLst>
+              <a:ext uri="{FF2B5EF4-FFF2-40B4-BE49-F238E27FC236}">
+                <a16:creationId xmlns:a16="http://schemas.microsoft.com/office/drawing/2014/main" id="{6BA43CF8-57B3-4A0A-879C-0FD7745D1924}"/>
+              </a:ext>
+            </a:extLst>
+          </p:cNvPr>
+          <p:cNvSpPr>
+            <a:spLocks noGrp="1"/>
+          </p:cNvSpPr>
+          <p:nvPr>
+            <p:ph sz="half" idx="2"/>
+          </p:nvPr>
+        </p:nvSpPr>
+        <p:spPr/>
+        <p:txBody>
+          <a:bodyPr/>
+          <a:lstStyle/>
+          <a:p>
+            <a:r>
+              <a:rPr lang="da-DK" dirty="0" err="1">
+                <a:solidFill>
+                  <a:srgbClr val="000000"/>
+                </a:solidFill>
+                <a:latin typeface="Cascadia Mono" panose="020B0609020000020004" pitchFamily="49" charset="0"/>
+              </a:rPr>
+              <a:t>IAggregateRoot:Interface</a:t>
+            </a:r>
+            <a:endParaRPr lang="da-DK" dirty="0">
+              <a:solidFill>
+                <a:srgbClr val="000000"/>
+              </a:solidFill>
+              <a:latin typeface="Cascadia Mono" panose="020B0609020000020004" pitchFamily="49" charset="0"/>
+            </a:endParaRPr>
+          </a:p>
+          <a:p>
+            <a:r>
+              <a:rPr lang="da-DK" dirty="0" err="1">
+                <a:solidFill>
+                  <a:srgbClr val="000000"/>
+                </a:solidFill>
+                <a:latin typeface="Cascadia Mono" panose="020B0609020000020004" pitchFamily="49" charset="0"/>
+              </a:rPr>
+              <a:t>ReferenceId:Record</a:t>
+            </a:r>
+            <a:endParaRPr lang="da-DK" dirty="0">
+              <a:solidFill>
+                <a:srgbClr val="000000"/>
+              </a:solidFill>
+              <a:latin typeface="Cascadia Mono" panose="020B0609020000020004" pitchFamily="49" charset="0"/>
+            </a:endParaRPr>
+          </a:p>
           <a:p>
             <a:endParaRPr lang="da-DK" dirty="0"/>
           </a:p>
@@ -7605,7 +8188,7 @@
     </p:spTree>
     <p:extLst>
       <p:ext uri="{BB962C8B-B14F-4D97-AF65-F5344CB8AC3E}">
-        <p14:creationId xmlns:p14="http://schemas.microsoft.com/office/powerpoint/2010/main" val="2926001139"/>
+        <p14:creationId xmlns:p14="http://schemas.microsoft.com/office/powerpoint/2010/main" val="1920184944"/>
       </p:ext>
     </p:extLst>
   </p:cSld>
@@ -7637,7 +8220,7 @@
           <p:cNvPr id="2" name="Titel 1">
             <a:extLst>
               <a:ext uri="{FF2B5EF4-FFF2-40B4-BE49-F238E27FC236}">
-                <a16:creationId xmlns:a16="http://schemas.microsoft.com/office/drawing/2014/main" id="{FFEC5993-EFA9-A519-83CC-AF07225CE353}"/>
+                <a16:creationId xmlns:a16="http://schemas.microsoft.com/office/drawing/2014/main" id="{0144FA41-7639-5CB5-9FCA-41B95901E250}"/>
               </a:ext>
             </a:extLst>
           </p:cNvPr>
@@ -7648,35 +8231,98 @@
             <p:ph type="title"/>
           </p:nvPr>
         </p:nvSpPr>
-        <p:spPr>
-          <a:xfrm>
-            <a:off x="0" y="0"/>
-            <a:ext cx="12192000" cy="6857999"/>
-          </a:xfrm>
-        </p:spPr>
-        <p:txBody>
-          <a:bodyPr/>
-          <a:lstStyle/>
-          <a:p>
-            <a:pPr algn="ctr"/>
-            <a:r>
-              <a:rPr lang="da-DK" dirty="0"/>
-              <a:t>Selvvalgt Emne </a:t>
-            </a:r>
-            <a:br>
-              <a:rPr lang="da-DK" dirty="0"/>
-            </a:br>
-            <a:r>
-              <a:rPr lang="da-DK" dirty="0"/>
-              <a:t>Kafka</a:t>
-            </a:r>
+        <p:spPr/>
+        <p:txBody>
+          <a:bodyPr/>
+          <a:lstStyle/>
+          <a:p>
+            <a:r>
+              <a:rPr lang="da-DK" dirty="0"/>
+              <a:t>Domain Driven Design –   Value Objekt</a:t>
+            </a:r>
+          </a:p>
+        </p:txBody>
+      </p:sp>
+      <p:sp>
+        <p:nvSpPr>
+          <p:cNvPr id="3" name="Pladsholder til indhold 2">
+            <a:extLst>
+              <a:ext uri="{FF2B5EF4-FFF2-40B4-BE49-F238E27FC236}">
+                <a16:creationId xmlns:a16="http://schemas.microsoft.com/office/drawing/2014/main" id="{55AE5268-ACD0-3AE3-BBE1-F098D71C0741}"/>
+              </a:ext>
+            </a:extLst>
+          </p:cNvPr>
+          <p:cNvSpPr>
+            <a:spLocks noGrp="1"/>
+          </p:cNvSpPr>
+          <p:nvPr>
+            <p:ph sz="half" idx="1"/>
+          </p:nvPr>
+        </p:nvSpPr>
+        <p:spPr/>
+        <p:txBody>
+          <a:bodyPr/>
+          <a:lstStyle/>
+          <a:p>
+            <a:r>
+              <a:rPr lang="da-DK" dirty="0"/>
+              <a:t>Objekter som ikke er reference objekter</a:t>
+            </a:r>
+          </a:p>
+          <a:p>
+            <a:r>
+              <a:rPr lang="da-DK" dirty="0"/>
+              <a:t>Kun værdierne er vigtige</a:t>
+            </a:r>
+          </a:p>
+          <a:p>
+            <a:r>
+              <a:rPr lang="da-DK" dirty="0"/>
+              <a:t>Uforanderlig</a:t>
+            </a:r>
+          </a:p>
+        </p:txBody>
+      </p:sp>
+      <p:sp>
+        <p:nvSpPr>
+          <p:cNvPr id="4" name="Pladsholder til indhold 3">
+            <a:extLst>
+              <a:ext uri="{FF2B5EF4-FFF2-40B4-BE49-F238E27FC236}">
+                <a16:creationId xmlns:a16="http://schemas.microsoft.com/office/drawing/2014/main" id="{6BA43CF8-57B3-4A0A-879C-0FD7745D1924}"/>
+              </a:ext>
+            </a:extLst>
+          </p:cNvPr>
+          <p:cNvSpPr>
+            <a:spLocks noGrp="1"/>
+          </p:cNvSpPr>
+          <p:nvPr>
+            <p:ph sz="half" idx="2"/>
+          </p:nvPr>
+        </p:nvSpPr>
+        <p:spPr/>
+        <p:txBody>
+          <a:bodyPr>
+            <a:normAutofit/>
+          </a:bodyPr>
+          <a:lstStyle/>
+          <a:p>
+            <a:r>
+              <a:rPr lang="da-DK" dirty="0" err="1">
+                <a:solidFill>
+                  <a:srgbClr val="000000"/>
+                </a:solidFill>
+                <a:latin typeface="Cascadia Mono" panose="020B0609020000020004" pitchFamily="49" charset="0"/>
+              </a:rPr>
+              <a:t>ValueObject:Record</a:t>
+            </a:r>
+            <a:endParaRPr lang="da-DK" dirty="0"/>
           </a:p>
         </p:txBody>
       </p:sp>
     </p:spTree>
     <p:extLst>
       <p:ext uri="{BB962C8B-B14F-4D97-AF65-F5344CB8AC3E}">
-        <p14:creationId xmlns:p14="http://schemas.microsoft.com/office/powerpoint/2010/main" val="900528911"/>
+        <p14:creationId xmlns:p14="http://schemas.microsoft.com/office/powerpoint/2010/main" val="1840209252"/>
       </p:ext>
     </p:extLst>
   </p:cSld>
@@ -7687,7 +8333,7 @@
 </file>
 
 <file path=ppt/slides/slide15.xml><?xml version="1.0" encoding="utf-8"?>
-<p:sld xmlns:a="http://schemas.openxmlformats.org/drawingml/2006/main" xmlns:r="http://schemas.openxmlformats.org/officeDocument/2006/relationships" xmlns:p="http://schemas.openxmlformats.org/presentationml/2006/main" show="0">
+<p:sld xmlns:a="http://schemas.openxmlformats.org/drawingml/2006/main" xmlns:r="http://schemas.openxmlformats.org/officeDocument/2006/relationships" xmlns:p="http://schemas.openxmlformats.org/presentationml/2006/main">
   <p:cSld>
     <p:spTree>
       <p:nvGrpSpPr>
@@ -7708,7 +8354,7 @@
           <p:cNvPr id="2" name="Titel 1">
             <a:extLst>
               <a:ext uri="{FF2B5EF4-FFF2-40B4-BE49-F238E27FC236}">
-                <a16:creationId xmlns:a16="http://schemas.microsoft.com/office/drawing/2014/main" id="{1472BA20-C2D2-35CC-B001-35FBC754D728}"/>
+                <a16:creationId xmlns:a16="http://schemas.microsoft.com/office/drawing/2014/main" id="{0144FA41-7639-5CB5-9FCA-41B95901E250}"/>
               </a:ext>
             </a:extLst>
           </p:cNvPr>
@@ -7726,17 +8372,30 @@
           <a:p>
             <a:r>
               <a:rPr lang="da-DK" dirty="0"/>
-              <a:t>Apache Kafka</a:t>
-            </a:r>
-          </a:p>
-        </p:txBody>
-      </p:sp>
-      <p:sp>
-        <p:nvSpPr>
-          <p:cNvPr id="3" name="Pladsholder til indhold 2">
+              <a:t>Domain Driven Design – </a:t>
+            </a:r>
+            <a:r>
+              <a:rPr lang="da-DK" dirty="0" err="1"/>
+              <a:t>Bounded</a:t>
+            </a:r>
+            <a:r>
+              <a:rPr lang="da-DK" dirty="0"/>
+              <a:t> </a:t>
+            </a:r>
+            <a:r>
+              <a:rPr lang="da-DK" dirty="0" err="1"/>
+              <a:t>Context</a:t>
+            </a:r>
+            <a:endParaRPr lang="da-DK" dirty="0"/>
+          </a:p>
+        </p:txBody>
+      </p:sp>
+      <p:sp>
+        <p:nvSpPr>
+          <p:cNvPr id="9" name="Pladsholder til tekst 8">
             <a:extLst>
               <a:ext uri="{FF2B5EF4-FFF2-40B4-BE49-F238E27FC236}">
-                <a16:creationId xmlns:a16="http://schemas.microsoft.com/office/drawing/2014/main" id="{9C39A511-988C-E6E3-1E83-875E8D499B70}"/>
+                <a16:creationId xmlns:a16="http://schemas.microsoft.com/office/drawing/2014/main" id="{8CD27D15-F433-31E6-177B-EE7D35E5646B}"/>
               </a:ext>
             </a:extLst>
           </p:cNvPr>
@@ -7744,76 +8403,160 @@
             <a:spLocks noGrp="1"/>
           </p:cNvSpPr>
           <p:nvPr>
-            <p:ph idx="1"/>
-          </p:nvPr>
-        </p:nvSpPr>
-        <p:spPr/>
-        <p:txBody>
-          <a:bodyPr>
-            <a:normAutofit/>
-          </a:bodyPr>
-          <a:lstStyle/>
-          <a:p>
-            <a:r>
-              <a:rPr lang="da-DK" dirty="0"/>
-              <a:t>Event Streaming </a:t>
-            </a:r>
-          </a:p>
-          <a:p>
-            <a:r>
-              <a:rPr lang="da-DK" dirty="0"/>
-              <a:t>Broker – Lager</a:t>
-            </a:r>
-          </a:p>
-          <a:p>
-            <a:r>
-              <a:rPr lang="da-DK" dirty="0"/>
-              <a:t>Connect – </a:t>
-            </a:r>
-          </a:p>
-          <a:p>
-            <a:r>
-              <a:rPr lang="da-DK" dirty="0"/>
-              <a:t>Stream </a:t>
-            </a:r>
-          </a:p>
-          <a:p>
-            <a:r>
-              <a:rPr lang="da-DK" dirty="0"/>
-              <a:t>Event</a:t>
-            </a:r>
-          </a:p>
-          <a:p>
-            <a:r>
-              <a:rPr lang="da-DK" dirty="0"/>
-              <a:t>Producer</a:t>
-            </a:r>
-          </a:p>
-          <a:p>
-            <a:r>
-              <a:rPr lang="da-DK" dirty="0"/>
-              <a:t>Consumer</a:t>
-            </a:r>
-          </a:p>
-          <a:p>
-            <a:r>
-              <a:rPr lang="da-DK" dirty="0" err="1"/>
-              <a:t>Topic</a:t>
-            </a:r>
-            <a:endParaRPr lang="da-DK" dirty="0"/>
-          </a:p>
-          <a:p>
-            <a:r>
-              <a:rPr lang="da-DK" dirty="0"/>
-              <a:t>Partition</a:t>
-            </a:r>
-          </a:p>
-        </p:txBody>
-      </p:sp>
+            <p:ph type="body" idx="1"/>
+          </p:nvPr>
+        </p:nvSpPr>
+        <p:spPr/>
+        <p:txBody>
+          <a:bodyPr/>
+          <a:lstStyle/>
+          <a:p>
+            <a:pPr algn="ctr"/>
+            <a:r>
+              <a:rPr lang="da-DK" dirty="0"/>
+              <a:t>User</a:t>
+            </a:r>
+          </a:p>
+        </p:txBody>
+      </p:sp>
+      <p:sp>
+        <p:nvSpPr>
+          <p:cNvPr id="11" name="Pladsholder til tekst 10">
+            <a:extLst>
+              <a:ext uri="{FF2B5EF4-FFF2-40B4-BE49-F238E27FC236}">
+                <a16:creationId xmlns:a16="http://schemas.microsoft.com/office/drawing/2014/main" id="{14554AD5-EA8E-D605-0809-108E611B2BEF}"/>
+              </a:ext>
+            </a:extLst>
+          </p:cNvPr>
+          <p:cNvSpPr>
+            <a:spLocks noGrp="1"/>
+          </p:cNvSpPr>
+          <p:nvPr>
+            <p:ph type="body" sz="quarter" idx="3"/>
+          </p:nvPr>
+        </p:nvSpPr>
+        <p:spPr/>
+        <p:txBody>
+          <a:bodyPr/>
+          <a:lstStyle/>
+          <a:p>
+            <a:pPr algn="ctr"/>
+            <a:r>
+              <a:rPr lang="da-DK" dirty="0"/>
+              <a:t>Catering</a:t>
+            </a:r>
+          </a:p>
+        </p:txBody>
+      </p:sp>
+      <p:pic>
+        <p:nvPicPr>
+          <p:cNvPr id="6" name="Billede 5">
+            <a:extLst>
+              <a:ext uri="{FF2B5EF4-FFF2-40B4-BE49-F238E27FC236}">
+                <a16:creationId xmlns:a16="http://schemas.microsoft.com/office/drawing/2014/main" id="{125A1F25-01B0-C0A5-288F-9106BAD68F5F}"/>
+              </a:ext>
+            </a:extLst>
+          </p:cNvPr>
+          <p:cNvPicPr>
+            <a:picLocks noChangeAspect="1"/>
+          </p:cNvPicPr>
+          <p:nvPr/>
+        </p:nvPicPr>
+        <p:blipFill rotWithShape="1">
+          <a:blip r:embed="rId3">
+            <a:extLst>
+              <a:ext uri="{28A0092B-C50C-407E-A947-70E740481C1C}">
+                <a14:useLocalDpi xmlns:a14="http://schemas.microsoft.com/office/drawing/2010/main" val="0"/>
+              </a:ext>
+            </a:extLst>
+          </a:blip>
+          <a:srcRect l="33944" r="43745" b="60746"/>
+          <a:stretch/>
+        </p:blipFill>
+        <p:spPr>
+          <a:xfrm>
+            <a:off x="2417536" y="3429000"/>
+            <a:ext cx="1990531" cy="2506702"/>
+          </a:xfrm>
+          <a:prstGeom prst="rect">
+            <a:avLst/>
+          </a:prstGeom>
+        </p:spPr>
+      </p:pic>
+      <p:pic>
+        <p:nvPicPr>
+          <p:cNvPr id="8" name="Billede 7">
+            <a:extLst>
+              <a:ext uri="{FF2B5EF4-FFF2-40B4-BE49-F238E27FC236}">
+                <a16:creationId xmlns:a16="http://schemas.microsoft.com/office/drawing/2014/main" id="{582A40D8-C014-360C-D41B-E148BDAB2608}"/>
+              </a:ext>
+            </a:extLst>
+          </p:cNvPr>
+          <p:cNvPicPr>
+            <a:picLocks noChangeAspect="1"/>
+          </p:cNvPicPr>
+          <p:nvPr/>
+        </p:nvPicPr>
+        <p:blipFill rotWithShape="1">
+          <a:blip r:embed="rId3">
+            <a:extLst>
+              <a:ext uri="{28A0092B-C50C-407E-A947-70E740481C1C}">
+                <a14:useLocalDpi xmlns:a14="http://schemas.microsoft.com/office/drawing/2010/main" val="0"/>
+              </a:ext>
+            </a:extLst>
+          </a:blip>
+          <a:srcRect l="25459" t="63600" r="56168" b="11146"/>
+          <a:stretch/>
+        </p:blipFill>
+        <p:spPr>
+          <a:xfrm>
+            <a:off x="8073312" y="3429000"/>
+            <a:ext cx="1760375" cy="1731878"/>
+          </a:xfrm>
+          <a:prstGeom prst="rect">
+            <a:avLst/>
+          </a:prstGeom>
+        </p:spPr>
+      </p:pic>
+      <p:pic>
+        <p:nvPicPr>
+          <p:cNvPr id="14" name="Billede 13">
+            <a:extLst>
+              <a:ext uri="{FF2B5EF4-FFF2-40B4-BE49-F238E27FC236}">
+                <a16:creationId xmlns:a16="http://schemas.microsoft.com/office/drawing/2014/main" id="{48964D9A-3568-05BA-7614-1FB93E695559}"/>
+              </a:ext>
+            </a:extLst>
+          </p:cNvPr>
+          <p:cNvPicPr>
+            <a:picLocks noChangeAspect="1"/>
+          </p:cNvPicPr>
+          <p:nvPr/>
+        </p:nvPicPr>
+        <p:blipFill rotWithShape="1">
+          <a:blip r:embed="rId3">
+            <a:extLst>
+              <a:ext uri="{28A0092B-C50C-407E-A947-70E740481C1C}">
+                <a14:useLocalDpi xmlns:a14="http://schemas.microsoft.com/office/drawing/2010/main" val="0"/>
+              </a:ext>
+            </a:extLst>
+          </a:blip>
+          <a:srcRect l="61036" t="45516" r="24948" b="45872"/>
+          <a:stretch/>
+        </p:blipFill>
+        <p:spPr>
+          <a:xfrm>
+            <a:off x="5569177" y="3999664"/>
+            <a:ext cx="1343025" cy="590550"/>
+          </a:xfrm>
+          <a:prstGeom prst="rect">
+            <a:avLst/>
+          </a:prstGeom>
+        </p:spPr>
+      </p:pic>
     </p:spTree>
     <p:extLst>
       <p:ext uri="{BB962C8B-B14F-4D97-AF65-F5344CB8AC3E}">
-        <p14:creationId xmlns:p14="http://schemas.microsoft.com/office/powerpoint/2010/main" val="4027690829"/>
+        <p14:creationId xmlns:p14="http://schemas.microsoft.com/office/powerpoint/2010/main" val="1578549375"/>
       </p:ext>
     </p:extLst>
   </p:cSld>
@@ -7842,10 +8585,10 @@
       </p:grpSpPr>
       <p:sp>
         <p:nvSpPr>
-          <p:cNvPr id="8" name="Titel 7">
+          <p:cNvPr id="2" name="Titel 1">
             <a:extLst>
               <a:ext uri="{FF2B5EF4-FFF2-40B4-BE49-F238E27FC236}">
-                <a16:creationId xmlns:a16="http://schemas.microsoft.com/office/drawing/2014/main" id="{964C56D4-D3DF-1B49-7986-BDEB15B6AF6E}"/>
+                <a16:creationId xmlns:a16="http://schemas.microsoft.com/office/drawing/2014/main" id="{D3AA30F0-305C-D794-D26F-5C32E662E3C8}"/>
               </a:ext>
             </a:extLst>
           </p:cNvPr>
@@ -7863,17 +8606,17 @@
           <a:p>
             <a:r>
               <a:rPr lang="da-DK" dirty="0"/>
-              <a:t>Apache Kafka - Hvad Er</a:t>
-            </a:r>
-          </a:p>
-        </p:txBody>
-      </p:sp>
-      <p:sp>
-        <p:nvSpPr>
-          <p:cNvPr id="9" name="Pladsholder til indhold 8">
+              <a:t>Domain Driven Design - Begrænsninger</a:t>
+            </a:r>
+          </a:p>
+        </p:txBody>
+      </p:sp>
+      <p:sp>
+        <p:nvSpPr>
+          <p:cNvPr id="7" name="Pladsholder til indhold 6">
             <a:extLst>
               <a:ext uri="{FF2B5EF4-FFF2-40B4-BE49-F238E27FC236}">
-                <a16:creationId xmlns:a16="http://schemas.microsoft.com/office/drawing/2014/main" id="{084956D3-F9BC-364C-BE60-DE221C9ECB77}"/>
+                <a16:creationId xmlns:a16="http://schemas.microsoft.com/office/drawing/2014/main" id="{B3670039-E788-1E60-EDD0-AE2F517F1BFC}"/>
               </a:ext>
             </a:extLst>
           </p:cNvPr>
@@ -7891,47 +8634,33 @@
           <a:p>
             <a:r>
               <a:rPr lang="da-DK" dirty="0"/>
-              <a:t>Åben-kilde event streaming platform</a:t>
-            </a:r>
-          </a:p>
-          <a:p>
-            <a:r>
-              <a:rPr lang="da-DK" dirty="0"/>
-              <a:t>Event </a:t>
-            </a:r>
-            <a:r>
-              <a:rPr lang="da-DK" dirty="0" err="1"/>
-              <a:t>replikering</a:t>
-            </a:r>
-            <a:endParaRPr lang="da-DK" dirty="0"/>
-          </a:p>
-          <a:p>
-            <a:r>
-              <a:rPr lang="da-DK" dirty="0"/>
-              <a:t>Event </a:t>
-            </a:r>
-            <a:r>
-              <a:rPr lang="da-DK" dirty="0" err="1"/>
-              <a:t>schema</a:t>
-            </a:r>
-            <a:r>
-              <a:rPr lang="da-DK" dirty="0"/>
-              <a:t> //ikke nødvendigt</a:t>
-            </a:r>
-          </a:p>
-          <a:p>
-            <a:r>
-              <a:rPr lang="da-DK" dirty="0" err="1"/>
-              <a:t>Topic</a:t>
-            </a:r>
-            <a:endParaRPr lang="da-DK" dirty="0"/>
+              <a:t>Tungt</a:t>
+            </a:r>
+          </a:p>
+          <a:p>
+            <a:r>
+              <a:rPr lang="da-DK" dirty="0"/>
+              <a:t>Kræver domæne eksperter</a:t>
+            </a:r>
+          </a:p>
+          <a:p>
+            <a:r>
+              <a:rPr lang="da-DK" dirty="0"/>
+              <a:t>Kan tage lang tid at implementere</a:t>
+            </a:r>
+          </a:p>
+          <a:p>
+            <a:r>
+              <a:rPr lang="da-DK" dirty="0"/>
+              <a:t>Data duplikering</a:t>
+            </a:r>
           </a:p>
         </p:txBody>
       </p:sp>
     </p:spTree>
     <p:extLst>
       <p:ext uri="{BB962C8B-B14F-4D97-AF65-F5344CB8AC3E}">
-        <p14:creationId xmlns:p14="http://schemas.microsoft.com/office/powerpoint/2010/main" val="2863351694"/>
+        <p14:creationId xmlns:p14="http://schemas.microsoft.com/office/powerpoint/2010/main" val="3572238681"/>
       </p:ext>
     </p:extLst>
   </p:cSld>
@@ -7960,10 +8689,10 @@
       </p:grpSpPr>
       <p:sp>
         <p:nvSpPr>
-          <p:cNvPr id="8" name="Titel 7">
+          <p:cNvPr id="2" name="Titel 1">
             <a:extLst>
               <a:ext uri="{FF2B5EF4-FFF2-40B4-BE49-F238E27FC236}">
-                <a16:creationId xmlns:a16="http://schemas.microsoft.com/office/drawing/2014/main" id="{964C56D4-D3DF-1B49-7986-BDEB15B6AF6E}"/>
+                <a16:creationId xmlns:a16="http://schemas.microsoft.com/office/drawing/2014/main" id="{FFEC5993-EFA9-A519-83CC-AF07225CE353}"/>
               </a:ext>
             </a:extLst>
           </p:cNvPr>
@@ -7974,78 +8703,29 @@
             <p:ph type="title"/>
           </p:nvPr>
         </p:nvSpPr>
-        <p:spPr/>
-        <p:txBody>
-          <a:bodyPr/>
-          <a:lstStyle/>
-          <a:p>
-            <a:r>
-              <a:rPr lang="da-DK" dirty="0"/>
-              <a:t>Apache Kafka - Dele</a:t>
-            </a:r>
-          </a:p>
-        </p:txBody>
-      </p:sp>
-      <p:sp>
-        <p:nvSpPr>
-          <p:cNvPr id="9" name="Pladsholder til indhold 8">
-            <a:extLst>
-              <a:ext uri="{FF2B5EF4-FFF2-40B4-BE49-F238E27FC236}">
-                <a16:creationId xmlns:a16="http://schemas.microsoft.com/office/drawing/2014/main" id="{084956D3-F9BC-364C-BE60-DE221C9ECB77}"/>
-              </a:ext>
-            </a:extLst>
-          </p:cNvPr>
-          <p:cNvSpPr>
-            <a:spLocks noGrp="1"/>
-          </p:cNvSpPr>
-          <p:nvPr>
-            <p:ph idx="1"/>
-          </p:nvPr>
-        </p:nvSpPr>
-        <p:spPr/>
-        <p:txBody>
-          <a:bodyPr/>
-          <a:lstStyle/>
-          <a:p>
-            <a:r>
-              <a:rPr lang="da-DK" dirty="0"/>
-              <a:t>Broker</a:t>
-            </a:r>
-          </a:p>
-          <a:p>
-            <a:r>
-              <a:rPr lang="da-DK" dirty="0"/>
-              <a:t>Controller </a:t>
-            </a:r>
-          </a:p>
-          <a:p>
-            <a:r>
-              <a:rPr lang="da-DK" dirty="0"/>
-              <a:t>Connect</a:t>
-            </a:r>
-          </a:p>
-          <a:p>
-            <a:r>
-              <a:rPr lang="da-DK" dirty="0"/>
-              <a:t>Stream</a:t>
-            </a:r>
-          </a:p>
-          <a:p>
+        <p:spPr>
+          <a:xfrm>
+            <a:off x="0" y="0"/>
+            <a:ext cx="12192000" cy="6857999"/>
+          </a:xfrm>
+        </p:spPr>
+        <p:txBody>
+          <a:bodyPr/>
+          <a:lstStyle/>
+          <a:p>
+            <a:pPr algn="ctr"/>
             <a:r>
               <a:rPr lang="da-DK" dirty="0" err="1"/>
-              <a:t>Schema</a:t>
-            </a:r>
-            <a:r>
-              <a:rPr lang="da-DK" dirty="0"/>
-              <a:t> Registry</a:t>
-            </a:r>
+              <a:t>RabbitMQ</a:t>
+            </a:r>
+            <a:endParaRPr lang="da-DK" dirty="0"/>
           </a:p>
         </p:txBody>
       </p:sp>
     </p:spTree>
     <p:extLst>
       <p:ext uri="{BB962C8B-B14F-4D97-AF65-F5344CB8AC3E}">
-        <p14:creationId xmlns:p14="http://schemas.microsoft.com/office/powerpoint/2010/main" val="3462775647"/>
+        <p14:creationId xmlns:p14="http://schemas.microsoft.com/office/powerpoint/2010/main" val="2479043303"/>
       </p:ext>
     </p:extLst>
   </p:cSld>
@@ -8077,7 +8757,7 @@
           <p:cNvPr id="2" name="Titel 1">
             <a:extLst>
               <a:ext uri="{FF2B5EF4-FFF2-40B4-BE49-F238E27FC236}">
-                <a16:creationId xmlns:a16="http://schemas.microsoft.com/office/drawing/2014/main" id="{FFEC5993-EFA9-A519-83CC-AF07225CE353}"/>
+                <a16:creationId xmlns:a16="http://schemas.microsoft.com/office/drawing/2014/main" id="{D3AA30F0-305C-D794-D26F-5C32E662E3C8}"/>
               </a:ext>
             </a:extLst>
           </p:cNvPr>
@@ -8088,35 +8768,50 @@
             <p:ph type="title"/>
           </p:nvPr>
         </p:nvSpPr>
-        <p:spPr>
-          <a:xfrm>
-            <a:off x="0" y="0"/>
-            <a:ext cx="12192000" cy="6857999"/>
-          </a:xfrm>
-        </p:spPr>
-        <p:txBody>
-          <a:bodyPr/>
-          <a:lstStyle/>
-          <a:p>
-            <a:pPr algn="ctr"/>
-            <a:r>
-              <a:rPr lang="da-DK" dirty="0"/>
-              <a:t>Demo</a:t>
-            </a:r>
-            <a:br>
-              <a:rPr lang="da-DK" dirty="0"/>
-            </a:br>
-            <a:r>
-              <a:rPr lang="da-DK" dirty="0"/>
-              <a:t>Kafka</a:t>
-            </a:r>
+        <p:spPr/>
+        <p:txBody>
+          <a:bodyPr/>
+          <a:lstStyle/>
+          <a:p>
+            <a:endParaRPr lang="da-DK" dirty="0"/>
+          </a:p>
+        </p:txBody>
+      </p:sp>
+      <p:sp>
+        <p:nvSpPr>
+          <p:cNvPr id="7" name="Pladsholder til indhold 6">
+            <a:extLst>
+              <a:ext uri="{FF2B5EF4-FFF2-40B4-BE49-F238E27FC236}">
+                <a16:creationId xmlns:a16="http://schemas.microsoft.com/office/drawing/2014/main" id="{B3670039-E788-1E60-EDD0-AE2F517F1BFC}"/>
+              </a:ext>
+            </a:extLst>
+          </p:cNvPr>
+          <p:cNvSpPr>
+            <a:spLocks noGrp="1"/>
+          </p:cNvSpPr>
+          <p:nvPr>
+            <p:ph idx="1"/>
+          </p:nvPr>
+        </p:nvSpPr>
+        <p:spPr/>
+        <p:txBody>
+          <a:bodyPr/>
+          <a:lstStyle/>
+          <a:p>
+            <a:endParaRPr lang="da-DK" dirty="0"/>
+          </a:p>
+          <a:p>
+            <a:endParaRPr lang="da-DK" dirty="0"/>
+          </a:p>
+          <a:p>
+            <a:endParaRPr lang="da-DK" dirty="0"/>
           </a:p>
         </p:txBody>
       </p:sp>
     </p:spTree>
     <p:extLst>
       <p:ext uri="{BB962C8B-B14F-4D97-AF65-F5344CB8AC3E}">
-        <p14:creationId xmlns:p14="http://schemas.microsoft.com/office/powerpoint/2010/main" val="230170436"/>
+        <p14:creationId xmlns:p14="http://schemas.microsoft.com/office/powerpoint/2010/main" val="3755726600"/>
       </p:ext>
     </p:extLst>
   </p:cSld>
@@ -8127,7 +8822,7 @@
 </file>
 
 <file path=ppt/slides/slide19.xml><?xml version="1.0" encoding="utf-8"?>
-<p:sld xmlns:a="http://schemas.openxmlformats.org/drawingml/2006/main" xmlns:r="http://schemas.openxmlformats.org/officeDocument/2006/relationships" xmlns:p="http://schemas.openxmlformats.org/presentationml/2006/main">
+<p:sld xmlns:a="http://schemas.openxmlformats.org/drawingml/2006/main" xmlns:r="http://schemas.openxmlformats.org/officeDocument/2006/relationships" xmlns:p="http://schemas.openxmlformats.org/presentationml/2006/main" show="0">
   <p:cSld>
     <p:spTree>
       <p:nvGrpSpPr>
@@ -8145,10 +8840,10 @@
       </p:grpSpPr>
       <p:sp>
         <p:nvSpPr>
-          <p:cNvPr id="8" name="Titel 7">
+          <p:cNvPr id="2" name="Titel 1">
             <a:extLst>
               <a:ext uri="{FF2B5EF4-FFF2-40B4-BE49-F238E27FC236}">
-                <a16:creationId xmlns:a16="http://schemas.microsoft.com/office/drawing/2014/main" id="{964C56D4-D3DF-1B49-7986-BDEB15B6AF6E}"/>
+                <a16:creationId xmlns:a16="http://schemas.microsoft.com/office/drawing/2014/main" id="{FFEC5993-EFA9-A519-83CC-AF07225CE353}"/>
               </a:ext>
             </a:extLst>
           </p:cNvPr>
@@ -8159,176 +8854,28 @@
             <p:ph type="title"/>
           </p:nvPr>
         </p:nvSpPr>
-        <p:spPr/>
-        <p:txBody>
-          <a:bodyPr/>
-          <a:lstStyle/>
-          <a:p>
-            <a:r>
-              <a:rPr lang="da-DK" dirty="0"/>
-              <a:t>Kafka - I forhold til </a:t>
+        <p:spPr>
+          <a:xfrm>
+            <a:off x="0" y="0"/>
+            <a:ext cx="12192000" cy="6857999"/>
+          </a:xfrm>
+        </p:spPr>
+        <p:txBody>
+          <a:bodyPr/>
+          <a:lstStyle/>
+          <a:p>
+            <a:pPr algn="ctr"/>
+            <a:r>
+              <a:rPr lang="da-DK" dirty="0"/>
+              <a:t>Command Query </a:t>
             </a:r>
             <a:r>
               <a:rPr lang="da-DK" dirty="0" err="1"/>
-              <a:t>RabbitMQ</a:t>
-            </a:r>
-            <a:endParaRPr lang="da-DK" dirty="0"/>
-          </a:p>
-        </p:txBody>
-      </p:sp>
-      <p:sp>
-        <p:nvSpPr>
-          <p:cNvPr id="2" name="Pladsholder til tekst 1">
-            <a:extLst>
-              <a:ext uri="{FF2B5EF4-FFF2-40B4-BE49-F238E27FC236}">
-                <a16:creationId xmlns:a16="http://schemas.microsoft.com/office/drawing/2014/main" id="{52D09D76-F7EA-FB42-58D6-435CFFBC688F}"/>
-              </a:ext>
-            </a:extLst>
-          </p:cNvPr>
-          <p:cNvSpPr>
-            <a:spLocks noGrp="1"/>
-          </p:cNvSpPr>
-          <p:nvPr>
-            <p:ph type="body" idx="1"/>
-          </p:nvPr>
-        </p:nvSpPr>
-        <p:spPr/>
-        <p:txBody>
-          <a:bodyPr/>
-          <a:lstStyle/>
-          <a:p>
-            <a:r>
-              <a:rPr lang="da-DK" dirty="0"/>
-              <a:t>Kafka</a:t>
-            </a:r>
-          </a:p>
-        </p:txBody>
-      </p:sp>
-      <p:sp>
-        <p:nvSpPr>
-          <p:cNvPr id="3" name="Pladsholder til indhold 2">
-            <a:extLst>
-              <a:ext uri="{FF2B5EF4-FFF2-40B4-BE49-F238E27FC236}">
-                <a16:creationId xmlns:a16="http://schemas.microsoft.com/office/drawing/2014/main" id="{339997B2-9ED5-7B5A-EBCA-3B5D07672F58}"/>
-              </a:ext>
-            </a:extLst>
-          </p:cNvPr>
-          <p:cNvSpPr>
-            <a:spLocks noGrp="1"/>
-          </p:cNvSpPr>
-          <p:nvPr>
-            <p:ph sz="half" idx="2"/>
-          </p:nvPr>
-        </p:nvSpPr>
-        <p:spPr/>
-        <p:txBody>
-          <a:bodyPr/>
-          <a:lstStyle/>
-          <a:p>
-            <a:r>
-              <a:rPr lang="da-DK" dirty="0" err="1"/>
-              <a:t>Topic</a:t>
-            </a:r>
-            <a:endParaRPr lang="da-DK" dirty="0"/>
-          </a:p>
-          <a:p>
-            <a:r>
-              <a:rPr lang="da-DK" dirty="0"/>
-              <a:t>Kan have skema	</a:t>
-            </a:r>
-          </a:p>
-          <a:p>
-            <a:r>
-              <a:rPr lang="da-DK" dirty="0" err="1"/>
-              <a:t>Komplext</a:t>
-            </a:r>
-            <a:endParaRPr lang="da-DK" dirty="0"/>
-          </a:p>
-          <a:p>
-            <a:r>
-              <a:rPr lang="da-DK" dirty="0"/>
-              <a:t>Event</a:t>
-            </a:r>
-          </a:p>
-        </p:txBody>
-      </p:sp>
-      <p:sp>
-        <p:nvSpPr>
-          <p:cNvPr id="4" name="Pladsholder til tekst 3">
-            <a:extLst>
-              <a:ext uri="{FF2B5EF4-FFF2-40B4-BE49-F238E27FC236}">
-                <a16:creationId xmlns:a16="http://schemas.microsoft.com/office/drawing/2014/main" id="{D2BCD25E-3062-C776-FDCD-8724CFA931AE}"/>
-              </a:ext>
-            </a:extLst>
-          </p:cNvPr>
-          <p:cNvSpPr>
-            <a:spLocks noGrp="1"/>
-          </p:cNvSpPr>
-          <p:nvPr>
-            <p:ph type="body" sz="quarter" idx="3"/>
-          </p:nvPr>
-        </p:nvSpPr>
-        <p:spPr/>
-        <p:txBody>
-          <a:bodyPr/>
-          <a:lstStyle/>
-          <a:p>
-            <a:r>
-              <a:rPr lang="da-DK" dirty="0" err="1"/>
-              <a:t>RabbitMQ</a:t>
-            </a:r>
-            <a:endParaRPr lang="da-DK" dirty="0"/>
-          </a:p>
-        </p:txBody>
-      </p:sp>
-      <p:sp>
-        <p:nvSpPr>
-          <p:cNvPr id="5" name="Pladsholder til indhold 4">
-            <a:extLst>
-              <a:ext uri="{FF2B5EF4-FFF2-40B4-BE49-F238E27FC236}">
-                <a16:creationId xmlns:a16="http://schemas.microsoft.com/office/drawing/2014/main" id="{A6395EEA-AED6-2FD6-EC89-277DA9898817}"/>
-              </a:ext>
-            </a:extLst>
-          </p:cNvPr>
-          <p:cNvSpPr>
-            <a:spLocks noGrp="1"/>
-          </p:cNvSpPr>
-          <p:nvPr>
-            <p:ph sz="quarter" idx="4"/>
-          </p:nvPr>
-        </p:nvSpPr>
-        <p:spPr/>
-        <p:txBody>
-          <a:bodyPr/>
-          <a:lstStyle/>
-          <a:p>
-            <a:r>
-              <a:rPr lang="da-DK" dirty="0"/>
-              <a:t>Queue</a:t>
-            </a:r>
-          </a:p>
-          <a:p>
-            <a:r>
-              <a:rPr lang="da-DK" dirty="0"/>
-              <a:t>Intet skema</a:t>
-            </a:r>
-          </a:p>
-          <a:p>
-            <a:r>
-              <a:rPr lang="da-DK" dirty="0"/>
-              <a:t>RPC</a:t>
-            </a:r>
-          </a:p>
-          <a:p>
-            <a:r>
-              <a:rPr lang="da-DK" dirty="0"/>
-              <a:t>Simpelt</a:t>
-            </a:r>
-          </a:p>
-          <a:p>
-            <a:r>
-              <a:rPr lang="da-DK" dirty="0"/>
-              <a:t>Message</a:t>
+              <a:t>Responsilibty</a:t>
+            </a:r>
+            <a:r>
+              <a:rPr lang="da-DK" dirty="0"/>
+              <a:t> Segregation</a:t>
             </a:r>
           </a:p>
         </p:txBody>
@@ -8336,7 +8883,7 @@
     </p:spTree>
     <p:extLst>
       <p:ext uri="{BB962C8B-B14F-4D97-AF65-F5344CB8AC3E}">
-        <p14:creationId xmlns:p14="http://schemas.microsoft.com/office/powerpoint/2010/main" val="1977421596"/>
+        <p14:creationId xmlns:p14="http://schemas.microsoft.com/office/powerpoint/2010/main" val="1359063521"/>
       </p:ext>
     </p:extLst>
   </p:cSld>
@@ -8437,7 +8984,9 @@
         </p:nvSpPr>
         <p:spPr/>
         <p:txBody>
-          <a:bodyPr/>
+          <a:bodyPr>
+            <a:normAutofit fontScale="92500" lnSpcReduction="10000"/>
+          </a:bodyPr>
           <a:lstStyle/>
           <a:p>
             <a:r>
@@ -8465,8 +9014,27 @@
           </a:p>
           <a:p>
             <a:r>
+              <a:rPr lang="da-DK" dirty="0" err="1"/>
+              <a:t>RabbitMQ</a:t>
+            </a:r>
+            <a:endParaRPr lang="da-DK" dirty="0"/>
+          </a:p>
+          <a:p>
+            <a:r>
+              <a:rPr lang="da-DK" dirty="0"/>
+              <a:t>CQRS</a:t>
+            </a:r>
+          </a:p>
+          <a:p>
+            <a:r>
               <a:rPr lang="da-DK" dirty="0"/>
               <a:t>Logning</a:t>
+            </a:r>
+          </a:p>
+          <a:p>
+            <a:r>
+              <a:rPr lang="da-DK" dirty="0"/>
+              <a:t>Konklusion</a:t>
             </a:r>
           </a:p>
         </p:txBody>
@@ -8517,7 +9085,9 @@
         </p:nvSpPr>
         <p:spPr/>
         <p:txBody>
-          <a:bodyPr/>
+          <a:bodyPr>
+            <a:normAutofit fontScale="92500" lnSpcReduction="10000"/>
+          </a:bodyPr>
           <a:lstStyle/>
           <a:p>
             <a:r>
@@ -8582,6 +9152,1430 @@
       </p:grpSpPr>
       <p:sp>
         <p:nvSpPr>
+          <p:cNvPr id="2" name="Titel 1">
+            <a:extLst>
+              <a:ext uri="{FF2B5EF4-FFF2-40B4-BE49-F238E27FC236}">
+                <a16:creationId xmlns:a16="http://schemas.microsoft.com/office/drawing/2014/main" id="{FFEC5993-EFA9-A519-83CC-AF07225CE353}"/>
+              </a:ext>
+            </a:extLst>
+          </p:cNvPr>
+          <p:cNvSpPr>
+            <a:spLocks noGrp="1"/>
+          </p:cNvSpPr>
+          <p:nvPr>
+            <p:ph type="title"/>
+          </p:nvPr>
+        </p:nvSpPr>
+        <p:spPr>
+          <a:xfrm>
+            <a:off x="0" y="0"/>
+            <a:ext cx="12192000" cy="6857999"/>
+          </a:xfrm>
+        </p:spPr>
+        <p:txBody>
+          <a:bodyPr/>
+          <a:lstStyle/>
+          <a:p>
+            <a:pPr algn="ctr"/>
+            <a:r>
+              <a:rPr lang="da-DK" dirty="0"/>
+              <a:t>Logning</a:t>
+            </a:r>
+          </a:p>
+        </p:txBody>
+      </p:sp>
+    </p:spTree>
+    <p:extLst>
+      <p:ext uri="{BB962C8B-B14F-4D97-AF65-F5344CB8AC3E}">
+        <p14:creationId xmlns:p14="http://schemas.microsoft.com/office/powerpoint/2010/main" val="1136211132"/>
+      </p:ext>
+    </p:extLst>
+  </p:cSld>
+  <p:clrMapOvr>
+    <a:masterClrMapping/>
+  </p:clrMapOvr>
+</p:sld>
+</file>
+
+<file path=ppt/slides/slide21.xml><?xml version="1.0" encoding="utf-8"?>
+<p:sld xmlns:a="http://schemas.openxmlformats.org/drawingml/2006/main" xmlns:r="http://schemas.openxmlformats.org/officeDocument/2006/relationships" xmlns:p="http://schemas.openxmlformats.org/presentationml/2006/main">
+  <p:cSld>
+    <p:spTree>
+      <p:nvGrpSpPr>
+        <p:cNvPr id="1" name=""/>
+        <p:cNvGrpSpPr/>
+        <p:nvPr/>
+      </p:nvGrpSpPr>
+      <p:grpSpPr>
+        <a:xfrm>
+          <a:off x="0" y="0"/>
+          <a:ext cx="0" cy="0"/>
+          <a:chOff x="0" y="0"/>
+          <a:chExt cx="0" cy="0"/>
+        </a:xfrm>
+      </p:grpSpPr>
+      <p:sp>
+        <p:nvSpPr>
+          <p:cNvPr id="2" name="Titel 1">
+            <a:extLst>
+              <a:ext uri="{FF2B5EF4-FFF2-40B4-BE49-F238E27FC236}">
+                <a16:creationId xmlns:a16="http://schemas.microsoft.com/office/drawing/2014/main" id="{21C30BFC-C22D-1BBC-081D-EF99A2BD28B4}"/>
+              </a:ext>
+            </a:extLst>
+          </p:cNvPr>
+          <p:cNvSpPr>
+            <a:spLocks noGrp="1"/>
+          </p:cNvSpPr>
+          <p:nvPr>
+            <p:ph type="title"/>
+          </p:nvPr>
+        </p:nvSpPr>
+        <p:spPr/>
+        <p:txBody>
+          <a:bodyPr/>
+          <a:lstStyle/>
+          <a:p>
+            <a:r>
+              <a:rPr lang="da-DK" dirty="0"/>
+              <a:t>Logning</a:t>
+            </a:r>
+          </a:p>
+        </p:txBody>
+      </p:sp>
+      <p:sp>
+        <p:nvSpPr>
+          <p:cNvPr id="3" name="Pladsholder til indhold 2">
+            <a:extLst>
+              <a:ext uri="{FF2B5EF4-FFF2-40B4-BE49-F238E27FC236}">
+                <a16:creationId xmlns:a16="http://schemas.microsoft.com/office/drawing/2014/main" id="{33B21E7F-37E8-8AE0-E2C8-025FD2672AC8}"/>
+              </a:ext>
+            </a:extLst>
+          </p:cNvPr>
+          <p:cNvSpPr>
+            <a:spLocks noGrp="1"/>
+          </p:cNvSpPr>
+          <p:nvPr>
+            <p:ph idx="1"/>
+          </p:nvPr>
+        </p:nvSpPr>
+        <p:spPr/>
+        <p:txBody>
+          <a:bodyPr/>
+          <a:lstStyle/>
+          <a:p>
+            <a:endParaRPr lang="da-DK" dirty="0"/>
+          </a:p>
+          <a:p>
+            <a:r>
+              <a:rPr lang="da-DK" dirty="0"/>
+              <a:t>Benytter </a:t>
+            </a:r>
+            <a:r>
+              <a:rPr lang="da-DK" dirty="0" err="1"/>
+              <a:t>Seq</a:t>
+            </a:r>
+            <a:r>
+              <a:rPr lang="da-DK" dirty="0"/>
+              <a:t> og </a:t>
+            </a:r>
+            <a:r>
+              <a:rPr lang="da-DK" dirty="0" err="1"/>
+              <a:t>Serilog</a:t>
+            </a:r>
+            <a:endParaRPr lang="da-DK" dirty="0"/>
+          </a:p>
+          <a:p>
+            <a:r>
+              <a:rPr lang="da-DK" dirty="0"/>
+              <a:t>Hjælper med at finde opførelser over tid</a:t>
+            </a:r>
+          </a:p>
+          <a:p>
+            <a:r>
+              <a:rPr lang="da-DK" dirty="0"/>
+              <a:t>Hjælper med at forstå bugs, der først opstår over lang tid</a:t>
+            </a:r>
+          </a:p>
+          <a:p>
+            <a:pPr marL="0" indent="0">
+              <a:buNone/>
+            </a:pPr>
+            <a:endParaRPr lang="da-DK" dirty="0"/>
+          </a:p>
+        </p:txBody>
+      </p:sp>
+    </p:spTree>
+    <p:extLst>
+      <p:ext uri="{BB962C8B-B14F-4D97-AF65-F5344CB8AC3E}">
+        <p14:creationId xmlns:p14="http://schemas.microsoft.com/office/powerpoint/2010/main" val="3231485805"/>
+      </p:ext>
+    </p:extLst>
+  </p:cSld>
+  <p:clrMapOvr>
+    <a:masterClrMapping/>
+  </p:clrMapOvr>
+</p:sld>
+</file>
+
+<file path=ppt/slides/slide22.xml><?xml version="1.0" encoding="utf-8"?>
+<p:sld xmlns:a="http://schemas.openxmlformats.org/drawingml/2006/main" xmlns:r="http://schemas.openxmlformats.org/officeDocument/2006/relationships" xmlns:p="http://schemas.openxmlformats.org/presentationml/2006/main">
+  <p:cSld>
+    <p:spTree>
+      <p:nvGrpSpPr>
+        <p:cNvPr id="1" name=""/>
+        <p:cNvGrpSpPr/>
+        <p:nvPr/>
+      </p:nvGrpSpPr>
+      <p:grpSpPr>
+        <a:xfrm>
+          <a:off x="0" y="0"/>
+          <a:ext cx="0" cy="0"/>
+          <a:chOff x="0" y="0"/>
+          <a:chExt cx="0" cy="0"/>
+        </a:xfrm>
+      </p:grpSpPr>
+      <p:sp>
+        <p:nvSpPr>
+          <p:cNvPr id="2" name="Titel 1">
+            <a:extLst>
+              <a:ext uri="{FF2B5EF4-FFF2-40B4-BE49-F238E27FC236}">
+                <a16:creationId xmlns:a16="http://schemas.microsoft.com/office/drawing/2014/main" id="{9AD4A813-A89A-825A-72FF-FA237F2E8B70}"/>
+              </a:ext>
+            </a:extLst>
+          </p:cNvPr>
+          <p:cNvSpPr>
+            <a:spLocks noGrp="1"/>
+          </p:cNvSpPr>
+          <p:nvPr>
+            <p:ph type="title"/>
+          </p:nvPr>
+        </p:nvSpPr>
+        <p:spPr/>
+        <p:txBody>
+          <a:bodyPr/>
+          <a:lstStyle/>
+          <a:p>
+            <a:r>
+              <a:rPr lang="da-DK"/>
+              <a:t>Konklusion?</a:t>
+            </a:r>
+          </a:p>
+        </p:txBody>
+      </p:sp>
+      <p:sp>
+        <p:nvSpPr>
+          <p:cNvPr id="3" name="Pladsholder til indhold 2">
+            <a:extLst>
+              <a:ext uri="{FF2B5EF4-FFF2-40B4-BE49-F238E27FC236}">
+                <a16:creationId xmlns:a16="http://schemas.microsoft.com/office/drawing/2014/main" id="{4273B0C1-65DB-7237-D931-F20125F6C970}"/>
+              </a:ext>
+            </a:extLst>
+          </p:cNvPr>
+          <p:cNvSpPr>
+            <a:spLocks noGrp="1"/>
+          </p:cNvSpPr>
+          <p:nvPr>
+            <p:ph idx="1"/>
+          </p:nvPr>
+        </p:nvSpPr>
+        <p:spPr/>
+        <p:txBody>
+          <a:bodyPr/>
+          <a:lstStyle/>
+          <a:p>
+            <a:r>
+              <a:rPr lang="da-DK" dirty="0"/>
+              <a:t>Produktet læste problemformulering</a:t>
+            </a:r>
+          </a:p>
+          <a:p>
+            <a:r>
+              <a:rPr lang="da-DK" dirty="0"/>
+              <a:t>Har mangler før det ville kunne bruges i virkeligheden</a:t>
+            </a:r>
+          </a:p>
+          <a:p>
+            <a:r>
+              <a:rPr lang="da-DK" dirty="0"/>
+              <a:t>Er mere hen af en prototype</a:t>
+            </a:r>
+          </a:p>
+        </p:txBody>
+      </p:sp>
+    </p:spTree>
+    <p:extLst>
+      <p:ext uri="{BB962C8B-B14F-4D97-AF65-F5344CB8AC3E}">
+        <p14:creationId xmlns:p14="http://schemas.microsoft.com/office/powerpoint/2010/main" val="2542655594"/>
+      </p:ext>
+    </p:extLst>
+  </p:cSld>
+  <p:clrMapOvr>
+    <a:masterClrMapping/>
+  </p:clrMapOvr>
+</p:sld>
+</file>
+
+<file path=ppt/slides/slide23.xml><?xml version="1.0" encoding="utf-8"?>
+<p:sld xmlns:a="http://schemas.openxmlformats.org/drawingml/2006/main" xmlns:r="http://schemas.openxmlformats.org/officeDocument/2006/relationships" xmlns:p="http://schemas.openxmlformats.org/presentationml/2006/main">
+  <p:cSld>
+    <p:spTree>
+      <p:nvGrpSpPr>
+        <p:cNvPr id="1" name=""/>
+        <p:cNvGrpSpPr/>
+        <p:nvPr/>
+      </p:nvGrpSpPr>
+      <p:grpSpPr>
+        <a:xfrm>
+          <a:off x="0" y="0"/>
+          <a:ext cx="0" cy="0"/>
+          <a:chOff x="0" y="0"/>
+          <a:chExt cx="0" cy="0"/>
+        </a:xfrm>
+      </p:grpSpPr>
+      <p:sp>
+        <p:nvSpPr>
+          <p:cNvPr id="2" name="Titel 1">
+            <a:extLst>
+              <a:ext uri="{FF2B5EF4-FFF2-40B4-BE49-F238E27FC236}">
+                <a16:creationId xmlns:a16="http://schemas.microsoft.com/office/drawing/2014/main" id="{FFEC5993-EFA9-A519-83CC-AF07225CE353}"/>
+              </a:ext>
+            </a:extLst>
+          </p:cNvPr>
+          <p:cNvSpPr>
+            <a:spLocks noGrp="1"/>
+          </p:cNvSpPr>
+          <p:nvPr>
+            <p:ph type="title"/>
+          </p:nvPr>
+        </p:nvSpPr>
+        <p:spPr>
+          <a:xfrm>
+            <a:off x="0" y="0"/>
+            <a:ext cx="12192000" cy="6857999"/>
+          </a:xfrm>
+        </p:spPr>
+        <p:txBody>
+          <a:bodyPr/>
+          <a:lstStyle/>
+          <a:p>
+            <a:pPr algn="ctr"/>
+            <a:r>
+              <a:rPr lang="da-DK" dirty="0"/>
+              <a:t>Selvvalgt Emne </a:t>
+            </a:r>
+            <a:br>
+              <a:rPr lang="da-DK" dirty="0"/>
+            </a:br>
+            <a:r>
+              <a:rPr lang="da-DK" dirty="0"/>
+              <a:t>Kafka</a:t>
+            </a:r>
+          </a:p>
+        </p:txBody>
+      </p:sp>
+    </p:spTree>
+    <p:extLst>
+      <p:ext uri="{BB962C8B-B14F-4D97-AF65-F5344CB8AC3E}">
+        <p14:creationId xmlns:p14="http://schemas.microsoft.com/office/powerpoint/2010/main" val="900528911"/>
+      </p:ext>
+    </p:extLst>
+  </p:cSld>
+  <p:clrMapOvr>
+    <a:masterClrMapping/>
+  </p:clrMapOvr>
+</p:sld>
+</file>
+
+<file path=ppt/slides/slide24.xml><?xml version="1.0" encoding="utf-8"?>
+<p:sld xmlns:a="http://schemas.openxmlformats.org/drawingml/2006/main" xmlns:r="http://schemas.openxmlformats.org/officeDocument/2006/relationships" xmlns:p="http://schemas.openxmlformats.org/presentationml/2006/main" show="0">
+  <p:cSld>
+    <p:spTree>
+      <p:nvGrpSpPr>
+        <p:cNvPr id="1" name=""/>
+        <p:cNvGrpSpPr/>
+        <p:nvPr/>
+      </p:nvGrpSpPr>
+      <p:grpSpPr>
+        <a:xfrm>
+          <a:off x="0" y="0"/>
+          <a:ext cx="0" cy="0"/>
+          <a:chOff x="0" y="0"/>
+          <a:chExt cx="0" cy="0"/>
+        </a:xfrm>
+      </p:grpSpPr>
+      <p:sp>
+        <p:nvSpPr>
+          <p:cNvPr id="2" name="Titel 1">
+            <a:extLst>
+              <a:ext uri="{FF2B5EF4-FFF2-40B4-BE49-F238E27FC236}">
+                <a16:creationId xmlns:a16="http://schemas.microsoft.com/office/drawing/2014/main" id="{1472BA20-C2D2-35CC-B001-35FBC754D728}"/>
+              </a:ext>
+            </a:extLst>
+          </p:cNvPr>
+          <p:cNvSpPr>
+            <a:spLocks noGrp="1"/>
+          </p:cNvSpPr>
+          <p:nvPr>
+            <p:ph type="title"/>
+          </p:nvPr>
+        </p:nvSpPr>
+        <p:spPr/>
+        <p:txBody>
+          <a:bodyPr/>
+          <a:lstStyle/>
+          <a:p>
+            <a:r>
+              <a:rPr lang="da-DK" dirty="0"/>
+              <a:t>Apache Kafka</a:t>
+            </a:r>
+          </a:p>
+        </p:txBody>
+      </p:sp>
+      <p:sp>
+        <p:nvSpPr>
+          <p:cNvPr id="3" name="Pladsholder til indhold 2">
+            <a:extLst>
+              <a:ext uri="{FF2B5EF4-FFF2-40B4-BE49-F238E27FC236}">
+                <a16:creationId xmlns:a16="http://schemas.microsoft.com/office/drawing/2014/main" id="{9C39A511-988C-E6E3-1E83-875E8D499B70}"/>
+              </a:ext>
+            </a:extLst>
+          </p:cNvPr>
+          <p:cNvSpPr>
+            <a:spLocks noGrp="1"/>
+          </p:cNvSpPr>
+          <p:nvPr>
+            <p:ph idx="1"/>
+          </p:nvPr>
+        </p:nvSpPr>
+        <p:spPr/>
+        <p:txBody>
+          <a:bodyPr>
+            <a:normAutofit/>
+          </a:bodyPr>
+          <a:lstStyle/>
+          <a:p>
+            <a:r>
+              <a:rPr lang="da-DK" dirty="0"/>
+              <a:t>Event Streaming </a:t>
+            </a:r>
+          </a:p>
+          <a:p>
+            <a:r>
+              <a:rPr lang="da-DK" dirty="0"/>
+              <a:t>Broker – Lager</a:t>
+            </a:r>
+          </a:p>
+          <a:p>
+            <a:r>
+              <a:rPr lang="da-DK" dirty="0"/>
+              <a:t>Connect – </a:t>
+            </a:r>
+          </a:p>
+          <a:p>
+            <a:r>
+              <a:rPr lang="da-DK" dirty="0"/>
+              <a:t>Stream </a:t>
+            </a:r>
+          </a:p>
+          <a:p>
+            <a:r>
+              <a:rPr lang="da-DK" dirty="0"/>
+              <a:t>Event</a:t>
+            </a:r>
+          </a:p>
+          <a:p>
+            <a:r>
+              <a:rPr lang="da-DK" dirty="0"/>
+              <a:t>Producer</a:t>
+            </a:r>
+          </a:p>
+          <a:p>
+            <a:r>
+              <a:rPr lang="da-DK" dirty="0"/>
+              <a:t>Consumer</a:t>
+            </a:r>
+          </a:p>
+          <a:p>
+            <a:r>
+              <a:rPr lang="da-DK" dirty="0" err="1"/>
+              <a:t>Topic</a:t>
+            </a:r>
+            <a:endParaRPr lang="da-DK" dirty="0"/>
+          </a:p>
+          <a:p>
+            <a:r>
+              <a:rPr lang="da-DK" dirty="0"/>
+              <a:t>Partition</a:t>
+            </a:r>
+          </a:p>
+        </p:txBody>
+      </p:sp>
+    </p:spTree>
+    <p:extLst>
+      <p:ext uri="{BB962C8B-B14F-4D97-AF65-F5344CB8AC3E}">
+        <p14:creationId xmlns:p14="http://schemas.microsoft.com/office/powerpoint/2010/main" val="4027690829"/>
+      </p:ext>
+    </p:extLst>
+  </p:cSld>
+  <p:clrMapOvr>
+    <a:masterClrMapping/>
+  </p:clrMapOvr>
+</p:sld>
+</file>
+
+<file path=ppt/slides/slide25.xml><?xml version="1.0" encoding="utf-8"?>
+<p:sld xmlns:a="http://schemas.openxmlformats.org/drawingml/2006/main" xmlns:r="http://schemas.openxmlformats.org/officeDocument/2006/relationships" xmlns:p="http://schemas.openxmlformats.org/presentationml/2006/main">
+  <p:cSld>
+    <p:spTree>
+      <p:nvGrpSpPr>
+        <p:cNvPr id="1" name=""/>
+        <p:cNvGrpSpPr/>
+        <p:nvPr/>
+      </p:nvGrpSpPr>
+      <p:grpSpPr>
+        <a:xfrm>
+          <a:off x="0" y="0"/>
+          <a:ext cx="0" cy="0"/>
+          <a:chOff x="0" y="0"/>
+          <a:chExt cx="0" cy="0"/>
+        </a:xfrm>
+      </p:grpSpPr>
+      <p:sp>
+        <p:nvSpPr>
+          <p:cNvPr id="8" name="Titel 7">
+            <a:extLst>
+              <a:ext uri="{FF2B5EF4-FFF2-40B4-BE49-F238E27FC236}">
+                <a16:creationId xmlns:a16="http://schemas.microsoft.com/office/drawing/2014/main" id="{964C56D4-D3DF-1B49-7986-BDEB15B6AF6E}"/>
+              </a:ext>
+            </a:extLst>
+          </p:cNvPr>
+          <p:cNvSpPr>
+            <a:spLocks noGrp="1"/>
+          </p:cNvSpPr>
+          <p:nvPr>
+            <p:ph type="title"/>
+          </p:nvPr>
+        </p:nvSpPr>
+        <p:spPr/>
+        <p:txBody>
+          <a:bodyPr/>
+          <a:lstStyle/>
+          <a:p>
+            <a:r>
+              <a:rPr lang="da-DK" dirty="0"/>
+              <a:t>Apache Kafka - Hvad Er</a:t>
+            </a:r>
+          </a:p>
+        </p:txBody>
+      </p:sp>
+      <p:sp>
+        <p:nvSpPr>
+          <p:cNvPr id="9" name="Pladsholder til indhold 8">
+            <a:extLst>
+              <a:ext uri="{FF2B5EF4-FFF2-40B4-BE49-F238E27FC236}">
+                <a16:creationId xmlns:a16="http://schemas.microsoft.com/office/drawing/2014/main" id="{084956D3-F9BC-364C-BE60-DE221C9ECB77}"/>
+              </a:ext>
+            </a:extLst>
+          </p:cNvPr>
+          <p:cNvSpPr>
+            <a:spLocks noGrp="1"/>
+          </p:cNvSpPr>
+          <p:nvPr>
+            <p:ph idx="1"/>
+          </p:nvPr>
+        </p:nvSpPr>
+        <p:spPr/>
+        <p:txBody>
+          <a:bodyPr/>
+          <a:lstStyle/>
+          <a:p>
+            <a:r>
+              <a:rPr lang="da-DK" dirty="0"/>
+              <a:t>Åben-kilde event streaming platform</a:t>
+            </a:r>
+          </a:p>
+          <a:p>
+            <a:r>
+              <a:rPr lang="da-DK" dirty="0"/>
+              <a:t>Event</a:t>
+            </a:r>
+          </a:p>
+          <a:p>
+            <a:r>
+              <a:rPr lang="da-DK" dirty="0" err="1"/>
+              <a:t>Topic</a:t>
+            </a:r>
+            <a:endParaRPr lang="da-DK" dirty="0"/>
+          </a:p>
+          <a:p>
+            <a:pPr lvl="1"/>
+            <a:r>
+              <a:rPr lang="da-DK" dirty="0" err="1"/>
+              <a:t>Partitioneret</a:t>
+            </a:r>
+            <a:endParaRPr lang="da-DK" dirty="0"/>
+          </a:p>
+          <a:p>
+            <a:r>
+              <a:rPr lang="da-DK" dirty="0"/>
+              <a:t>Kommunikation via TCP</a:t>
+            </a:r>
+          </a:p>
+          <a:p>
+            <a:r>
+              <a:rPr lang="da-DK" dirty="0"/>
+              <a:t>Server/Klient kommunikation</a:t>
+            </a:r>
+          </a:p>
+          <a:p>
+            <a:r>
+              <a:rPr lang="da-DK" dirty="0"/>
+              <a:t>Event </a:t>
+            </a:r>
+            <a:r>
+              <a:rPr lang="da-DK" dirty="0" err="1"/>
+              <a:t>replikering</a:t>
+            </a:r>
+            <a:r>
+              <a:rPr lang="da-DK" dirty="0"/>
+              <a:t> </a:t>
+            </a:r>
+          </a:p>
+          <a:p>
+            <a:endParaRPr lang="da-DK" dirty="0"/>
+          </a:p>
+        </p:txBody>
+      </p:sp>
+    </p:spTree>
+    <p:extLst>
+      <p:ext uri="{BB962C8B-B14F-4D97-AF65-F5344CB8AC3E}">
+        <p14:creationId xmlns:p14="http://schemas.microsoft.com/office/powerpoint/2010/main" val="2863351694"/>
+      </p:ext>
+    </p:extLst>
+  </p:cSld>
+  <p:clrMapOvr>
+    <a:masterClrMapping/>
+  </p:clrMapOvr>
+</p:sld>
+</file>
+
+<file path=ppt/slides/slide26.xml><?xml version="1.0" encoding="utf-8"?>
+<p:sld xmlns:a="http://schemas.openxmlformats.org/drawingml/2006/main" xmlns:r="http://schemas.openxmlformats.org/officeDocument/2006/relationships" xmlns:p="http://schemas.openxmlformats.org/presentationml/2006/main">
+  <p:cSld>
+    <p:spTree>
+      <p:nvGrpSpPr>
+        <p:cNvPr id="1" name=""/>
+        <p:cNvGrpSpPr/>
+        <p:nvPr/>
+      </p:nvGrpSpPr>
+      <p:grpSpPr>
+        <a:xfrm>
+          <a:off x="0" y="0"/>
+          <a:ext cx="0" cy="0"/>
+          <a:chOff x="0" y="0"/>
+          <a:chExt cx="0" cy="0"/>
+        </a:xfrm>
+      </p:grpSpPr>
+      <p:sp>
+        <p:nvSpPr>
+          <p:cNvPr id="8" name="Titel 7">
+            <a:extLst>
+              <a:ext uri="{FF2B5EF4-FFF2-40B4-BE49-F238E27FC236}">
+                <a16:creationId xmlns:a16="http://schemas.microsoft.com/office/drawing/2014/main" id="{964C56D4-D3DF-1B49-7986-BDEB15B6AF6E}"/>
+              </a:ext>
+            </a:extLst>
+          </p:cNvPr>
+          <p:cNvSpPr>
+            <a:spLocks noGrp="1"/>
+          </p:cNvSpPr>
+          <p:nvPr>
+            <p:ph type="title"/>
+          </p:nvPr>
+        </p:nvSpPr>
+        <p:spPr/>
+        <p:txBody>
+          <a:bodyPr/>
+          <a:lstStyle/>
+          <a:p>
+            <a:r>
+              <a:rPr lang="da-DK" dirty="0"/>
+              <a:t>Apache Kafka - API</a:t>
+            </a:r>
+          </a:p>
+        </p:txBody>
+      </p:sp>
+      <p:sp>
+        <p:nvSpPr>
+          <p:cNvPr id="9" name="Pladsholder til indhold 8">
+            <a:extLst>
+              <a:ext uri="{FF2B5EF4-FFF2-40B4-BE49-F238E27FC236}">
+                <a16:creationId xmlns:a16="http://schemas.microsoft.com/office/drawing/2014/main" id="{084956D3-F9BC-364C-BE60-DE221C9ECB77}"/>
+              </a:ext>
+            </a:extLst>
+          </p:cNvPr>
+          <p:cNvSpPr>
+            <a:spLocks noGrp="1"/>
+          </p:cNvSpPr>
+          <p:nvPr>
+            <p:ph sz="half" idx="1"/>
+          </p:nvPr>
+        </p:nvSpPr>
+        <p:spPr/>
+        <p:txBody>
+          <a:bodyPr>
+            <a:normAutofit/>
+          </a:bodyPr>
+          <a:lstStyle/>
+          <a:p>
+            <a:r>
+              <a:rPr lang="da-DK" dirty="0" err="1"/>
+              <a:t>Admin</a:t>
+            </a:r>
+            <a:r>
+              <a:rPr lang="da-DK" dirty="0"/>
+              <a:t> API </a:t>
+            </a:r>
+          </a:p>
+          <a:p>
+            <a:pPr lvl="1"/>
+            <a:r>
+              <a:rPr lang="da-DK" dirty="0"/>
+              <a:t>Styring og inspicere af </a:t>
+            </a:r>
+          </a:p>
+          <a:p>
+            <a:pPr lvl="2"/>
+            <a:r>
+              <a:rPr lang="da-DK" dirty="0" err="1"/>
+              <a:t>Topics</a:t>
+            </a:r>
+            <a:r>
+              <a:rPr lang="da-DK" dirty="0"/>
+              <a:t> </a:t>
+            </a:r>
+          </a:p>
+          <a:p>
+            <a:pPr lvl="2"/>
+            <a:r>
+              <a:rPr lang="da-DK" dirty="0"/>
+              <a:t>Brokers </a:t>
+            </a:r>
+          </a:p>
+          <a:p>
+            <a:pPr lvl="2"/>
+            <a:r>
+              <a:rPr lang="da-DK" dirty="0"/>
+              <a:t>Andre Kafka objekter</a:t>
+            </a:r>
+          </a:p>
+          <a:p>
+            <a:r>
+              <a:rPr lang="da-DK" dirty="0"/>
+              <a:t>Producer API</a:t>
+            </a:r>
+          </a:p>
+          <a:p>
+            <a:pPr lvl="1"/>
+            <a:r>
+              <a:rPr lang="da-DK" dirty="0"/>
+              <a:t>Skrivning af events</a:t>
+            </a:r>
+          </a:p>
+        </p:txBody>
+      </p:sp>
+      <p:sp>
+        <p:nvSpPr>
+          <p:cNvPr id="2" name="Pladsholder til indhold 1">
+            <a:extLst>
+              <a:ext uri="{FF2B5EF4-FFF2-40B4-BE49-F238E27FC236}">
+                <a16:creationId xmlns:a16="http://schemas.microsoft.com/office/drawing/2014/main" id="{B3D68E9F-7A13-0520-7007-D08D335AD623}"/>
+              </a:ext>
+            </a:extLst>
+          </p:cNvPr>
+          <p:cNvSpPr>
+            <a:spLocks noGrp="1"/>
+          </p:cNvSpPr>
+          <p:nvPr>
+            <p:ph sz="half" idx="2"/>
+          </p:nvPr>
+        </p:nvSpPr>
+        <p:spPr/>
+        <p:txBody>
+          <a:bodyPr>
+            <a:normAutofit/>
+          </a:bodyPr>
+          <a:lstStyle/>
+          <a:p>
+            <a:r>
+              <a:rPr lang="da-DK" dirty="0"/>
+              <a:t>Consumer API</a:t>
+            </a:r>
+          </a:p>
+          <a:p>
+            <a:pPr lvl="1"/>
+            <a:r>
+              <a:rPr lang="da-DK" dirty="0"/>
+              <a:t>Læsning af event</a:t>
+            </a:r>
+          </a:p>
+          <a:p>
+            <a:r>
+              <a:rPr lang="da-DK" dirty="0" err="1"/>
+              <a:t>Streams</a:t>
+            </a:r>
+            <a:r>
+              <a:rPr lang="da-DK" dirty="0"/>
+              <a:t> API</a:t>
+            </a:r>
+          </a:p>
+          <a:p>
+            <a:pPr lvl="1"/>
+            <a:r>
+              <a:rPr lang="da-DK" dirty="0"/>
+              <a:t>Processering af event </a:t>
+            </a:r>
+            <a:r>
+              <a:rPr lang="da-DK" dirty="0" err="1"/>
+              <a:t>streams</a:t>
+            </a:r>
+            <a:r>
+              <a:rPr lang="da-DK" dirty="0"/>
+              <a:t> applikationer og </a:t>
+            </a:r>
+            <a:r>
+              <a:rPr lang="da-DK" dirty="0" err="1"/>
+              <a:t>microserives</a:t>
+            </a:r>
+            <a:endParaRPr lang="da-DK" dirty="0"/>
+          </a:p>
+          <a:p>
+            <a:pPr marL="0" indent="0">
+              <a:buNone/>
+            </a:pPr>
+            <a:endParaRPr lang="da-DK" dirty="0"/>
+          </a:p>
+        </p:txBody>
+      </p:sp>
+    </p:spTree>
+    <p:extLst>
+      <p:ext uri="{BB962C8B-B14F-4D97-AF65-F5344CB8AC3E}">
+        <p14:creationId xmlns:p14="http://schemas.microsoft.com/office/powerpoint/2010/main" val="122632923"/>
+      </p:ext>
+    </p:extLst>
+  </p:cSld>
+  <p:clrMapOvr>
+    <a:masterClrMapping/>
+  </p:clrMapOvr>
+</p:sld>
+</file>
+
+<file path=ppt/slides/slide27.xml><?xml version="1.0" encoding="utf-8"?>
+<p:sld xmlns:a="http://schemas.openxmlformats.org/drawingml/2006/main" xmlns:r="http://schemas.openxmlformats.org/officeDocument/2006/relationships" xmlns:p="http://schemas.openxmlformats.org/presentationml/2006/main">
+  <p:cSld>
+    <p:spTree>
+      <p:nvGrpSpPr>
+        <p:cNvPr id="1" name=""/>
+        <p:cNvGrpSpPr/>
+        <p:nvPr/>
+      </p:nvGrpSpPr>
+      <p:grpSpPr>
+        <a:xfrm>
+          <a:off x="0" y="0"/>
+          <a:ext cx="0" cy="0"/>
+          <a:chOff x="0" y="0"/>
+          <a:chExt cx="0" cy="0"/>
+        </a:xfrm>
+      </p:grpSpPr>
+      <p:sp>
+        <p:nvSpPr>
+          <p:cNvPr id="8" name="Titel 7">
+            <a:extLst>
+              <a:ext uri="{FF2B5EF4-FFF2-40B4-BE49-F238E27FC236}">
+                <a16:creationId xmlns:a16="http://schemas.microsoft.com/office/drawing/2014/main" id="{964C56D4-D3DF-1B49-7986-BDEB15B6AF6E}"/>
+              </a:ext>
+            </a:extLst>
+          </p:cNvPr>
+          <p:cNvSpPr>
+            <a:spLocks noGrp="1"/>
+          </p:cNvSpPr>
+          <p:nvPr>
+            <p:ph type="title"/>
+          </p:nvPr>
+        </p:nvSpPr>
+        <p:spPr/>
+        <p:txBody>
+          <a:bodyPr/>
+          <a:lstStyle/>
+          <a:p>
+            <a:r>
+              <a:rPr lang="da-DK" dirty="0"/>
+              <a:t>Apache Kafka - Dele</a:t>
+            </a:r>
+          </a:p>
+        </p:txBody>
+      </p:sp>
+      <p:sp>
+        <p:nvSpPr>
+          <p:cNvPr id="9" name="Pladsholder til indhold 8">
+            <a:extLst>
+              <a:ext uri="{FF2B5EF4-FFF2-40B4-BE49-F238E27FC236}">
+                <a16:creationId xmlns:a16="http://schemas.microsoft.com/office/drawing/2014/main" id="{084956D3-F9BC-364C-BE60-DE221C9ECB77}"/>
+              </a:ext>
+            </a:extLst>
+          </p:cNvPr>
+          <p:cNvSpPr>
+            <a:spLocks noGrp="1"/>
+          </p:cNvSpPr>
+          <p:nvPr>
+            <p:ph idx="1"/>
+          </p:nvPr>
+        </p:nvSpPr>
+        <p:spPr/>
+        <p:txBody>
+          <a:bodyPr>
+            <a:normAutofit/>
+          </a:bodyPr>
+          <a:lstStyle/>
+          <a:p>
+            <a:r>
+              <a:rPr lang="da-DK" dirty="0"/>
+              <a:t>Broker</a:t>
+            </a:r>
+          </a:p>
+          <a:p>
+            <a:pPr lvl="1"/>
+            <a:r>
+              <a:rPr lang="da-DK" dirty="0"/>
+              <a:t>Lager servicer</a:t>
+            </a:r>
+          </a:p>
+          <a:p>
+            <a:r>
+              <a:rPr lang="da-DK" dirty="0"/>
+              <a:t>Controller </a:t>
+            </a:r>
+          </a:p>
+          <a:p>
+            <a:pPr lvl="1"/>
+            <a:r>
+              <a:rPr lang="da-DK" dirty="0"/>
+              <a:t>Styre at events bliver </a:t>
+            </a:r>
+            <a:r>
+              <a:rPr lang="da-DK" dirty="0" err="1"/>
+              <a:t>replikeret</a:t>
+            </a:r>
+            <a:r>
+              <a:rPr lang="da-DK" dirty="0"/>
+              <a:t>, styre </a:t>
+            </a:r>
+            <a:r>
+              <a:rPr lang="da-DK" dirty="0" err="1"/>
+              <a:t>replikering</a:t>
+            </a:r>
+            <a:r>
+              <a:rPr lang="da-DK" dirty="0"/>
+              <a:t> og administrative opgaver</a:t>
+            </a:r>
+          </a:p>
+          <a:p>
+            <a:r>
+              <a:rPr lang="da-DK" dirty="0"/>
+              <a:t>Stream</a:t>
+            </a:r>
+          </a:p>
+          <a:p>
+            <a:pPr lvl="1"/>
+            <a:r>
+              <a:rPr lang="da-DK"/>
+              <a:t>Real-Time transformering </a:t>
+            </a:r>
+            <a:r>
+              <a:rPr lang="da-DK" dirty="0"/>
+              <a:t>og berigelse af events</a:t>
+            </a:r>
+          </a:p>
+          <a:p>
+            <a:r>
+              <a:rPr lang="da-DK" dirty="0" err="1"/>
+              <a:t>Schema</a:t>
+            </a:r>
+            <a:r>
+              <a:rPr lang="da-DK" dirty="0"/>
+              <a:t> Registry</a:t>
+            </a:r>
+          </a:p>
+          <a:p>
+            <a:pPr lvl="1"/>
+            <a:r>
+              <a:rPr lang="da-DK" dirty="0"/>
+              <a:t>Dataskema for </a:t>
+            </a:r>
+            <a:r>
+              <a:rPr lang="da-DK" dirty="0" err="1"/>
+              <a:t>topics</a:t>
+            </a:r>
+            <a:endParaRPr lang="da-DK" dirty="0"/>
+          </a:p>
+          <a:p>
+            <a:r>
+              <a:rPr lang="da-DK" dirty="0"/>
+              <a:t>Connect</a:t>
+            </a:r>
+          </a:p>
+          <a:p>
+            <a:pPr lvl="1"/>
+            <a:r>
+              <a:rPr lang="da-DK" dirty="0"/>
+              <a:t>Data import/</a:t>
+            </a:r>
+            <a:r>
+              <a:rPr lang="da-DK" dirty="0" err="1"/>
+              <a:t>export</a:t>
+            </a:r>
+            <a:r>
+              <a:rPr lang="da-DK" dirty="0"/>
+              <a:t> for event stream til og fra </a:t>
+            </a:r>
+            <a:r>
+              <a:rPr lang="da-DK" dirty="0" err="1"/>
+              <a:t>externe</a:t>
+            </a:r>
+            <a:r>
+              <a:rPr lang="da-DK" dirty="0"/>
+              <a:t> systemer</a:t>
+            </a:r>
+          </a:p>
+          <a:p>
+            <a:pPr marL="0" indent="0">
+              <a:buNone/>
+            </a:pPr>
+            <a:endParaRPr lang="da-DK" dirty="0"/>
+          </a:p>
+        </p:txBody>
+      </p:sp>
+    </p:spTree>
+    <p:extLst>
+      <p:ext uri="{BB962C8B-B14F-4D97-AF65-F5344CB8AC3E}">
+        <p14:creationId xmlns:p14="http://schemas.microsoft.com/office/powerpoint/2010/main" val="3462775647"/>
+      </p:ext>
+    </p:extLst>
+  </p:cSld>
+  <p:clrMapOvr>
+    <a:masterClrMapping/>
+  </p:clrMapOvr>
+</p:sld>
+</file>
+
+<file path=ppt/slides/slide28.xml><?xml version="1.0" encoding="utf-8"?>
+<p:sld xmlns:a="http://schemas.openxmlformats.org/drawingml/2006/main" xmlns:r="http://schemas.openxmlformats.org/officeDocument/2006/relationships" xmlns:p="http://schemas.openxmlformats.org/presentationml/2006/main">
+  <p:cSld>
+    <p:spTree>
+      <p:nvGrpSpPr>
+        <p:cNvPr id="1" name=""/>
+        <p:cNvGrpSpPr/>
+        <p:nvPr/>
+      </p:nvGrpSpPr>
+      <p:grpSpPr>
+        <a:xfrm>
+          <a:off x="0" y="0"/>
+          <a:ext cx="0" cy="0"/>
+          <a:chOff x="0" y="0"/>
+          <a:chExt cx="0" cy="0"/>
+        </a:xfrm>
+      </p:grpSpPr>
+      <p:sp>
+        <p:nvSpPr>
+          <p:cNvPr id="2" name="Titel 1">
+            <a:extLst>
+              <a:ext uri="{FF2B5EF4-FFF2-40B4-BE49-F238E27FC236}">
+                <a16:creationId xmlns:a16="http://schemas.microsoft.com/office/drawing/2014/main" id="{FFEC5993-EFA9-A519-83CC-AF07225CE353}"/>
+              </a:ext>
+            </a:extLst>
+          </p:cNvPr>
+          <p:cNvSpPr>
+            <a:spLocks noGrp="1"/>
+          </p:cNvSpPr>
+          <p:nvPr>
+            <p:ph type="title"/>
+          </p:nvPr>
+        </p:nvSpPr>
+        <p:spPr>
+          <a:xfrm>
+            <a:off x="0" y="0"/>
+            <a:ext cx="12192000" cy="6857999"/>
+          </a:xfrm>
+        </p:spPr>
+        <p:txBody>
+          <a:bodyPr/>
+          <a:lstStyle/>
+          <a:p>
+            <a:pPr algn="ctr"/>
+            <a:r>
+              <a:rPr lang="da-DK" dirty="0"/>
+              <a:t>Demo</a:t>
+            </a:r>
+            <a:br>
+              <a:rPr lang="da-DK" dirty="0"/>
+            </a:br>
+            <a:r>
+              <a:rPr lang="da-DK" dirty="0"/>
+              <a:t>Kafka</a:t>
+            </a:r>
+          </a:p>
+        </p:txBody>
+      </p:sp>
+    </p:spTree>
+    <p:extLst>
+      <p:ext uri="{BB962C8B-B14F-4D97-AF65-F5344CB8AC3E}">
+        <p14:creationId xmlns:p14="http://schemas.microsoft.com/office/powerpoint/2010/main" val="230170436"/>
+      </p:ext>
+    </p:extLst>
+  </p:cSld>
+  <p:clrMapOvr>
+    <a:masterClrMapping/>
+  </p:clrMapOvr>
+</p:sld>
+</file>
+
+<file path=ppt/slides/slide29.xml><?xml version="1.0" encoding="utf-8"?>
+<p:sld xmlns:a="http://schemas.openxmlformats.org/drawingml/2006/main" xmlns:r="http://schemas.openxmlformats.org/officeDocument/2006/relationships" xmlns:p="http://schemas.openxmlformats.org/presentationml/2006/main">
+  <p:cSld>
+    <p:spTree>
+      <p:nvGrpSpPr>
+        <p:cNvPr id="1" name=""/>
+        <p:cNvGrpSpPr/>
+        <p:nvPr/>
+      </p:nvGrpSpPr>
+      <p:grpSpPr>
+        <a:xfrm>
+          <a:off x="0" y="0"/>
+          <a:ext cx="0" cy="0"/>
+          <a:chOff x="0" y="0"/>
+          <a:chExt cx="0" cy="0"/>
+        </a:xfrm>
+      </p:grpSpPr>
+      <p:sp>
+        <p:nvSpPr>
+          <p:cNvPr id="8" name="Titel 7">
+            <a:extLst>
+              <a:ext uri="{FF2B5EF4-FFF2-40B4-BE49-F238E27FC236}">
+                <a16:creationId xmlns:a16="http://schemas.microsoft.com/office/drawing/2014/main" id="{964C56D4-D3DF-1B49-7986-BDEB15B6AF6E}"/>
+              </a:ext>
+            </a:extLst>
+          </p:cNvPr>
+          <p:cNvSpPr>
+            <a:spLocks noGrp="1"/>
+          </p:cNvSpPr>
+          <p:nvPr>
+            <p:ph type="title"/>
+          </p:nvPr>
+        </p:nvSpPr>
+        <p:spPr/>
+        <p:txBody>
+          <a:bodyPr/>
+          <a:lstStyle/>
+          <a:p>
+            <a:r>
+              <a:rPr lang="da-DK" dirty="0"/>
+              <a:t>Kafka - I forhold til </a:t>
+            </a:r>
+            <a:r>
+              <a:rPr lang="da-DK" dirty="0" err="1"/>
+              <a:t>RabbitMQ</a:t>
+            </a:r>
+            <a:endParaRPr lang="da-DK" dirty="0"/>
+          </a:p>
+        </p:txBody>
+      </p:sp>
+      <p:sp>
+        <p:nvSpPr>
+          <p:cNvPr id="2" name="Pladsholder til tekst 1">
+            <a:extLst>
+              <a:ext uri="{FF2B5EF4-FFF2-40B4-BE49-F238E27FC236}">
+                <a16:creationId xmlns:a16="http://schemas.microsoft.com/office/drawing/2014/main" id="{52D09D76-F7EA-FB42-58D6-435CFFBC688F}"/>
+              </a:ext>
+            </a:extLst>
+          </p:cNvPr>
+          <p:cNvSpPr>
+            <a:spLocks noGrp="1"/>
+          </p:cNvSpPr>
+          <p:nvPr>
+            <p:ph type="body" idx="1"/>
+          </p:nvPr>
+        </p:nvSpPr>
+        <p:spPr/>
+        <p:txBody>
+          <a:bodyPr/>
+          <a:lstStyle/>
+          <a:p>
+            <a:r>
+              <a:rPr lang="da-DK" dirty="0"/>
+              <a:t>Kafka</a:t>
+            </a:r>
+          </a:p>
+        </p:txBody>
+      </p:sp>
+      <p:sp>
+        <p:nvSpPr>
+          <p:cNvPr id="3" name="Pladsholder til indhold 2">
+            <a:extLst>
+              <a:ext uri="{FF2B5EF4-FFF2-40B4-BE49-F238E27FC236}">
+                <a16:creationId xmlns:a16="http://schemas.microsoft.com/office/drawing/2014/main" id="{339997B2-9ED5-7B5A-EBCA-3B5D07672F58}"/>
+              </a:ext>
+            </a:extLst>
+          </p:cNvPr>
+          <p:cNvSpPr>
+            <a:spLocks noGrp="1"/>
+          </p:cNvSpPr>
+          <p:nvPr>
+            <p:ph sz="half" idx="2"/>
+          </p:nvPr>
+        </p:nvSpPr>
+        <p:spPr/>
+        <p:txBody>
+          <a:bodyPr/>
+          <a:lstStyle/>
+          <a:p>
+            <a:r>
+              <a:rPr lang="da-DK" dirty="0" err="1"/>
+              <a:t>Topic</a:t>
+            </a:r>
+            <a:endParaRPr lang="da-DK" dirty="0"/>
+          </a:p>
+          <a:p>
+            <a:r>
+              <a:rPr lang="da-DK" dirty="0"/>
+              <a:t>Kan have skema	</a:t>
+            </a:r>
+          </a:p>
+          <a:p>
+            <a:r>
+              <a:rPr lang="da-DK" dirty="0" err="1"/>
+              <a:t>Komplext</a:t>
+            </a:r>
+            <a:endParaRPr lang="da-DK" dirty="0"/>
+          </a:p>
+          <a:p>
+            <a:r>
+              <a:rPr lang="da-DK" dirty="0"/>
+              <a:t>Event</a:t>
+            </a:r>
+          </a:p>
+        </p:txBody>
+      </p:sp>
+      <p:sp>
+        <p:nvSpPr>
+          <p:cNvPr id="4" name="Pladsholder til tekst 3">
+            <a:extLst>
+              <a:ext uri="{FF2B5EF4-FFF2-40B4-BE49-F238E27FC236}">
+                <a16:creationId xmlns:a16="http://schemas.microsoft.com/office/drawing/2014/main" id="{D2BCD25E-3062-C776-FDCD-8724CFA931AE}"/>
+              </a:ext>
+            </a:extLst>
+          </p:cNvPr>
+          <p:cNvSpPr>
+            <a:spLocks noGrp="1"/>
+          </p:cNvSpPr>
+          <p:nvPr>
+            <p:ph type="body" sz="quarter" idx="3"/>
+          </p:nvPr>
+        </p:nvSpPr>
+        <p:spPr/>
+        <p:txBody>
+          <a:bodyPr/>
+          <a:lstStyle/>
+          <a:p>
+            <a:r>
+              <a:rPr lang="da-DK" dirty="0" err="1"/>
+              <a:t>RabbitMQ</a:t>
+            </a:r>
+            <a:endParaRPr lang="da-DK" dirty="0"/>
+          </a:p>
+        </p:txBody>
+      </p:sp>
+      <p:sp>
+        <p:nvSpPr>
+          <p:cNvPr id="5" name="Pladsholder til indhold 4">
+            <a:extLst>
+              <a:ext uri="{FF2B5EF4-FFF2-40B4-BE49-F238E27FC236}">
+                <a16:creationId xmlns:a16="http://schemas.microsoft.com/office/drawing/2014/main" id="{A6395EEA-AED6-2FD6-EC89-277DA9898817}"/>
+              </a:ext>
+            </a:extLst>
+          </p:cNvPr>
+          <p:cNvSpPr>
+            <a:spLocks noGrp="1"/>
+          </p:cNvSpPr>
+          <p:nvPr>
+            <p:ph sz="quarter" idx="4"/>
+          </p:nvPr>
+        </p:nvSpPr>
+        <p:spPr/>
+        <p:txBody>
+          <a:bodyPr/>
+          <a:lstStyle/>
+          <a:p>
+            <a:r>
+              <a:rPr lang="da-DK" dirty="0"/>
+              <a:t>Queue</a:t>
+            </a:r>
+          </a:p>
+          <a:p>
+            <a:r>
+              <a:rPr lang="da-DK" dirty="0"/>
+              <a:t>Intet skema</a:t>
+            </a:r>
+          </a:p>
+          <a:p>
+            <a:r>
+              <a:rPr lang="da-DK" dirty="0"/>
+              <a:t>RPC</a:t>
+            </a:r>
+          </a:p>
+          <a:p>
+            <a:r>
+              <a:rPr lang="da-DK" dirty="0"/>
+              <a:t>Simpelt</a:t>
+            </a:r>
+          </a:p>
+          <a:p>
+            <a:r>
+              <a:rPr lang="da-DK" dirty="0"/>
+              <a:t>Message</a:t>
+            </a:r>
+          </a:p>
+        </p:txBody>
+      </p:sp>
+    </p:spTree>
+    <p:extLst>
+      <p:ext uri="{BB962C8B-B14F-4D97-AF65-F5344CB8AC3E}">
+        <p14:creationId xmlns:p14="http://schemas.microsoft.com/office/powerpoint/2010/main" val="1977421596"/>
+      </p:ext>
+    </p:extLst>
+  </p:cSld>
+  <p:clrMapOvr>
+    <a:masterClrMapping/>
+  </p:clrMapOvr>
+</p:sld>
+</file>
+
+<file path=ppt/slides/slide3.xml><?xml version="1.0" encoding="utf-8"?>
+<p:sld xmlns:a="http://schemas.openxmlformats.org/drawingml/2006/main" xmlns:r="http://schemas.openxmlformats.org/officeDocument/2006/relationships" xmlns:p="http://schemas.openxmlformats.org/presentationml/2006/main">
+  <p:cSld>
+    <p:spTree>
+      <p:nvGrpSpPr>
+        <p:cNvPr id="1" name=""/>
+        <p:cNvGrpSpPr/>
+        <p:nvPr/>
+      </p:nvGrpSpPr>
+      <p:grpSpPr>
+        <a:xfrm>
+          <a:off x="0" y="0"/>
+          <a:ext cx="0" cy="0"/>
+          <a:chOff x="0" y="0"/>
+          <a:chExt cx="0" cy="0"/>
+        </a:xfrm>
+      </p:grpSpPr>
+      <p:sp>
+        <p:nvSpPr>
+          <p:cNvPr id="2" name="Titel 1">
+            <a:extLst>
+              <a:ext uri="{FF2B5EF4-FFF2-40B4-BE49-F238E27FC236}">
+                <a16:creationId xmlns:a16="http://schemas.microsoft.com/office/drawing/2014/main" id="{35BBFCE9-F563-7FB6-9C56-D3D222778226}"/>
+              </a:ext>
+            </a:extLst>
+          </p:cNvPr>
+          <p:cNvSpPr>
+            <a:spLocks noGrp="1"/>
+          </p:cNvSpPr>
+          <p:nvPr>
+            <p:ph type="title"/>
+          </p:nvPr>
+        </p:nvSpPr>
+        <p:spPr/>
+        <p:txBody>
+          <a:bodyPr/>
+          <a:lstStyle/>
+          <a:p>
+            <a:r>
+              <a:rPr lang="da-DK" dirty="0"/>
+              <a:t>Case</a:t>
+            </a:r>
+          </a:p>
+        </p:txBody>
+      </p:sp>
+      <p:sp>
+        <p:nvSpPr>
+          <p:cNvPr id="3" name="Pladsholder til indhold 2">
+            <a:extLst>
+              <a:ext uri="{FF2B5EF4-FFF2-40B4-BE49-F238E27FC236}">
+                <a16:creationId xmlns:a16="http://schemas.microsoft.com/office/drawing/2014/main" id="{CE1BE493-FC3C-597D-B98F-158AD2A20057}"/>
+              </a:ext>
+            </a:extLst>
+          </p:cNvPr>
+          <p:cNvSpPr>
+            <a:spLocks noGrp="1"/>
+          </p:cNvSpPr>
+          <p:nvPr>
+            <p:ph idx="1"/>
+          </p:nvPr>
+        </p:nvSpPr>
+        <p:spPr/>
+        <p:txBody>
+          <a:bodyPr>
+            <a:normAutofit/>
+          </a:bodyPr>
+          <a:lstStyle/>
+          <a:p>
+            <a:pPr marL="0" indent="0">
+              <a:buNone/>
+            </a:pPr>
+            <a:r>
+              <a:rPr lang="da-DK" dirty="0"/>
+              <a:t>Ikke alle virksomheder har mulighed for at servere mad i deres kantiner fra deres egen køkken. Dermed er der økonomiske gevinster for en cateringvirksomhed ved at sælge færdiglavede retter til disse virksomheder. På sammen tid er det blevet mere udbredt blandt virksomheder at sælge deres produkter via internettet. Disse muligheder vil cateringvirksomheden </a:t>
+            </a:r>
+            <a:r>
+              <a:rPr lang="da-DK" dirty="0" err="1"/>
+              <a:t>FoodForAll</a:t>
+            </a:r>
+            <a:r>
+              <a:rPr lang="da-DK" dirty="0"/>
+              <a:t> A/S gerne benytte sig af for at øge deres omsætning og øge antallet af kunder via en hjemmeside der er let at bruge, da de på nuværende tidspunkt kun tillader bestillinger via deres telefon besat af en enkelt ansat</a:t>
+            </a:r>
+          </a:p>
+        </p:txBody>
+      </p:sp>
+    </p:spTree>
+    <p:extLst>
+      <p:ext uri="{BB962C8B-B14F-4D97-AF65-F5344CB8AC3E}">
+        <p14:creationId xmlns:p14="http://schemas.microsoft.com/office/powerpoint/2010/main" val="2572417642"/>
+      </p:ext>
+    </p:extLst>
+  </p:cSld>
+  <p:clrMapOvr>
+    <a:masterClrMapping/>
+  </p:clrMapOvr>
+</p:sld>
+</file>
+
+<file path=ppt/slides/slide30.xml><?xml version="1.0" encoding="utf-8"?>
+<p:sld xmlns:a="http://schemas.openxmlformats.org/drawingml/2006/main" xmlns:r="http://schemas.openxmlformats.org/officeDocument/2006/relationships" xmlns:p="http://schemas.openxmlformats.org/presentationml/2006/main">
+  <p:cSld>
+    <p:spTree>
+      <p:nvGrpSpPr>
+        <p:cNvPr id="1" name=""/>
+        <p:cNvGrpSpPr/>
+        <p:nvPr/>
+      </p:nvGrpSpPr>
+      <p:grpSpPr>
+        <a:xfrm>
+          <a:off x="0" y="0"/>
+          <a:ext cx="0" cy="0"/>
+          <a:chOff x="0" y="0"/>
+          <a:chExt cx="0" cy="0"/>
+        </a:xfrm>
+      </p:grpSpPr>
+      <p:sp>
+        <p:nvSpPr>
           <p:cNvPr id="8" name="Titel 7">
             <a:extLst>
               <a:ext uri="{FF2B5EF4-FFF2-40B4-BE49-F238E27FC236}">
@@ -8680,7 +10674,7 @@
 </p:sld>
 </file>
 
-<file path=ppt/slides/slide21.xml><?xml version="1.0" encoding="utf-8"?>
+<file path=ppt/slides/slide31.xml><?xml version="1.0" encoding="utf-8"?>
 <p:sld xmlns:a="http://schemas.openxmlformats.org/drawingml/2006/main" xmlns:r="http://schemas.openxmlformats.org/officeDocument/2006/relationships" xmlns:p="http://schemas.openxmlformats.org/presentationml/2006/main">
   <p:cSld>
     <p:spTree>
@@ -8781,7 +10775,7 @@
 </p:sld>
 </file>
 
-<file path=ppt/slides/slide22.xml><?xml version="1.0" encoding="utf-8"?>
+<file path=ppt/slides/slide32.xml><?xml version="1.0" encoding="utf-8"?>
 <p:sld xmlns:a="http://schemas.openxmlformats.org/drawingml/2006/main" xmlns:r="http://schemas.openxmlformats.org/officeDocument/2006/relationships" xmlns:p="http://schemas.openxmlformats.org/presentationml/2006/main">
   <p:cSld>
     <p:spTree>
@@ -8855,105 +10849,6 @@
     <p:extLst>
       <p:ext uri="{BB962C8B-B14F-4D97-AF65-F5344CB8AC3E}">
         <p14:creationId xmlns:p14="http://schemas.microsoft.com/office/powerpoint/2010/main" val="221808590"/>
-      </p:ext>
-    </p:extLst>
-  </p:cSld>
-  <p:clrMapOvr>
-    <a:masterClrMapping/>
-  </p:clrMapOvr>
-</p:sld>
-</file>
-
-<file path=ppt/slides/slide3.xml><?xml version="1.0" encoding="utf-8"?>
-<p:sld xmlns:a="http://schemas.openxmlformats.org/drawingml/2006/main" xmlns:r="http://schemas.openxmlformats.org/officeDocument/2006/relationships" xmlns:p="http://schemas.openxmlformats.org/presentationml/2006/main">
-  <p:cSld>
-    <p:spTree>
-      <p:nvGrpSpPr>
-        <p:cNvPr id="1" name=""/>
-        <p:cNvGrpSpPr/>
-        <p:nvPr/>
-      </p:nvGrpSpPr>
-      <p:grpSpPr>
-        <a:xfrm>
-          <a:off x="0" y="0"/>
-          <a:ext cx="0" cy="0"/>
-          <a:chOff x="0" y="0"/>
-          <a:chExt cx="0" cy="0"/>
-        </a:xfrm>
-      </p:grpSpPr>
-      <p:sp>
-        <p:nvSpPr>
-          <p:cNvPr id="2" name="Titel 1">
-            <a:extLst>
-              <a:ext uri="{FF2B5EF4-FFF2-40B4-BE49-F238E27FC236}">
-                <a16:creationId xmlns:a16="http://schemas.microsoft.com/office/drawing/2014/main" id="{35BBFCE9-F563-7FB6-9C56-D3D222778226}"/>
-              </a:ext>
-            </a:extLst>
-          </p:cNvPr>
-          <p:cNvSpPr>
-            <a:spLocks noGrp="1"/>
-          </p:cNvSpPr>
-          <p:nvPr>
-            <p:ph type="title"/>
-          </p:nvPr>
-        </p:nvSpPr>
-        <p:spPr/>
-        <p:txBody>
-          <a:bodyPr/>
-          <a:lstStyle/>
-          <a:p>
-            <a:r>
-              <a:rPr lang="da-DK" dirty="0"/>
-              <a:t>Case</a:t>
-            </a:r>
-          </a:p>
-        </p:txBody>
-      </p:sp>
-      <p:sp>
-        <p:nvSpPr>
-          <p:cNvPr id="3" name="Pladsholder til indhold 2">
-            <a:extLst>
-              <a:ext uri="{FF2B5EF4-FFF2-40B4-BE49-F238E27FC236}">
-                <a16:creationId xmlns:a16="http://schemas.microsoft.com/office/drawing/2014/main" id="{CE1BE493-FC3C-597D-B98F-158AD2A20057}"/>
-              </a:ext>
-            </a:extLst>
-          </p:cNvPr>
-          <p:cNvSpPr>
-            <a:spLocks noGrp="1"/>
-          </p:cNvSpPr>
-          <p:nvPr>
-            <p:ph idx="1"/>
-          </p:nvPr>
-        </p:nvSpPr>
-        <p:spPr/>
-        <p:txBody>
-          <a:bodyPr>
-            <a:normAutofit/>
-          </a:bodyPr>
-          <a:lstStyle/>
-          <a:p>
-            <a:pPr marL="0" indent="0">
-              <a:buNone/>
-            </a:pPr>
-            <a:r>
-              <a:rPr lang="da-DK" dirty="0"/>
-              <a:t>Ikke alle virksomheder har mulighed for at servere mad i deres kantiner fra deres egen køkken. Dermed er der økonomiske gevinster for en cateringvirksomhed ved at sælge færdiglavede retter til disse virksomheder. På sammen tid er det blevet mere udbredt blandt virksomheder at sælge deres produkter via internettet. Disse muligheder vil cateringvirksomheden </a:t>
-            </a:r>
-            <a:r>
-              <a:rPr lang="da-DK" dirty="0" err="1"/>
-              <a:t>FoodForAll</a:t>
-            </a:r>
-            <a:r>
-              <a:rPr lang="da-DK" dirty="0"/>
-              <a:t> A/S gerne benytte sig af for at øge deres omsætning og øge antallet af kunder via en hjemmeside der er let at bruge, da de på nuværende tidspunkt kun tillader bestillinger via deres telefon besat af en enkelt ansat</a:t>
-            </a:r>
-          </a:p>
-        </p:txBody>
-      </p:sp>
-    </p:spTree>
-    <p:extLst>
-      <p:ext uri="{BB962C8B-B14F-4D97-AF65-F5344CB8AC3E}">
-        <p14:creationId xmlns:p14="http://schemas.microsoft.com/office/powerpoint/2010/main" val="2572417642"/>
       </p:ext>
     </p:extLst>
   </p:cSld>
@@ -8985,6 +10880,221 @@
           <p:cNvPr id="2" name="Titel 1">
             <a:extLst>
               <a:ext uri="{FF2B5EF4-FFF2-40B4-BE49-F238E27FC236}">
+                <a16:creationId xmlns:a16="http://schemas.microsoft.com/office/drawing/2014/main" id="{7BE67D15-5AE9-AC67-0705-80D86BCD3E5C}"/>
+              </a:ext>
+            </a:extLst>
+          </p:cNvPr>
+          <p:cNvSpPr>
+            <a:spLocks noGrp="1"/>
+          </p:cNvSpPr>
+          <p:nvPr>
+            <p:ph type="title"/>
+          </p:nvPr>
+        </p:nvSpPr>
+        <p:spPr/>
+        <p:txBody>
+          <a:bodyPr/>
+          <a:lstStyle/>
+          <a:p>
+            <a:r>
+              <a:rPr lang="da-DK" dirty="0" err="1"/>
+              <a:t>ProblemFormulering</a:t>
+            </a:r>
+            <a:endParaRPr lang="da-DK" dirty="0"/>
+          </a:p>
+        </p:txBody>
+      </p:sp>
+      <p:sp>
+        <p:nvSpPr>
+          <p:cNvPr id="3" name="Pladsholder til indhold 2">
+            <a:extLst>
+              <a:ext uri="{FF2B5EF4-FFF2-40B4-BE49-F238E27FC236}">
+                <a16:creationId xmlns:a16="http://schemas.microsoft.com/office/drawing/2014/main" id="{27AD109B-849B-C0E2-6121-163B7DBD64B9}"/>
+              </a:ext>
+            </a:extLst>
+          </p:cNvPr>
+          <p:cNvSpPr>
+            <a:spLocks noGrp="1"/>
+          </p:cNvSpPr>
+          <p:nvPr>
+            <p:ph idx="1"/>
+          </p:nvPr>
+        </p:nvSpPr>
+        <p:spPr/>
+        <p:txBody>
+          <a:bodyPr/>
+          <a:lstStyle/>
+          <a:p>
+            <a:pPr marL="0" indent="0">
+              <a:buNone/>
+            </a:pPr>
+            <a:r>
+              <a:rPr lang="da-DK" dirty="0"/>
+              <a:t>Hvordan kan et system for catering blive opbygget, der tillader brugere at oprette sig, bestille bestemte retter med tidspunkt og lokation, samt tillade virksomheden at oprette valgmuligheder og se bestillinger?</a:t>
+            </a:r>
+          </a:p>
+        </p:txBody>
+      </p:sp>
+    </p:spTree>
+    <p:extLst>
+      <p:ext uri="{BB962C8B-B14F-4D97-AF65-F5344CB8AC3E}">
+        <p14:creationId xmlns:p14="http://schemas.microsoft.com/office/powerpoint/2010/main" val="3445350388"/>
+      </p:ext>
+    </p:extLst>
+  </p:cSld>
+  <p:clrMapOvr>
+    <a:masterClrMapping/>
+  </p:clrMapOvr>
+</p:sld>
+</file>
+
+<file path=ppt/slides/slide5.xml><?xml version="1.0" encoding="utf-8"?>
+<p:sld xmlns:a="http://schemas.openxmlformats.org/drawingml/2006/main" xmlns:r="http://schemas.openxmlformats.org/officeDocument/2006/relationships" xmlns:p="http://schemas.openxmlformats.org/presentationml/2006/main">
+  <p:cSld>
+    <p:spTree>
+      <p:nvGrpSpPr>
+        <p:cNvPr id="1" name=""/>
+        <p:cNvGrpSpPr/>
+        <p:nvPr/>
+      </p:nvGrpSpPr>
+      <p:grpSpPr>
+        <a:xfrm>
+          <a:off x="0" y="0"/>
+          <a:ext cx="0" cy="0"/>
+          <a:chOff x="0" y="0"/>
+          <a:chExt cx="0" cy="0"/>
+        </a:xfrm>
+      </p:grpSpPr>
+      <p:sp>
+        <p:nvSpPr>
+          <p:cNvPr id="2" name="Titel 1">
+            <a:extLst>
+              <a:ext uri="{FF2B5EF4-FFF2-40B4-BE49-F238E27FC236}">
+                <a16:creationId xmlns:a16="http://schemas.microsoft.com/office/drawing/2014/main" id="{7BEDAD81-554D-853A-6F20-72EF7330BC82}"/>
+              </a:ext>
+            </a:extLst>
+          </p:cNvPr>
+          <p:cNvSpPr>
+            <a:spLocks noGrp="1"/>
+          </p:cNvSpPr>
+          <p:nvPr>
+            <p:ph type="title"/>
+          </p:nvPr>
+        </p:nvSpPr>
+        <p:spPr/>
+        <p:txBody>
+          <a:bodyPr/>
+          <a:lstStyle/>
+          <a:p>
+            <a:r>
+              <a:rPr lang="da-DK" dirty="0"/>
+              <a:t>Begrænsninger</a:t>
+            </a:r>
+          </a:p>
+        </p:txBody>
+      </p:sp>
+      <p:sp>
+        <p:nvSpPr>
+          <p:cNvPr id="3" name="Pladsholder til indhold 2">
+            <a:extLst>
+              <a:ext uri="{FF2B5EF4-FFF2-40B4-BE49-F238E27FC236}">
+                <a16:creationId xmlns:a16="http://schemas.microsoft.com/office/drawing/2014/main" id="{4553E2CC-6CB5-A2DD-CD9A-F89D0501C370}"/>
+              </a:ext>
+            </a:extLst>
+          </p:cNvPr>
+          <p:cNvSpPr>
+            <a:spLocks noGrp="1"/>
+          </p:cNvSpPr>
+          <p:nvPr>
+            <p:ph idx="1"/>
+          </p:nvPr>
+        </p:nvSpPr>
+        <p:spPr/>
+        <p:txBody>
+          <a:bodyPr/>
+          <a:lstStyle/>
+          <a:p>
+            <a:r>
+              <a:rPr lang="da-DK" dirty="0"/>
+              <a:t>Intet </a:t>
+            </a:r>
+            <a:r>
+              <a:rPr lang="da-DK" dirty="0" err="1"/>
+              <a:t>betalingssytem</a:t>
+            </a:r>
+            <a:endParaRPr lang="da-DK" dirty="0"/>
+          </a:p>
+          <a:p>
+            <a:r>
+              <a:rPr lang="da-DK" dirty="0"/>
+              <a:t>Simple grafisk brugerflade</a:t>
+            </a:r>
+          </a:p>
+          <a:p>
+            <a:r>
+              <a:rPr lang="da-DK" dirty="0"/>
+              <a:t>Minimalt sikkerhed i forhold til et virkeligt produkt</a:t>
+            </a:r>
+          </a:p>
+          <a:p>
+            <a:r>
+              <a:rPr lang="da-DK" dirty="0"/>
+              <a:t>Intet </a:t>
+            </a:r>
+            <a:r>
+              <a:rPr lang="da-DK" dirty="0" err="1"/>
+              <a:t>frontend</a:t>
+            </a:r>
+            <a:r>
+              <a:rPr lang="da-DK" dirty="0"/>
+              <a:t> for </a:t>
+            </a:r>
+            <a:r>
+              <a:rPr lang="da-DK" dirty="0" err="1"/>
+              <a:t>FoodForAll</a:t>
+            </a:r>
+            <a:r>
+              <a:rPr lang="da-DK" dirty="0"/>
+              <a:t> A/S egen interaktion </a:t>
+            </a:r>
+          </a:p>
+        </p:txBody>
+      </p:sp>
+    </p:spTree>
+    <p:extLst>
+      <p:ext uri="{BB962C8B-B14F-4D97-AF65-F5344CB8AC3E}">
+        <p14:creationId xmlns:p14="http://schemas.microsoft.com/office/powerpoint/2010/main" val="3586427702"/>
+      </p:ext>
+    </p:extLst>
+  </p:cSld>
+  <p:clrMapOvr>
+    <a:masterClrMapping/>
+  </p:clrMapOvr>
+</p:sld>
+</file>
+
+<file path=ppt/slides/slide6.xml><?xml version="1.0" encoding="utf-8"?>
+<p:sld xmlns:a="http://schemas.openxmlformats.org/drawingml/2006/main" xmlns:r="http://schemas.openxmlformats.org/officeDocument/2006/relationships" xmlns:p="http://schemas.openxmlformats.org/presentationml/2006/main">
+  <p:cSld>
+    <p:spTree>
+      <p:nvGrpSpPr>
+        <p:cNvPr id="1" name=""/>
+        <p:cNvGrpSpPr/>
+        <p:nvPr/>
+      </p:nvGrpSpPr>
+      <p:grpSpPr>
+        <a:xfrm>
+          <a:off x="0" y="0"/>
+          <a:ext cx="0" cy="0"/>
+          <a:chOff x="0" y="0"/>
+          <a:chExt cx="0" cy="0"/>
+        </a:xfrm>
+      </p:grpSpPr>
+      <p:sp>
+        <p:nvSpPr>
+          <p:cNvPr id="2" name="Titel 1">
+            <a:extLst>
+              <a:ext uri="{FF2B5EF4-FFF2-40B4-BE49-F238E27FC236}">
                 <a16:creationId xmlns:a16="http://schemas.microsoft.com/office/drawing/2014/main" id="{44C37FBC-AEB3-CD6C-8508-70187D9878A9}"/>
               </a:ext>
             </a:extLst>
@@ -9025,7 +11135,7 @@
           </p:nvPr>
         </p:nvPicPr>
         <p:blipFill>
-          <a:blip r:embed="rId2">
+          <a:blip r:embed="rId3">
             <a:extLst>
               <a:ext uri="{28A0092B-C50C-407E-A947-70E740481C1C}">
                 <a14:useLocalDpi xmlns:a14="http://schemas.microsoft.com/office/drawing/2010/main" val="0"/>
@@ -9056,134 +11166,6 @@
 </p:sld>
 </file>
 
-<file path=ppt/slides/slide5.xml><?xml version="1.0" encoding="utf-8"?>
-<p:sld xmlns:a="http://schemas.openxmlformats.org/drawingml/2006/main" xmlns:r="http://schemas.openxmlformats.org/officeDocument/2006/relationships" xmlns:p="http://schemas.openxmlformats.org/presentationml/2006/main">
-  <p:cSld>
-    <p:spTree>
-      <p:nvGrpSpPr>
-        <p:cNvPr id="1" name=""/>
-        <p:cNvGrpSpPr/>
-        <p:nvPr/>
-      </p:nvGrpSpPr>
-      <p:grpSpPr>
-        <a:xfrm>
-          <a:off x="0" y="0"/>
-          <a:ext cx="0" cy="0"/>
-          <a:chOff x="0" y="0"/>
-          <a:chExt cx="0" cy="0"/>
-        </a:xfrm>
-      </p:grpSpPr>
-      <p:sp>
-        <p:nvSpPr>
-          <p:cNvPr id="2" name="Titel 1">
-            <a:extLst>
-              <a:ext uri="{FF2B5EF4-FFF2-40B4-BE49-F238E27FC236}">
-                <a16:creationId xmlns:a16="http://schemas.microsoft.com/office/drawing/2014/main" id="{FFEC5993-EFA9-A519-83CC-AF07225CE353}"/>
-              </a:ext>
-            </a:extLst>
-          </p:cNvPr>
-          <p:cNvSpPr>
-            <a:spLocks noGrp="1"/>
-          </p:cNvSpPr>
-          <p:nvPr>
-            <p:ph type="title"/>
-          </p:nvPr>
-        </p:nvSpPr>
-        <p:spPr>
-          <a:xfrm>
-            <a:off x="0" y="0"/>
-            <a:ext cx="12192000" cy="6857999"/>
-          </a:xfrm>
-        </p:spPr>
-        <p:txBody>
-          <a:bodyPr/>
-          <a:lstStyle/>
-          <a:p>
-            <a:pPr algn="ctr"/>
-            <a:r>
-              <a:rPr lang="da-DK" dirty="0"/>
-              <a:t>Demo</a:t>
-            </a:r>
-          </a:p>
-        </p:txBody>
-      </p:sp>
-    </p:spTree>
-    <p:extLst>
-      <p:ext uri="{BB962C8B-B14F-4D97-AF65-F5344CB8AC3E}">
-        <p14:creationId xmlns:p14="http://schemas.microsoft.com/office/powerpoint/2010/main" val="4041610140"/>
-      </p:ext>
-    </p:extLst>
-  </p:cSld>
-  <p:clrMapOvr>
-    <a:masterClrMapping/>
-  </p:clrMapOvr>
-</p:sld>
-</file>
-
-<file path=ppt/slides/slide6.xml><?xml version="1.0" encoding="utf-8"?>
-<p:sld xmlns:a="http://schemas.openxmlformats.org/drawingml/2006/main" xmlns:r="http://schemas.openxmlformats.org/officeDocument/2006/relationships" xmlns:p="http://schemas.openxmlformats.org/presentationml/2006/main">
-  <p:cSld>
-    <p:spTree>
-      <p:nvGrpSpPr>
-        <p:cNvPr id="1" name=""/>
-        <p:cNvGrpSpPr/>
-        <p:nvPr/>
-      </p:nvGrpSpPr>
-      <p:grpSpPr>
-        <a:xfrm>
-          <a:off x="0" y="0"/>
-          <a:ext cx="0" cy="0"/>
-          <a:chOff x="0" y="0"/>
-          <a:chExt cx="0" cy="0"/>
-        </a:xfrm>
-      </p:grpSpPr>
-      <p:sp>
-        <p:nvSpPr>
-          <p:cNvPr id="2" name="Titel 1">
-            <a:extLst>
-              <a:ext uri="{FF2B5EF4-FFF2-40B4-BE49-F238E27FC236}">
-                <a16:creationId xmlns:a16="http://schemas.microsoft.com/office/drawing/2014/main" id="{FFEC5993-EFA9-A519-83CC-AF07225CE353}"/>
-              </a:ext>
-            </a:extLst>
-          </p:cNvPr>
-          <p:cNvSpPr>
-            <a:spLocks noGrp="1"/>
-          </p:cNvSpPr>
-          <p:nvPr>
-            <p:ph type="title"/>
-          </p:nvPr>
-        </p:nvSpPr>
-        <p:spPr>
-          <a:xfrm>
-            <a:off x="0" y="0"/>
-            <a:ext cx="12192000" cy="6857999"/>
-          </a:xfrm>
-        </p:spPr>
-        <p:txBody>
-          <a:bodyPr/>
-          <a:lstStyle/>
-          <a:p>
-            <a:pPr algn="ctr"/>
-            <a:r>
-              <a:rPr lang="da-DK" dirty="0"/>
-              <a:t>Domain Driven Design</a:t>
-            </a:r>
-          </a:p>
-        </p:txBody>
-      </p:sp>
-    </p:spTree>
-    <p:extLst>
-      <p:ext uri="{BB962C8B-B14F-4D97-AF65-F5344CB8AC3E}">
-        <p14:creationId xmlns:p14="http://schemas.microsoft.com/office/powerpoint/2010/main" val="546680082"/>
-      </p:ext>
-    </p:extLst>
-  </p:cSld>
-  <p:clrMapOvr>
-    <a:masterClrMapping/>
-  </p:clrMapOvr>
-</p:sld>
-</file>
-
 <file path=ppt/slides/slide7.xml><?xml version="1.0" encoding="utf-8"?>
 <p:sld xmlns:a="http://schemas.openxmlformats.org/drawingml/2006/main" xmlns:r="http://schemas.openxmlformats.org/officeDocument/2006/relationships" xmlns:p="http://schemas.openxmlformats.org/presentationml/2006/main">
   <p:cSld>
@@ -9206,7 +11188,7 @@
           <p:cNvPr id="2" name="Titel 1">
             <a:extLst>
               <a:ext uri="{FF2B5EF4-FFF2-40B4-BE49-F238E27FC236}">
-                <a16:creationId xmlns:a16="http://schemas.microsoft.com/office/drawing/2014/main" id="{0144FA41-7639-5CB5-9FCA-41B95901E250}"/>
+                <a16:creationId xmlns:a16="http://schemas.microsoft.com/office/drawing/2014/main" id="{2640878B-622F-32D3-0FF2-197EE5F6E0DE}"/>
               </a:ext>
             </a:extLst>
           </p:cNvPr>
@@ -9224,17 +11206,22 @@
           <a:p>
             <a:r>
               <a:rPr lang="da-DK" dirty="0"/>
-              <a:t>Domain Driven Design</a:t>
-            </a:r>
-          </a:p>
-        </p:txBody>
-      </p:sp>
-      <p:sp>
-        <p:nvSpPr>
-          <p:cNvPr id="3" name="Pladsholder til indhold 2">
+              <a:t>Catering </a:t>
+            </a:r>
+            <a:r>
+              <a:rPr lang="da-DK" dirty="0" err="1"/>
+              <a:t>DataProcessing</a:t>
+            </a:r>
+            <a:endParaRPr lang="da-DK" dirty="0"/>
+          </a:p>
+        </p:txBody>
+      </p:sp>
+      <p:sp>
+        <p:nvSpPr>
+          <p:cNvPr id="16" name="Pladsholder til indhold 15">
             <a:extLst>
               <a:ext uri="{FF2B5EF4-FFF2-40B4-BE49-F238E27FC236}">
-                <a16:creationId xmlns:a16="http://schemas.microsoft.com/office/drawing/2014/main" id="{55AE5268-ACD0-3AE3-BBE1-F098D71C0741}"/>
+                <a16:creationId xmlns:a16="http://schemas.microsoft.com/office/drawing/2014/main" id="{4D666D61-6229-4D71-8B14-6B2353E0CA38}"/>
               </a:ext>
             </a:extLst>
           </p:cNvPr>
@@ -9242,35 +11229,28 @@
             <a:spLocks noGrp="1"/>
           </p:cNvSpPr>
           <p:nvPr>
-            <p:ph idx="1"/>
-          </p:nvPr>
-        </p:nvSpPr>
-        <p:spPr/>
-        <p:txBody>
-          <a:bodyPr/>
-          <a:lstStyle/>
-          <a:p>
-            <a:r>
-              <a:rPr lang="da-DK" dirty="0"/>
-              <a:t>Arkitektur</a:t>
-            </a:r>
-          </a:p>
-          <a:p>
-            <a:r>
-              <a:rPr lang="da-DK" dirty="0"/>
-              <a:t>Fokus på domæner</a:t>
-            </a:r>
-          </a:p>
-          <a:p>
-            <a:r>
-              <a:rPr lang="da-DK" dirty="0"/>
-              <a:t>Aggregater </a:t>
-            </a:r>
-          </a:p>
-          <a:p>
+            <p:ph sz="half" idx="2"/>
+          </p:nvPr>
+        </p:nvSpPr>
+        <p:spPr/>
+        <p:txBody>
+          <a:bodyPr/>
+          <a:lstStyle/>
+          <a:p>
+            <a:r>
+              <a:rPr lang="da-DK" dirty="0"/>
+              <a:t>Domain og Application Service </a:t>
+            </a:r>
             <a:r>
               <a:rPr lang="da-DK" dirty="0" err="1"/>
-              <a:t>Bounded</a:t>
+              <a:t>Layer</a:t>
+            </a:r>
+            <a:endParaRPr lang="da-DK" dirty="0"/>
+          </a:p>
+          <a:p>
+            <a:r>
+              <a:rPr lang="da-DK" dirty="0" err="1"/>
+              <a:t>Infrastructure</a:t>
             </a:r>
             <a:r>
               <a:rPr lang="da-DK" dirty="0"/>
@@ -9278,25 +11258,70 @@
             </a:r>
             <a:r>
               <a:rPr lang="da-DK" dirty="0" err="1"/>
-              <a:t>Context</a:t>
+              <a:t>Persistance</a:t>
+            </a:r>
+            <a:r>
+              <a:rPr lang="da-DK" dirty="0"/>
+              <a:t> </a:t>
+            </a:r>
+            <a:r>
+              <a:rPr lang="da-DK" dirty="0" err="1"/>
+              <a:t>Layer</a:t>
             </a:r>
             <a:endParaRPr lang="da-DK" dirty="0"/>
           </a:p>
           <a:p>
             <a:r>
               <a:rPr lang="da-DK" dirty="0"/>
-              <a:t>Value Objekt</a:t>
-            </a:r>
-          </a:p>
-          <a:p>
+              <a:t>Domain </a:t>
+            </a:r>
+            <a:r>
+              <a:rPr lang="da-DK" dirty="0" err="1"/>
+              <a:t>Layer</a:t>
+            </a:r>
             <a:endParaRPr lang="da-DK" dirty="0"/>
           </a:p>
         </p:txBody>
       </p:sp>
+      <p:pic>
+        <p:nvPicPr>
+          <p:cNvPr id="20" name="Pladsholder til indhold 19">
+            <a:extLst>
+              <a:ext uri="{FF2B5EF4-FFF2-40B4-BE49-F238E27FC236}">
+                <a16:creationId xmlns:a16="http://schemas.microsoft.com/office/drawing/2014/main" id="{B0202E46-FD08-A964-AF43-EC0A9AD94E67}"/>
+              </a:ext>
+            </a:extLst>
+          </p:cNvPr>
+          <p:cNvPicPr>
+            <a:picLocks noGrp="1" noChangeAspect="1"/>
+          </p:cNvPicPr>
+          <p:nvPr>
+            <p:ph sz="half" idx="1"/>
+          </p:nvPr>
+        </p:nvPicPr>
+        <p:blipFill>
+          <a:blip r:embed="rId3">
+            <a:extLst>
+              <a:ext uri="{28A0092B-C50C-407E-A947-70E740481C1C}">
+                <a14:useLocalDpi xmlns:a14="http://schemas.microsoft.com/office/drawing/2010/main" val="0"/>
+              </a:ext>
+            </a:extLst>
+          </a:blip>
+          <a:stretch>
+            <a:fillRect/>
+          </a:stretch>
+        </p:blipFill>
+        <p:spPr>
+          <a:xfrm>
+            <a:off x="1443037" y="2296319"/>
+            <a:ext cx="3819525" cy="3819525"/>
+          </a:xfrm>
+        </p:spPr>
+      </p:pic>
     </p:spTree>
     <p:extLst>
       <p:ext uri="{BB962C8B-B14F-4D97-AF65-F5344CB8AC3E}">
-        <p14:creationId xmlns:p14="http://schemas.microsoft.com/office/powerpoint/2010/main" val="999421233"/>
+        <p14:creationId xmlns:p14="http://schemas.microsoft.com/office/powerpoint/2010/main" val="4293910425"/>
       </p:ext>
     </p:extLst>
   </p:cSld>
@@ -9328,7 +11353,7 @@
           <p:cNvPr id="2" name="Titel 1">
             <a:extLst>
               <a:ext uri="{FF2B5EF4-FFF2-40B4-BE49-F238E27FC236}">
-                <a16:creationId xmlns:a16="http://schemas.microsoft.com/office/drawing/2014/main" id="{0144FA41-7639-5CB5-9FCA-41B95901E250}"/>
+                <a16:creationId xmlns:a16="http://schemas.microsoft.com/office/drawing/2014/main" id="{22024EA9-0751-4D8F-6035-58AF2CA4DA7F}"/>
               </a:ext>
             </a:extLst>
           </p:cNvPr>
@@ -9346,57 +11371,52 @@
           <a:p>
             <a:r>
               <a:rPr lang="da-DK" dirty="0"/>
-              <a:t>Domain Driven Design - Aggregat</a:t>
-            </a:r>
-          </a:p>
-        </p:txBody>
-      </p:sp>
-      <p:sp>
-        <p:nvSpPr>
-          <p:cNvPr id="3" name="Pladsholder til indhold 2">
+              <a:t>Catering REST-API</a:t>
+            </a:r>
+          </a:p>
+        </p:txBody>
+      </p:sp>
+      <p:pic>
+        <p:nvPicPr>
+          <p:cNvPr id="18" name="Pladsholder til indhold 17">
             <a:extLst>
               <a:ext uri="{FF2B5EF4-FFF2-40B4-BE49-F238E27FC236}">
-                <a16:creationId xmlns:a16="http://schemas.microsoft.com/office/drawing/2014/main" id="{55AE5268-ACD0-3AE3-BBE1-F098D71C0741}"/>
+                <a16:creationId xmlns:a16="http://schemas.microsoft.com/office/drawing/2014/main" id="{128464E9-B1CA-1606-B8A2-68A8C42B211C}"/>
               </a:ext>
             </a:extLst>
           </p:cNvPr>
-          <p:cNvSpPr>
-            <a:spLocks noGrp="1"/>
-          </p:cNvSpPr>
+          <p:cNvPicPr>
+            <a:picLocks noGrp="1" noChangeAspect="1"/>
+          </p:cNvPicPr>
           <p:nvPr>
             <p:ph sz="half" idx="1"/>
           </p:nvPr>
-        </p:nvSpPr>
-        <p:spPr/>
-        <p:txBody>
-          <a:bodyPr/>
-          <a:lstStyle/>
-          <a:p>
-            <a:r>
-              <a:rPr lang="da-DK" dirty="0"/>
-              <a:t>Samling af objekter </a:t>
-            </a:r>
-          </a:p>
-          <a:p>
-            <a:r>
-              <a:rPr lang="da-DK" dirty="0"/>
-              <a:t>Har en rod</a:t>
-            </a:r>
-          </a:p>
-          <a:p>
-            <a:r>
-              <a:rPr lang="da-DK" dirty="0"/>
-              <a:t>Andre aggregater og deres objekter kan kun refererer til rødderne</a:t>
-            </a:r>
-          </a:p>
-        </p:txBody>
-      </p:sp>
-      <p:sp>
-        <p:nvSpPr>
-          <p:cNvPr id="4" name="Pladsholder til indhold 3">
+        </p:nvPicPr>
+        <p:blipFill>
+          <a:blip r:embed="rId2">
+            <a:extLst>
+              <a:ext uri="{28A0092B-C50C-407E-A947-70E740481C1C}">
+                <a14:useLocalDpi xmlns:a14="http://schemas.microsoft.com/office/drawing/2010/main" val="0"/>
+              </a:ext>
+            </a:extLst>
+          </a:blip>
+          <a:stretch>
+            <a:fillRect/>
+          </a:stretch>
+        </p:blipFill>
+        <p:spPr>
+          <a:xfrm>
+            <a:off x="1538287" y="2391569"/>
+            <a:ext cx="3629025" cy="3629025"/>
+          </a:xfrm>
+        </p:spPr>
+      </p:pic>
+      <p:sp>
+        <p:nvSpPr>
+          <p:cNvPr id="19" name="Pladsholder til indhold 18">
             <a:extLst>
               <a:ext uri="{FF2B5EF4-FFF2-40B4-BE49-F238E27FC236}">
-                <a16:creationId xmlns:a16="http://schemas.microsoft.com/office/drawing/2014/main" id="{6BA43CF8-57B3-4A0A-879C-0FD7745D1924}"/>
+                <a16:creationId xmlns:a16="http://schemas.microsoft.com/office/drawing/2014/main" id="{ED0F0403-8AC3-451A-EF2D-132D8CDDB870}"/>
               </a:ext>
             </a:extLst>
           </p:cNvPr>
@@ -9413,39 +11433,39 @@
           <a:lstStyle/>
           <a:p>
             <a:r>
-              <a:rPr lang="da-DK" dirty="0" err="1">
-                <a:solidFill>
-                  <a:srgbClr val="000000"/>
-                </a:solidFill>
-                <a:latin typeface="Cascadia Mono" panose="020B0609020000020004" pitchFamily="49" charset="0"/>
-              </a:rPr>
-              <a:t>IAggregateRoot:Interface</a:t>
-            </a:r>
-            <a:endParaRPr lang="da-DK" dirty="0">
-              <a:solidFill>
-                <a:srgbClr val="000000"/>
-              </a:solidFill>
-              <a:latin typeface="Cascadia Mono" panose="020B0609020000020004" pitchFamily="49" charset="0"/>
-            </a:endParaRPr>
-          </a:p>
-          <a:p>
-            <a:r>
-              <a:rPr lang="da-DK" dirty="0" err="1">
-                <a:solidFill>
-                  <a:srgbClr val="000000"/>
-                </a:solidFill>
-                <a:latin typeface="Cascadia Mono" panose="020B0609020000020004" pitchFamily="49" charset="0"/>
-              </a:rPr>
-              <a:t>ReferenceId:Record</a:t>
-            </a:r>
-            <a:endParaRPr lang="da-DK" dirty="0">
-              <a:solidFill>
-                <a:srgbClr val="000000"/>
-              </a:solidFill>
-              <a:latin typeface="Cascadia Mono" panose="020B0609020000020004" pitchFamily="49" charset="0"/>
-            </a:endParaRPr>
-          </a:p>
-          <a:p>
+              <a:rPr lang="da-DK" dirty="0"/>
+              <a:t>Presentation </a:t>
+            </a:r>
+            <a:r>
+              <a:rPr lang="da-DK" dirty="0" err="1"/>
+              <a:t>Layer</a:t>
+            </a:r>
+            <a:endParaRPr lang="da-DK" dirty="0"/>
+          </a:p>
+          <a:p>
+            <a:r>
+              <a:rPr lang="da-DK" dirty="0"/>
+              <a:t>Application Service </a:t>
+            </a:r>
+            <a:r>
+              <a:rPr lang="da-DK" dirty="0" err="1"/>
+              <a:t>Layer</a:t>
+            </a:r>
+            <a:endParaRPr lang="da-DK" dirty="0"/>
+          </a:p>
+          <a:p>
+            <a:r>
+              <a:rPr lang="da-DK" dirty="0" err="1"/>
+              <a:t>Infrastructure</a:t>
+            </a:r>
+            <a:r>
+              <a:rPr lang="da-DK" dirty="0"/>
+              <a:t> </a:t>
+            </a:r>
+            <a:r>
+              <a:rPr lang="da-DK" dirty="0" err="1"/>
+              <a:t>Layer</a:t>
+            </a:r>
             <a:endParaRPr lang="da-DK" dirty="0"/>
           </a:p>
         </p:txBody>
@@ -9453,7 +11473,7 @@
     </p:spTree>
     <p:extLst>
       <p:ext uri="{BB962C8B-B14F-4D97-AF65-F5344CB8AC3E}">
-        <p14:creationId xmlns:p14="http://schemas.microsoft.com/office/powerpoint/2010/main" val="1920184944"/>
+        <p14:creationId xmlns:p14="http://schemas.microsoft.com/office/powerpoint/2010/main" val="2786360423"/>
       </p:ext>
     </p:extLst>
   </p:cSld>
@@ -9485,7 +11505,7 @@
           <p:cNvPr id="2" name="Titel 1">
             <a:extLst>
               <a:ext uri="{FF2B5EF4-FFF2-40B4-BE49-F238E27FC236}">
-                <a16:creationId xmlns:a16="http://schemas.microsoft.com/office/drawing/2014/main" id="{0144FA41-7639-5CB5-9FCA-41B95901E250}"/>
+                <a16:creationId xmlns:a16="http://schemas.microsoft.com/office/drawing/2014/main" id="{7D2D7E37-21A4-C9DB-8FA5-A7B3443295CE}"/>
               </a:ext>
             </a:extLst>
           </p:cNvPr>
@@ -9503,17 +11523,17 @@
           <a:p>
             <a:r>
               <a:rPr lang="da-DK" dirty="0"/>
-              <a:t>Domain Driven Design –   Value Objekt</a:t>
-            </a:r>
-          </a:p>
-        </p:txBody>
-      </p:sp>
-      <p:sp>
-        <p:nvSpPr>
-          <p:cNvPr id="3" name="Pladsholder til indhold 2">
+              <a:t>USER REST-API</a:t>
+            </a:r>
+          </a:p>
+        </p:txBody>
+      </p:sp>
+      <p:sp>
+        <p:nvSpPr>
+          <p:cNvPr id="21" name="Pladsholder til indhold 20">
             <a:extLst>
               <a:ext uri="{FF2B5EF4-FFF2-40B4-BE49-F238E27FC236}">
-                <a16:creationId xmlns:a16="http://schemas.microsoft.com/office/drawing/2014/main" id="{55AE5268-ACD0-3AE3-BBE1-F098D71C0741}"/>
+                <a16:creationId xmlns:a16="http://schemas.microsoft.com/office/drawing/2014/main" id="{01AC32FC-7F70-7C54-AFED-088713D46E4F}"/>
               </a:ext>
             </a:extLst>
           </p:cNvPr>
@@ -9521,67 +11541,117 @@
             <a:spLocks noGrp="1"/>
           </p:cNvSpPr>
           <p:nvPr>
-            <p:ph sz="half" idx="1"/>
-          </p:nvPr>
-        </p:nvSpPr>
-        <p:spPr/>
-        <p:txBody>
-          <a:bodyPr/>
-          <a:lstStyle/>
-          <a:p>
-            <a:r>
-              <a:rPr lang="da-DK" dirty="0"/>
-              <a:t>Objekter uden referencer</a:t>
-            </a:r>
-          </a:p>
-          <a:p>
-            <a:r>
-              <a:rPr lang="da-DK" dirty="0"/>
-              <a:t>Kun værdierne er vigtige</a:t>
-            </a:r>
-          </a:p>
-        </p:txBody>
-      </p:sp>
-      <p:sp>
-        <p:nvSpPr>
-          <p:cNvPr id="4" name="Pladsholder til indhold 3">
+            <p:ph sz="half" idx="2"/>
+          </p:nvPr>
+        </p:nvSpPr>
+        <p:spPr/>
+        <p:txBody>
+          <a:bodyPr/>
+          <a:lstStyle/>
+          <a:p>
+            <a:r>
+              <a:rPr lang="da-DK" dirty="0" err="1"/>
+              <a:t>Presenstation</a:t>
+            </a:r>
+            <a:r>
+              <a:rPr lang="da-DK" dirty="0"/>
+              <a:t> </a:t>
+            </a:r>
+            <a:r>
+              <a:rPr lang="da-DK" dirty="0" err="1"/>
+              <a:t>Layer</a:t>
+            </a:r>
+            <a:endParaRPr lang="da-DK" dirty="0"/>
+          </a:p>
+          <a:p>
+            <a:r>
+              <a:rPr lang="da-DK" dirty="0"/>
+              <a:t>Domain og Application Service </a:t>
+            </a:r>
+            <a:r>
+              <a:rPr lang="da-DK" dirty="0" err="1"/>
+              <a:t>Layer</a:t>
+            </a:r>
+            <a:r>
+              <a:rPr lang="da-DK" dirty="0"/>
+              <a:t> </a:t>
+            </a:r>
+          </a:p>
+          <a:p>
+            <a:r>
+              <a:rPr lang="da-DK" dirty="0" err="1"/>
+              <a:t>Infrastructure</a:t>
+            </a:r>
+            <a:r>
+              <a:rPr lang="da-DK" dirty="0"/>
+              <a:t> </a:t>
+            </a:r>
+            <a:r>
+              <a:rPr lang="da-DK" dirty="0" err="1"/>
+              <a:t>Persistance</a:t>
+            </a:r>
+            <a:r>
+              <a:rPr lang="da-DK" dirty="0"/>
+              <a:t> </a:t>
+            </a:r>
+            <a:r>
+              <a:rPr lang="da-DK" dirty="0" err="1"/>
+              <a:t>Layer</a:t>
+            </a:r>
+            <a:endParaRPr lang="da-DK" dirty="0"/>
+          </a:p>
+          <a:p>
+            <a:r>
+              <a:rPr lang="da-DK" dirty="0"/>
+              <a:t>Domain </a:t>
+            </a:r>
+            <a:r>
+              <a:rPr lang="da-DK" dirty="0" err="1"/>
+              <a:t>Layer</a:t>
+            </a:r>
+            <a:endParaRPr lang="da-DK" dirty="0"/>
+          </a:p>
+        </p:txBody>
+      </p:sp>
+      <p:pic>
+        <p:nvPicPr>
+          <p:cNvPr id="25" name="Pladsholder til indhold 24">
             <a:extLst>
               <a:ext uri="{FF2B5EF4-FFF2-40B4-BE49-F238E27FC236}">
-                <a16:creationId xmlns:a16="http://schemas.microsoft.com/office/drawing/2014/main" id="{6BA43CF8-57B3-4A0A-879C-0FD7745D1924}"/>
+                <a16:creationId xmlns:a16="http://schemas.microsoft.com/office/drawing/2014/main" id="{D032BAC6-B8C9-30BA-88DA-45FE49B5A23E}"/>
               </a:ext>
             </a:extLst>
           </p:cNvPr>
-          <p:cNvSpPr>
-            <a:spLocks noGrp="1"/>
-          </p:cNvSpPr>
-          <p:nvPr>
-            <p:ph sz="half" idx="2"/>
-          </p:nvPr>
-        </p:nvSpPr>
-        <p:spPr/>
-        <p:txBody>
-          <a:bodyPr>
-            <a:normAutofit/>
-          </a:bodyPr>
-          <a:lstStyle/>
-          <a:p>
-            <a:r>
-              <a:rPr lang="da-DK" dirty="0" err="1">
-                <a:solidFill>
-                  <a:srgbClr val="000000"/>
-                </a:solidFill>
-                <a:latin typeface="Cascadia Mono" panose="020B0609020000020004" pitchFamily="49" charset="0"/>
-              </a:rPr>
-              <a:t>ValueObject:Record</a:t>
-            </a:r>
-            <a:endParaRPr lang="da-DK" dirty="0"/>
-          </a:p>
-        </p:txBody>
-      </p:sp>
+          <p:cNvPicPr>
+            <a:picLocks noGrp="1" noChangeAspect="1"/>
+          </p:cNvPicPr>
+          <p:nvPr>
+            <p:ph sz="half" idx="1"/>
+          </p:nvPr>
+        </p:nvPicPr>
+        <p:blipFill>
+          <a:blip r:embed="rId2">
+            <a:extLst>
+              <a:ext uri="{28A0092B-C50C-407E-A947-70E740481C1C}">
+                <a14:useLocalDpi xmlns:a14="http://schemas.microsoft.com/office/drawing/2010/main" val="0"/>
+              </a:ext>
+            </a:extLst>
+          </a:blip>
+          <a:stretch>
+            <a:fillRect/>
+          </a:stretch>
+        </p:blipFill>
+        <p:spPr>
+          <a:xfrm>
+            <a:off x="1340643" y="2193925"/>
+            <a:ext cx="4024313" cy="4024313"/>
+          </a:xfrm>
+        </p:spPr>
+      </p:pic>
     </p:spTree>
     <p:extLst>
       <p:ext uri="{BB962C8B-B14F-4D97-AF65-F5344CB8AC3E}">
-        <p14:creationId xmlns:p14="http://schemas.microsoft.com/office/powerpoint/2010/main" val="1840209252"/>
+        <p14:creationId xmlns:p14="http://schemas.microsoft.com/office/powerpoint/2010/main" val="437419451"/>
       </p:ext>
     </p:extLst>
   </p:cSld>

--- a/presentation.pptx
+++ b/presentation.pptx
@@ -5,7 +5,7 @@
     <p:sldMasterId id="2147483768" r:id="rId1"/>
   </p:sldMasterIdLst>
   <p:notesMasterIdLst>
-    <p:notesMasterId r:id="rId34"/>
+    <p:notesMasterId r:id="rId37"/>
   </p:notesMasterIdLst>
   <p:sldIdLst>
     <p:sldId id="256" r:id="rId2"/>
@@ -25,21 +25,24 @@
     <p:sldId id="279" r:id="rId16"/>
     <p:sldId id="288" r:id="rId17"/>
     <p:sldId id="290" r:id="rId18"/>
-    <p:sldId id="291" r:id="rId19"/>
+    <p:sldId id="296" r:id="rId19"/>
     <p:sldId id="289" r:id="rId20"/>
     <p:sldId id="276" r:id="rId21"/>
     <p:sldId id="274" r:id="rId22"/>
-    <p:sldId id="282" r:id="rId23"/>
-    <p:sldId id="277" r:id="rId24"/>
-    <p:sldId id="262" r:id="rId25"/>
-    <p:sldId id="268" r:id="rId26"/>
-    <p:sldId id="292" r:id="rId27"/>
-    <p:sldId id="270" r:id="rId28"/>
-    <p:sldId id="267" r:id="rId29"/>
-    <p:sldId id="269" r:id="rId30"/>
-    <p:sldId id="271" r:id="rId31"/>
-    <p:sldId id="272" r:id="rId32"/>
-    <p:sldId id="281" r:id="rId33"/>
+    <p:sldId id="293" r:id="rId23"/>
+    <p:sldId id="294" r:id="rId24"/>
+    <p:sldId id="295" r:id="rId25"/>
+    <p:sldId id="282" r:id="rId26"/>
+    <p:sldId id="277" r:id="rId27"/>
+    <p:sldId id="262" r:id="rId28"/>
+    <p:sldId id="268" r:id="rId29"/>
+    <p:sldId id="292" r:id="rId30"/>
+    <p:sldId id="270" r:id="rId31"/>
+    <p:sldId id="267" r:id="rId32"/>
+    <p:sldId id="269" r:id="rId33"/>
+    <p:sldId id="271" r:id="rId34"/>
+    <p:sldId id="272" r:id="rId35"/>
+    <p:sldId id="281" r:id="rId36"/>
   </p:sldIdLst>
   <p:sldSz cx="12192000" cy="6858000"/>
   <p:notesSz cx="6858000" cy="9144000"/>
@@ -228,7 +231,7 @@
           <a:p>
             <a:fld id="{8F5AC0EE-C0EF-4DBE-8184-146DED29BF67}" type="datetimeFigureOut">
               <a:rPr lang="da-DK" smtClean="0"/>
-              <a:t>07-05-2024</a:t>
+              <a:t>08-05-2024</a:t>
             </a:fld>
             <a:endParaRPr lang="da-DK"/>
           </a:p>
@@ -539,24 +542,30 @@
           <a:bodyPr/>
           <a:lstStyle/>
           <a:p>
-            <a:r>
-              <a:rPr lang="da-DK" dirty="0"/>
-              <a:t>https://martinfowler.com/microservices/</a:t>
-            </a:r>
-          </a:p>
-          <a:p>
-            <a:r>
-              <a:rPr lang="da-DK" dirty="0"/>
-              <a:t>Hver boks er sin egen </a:t>
-            </a:r>
-            <a:r>
-              <a:rPr lang="da-DK" dirty="0" err="1"/>
-              <a:t>microservice</a:t>
-            </a:r>
-            <a:r>
-              <a:rPr lang="da-DK" dirty="0"/>
-              <a:t> i princippet</a:t>
-            </a:r>
+            <a:pPr marL="0" marR="0" lvl="0" indent="0" algn="l" defTabSz="914400" rtl="0" eaLnBrk="1" fontAlgn="auto" latinLnBrk="0" hangingPunct="1">
+              <a:lnSpc>
+                <a:spcPct val="100000"/>
+              </a:lnSpc>
+              <a:spcBef>
+                <a:spcPts val="0"/>
+              </a:spcBef>
+              <a:spcAft>
+                <a:spcPts val="0"/>
+              </a:spcAft>
+              <a:buClrTx/>
+              <a:buSzTx/>
+              <a:buFontTx/>
+              <a:buNone/>
+              <a:tabLst/>
+              <a:defRPr/>
+            </a:pPr>
+            <a:r>
+              <a:rPr lang="da-DK" dirty="0"/>
+              <a:t>Kunne fremvise noget kode på hist og her</a:t>
+            </a:r>
+          </a:p>
+          <a:p>
+            <a:endParaRPr lang="da-DK" dirty="0"/>
           </a:p>
         </p:txBody>
       </p:sp>
@@ -577,7 +586,7 @@
           <a:p>
             <a:fld id="{252E21F2-0B82-4ACE-A045-2AAC56859006}" type="slidenum">
               <a:rPr lang="da-DK" smtClean="0"/>
-              <a:t>6</a:t>
+              <a:t>4</a:t>
             </a:fld>
             <a:endParaRPr lang="da-DK"/>
           </a:p>
@@ -586,7 +595,7 @@
     </p:spTree>
     <p:extLst>
       <p:ext uri="{BB962C8B-B14F-4D97-AF65-F5344CB8AC3E}">
-        <p14:creationId xmlns:p14="http://schemas.microsoft.com/office/powerpoint/2010/main" val="669242770"/>
+        <p14:creationId xmlns:p14="http://schemas.microsoft.com/office/powerpoint/2010/main" val="4156315854"/>
       </p:ext>
     </p:extLst>
   </p:cSld>
@@ -640,28 +649,7 @@
           <a:bodyPr/>
           <a:lstStyle/>
           <a:p>
-            <a:r>
-              <a:rPr lang="da-DK" dirty="0"/>
-              <a:t>Nævn at broker nu kan være controllers, men før var det zookeeper</a:t>
-            </a:r>
-          </a:p>
-          <a:p>
-            <a:r>
-              <a:rPr lang="da-DK" dirty="0" err="1"/>
-              <a:t>ZooKeeper</a:t>
-            </a:r>
-            <a:r>
-              <a:rPr lang="da-DK" dirty="0"/>
-              <a:t> udskiftet med Kraft, en </a:t>
-            </a:r>
-            <a:r>
-              <a:rPr lang="da-DK" dirty="0" err="1"/>
-              <a:t>kafka</a:t>
-            </a:r>
-            <a:r>
-              <a:rPr lang="da-DK" dirty="0"/>
-              <a:t> server som enten er en controller, broker eller begge</a:t>
-            </a:r>
+            <a:endParaRPr lang="da-DK" dirty="0"/>
           </a:p>
         </p:txBody>
       </p:sp>
@@ -682,7 +670,7 @@
           <a:p>
             <a:fld id="{252E21F2-0B82-4ACE-A045-2AAC56859006}" type="slidenum">
               <a:rPr lang="da-DK" smtClean="0"/>
-              <a:t>27</a:t>
+              <a:t>20</a:t>
             </a:fld>
             <a:endParaRPr lang="da-DK"/>
           </a:p>
@@ -691,7 +679,7 @@
     </p:spTree>
     <p:extLst>
       <p:ext uri="{BB962C8B-B14F-4D97-AF65-F5344CB8AC3E}">
-        <p14:creationId xmlns:p14="http://schemas.microsoft.com/office/powerpoint/2010/main" val="3998614641"/>
+        <p14:creationId xmlns:p14="http://schemas.microsoft.com/office/powerpoint/2010/main" val="2289638430"/>
       </p:ext>
     </p:extLst>
   </p:cSld>
@@ -747,23 +735,28 @@
           <a:p>
             <a:r>
               <a:rPr lang="da-DK" dirty="0" err="1"/>
-              <a:t>Confluent</a:t>
-            </a:r>
-            <a:r>
-              <a:rPr lang="da-DK" dirty="0"/>
-              <a:t> Kafka</a:t>
-            </a:r>
-          </a:p>
-          <a:p>
-            <a:r>
-              <a:rPr lang="da-DK" dirty="0"/>
-              <a:t>Kunne havde brugt </a:t>
+              <a:t>Seq</a:t>
+            </a:r>
+            <a:r>
+              <a:rPr lang="da-DK" dirty="0"/>
+              <a:t> og </a:t>
             </a:r>
             <a:r>
               <a:rPr lang="da-DK" dirty="0" err="1"/>
-              <a:t>KNet</a:t>
-            </a:r>
-            <a:endParaRPr lang="da-DK" dirty="0"/>
+              <a:t>Serilog</a:t>
+            </a:r>
+            <a:r>
+              <a:rPr lang="da-DK" dirty="0"/>
+              <a:t> er begge lette og små? </a:t>
+            </a:r>
+            <a:r>
+              <a:rPr lang="da-DK" dirty="0" err="1"/>
+              <a:t>Koncenteret</a:t>
+            </a:r>
+            <a:r>
+              <a:rPr lang="da-DK" dirty="0"/>
+              <a:t>? </a:t>
+            </a:r>
           </a:p>
         </p:txBody>
       </p:sp>
@@ -784,7 +777,7 @@
           <a:p>
             <a:fld id="{252E21F2-0B82-4ACE-A045-2AAC56859006}" type="slidenum">
               <a:rPr lang="da-DK" smtClean="0"/>
-              <a:t>28</a:t>
+              <a:t>21</a:t>
             </a:fld>
             <a:endParaRPr lang="da-DK"/>
           </a:p>
@@ -793,7 +786,7 @@
     </p:spTree>
     <p:extLst>
       <p:ext uri="{BB962C8B-B14F-4D97-AF65-F5344CB8AC3E}">
-        <p14:creationId xmlns:p14="http://schemas.microsoft.com/office/powerpoint/2010/main" val="3004894068"/>
+        <p14:creationId xmlns:p14="http://schemas.microsoft.com/office/powerpoint/2010/main" val="2294237520"/>
       </p:ext>
     </p:extLst>
   </p:cSld>
@@ -849,41 +842,11 @@
           <a:p>
             <a:r>
               <a:rPr lang="da-DK" dirty="0"/>
-              <a:t>Remote Procedure </a:t>
+              <a:t>Kunne nævne ting som </a:t>
             </a:r>
             <a:r>
               <a:rPr lang="da-DK" dirty="0" err="1"/>
-              <a:t>Cal</a:t>
-            </a:r>
-            <a:endParaRPr lang="da-DK" dirty="0"/>
-          </a:p>
-          <a:p>
-            <a:r>
-              <a:rPr lang="da-DK" dirty="0"/>
-              <a:t>Nævn at </a:t>
-            </a:r>
-            <a:r>
-              <a:rPr lang="da-DK" dirty="0" err="1"/>
-              <a:t>kafka</a:t>
-            </a:r>
-            <a:r>
-              <a:rPr lang="da-DK" dirty="0"/>
-              <a:t> ikke understøtter </a:t>
-            </a:r>
-            <a:r>
-              <a:rPr lang="da-DK" dirty="0" err="1"/>
-              <a:t>request-response</a:t>
-            </a:r>
-            <a:endParaRPr lang="da-DK" dirty="0"/>
-          </a:p>
-          <a:p>
-            <a:r>
-              <a:rPr lang="da-DK" dirty="0"/>
-              <a:t>https://kafka.apache.org/documentation/#intro_nutshell nævner Kafka som en alternativ til </a:t>
-            </a:r>
-            <a:r>
-              <a:rPr lang="da-DK" dirty="0" err="1"/>
-              <a:t>RabbitMQ</a:t>
+              <a:t>interceptor</a:t>
             </a:r>
             <a:r>
               <a:rPr lang="da-DK" dirty="0"/>
@@ -909,7 +872,7 @@
           <a:p>
             <a:fld id="{252E21F2-0B82-4ACE-A045-2AAC56859006}" type="slidenum">
               <a:rPr lang="da-DK" smtClean="0"/>
-              <a:t>29</a:t>
+              <a:t>22</a:t>
             </a:fld>
             <a:endParaRPr lang="da-DK"/>
           </a:p>
@@ -918,7 +881,7 @@
     </p:spTree>
     <p:extLst>
       <p:ext uri="{BB962C8B-B14F-4D97-AF65-F5344CB8AC3E}">
-        <p14:creationId xmlns:p14="http://schemas.microsoft.com/office/powerpoint/2010/main" val="1108710331"/>
+        <p14:creationId xmlns:p14="http://schemas.microsoft.com/office/powerpoint/2010/main" val="4069340254"/>
       </p:ext>
     </p:extLst>
   </p:cSld>
@@ -974,41 +937,50 @@
           <a:p>
             <a:r>
               <a:rPr lang="da-DK" dirty="0"/>
-              <a:t>Nævn at for </a:t>
+              <a:t>20x hurtigere end JavaScript, </a:t>
             </a:r>
             <a:r>
               <a:rPr lang="da-DK" dirty="0" err="1"/>
-              <a:t>RabbitMQ</a:t>
-            </a:r>
-            <a:r>
-              <a:rPr lang="da-DK" dirty="0"/>
-              <a:t> er der intet der tvinger en </a:t>
+              <a:t>stack-based</a:t>
+            </a:r>
+            <a:r>
+              <a:rPr lang="da-DK" dirty="0"/>
+              <a:t> JavaScript VM, </a:t>
             </a:r>
             <a:r>
               <a:rPr lang="da-DK" dirty="0" err="1"/>
-              <a:t>consumer</a:t>
-            </a:r>
-            <a:r>
-              <a:rPr lang="da-DK" dirty="0"/>
-              <a:t> at svare på en RPC</a:t>
-            </a:r>
-          </a:p>
-          <a:p>
-            <a:r>
-              <a:rPr lang="da-DK" dirty="0"/>
-              <a:t>Kafka er nok bedre for Event Collaboration/</a:t>
-            </a:r>
-            <a:r>
-              <a:rPr lang="da-DK" dirty="0" err="1"/>
-              <a:t>Sourcing</a:t>
-            </a:r>
+              <a:t>sandboxed</a:t>
+            </a:r>
+            <a:r>
+              <a:rPr lang="da-DK" dirty="0"/>
+              <a:t>, binær format, C/C++ compiler</a:t>
+            </a:r>
+          </a:p>
+          <a:p>
+            <a:pPr marL="0" marR="0" lvl="0" indent="0" algn="l" defTabSz="914400" rtl="0" eaLnBrk="1" fontAlgn="auto" latinLnBrk="0" hangingPunct="1">
+              <a:lnSpc>
+                <a:spcPct val="100000"/>
+              </a:lnSpc>
+              <a:spcBef>
+                <a:spcPts val="0"/>
+              </a:spcBef>
+              <a:spcAft>
+                <a:spcPts val="0"/>
+              </a:spcAft>
+              <a:buClrTx/>
+              <a:buSzTx/>
+              <a:buFontTx/>
+              <a:buNone/>
+              <a:tabLst/>
+              <a:defRPr/>
+            </a:pPr>
+            <a:r>
+              <a:rPr lang="da-DK" dirty="0"/>
+              <a:t>https://webassembly.org/docs/faq/</a:t>
+            </a:r>
+          </a:p>
+          <a:p>
             <a:endParaRPr lang="da-DK" dirty="0"/>
-          </a:p>
-          <a:p>
-            <a:r>
-              <a:rPr lang="da-DK" dirty="0"/>
-              <a:t>https://martinfowler.com/eaaDev/EventCollaboration.html</a:t>
-            </a:r>
           </a:p>
         </p:txBody>
       </p:sp>
@@ -1029,7 +1001,7 @@
           <a:p>
             <a:fld id="{252E21F2-0B82-4ACE-A045-2AAC56859006}" type="slidenum">
               <a:rPr lang="da-DK" smtClean="0"/>
-              <a:t>30</a:t>
+              <a:t>23</a:t>
             </a:fld>
             <a:endParaRPr lang="da-DK"/>
           </a:p>
@@ -1038,7 +1010,7 @@
     </p:spTree>
     <p:extLst>
       <p:ext uri="{BB962C8B-B14F-4D97-AF65-F5344CB8AC3E}">
-        <p14:creationId xmlns:p14="http://schemas.microsoft.com/office/powerpoint/2010/main" val="282527506"/>
+        <p14:creationId xmlns:p14="http://schemas.microsoft.com/office/powerpoint/2010/main" val="3114175968"/>
       </p:ext>
     </p:extLst>
   </p:cSld>
@@ -1094,35 +1066,522 @@
           <a:p>
             <a:r>
               <a:rPr lang="da-DK" dirty="0"/>
-              <a:t>Begge kræver at de kender hinanden.</a:t>
-            </a:r>
-          </a:p>
-          <a:p>
-            <a:r>
-              <a:rPr lang="da-DK" dirty="0"/>
-              <a:t>A kunne sende en url’en til en REST API med over</a:t>
-            </a:r>
-          </a:p>
-          <a:p>
-            <a:r>
-              <a:rPr lang="da-DK" dirty="0"/>
-              <a:t>Kafka er nok bedre hvis </a:t>
+              <a:t>https://kafka.apache.org/documentation/#intro_nutshell</a:t>
+            </a:r>
+          </a:p>
+          <a:p>
+            <a:r>
+              <a:rPr lang="da-DK" dirty="0"/>
+              <a:t>https://kafka.apache.org/documentation/#kraft_role</a:t>
+            </a:r>
+          </a:p>
+        </p:txBody>
+      </p:sp>
+      <p:sp>
+        <p:nvSpPr>
+          <p:cNvPr id="4" name="Pladsholder til slidenummer 3"/>
+          <p:cNvSpPr>
+            <a:spLocks noGrp="1"/>
+          </p:cNvSpPr>
+          <p:nvPr>
+            <p:ph type="sldNum" sz="quarter" idx="5"/>
+          </p:nvPr>
+        </p:nvSpPr>
+        <p:spPr/>
+        <p:txBody>
+          <a:bodyPr/>
+          <a:lstStyle/>
+          <a:p>
+            <a:fld id="{252E21F2-0B82-4ACE-A045-2AAC56859006}" type="slidenum">
+              <a:rPr lang="da-DK" smtClean="0"/>
+              <a:t>27</a:t>
+            </a:fld>
+            <a:endParaRPr lang="da-DK"/>
+          </a:p>
+        </p:txBody>
+      </p:sp>
+    </p:spTree>
+    <p:extLst>
+      <p:ext uri="{BB962C8B-B14F-4D97-AF65-F5344CB8AC3E}">
+        <p14:creationId xmlns:p14="http://schemas.microsoft.com/office/powerpoint/2010/main" val="8081506"/>
+      </p:ext>
+    </p:extLst>
+  </p:cSld>
+  <p:clrMapOvr>
+    <a:masterClrMapping/>
+  </p:clrMapOvr>
+</p:notes>
+</file>
+
+<file path=ppt/notesSlides/notesSlide15.xml><?xml version="1.0" encoding="utf-8"?>
+<p:notes xmlns:a="http://schemas.openxmlformats.org/drawingml/2006/main" xmlns:r="http://schemas.openxmlformats.org/officeDocument/2006/relationships" xmlns:p="http://schemas.openxmlformats.org/presentationml/2006/main">
+  <p:cSld>
+    <p:spTree>
+      <p:nvGrpSpPr>
+        <p:cNvPr id="1" name=""/>
+        <p:cNvGrpSpPr/>
+        <p:nvPr/>
+      </p:nvGrpSpPr>
+      <p:grpSpPr>
+        <a:xfrm>
+          <a:off x="0" y="0"/>
+          <a:ext cx="0" cy="0"/>
+          <a:chOff x="0" y="0"/>
+          <a:chExt cx="0" cy="0"/>
+        </a:xfrm>
+      </p:grpSpPr>
+      <p:sp>
+        <p:nvSpPr>
+          <p:cNvPr id="2" name="Pladsholder til slidebillede 1"/>
+          <p:cNvSpPr>
+            <a:spLocks noGrp="1" noRot="1" noChangeAspect="1"/>
+          </p:cNvSpPr>
+          <p:nvPr>
+            <p:ph type="sldImg"/>
+          </p:nvPr>
+        </p:nvSpPr>
+        <p:spPr/>
+      </p:sp>
+      <p:sp>
+        <p:nvSpPr>
+          <p:cNvPr id="3" name="Pladsholder til noter 2"/>
+          <p:cNvSpPr>
+            <a:spLocks noGrp="1"/>
+          </p:cNvSpPr>
+          <p:nvPr>
+            <p:ph type="body" idx="1"/>
+          </p:nvPr>
+        </p:nvSpPr>
+        <p:spPr/>
+        <p:txBody>
+          <a:bodyPr/>
+          <a:lstStyle/>
+          <a:p>
+            <a:pPr marL="0" marR="0" lvl="0" indent="0" algn="l" defTabSz="914400" rtl="0" eaLnBrk="1" fontAlgn="auto" latinLnBrk="0" hangingPunct="1">
+              <a:lnSpc>
+                <a:spcPct val="100000"/>
+              </a:lnSpc>
+              <a:spcBef>
+                <a:spcPts val="0"/>
+              </a:spcBef>
+              <a:spcAft>
+                <a:spcPts val="0"/>
+              </a:spcAft>
+              <a:buClrTx/>
+              <a:buSzTx/>
+              <a:buFontTx/>
+              <a:buNone/>
+              <a:tabLst/>
+              <a:defRPr/>
+            </a:pPr>
+            <a:r>
+              <a:rPr lang="da-DK" dirty="0"/>
+              <a:t>Event </a:t>
             </a:r>
             <a:r>
               <a:rPr lang="da-DK" dirty="0" err="1"/>
-              <a:t>producer’en</a:t>
-            </a:r>
-            <a:r>
-              <a:rPr lang="da-DK" dirty="0"/>
-              <a:t> ikke skal reagere på </a:t>
-            </a:r>
+              <a:t>schema</a:t>
+            </a:r>
+            <a:r>
+              <a:rPr lang="da-DK" dirty="0"/>
+              <a:t> //ikke nødvendigt</a:t>
+            </a:r>
+          </a:p>
+          <a:p>
+            <a:r>
+              <a:rPr lang="da-DK" dirty="0"/>
+              <a:t>Event, noget der er sket</a:t>
+            </a:r>
+          </a:p>
+          <a:p>
             <a:r>
               <a:rPr lang="da-DK" dirty="0" err="1"/>
-              <a:t>consumer</a:t>
+              <a:t>Topic</a:t>
             </a:r>
             <a:r>
               <a:rPr lang="da-DK" dirty="0"/>
               <a:t> </a:t>
+            </a:r>
+            <a:r>
+              <a:rPr lang="da-DK" dirty="0" err="1"/>
+              <a:t>partitioneret</a:t>
+            </a:r>
+            <a:r>
+              <a:rPr lang="da-DK" dirty="0"/>
+              <a:t> over flere brokers</a:t>
+            </a:r>
+          </a:p>
+          <a:p>
+            <a:r>
+              <a:rPr lang="da-DK" dirty="0"/>
+              <a:t>Event </a:t>
+            </a:r>
+            <a:r>
+              <a:rPr lang="da-DK" dirty="0" err="1"/>
+              <a:t>Replikering</a:t>
+            </a:r>
+            <a:r>
+              <a:rPr lang="da-DK" dirty="0"/>
+              <a:t>, event er </a:t>
+            </a:r>
+            <a:r>
+              <a:rPr lang="da-DK" dirty="0" err="1"/>
+              <a:t>replikeret</a:t>
+            </a:r>
+            <a:r>
+              <a:rPr lang="da-DK" dirty="0"/>
+              <a:t> over flere brokers</a:t>
+            </a:r>
+          </a:p>
+        </p:txBody>
+      </p:sp>
+      <p:sp>
+        <p:nvSpPr>
+          <p:cNvPr id="4" name="Pladsholder til slidenummer 3"/>
+          <p:cNvSpPr>
+            <a:spLocks noGrp="1"/>
+          </p:cNvSpPr>
+          <p:nvPr>
+            <p:ph type="sldNum" sz="quarter" idx="5"/>
+          </p:nvPr>
+        </p:nvSpPr>
+        <p:spPr/>
+        <p:txBody>
+          <a:bodyPr/>
+          <a:lstStyle/>
+          <a:p>
+            <a:fld id="{252E21F2-0B82-4ACE-A045-2AAC56859006}" type="slidenum">
+              <a:rPr lang="da-DK" smtClean="0"/>
+              <a:t>28</a:t>
+            </a:fld>
+            <a:endParaRPr lang="da-DK"/>
+          </a:p>
+        </p:txBody>
+      </p:sp>
+    </p:spTree>
+    <p:extLst>
+      <p:ext uri="{BB962C8B-B14F-4D97-AF65-F5344CB8AC3E}">
+        <p14:creationId xmlns:p14="http://schemas.microsoft.com/office/powerpoint/2010/main" val="2764263524"/>
+      </p:ext>
+    </p:extLst>
+  </p:cSld>
+  <p:clrMapOvr>
+    <a:masterClrMapping/>
+  </p:clrMapOvr>
+</p:notes>
+</file>
+
+<file path=ppt/notesSlides/notesSlide16.xml><?xml version="1.0" encoding="utf-8"?>
+<p:notes xmlns:a="http://schemas.openxmlformats.org/drawingml/2006/main" xmlns:r="http://schemas.openxmlformats.org/officeDocument/2006/relationships" xmlns:p="http://schemas.openxmlformats.org/presentationml/2006/main">
+  <p:cSld>
+    <p:spTree>
+      <p:nvGrpSpPr>
+        <p:cNvPr id="1" name=""/>
+        <p:cNvGrpSpPr/>
+        <p:nvPr/>
+      </p:nvGrpSpPr>
+      <p:grpSpPr>
+        <a:xfrm>
+          <a:off x="0" y="0"/>
+          <a:ext cx="0" cy="0"/>
+          <a:chOff x="0" y="0"/>
+          <a:chExt cx="0" cy="0"/>
+        </a:xfrm>
+      </p:grpSpPr>
+      <p:sp>
+        <p:nvSpPr>
+          <p:cNvPr id="2" name="Pladsholder til slidebillede 1"/>
+          <p:cNvSpPr>
+            <a:spLocks noGrp="1" noRot="1" noChangeAspect="1"/>
+          </p:cNvSpPr>
+          <p:nvPr>
+            <p:ph type="sldImg"/>
+          </p:nvPr>
+        </p:nvSpPr>
+        <p:spPr/>
+      </p:sp>
+      <p:sp>
+        <p:nvSpPr>
+          <p:cNvPr id="3" name="Pladsholder til noter 2"/>
+          <p:cNvSpPr>
+            <a:spLocks noGrp="1"/>
+          </p:cNvSpPr>
+          <p:nvPr>
+            <p:ph type="body" idx="1"/>
+          </p:nvPr>
+        </p:nvSpPr>
+        <p:spPr/>
+        <p:txBody>
+          <a:bodyPr/>
+          <a:lstStyle/>
+          <a:p>
+            <a:endParaRPr lang="da-DK" dirty="0"/>
+          </a:p>
+        </p:txBody>
+      </p:sp>
+      <p:sp>
+        <p:nvSpPr>
+          <p:cNvPr id="4" name="Pladsholder til slidenummer 3"/>
+          <p:cNvSpPr>
+            <a:spLocks noGrp="1"/>
+          </p:cNvSpPr>
+          <p:nvPr>
+            <p:ph type="sldNum" sz="quarter" idx="5"/>
+          </p:nvPr>
+        </p:nvSpPr>
+        <p:spPr/>
+        <p:txBody>
+          <a:bodyPr/>
+          <a:lstStyle/>
+          <a:p>
+            <a:fld id="{252E21F2-0B82-4ACE-A045-2AAC56859006}" type="slidenum">
+              <a:rPr lang="da-DK" smtClean="0"/>
+              <a:t>29</a:t>
+            </a:fld>
+            <a:endParaRPr lang="da-DK"/>
+          </a:p>
+        </p:txBody>
+      </p:sp>
+    </p:spTree>
+    <p:extLst>
+      <p:ext uri="{BB962C8B-B14F-4D97-AF65-F5344CB8AC3E}">
+        <p14:creationId xmlns:p14="http://schemas.microsoft.com/office/powerpoint/2010/main" val="2125408469"/>
+      </p:ext>
+    </p:extLst>
+  </p:cSld>
+  <p:clrMapOvr>
+    <a:masterClrMapping/>
+  </p:clrMapOvr>
+</p:notes>
+</file>
+
+<file path=ppt/notesSlides/notesSlide17.xml><?xml version="1.0" encoding="utf-8"?>
+<p:notes xmlns:a="http://schemas.openxmlformats.org/drawingml/2006/main" xmlns:r="http://schemas.openxmlformats.org/officeDocument/2006/relationships" xmlns:p="http://schemas.openxmlformats.org/presentationml/2006/main">
+  <p:cSld>
+    <p:spTree>
+      <p:nvGrpSpPr>
+        <p:cNvPr id="1" name=""/>
+        <p:cNvGrpSpPr/>
+        <p:nvPr/>
+      </p:nvGrpSpPr>
+      <p:grpSpPr>
+        <a:xfrm>
+          <a:off x="0" y="0"/>
+          <a:ext cx="0" cy="0"/>
+          <a:chOff x="0" y="0"/>
+          <a:chExt cx="0" cy="0"/>
+        </a:xfrm>
+      </p:grpSpPr>
+      <p:sp>
+        <p:nvSpPr>
+          <p:cNvPr id="2" name="Pladsholder til slidebillede 1"/>
+          <p:cNvSpPr>
+            <a:spLocks noGrp="1" noRot="1" noChangeAspect="1"/>
+          </p:cNvSpPr>
+          <p:nvPr>
+            <p:ph type="sldImg"/>
+          </p:nvPr>
+        </p:nvSpPr>
+        <p:spPr/>
+      </p:sp>
+      <p:sp>
+        <p:nvSpPr>
+          <p:cNvPr id="3" name="Pladsholder til noter 2"/>
+          <p:cNvSpPr>
+            <a:spLocks noGrp="1"/>
+          </p:cNvSpPr>
+          <p:nvPr>
+            <p:ph type="body" idx="1"/>
+          </p:nvPr>
+        </p:nvSpPr>
+        <p:spPr/>
+        <p:txBody>
+          <a:bodyPr/>
+          <a:lstStyle/>
+          <a:p>
+            <a:r>
+              <a:rPr lang="da-DK" dirty="0"/>
+              <a:t>Nævn at broker nu kan være controllers, men før var det zookeeper</a:t>
+            </a:r>
+          </a:p>
+          <a:p>
+            <a:r>
+              <a:rPr lang="da-DK" dirty="0" err="1"/>
+              <a:t>ZooKeeper</a:t>
+            </a:r>
+            <a:r>
+              <a:rPr lang="da-DK" dirty="0"/>
+              <a:t> udskiftet med </a:t>
+            </a:r>
+            <a:r>
+              <a:rPr lang="da-DK"/>
+              <a:t>KRaft</a:t>
+            </a:r>
+            <a:r>
+              <a:rPr lang="da-DK" dirty="0"/>
+              <a:t>, en </a:t>
+            </a:r>
+            <a:r>
+              <a:rPr lang="da-DK" dirty="0" err="1"/>
+              <a:t>kafka</a:t>
+            </a:r>
+            <a:r>
+              <a:rPr lang="da-DK" dirty="0"/>
+              <a:t> server som enten er en controller, broker eller begge</a:t>
+            </a:r>
+          </a:p>
+        </p:txBody>
+      </p:sp>
+      <p:sp>
+        <p:nvSpPr>
+          <p:cNvPr id="4" name="Pladsholder til slidenummer 3"/>
+          <p:cNvSpPr>
+            <a:spLocks noGrp="1"/>
+          </p:cNvSpPr>
+          <p:nvPr>
+            <p:ph type="sldNum" sz="quarter" idx="5"/>
+          </p:nvPr>
+        </p:nvSpPr>
+        <p:spPr/>
+        <p:txBody>
+          <a:bodyPr/>
+          <a:lstStyle/>
+          <a:p>
+            <a:fld id="{252E21F2-0B82-4ACE-A045-2AAC56859006}" type="slidenum">
+              <a:rPr lang="da-DK" smtClean="0"/>
+              <a:t>30</a:t>
+            </a:fld>
+            <a:endParaRPr lang="da-DK"/>
+          </a:p>
+        </p:txBody>
+      </p:sp>
+    </p:spTree>
+    <p:extLst>
+      <p:ext uri="{BB962C8B-B14F-4D97-AF65-F5344CB8AC3E}">
+        <p14:creationId xmlns:p14="http://schemas.microsoft.com/office/powerpoint/2010/main" val="3998614641"/>
+      </p:ext>
+    </p:extLst>
+  </p:cSld>
+  <p:clrMapOvr>
+    <a:masterClrMapping/>
+  </p:clrMapOvr>
+</p:notes>
+</file>
+
+<file path=ppt/notesSlides/notesSlide18.xml><?xml version="1.0" encoding="utf-8"?>
+<p:notes xmlns:a="http://schemas.openxmlformats.org/drawingml/2006/main" xmlns:r="http://schemas.openxmlformats.org/officeDocument/2006/relationships" xmlns:p="http://schemas.openxmlformats.org/presentationml/2006/main">
+  <p:cSld>
+    <p:spTree>
+      <p:nvGrpSpPr>
+        <p:cNvPr id="1" name=""/>
+        <p:cNvGrpSpPr/>
+        <p:nvPr/>
+      </p:nvGrpSpPr>
+      <p:grpSpPr>
+        <a:xfrm>
+          <a:off x="0" y="0"/>
+          <a:ext cx="0" cy="0"/>
+          <a:chOff x="0" y="0"/>
+          <a:chExt cx="0" cy="0"/>
+        </a:xfrm>
+      </p:grpSpPr>
+      <p:sp>
+        <p:nvSpPr>
+          <p:cNvPr id="2" name="Pladsholder til slidebillede 1"/>
+          <p:cNvSpPr>
+            <a:spLocks noGrp="1" noRot="1" noChangeAspect="1"/>
+          </p:cNvSpPr>
+          <p:nvPr>
+            <p:ph type="sldImg"/>
+          </p:nvPr>
+        </p:nvSpPr>
+        <p:spPr/>
+      </p:sp>
+      <p:sp>
+        <p:nvSpPr>
+          <p:cNvPr id="3" name="Pladsholder til noter 2"/>
+          <p:cNvSpPr>
+            <a:spLocks noGrp="1"/>
+          </p:cNvSpPr>
+          <p:nvPr>
+            <p:ph type="body" idx="1"/>
+          </p:nvPr>
+        </p:nvSpPr>
+        <p:spPr/>
+        <p:txBody>
+          <a:bodyPr/>
+          <a:lstStyle/>
+          <a:p>
+            <a:r>
+              <a:rPr lang="da-DK" dirty="0" err="1"/>
+              <a:t>Confluent</a:t>
+            </a:r>
+            <a:r>
+              <a:rPr lang="da-DK" dirty="0"/>
+              <a:t> Kafka</a:t>
+            </a:r>
+          </a:p>
+          <a:p>
+            <a:r>
+              <a:rPr lang="da-DK" dirty="0"/>
+              <a:t>Kunne havde brugt </a:t>
+            </a:r>
+            <a:r>
+              <a:rPr lang="da-DK" dirty="0" err="1"/>
+              <a:t>Knet</a:t>
+            </a:r>
+            <a:endParaRPr lang="da-DK" dirty="0"/>
+          </a:p>
+          <a:p>
+            <a:r>
+              <a:rPr lang="da-DK" dirty="0"/>
+              <a:t>JSON, </a:t>
+            </a:r>
+            <a:r>
+              <a:rPr lang="da-DK" dirty="0" err="1"/>
+              <a:t>Arvo</a:t>
+            </a:r>
+            <a:r>
+              <a:rPr lang="da-DK" dirty="0"/>
+              <a:t>, </a:t>
+            </a:r>
+            <a:r>
+              <a:rPr lang="da-DK" dirty="0" err="1"/>
+              <a:t>Protobuf</a:t>
+            </a:r>
+            <a:r>
+              <a:rPr lang="da-DK" dirty="0"/>
+              <a:t>. </a:t>
+            </a:r>
+            <a:r>
+              <a:rPr lang="da-DK" dirty="0" err="1"/>
+              <a:t>Arvo</a:t>
+            </a:r>
+            <a:r>
+              <a:rPr lang="da-DK" dirty="0"/>
+              <a:t> brugt, da den virker til at være det mest </a:t>
+            </a:r>
+            <a:r>
+              <a:rPr lang="da-DK" dirty="0" err="1"/>
+              <a:t>almendlige</a:t>
+            </a:r>
+            <a:r>
+              <a:rPr lang="da-DK" dirty="0"/>
+              <a:t>. </a:t>
+            </a:r>
+            <a:r>
+              <a:rPr lang="da-DK" dirty="0" err="1"/>
+              <a:t>Arvo</a:t>
+            </a:r>
+            <a:r>
+              <a:rPr lang="da-DK" dirty="0"/>
+              <a:t> er Apache</a:t>
+            </a:r>
+          </a:p>
+          <a:p>
+            <a:r>
+              <a:rPr lang="da-DK" dirty="0"/>
+              <a:t>https://github.com/confluentinc/cp-all-in-one/blob/7.6.1-post/cp-all-in-one-kraft/docker-compose.yml</a:t>
             </a:r>
           </a:p>
         </p:txBody>
@@ -1153,7 +1612,154 @@
     </p:spTree>
     <p:extLst>
       <p:ext uri="{BB962C8B-B14F-4D97-AF65-F5344CB8AC3E}">
-        <p14:creationId xmlns:p14="http://schemas.microsoft.com/office/powerpoint/2010/main" val="1430961321"/>
+        <p14:creationId xmlns:p14="http://schemas.microsoft.com/office/powerpoint/2010/main" val="3004894068"/>
+      </p:ext>
+    </p:extLst>
+  </p:cSld>
+  <p:clrMapOvr>
+    <a:masterClrMapping/>
+  </p:clrMapOvr>
+</p:notes>
+</file>
+
+<file path=ppt/notesSlides/notesSlide19.xml><?xml version="1.0" encoding="utf-8"?>
+<p:notes xmlns:a="http://schemas.openxmlformats.org/drawingml/2006/main" xmlns:r="http://schemas.openxmlformats.org/officeDocument/2006/relationships" xmlns:p="http://schemas.openxmlformats.org/presentationml/2006/main">
+  <p:cSld>
+    <p:spTree>
+      <p:nvGrpSpPr>
+        <p:cNvPr id="1" name=""/>
+        <p:cNvGrpSpPr/>
+        <p:nvPr/>
+      </p:nvGrpSpPr>
+      <p:grpSpPr>
+        <a:xfrm>
+          <a:off x="0" y="0"/>
+          <a:ext cx="0" cy="0"/>
+          <a:chOff x="0" y="0"/>
+          <a:chExt cx="0" cy="0"/>
+        </a:xfrm>
+      </p:grpSpPr>
+      <p:sp>
+        <p:nvSpPr>
+          <p:cNvPr id="2" name="Pladsholder til slidebillede 1"/>
+          <p:cNvSpPr>
+            <a:spLocks noGrp="1" noRot="1" noChangeAspect="1"/>
+          </p:cNvSpPr>
+          <p:nvPr>
+            <p:ph type="sldImg"/>
+          </p:nvPr>
+        </p:nvSpPr>
+        <p:spPr/>
+      </p:sp>
+      <p:sp>
+        <p:nvSpPr>
+          <p:cNvPr id="3" name="Pladsholder til noter 2"/>
+          <p:cNvSpPr>
+            <a:spLocks noGrp="1"/>
+          </p:cNvSpPr>
+          <p:nvPr>
+            <p:ph type="body" idx="1"/>
+          </p:nvPr>
+        </p:nvSpPr>
+        <p:spPr/>
+        <p:txBody>
+          <a:bodyPr/>
+          <a:lstStyle/>
+          <a:p>
+            <a:r>
+              <a:rPr lang="da-DK" dirty="0"/>
+              <a:t>Remote Procedure </a:t>
+            </a:r>
+            <a:r>
+              <a:rPr lang="da-DK" dirty="0" err="1"/>
+              <a:t>Cal</a:t>
+            </a:r>
+            <a:endParaRPr lang="da-DK" dirty="0"/>
+          </a:p>
+          <a:p>
+            <a:r>
+              <a:rPr lang="da-DK" dirty="0"/>
+              <a:t>Nævn at </a:t>
+            </a:r>
+            <a:r>
+              <a:rPr lang="da-DK" dirty="0" err="1"/>
+              <a:t>kafka</a:t>
+            </a:r>
+            <a:r>
+              <a:rPr lang="da-DK" dirty="0"/>
+              <a:t> ikke understøtter </a:t>
+            </a:r>
+            <a:r>
+              <a:rPr lang="da-DK" dirty="0" err="1"/>
+              <a:t>request-response</a:t>
+            </a:r>
+            <a:endParaRPr lang="da-DK" dirty="0"/>
+          </a:p>
+          <a:p>
+            <a:r>
+              <a:rPr lang="da-DK" dirty="0"/>
+              <a:t>Nævn at </a:t>
+            </a:r>
+            <a:r>
+              <a:rPr lang="da-DK" dirty="0" err="1"/>
+              <a:t>Rabbit</a:t>
+            </a:r>
+            <a:r>
+              <a:rPr lang="da-DK" dirty="0"/>
+              <a:t> Stream tillader en </a:t>
+            </a:r>
+            <a:r>
+              <a:rPr lang="da-DK" dirty="0" err="1"/>
+              <a:t>ligende</a:t>
+            </a:r>
+            <a:r>
+              <a:rPr lang="da-DK" dirty="0"/>
+              <a:t> opførelse som Kafka</a:t>
+            </a:r>
+          </a:p>
+          <a:p>
+            <a:r>
+              <a:rPr lang="da-DK" dirty="0"/>
+              <a:t>https://kafka.apache.org/documentation/#intro_nutshell nævner Kafka som en alternativ til </a:t>
+            </a:r>
+            <a:r>
+              <a:rPr lang="da-DK" dirty="0" err="1"/>
+              <a:t>RabbitMQ</a:t>
+            </a:r>
+            <a:r>
+              <a:rPr lang="da-DK" dirty="0"/>
+              <a:t> </a:t>
+            </a:r>
+          </a:p>
+        </p:txBody>
+      </p:sp>
+      <p:sp>
+        <p:nvSpPr>
+          <p:cNvPr id="4" name="Pladsholder til slidenummer 3"/>
+          <p:cNvSpPr>
+            <a:spLocks noGrp="1"/>
+          </p:cNvSpPr>
+          <p:nvPr>
+            <p:ph type="sldNum" sz="quarter" idx="5"/>
+          </p:nvPr>
+        </p:nvSpPr>
+        <p:spPr/>
+        <p:txBody>
+          <a:bodyPr/>
+          <a:lstStyle/>
+          <a:p>
+            <a:fld id="{252E21F2-0B82-4ACE-A045-2AAC56859006}" type="slidenum">
+              <a:rPr lang="da-DK" smtClean="0"/>
+              <a:t>32</a:t>
+            </a:fld>
+            <a:endParaRPr lang="da-DK"/>
+          </a:p>
+        </p:txBody>
+      </p:sp>
+    </p:spTree>
+    <p:extLst>
+      <p:ext uri="{BB962C8B-B14F-4D97-AF65-F5344CB8AC3E}">
+        <p14:creationId xmlns:p14="http://schemas.microsoft.com/office/powerpoint/2010/main" val="1108710331"/>
       </p:ext>
     </p:extLst>
   </p:cSld>
@@ -1208,56 +1814,22 @@
           <a:lstStyle/>
           <a:p>
             <a:r>
+              <a:rPr lang="da-DK" dirty="0"/>
+              <a:t>https://martinfowler.com/microservices/</a:t>
+            </a:r>
+          </a:p>
+          <a:p>
+            <a:r>
+              <a:rPr lang="da-DK" dirty="0"/>
+              <a:t>Hver boks er sin egen </a:t>
+            </a:r>
+            <a:r>
               <a:rPr lang="da-DK" dirty="0" err="1"/>
-              <a:t>Onion</a:t>
-            </a:r>
-            <a:r>
-              <a:rPr lang="da-DK" dirty="0"/>
-              <a:t> Arkitektur</a:t>
-            </a:r>
-          </a:p>
-          <a:p>
-            <a:r>
-              <a:rPr lang="da-DK" dirty="0"/>
-              <a:t>Diagram</a:t>
-            </a:r>
-          </a:p>
-          <a:p>
-            <a:r>
-              <a:rPr lang="da-DK" dirty="0"/>
-              <a:t>Domain </a:t>
-            </a:r>
-            <a:r>
-              <a:rPr lang="da-DK" dirty="0" err="1"/>
-              <a:t>Serice</a:t>
-            </a:r>
-            <a:r>
-              <a:rPr lang="da-DK" dirty="0"/>
-              <a:t> </a:t>
-            </a:r>
-            <a:r>
-              <a:rPr lang="da-DK" dirty="0" err="1"/>
-              <a:t>Layer</a:t>
-            </a:r>
-            <a:r>
-              <a:rPr lang="da-DK" dirty="0"/>
-              <a:t> had domæne logik, </a:t>
-            </a:r>
-            <a:r>
-              <a:rPr lang="da-DK" dirty="0" err="1"/>
-              <a:t>application</a:t>
-            </a:r>
-            <a:r>
-              <a:rPr lang="da-DK" dirty="0"/>
-              <a:t> service </a:t>
-            </a:r>
-            <a:r>
-              <a:rPr lang="da-DK" dirty="0" err="1"/>
-              <a:t>layer</a:t>
-            </a:r>
-            <a:r>
-              <a:rPr lang="da-DK" dirty="0"/>
-              <a:t> har ikke</a:t>
+              <a:t>microservice</a:t>
+            </a:r>
+            <a:r>
+              <a:rPr lang="da-DK" dirty="0"/>
+              <a:t> i princippet</a:t>
             </a:r>
           </a:p>
         </p:txBody>
@@ -1279,7 +1851,7 @@
           <a:p>
             <a:fld id="{252E21F2-0B82-4ACE-A045-2AAC56859006}" type="slidenum">
               <a:rPr lang="da-DK" smtClean="0"/>
-              <a:t>7</a:t>
+              <a:t>6</a:t>
             </a:fld>
             <a:endParaRPr lang="da-DK"/>
           </a:p>
@@ -1288,7 +1860,242 @@
     </p:spTree>
     <p:extLst>
       <p:ext uri="{BB962C8B-B14F-4D97-AF65-F5344CB8AC3E}">
-        <p14:creationId xmlns:p14="http://schemas.microsoft.com/office/powerpoint/2010/main" val="1916579596"/>
+        <p14:creationId xmlns:p14="http://schemas.microsoft.com/office/powerpoint/2010/main" val="669242770"/>
+      </p:ext>
+    </p:extLst>
+  </p:cSld>
+  <p:clrMapOvr>
+    <a:masterClrMapping/>
+  </p:clrMapOvr>
+</p:notes>
+</file>
+
+<file path=ppt/notesSlides/notesSlide20.xml><?xml version="1.0" encoding="utf-8"?>
+<p:notes xmlns:a="http://schemas.openxmlformats.org/drawingml/2006/main" xmlns:r="http://schemas.openxmlformats.org/officeDocument/2006/relationships" xmlns:p="http://schemas.openxmlformats.org/presentationml/2006/main">
+  <p:cSld>
+    <p:spTree>
+      <p:nvGrpSpPr>
+        <p:cNvPr id="1" name=""/>
+        <p:cNvGrpSpPr/>
+        <p:nvPr/>
+      </p:nvGrpSpPr>
+      <p:grpSpPr>
+        <a:xfrm>
+          <a:off x="0" y="0"/>
+          <a:ext cx="0" cy="0"/>
+          <a:chOff x="0" y="0"/>
+          <a:chExt cx="0" cy="0"/>
+        </a:xfrm>
+      </p:grpSpPr>
+      <p:sp>
+        <p:nvSpPr>
+          <p:cNvPr id="2" name="Pladsholder til slidebillede 1"/>
+          <p:cNvSpPr>
+            <a:spLocks noGrp="1" noRot="1" noChangeAspect="1"/>
+          </p:cNvSpPr>
+          <p:nvPr>
+            <p:ph type="sldImg"/>
+          </p:nvPr>
+        </p:nvSpPr>
+        <p:spPr/>
+      </p:sp>
+      <p:sp>
+        <p:nvSpPr>
+          <p:cNvPr id="3" name="Pladsholder til noter 2"/>
+          <p:cNvSpPr>
+            <a:spLocks noGrp="1"/>
+          </p:cNvSpPr>
+          <p:nvPr>
+            <p:ph type="body" idx="1"/>
+          </p:nvPr>
+        </p:nvSpPr>
+        <p:spPr/>
+        <p:txBody>
+          <a:bodyPr/>
+          <a:lstStyle/>
+          <a:p>
+            <a:r>
+              <a:rPr lang="da-DK" dirty="0"/>
+              <a:t>Nævn at for </a:t>
+            </a:r>
+            <a:r>
+              <a:rPr lang="da-DK" dirty="0" err="1"/>
+              <a:t>RabbitMQ</a:t>
+            </a:r>
+            <a:r>
+              <a:rPr lang="da-DK" dirty="0"/>
+              <a:t> er der intet der tvinger en </a:t>
+            </a:r>
+            <a:r>
+              <a:rPr lang="da-DK" dirty="0" err="1"/>
+              <a:t>consumer</a:t>
+            </a:r>
+            <a:r>
+              <a:rPr lang="da-DK" dirty="0"/>
+              <a:t> at svare på en RPC</a:t>
+            </a:r>
+          </a:p>
+          <a:p>
+            <a:r>
+              <a:rPr lang="da-DK" dirty="0"/>
+              <a:t>Kafka er nok bedre for Event Collaboration/</a:t>
+            </a:r>
+            <a:r>
+              <a:rPr lang="da-DK" dirty="0" err="1"/>
+              <a:t>Sourcing</a:t>
+            </a:r>
+            <a:endParaRPr lang="da-DK" dirty="0"/>
+          </a:p>
+          <a:p>
+            <a:r>
+              <a:rPr lang="da-DK" dirty="0"/>
+              <a:t>https://martinfowler.com/eaaDev/EventCollaboration.html</a:t>
+            </a:r>
+          </a:p>
+        </p:txBody>
+      </p:sp>
+      <p:sp>
+        <p:nvSpPr>
+          <p:cNvPr id="4" name="Pladsholder til slidenummer 3"/>
+          <p:cNvSpPr>
+            <a:spLocks noGrp="1"/>
+          </p:cNvSpPr>
+          <p:nvPr>
+            <p:ph type="sldNum" sz="quarter" idx="5"/>
+          </p:nvPr>
+        </p:nvSpPr>
+        <p:spPr/>
+        <p:txBody>
+          <a:bodyPr/>
+          <a:lstStyle/>
+          <a:p>
+            <a:fld id="{252E21F2-0B82-4ACE-A045-2AAC56859006}" type="slidenum">
+              <a:rPr lang="da-DK" smtClean="0"/>
+              <a:t>33</a:t>
+            </a:fld>
+            <a:endParaRPr lang="da-DK"/>
+          </a:p>
+        </p:txBody>
+      </p:sp>
+    </p:spTree>
+    <p:extLst>
+      <p:ext uri="{BB962C8B-B14F-4D97-AF65-F5344CB8AC3E}">
+        <p14:creationId xmlns:p14="http://schemas.microsoft.com/office/powerpoint/2010/main" val="282527506"/>
+      </p:ext>
+    </p:extLst>
+  </p:cSld>
+  <p:clrMapOvr>
+    <a:masterClrMapping/>
+  </p:clrMapOvr>
+</p:notes>
+</file>
+
+<file path=ppt/notesSlides/notesSlide21.xml><?xml version="1.0" encoding="utf-8"?>
+<p:notes xmlns:a="http://schemas.openxmlformats.org/drawingml/2006/main" xmlns:r="http://schemas.openxmlformats.org/officeDocument/2006/relationships" xmlns:p="http://schemas.openxmlformats.org/presentationml/2006/main">
+  <p:cSld>
+    <p:spTree>
+      <p:nvGrpSpPr>
+        <p:cNvPr id="1" name=""/>
+        <p:cNvGrpSpPr/>
+        <p:nvPr/>
+      </p:nvGrpSpPr>
+      <p:grpSpPr>
+        <a:xfrm>
+          <a:off x="0" y="0"/>
+          <a:ext cx="0" cy="0"/>
+          <a:chOff x="0" y="0"/>
+          <a:chExt cx="0" cy="0"/>
+        </a:xfrm>
+      </p:grpSpPr>
+      <p:sp>
+        <p:nvSpPr>
+          <p:cNvPr id="2" name="Pladsholder til slidebillede 1"/>
+          <p:cNvSpPr>
+            <a:spLocks noGrp="1" noRot="1" noChangeAspect="1"/>
+          </p:cNvSpPr>
+          <p:nvPr>
+            <p:ph type="sldImg"/>
+          </p:nvPr>
+        </p:nvSpPr>
+        <p:spPr/>
+      </p:sp>
+      <p:sp>
+        <p:nvSpPr>
+          <p:cNvPr id="3" name="Pladsholder til noter 2"/>
+          <p:cNvSpPr>
+            <a:spLocks noGrp="1"/>
+          </p:cNvSpPr>
+          <p:nvPr>
+            <p:ph type="body" idx="1"/>
+          </p:nvPr>
+        </p:nvSpPr>
+        <p:spPr/>
+        <p:txBody>
+          <a:bodyPr/>
+          <a:lstStyle/>
+          <a:p>
+            <a:r>
+              <a:rPr lang="da-DK" dirty="0"/>
+              <a:t>Begge kræver at de kender hinanden.</a:t>
+            </a:r>
+          </a:p>
+          <a:p>
+            <a:r>
+              <a:rPr lang="da-DK" dirty="0"/>
+              <a:t>A kunne sende en url’en til en REST API med over</a:t>
+            </a:r>
+          </a:p>
+          <a:p>
+            <a:r>
+              <a:rPr lang="da-DK" dirty="0"/>
+              <a:t>Kafka er nok bedre hvis </a:t>
+            </a:r>
+            <a:r>
+              <a:rPr lang="da-DK" dirty="0" err="1"/>
+              <a:t>producer’en</a:t>
+            </a:r>
+            <a:r>
+              <a:rPr lang="da-DK" dirty="0"/>
+              <a:t> ikke skal reagere på </a:t>
+            </a:r>
+            <a:r>
+              <a:rPr lang="da-DK" dirty="0" err="1"/>
+              <a:t>consumer</a:t>
+            </a:r>
+            <a:r>
+              <a:rPr lang="da-DK" dirty="0"/>
+              <a:t> </a:t>
+            </a:r>
+          </a:p>
+        </p:txBody>
+      </p:sp>
+      <p:sp>
+        <p:nvSpPr>
+          <p:cNvPr id="4" name="Pladsholder til slidenummer 3"/>
+          <p:cNvSpPr>
+            <a:spLocks noGrp="1"/>
+          </p:cNvSpPr>
+          <p:nvPr>
+            <p:ph type="sldNum" sz="quarter" idx="5"/>
+          </p:nvPr>
+        </p:nvSpPr>
+        <p:spPr/>
+        <p:txBody>
+          <a:bodyPr/>
+          <a:lstStyle/>
+          <a:p>
+            <a:fld id="{252E21F2-0B82-4ACE-A045-2AAC56859006}" type="slidenum">
+              <a:rPr lang="da-DK" smtClean="0"/>
+              <a:t>34</a:t>
+            </a:fld>
+            <a:endParaRPr lang="da-DK"/>
+          </a:p>
+        </p:txBody>
+      </p:sp>
+    </p:spTree>
+    <p:extLst>
+      <p:ext uri="{BB962C8B-B14F-4D97-AF65-F5344CB8AC3E}">
+        <p14:creationId xmlns:p14="http://schemas.microsoft.com/office/powerpoint/2010/main" val="1430961321"/>
       </p:ext>
     </p:extLst>
   </p:cSld>
@@ -1342,21 +2149,77 @@
           <a:bodyPr/>
           <a:lstStyle/>
           <a:p>
+            <a:r>
+              <a:rPr lang="da-DK" dirty="0" err="1"/>
+              <a:t>Onion</a:t>
+            </a:r>
+            <a:r>
+              <a:rPr lang="da-DK" dirty="0"/>
+              <a:t> Arkitektur</a:t>
+            </a:r>
+          </a:p>
+          <a:p>
+            <a:r>
+              <a:rPr lang="da-DK" dirty="0"/>
+              <a:t>Diagram</a:t>
+            </a:r>
+          </a:p>
+          <a:p>
+            <a:r>
+              <a:rPr lang="da-DK" dirty="0"/>
+              <a:t>Domain </a:t>
+            </a:r>
+            <a:r>
+              <a:rPr lang="da-DK" dirty="0" err="1"/>
+              <a:t>Serice</a:t>
+            </a:r>
+            <a:r>
+              <a:rPr lang="da-DK" dirty="0"/>
+              <a:t> </a:t>
+            </a:r>
+            <a:r>
+              <a:rPr lang="da-DK" dirty="0" err="1"/>
+              <a:t>Layer</a:t>
+            </a:r>
+            <a:r>
+              <a:rPr lang="da-DK" dirty="0"/>
+              <a:t> had domæne logik, </a:t>
+            </a:r>
+            <a:r>
+              <a:rPr lang="da-DK" dirty="0" err="1"/>
+              <a:t>application</a:t>
+            </a:r>
+            <a:r>
+              <a:rPr lang="da-DK" dirty="0"/>
+              <a:t> service </a:t>
+            </a:r>
+            <a:r>
+              <a:rPr lang="da-DK" dirty="0" err="1"/>
+              <a:t>layer</a:t>
+            </a:r>
+            <a:r>
+              <a:rPr lang="da-DK" dirty="0"/>
+              <a:t> har ikke</a:t>
+            </a:r>
+          </a:p>
+          <a:p>
             <a:endParaRPr lang="da-DK" dirty="0"/>
           </a:p>
           <a:p>
+            <a:r>
+              <a:rPr lang="da-DK" dirty="0"/>
+              <a:t>Domain og Application Service </a:t>
+            </a:r>
+            <a:r>
+              <a:rPr lang="da-DK" dirty="0" err="1"/>
+              <a:t>Layer</a:t>
+            </a:r>
             <a:endParaRPr lang="da-DK" dirty="0"/>
           </a:p>
           <a:p>
             <a:r>
-              <a:rPr lang="da-DK" dirty="0"/>
-              <a:t>Aggregater </a:t>
-            </a:r>
-          </a:p>
-          <a:p>
-            <a:r>
               <a:rPr lang="da-DK" dirty="0" err="1"/>
-              <a:t>Bounded</a:t>
+              <a:t>Infrastructure</a:t>
             </a:r>
             <a:r>
               <a:rPr lang="da-DK" dirty="0"/>
@@ -1364,15 +2227,28 @@
             </a:r>
             <a:r>
               <a:rPr lang="da-DK" dirty="0" err="1"/>
-              <a:t>Context</a:t>
+              <a:t>Persistance</a:t>
+            </a:r>
+            <a:r>
+              <a:rPr lang="da-DK" dirty="0"/>
+              <a:t> </a:t>
+            </a:r>
+            <a:r>
+              <a:rPr lang="da-DK" dirty="0" err="1"/>
+              <a:t>Layer</a:t>
             </a:r>
             <a:endParaRPr lang="da-DK" dirty="0"/>
           </a:p>
           <a:p>
             <a:r>
               <a:rPr lang="da-DK" dirty="0"/>
-              <a:t>Value Objekt</a:t>
-            </a:r>
+              <a:t>Domain </a:t>
+            </a:r>
+            <a:r>
+              <a:rPr lang="da-DK" dirty="0" err="1"/>
+              <a:t>Layer</a:t>
+            </a:r>
+            <a:endParaRPr lang="da-DK" dirty="0"/>
           </a:p>
           <a:p>
             <a:endParaRPr lang="da-DK" dirty="0"/>
@@ -1396,7 +2272,7 @@
           <a:p>
             <a:fld id="{252E21F2-0B82-4ACE-A045-2AAC56859006}" type="slidenum">
               <a:rPr lang="da-DK" smtClean="0"/>
-              <a:t>12</a:t>
+              <a:t>7</a:t>
             </a:fld>
             <a:endParaRPr lang="da-DK"/>
           </a:p>
@@ -1405,7 +2281,7 @@
     </p:spTree>
     <p:extLst>
       <p:ext uri="{BB962C8B-B14F-4D97-AF65-F5344CB8AC3E}">
-        <p14:creationId xmlns:p14="http://schemas.microsoft.com/office/powerpoint/2010/main" val="2824294709"/>
+        <p14:creationId xmlns:p14="http://schemas.microsoft.com/office/powerpoint/2010/main" val="1916579596"/>
       </p:ext>
     </p:extLst>
   </p:cSld>
@@ -1461,56 +2337,41 @@
           <a:p>
             <a:r>
               <a:rPr lang="da-DK" dirty="0"/>
-              <a:t>Kun en enkel aggregatrod skulle påvirkes af gangen.</a:t>
-            </a:r>
-          </a:p>
-          <a:p>
-            <a:r>
-              <a:rPr lang="da-DK" dirty="0"/>
-              <a:t>Overholdes ikke helt dette i produktet, da det ville kræve event og håndtering af disse</a:t>
-            </a:r>
-          </a:p>
-          <a:p>
-            <a:r>
-              <a:rPr lang="da-DK" dirty="0"/>
-              <a:t>Søgning: F.eks. </a:t>
+              <a:t>Presentation </a:t>
             </a:r>
             <a:r>
               <a:rPr lang="da-DK" dirty="0" err="1"/>
-              <a:t>MenuPart</a:t>
-            </a:r>
-            <a:r>
-              <a:rPr lang="da-DK" dirty="0"/>
-              <a:t> indeholdte information omkring den bestemte </a:t>
+              <a:t>Layer</a:t>
+            </a:r>
+            <a:endParaRPr lang="da-DK" dirty="0"/>
+          </a:p>
+          <a:p>
+            <a:r>
+              <a:rPr lang="da-DK" dirty="0"/>
+              <a:t>Application Service </a:t>
             </a:r>
             <a:r>
               <a:rPr lang="da-DK" dirty="0" err="1"/>
-              <a:t>MenuPart</a:t>
-            </a:r>
-            <a:r>
-              <a:rPr lang="da-DK" dirty="0"/>
-              <a:t> er </a:t>
-            </a:r>
+              <a:t>Layer</a:t>
+            </a:r>
+            <a:endParaRPr lang="da-DK" dirty="0"/>
+          </a:p>
+          <a:p>
             <a:r>
               <a:rPr lang="da-DK" dirty="0" err="1"/>
-              <a:t>veganisk</a:t>
-            </a:r>
-            <a:r>
-              <a:rPr lang="da-DK" dirty="0"/>
-              <a:t> eller ej, så ville der være en metode på roden der returner true, hvis alle </a:t>
+              <a:t>Infrastructure</a:t>
+            </a:r>
+            <a:r>
+              <a:rPr lang="da-DK" dirty="0"/>
+              <a:t> </a:t>
             </a:r>
             <a:r>
               <a:rPr lang="da-DK" dirty="0" err="1"/>
-              <a:t>MenuParts</a:t>
-            </a:r>
-            <a:r>
-              <a:rPr lang="da-DK" dirty="0"/>
-              <a:t> i Menu er </a:t>
-            </a:r>
-            <a:r>
-              <a:rPr lang="da-DK" dirty="0" err="1"/>
-              <a:t>veganisk</a:t>
-            </a:r>
+              <a:t>Layer</a:t>
+            </a:r>
+            <a:endParaRPr lang="da-DK" dirty="0"/>
+          </a:p>
+          <a:p>
             <a:endParaRPr lang="da-DK" dirty="0"/>
           </a:p>
         </p:txBody>
@@ -1532,7 +2393,7 @@
           <a:p>
             <a:fld id="{252E21F2-0B82-4ACE-A045-2AAC56859006}" type="slidenum">
               <a:rPr lang="da-DK" smtClean="0"/>
-              <a:t>13</a:t>
+              <a:t>8</a:t>
             </a:fld>
             <a:endParaRPr lang="da-DK"/>
           </a:p>
@@ -1541,7 +2402,7 @@
     </p:spTree>
     <p:extLst>
       <p:ext uri="{BB962C8B-B14F-4D97-AF65-F5344CB8AC3E}">
-        <p14:creationId xmlns:p14="http://schemas.microsoft.com/office/powerpoint/2010/main" val="815936762"/>
+        <p14:creationId xmlns:p14="http://schemas.microsoft.com/office/powerpoint/2010/main" val="3983630066"/>
       </p:ext>
     </p:extLst>
   </p:cSld>
@@ -1597,14 +2458,64 @@
           <a:p>
             <a:r>
               <a:rPr lang="da-DK" dirty="0"/>
-              <a:t>https://martinfowler.com/bliki/UbiquitousLanguage.html</a:t>
-            </a:r>
-          </a:p>
-          <a:p>
-            <a:r>
-              <a:rPr lang="da-DK" dirty="0"/>
-              <a:t>https://martinfowler.com/bliki/BoundedContext.html</a:t>
-            </a:r>
+              <a:t>Presentation </a:t>
+            </a:r>
+            <a:r>
+              <a:rPr lang="da-DK" dirty="0" err="1"/>
+              <a:t>Layer</a:t>
+            </a:r>
+            <a:endParaRPr lang="da-DK" dirty="0"/>
+          </a:p>
+          <a:p>
+            <a:r>
+              <a:rPr lang="da-DK" dirty="0"/>
+              <a:t>Domain og Application Service </a:t>
+            </a:r>
+            <a:r>
+              <a:rPr lang="da-DK" dirty="0" err="1"/>
+              <a:t>Layer</a:t>
+            </a:r>
+            <a:r>
+              <a:rPr lang="da-DK" dirty="0"/>
+              <a:t> </a:t>
+            </a:r>
+          </a:p>
+          <a:p>
+            <a:r>
+              <a:rPr lang="da-DK" dirty="0" err="1"/>
+              <a:t>Infrastructure</a:t>
+            </a:r>
+            <a:r>
+              <a:rPr lang="da-DK" dirty="0"/>
+              <a:t> </a:t>
+            </a:r>
+            <a:r>
+              <a:rPr lang="da-DK" dirty="0" err="1"/>
+              <a:t>Persistance</a:t>
+            </a:r>
+            <a:r>
+              <a:rPr lang="da-DK" dirty="0"/>
+              <a:t> </a:t>
+            </a:r>
+            <a:r>
+              <a:rPr lang="da-DK" dirty="0" err="1"/>
+              <a:t>Layer</a:t>
+            </a:r>
+            <a:endParaRPr lang="da-DK" dirty="0"/>
+          </a:p>
+          <a:p>
+            <a:r>
+              <a:rPr lang="da-DK" dirty="0"/>
+              <a:t>Domain </a:t>
+            </a:r>
+            <a:r>
+              <a:rPr lang="da-DK" dirty="0" err="1"/>
+              <a:t>Layer</a:t>
+            </a:r>
+            <a:endParaRPr lang="da-DK" dirty="0"/>
+          </a:p>
+          <a:p>
+            <a:endParaRPr lang="da-DK" dirty="0"/>
           </a:p>
         </p:txBody>
       </p:sp>
@@ -1625,7 +2536,7 @@
           <a:p>
             <a:fld id="{252E21F2-0B82-4ACE-A045-2AAC56859006}" type="slidenum">
               <a:rPr lang="da-DK" smtClean="0"/>
-              <a:t>15</a:t>
+              <a:t>9</a:t>
             </a:fld>
             <a:endParaRPr lang="da-DK"/>
           </a:p>
@@ -1634,7 +2545,7 @@
     </p:spTree>
     <p:extLst>
       <p:ext uri="{BB962C8B-B14F-4D97-AF65-F5344CB8AC3E}">
-        <p14:creationId xmlns:p14="http://schemas.microsoft.com/office/powerpoint/2010/main" val="2568857346"/>
+        <p14:creationId xmlns:p14="http://schemas.microsoft.com/office/powerpoint/2010/main" val="4130427050"/>
       </p:ext>
     </p:extLst>
   </p:cSld>
@@ -1690,27 +2601,54 @@
           <a:p>
             <a:r>
               <a:rPr lang="da-DK" dirty="0" err="1"/>
-              <a:t>Seq</a:t>
-            </a:r>
-            <a:r>
-              <a:rPr lang="da-DK" dirty="0"/>
-              <a:t> og </a:t>
+              <a:t>Ubiquitous</a:t>
+            </a:r>
+            <a:r>
+              <a:rPr lang="da-DK" dirty="0"/>
+              <a:t> Language, koden skal tilpasset forretningssproget</a:t>
+            </a:r>
+          </a:p>
+          <a:p>
+            <a:endParaRPr lang="da-DK" dirty="0"/>
+          </a:p>
+          <a:p>
+            <a:r>
+              <a:rPr lang="da-DK" dirty="0"/>
+              <a:t>Domæne – forretningsregler, forretningsmodeller</a:t>
+            </a:r>
+          </a:p>
+          <a:p>
+            <a:r>
+              <a:rPr lang="da-DK" dirty="0"/>
+              <a:t>Applikation – jobs softwaren skal gøre og direkte til domæne objekter til at udføre arbejdet. </a:t>
             </a:r>
             <a:r>
               <a:rPr lang="da-DK" dirty="0" err="1"/>
-              <a:t>Serilog</a:t>
-            </a:r>
-            <a:r>
-              <a:rPr lang="da-DK" dirty="0"/>
-              <a:t> er begge lette og små? </a:t>
+              <a:t>Use</a:t>
+            </a:r>
+            <a:r>
+              <a:rPr lang="da-DK" dirty="0"/>
+              <a:t> cases for en givet </a:t>
             </a:r>
             <a:r>
               <a:rPr lang="da-DK" dirty="0" err="1"/>
-              <a:t>Koncenteret</a:t>
-            </a:r>
-            <a:r>
-              <a:rPr lang="da-DK" dirty="0"/>
-              <a:t>? </a:t>
+              <a:t>frontend</a:t>
+            </a:r>
+            <a:endParaRPr lang="da-DK" dirty="0"/>
+          </a:p>
+          <a:p>
+            <a:r>
+              <a:rPr lang="da-DK" dirty="0"/>
+              <a:t>Infrastruktur – vedblev data  </a:t>
+            </a:r>
+          </a:p>
+          <a:p>
+            <a:endParaRPr lang="da-DK" dirty="0"/>
+          </a:p>
+          <a:p>
+            <a:r>
+              <a:rPr lang="da-DK" dirty="0"/>
+              <a:t>https://learn.microsoft.com/en-us/dotnet/architecture/microservices/microservice-ddd-cqrs-patterns/ddd-oriented-microservice</a:t>
             </a:r>
           </a:p>
         </p:txBody>
@@ -1732,7 +2670,7 @@
           <a:p>
             <a:fld id="{252E21F2-0B82-4ACE-A045-2AAC56859006}" type="slidenum">
               <a:rPr lang="da-DK" smtClean="0"/>
-              <a:t>21</a:t>
+              <a:t>12</a:t>
             </a:fld>
             <a:endParaRPr lang="da-DK"/>
           </a:p>
@@ -1741,7 +2679,7 @@
     </p:spTree>
     <p:extLst>
       <p:ext uri="{BB962C8B-B14F-4D97-AF65-F5344CB8AC3E}">
-        <p14:creationId xmlns:p14="http://schemas.microsoft.com/office/powerpoint/2010/main" val="2294237520"/>
+        <p14:creationId xmlns:p14="http://schemas.microsoft.com/office/powerpoint/2010/main" val="2824294709"/>
       </p:ext>
     </p:extLst>
   </p:cSld>
@@ -1797,14 +2735,49 @@
           <a:p>
             <a:r>
               <a:rPr lang="da-DK" dirty="0"/>
-              <a:t>https://kafka.apache.org/documentation/#intro_nutshell</a:t>
-            </a:r>
-          </a:p>
-          <a:p>
-            <a:r>
-              <a:rPr lang="da-DK" dirty="0"/>
-              <a:t>https://kafka.apache.org/documentation/#kraft_role</a:t>
-            </a:r>
+              <a:t>Kun en enkel aggregatrod skulle påvirkes af gangen.</a:t>
+            </a:r>
+          </a:p>
+          <a:p>
+            <a:r>
+              <a:rPr lang="da-DK" dirty="0"/>
+              <a:t>Overholdes ikke helt dette i produktet, da det ville kræve event og håndtering af disse</a:t>
+            </a:r>
+          </a:p>
+          <a:p>
+            <a:r>
+              <a:rPr lang="da-DK" dirty="0"/>
+              <a:t>Søgning: F.eks. </a:t>
+            </a:r>
+            <a:r>
+              <a:rPr lang="da-DK" dirty="0" err="1"/>
+              <a:t>MenuPart</a:t>
+            </a:r>
+            <a:r>
+              <a:rPr lang="da-DK" dirty="0"/>
+              <a:t> indeholdte information omkring den bestemte </a:t>
+            </a:r>
+            <a:r>
+              <a:rPr lang="da-DK" dirty="0" err="1"/>
+              <a:t>MenuPart</a:t>
+            </a:r>
+            <a:r>
+              <a:rPr lang="da-DK" dirty="0"/>
+              <a:t> er vegansk eller ej, så ville der være en metode på roden der returner true, hvis alle </a:t>
+            </a:r>
+            <a:r>
+              <a:rPr lang="da-DK" dirty="0" err="1"/>
+              <a:t>MenuParts</a:t>
+            </a:r>
+            <a:r>
+              <a:rPr lang="da-DK" dirty="0"/>
+              <a:t> i Menu er </a:t>
+            </a:r>
+            <a:r>
+              <a:rPr lang="da-DK" dirty="0" err="1"/>
+              <a:t>veganisk</a:t>
+            </a:r>
+            <a:endParaRPr lang="da-DK" dirty="0"/>
           </a:p>
         </p:txBody>
       </p:sp>
@@ -1825,7 +2798,7 @@
           <a:p>
             <a:fld id="{252E21F2-0B82-4ACE-A045-2AAC56859006}" type="slidenum">
               <a:rPr lang="da-DK" smtClean="0"/>
-              <a:t>24</a:t>
+              <a:t>13</a:t>
             </a:fld>
             <a:endParaRPr lang="da-DK"/>
           </a:p>
@@ -1834,7 +2807,7 @@
     </p:spTree>
     <p:extLst>
       <p:ext uri="{BB962C8B-B14F-4D97-AF65-F5344CB8AC3E}">
-        <p14:creationId xmlns:p14="http://schemas.microsoft.com/office/powerpoint/2010/main" val="8081506"/>
+        <p14:creationId xmlns:p14="http://schemas.microsoft.com/office/powerpoint/2010/main" val="815936762"/>
       </p:ext>
     </p:extLst>
   </p:cSld>
@@ -1888,80 +2861,15 @@
           <a:bodyPr/>
           <a:lstStyle/>
           <a:p>
-            <a:pPr marL="0" marR="0" lvl="0" indent="0" algn="l" defTabSz="914400" rtl="0" eaLnBrk="1" fontAlgn="auto" latinLnBrk="0" hangingPunct="1">
-              <a:lnSpc>
-                <a:spcPct val="100000"/>
-              </a:lnSpc>
-              <a:spcBef>
-                <a:spcPts val="0"/>
-              </a:spcBef>
-              <a:spcAft>
-                <a:spcPts val="0"/>
-              </a:spcAft>
-              <a:buClrTx/>
-              <a:buSzTx/>
-              <a:buFontTx/>
-              <a:buNone/>
-              <a:tabLst/>
-              <a:defRPr/>
-            </a:pPr>
-            <a:r>
-              <a:rPr lang="da-DK" dirty="0"/>
-              <a:t>Event </a:t>
-            </a:r>
-            <a:r>
-              <a:rPr lang="da-DK" dirty="0" err="1"/>
-              <a:t>schema</a:t>
-            </a:r>
-            <a:r>
-              <a:rPr lang="da-DK" dirty="0"/>
-              <a:t> //ikke nødvendigt</a:t>
-            </a:r>
-          </a:p>
-          <a:p>
-            <a:r>
-              <a:rPr lang="da-DK" dirty="0"/>
-              <a:t>Event, noget der er sket</a:t>
-            </a:r>
-          </a:p>
-          <a:p>
-            <a:r>
-              <a:rPr lang="da-DK" dirty="0" err="1"/>
-              <a:t>Topic</a:t>
-            </a:r>
-            <a:r>
-              <a:rPr lang="da-DK" dirty="0"/>
-              <a:t> </a:t>
-            </a:r>
-            <a:r>
-              <a:rPr lang="da-DK" dirty="0" err="1"/>
-              <a:t>partitioneret</a:t>
-            </a:r>
-            <a:r>
-              <a:rPr lang="da-DK" dirty="0"/>
-              <a:t> over flere brokers</a:t>
-            </a:r>
-          </a:p>
-          <a:p>
-            <a:r>
-              <a:rPr lang="da-DK" dirty="0"/>
-              <a:t>Event </a:t>
-            </a:r>
-            <a:r>
-              <a:rPr lang="da-DK" dirty="0" err="1"/>
-              <a:t>Replikering</a:t>
-            </a:r>
-            <a:r>
-              <a:rPr lang="da-DK" dirty="0"/>
-              <a:t>, event er </a:t>
-            </a:r>
-            <a:r>
-              <a:rPr lang="da-DK" dirty="0" err="1"/>
-              <a:t>replikeret</a:t>
-            </a:r>
-            <a:r>
-              <a:rPr lang="da-DK" dirty="0"/>
-              <a:t> over flere brokers</a:t>
+            <a:r>
+              <a:rPr lang="da-DK" dirty="0"/>
+              <a:t>https://martinfowler.com/bliki/UbiquitousLanguage.html</a:t>
+            </a:r>
+          </a:p>
+          <a:p>
+            <a:r>
+              <a:rPr lang="da-DK" dirty="0"/>
+              <a:t>https://martinfowler.com/bliki/BoundedContext.html</a:t>
             </a:r>
           </a:p>
         </p:txBody>
@@ -1983,7 +2891,7 @@
           <a:p>
             <a:fld id="{252E21F2-0B82-4ACE-A045-2AAC56859006}" type="slidenum">
               <a:rPr lang="da-DK" smtClean="0"/>
-              <a:t>25</a:t>
+              <a:t>15</a:t>
             </a:fld>
             <a:endParaRPr lang="da-DK"/>
           </a:p>
@@ -1992,7 +2900,7 @@
     </p:spTree>
     <p:extLst>
       <p:ext uri="{BB962C8B-B14F-4D97-AF65-F5344CB8AC3E}">
-        <p14:creationId xmlns:p14="http://schemas.microsoft.com/office/powerpoint/2010/main" val="2764263524"/>
+        <p14:creationId xmlns:p14="http://schemas.microsoft.com/office/powerpoint/2010/main" val="2568857346"/>
       </p:ext>
     </p:extLst>
   </p:cSld>
@@ -2048,8 +2956,66 @@
           <a:p>
             <a:r>
               <a:rPr lang="da-DK" dirty="0"/>
-              <a:t>Nævn at broker nu kan være controllers, men før var det zookeeper</a:t>
-            </a:r>
+              <a:t>Channels tillader at benytte en enkel TCP forbindelse. Intet kommunikation mellem </a:t>
+            </a:r>
+            <a:r>
+              <a:rPr lang="da-DK" dirty="0" err="1"/>
+              <a:t>channels</a:t>
+            </a:r>
+            <a:r>
+              <a:rPr lang="da-DK" dirty="0"/>
+              <a:t>. Normalt en </a:t>
+            </a:r>
+            <a:r>
+              <a:rPr lang="da-DK" dirty="0" err="1"/>
+              <a:t>kannal</a:t>
+            </a:r>
+            <a:r>
+              <a:rPr lang="da-DK" dirty="0"/>
+              <a:t> per tråd </a:t>
+            </a:r>
+          </a:p>
+          <a:p>
+            <a:r>
+              <a:rPr lang="da-DK" dirty="0" err="1"/>
+              <a:t>Streams</a:t>
+            </a:r>
+            <a:r>
+              <a:rPr lang="da-DK" dirty="0"/>
+              <a:t> fjerner ikke beskeder. Kan bruges til at sende besked til flere </a:t>
+            </a:r>
+            <a:r>
+              <a:rPr lang="da-DK" dirty="0" err="1"/>
+              <a:t>consumers</a:t>
+            </a:r>
+            <a:endParaRPr lang="da-DK" dirty="0"/>
+          </a:p>
+          <a:p>
+            <a:r>
+              <a:rPr lang="da-DK" dirty="0"/>
+              <a:t>Queue </a:t>
+            </a:r>
+            <a:r>
+              <a:rPr lang="da-DK" dirty="0" err="1"/>
+              <a:t>ordered</a:t>
+            </a:r>
+            <a:r>
+              <a:rPr lang="da-DK" dirty="0"/>
+              <a:t> samling af beskeder, FIFO. </a:t>
+            </a:r>
+            <a:r>
+              <a:rPr lang="da-DK" dirty="0" err="1"/>
+              <a:t>Enqueued</a:t>
+            </a:r>
+            <a:r>
+              <a:rPr lang="da-DK" dirty="0"/>
+              <a:t>, </a:t>
+            </a:r>
+            <a:r>
+              <a:rPr lang="da-DK" dirty="0" err="1"/>
+              <a:t>dequeued</a:t>
+            </a:r>
+            <a:endParaRPr lang="da-DK" dirty="0"/>
           </a:p>
           <a:p>
             <a:endParaRPr lang="da-DK" dirty="0"/>
@@ -2073,7 +3039,7 @@
           <a:p>
             <a:fld id="{252E21F2-0B82-4ACE-A045-2AAC56859006}" type="slidenum">
               <a:rPr lang="da-DK" smtClean="0"/>
-              <a:t>26</a:t>
+              <a:t>18</a:t>
             </a:fld>
             <a:endParaRPr lang="da-DK"/>
           </a:p>
@@ -2082,7 +3048,7 @@
     </p:spTree>
     <p:extLst>
       <p:ext uri="{BB962C8B-B14F-4D97-AF65-F5344CB8AC3E}">
-        <p14:creationId xmlns:p14="http://schemas.microsoft.com/office/powerpoint/2010/main" val="2125408469"/>
+        <p14:creationId xmlns:p14="http://schemas.microsoft.com/office/powerpoint/2010/main" val="1091159589"/>
       </p:ext>
     </p:extLst>
   </p:cSld>
@@ -2262,7 +3228,7 @@
           <a:p>
             <a:fld id="{904F8374-DDA3-4289-A3C4-A561B6E67BA2}" type="datetimeFigureOut">
               <a:rPr lang="da-DK" smtClean="0"/>
-              <a:t>07-05-2024</a:t>
+              <a:t>08-05-2024</a:t>
             </a:fld>
             <a:endParaRPr lang="da-DK"/>
           </a:p>
@@ -2529,7 +3495,7 @@
           <a:p>
             <a:fld id="{904F8374-DDA3-4289-A3C4-A561B6E67BA2}" type="datetimeFigureOut">
               <a:rPr lang="da-DK" smtClean="0"/>
-              <a:t>07-05-2024</a:t>
+              <a:t>08-05-2024</a:t>
             </a:fld>
             <a:endParaRPr lang="da-DK"/>
           </a:p>
@@ -2760,7 +3726,7 @@
           <a:p>
             <a:fld id="{904F8374-DDA3-4289-A3C4-A561B6E67BA2}" type="datetimeFigureOut">
               <a:rPr lang="da-DK" smtClean="0"/>
-              <a:t>07-05-2024</a:t>
+              <a:t>08-05-2024</a:t>
             </a:fld>
             <a:endParaRPr lang="da-DK"/>
           </a:p>
@@ -3070,7 +4036,7 @@
           <a:p>
             <a:fld id="{904F8374-DDA3-4289-A3C4-A561B6E67BA2}" type="datetimeFigureOut">
               <a:rPr lang="da-DK" smtClean="0"/>
-              <a:t>07-05-2024</a:t>
+              <a:t>08-05-2024</a:t>
             </a:fld>
             <a:endParaRPr lang="da-DK"/>
           </a:p>
@@ -3543,7 +4509,7 @@
           <a:p>
             <a:fld id="{904F8374-DDA3-4289-A3C4-A561B6E67BA2}" type="datetimeFigureOut">
               <a:rPr lang="da-DK" smtClean="0"/>
-              <a:t>07-05-2024</a:t>
+              <a:t>08-05-2024</a:t>
             </a:fld>
             <a:endParaRPr lang="da-DK"/>
           </a:p>
@@ -4090,7 +5056,7 @@
           <a:p>
             <a:fld id="{904F8374-DDA3-4289-A3C4-A561B6E67BA2}" type="datetimeFigureOut">
               <a:rPr lang="da-DK" smtClean="0"/>
-              <a:t>07-05-2024</a:t>
+              <a:t>08-05-2024</a:t>
             </a:fld>
             <a:endParaRPr lang="da-DK"/>
           </a:p>
@@ -4864,7 +5830,7 @@
           <a:p>
             <a:fld id="{904F8374-DDA3-4289-A3C4-A561B6E67BA2}" type="datetimeFigureOut">
               <a:rPr lang="da-DK" smtClean="0"/>
-              <a:t>07-05-2024</a:t>
+              <a:t>08-05-2024</a:t>
             </a:fld>
             <a:endParaRPr lang="da-DK"/>
           </a:p>
@@ -5039,7 +6005,7 @@
           <a:p>
             <a:fld id="{904F8374-DDA3-4289-A3C4-A561B6E67BA2}" type="datetimeFigureOut">
               <a:rPr lang="da-DK" smtClean="0"/>
-              <a:t>07-05-2024</a:t>
+              <a:t>08-05-2024</a:t>
             </a:fld>
             <a:endParaRPr lang="da-DK"/>
           </a:p>
@@ -5262,7 +6228,7 @@
           <a:p>
             <a:fld id="{904F8374-DDA3-4289-A3C4-A561B6E67BA2}" type="datetimeFigureOut">
               <a:rPr lang="da-DK" smtClean="0"/>
-              <a:t>07-05-2024</a:t>
+              <a:t>08-05-2024</a:t>
             </a:fld>
             <a:endParaRPr lang="da-DK"/>
           </a:p>
@@ -5442,7 +6408,7 @@
           <a:p>
             <a:fld id="{904F8374-DDA3-4289-A3C4-A561B6E67BA2}" type="datetimeFigureOut">
               <a:rPr lang="da-DK" smtClean="0"/>
-              <a:t>07-05-2024</a:t>
+              <a:t>08-05-2024</a:t>
             </a:fld>
             <a:endParaRPr lang="da-DK"/>
           </a:p>
@@ -5731,7 +6697,7 @@
           <a:p>
             <a:fld id="{904F8374-DDA3-4289-A3C4-A561B6E67BA2}" type="datetimeFigureOut">
               <a:rPr lang="da-DK" smtClean="0"/>
-              <a:t>07-05-2024</a:t>
+              <a:t>08-05-2024</a:t>
             </a:fld>
             <a:endParaRPr lang="da-DK"/>
           </a:p>
@@ -5973,7 +6939,7 @@
           <a:p>
             <a:fld id="{904F8374-DDA3-4289-A3C4-A561B6E67BA2}" type="datetimeFigureOut">
               <a:rPr lang="da-DK" smtClean="0"/>
-              <a:t>07-05-2024</a:t>
+              <a:t>08-05-2024</a:t>
             </a:fld>
             <a:endParaRPr lang="da-DK"/>
           </a:p>
@@ -6352,7 +7318,7 @@
           <a:p>
             <a:fld id="{904F8374-DDA3-4289-A3C4-A561B6E67BA2}" type="datetimeFigureOut">
               <a:rPr lang="da-DK" smtClean="0"/>
-              <a:t>07-05-2024</a:t>
+              <a:t>08-05-2024</a:t>
             </a:fld>
             <a:endParaRPr lang="da-DK"/>
           </a:p>
@@ -6470,7 +7436,7 @@
           <a:p>
             <a:fld id="{904F8374-DDA3-4289-A3C4-A561B6E67BA2}" type="datetimeFigureOut">
               <a:rPr lang="da-DK" smtClean="0"/>
-              <a:t>07-05-2024</a:t>
+              <a:t>08-05-2024</a:t>
             </a:fld>
             <a:endParaRPr lang="da-DK"/>
           </a:p>
@@ -6565,7 +7531,7 @@
           <a:p>
             <a:fld id="{904F8374-DDA3-4289-A3C4-A561B6E67BA2}" type="datetimeFigureOut">
               <a:rPr lang="da-DK" smtClean="0"/>
-              <a:t>07-05-2024</a:t>
+              <a:t>08-05-2024</a:t>
             </a:fld>
             <a:endParaRPr lang="da-DK"/>
           </a:p>
@@ -6814,7 +7780,7 @@
           <a:p>
             <a:fld id="{904F8374-DDA3-4289-A3C4-A561B6E67BA2}" type="datetimeFigureOut">
               <a:rPr lang="da-DK" smtClean="0"/>
-              <a:t>07-05-2024</a:t>
+              <a:t>08-05-2024</a:t>
             </a:fld>
             <a:endParaRPr lang="da-DK"/>
           </a:p>
@@ -7071,7 +8037,7 @@
           <a:p>
             <a:fld id="{904F8374-DDA3-4289-A3C4-A561B6E67BA2}" type="datetimeFigureOut">
               <a:rPr lang="da-DK" smtClean="0"/>
-              <a:t>07-05-2024</a:t>
+              <a:t>08-05-2024</a:t>
             </a:fld>
             <a:endParaRPr lang="da-DK"/>
           </a:p>
@@ -7314,7 +8280,7 @@
           <a:p>
             <a:fld id="{904F8374-DDA3-4289-A3C4-A561B6E67BA2}" type="datetimeFigureOut">
               <a:rPr lang="da-DK" smtClean="0"/>
-              <a:t>07-05-2024</a:t>
+              <a:t>08-05-2024</a:t>
             </a:fld>
             <a:endParaRPr lang="da-DK"/>
           </a:p>
@@ -7996,7 +8962,7 @@
           <a:p>
             <a:r>
               <a:rPr lang="da-DK" dirty="0"/>
-              <a:t>Fokus på domæner</a:t>
+              <a:t>Fokus på domænet</a:t>
             </a:r>
           </a:p>
           <a:p>
@@ -8012,6 +8978,37 @@
             </a:r>
           </a:p>
           <a:p>
+            <a:endParaRPr lang="da-DK" dirty="0"/>
+          </a:p>
+          <a:p>
+            <a:r>
+              <a:rPr lang="da-DK" dirty="0"/>
+              <a:t>Lager</a:t>
+            </a:r>
+          </a:p>
+          <a:p>
+            <a:pPr lvl="1"/>
+            <a:r>
+              <a:rPr lang="da-DK" dirty="0"/>
+              <a:t>Domæne Model Lager</a:t>
+            </a:r>
+          </a:p>
+          <a:p>
+            <a:pPr lvl="1"/>
+            <a:r>
+              <a:rPr lang="da-DK" dirty="0"/>
+              <a:t>Applikation Lager</a:t>
+            </a:r>
+          </a:p>
+          <a:p>
+            <a:pPr lvl="1"/>
+            <a:r>
+              <a:rPr lang="da-DK" dirty="0"/>
+              <a:t>Infrastruktur Lager</a:t>
+            </a:r>
+          </a:p>
+          <a:p>
+            <a:pPr lvl="1"/>
             <a:endParaRPr lang="da-DK" dirty="0"/>
           </a:p>
         </p:txBody>
@@ -8655,6 +9652,12 @@
               <a:t>Data duplikering</a:t>
             </a:r>
           </a:p>
+          <a:p>
+            <a:r>
+              <a:rPr lang="da-DK" dirty="0"/>
+              <a:t>Ikke så godt for mindre projekter</a:t>
+            </a:r>
+          </a:p>
         </p:txBody>
       </p:sp>
     </p:spTree>
@@ -8773,6 +9776,10 @@
           <a:bodyPr/>
           <a:lstStyle/>
           <a:p>
+            <a:r>
+              <a:rPr lang="da-DK" dirty="0" err="1"/>
+              <a:t>RabbitMQ</a:t>
+            </a:r>
             <a:endParaRPr lang="da-DK" dirty="0"/>
           </a:p>
         </p:txBody>
@@ -8798,20 +9805,68 @@
           <a:bodyPr/>
           <a:lstStyle/>
           <a:p>
+            <a:r>
+              <a:rPr lang="da-DK" dirty="0"/>
+              <a:t>Åben-kilde </a:t>
+            </a:r>
+            <a:r>
+              <a:rPr lang="da-DK" dirty="0" err="1"/>
+              <a:t>messaging</a:t>
+            </a:r>
+            <a:r>
+              <a:rPr lang="da-DK" dirty="0"/>
+              <a:t> og streaming broker</a:t>
+            </a:r>
+          </a:p>
+          <a:p>
+            <a:r>
+              <a:rPr lang="da-DK" dirty="0"/>
+              <a:t>Queue</a:t>
+            </a:r>
+          </a:p>
+          <a:p>
+            <a:r>
+              <a:rPr lang="da-DK" dirty="0"/>
+              <a:t>Stream</a:t>
+            </a:r>
+          </a:p>
+          <a:p>
+            <a:r>
+              <a:rPr lang="da-DK" dirty="0"/>
+              <a:t>Skrive beskeder</a:t>
+            </a:r>
+          </a:p>
+          <a:p>
+            <a:r>
+              <a:rPr lang="da-DK" dirty="0"/>
+              <a:t>Læse beskeder</a:t>
+            </a:r>
+          </a:p>
+          <a:p>
+            <a:r>
+              <a:rPr lang="da-DK" dirty="0" err="1"/>
+              <a:t>Round-robin</a:t>
+            </a:r>
             <a:endParaRPr lang="da-DK" dirty="0"/>
           </a:p>
           <a:p>
-            <a:endParaRPr lang="da-DK" dirty="0"/>
-          </a:p>
-          <a:p>
-            <a:endParaRPr lang="da-DK" dirty="0"/>
+            <a:r>
+              <a:rPr lang="da-DK" dirty="0"/>
+              <a:t>Remote Procedure Call</a:t>
+            </a:r>
+          </a:p>
+          <a:p>
+            <a:r>
+              <a:rPr lang="da-DK" dirty="0"/>
+              <a:t>Intet dataskema</a:t>
+            </a:r>
           </a:p>
         </p:txBody>
       </p:sp>
     </p:spTree>
     <p:extLst>
       <p:ext uri="{BB962C8B-B14F-4D97-AF65-F5344CB8AC3E}">
-        <p14:creationId xmlns:p14="http://schemas.microsoft.com/office/powerpoint/2010/main" val="3755726600"/>
+        <p14:creationId xmlns:p14="http://schemas.microsoft.com/office/powerpoint/2010/main" val="3106996554"/>
       </p:ext>
     </p:extLst>
   </p:cSld>
@@ -8985,7 +10040,7 @@
         <p:spPr/>
         <p:txBody>
           <a:bodyPr>
-            <a:normAutofit fontScale="92500" lnSpcReduction="10000"/>
+            <a:normAutofit/>
           </a:bodyPr>
           <a:lstStyle/>
           <a:p>
@@ -9018,18 +10073,6 @@
               <a:t>RabbitMQ</a:t>
             </a:r>
             <a:endParaRPr lang="da-DK" dirty="0"/>
-          </a:p>
-          <a:p>
-            <a:r>
-              <a:rPr lang="da-DK" dirty="0"/>
-              <a:t>CQRS</a:t>
-            </a:r>
-          </a:p>
-          <a:p>
-            <a:r>
-              <a:rPr lang="da-DK" dirty="0"/>
-              <a:t>Logning</a:t>
-            </a:r>
           </a:p>
           <a:p>
             <a:r>
@@ -9086,7 +10129,7 @@
         <p:spPr/>
         <p:txBody>
           <a:bodyPr>
-            <a:normAutofit fontScale="92500" lnSpcReduction="10000"/>
+            <a:normAutofit/>
           </a:bodyPr>
           <a:lstStyle/>
           <a:p>
@@ -9134,7 +10177,7 @@
 </file>
 
 <file path=ppt/slides/slide20.xml><?xml version="1.0" encoding="utf-8"?>
-<p:sld xmlns:a="http://schemas.openxmlformats.org/drawingml/2006/main" xmlns:r="http://schemas.openxmlformats.org/officeDocument/2006/relationships" xmlns:p="http://schemas.openxmlformats.org/presentationml/2006/main">
+<p:sld xmlns:a="http://schemas.openxmlformats.org/drawingml/2006/main" xmlns:r="http://schemas.openxmlformats.org/officeDocument/2006/relationships" xmlns:p="http://schemas.openxmlformats.org/presentationml/2006/main" show="0">
   <p:cSld>
     <p:spTree>
       <p:nvGrpSpPr>
@@ -9198,7 +10241,7 @@
 </file>
 
 <file path=ppt/slides/slide21.xml><?xml version="1.0" encoding="utf-8"?>
-<p:sld xmlns:a="http://schemas.openxmlformats.org/drawingml/2006/main" xmlns:r="http://schemas.openxmlformats.org/officeDocument/2006/relationships" xmlns:p="http://schemas.openxmlformats.org/presentationml/2006/main">
+<p:sld xmlns:a="http://schemas.openxmlformats.org/drawingml/2006/main" xmlns:r="http://schemas.openxmlformats.org/officeDocument/2006/relationships" xmlns:p="http://schemas.openxmlformats.org/presentationml/2006/main" show="0">
   <p:cSld>
     <p:spTree>
       <p:nvGrpSpPr>
@@ -9293,7 +10336,7 @@
           <a:p>
             <a:r>
               <a:rPr lang="da-DK" dirty="0"/>
-              <a:t>Hjælper med at forstå bugs, der først opstår over lang tid</a:t>
+              <a:t>Hjælper med at forstå bugs, der først opstår efter lang tid</a:t>
             </a:r>
           </a:p>
           <a:p>
@@ -9318,7 +10361,7 @@
 </file>
 
 <file path=ppt/slides/slide22.xml><?xml version="1.0" encoding="utf-8"?>
-<p:sld xmlns:a="http://schemas.openxmlformats.org/drawingml/2006/main" xmlns:r="http://schemas.openxmlformats.org/officeDocument/2006/relationships" xmlns:p="http://schemas.openxmlformats.org/presentationml/2006/main">
+<p:sld xmlns:a="http://schemas.openxmlformats.org/drawingml/2006/main" xmlns:r="http://schemas.openxmlformats.org/officeDocument/2006/relationships" xmlns:p="http://schemas.openxmlformats.org/presentationml/2006/main" show="0">
   <p:cSld>
     <p:spTree>
       <p:nvGrpSpPr>
@@ -9339,7 +10382,7 @@
           <p:cNvPr id="2" name="Titel 1">
             <a:extLst>
               <a:ext uri="{FF2B5EF4-FFF2-40B4-BE49-F238E27FC236}">
-                <a16:creationId xmlns:a16="http://schemas.microsoft.com/office/drawing/2014/main" id="{9AD4A813-A89A-825A-72FF-FA237F2E8B70}"/>
+                <a16:creationId xmlns:a16="http://schemas.microsoft.com/office/drawing/2014/main" id="{FFEC5993-EFA9-A519-83CC-AF07225CE353}"/>
               </a:ext>
             </a:extLst>
           </p:cNvPr>
@@ -9350,62 +10393,29 @@
             <p:ph type="title"/>
           </p:nvPr>
         </p:nvSpPr>
-        <p:spPr/>
-        <p:txBody>
-          <a:bodyPr/>
-          <a:lstStyle/>
-          <a:p>
-            <a:r>
-              <a:rPr lang="da-DK"/>
-              <a:t>Konklusion?</a:t>
-            </a:r>
-          </a:p>
-        </p:txBody>
-      </p:sp>
-      <p:sp>
-        <p:nvSpPr>
-          <p:cNvPr id="3" name="Pladsholder til indhold 2">
-            <a:extLst>
-              <a:ext uri="{FF2B5EF4-FFF2-40B4-BE49-F238E27FC236}">
-                <a16:creationId xmlns:a16="http://schemas.microsoft.com/office/drawing/2014/main" id="{4273B0C1-65DB-7237-D931-F20125F6C970}"/>
-              </a:ext>
-            </a:extLst>
-          </p:cNvPr>
-          <p:cNvSpPr>
-            <a:spLocks noGrp="1"/>
-          </p:cNvSpPr>
-          <p:nvPr>
-            <p:ph idx="1"/>
-          </p:nvPr>
-        </p:nvSpPr>
-        <p:spPr/>
-        <p:txBody>
-          <a:bodyPr/>
-          <a:lstStyle/>
-          <a:p>
-            <a:r>
-              <a:rPr lang="da-DK" dirty="0"/>
-              <a:t>Produktet læste problemformulering</a:t>
-            </a:r>
-          </a:p>
-          <a:p>
-            <a:r>
-              <a:rPr lang="da-DK" dirty="0"/>
-              <a:t>Har mangler før det ville kunne bruges i virkeligheden</a:t>
-            </a:r>
-          </a:p>
-          <a:p>
-            <a:r>
-              <a:rPr lang="da-DK" dirty="0"/>
-              <a:t>Er mere hen af en prototype</a:t>
-            </a:r>
+        <p:spPr>
+          <a:xfrm>
+            <a:off x="0" y="0"/>
+            <a:ext cx="12192000" cy="6857999"/>
+          </a:xfrm>
+        </p:spPr>
+        <p:txBody>
+          <a:bodyPr/>
+          <a:lstStyle/>
+          <a:p>
+            <a:pPr algn="ctr"/>
+            <a:r>
+              <a:rPr lang="da-DK" dirty="0" err="1"/>
+              <a:t>Frontend</a:t>
+            </a:r>
+            <a:endParaRPr lang="da-DK" dirty="0"/>
           </a:p>
         </p:txBody>
       </p:sp>
     </p:spTree>
     <p:extLst>
       <p:ext uri="{BB962C8B-B14F-4D97-AF65-F5344CB8AC3E}">
-        <p14:creationId xmlns:p14="http://schemas.microsoft.com/office/powerpoint/2010/main" val="2542655594"/>
+        <p14:creationId xmlns:p14="http://schemas.microsoft.com/office/powerpoint/2010/main" val="684450765"/>
       </p:ext>
     </p:extLst>
   </p:cSld>
@@ -9416,7 +10426,7 @@
 </file>
 
 <file path=ppt/slides/slide23.xml><?xml version="1.0" encoding="utf-8"?>
-<p:sld xmlns:a="http://schemas.openxmlformats.org/drawingml/2006/main" xmlns:r="http://schemas.openxmlformats.org/officeDocument/2006/relationships" xmlns:p="http://schemas.openxmlformats.org/presentationml/2006/main">
+<p:sld xmlns:a="http://schemas.openxmlformats.org/drawingml/2006/main" xmlns:r="http://schemas.openxmlformats.org/officeDocument/2006/relationships" xmlns:p="http://schemas.openxmlformats.org/presentationml/2006/main" show="0">
   <p:cSld>
     <p:spTree>
       <p:nvGrpSpPr>
@@ -9437,7 +10447,7 @@
           <p:cNvPr id="2" name="Titel 1">
             <a:extLst>
               <a:ext uri="{FF2B5EF4-FFF2-40B4-BE49-F238E27FC236}">
-                <a16:creationId xmlns:a16="http://schemas.microsoft.com/office/drawing/2014/main" id="{FFEC5993-EFA9-A519-83CC-AF07225CE353}"/>
+                <a16:creationId xmlns:a16="http://schemas.microsoft.com/office/drawing/2014/main" id="{F3019DD0-C209-385A-D32B-340F2A60648D}"/>
               </a:ext>
             </a:extLst>
           </p:cNvPr>
@@ -9448,27 +10458,74 @@
             <p:ph type="title"/>
           </p:nvPr>
         </p:nvSpPr>
-        <p:spPr>
-          <a:xfrm>
-            <a:off x="0" y="0"/>
-            <a:ext cx="12192000" cy="6857999"/>
-          </a:xfrm>
-        </p:spPr>
-        <p:txBody>
-          <a:bodyPr/>
-          <a:lstStyle/>
-          <a:p>
-            <a:pPr algn="ctr"/>
-            <a:r>
-              <a:rPr lang="da-DK" dirty="0"/>
-              <a:t>Selvvalgt Emne </a:t>
-            </a:r>
-            <a:br>
-              <a:rPr lang="da-DK" dirty="0"/>
-            </a:br>
-            <a:r>
-              <a:rPr lang="da-DK" dirty="0"/>
-              <a:t>Kafka</a:t>
+        <p:spPr/>
+        <p:txBody>
+          <a:bodyPr/>
+          <a:lstStyle/>
+          <a:p>
+            <a:r>
+              <a:rPr lang="da-DK" dirty="0" err="1"/>
+              <a:t>Blazor</a:t>
+            </a:r>
+            <a:endParaRPr lang="da-DK" dirty="0"/>
+          </a:p>
+        </p:txBody>
+      </p:sp>
+      <p:sp>
+        <p:nvSpPr>
+          <p:cNvPr id="3" name="Pladsholder til indhold 2">
+            <a:extLst>
+              <a:ext uri="{FF2B5EF4-FFF2-40B4-BE49-F238E27FC236}">
+                <a16:creationId xmlns:a16="http://schemas.microsoft.com/office/drawing/2014/main" id="{703AD30A-B471-D400-AECD-D6CB46AD4206}"/>
+              </a:ext>
+            </a:extLst>
+          </p:cNvPr>
+          <p:cNvSpPr>
+            <a:spLocks noGrp="1"/>
+          </p:cNvSpPr>
+          <p:nvPr>
+            <p:ph idx="1"/>
+          </p:nvPr>
+        </p:nvSpPr>
+        <p:spPr/>
+        <p:txBody>
+          <a:bodyPr/>
+          <a:lstStyle/>
+          <a:p>
+            <a:r>
+              <a:rPr lang="da-DK" dirty="0" err="1"/>
+              <a:t>WebAssembly</a:t>
+            </a:r>
+            <a:endParaRPr lang="da-DK" dirty="0"/>
+          </a:p>
+          <a:p>
+            <a:r>
+              <a:rPr lang="da-DK" dirty="0" err="1"/>
+              <a:t>Razor</a:t>
+            </a:r>
+            <a:r>
+              <a:rPr lang="da-DK" dirty="0"/>
+              <a:t> Syntaks</a:t>
+            </a:r>
+          </a:p>
+          <a:p>
+            <a:r>
+              <a:rPr lang="da-DK" dirty="0"/>
+              <a:t>Single og </a:t>
+            </a:r>
+            <a:r>
+              <a:rPr lang="da-DK" dirty="0" err="1"/>
+              <a:t>Multi</a:t>
+            </a:r>
+            <a:r>
+              <a:rPr lang="da-DK" dirty="0"/>
+              <a:t> Page Application</a:t>
+            </a:r>
+          </a:p>
+          <a:p>
+            <a:r>
+              <a:rPr lang="da-DK" dirty="0"/>
+              <a:t>Komponenter</a:t>
             </a:r>
           </a:p>
         </p:txBody>
@@ -9476,7 +10533,7 @@
     </p:spTree>
     <p:extLst>
       <p:ext uri="{BB962C8B-B14F-4D97-AF65-F5344CB8AC3E}">
-        <p14:creationId xmlns:p14="http://schemas.microsoft.com/office/powerpoint/2010/main" val="900528911"/>
+        <p14:creationId xmlns:p14="http://schemas.microsoft.com/office/powerpoint/2010/main" val="898303584"/>
       </p:ext>
     </p:extLst>
   </p:cSld>
@@ -9505,10 +10562,10 @@
       </p:grpSpPr>
       <p:sp>
         <p:nvSpPr>
-          <p:cNvPr id="2" name="Titel 1">
+          <p:cNvPr id="3" name="Titel 2">
             <a:extLst>
               <a:ext uri="{FF2B5EF4-FFF2-40B4-BE49-F238E27FC236}">
-                <a16:creationId xmlns:a16="http://schemas.microsoft.com/office/drawing/2014/main" id="{1472BA20-C2D2-35CC-B001-35FBC754D728}"/>
+                <a16:creationId xmlns:a16="http://schemas.microsoft.com/office/drawing/2014/main" id="{7AAF8386-09A5-C985-33B7-777E34A0D9E9}"/>
               </a:ext>
             </a:extLst>
           </p:cNvPr>
@@ -9525,18 +10582,35 @@
           <a:lstStyle/>
           <a:p>
             <a:r>
-              <a:rPr lang="da-DK" dirty="0"/>
-              <a:t>Apache Kafka</a:t>
-            </a:r>
-          </a:p>
-        </p:txBody>
-      </p:sp>
-      <p:sp>
-        <p:nvSpPr>
-          <p:cNvPr id="3" name="Pladsholder til indhold 2">
+              <a:rPr lang="da-DK" dirty="0" err="1"/>
+              <a:t>Blazor</a:t>
+            </a:r>
+            <a:r>
+              <a:rPr lang="da-DK" dirty="0"/>
+              <a:t> – </a:t>
+            </a:r>
+            <a:r>
+              <a:rPr lang="da-DK" dirty="0" err="1"/>
+              <a:t>Refresh</a:t>
+            </a:r>
+            <a:r>
+              <a:rPr lang="da-DK" dirty="0"/>
+              <a:t> </a:t>
+            </a:r>
+            <a:r>
+              <a:rPr lang="da-DK" dirty="0" err="1"/>
+              <a:t>Token</a:t>
+            </a:r>
+            <a:endParaRPr lang="da-DK" dirty="0"/>
+          </a:p>
+        </p:txBody>
+      </p:sp>
+      <p:sp>
+        <p:nvSpPr>
+          <p:cNvPr id="4" name="Pladsholder til tekst 3">
             <a:extLst>
               <a:ext uri="{FF2B5EF4-FFF2-40B4-BE49-F238E27FC236}">
-                <a16:creationId xmlns:a16="http://schemas.microsoft.com/office/drawing/2014/main" id="{9C39A511-988C-E6E3-1E83-875E8D499B70}"/>
+                <a16:creationId xmlns:a16="http://schemas.microsoft.com/office/drawing/2014/main" id="{63F805C9-2BBE-AAAF-AC3D-0012B553FE7E}"/>
               </a:ext>
             </a:extLst>
           </p:cNvPr>
@@ -9544,76 +10618,154 @@
             <a:spLocks noGrp="1"/>
           </p:cNvSpPr>
           <p:nvPr>
-            <p:ph idx="1"/>
-          </p:nvPr>
-        </p:nvSpPr>
-        <p:spPr/>
-        <p:txBody>
-          <a:bodyPr>
-            <a:normAutofit/>
-          </a:bodyPr>
-          <a:lstStyle/>
-          <a:p>
-            <a:r>
-              <a:rPr lang="da-DK" dirty="0"/>
-              <a:t>Event Streaming </a:t>
-            </a:r>
-          </a:p>
-          <a:p>
-            <a:r>
-              <a:rPr lang="da-DK" dirty="0"/>
-              <a:t>Broker – Lager</a:t>
-            </a:r>
-          </a:p>
-          <a:p>
-            <a:r>
-              <a:rPr lang="da-DK" dirty="0"/>
-              <a:t>Connect – </a:t>
-            </a:r>
-          </a:p>
-          <a:p>
-            <a:r>
-              <a:rPr lang="da-DK" dirty="0"/>
-              <a:t>Stream </a:t>
-            </a:r>
-          </a:p>
-          <a:p>
-            <a:r>
-              <a:rPr lang="da-DK" dirty="0"/>
-              <a:t>Event</a:t>
-            </a:r>
-          </a:p>
-          <a:p>
-            <a:r>
-              <a:rPr lang="da-DK" dirty="0"/>
-              <a:t>Producer</a:t>
-            </a:r>
-          </a:p>
-          <a:p>
-            <a:r>
-              <a:rPr lang="da-DK" dirty="0"/>
-              <a:t>Consumer</a:t>
-            </a:r>
-          </a:p>
+            <p:ph type="body" idx="1"/>
+          </p:nvPr>
+        </p:nvSpPr>
+        <p:spPr/>
+        <p:txBody>
+          <a:bodyPr/>
+          <a:lstStyle/>
           <a:p>
             <a:r>
               <a:rPr lang="da-DK" dirty="0" err="1"/>
-              <a:t>Topic</a:t>
+              <a:t>Blazor</a:t>
             </a:r>
             <a:endParaRPr lang="da-DK" dirty="0"/>
           </a:p>
-          <a:p>
-            <a:r>
-              <a:rPr lang="da-DK" dirty="0"/>
-              <a:t>Partition</a:t>
-            </a:r>
-          </a:p>
-        </p:txBody>
-      </p:sp>
+        </p:txBody>
+      </p:sp>
+      <p:sp>
+        <p:nvSpPr>
+          <p:cNvPr id="5" name="Pladsholder til indhold 4">
+            <a:extLst>
+              <a:ext uri="{FF2B5EF4-FFF2-40B4-BE49-F238E27FC236}">
+                <a16:creationId xmlns:a16="http://schemas.microsoft.com/office/drawing/2014/main" id="{FA4DD623-FA22-1FCD-9537-ADE6F504CE02}"/>
+              </a:ext>
+            </a:extLst>
+          </p:cNvPr>
+          <p:cNvSpPr>
+            <a:spLocks noGrp="1"/>
+          </p:cNvSpPr>
+          <p:nvPr>
+            <p:ph sz="half" idx="2"/>
+          </p:nvPr>
+        </p:nvSpPr>
+        <p:spPr/>
+        <p:txBody>
+          <a:bodyPr/>
+          <a:lstStyle/>
+          <a:p>
+            <a:r>
+              <a:rPr lang="da-DK" dirty="0"/>
+              <a:t>Har ikke </a:t>
+            </a:r>
+            <a:r>
+              <a:rPr lang="da-DK" dirty="0" err="1"/>
+              <a:t>interceptors</a:t>
+            </a:r>
+            <a:r>
+              <a:rPr lang="da-DK" dirty="0"/>
+              <a:t> som </a:t>
+            </a:r>
+            <a:r>
+              <a:rPr lang="da-DK" dirty="0" err="1"/>
+              <a:t>Angular</a:t>
+            </a:r>
+            <a:endParaRPr lang="da-DK" dirty="0"/>
+          </a:p>
+          <a:p>
+            <a:r>
+              <a:rPr lang="da-DK" dirty="0" err="1"/>
+              <a:t>Blazor</a:t>
+            </a:r>
+            <a:r>
+              <a:rPr lang="da-DK" dirty="0"/>
+              <a:t> SPA har ikke </a:t>
+            </a:r>
+            <a:r>
+              <a:rPr lang="da-DK" dirty="0" err="1"/>
+              <a:t>middleware</a:t>
+            </a:r>
+            <a:endParaRPr lang="da-DK" dirty="0"/>
+          </a:p>
+          <a:p>
+            <a:endParaRPr lang="da-DK" dirty="0"/>
+          </a:p>
+          <a:p>
+            <a:r>
+              <a:rPr lang="da-DK" dirty="0"/>
+              <a:t>Særlig HTTP Klient service</a:t>
+            </a:r>
+          </a:p>
+        </p:txBody>
+      </p:sp>
+      <p:sp>
+        <p:nvSpPr>
+          <p:cNvPr id="6" name="Pladsholder til tekst 5">
+            <a:extLst>
+              <a:ext uri="{FF2B5EF4-FFF2-40B4-BE49-F238E27FC236}">
+                <a16:creationId xmlns:a16="http://schemas.microsoft.com/office/drawing/2014/main" id="{6034F8DD-ACCE-41BD-1076-C9ADCCD72CC2}"/>
+              </a:ext>
+            </a:extLst>
+          </p:cNvPr>
+          <p:cNvSpPr>
+            <a:spLocks noGrp="1"/>
+          </p:cNvSpPr>
+          <p:nvPr>
+            <p:ph type="body" sz="quarter" idx="3"/>
+          </p:nvPr>
+        </p:nvSpPr>
+        <p:spPr/>
+        <p:txBody>
+          <a:bodyPr/>
+          <a:lstStyle/>
+          <a:p>
+            <a:r>
+              <a:rPr lang="da-DK" dirty="0" err="1"/>
+              <a:t>Angular</a:t>
+            </a:r>
+            <a:endParaRPr lang="da-DK" dirty="0"/>
+          </a:p>
+        </p:txBody>
+      </p:sp>
+      <p:pic>
+        <p:nvPicPr>
+          <p:cNvPr id="9" name="Pladsholder til indhold 8">
+            <a:extLst>
+              <a:ext uri="{FF2B5EF4-FFF2-40B4-BE49-F238E27FC236}">
+                <a16:creationId xmlns:a16="http://schemas.microsoft.com/office/drawing/2014/main" id="{05298FA0-6CD7-3C1A-2D1D-3AED3663FDED}"/>
+              </a:ext>
+            </a:extLst>
+          </p:cNvPr>
+          <p:cNvPicPr>
+            <a:picLocks noGrp="1" noChangeAspect="1"/>
+          </p:cNvPicPr>
+          <p:nvPr>
+            <p:ph sz="quarter" idx="4"/>
+          </p:nvPr>
+        </p:nvPicPr>
+        <p:blipFill rotWithShape="1">
+          <a:blip r:embed="rId2">
+            <a:extLst>
+              <a:ext uri="{28A0092B-C50C-407E-A947-70E740481C1C}">
+                <a14:useLocalDpi xmlns:a14="http://schemas.microsoft.com/office/drawing/2010/main" val="0"/>
+              </a:ext>
+            </a:extLst>
+          </a:blip>
+          <a:srcRect t="10126" r="671" b="8745"/>
+          <a:stretch/>
+        </p:blipFill>
+        <p:spPr>
+          <a:xfrm>
+            <a:off x="8274254" y="1710173"/>
+            <a:ext cx="3917746" cy="5147827"/>
+          </a:xfrm>
+        </p:spPr>
+      </p:pic>
     </p:spTree>
     <p:extLst>
       <p:ext uri="{BB962C8B-B14F-4D97-AF65-F5344CB8AC3E}">
-        <p14:creationId xmlns:p14="http://schemas.microsoft.com/office/powerpoint/2010/main" val="4027690829"/>
+        <p14:creationId xmlns:p14="http://schemas.microsoft.com/office/powerpoint/2010/main" val="172690852"/>
       </p:ext>
     </p:extLst>
   </p:cSld>
@@ -9642,10 +10794,10 @@
       </p:grpSpPr>
       <p:sp>
         <p:nvSpPr>
-          <p:cNvPr id="8" name="Titel 7">
+          <p:cNvPr id="2" name="Titel 1">
             <a:extLst>
               <a:ext uri="{FF2B5EF4-FFF2-40B4-BE49-F238E27FC236}">
-                <a16:creationId xmlns:a16="http://schemas.microsoft.com/office/drawing/2014/main" id="{964C56D4-D3DF-1B49-7986-BDEB15B6AF6E}"/>
+                <a16:creationId xmlns:a16="http://schemas.microsoft.com/office/drawing/2014/main" id="{9AD4A813-A89A-825A-72FF-FA237F2E8B70}"/>
               </a:ext>
             </a:extLst>
           </p:cNvPr>
@@ -9662,18 +10814,18 @@
           <a:lstStyle/>
           <a:p>
             <a:r>
-              <a:rPr lang="da-DK" dirty="0"/>
-              <a:t>Apache Kafka - Hvad Er</a:t>
-            </a:r>
-          </a:p>
-        </p:txBody>
-      </p:sp>
-      <p:sp>
-        <p:nvSpPr>
-          <p:cNvPr id="9" name="Pladsholder til indhold 8">
+              <a:rPr lang="da-DK"/>
+              <a:t>Konklusion?</a:t>
+            </a:r>
+          </a:p>
+        </p:txBody>
+      </p:sp>
+      <p:sp>
+        <p:nvSpPr>
+          <p:cNvPr id="3" name="Pladsholder til indhold 2">
             <a:extLst>
               <a:ext uri="{FF2B5EF4-FFF2-40B4-BE49-F238E27FC236}">
-                <a16:creationId xmlns:a16="http://schemas.microsoft.com/office/drawing/2014/main" id="{084956D3-F9BC-364C-BE60-DE221C9ECB77}"/>
+                <a16:creationId xmlns:a16="http://schemas.microsoft.com/office/drawing/2014/main" id="{4273B0C1-65DB-7237-D931-F20125F6C970}"/>
               </a:ext>
             </a:extLst>
           </p:cNvPr>
@@ -9691,65 +10843,27 @@
           <a:p>
             <a:r>
               <a:rPr lang="da-DK" dirty="0"/>
-              <a:t>Åben-kilde event streaming platform</a:t>
-            </a:r>
-          </a:p>
-          <a:p>
-            <a:r>
-              <a:rPr lang="da-DK" dirty="0"/>
-              <a:t>Event</a:t>
-            </a:r>
-          </a:p>
-          <a:p>
-            <a:r>
-              <a:rPr lang="da-DK" dirty="0" err="1"/>
-              <a:t>Topic</a:t>
-            </a:r>
-            <a:endParaRPr lang="da-DK" dirty="0"/>
-          </a:p>
-          <a:p>
-            <a:pPr lvl="1"/>
-            <a:r>
-              <a:rPr lang="da-DK" dirty="0" err="1"/>
-              <a:t>Partitioneret</a:t>
-            </a:r>
-            <a:endParaRPr lang="da-DK" dirty="0"/>
-          </a:p>
-          <a:p>
-            <a:r>
-              <a:rPr lang="da-DK" dirty="0"/>
-              <a:t>Kommunikation via TCP</a:t>
-            </a:r>
-          </a:p>
-          <a:p>
-            <a:r>
-              <a:rPr lang="da-DK" dirty="0"/>
-              <a:t>Server/Klient kommunikation</a:t>
-            </a:r>
-          </a:p>
-          <a:p>
-            <a:r>
-              <a:rPr lang="da-DK" dirty="0"/>
-              <a:t>Event </a:t>
-            </a:r>
-            <a:r>
-              <a:rPr lang="da-DK" dirty="0" err="1"/>
-              <a:t>replikering</a:t>
-            </a:r>
-            <a:r>
-              <a:rPr lang="da-DK" dirty="0"/>
-              <a:t> </a:t>
-            </a:r>
-          </a:p>
-          <a:p>
-            <a:endParaRPr lang="da-DK" dirty="0"/>
+              <a:t>Produktet læste problemformulering</a:t>
+            </a:r>
+          </a:p>
+          <a:p>
+            <a:r>
+              <a:rPr lang="da-DK" dirty="0"/>
+              <a:t>Har mangler før det ville kunne bruges i virkeligheden</a:t>
+            </a:r>
+          </a:p>
+          <a:p>
+            <a:r>
+              <a:rPr lang="da-DK" dirty="0"/>
+              <a:t>Er mere hen af en prototype</a:t>
+            </a:r>
           </a:p>
         </p:txBody>
       </p:sp>
     </p:spTree>
     <p:extLst>
       <p:ext uri="{BB962C8B-B14F-4D97-AF65-F5344CB8AC3E}">
-        <p14:creationId xmlns:p14="http://schemas.microsoft.com/office/powerpoint/2010/main" val="2863351694"/>
+        <p14:creationId xmlns:p14="http://schemas.microsoft.com/office/powerpoint/2010/main" val="2542655594"/>
       </p:ext>
     </p:extLst>
   </p:cSld>
@@ -9778,10 +10892,10 @@
       </p:grpSpPr>
       <p:sp>
         <p:nvSpPr>
-          <p:cNvPr id="8" name="Titel 7">
+          <p:cNvPr id="2" name="Titel 1">
             <a:extLst>
               <a:ext uri="{FF2B5EF4-FFF2-40B4-BE49-F238E27FC236}">
-                <a16:creationId xmlns:a16="http://schemas.microsoft.com/office/drawing/2014/main" id="{964C56D4-D3DF-1B49-7986-BDEB15B6AF6E}"/>
+                <a16:creationId xmlns:a16="http://schemas.microsoft.com/office/drawing/2014/main" id="{FFEC5993-EFA9-A519-83CC-AF07225CE353}"/>
               </a:ext>
             </a:extLst>
           </p:cNvPr>
@@ -9792,174 +10906,35 @@
             <p:ph type="title"/>
           </p:nvPr>
         </p:nvSpPr>
-        <p:spPr/>
-        <p:txBody>
-          <a:bodyPr/>
-          <a:lstStyle/>
-          <a:p>
-            <a:r>
-              <a:rPr lang="da-DK" dirty="0"/>
-              <a:t>Apache Kafka - API</a:t>
-            </a:r>
-          </a:p>
-        </p:txBody>
-      </p:sp>
-      <p:sp>
-        <p:nvSpPr>
-          <p:cNvPr id="9" name="Pladsholder til indhold 8">
-            <a:extLst>
-              <a:ext uri="{FF2B5EF4-FFF2-40B4-BE49-F238E27FC236}">
-                <a16:creationId xmlns:a16="http://schemas.microsoft.com/office/drawing/2014/main" id="{084956D3-F9BC-364C-BE60-DE221C9ECB77}"/>
-              </a:ext>
-            </a:extLst>
-          </p:cNvPr>
-          <p:cNvSpPr>
-            <a:spLocks noGrp="1"/>
-          </p:cNvSpPr>
-          <p:nvPr>
-            <p:ph sz="half" idx="1"/>
-          </p:nvPr>
-        </p:nvSpPr>
-        <p:spPr/>
-        <p:txBody>
-          <a:bodyPr>
-            <a:normAutofit/>
-          </a:bodyPr>
-          <a:lstStyle/>
-          <a:p>
-            <a:r>
-              <a:rPr lang="da-DK" dirty="0" err="1"/>
-              <a:t>Admin</a:t>
-            </a:r>
-            <a:r>
-              <a:rPr lang="da-DK" dirty="0"/>
-              <a:t> API </a:t>
-            </a:r>
-          </a:p>
-          <a:p>
-            <a:pPr lvl="1"/>
-            <a:r>
-              <a:rPr lang="da-DK" dirty="0"/>
-              <a:t>Styring og inspicere af </a:t>
-            </a:r>
-          </a:p>
-          <a:p>
-            <a:pPr lvl="2"/>
-            <a:r>
-              <a:rPr lang="da-DK" dirty="0" err="1"/>
-              <a:t>Topics</a:t>
-            </a:r>
-            <a:r>
-              <a:rPr lang="da-DK" dirty="0"/>
-              <a:t> </a:t>
-            </a:r>
-          </a:p>
-          <a:p>
-            <a:pPr lvl="2"/>
-            <a:r>
-              <a:rPr lang="da-DK" dirty="0"/>
-              <a:t>Brokers </a:t>
-            </a:r>
-          </a:p>
-          <a:p>
-            <a:pPr lvl="2"/>
-            <a:r>
-              <a:rPr lang="da-DK" dirty="0"/>
-              <a:t>Andre Kafka objekter</a:t>
-            </a:r>
-          </a:p>
-          <a:p>
-            <a:r>
-              <a:rPr lang="da-DK" dirty="0"/>
-              <a:t>Producer API</a:t>
-            </a:r>
-          </a:p>
-          <a:p>
-            <a:pPr lvl="1"/>
-            <a:r>
-              <a:rPr lang="da-DK" dirty="0"/>
-              <a:t>Skrivning af events</a:t>
-            </a:r>
-          </a:p>
-        </p:txBody>
-      </p:sp>
-      <p:sp>
-        <p:nvSpPr>
-          <p:cNvPr id="2" name="Pladsholder til indhold 1">
-            <a:extLst>
-              <a:ext uri="{FF2B5EF4-FFF2-40B4-BE49-F238E27FC236}">
-                <a16:creationId xmlns:a16="http://schemas.microsoft.com/office/drawing/2014/main" id="{B3D68E9F-7A13-0520-7007-D08D335AD623}"/>
-              </a:ext>
-            </a:extLst>
-          </p:cNvPr>
-          <p:cNvSpPr>
-            <a:spLocks noGrp="1"/>
-          </p:cNvSpPr>
-          <p:nvPr>
-            <p:ph sz="half" idx="2"/>
-          </p:nvPr>
-        </p:nvSpPr>
-        <p:spPr/>
-        <p:txBody>
-          <a:bodyPr>
-            <a:normAutofit/>
-          </a:bodyPr>
-          <a:lstStyle/>
-          <a:p>
-            <a:r>
-              <a:rPr lang="da-DK" dirty="0"/>
-              <a:t>Consumer API</a:t>
-            </a:r>
-          </a:p>
-          <a:p>
-            <a:pPr lvl="1"/>
-            <a:r>
-              <a:rPr lang="da-DK" dirty="0"/>
-              <a:t>Læsning af event</a:t>
-            </a:r>
-          </a:p>
-          <a:p>
-            <a:r>
-              <a:rPr lang="da-DK" dirty="0" err="1"/>
-              <a:t>Streams</a:t>
-            </a:r>
-            <a:r>
-              <a:rPr lang="da-DK" dirty="0"/>
-              <a:t> API</a:t>
-            </a:r>
-          </a:p>
-          <a:p>
-            <a:pPr lvl="1"/>
-            <a:r>
-              <a:rPr lang="da-DK" dirty="0"/>
-              <a:t>Processering af event </a:t>
-            </a:r>
-            <a:r>
-              <a:rPr lang="da-DK" dirty="0" err="1"/>
-              <a:t>streams</a:t>
-            </a:r>
-            <a:r>
-              <a:rPr lang="da-DK" dirty="0"/>
-              <a:t> applikationer og </a:t>
-            </a:r>
-            <a:r>
-              <a:rPr lang="da-DK" dirty="0" err="1"/>
-              <a:t>microserives</a:t>
-            </a:r>
-            <a:endParaRPr lang="da-DK" dirty="0"/>
-          </a:p>
-          <a:p>
-            <a:pPr marL="0" indent="0">
-              <a:buNone/>
-            </a:pPr>
-            <a:endParaRPr lang="da-DK" dirty="0"/>
+        <p:spPr>
+          <a:xfrm>
+            <a:off x="0" y="0"/>
+            <a:ext cx="12192000" cy="6857999"/>
+          </a:xfrm>
+        </p:spPr>
+        <p:txBody>
+          <a:bodyPr/>
+          <a:lstStyle/>
+          <a:p>
+            <a:pPr algn="ctr"/>
+            <a:r>
+              <a:rPr lang="da-DK" dirty="0"/>
+              <a:t>Selvvalgt Emne </a:t>
+            </a:r>
+            <a:br>
+              <a:rPr lang="da-DK" dirty="0"/>
+            </a:br>
+            <a:r>
+              <a:rPr lang="da-DK" dirty="0"/>
+              <a:t>Kafka</a:t>
+            </a:r>
           </a:p>
         </p:txBody>
       </p:sp>
     </p:spTree>
     <p:extLst>
       <p:ext uri="{BB962C8B-B14F-4D97-AF65-F5344CB8AC3E}">
-        <p14:creationId xmlns:p14="http://schemas.microsoft.com/office/powerpoint/2010/main" val="122632923"/>
+        <p14:creationId xmlns:p14="http://schemas.microsoft.com/office/powerpoint/2010/main" val="900528911"/>
       </p:ext>
     </p:extLst>
   </p:cSld>
@@ -9970,7 +10945,7 @@
 </file>
 
 <file path=ppt/slides/slide27.xml><?xml version="1.0" encoding="utf-8"?>
-<p:sld xmlns:a="http://schemas.openxmlformats.org/drawingml/2006/main" xmlns:r="http://schemas.openxmlformats.org/officeDocument/2006/relationships" xmlns:p="http://schemas.openxmlformats.org/presentationml/2006/main">
+<p:sld xmlns:a="http://schemas.openxmlformats.org/drawingml/2006/main" xmlns:r="http://schemas.openxmlformats.org/officeDocument/2006/relationships" xmlns:p="http://schemas.openxmlformats.org/presentationml/2006/main" show="0">
   <p:cSld>
     <p:spTree>
       <p:nvGrpSpPr>
@@ -9988,10 +10963,10 @@
       </p:grpSpPr>
       <p:sp>
         <p:nvSpPr>
-          <p:cNvPr id="8" name="Titel 7">
+          <p:cNvPr id="2" name="Titel 1">
             <a:extLst>
               <a:ext uri="{FF2B5EF4-FFF2-40B4-BE49-F238E27FC236}">
-                <a16:creationId xmlns:a16="http://schemas.microsoft.com/office/drawing/2014/main" id="{964C56D4-D3DF-1B49-7986-BDEB15B6AF6E}"/>
+                <a16:creationId xmlns:a16="http://schemas.microsoft.com/office/drawing/2014/main" id="{1472BA20-C2D2-35CC-B001-35FBC754D728}"/>
               </a:ext>
             </a:extLst>
           </p:cNvPr>
@@ -10009,17 +10984,17 @@
           <a:p>
             <a:r>
               <a:rPr lang="da-DK" dirty="0"/>
-              <a:t>Apache Kafka - Dele</a:t>
-            </a:r>
-          </a:p>
-        </p:txBody>
-      </p:sp>
-      <p:sp>
-        <p:nvSpPr>
-          <p:cNvPr id="9" name="Pladsholder til indhold 8">
+              <a:t>Apache Kafka</a:t>
+            </a:r>
+          </a:p>
+        </p:txBody>
+      </p:sp>
+      <p:sp>
+        <p:nvSpPr>
+          <p:cNvPr id="3" name="Pladsholder til indhold 2">
             <a:extLst>
               <a:ext uri="{FF2B5EF4-FFF2-40B4-BE49-F238E27FC236}">
-                <a16:creationId xmlns:a16="http://schemas.microsoft.com/office/drawing/2014/main" id="{084956D3-F9BC-364C-BE60-DE221C9ECB77}"/>
+                <a16:creationId xmlns:a16="http://schemas.microsoft.com/office/drawing/2014/main" id="{9C39A511-988C-E6E3-1E83-875E8D499B70}"/>
               </a:ext>
             </a:extLst>
           </p:cNvPr>
@@ -10039,125 +11014,64 @@
           <a:p>
             <a:r>
               <a:rPr lang="da-DK" dirty="0"/>
-              <a:t>Broker</a:t>
-            </a:r>
-          </a:p>
-          <a:p>
-            <a:pPr lvl="1"/>
-            <a:r>
-              <a:rPr lang="da-DK" dirty="0"/>
-              <a:t>Lager servicer</a:t>
-            </a:r>
-          </a:p>
-          <a:p>
-            <a:r>
-              <a:rPr lang="da-DK" dirty="0"/>
-              <a:t>Controller </a:t>
-            </a:r>
-          </a:p>
-          <a:p>
-            <a:pPr lvl="1"/>
-            <a:r>
-              <a:rPr lang="da-DK" dirty="0"/>
-              <a:t>Styre at events bliver </a:t>
-            </a:r>
+              <a:t>Event Streaming </a:t>
+            </a:r>
+          </a:p>
+          <a:p>
+            <a:r>
+              <a:rPr lang="da-DK" dirty="0"/>
+              <a:t>Broker – Lager</a:t>
+            </a:r>
+          </a:p>
+          <a:p>
+            <a:r>
+              <a:rPr lang="da-DK" dirty="0"/>
+              <a:t>Connect – </a:t>
+            </a:r>
+          </a:p>
+          <a:p>
+            <a:r>
+              <a:rPr lang="da-DK" dirty="0"/>
+              <a:t>Stream </a:t>
+            </a:r>
+          </a:p>
+          <a:p>
+            <a:r>
+              <a:rPr lang="da-DK" dirty="0"/>
+              <a:t>Event</a:t>
+            </a:r>
+          </a:p>
+          <a:p>
+            <a:r>
+              <a:rPr lang="da-DK" dirty="0"/>
+              <a:t>Producer</a:t>
+            </a:r>
+          </a:p>
+          <a:p>
+            <a:r>
+              <a:rPr lang="da-DK" dirty="0"/>
+              <a:t>Consumer</a:t>
+            </a:r>
+          </a:p>
+          <a:p>
             <a:r>
               <a:rPr lang="da-DK" dirty="0" err="1"/>
-              <a:t>replikeret</a:t>
-            </a:r>
-            <a:r>
-              <a:rPr lang="da-DK" dirty="0"/>
-              <a:t>, styre </a:t>
-            </a:r>
-            <a:r>
-              <a:rPr lang="da-DK" dirty="0" err="1"/>
-              <a:t>replikering</a:t>
-            </a:r>
-            <a:r>
-              <a:rPr lang="da-DK" dirty="0"/>
-              <a:t> og administrative opgaver</a:t>
-            </a:r>
-          </a:p>
-          <a:p>
-            <a:r>
-              <a:rPr lang="da-DK" dirty="0"/>
-              <a:t>Stream</a:t>
-            </a:r>
-          </a:p>
-          <a:p>
-            <a:pPr lvl="1"/>
-            <a:r>
-              <a:rPr lang="da-DK"/>
-              <a:t>Real-Time transformering </a:t>
-            </a:r>
-            <a:r>
-              <a:rPr lang="da-DK" dirty="0"/>
-              <a:t>og berigelse af events</a:t>
-            </a:r>
-          </a:p>
-          <a:p>
-            <a:r>
-              <a:rPr lang="da-DK" dirty="0" err="1"/>
-              <a:t>Schema</a:t>
-            </a:r>
-            <a:r>
-              <a:rPr lang="da-DK" dirty="0"/>
-              <a:t> Registry</a:t>
-            </a:r>
-          </a:p>
-          <a:p>
-            <a:pPr lvl="1"/>
-            <a:r>
-              <a:rPr lang="da-DK" dirty="0"/>
-              <a:t>Dataskema for </a:t>
-            </a:r>
-            <a:r>
-              <a:rPr lang="da-DK" dirty="0" err="1"/>
-              <a:t>topics</a:t>
+              <a:t>Topic</a:t>
             </a:r>
             <a:endParaRPr lang="da-DK" dirty="0"/>
           </a:p>
           <a:p>
             <a:r>
               <a:rPr lang="da-DK" dirty="0"/>
-              <a:t>Connect</a:t>
-            </a:r>
-          </a:p>
-          <a:p>
-            <a:pPr lvl="1"/>
-            <a:r>
-              <a:rPr lang="da-DK" dirty="0"/>
-              <a:t>Data import/</a:t>
-            </a:r>
-            <a:r>
-              <a:rPr lang="da-DK" dirty="0" err="1"/>
-              <a:t>export</a:t>
-            </a:r>
-            <a:r>
-              <a:rPr lang="da-DK" dirty="0"/>
-              <a:t> for event stream til og fra </a:t>
-            </a:r>
-            <a:r>
-              <a:rPr lang="da-DK" dirty="0" err="1"/>
-              <a:t>externe</a:t>
-            </a:r>
-            <a:r>
-              <a:rPr lang="da-DK" dirty="0"/>
-              <a:t> systemer</a:t>
-            </a:r>
-          </a:p>
-          <a:p>
-            <a:pPr marL="0" indent="0">
-              <a:buNone/>
-            </a:pPr>
-            <a:endParaRPr lang="da-DK" dirty="0"/>
+              <a:t>Partition</a:t>
+            </a:r>
           </a:p>
         </p:txBody>
       </p:sp>
     </p:spTree>
     <p:extLst>
       <p:ext uri="{BB962C8B-B14F-4D97-AF65-F5344CB8AC3E}">
-        <p14:creationId xmlns:p14="http://schemas.microsoft.com/office/powerpoint/2010/main" val="3462775647"/>
+        <p14:creationId xmlns:p14="http://schemas.microsoft.com/office/powerpoint/2010/main" val="4027690829"/>
       </p:ext>
     </p:extLst>
   </p:cSld>
@@ -10186,10 +11100,10 @@
       </p:grpSpPr>
       <p:sp>
         <p:nvSpPr>
-          <p:cNvPr id="2" name="Titel 1">
+          <p:cNvPr id="8" name="Titel 7">
             <a:extLst>
               <a:ext uri="{FF2B5EF4-FFF2-40B4-BE49-F238E27FC236}">
-                <a16:creationId xmlns:a16="http://schemas.microsoft.com/office/drawing/2014/main" id="{FFEC5993-EFA9-A519-83CC-AF07225CE353}"/>
+                <a16:creationId xmlns:a16="http://schemas.microsoft.com/office/drawing/2014/main" id="{964C56D4-D3DF-1B49-7986-BDEB15B6AF6E}"/>
               </a:ext>
             </a:extLst>
           </p:cNvPr>
@@ -10200,35 +11114,100 @@
             <p:ph type="title"/>
           </p:nvPr>
         </p:nvSpPr>
-        <p:spPr>
-          <a:xfrm>
-            <a:off x="0" y="0"/>
-            <a:ext cx="12192000" cy="6857999"/>
-          </a:xfrm>
-        </p:spPr>
-        <p:txBody>
-          <a:bodyPr/>
-          <a:lstStyle/>
-          <a:p>
-            <a:pPr algn="ctr"/>
-            <a:r>
-              <a:rPr lang="da-DK" dirty="0"/>
-              <a:t>Demo</a:t>
-            </a:r>
-            <a:br>
-              <a:rPr lang="da-DK" dirty="0"/>
-            </a:br>
-            <a:r>
-              <a:rPr lang="da-DK" dirty="0"/>
-              <a:t>Kafka</a:t>
-            </a:r>
+        <p:spPr/>
+        <p:txBody>
+          <a:bodyPr/>
+          <a:lstStyle/>
+          <a:p>
+            <a:r>
+              <a:rPr lang="da-DK" dirty="0"/>
+              <a:t>Apache Kafka - Hvad Er</a:t>
+            </a:r>
+          </a:p>
+        </p:txBody>
+      </p:sp>
+      <p:sp>
+        <p:nvSpPr>
+          <p:cNvPr id="9" name="Pladsholder til indhold 8">
+            <a:extLst>
+              <a:ext uri="{FF2B5EF4-FFF2-40B4-BE49-F238E27FC236}">
+                <a16:creationId xmlns:a16="http://schemas.microsoft.com/office/drawing/2014/main" id="{084956D3-F9BC-364C-BE60-DE221C9ECB77}"/>
+              </a:ext>
+            </a:extLst>
+          </p:cNvPr>
+          <p:cNvSpPr>
+            <a:spLocks noGrp="1"/>
+          </p:cNvSpPr>
+          <p:nvPr>
+            <p:ph idx="1"/>
+          </p:nvPr>
+        </p:nvSpPr>
+        <p:spPr/>
+        <p:txBody>
+          <a:bodyPr/>
+          <a:lstStyle/>
+          <a:p>
+            <a:r>
+              <a:rPr lang="da-DK" dirty="0"/>
+              <a:t>Åben-kilde event streaming platform</a:t>
+            </a:r>
+          </a:p>
+          <a:p>
+            <a:r>
+              <a:rPr lang="da-DK" dirty="0"/>
+              <a:t>Event</a:t>
+            </a:r>
+          </a:p>
+          <a:p>
+            <a:r>
+              <a:rPr lang="da-DK" dirty="0" err="1"/>
+              <a:t>Topic</a:t>
+            </a:r>
+            <a:endParaRPr lang="da-DK" dirty="0"/>
+          </a:p>
+          <a:p>
+            <a:pPr lvl="1"/>
+            <a:r>
+              <a:rPr lang="da-DK" dirty="0" err="1"/>
+              <a:t>Partitioneret</a:t>
+            </a:r>
+            <a:endParaRPr lang="da-DK" dirty="0"/>
+          </a:p>
+          <a:p>
+            <a:r>
+              <a:rPr lang="da-DK" dirty="0"/>
+              <a:t>Kommunikation via TCP</a:t>
+            </a:r>
+          </a:p>
+          <a:p>
+            <a:r>
+              <a:rPr lang="da-DK" dirty="0"/>
+              <a:t>Server/Klient kommunikation</a:t>
+            </a:r>
+          </a:p>
+          <a:p>
+            <a:r>
+              <a:rPr lang="da-DK" dirty="0"/>
+              <a:t>Event </a:t>
+            </a:r>
+            <a:r>
+              <a:rPr lang="da-DK" dirty="0" err="1"/>
+              <a:t>replikering</a:t>
+            </a:r>
+            <a:r>
+              <a:rPr lang="da-DK" dirty="0"/>
+              <a:t> </a:t>
+            </a:r>
+          </a:p>
+          <a:p>
+            <a:endParaRPr lang="da-DK" dirty="0"/>
           </a:p>
         </p:txBody>
       </p:sp>
     </p:spTree>
     <p:extLst>
       <p:ext uri="{BB962C8B-B14F-4D97-AF65-F5344CB8AC3E}">
-        <p14:creationId xmlns:p14="http://schemas.microsoft.com/office/powerpoint/2010/main" val="230170436"/>
+        <p14:creationId xmlns:p14="http://schemas.microsoft.com/office/powerpoint/2010/main" val="2863351694"/>
       </p:ext>
     </p:extLst>
   </p:cSld>
@@ -10278,22 +11257,17 @@
           <a:p>
             <a:r>
               <a:rPr lang="da-DK" dirty="0"/>
-              <a:t>Kafka - I forhold til </a:t>
-            </a:r>
-            <a:r>
-              <a:rPr lang="da-DK" dirty="0" err="1"/>
-              <a:t>RabbitMQ</a:t>
-            </a:r>
-            <a:endParaRPr lang="da-DK" dirty="0"/>
-          </a:p>
-        </p:txBody>
-      </p:sp>
-      <p:sp>
-        <p:nvSpPr>
-          <p:cNvPr id="2" name="Pladsholder til tekst 1">
+              <a:t>Apache Kafka - API</a:t>
+            </a:r>
+          </a:p>
+        </p:txBody>
+      </p:sp>
+      <p:sp>
+        <p:nvSpPr>
+          <p:cNvPr id="9" name="Pladsholder til indhold 8">
             <a:extLst>
               <a:ext uri="{FF2B5EF4-FFF2-40B4-BE49-F238E27FC236}">
-                <a16:creationId xmlns:a16="http://schemas.microsoft.com/office/drawing/2014/main" id="{52D09D76-F7EA-FB42-58D6-435CFFBC688F}"/>
+                <a16:creationId xmlns:a16="http://schemas.microsoft.com/office/drawing/2014/main" id="{084956D3-F9BC-364C-BE60-DE221C9ECB77}"/>
               </a:ext>
             </a:extLst>
           </p:cNvPr>
@@ -10301,27 +11275,78 @@
             <a:spLocks noGrp="1"/>
           </p:cNvSpPr>
           <p:nvPr>
-            <p:ph type="body" idx="1"/>
-          </p:nvPr>
-        </p:nvSpPr>
-        <p:spPr/>
-        <p:txBody>
-          <a:bodyPr/>
-          <a:lstStyle/>
-          <a:p>
-            <a:r>
-              <a:rPr lang="da-DK" dirty="0"/>
-              <a:t>Kafka</a:t>
-            </a:r>
-          </a:p>
-        </p:txBody>
-      </p:sp>
-      <p:sp>
-        <p:nvSpPr>
-          <p:cNvPr id="3" name="Pladsholder til indhold 2">
+            <p:ph sz="half" idx="1"/>
+          </p:nvPr>
+        </p:nvSpPr>
+        <p:spPr/>
+        <p:txBody>
+          <a:bodyPr>
+            <a:normAutofit/>
+          </a:bodyPr>
+          <a:lstStyle/>
+          <a:p>
+            <a:r>
+              <a:rPr lang="da-DK" dirty="0" err="1"/>
+              <a:t>Admin</a:t>
+            </a:r>
+            <a:r>
+              <a:rPr lang="da-DK" dirty="0"/>
+              <a:t> API </a:t>
+            </a:r>
+          </a:p>
+          <a:p>
+            <a:pPr lvl="1"/>
+            <a:r>
+              <a:rPr lang="da-DK" dirty="0"/>
+              <a:t>Styring og inspicere af </a:t>
+            </a:r>
+          </a:p>
+          <a:p>
+            <a:pPr lvl="2"/>
+            <a:r>
+              <a:rPr lang="da-DK" dirty="0" err="1"/>
+              <a:t>Topics</a:t>
+            </a:r>
+            <a:r>
+              <a:rPr lang="da-DK" dirty="0"/>
+              <a:t> </a:t>
+            </a:r>
+          </a:p>
+          <a:p>
+            <a:pPr lvl="2"/>
+            <a:r>
+              <a:rPr lang="da-DK" dirty="0"/>
+              <a:t>Brokers </a:t>
+            </a:r>
+          </a:p>
+          <a:p>
+            <a:pPr lvl="2"/>
+            <a:r>
+              <a:rPr lang="da-DK" dirty="0"/>
+              <a:t>Andre Kafka objekter</a:t>
+            </a:r>
+          </a:p>
+          <a:p>
+            <a:r>
+              <a:rPr lang="da-DK" dirty="0"/>
+              <a:t>Producer API</a:t>
+            </a:r>
+          </a:p>
+          <a:p>
+            <a:pPr lvl="1"/>
+            <a:r>
+              <a:rPr lang="da-DK" dirty="0"/>
+              <a:t>Skrivning af events</a:t>
+            </a:r>
+          </a:p>
+        </p:txBody>
+      </p:sp>
+      <p:sp>
+        <p:nvSpPr>
+          <p:cNvPr id="2" name="Pladsholder til indhold 1">
             <a:extLst>
               <a:ext uri="{FF2B5EF4-FFF2-40B4-BE49-F238E27FC236}">
-                <a16:creationId xmlns:a16="http://schemas.microsoft.com/office/drawing/2014/main" id="{339997B2-9ED5-7B5A-EBCA-3B5D07672F58}"/>
+                <a16:creationId xmlns:a16="http://schemas.microsoft.com/office/drawing/2014/main" id="{B3D68E9F-7A13-0520-7007-D08D335AD623}"/>
               </a:ext>
             </a:extLst>
           </p:cNvPr>
@@ -10334,121 +11359,65 @@
         </p:nvSpPr>
         <p:spPr/>
         <p:txBody>
-          <a:bodyPr/>
-          <a:lstStyle/>
+          <a:bodyPr>
+            <a:normAutofit/>
+          </a:bodyPr>
+          <a:lstStyle/>
+          <a:p>
+            <a:r>
+              <a:rPr lang="da-DK" dirty="0"/>
+              <a:t>Consumer API</a:t>
+            </a:r>
+          </a:p>
+          <a:p>
+            <a:pPr lvl="1"/>
+            <a:r>
+              <a:rPr lang="da-DK" dirty="0"/>
+              <a:t>Læsning af event</a:t>
+            </a:r>
+          </a:p>
           <a:p>
             <a:r>
               <a:rPr lang="da-DK" dirty="0" err="1"/>
-              <a:t>Topic</a:t>
+              <a:t>Streams</a:t>
+            </a:r>
+            <a:r>
+              <a:rPr lang="da-DK" dirty="0"/>
+              <a:t> API</a:t>
+            </a:r>
+          </a:p>
+          <a:p>
+            <a:pPr lvl="1"/>
+            <a:r>
+              <a:rPr lang="da-DK" dirty="0"/>
+              <a:t>Processering af event </a:t>
+            </a:r>
+            <a:r>
+              <a:rPr lang="da-DK" dirty="0" err="1"/>
+              <a:t>streams</a:t>
+            </a:r>
+            <a:r>
+              <a:rPr lang="da-DK" dirty="0"/>
+              <a:t> applikationer og </a:t>
+            </a:r>
+            <a:r>
+              <a:rPr lang="da-DK" dirty="0" err="1"/>
+              <a:t>microseriver</a:t>
             </a:r>
             <a:endParaRPr lang="da-DK" dirty="0"/>
           </a:p>
           <a:p>
-            <a:r>
-              <a:rPr lang="da-DK" dirty="0"/>
-              <a:t>Kan have skema	</a:t>
-            </a:r>
-          </a:p>
-          <a:p>
-            <a:r>
-              <a:rPr lang="da-DK" dirty="0" err="1"/>
-              <a:t>Komplext</a:t>
-            </a:r>
+            <a:pPr marL="0" indent="0">
+              <a:buNone/>
+            </a:pPr>
             <a:endParaRPr lang="da-DK" dirty="0"/>
-          </a:p>
-          <a:p>
-            <a:r>
-              <a:rPr lang="da-DK" dirty="0"/>
-              <a:t>Event</a:t>
-            </a:r>
-          </a:p>
-        </p:txBody>
-      </p:sp>
-      <p:sp>
-        <p:nvSpPr>
-          <p:cNvPr id="4" name="Pladsholder til tekst 3">
-            <a:extLst>
-              <a:ext uri="{FF2B5EF4-FFF2-40B4-BE49-F238E27FC236}">
-                <a16:creationId xmlns:a16="http://schemas.microsoft.com/office/drawing/2014/main" id="{D2BCD25E-3062-C776-FDCD-8724CFA931AE}"/>
-              </a:ext>
-            </a:extLst>
-          </p:cNvPr>
-          <p:cNvSpPr>
-            <a:spLocks noGrp="1"/>
-          </p:cNvSpPr>
-          <p:nvPr>
-            <p:ph type="body" sz="quarter" idx="3"/>
-          </p:nvPr>
-        </p:nvSpPr>
-        <p:spPr/>
-        <p:txBody>
-          <a:bodyPr/>
-          <a:lstStyle/>
-          <a:p>
-            <a:r>
-              <a:rPr lang="da-DK" dirty="0" err="1"/>
-              <a:t>RabbitMQ</a:t>
-            </a:r>
-            <a:endParaRPr lang="da-DK" dirty="0"/>
-          </a:p>
-        </p:txBody>
-      </p:sp>
-      <p:sp>
-        <p:nvSpPr>
-          <p:cNvPr id="5" name="Pladsholder til indhold 4">
-            <a:extLst>
-              <a:ext uri="{FF2B5EF4-FFF2-40B4-BE49-F238E27FC236}">
-                <a16:creationId xmlns:a16="http://schemas.microsoft.com/office/drawing/2014/main" id="{A6395EEA-AED6-2FD6-EC89-277DA9898817}"/>
-              </a:ext>
-            </a:extLst>
-          </p:cNvPr>
-          <p:cNvSpPr>
-            <a:spLocks noGrp="1"/>
-          </p:cNvSpPr>
-          <p:nvPr>
-            <p:ph sz="quarter" idx="4"/>
-          </p:nvPr>
-        </p:nvSpPr>
-        <p:spPr/>
-        <p:txBody>
-          <a:bodyPr/>
-          <a:lstStyle/>
-          <a:p>
-            <a:r>
-              <a:rPr lang="da-DK" dirty="0"/>
-              <a:t>Queue</a:t>
-            </a:r>
-          </a:p>
-          <a:p>
-            <a:r>
-              <a:rPr lang="da-DK" dirty="0"/>
-              <a:t>Intet skema</a:t>
-            </a:r>
-          </a:p>
-          <a:p>
-            <a:r>
-              <a:rPr lang="da-DK" dirty="0"/>
-              <a:t>RPC</a:t>
-            </a:r>
-          </a:p>
-          <a:p>
-            <a:r>
-              <a:rPr lang="da-DK" dirty="0"/>
-              <a:t>Simpelt</a:t>
-            </a:r>
-          </a:p>
-          <a:p>
-            <a:r>
-              <a:rPr lang="da-DK" dirty="0"/>
-              <a:t>Message</a:t>
-            </a:r>
           </a:p>
         </p:txBody>
       </p:sp>
     </p:spTree>
     <p:extLst>
       <p:ext uri="{BB962C8B-B14F-4D97-AF65-F5344CB8AC3E}">
-        <p14:creationId xmlns:p14="http://schemas.microsoft.com/office/powerpoint/2010/main" val="1977421596"/>
+        <p14:creationId xmlns:p14="http://schemas.microsoft.com/office/powerpoint/2010/main" val="122632923"/>
       </p:ext>
     </p:extLst>
   </p:cSld>
@@ -10597,6 +11566,514 @@
           <a:p>
             <a:r>
               <a:rPr lang="da-DK" dirty="0"/>
+              <a:t>Apache Kafka - Dele</a:t>
+            </a:r>
+          </a:p>
+        </p:txBody>
+      </p:sp>
+      <p:sp>
+        <p:nvSpPr>
+          <p:cNvPr id="9" name="Pladsholder til indhold 8">
+            <a:extLst>
+              <a:ext uri="{FF2B5EF4-FFF2-40B4-BE49-F238E27FC236}">
+                <a16:creationId xmlns:a16="http://schemas.microsoft.com/office/drawing/2014/main" id="{084956D3-F9BC-364C-BE60-DE221C9ECB77}"/>
+              </a:ext>
+            </a:extLst>
+          </p:cNvPr>
+          <p:cNvSpPr>
+            <a:spLocks noGrp="1"/>
+          </p:cNvSpPr>
+          <p:nvPr>
+            <p:ph idx="1"/>
+          </p:nvPr>
+        </p:nvSpPr>
+        <p:spPr/>
+        <p:txBody>
+          <a:bodyPr>
+            <a:normAutofit/>
+          </a:bodyPr>
+          <a:lstStyle/>
+          <a:p>
+            <a:r>
+              <a:rPr lang="da-DK" dirty="0"/>
+              <a:t>Broker</a:t>
+            </a:r>
+          </a:p>
+          <a:p>
+            <a:pPr lvl="1"/>
+            <a:r>
+              <a:rPr lang="da-DK" dirty="0"/>
+              <a:t>Lager servicer</a:t>
+            </a:r>
+          </a:p>
+          <a:p>
+            <a:r>
+              <a:rPr lang="da-DK" dirty="0"/>
+              <a:t>Controller </a:t>
+            </a:r>
+          </a:p>
+          <a:p>
+            <a:pPr lvl="1"/>
+            <a:r>
+              <a:rPr lang="da-DK" dirty="0"/>
+              <a:t>Styre at events bliver </a:t>
+            </a:r>
+            <a:r>
+              <a:rPr lang="da-DK" dirty="0" err="1"/>
+              <a:t>replikeret</a:t>
+            </a:r>
+            <a:r>
+              <a:rPr lang="da-DK" dirty="0"/>
+              <a:t> og administrative opgaver</a:t>
+            </a:r>
+          </a:p>
+          <a:p>
+            <a:r>
+              <a:rPr lang="da-DK" dirty="0"/>
+              <a:t>Stream</a:t>
+            </a:r>
+          </a:p>
+          <a:p>
+            <a:pPr lvl="1"/>
+            <a:r>
+              <a:rPr lang="da-DK" dirty="0"/>
+              <a:t>Real-Time transformering og berigelse af events</a:t>
+            </a:r>
+          </a:p>
+          <a:p>
+            <a:r>
+              <a:rPr lang="da-DK" dirty="0" err="1"/>
+              <a:t>Schema</a:t>
+            </a:r>
+            <a:r>
+              <a:rPr lang="da-DK" dirty="0"/>
+              <a:t> Registry</a:t>
+            </a:r>
+          </a:p>
+          <a:p>
+            <a:pPr lvl="1"/>
+            <a:r>
+              <a:rPr lang="da-DK" dirty="0"/>
+              <a:t>Dataskema for </a:t>
+            </a:r>
+            <a:r>
+              <a:rPr lang="da-DK" dirty="0" err="1"/>
+              <a:t>topics</a:t>
+            </a:r>
+            <a:endParaRPr lang="da-DK" dirty="0"/>
+          </a:p>
+          <a:p>
+            <a:r>
+              <a:rPr lang="da-DK" dirty="0"/>
+              <a:t>Connect</a:t>
+            </a:r>
+          </a:p>
+          <a:p>
+            <a:pPr lvl="1"/>
+            <a:r>
+              <a:rPr lang="da-DK" dirty="0"/>
+              <a:t>Data import/</a:t>
+            </a:r>
+            <a:r>
+              <a:rPr lang="da-DK" dirty="0" err="1"/>
+              <a:t>export</a:t>
+            </a:r>
+            <a:r>
+              <a:rPr lang="da-DK" dirty="0"/>
+              <a:t> for event stream til og fra </a:t>
+            </a:r>
+            <a:r>
+              <a:rPr lang="da-DK" dirty="0" err="1"/>
+              <a:t>externe</a:t>
+            </a:r>
+            <a:r>
+              <a:rPr lang="da-DK" dirty="0"/>
+              <a:t> systemer</a:t>
+            </a:r>
+          </a:p>
+          <a:p>
+            <a:pPr marL="0" indent="0">
+              <a:buNone/>
+            </a:pPr>
+            <a:endParaRPr lang="da-DK" dirty="0"/>
+          </a:p>
+        </p:txBody>
+      </p:sp>
+    </p:spTree>
+    <p:extLst>
+      <p:ext uri="{BB962C8B-B14F-4D97-AF65-F5344CB8AC3E}">
+        <p14:creationId xmlns:p14="http://schemas.microsoft.com/office/powerpoint/2010/main" val="3462775647"/>
+      </p:ext>
+    </p:extLst>
+  </p:cSld>
+  <p:clrMapOvr>
+    <a:masterClrMapping/>
+  </p:clrMapOvr>
+</p:sld>
+</file>
+
+<file path=ppt/slides/slide31.xml><?xml version="1.0" encoding="utf-8"?>
+<p:sld xmlns:a="http://schemas.openxmlformats.org/drawingml/2006/main" xmlns:r="http://schemas.openxmlformats.org/officeDocument/2006/relationships" xmlns:p="http://schemas.openxmlformats.org/presentationml/2006/main">
+  <p:cSld>
+    <p:spTree>
+      <p:nvGrpSpPr>
+        <p:cNvPr id="1" name=""/>
+        <p:cNvGrpSpPr/>
+        <p:nvPr/>
+      </p:nvGrpSpPr>
+      <p:grpSpPr>
+        <a:xfrm>
+          <a:off x="0" y="0"/>
+          <a:ext cx="0" cy="0"/>
+          <a:chOff x="0" y="0"/>
+          <a:chExt cx="0" cy="0"/>
+        </a:xfrm>
+      </p:grpSpPr>
+      <p:sp>
+        <p:nvSpPr>
+          <p:cNvPr id="2" name="Titel 1">
+            <a:extLst>
+              <a:ext uri="{FF2B5EF4-FFF2-40B4-BE49-F238E27FC236}">
+                <a16:creationId xmlns:a16="http://schemas.microsoft.com/office/drawing/2014/main" id="{FFEC5993-EFA9-A519-83CC-AF07225CE353}"/>
+              </a:ext>
+            </a:extLst>
+          </p:cNvPr>
+          <p:cNvSpPr>
+            <a:spLocks noGrp="1"/>
+          </p:cNvSpPr>
+          <p:nvPr>
+            <p:ph type="title"/>
+          </p:nvPr>
+        </p:nvSpPr>
+        <p:spPr>
+          <a:xfrm>
+            <a:off x="0" y="0"/>
+            <a:ext cx="12192000" cy="6857999"/>
+          </a:xfrm>
+        </p:spPr>
+        <p:txBody>
+          <a:bodyPr/>
+          <a:lstStyle/>
+          <a:p>
+            <a:pPr algn="ctr"/>
+            <a:r>
+              <a:rPr lang="da-DK" dirty="0"/>
+              <a:t>Demo</a:t>
+            </a:r>
+            <a:br>
+              <a:rPr lang="da-DK" dirty="0"/>
+            </a:br>
+            <a:r>
+              <a:rPr lang="da-DK" dirty="0"/>
+              <a:t>Kafka</a:t>
+            </a:r>
+          </a:p>
+        </p:txBody>
+      </p:sp>
+    </p:spTree>
+    <p:extLst>
+      <p:ext uri="{BB962C8B-B14F-4D97-AF65-F5344CB8AC3E}">
+        <p14:creationId xmlns:p14="http://schemas.microsoft.com/office/powerpoint/2010/main" val="230170436"/>
+      </p:ext>
+    </p:extLst>
+  </p:cSld>
+  <p:clrMapOvr>
+    <a:masterClrMapping/>
+  </p:clrMapOvr>
+</p:sld>
+</file>
+
+<file path=ppt/slides/slide32.xml><?xml version="1.0" encoding="utf-8"?>
+<p:sld xmlns:a="http://schemas.openxmlformats.org/drawingml/2006/main" xmlns:r="http://schemas.openxmlformats.org/officeDocument/2006/relationships" xmlns:p="http://schemas.openxmlformats.org/presentationml/2006/main">
+  <p:cSld>
+    <p:spTree>
+      <p:nvGrpSpPr>
+        <p:cNvPr id="1" name=""/>
+        <p:cNvGrpSpPr/>
+        <p:nvPr/>
+      </p:nvGrpSpPr>
+      <p:grpSpPr>
+        <a:xfrm>
+          <a:off x="0" y="0"/>
+          <a:ext cx="0" cy="0"/>
+          <a:chOff x="0" y="0"/>
+          <a:chExt cx="0" cy="0"/>
+        </a:xfrm>
+      </p:grpSpPr>
+      <p:sp>
+        <p:nvSpPr>
+          <p:cNvPr id="8" name="Titel 7">
+            <a:extLst>
+              <a:ext uri="{FF2B5EF4-FFF2-40B4-BE49-F238E27FC236}">
+                <a16:creationId xmlns:a16="http://schemas.microsoft.com/office/drawing/2014/main" id="{964C56D4-D3DF-1B49-7986-BDEB15B6AF6E}"/>
+              </a:ext>
+            </a:extLst>
+          </p:cNvPr>
+          <p:cNvSpPr>
+            <a:spLocks noGrp="1"/>
+          </p:cNvSpPr>
+          <p:nvPr>
+            <p:ph type="title"/>
+          </p:nvPr>
+        </p:nvSpPr>
+        <p:spPr/>
+        <p:txBody>
+          <a:bodyPr/>
+          <a:lstStyle/>
+          <a:p>
+            <a:r>
+              <a:rPr lang="da-DK" dirty="0"/>
+              <a:t>Kafka - I forhold til </a:t>
+            </a:r>
+            <a:r>
+              <a:rPr lang="da-DK" dirty="0" err="1"/>
+              <a:t>RabbitMQ</a:t>
+            </a:r>
+            <a:endParaRPr lang="da-DK" dirty="0"/>
+          </a:p>
+        </p:txBody>
+      </p:sp>
+      <p:sp>
+        <p:nvSpPr>
+          <p:cNvPr id="2" name="Pladsholder til tekst 1">
+            <a:extLst>
+              <a:ext uri="{FF2B5EF4-FFF2-40B4-BE49-F238E27FC236}">
+                <a16:creationId xmlns:a16="http://schemas.microsoft.com/office/drawing/2014/main" id="{52D09D76-F7EA-FB42-58D6-435CFFBC688F}"/>
+              </a:ext>
+            </a:extLst>
+          </p:cNvPr>
+          <p:cNvSpPr>
+            <a:spLocks noGrp="1"/>
+          </p:cNvSpPr>
+          <p:nvPr>
+            <p:ph type="body" idx="1"/>
+          </p:nvPr>
+        </p:nvSpPr>
+        <p:spPr/>
+        <p:txBody>
+          <a:bodyPr/>
+          <a:lstStyle/>
+          <a:p>
+            <a:r>
+              <a:rPr lang="da-DK" dirty="0"/>
+              <a:t>Kafka</a:t>
+            </a:r>
+          </a:p>
+        </p:txBody>
+      </p:sp>
+      <p:sp>
+        <p:nvSpPr>
+          <p:cNvPr id="3" name="Pladsholder til indhold 2">
+            <a:extLst>
+              <a:ext uri="{FF2B5EF4-FFF2-40B4-BE49-F238E27FC236}">
+                <a16:creationId xmlns:a16="http://schemas.microsoft.com/office/drawing/2014/main" id="{339997B2-9ED5-7B5A-EBCA-3B5D07672F58}"/>
+              </a:ext>
+            </a:extLst>
+          </p:cNvPr>
+          <p:cNvSpPr>
+            <a:spLocks noGrp="1"/>
+          </p:cNvSpPr>
+          <p:nvPr>
+            <p:ph sz="half" idx="2"/>
+          </p:nvPr>
+        </p:nvSpPr>
+        <p:spPr/>
+        <p:txBody>
+          <a:bodyPr/>
+          <a:lstStyle/>
+          <a:p>
+            <a:r>
+              <a:rPr lang="da-DK" dirty="0" err="1"/>
+              <a:t>Topic</a:t>
+            </a:r>
+            <a:endParaRPr lang="da-DK" dirty="0"/>
+          </a:p>
+          <a:p>
+            <a:r>
+              <a:rPr lang="da-DK" dirty="0"/>
+              <a:t>Kan have skema	</a:t>
+            </a:r>
+          </a:p>
+          <a:p>
+            <a:r>
+              <a:rPr lang="da-DK" dirty="0"/>
+              <a:t>Event</a:t>
+            </a:r>
+          </a:p>
+          <a:p>
+            <a:r>
+              <a:rPr lang="da-DK" dirty="0"/>
+              <a:t>Understøtter ikke </a:t>
+            </a:r>
+            <a:r>
+              <a:rPr lang="da-DK" dirty="0" err="1"/>
+              <a:t>Request</a:t>
+            </a:r>
+            <a:r>
+              <a:rPr lang="da-DK" dirty="0"/>
+              <a:t>/</a:t>
+            </a:r>
+            <a:r>
+              <a:rPr lang="da-DK" dirty="0" err="1"/>
+              <a:t>Response</a:t>
+            </a:r>
+            <a:endParaRPr lang="da-DK" dirty="0"/>
+          </a:p>
+          <a:p>
+            <a:r>
+              <a:rPr lang="da-DK" dirty="0"/>
+              <a:t>Consumer kan kun oprette </a:t>
+            </a:r>
+            <a:r>
+              <a:rPr lang="da-DK" dirty="0" err="1"/>
+              <a:t>topic</a:t>
+            </a:r>
+            <a:r>
+              <a:rPr lang="da-DK" dirty="0"/>
+              <a:t>, hvis broker tillader det</a:t>
+            </a:r>
+          </a:p>
+        </p:txBody>
+      </p:sp>
+      <p:sp>
+        <p:nvSpPr>
+          <p:cNvPr id="4" name="Pladsholder til tekst 3">
+            <a:extLst>
+              <a:ext uri="{FF2B5EF4-FFF2-40B4-BE49-F238E27FC236}">
+                <a16:creationId xmlns:a16="http://schemas.microsoft.com/office/drawing/2014/main" id="{D2BCD25E-3062-C776-FDCD-8724CFA931AE}"/>
+              </a:ext>
+            </a:extLst>
+          </p:cNvPr>
+          <p:cNvSpPr>
+            <a:spLocks noGrp="1"/>
+          </p:cNvSpPr>
+          <p:nvPr>
+            <p:ph type="body" sz="quarter" idx="3"/>
+          </p:nvPr>
+        </p:nvSpPr>
+        <p:spPr/>
+        <p:txBody>
+          <a:bodyPr/>
+          <a:lstStyle/>
+          <a:p>
+            <a:r>
+              <a:rPr lang="da-DK" dirty="0" err="1"/>
+              <a:t>RabbitMQ</a:t>
+            </a:r>
+            <a:endParaRPr lang="da-DK" dirty="0"/>
+          </a:p>
+        </p:txBody>
+      </p:sp>
+      <p:sp>
+        <p:nvSpPr>
+          <p:cNvPr id="5" name="Pladsholder til indhold 4">
+            <a:extLst>
+              <a:ext uri="{FF2B5EF4-FFF2-40B4-BE49-F238E27FC236}">
+                <a16:creationId xmlns:a16="http://schemas.microsoft.com/office/drawing/2014/main" id="{A6395EEA-AED6-2FD6-EC89-277DA9898817}"/>
+              </a:ext>
+            </a:extLst>
+          </p:cNvPr>
+          <p:cNvSpPr>
+            <a:spLocks noGrp="1"/>
+          </p:cNvSpPr>
+          <p:nvPr>
+            <p:ph sz="quarter" idx="4"/>
+          </p:nvPr>
+        </p:nvSpPr>
+        <p:spPr/>
+        <p:txBody>
+          <a:bodyPr/>
+          <a:lstStyle/>
+          <a:p>
+            <a:r>
+              <a:rPr lang="da-DK" dirty="0"/>
+              <a:t>Queue</a:t>
+            </a:r>
+          </a:p>
+          <a:p>
+            <a:r>
+              <a:rPr lang="da-DK" dirty="0"/>
+              <a:t>Intet skema</a:t>
+            </a:r>
+          </a:p>
+          <a:p>
+            <a:r>
+              <a:rPr lang="da-DK" dirty="0"/>
+              <a:t>Message</a:t>
+            </a:r>
+          </a:p>
+          <a:p>
+            <a:r>
+              <a:rPr lang="da-DK" dirty="0"/>
+              <a:t>Remote Procedure Call</a:t>
+            </a:r>
+          </a:p>
+          <a:p>
+            <a:r>
+              <a:rPr lang="da-DK" dirty="0"/>
+              <a:t>Consumer kan selv oprette </a:t>
+            </a:r>
+            <a:r>
+              <a:rPr lang="da-DK" dirty="0" err="1"/>
+              <a:t>queue</a:t>
+            </a:r>
+            <a:endParaRPr lang="da-DK" dirty="0"/>
+          </a:p>
+        </p:txBody>
+      </p:sp>
+    </p:spTree>
+    <p:extLst>
+      <p:ext uri="{BB962C8B-B14F-4D97-AF65-F5344CB8AC3E}">
+        <p14:creationId xmlns:p14="http://schemas.microsoft.com/office/powerpoint/2010/main" val="1977421596"/>
+      </p:ext>
+    </p:extLst>
+  </p:cSld>
+  <p:clrMapOvr>
+    <a:masterClrMapping/>
+  </p:clrMapOvr>
+</p:sld>
+</file>
+
+<file path=ppt/slides/slide33.xml><?xml version="1.0" encoding="utf-8"?>
+<p:sld xmlns:a="http://schemas.openxmlformats.org/drawingml/2006/main" xmlns:r="http://schemas.openxmlformats.org/officeDocument/2006/relationships" xmlns:p="http://schemas.openxmlformats.org/presentationml/2006/main">
+  <p:cSld>
+    <p:spTree>
+      <p:nvGrpSpPr>
+        <p:cNvPr id="1" name=""/>
+        <p:cNvGrpSpPr/>
+        <p:nvPr/>
+      </p:nvGrpSpPr>
+      <p:grpSpPr>
+        <a:xfrm>
+          <a:off x="0" y="0"/>
+          <a:ext cx="0" cy="0"/>
+          <a:chOff x="0" y="0"/>
+          <a:chExt cx="0" cy="0"/>
+        </a:xfrm>
+      </p:grpSpPr>
+      <p:sp>
+        <p:nvSpPr>
+          <p:cNvPr id="8" name="Titel 7">
+            <a:extLst>
+              <a:ext uri="{FF2B5EF4-FFF2-40B4-BE49-F238E27FC236}">
+                <a16:creationId xmlns:a16="http://schemas.microsoft.com/office/drawing/2014/main" id="{964C56D4-D3DF-1B49-7986-BDEB15B6AF6E}"/>
+              </a:ext>
+            </a:extLst>
+          </p:cNvPr>
+          <p:cNvSpPr>
+            <a:spLocks noGrp="1"/>
+          </p:cNvSpPr>
+          <p:nvPr>
+            <p:ph type="title"/>
+          </p:nvPr>
+        </p:nvSpPr>
+        <p:spPr/>
+        <p:txBody>
+          <a:bodyPr/>
+          <a:lstStyle/>
+          <a:p>
+            <a:r>
+              <a:rPr lang="da-DK" dirty="0"/>
               <a:t>Kafka - Hvis brugt i produktet</a:t>
             </a:r>
           </a:p>
@@ -10674,7 +12151,7 @@
 </p:sld>
 </file>
 
-<file path=ppt/slides/slide31.xml><?xml version="1.0" encoding="utf-8"?>
+<file path=ppt/slides/slide34.xml><?xml version="1.0" encoding="utf-8"?>
 <p:sld xmlns:a="http://schemas.openxmlformats.org/drawingml/2006/main" xmlns:r="http://schemas.openxmlformats.org/officeDocument/2006/relationships" xmlns:p="http://schemas.openxmlformats.org/presentationml/2006/main">
   <p:cSld>
     <p:spTree>
@@ -10775,7 +12252,7 @@
 </p:sld>
 </file>
 
-<file path=ppt/slides/slide32.xml><?xml version="1.0" encoding="utf-8"?>
+<file path=ppt/slides/slide35.xml><?xml version="1.0" encoding="utf-8"?>
 <p:sld xmlns:a="http://schemas.openxmlformats.org/drawingml/2006/main" xmlns:r="http://schemas.openxmlformats.org/officeDocument/2006/relationships" xmlns:p="http://schemas.openxmlformats.org/presentationml/2006/main">
   <p:cSld>
     <p:spTree>
@@ -10841,7 +12318,82 @@
           <a:bodyPr/>
           <a:lstStyle/>
           <a:p>
-            <a:endParaRPr lang="da-DK"/>
+            <a:r>
+              <a:rPr lang="da-DK" dirty="0"/>
+              <a:t>[1] M. Fowler: </a:t>
+            </a:r>
+            <a:r>
+              <a:rPr lang="da-DK" dirty="0">
+                <a:hlinkClick r:id="rId2"/>
+              </a:rPr>
+              <a:t>https://martinfowler.com/bliki/UbiquitousLanguage.html</a:t>
+            </a:r>
+            <a:r>
+              <a:rPr lang="da-DK" dirty="0"/>
+              <a:t> (3/5/2024</a:t>
+            </a:r>
+          </a:p>
+          <a:p>
+            <a:r>
+              <a:rPr lang="da-DK" dirty="0"/>
+              <a:t>[2] Microsoft: </a:t>
+            </a:r>
+            <a:r>
+              <a:rPr lang="da-DK" dirty="0">
+                <a:hlinkClick r:id="rId3"/>
+              </a:rPr>
+              <a:t>https://learn.microsoft.com/en-us/dotnet/architecture/microservices/microservice-ddd-cqrs-patterns/ddd-oriented-microservice</a:t>
+            </a:r>
+            <a:r>
+              <a:rPr lang="da-DK" dirty="0"/>
+              <a:t> (8/5/2024)</a:t>
+            </a:r>
+          </a:p>
+          <a:p>
+            <a:r>
+              <a:rPr lang="da-DK" dirty="0"/>
+              <a:t>[3] </a:t>
+            </a:r>
+            <a:r>
+              <a:rPr lang="da-DK" dirty="0" err="1"/>
+              <a:t>WebAssembly</a:t>
+            </a:r>
+            <a:r>
+              <a:rPr lang="da-DK" dirty="0"/>
+              <a:t>: </a:t>
+            </a:r>
+            <a:r>
+              <a:rPr lang="da-DK" dirty="0">
+                <a:hlinkClick r:id="rId4"/>
+              </a:rPr>
+              <a:t>https://webassembly.org/docs/faq/</a:t>
+            </a:r>
+            <a:r>
+              <a:rPr lang="da-DK" dirty="0"/>
+              <a:t> (8/5/2024)</a:t>
+            </a:r>
+          </a:p>
+          <a:p>
+            <a:r>
+              <a:rPr lang="da-DK" dirty="0"/>
+              <a:t>[4] Apache Kafka: </a:t>
+            </a:r>
+            <a:r>
+              <a:rPr lang="da-DK" dirty="0">
+                <a:hlinkClick r:id="rId5"/>
+              </a:rPr>
+              <a:t>https://kafka.apache.org/documentation</a:t>
+            </a:r>
+            <a:r>
+              <a:rPr lang="da-DK" dirty="0"/>
+              <a:t> (6/5/2024)</a:t>
+            </a:r>
+          </a:p>
+          <a:p>
+            <a:endParaRPr lang="da-DK" dirty="0"/>
+          </a:p>
+          <a:p>
+            <a:endParaRPr lang="da-DK" dirty="0"/>
           </a:p>
         </p:txBody>
       </p:sp>
@@ -11216,73 +12768,6 @@
           </a:p>
         </p:txBody>
       </p:sp>
-      <p:sp>
-        <p:nvSpPr>
-          <p:cNvPr id="16" name="Pladsholder til indhold 15">
-            <a:extLst>
-              <a:ext uri="{FF2B5EF4-FFF2-40B4-BE49-F238E27FC236}">
-                <a16:creationId xmlns:a16="http://schemas.microsoft.com/office/drawing/2014/main" id="{4D666D61-6229-4D71-8B14-6B2353E0CA38}"/>
-              </a:ext>
-            </a:extLst>
-          </p:cNvPr>
-          <p:cNvSpPr>
-            <a:spLocks noGrp="1"/>
-          </p:cNvSpPr>
-          <p:nvPr>
-            <p:ph sz="half" idx="2"/>
-          </p:nvPr>
-        </p:nvSpPr>
-        <p:spPr/>
-        <p:txBody>
-          <a:bodyPr/>
-          <a:lstStyle/>
-          <a:p>
-            <a:r>
-              <a:rPr lang="da-DK" dirty="0"/>
-              <a:t>Domain og Application Service </a:t>
-            </a:r>
-            <a:r>
-              <a:rPr lang="da-DK" dirty="0" err="1"/>
-              <a:t>Layer</a:t>
-            </a:r>
-            <a:endParaRPr lang="da-DK" dirty="0"/>
-          </a:p>
-          <a:p>
-            <a:r>
-              <a:rPr lang="da-DK" dirty="0" err="1"/>
-              <a:t>Infrastructure</a:t>
-            </a:r>
-            <a:r>
-              <a:rPr lang="da-DK" dirty="0"/>
-              <a:t> </a:t>
-            </a:r>
-            <a:r>
-              <a:rPr lang="da-DK" dirty="0" err="1"/>
-              <a:t>Persistance</a:t>
-            </a:r>
-            <a:r>
-              <a:rPr lang="da-DK" dirty="0"/>
-              <a:t> </a:t>
-            </a:r>
-            <a:r>
-              <a:rPr lang="da-DK" dirty="0" err="1"/>
-              <a:t>Layer</a:t>
-            </a:r>
-            <a:endParaRPr lang="da-DK" dirty="0"/>
-          </a:p>
-          <a:p>
-            <a:r>
-              <a:rPr lang="da-DK" dirty="0"/>
-              <a:t>Domain </a:t>
-            </a:r>
-            <a:r>
-              <a:rPr lang="da-DK" dirty="0" err="1"/>
-              <a:t>Layer</a:t>
-            </a:r>
-            <a:endParaRPr lang="da-DK" dirty="0"/>
-          </a:p>
-        </p:txBody>
-      </p:sp>
       <p:pic>
         <p:nvPicPr>
           <p:cNvPr id="20" name="Pladsholder til indhold 19">
@@ -11318,6 +12803,31 @@
           </a:xfrm>
         </p:spPr>
       </p:pic>
+      <p:sp>
+        <p:nvSpPr>
+          <p:cNvPr id="4" name="Pladsholder til indhold 3">
+            <a:extLst>
+              <a:ext uri="{FF2B5EF4-FFF2-40B4-BE49-F238E27FC236}">
+                <a16:creationId xmlns:a16="http://schemas.microsoft.com/office/drawing/2014/main" id="{56AA19B8-0519-D331-8F44-26F301E0C792}"/>
+              </a:ext>
+            </a:extLst>
+          </p:cNvPr>
+          <p:cNvSpPr>
+            <a:spLocks noGrp="1"/>
+          </p:cNvSpPr>
+          <p:nvPr>
+            <p:ph sz="half" idx="2"/>
+          </p:nvPr>
+        </p:nvSpPr>
+        <p:spPr/>
+        <p:txBody>
+          <a:bodyPr/>
+          <a:lstStyle/>
+          <a:p>
+            <a:endParaRPr lang="da-DK"/>
+          </a:p>
+        </p:txBody>
+      </p:sp>
     </p:spTree>
     <p:extLst>
       <p:ext uri="{BB962C8B-B14F-4D97-AF65-F5344CB8AC3E}">
@@ -11393,7 +12903,7 @@
           </p:nvPr>
         </p:nvPicPr>
         <p:blipFill>
-          <a:blip r:embed="rId2">
+          <a:blip r:embed="rId3">
             <a:extLst>
               <a:ext uri="{28A0092B-C50C-407E-A947-70E740481C1C}">
                 <a14:useLocalDpi xmlns:a14="http://schemas.microsoft.com/office/drawing/2010/main" val="0"/>
@@ -11432,40 +12942,6 @@
           <a:bodyPr/>
           <a:lstStyle/>
           <a:p>
-            <a:r>
-              <a:rPr lang="da-DK" dirty="0"/>
-              <a:t>Presentation </a:t>
-            </a:r>
-            <a:r>
-              <a:rPr lang="da-DK" dirty="0" err="1"/>
-              <a:t>Layer</a:t>
-            </a:r>
-            <a:endParaRPr lang="da-DK" dirty="0"/>
-          </a:p>
-          <a:p>
-            <a:r>
-              <a:rPr lang="da-DK" dirty="0"/>
-              <a:t>Application Service </a:t>
-            </a:r>
-            <a:r>
-              <a:rPr lang="da-DK" dirty="0" err="1"/>
-              <a:t>Layer</a:t>
-            </a:r>
-            <a:endParaRPr lang="da-DK" dirty="0"/>
-          </a:p>
-          <a:p>
-            <a:r>
-              <a:rPr lang="da-DK" dirty="0" err="1"/>
-              <a:t>Infrastructure</a:t>
-            </a:r>
-            <a:r>
-              <a:rPr lang="da-DK" dirty="0"/>
-              <a:t> </a:t>
-            </a:r>
-            <a:r>
-              <a:rPr lang="da-DK" dirty="0" err="1"/>
-              <a:t>Layer</a:t>
-            </a:r>
             <a:endParaRPr lang="da-DK" dirty="0"/>
           </a:p>
         </p:txBody>
@@ -11549,66 +13025,6 @@
           <a:bodyPr/>
           <a:lstStyle/>
           <a:p>
-            <a:r>
-              <a:rPr lang="da-DK" dirty="0" err="1"/>
-              <a:t>Presenstation</a:t>
-            </a:r>
-            <a:r>
-              <a:rPr lang="da-DK" dirty="0"/>
-              <a:t> </a:t>
-            </a:r>
-            <a:r>
-              <a:rPr lang="da-DK" dirty="0" err="1"/>
-              <a:t>Layer</a:t>
-            </a:r>
-            <a:endParaRPr lang="da-DK" dirty="0"/>
-          </a:p>
-          <a:p>
-            <a:r>
-              <a:rPr lang="da-DK" dirty="0"/>
-              <a:t>Domain og Application Service </a:t>
-            </a:r>
-            <a:r>
-              <a:rPr lang="da-DK" dirty="0" err="1"/>
-              <a:t>Layer</a:t>
-            </a:r>
-            <a:r>
-              <a:rPr lang="da-DK" dirty="0"/>
-              <a:t> </a:t>
-            </a:r>
-          </a:p>
-          <a:p>
-            <a:r>
-              <a:rPr lang="da-DK" dirty="0" err="1"/>
-              <a:t>Infrastructure</a:t>
-            </a:r>
-            <a:r>
-              <a:rPr lang="da-DK" dirty="0"/>
-              <a:t> </a:t>
-            </a:r>
-            <a:r>
-              <a:rPr lang="da-DK" dirty="0" err="1"/>
-              <a:t>Persistance</a:t>
-            </a:r>
-            <a:r>
-              <a:rPr lang="da-DK" dirty="0"/>
-              <a:t> </a:t>
-            </a:r>
-            <a:r>
-              <a:rPr lang="da-DK" dirty="0" err="1"/>
-              <a:t>Layer</a:t>
-            </a:r>
-            <a:endParaRPr lang="da-DK" dirty="0"/>
-          </a:p>
-          <a:p>
-            <a:r>
-              <a:rPr lang="da-DK" dirty="0"/>
-              <a:t>Domain </a:t>
-            </a:r>
-            <a:r>
-              <a:rPr lang="da-DK" dirty="0" err="1"/>
-              <a:t>Layer</a:t>
-            </a:r>
             <a:endParaRPr lang="da-DK" dirty="0"/>
           </a:p>
         </p:txBody>
@@ -11630,7 +13046,7 @@
           </p:nvPr>
         </p:nvPicPr>
         <p:blipFill>
-          <a:blip r:embed="rId2">
+          <a:blip r:embed="rId3">
             <a:extLst>
               <a:ext uri="{28A0092B-C50C-407E-A947-70E740481C1C}">
                 <a14:useLocalDpi xmlns:a14="http://schemas.microsoft.com/office/drawing/2010/main" val="0"/>

--- a/presentation.pptx
+++ b/presentation.pptx
@@ -5,7 +5,7 @@
     <p:sldMasterId id="2147483768" r:id="rId1"/>
   </p:sldMasterIdLst>
   <p:notesMasterIdLst>
-    <p:notesMasterId r:id="rId37"/>
+    <p:notesMasterId r:id="rId39"/>
   </p:notesMasterIdLst>
   <p:sldIdLst>
     <p:sldId id="256" r:id="rId2"/>
@@ -32,17 +32,19 @@
     <p:sldId id="293" r:id="rId23"/>
     <p:sldId id="294" r:id="rId24"/>
     <p:sldId id="295" r:id="rId25"/>
-    <p:sldId id="282" r:id="rId26"/>
-    <p:sldId id="277" r:id="rId27"/>
-    <p:sldId id="262" r:id="rId28"/>
-    <p:sldId id="268" r:id="rId29"/>
-    <p:sldId id="292" r:id="rId30"/>
-    <p:sldId id="270" r:id="rId31"/>
-    <p:sldId id="267" r:id="rId32"/>
-    <p:sldId id="269" r:id="rId33"/>
-    <p:sldId id="271" r:id="rId34"/>
-    <p:sldId id="272" r:id="rId35"/>
-    <p:sldId id="281" r:id="rId36"/>
+    <p:sldId id="297" r:id="rId26"/>
+    <p:sldId id="282" r:id="rId27"/>
+    <p:sldId id="277" r:id="rId28"/>
+    <p:sldId id="262" r:id="rId29"/>
+    <p:sldId id="268" r:id="rId30"/>
+    <p:sldId id="292" r:id="rId31"/>
+    <p:sldId id="270" r:id="rId32"/>
+    <p:sldId id="267" r:id="rId33"/>
+    <p:sldId id="269" r:id="rId34"/>
+    <p:sldId id="271" r:id="rId35"/>
+    <p:sldId id="272" r:id="rId36"/>
+    <p:sldId id="281" r:id="rId37"/>
+    <p:sldId id="298" r:id="rId38"/>
   </p:sldIdLst>
   <p:sldSz cx="12192000" cy="6858000"/>
   <p:notesSz cx="6858000" cy="9144000"/>
@@ -231,7 +233,7 @@
           <a:p>
             <a:fld id="{8F5AC0EE-C0EF-4DBE-8184-146DED29BF67}" type="datetimeFigureOut">
               <a:rPr lang="da-DK" smtClean="0"/>
-              <a:t>08-05-2024</a:t>
+              <a:t>09-05-2024</a:t>
             </a:fld>
             <a:endParaRPr lang="da-DK"/>
           </a:p>
@@ -649,6 +651,20 @@
           <a:bodyPr/>
           <a:lstStyle/>
           <a:p>
+            <a:r>
+              <a:rPr lang="da-DK" dirty="0"/>
+              <a:t>Håndtering af referencer</a:t>
+            </a:r>
+          </a:p>
+          <a:p>
+            <a:r>
+              <a:rPr lang="da-DK" dirty="0"/>
+              <a:t>Produktet fremviser ikke helt det brugbare for DDD pga. </a:t>
+            </a:r>
+            <a:r>
+              <a:rPr lang="da-DK" dirty="0" err="1"/>
+              <a:t>simplehed</a:t>
+            </a:r>
             <a:endParaRPr lang="da-DK" dirty="0"/>
           </a:p>
         </p:txBody>
@@ -670,7 +686,7 @@
           <a:p>
             <a:fld id="{252E21F2-0B82-4ACE-A045-2AAC56859006}" type="slidenum">
               <a:rPr lang="da-DK" smtClean="0"/>
-              <a:t>20</a:t>
+              <a:t>16</a:t>
             </a:fld>
             <a:endParaRPr lang="da-DK"/>
           </a:p>
@@ -679,7 +695,7 @@
     </p:spTree>
     <p:extLst>
       <p:ext uri="{BB962C8B-B14F-4D97-AF65-F5344CB8AC3E}">
-        <p14:creationId xmlns:p14="http://schemas.microsoft.com/office/powerpoint/2010/main" val="2289638430"/>
+        <p14:creationId xmlns:p14="http://schemas.microsoft.com/office/powerpoint/2010/main" val="2516361822"/>
       </p:ext>
     </p:extLst>
   </p:cSld>
@@ -734,29 +750,70 @@
           <a:lstStyle/>
           <a:p>
             <a:r>
-              <a:rPr lang="da-DK" dirty="0" err="1"/>
-              <a:t>Seq</a:t>
-            </a:r>
-            <a:r>
-              <a:rPr lang="da-DK" dirty="0"/>
-              <a:t> og </a:t>
-            </a:r>
-            <a:r>
-              <a:rPr lang="da-DK" dirty="0" err="1"/>
-              <a:t>Serilog</a:t>
-            </a:r>
-            <a:r>
-              <a:rPr lang="da-DK" dirty="0"/>
-              <a:t> er begge lette og små? </a:t>
-            </a:r>
-            <a:r>
-              <a:rPr lang="da-DK" dirty="0" err="1"/>
-              <a:t>Koncenteret</a:t>
-            </a:r>
-            <a:r>
-              <a:rPr lang="da-DK" dirty="0"/>
-              <a:t>? </a:t>
-            </a:r>
+              <a:rPr lang="da-DK" dirty="0"/>
+              <a:t>Channels tillader at benytte en enkel TCP forbindelse. Intet kommunikation mellem </a:t>
+            </a:r>
+            <a:r>
+              <a:rPr lang="da-DK" dirty="0" err="1"/>
+              <a:t>channels</a:t>
+            </a:r>
+            <a:r>
+              <a:rPr lang="da-DK" dirty="0"/>
+              <a:t>. Normalt en </a:t>
+            </a:r>
+            <a:r>
+              <a:rPr lang="da-DK" dirty="0" err="1"/>
+              <a:t>kannal</a:t>
+            </a:r>
+            <a:r>
+              <a:rPr lang="da-DK" dirty="0"/>
+              <a:t> per tråd </a:t>
+            </a:r>
+          </a:p>
+          <a:p>
+            <a:r>
+              <a:rPr lang="da-DK" dirty="0" err="1"/>
+              <a:t>Streams</a:t>
+            </a:r>
+            <a:r>
+              <a:rPr lang="da-DK" dirty="0"/>
+              <a:t> fjerner ikke beskeder. Kan bruges til at sende besked til flere </a:t>
+            </a:r>
+            <a:r>
+              <a:rPr lang="da-DK" dirty="0" err="1"/>
+              <a:t>consumers</a:t>
+            </a:r>
+            <a:endParaRPr lang="da-DK" dirty="0"/>
+          </a:p>
+          <a:p>
+            <a:r>
+              <a:rPr lang="da-DK" dirty="0"/>
+              <a:t>Queue </a:t>
+            </a:r>
+            <a:r>
+              <a:rPr lang="da-DK" dirty="0" err="1"/>
+              <a:t>ordered</a:t>
+            </a:r>
+            <a:r>
+              <a:rPr lang="da-DK" dirty="0"/>
+              <a:t> samling af beskeder, FIFO. </a:t>
+            </a:r>
+            <a:r>
+              <a:rPr lang="da-DK" dirty="0" err="1"/>
+              <a:t>Enqueued</a:t>
+            </a:r>
+            <a:r>
+              <a:rPr lang="da-DK" dirty="0"/>
+              <a:t>, </a:t>
+            </a:r>
+            <a:r>
+              <a:rPr lang="da-DK" dirty="0" err="1"/>
+              <a:t>dequeued</a:t>
+            </a:r>
+            <a:endParaRPr lang="da-DK" dirty="0"/>
+          </a:p>
+          <a:p>
+            <a:endParaRPr lang="da-DK" dirty="0"/>
           </a:p>
         </p:txBody>
       </p:sp>
@@ -777,7 +834,7 @@
           <a:p>
             <a:fld id="{252E21F2-0B82-4ACE-A045-2AAC56859006}" type="slidenum">
               <a:rPr lang="da-DK" smtClean="0"/>
-              <a:t>21</a:t>
+              <a:t>18</a:t>
             </a:fld>
             <a:endParaRPr lang="da-DK"/>
           </a:p>
@@ -786,7 +843,7 @@
     </p:spTree>
     <p:extLst>
       <p:ext uri="{BB962C8B-B14F-4D97-AF65-F5344CB8AC3E}">
-        <p14:creationId xmlns:p14="http://schemas.microsoft.com/office/powerpoint/2010/main" val="2294237520"/>
+        <p14:creationId xmlns:p14="http://schemas.microsoft.com/office/powerpoint/2010/main" val="1091159589"/>
       </p:ext>
     </p:extLst>
   </p:cSld>
@@ -840,18 +897,7 @@
           <a:bodyPr/>
           <a:lstStyle/>
           <a:p>
-            <a:r>
-              <a:rPr lang="da-DK" dirty="0"/>
-              <a:t>Kunne nævne ting som </a:t>
-            </a:r>
-            <a:r>
-              <a:rPr lang="da-DK" dirty="0" err="1"/>
-              <a:t>interceptor</a:t>
-            </a:r>
-            <a:r>
-              <a:rPr lang="da-DK" dirty="0"/>
-              <a:t> </a:t>
-            </a:r>
+            <a:endParaRPr lang="da-DK" dirty="0"/>
           </a:p>
         </p:txBody>
       </p:sp>
@@ -872,7 +918,7 @@
           <a:p>
             <a:fld id="{252E21F2-0B82-4ACE-A045-2AAC56859006}" type="slidenum">
               <a:rPr lang="da-DK" smtClean="0"/>
-              <a:t>22</a:t>
+              <a:t>20</a:t>
             </a:fld>
             <a:endParaRPr lang="da-DK"/>
           </a:p>
@@ -881,7 +927,7 @@
     </p:spTree>
     <p:extLst>
       <p:ext uri="{BB962C8B-B14F-4D97-AF65-F5344CB8AC3E}">
-        <p14:creationId xmlns:p14="http://schemas.microsoft.com/office/powerpoint/2010/main" val="4069340254"/>
+        <p14:creationId xmlns:p14="http://schemas.microsoft.com/office/powerpoint/2010/main" val="2289638430"/>
       </p:ext>
     </p:extLst>
   </p:cSld>
@@ -936,51 +982,29 @@
           <a:lstStyle/>
           <a:p>
             <a:r>
-              <a:rPr lang="da-DK" dirty="0"/>
-              <a:t>20x hurtigere end JavaScript, </a:t>
-            </a:r>
-            <a:r>
-              <a:rPr lang="da-DK" dirty="0" err="1"/>
-              <a:t>stack-based</a:t>
-            </a:r>
-            <a:r>
-              <a:rPr lang="da-DK" dirty="0"/>
-              <a:t> JavaScript VM, </a:t>
-            </a:r>
-            <a:r>
-              <a:rPr lang="da-DK" dirty="0" err="1"/>
-              <a:t>sandboxed</a:t>
-            </a:r>
-            <a:r>
-              <a:rPr lang="da-DK" dirty="0"/>
-              <a:t>, binær format, C/C++ compiler</a:t>
-            </a:r>
-          </a:p>
-          <a:p>
-            <a:pPr marL="0" marR="0" lvl="0" indent="0" algn="l" defTabSz="914400" rtl="0" eaLnBrk="1" fontAlgn="auto" latinLnBrk="0" hangingPunct="1">
-              <a:lnSpc>
-                <a:spcPct val="100000"/>
-              </a:lnSpc>
-              <a:spcBef>
-                <a:spcPts val="0"/>
-              </a:spcBef>
-              <a:spcAft>
-                <a:spcPts val="0"/>
-              </a:spcAft>
-              <a:buClrTx/>
-              <a:buSzTx/>
-              <a:buFontTx/>
-              <a:buNone/>
-              <a:tabLst/>
-              <a:defRPr/>
-            </a:pPr>
-            <a:r>
-              <a:rPr lang="da-DK" dirty="0"/>
-              <a:t>https://webassembly.org/docs/faq/</a:t>
-            </a:r>
-          </a:p>
-          <a:p>
-            <a:endParaRPr lang="da-DK" dirty="0"/>
+              <a:rPr lang="da-DK" dirty="0" err="1"/>
+              <a:t>Seq</a:t>
+            </a:r>
+            <a:r>
+              <a:rPr lang="da-DK" dirty="0"/>
+              <a:t> og </a:t>
+            </a:r>
+            <a:r>
+              <a:rPr lang="da-DK" dirty="0" err="1"/>
+              <a:t>Serilog</a:t>
+            </a:r>
+            <a:r>
+              <a:rPr lang="da-DK" dirty="0"/>
+              <a:t> er begge lette og små? </a:t>
+            </a:r>
+            <a:r>
+              <a:rPr lang="da-DK" dirty="0" err="1"/>
+              <a:t>Koncenteret</a:t>
+            </a:r>
+            <a:r>
+              <a:rPr lang="da-DK" dirty="0"/>
+              <a:t>? </a:t>
+            </a:r>
           </a:p>
         </p:txBody>
       </p:sp>
@@ -1001,7 +1025,7 @@
           <a:p>
             <a:fld id="{252E21F2-0B82-4ACE-A045-2AAC56859006}" type="slidenum">
               <a:rPr lang="da-DK" smtClean="0"/>
-              <a:t>23</a:t>
+              <a:t>21</a:t>
             </a:fld>
             <a:endParaRPr lang="da-DK"/>
           </a:p>
@@ -1010,7 +1034,7 @@
     </p:spTree>
     <p:extLst>
       <p:ext uri="{BB962C8B-B14F-4D97-AF65-F5344CB8AC3E}">
-        <p14:creationId xmlns:p14="http://schemas.microsoft.com/office/powerpoint/2010/main" val="3114175968"/>
+        <p14:creationId xmlns:p14="http://schemas.microsoft.com/office/powerpoint/2010/main" val="2294237520"/>
       </p:ext>
     </p:extLst>
   </p:cSld>
@@ -1066,13 +1090,15 @@
           <a:p>
             <a:r>
               <a:rPr lang="da-DK" dirty="0"/>
-              <a:t>https://kafka.apache.org/documentation/#intro_nutshell</a:t>
-            </a:r>
-          </a:p>
-          <a:p>
-            <a:r>
-              <a:rPr lang="da-DK" dirty="0"/>
-              <a:t>https://kafka.apache.org/documentation/#kraft_role</a:t>
+              <a:t>Kunne nævne ting som </a:t>
+            </a:r>
+            <a:r>
+              <a:rPr lang="da-DK" dirty="0" err="1"/>
+              <a:t>interceptor</a:t>
+            </a:r>
+            <a:r>
+              <a:rPr lang="da-DK" dirty="0"/>
+              <a:t> </a:t>
             </a:r>
           </a:p>
         </p:txBody>
@@ -1094,7 +1120,7 @@
           <a:p>
             <a:fld id="{252E21F2-0B82-4ACE-A045-2AAC56859006}" type="slidenum">
               <a:rPr lang="da-DK" smtClean="0"/>
-              <a:t>27</a:t>
+              <a:t>22</a:t>
             </a:fld>
             <a:endParaRPr lang="da-DK"/>
           </a:p>
@@ -1103,7 +1129,7 @@
     </p:spTree>
     <p:extLst>
       <p:ext uri="{BB962C8B-B14F-4D97-AF65-F5344CB8AC3E}">
-        <p14:creationId xmlns:p14="http://schemas.microsoft.com/office/powerpoint/2010/main" val="8081506"/>
+        <p14:creationId xmlns:p14="http://schemas.microsoft.com/office/powerpoint/2010/main" val="4069340254"/>
       </p:ext>
     </p:extLst>
   </p:cSld>
@@ -1157,6 +1183,28 @@
           <a:bodyPr/>
           <a:lstStyle/>
           <a:p>
+            <a:r>
+              <a:rPr lang="da-DK" dirty="0"/>
+              <a:t>20x hurtigere end JavaScript, </a:t>
+            </a:r>
+            <a:r>
+              <a:rPr lang="da-DK" dirty="0" err="1"/>
+              <a:t>stack-based</a:t>
+            </a:r>
+            <a:r>
+              <a:rPr lang="da-DK" dirty="0"/>
+              <a:t> JavaScript VM, </a:t>
+            </a:r>
+            <a:r>
+              <a:rPr lang="da-DK" dirty="0" err="1"/>
+              <a:t>sandboxed</a:t>
+            </a:r>
+            <a:r>
+              <a:rPr lang="da-DK" dirty="0"/>
+              <a:t>, binær format, C/C++ compiler</a:t>
+            </a:r>
+          </a:p>
+          <a:p>
             <a:pPr marL="0" marR="0" lvl="0" indent="0" algn="l" defTabSz="914400" rtl="0" eaLnBrk="1" fontAlgn="auto" latinLnBrk="0" hangingPunct="1">
               <a:lnSpc>
                 <a:spcPct val="100000"/>
@@ -1176,62 +1224,11 @@
             </a:pPr>
             <a:r>
               <a:rPr lang="da-DK" dirty="0"/>
-              <a:t>Event </a:t>
-            </a:r>
-            <a:r>
-              <a:rPr lang="da-DK" dirty="0" err="1"/>
-              <a:t>schema</a:t>
-            </a:r>
-            <a:r>
-              <a:rPr lang="da-DK" dirty="0"/>
-              <a:t> //ikke nødvendigt</a:t>
-            </a:r>
-          </a:p>
-          <a:p>
-            <a:r>
-              <a:rPr lang="da-DK" dirty="0"/>
-              <a:t>Event, noget der er sket</a:t>
-            </a:r>
-          </a:p>
-          <a:p>
-            <a:r>
-              <a:rPr lang="da-DK" dirty="0" err="1"/>
-              <a:t>Topic</a:t>
-            </a:r>
-            <a:r>
-              <a:rPr lang="da-DK" dirty="0"/>
-              <a:t> </a:t>
-            </a:r>
-            <a:r>
-              <a:rPr lang="da-DK" dirty="0" err="1"/>
-              <a:t>partitioneret</a:t>
-            </a:r>
-            <a:r>
-              <a:rPr lang="da-DK" dirty="0"/>
-              <a:t> over flere brokers</a:t>
-            </a:r>
-          </a:p>
-          <a:p>
-            <a:r>
-              <a:rPr lang="da-DK" dirty="0"/>
-              <a:t>Event </a:t>
-            </a:r>
-            <a:r>
-              <a:rPr lang="da-DK" dirty="0" err="1"/>
-              <a:t>Replikering</a:t>
-            </a:r>
-            <a:r>
-              <a:rPr lang="da-DK" dirty="0"/>
-              <a:t>, event er </a:t>
-            </a:r>
-            <a:r>
-              <a:rPr lang="da-DK" dirty="0" err="1"/>
-              <a:t>replikeret</a:t>
-            </a:r>
-            <a:r>
-              <a:rPr lang="da-DK" dirty="0"/>
-              <a:t> over flere brokers</a:t>
-            </a:r>
+              <a:t>https://webassembly.org/docs/faq/</a:t>
+            </a:r>
+          </a:p>
+          <a:p>
+            <a:endParaRPr lang="da-DK" dirty="0"/>
           </a:p>
         </p:txBody>
       </p:sp>
@@ -1252,7 +1249,7 @@
           <a:p>
             <a:fld id="{252E21F2-0B82-4ACE-A045-2AAC56859006}" type="slidenum">
               <a:rPr lang="da-DK" smtClean="0"/>
-              <a:t>28</a:t>
+              <a:t>23</a:t>
             </a:fld>
             <a:endParaRPr lang="da-DK"/>
           </a:p>
@@ -1261,7 +1258,7 @@
     </p:spTree>
     <p:extLst>
       <p:ext uri="{BB962C8B-B14F-4D97-AF65-F5344CB8AC3E}">
-        <p14:creationId xmlns:p14="http://schemas.microsoft.com/office/powerpoint/2010/main" val="2764263524"/>
+        <p14:creationId xmlns:p14="http://schemas.microsoft.com/office/powerpoint/2010/main" val="3114175968"/>
       </p:ext>
     </p:extLst>
   </p:cSld>
@@ -1315,7 +1312,18 @@
           <a:bodyPr/>
           <a:lstStyle/>
           <a:p>
-            <a:endParaRPr lang="da-DK" dirty="0"/>
+            <a:r>
+              <a:rPr lang="da-DK" dirty="0"/>
+              <a:t>Kunne nævne ting som </a:t>
+            </a:r>
+            <a:r>
+              <a:rPr lang="da-DK" dirty="0" err="1"/>
+              <a:t>interceptor</a:t>
+            </a:r>
+            <a:r>
+              <a:rPr lang="da-DK" dirty="0"/>
+              <a:t> </a:t>
+            </a:r>
           </a:p>
         </p:txBody>
       </p:sp>
@@ -1336,7 +1344,7 @@
           <a:p>
             <a:fld id="{252E21F2-0B82-4ACE-A045-2AAC56859006}" type="slidenum">
               <a:rPr lang="da-DK" smtClean="0"/>
-              <a:t>29</a:t>
+              <a:t>25</a:t>
             </a:fld>
             <a:endParaRPr lang="da-DK"/>
           </a:p>
@@ -1345,7 +1353,7 @@
     </p:spTree>
     <p:extLst>
       <p:ext uri="{BB962C8B-B14F-4D97-AF65-F5344CB8AC3E}">
-        <p14:creationId xmlns:p14="http://schemas.microsoft.com/office/powerpoint/2010/main" val="2125408469"/>
+        <p14:creationId xmlns:p14="http://schemas.microsoft.com/office/powerpoint/2010/main" val="2371307318"/>
       </p:ext>
     </p:extLst>
   </p:cSld>
@@ -1400,35 +1408,26 @@
           <a:lstStyle/>
           <a:p>
             <a:r>
-              <a:rPr lang="da-DK" dirty="0"/>
-              <a:t>Nævn at broker nu kan være controllers, men før var det zookeeper</a:t>
-            </a:r>
-          </a:p>
-          <a:p>
-            <a:r>
-              <a:rPr lang="da-DK" dirty="0" err="1"/>
-              <a:t>ZooKeeper</a:t>
-            </a:r>
-            <a:r>
-              <a:rPr lang="da-DK" dirty="0"/>
-              <a:t> udskiftet med </a:t>
-            </a:r>
-            <a:r>
-              <a:rPr lang="da-DK"/>
-              <a:t>KRaft</a:t>
-            </a:r>
-            <a:r>
-              <a:rPr lang="da-DK" dirty="0"/>
-              <a:t>, en </a:t>
-            </a:r>
-            <a:r>
-              <a:rPr lang="da-DK" dirty="0" err="1"/>
-              <a:t>kafka</a:t>
-            </a:r>
-            <a:r>
-              <a:rPr lang="da-DK" dirty="0"/>
-              <a:t> server som enten er en controller, broker eller begge</a:t>
-            </a:r>
+              <a:rPr lang="da-DK" dirty="0" err="1"/>
+              <a:t>Refresh</a:t>
+            </a:r>
+            <a:r>
+              <a:rPr lang="da-DK" dirty="0"/>
+              <a:t> </a:t>
+            </a:r>
+            <a:r>
+              <a:rPr lang="da-DK" dirty="0" err="1"/>
+              <a:t>token</a:t>
+            </a:r>
+            <a:r>
+              <a:rPr lang="da-DK" dirty="0"/>
+              <a:t> bliver ikke sat til invalid når den bruges til skabe nye </a:t>
+            </a:r>
+            <a:r>
+              <a:rPr lang="da-DK" dirty="0" err="1"/>
+              <a:t>tokens</a:t>
+            </a:r>
+            <a:endParaRPr lang="da-DK" dirty="0"/>
           </a:p>
         </p:txBody>
       </p:sp>
@@ -1449,7 +1448,7 @@
           <a:p>
             <a:fld id="{252E21F2-0B82-4ACE-A045-2AAC56859006}" type="slidenum">
               <a:rPr lang="da-DK" smtClean="0"/>
-              <a:t>30</a:t>
+              <a:t>26</a:t>
             </a:fld>
             <a:endParaRPr lang="da-DK"/>
           </a:p>
@@ -1458,7 +1457,7 @@
     </p:spTree>
     <p:extLst>
       <p:ext uri="{BB962C8B-B14F-4D97-AF65-F5344CB8AC3E}">
-        <p14:creationId xmlns:p14="http://schemas.microsoft.com/office/powerpoint/2010/main" val="3998614641"/>
+        <p14:creationId xmlns:p14="http://schemas.microsoft.com/office/powerpoint/2010/main" val="671521866"/>
       </p:ext>
     </p:extLst>
   </p:cSld>
@@ -1513,75 +1512,14 @@
           <a:lstStyle/>
           <a:p>
             <a:r>
-              <a:rPr lang="da-DK" dirty="0" err="1"/>
-              <a:t>Confluent</a:t>
-            </a:r>
-            <a:r>
-              <a:rPr lang="da-DK" dirty="0"/>
-              <a:t> Kafka</a:t>
-            </a:r>
-          </a:p>
-          <a:p>
-            <a:r>
-              <a:rPr lang="da-DK" dirty="0"/>
-              <a:t>Kunne havde brugt </a:t>
-            </a:r>
-            <a:r>
-              <a:rPr lang="da-DK" dirty="0" err="1"/>
-              <a:t>Knet</a:t>
-            </a:r>
-            <a:endParaRPr lang="da-DK" dirty="0"/>
-          </a:p>
-          <a:p>
-            <a:r>
-              <a:rPr lang="da-DK" dirty="0"/>
-              <a:t>JSON, </a:t>
-            </a:r>
-            <a:r>
-              <a:rPr lang="da-DK" dirty="0" err="1"/>
-              <a:t>Arvo</a:t>
-            </a:r>
-            <a:r>
-              <a:rPr lang="da-DK" dirty="0"/>
-              <a:t>, </a:t>
-            </a:r>
-            <a:r>
-              <a:rPr lang="da-DK" dirty="0" err="1"/>
-              <a:t>Protobuf</a:t>
-            </a:r>
-            <a:r>
-              <a:rPr lang="da-DK" dirty="0"/>
-              <a:t>. </a:t>
-            </a:r>
-            <a:r>
-              <a:rPr lang="da-DK" dirty="0" err="1"/>
-              <a:t>Arvo</a:t>
-            </a:r>
-            <a:r>
-              <a:rPr lang="da-DK" dirty="0"/>
-              <a:t> brugt, da den virker til at være det mest </a:t>
-            </a:r>
-            <a:r>
-              <a:rPr lang="da-DK" dirty="0" err="1"/>
-              <a:t>almendlige</a:t>
-            </a:r>
-            <a:r>
-              <a:rPr lang="da-DK" dirty="0"/>
-              <a:t>. </a:t>
-            </a:r>
-            <a:r>
-              <a:rPr lang="da-DK" dirty="0" err="1"/>
-              <a:t>Arvo</a:t>
-            </a:r>
-            <a:r>
-              <a:rPr lang="da-DK" dirty="0"/>
-              <a:t> er Apache</a:t>
-            </a:r>
-          </a:p>
-          <a:p>
-            <a:r>
-              <a:rPr lang="da-DK" dirty="0"/>
-              <a:t>https://github.com/confluentinc/cp-all-in-one/blob/7.6.1-post/cp-all-in-one-kraft/docker-compose.yml</a:t>
+              <a:rPr lang="da-DK" dirty="0"/>
+              <a:t>https://kafka.apache.org/documentation/#intro_nutshell</a:t>
+            </a:r>
+          </a:p>
+          <a:p>
+            <a:r>
+              <a:rPr lang="da-DK" dirty="0"/>
+              <a:t>https://kafka.apache.org/documentation/#kraft_role</a:t>
             </a:r>
           </a:p>
         </p:txBody>
@@ -1603,7 +1541,7 @@
           <a:p>
             <a:fld id="{252E21F2-0B82-4ACE-A045-2AAC56859006}" type="slidenum">
               <a:rPr lang="da-DK" smtClean="0"/>
-              <a:t>31</a:t>
+              <a:t>28</a:t>
             </a:fld>
             <a:endParaRPr lang="da-DK"/>
           </a:p>
@@ -1612,7 +1550,7 @@
     </p:spTree>
     <p:extLst>
       <p:ext uri="{BB962C8B-B14F-4D97-AF65-F5344CB8AC3E}">
-        <p14:creationId xmlns:p14="http://schemas.microsoft.com/office/powerpoint/2010/main" val="3004894068"/>
+        <p14:creationId xmlns:p14="http://schemas.microsoft.com/office/powerpoint/2010/main" val="8081506"/>
       </p:ext>
     </p:extLst>
   </p:cSld>
@@ -1666,69 +1604,124 @@
           <a:bodyPr/>
           <a:lstStyle/>
           <a:p>
-            <a:r>
-              <a:rPr lang="da-DK" dirty="0"/>
-              <a:t>Remote Procedure </a:t>
-            </a:r>
-            <a:r>
-              <a:rPr lang="da-DK" dirty="0" err="1"/>
-              <a:t>Cal</a:t>
-            </a:r>
-            <a:endParaRPr lang="da-DK" dirty="0"/>
-          </a:p>
-          <a:p>
-            <a:r>
-              <a:rPr lang="da-DK" dirty="0"/>
-              <a:t>Nævn at </a:t>
-            </a:r>
-            <a:r>
-              <a:rPr lang="da-DK" dirty="0" err="1"/>
-              <a:t>kafka</a:t>
-            </a:r>
-            <a:r>
-              <a:rPr lang="da-DK" dirty="0"/>
-              <a:t> ikke understøtter </a:t>
-            </a:r>
-            <a:r>
-              <a:rPr lang="da-DK" dirty="0" err="1"/>
-              <a:t>request-response</a:t>
-            </a:r>
-            <a:endParaRPr lang="da-DK" dirty="0"/>
-          </a:p>
-          <a:p>
-            <a:r>
-              <a:rPr lang="da-DK" dirty="0"/>
-              <a:t>Nævn at </a:t>
-            </a:r>
-            <a:r>
-              <a:rPr lang="da-DK" dirty="0" err="1"/>
-              <a:t>Rabbit</a:t>
-            </a:r>
-            <a:r>
-              <a:rPr lang="da-DK" dirty="0"/>
-              <a:t> Stream tillader en </a:t>
-            </a:r>
-            <a:r>
-              <a:rPr lang="da-DK" dirty="0" err="1"/>
-              <a:t>ligende</a:t>
-            </a:r>
-            <a:r>
-              <a:rPr lang="da-DK" dirty="0"/>
-              <a:t> opførelse som Kafka</a:t>
-            </a:r>
-          </a:p>
-          <a:p>
-            <a:r>
-              <a:rPr lang="da-DK" dirty="0"/>
-              <a:t>https://kafka.apache.org/documentation/#intro_nutshell nævner Kafka som en alternativ til </a:t>
-            </a:r>
-            <a:r>
-              <a:rPr lang="da-DK" dirty="0" err="1"/>
-              <a:t>RabbitMQ</a:t>
+            <a:pPr marL="0" marR="0" lvl="0" indent="0" algn="l" defTabSz="914400" rtl="0" eaLnBrk="1" fontAlgn="auto" latinLnBrk="0" hangingPunct="1">
+              <a:lnSpc>
+                <a:spcPct val="100000"/>
+              </a:lnSpc>
+              <a:spcBef>
+                <a:spcPts val="0"/>
+              </a:spcBef>
+              <a:spcAft>
+                <a:spcPts val="0"/>
+              </a:spcAft>
+              <a:buClrTx/>
+              <a:buSzTx/>
+              <a:buFontTx/>
+              <a:buNone/>
+              <a:tabLst/>
+              <a:defRPr/>
+            </a:pPr>
+            <a:r>
+              <a:rPr lang="da-DK" dirty="0"/>
+              <a:t>Event </a:t>
+            </a:r>
+            <a:r>
+              <a:rPr lang="da-DK" dirty="0" err="1"/>
+              <a:t>schema</a:t>
+            </a:r>
+            <a:r>
+              <a:rPr lang="da-DK" dirty="0"/>
+              <a:t> //ikke nødvendigt</a:t>
+            </a:r>
+          </a:p>
+          <a:p>
+            <a:r>
+              <a:rPr lang="da-DK" dirty="0"/>
+              <a:t>Event, noget der er sket</a:t>
+            </a:r>
+          </a:p>
+          <a:p>
+            <a:r>
+              <a:rPr lang="da-DK" dirty="0" err="1"/>
+              <a:t>Topic</a:t>
             </a:r>
             <a:r>
               <a:rPr lang="da-DK" dirty="0"/>
               <a:t> </a:t>
+            </a:r>
+            <a:r>
+              <a:rPr lang="da-DK" dirty="0" err="1"/>
+              <a:t>partitioneret</a:t>
+            </a:r>
+            <a:r>
+              <a:rPr lang="da-DK" dirty="0"/>
+              <a:t> – en </a:t>
+            </a:r>
+            <a:r>
+              <a:rPr lang="da-DK" dirty="0" err="1"/>
+              <a:t>consumer</a:t>
+            </a:r>
+            <a:r>
+              <a:rPr lang="da-DK" dirty="0"/>
+              <a:t> kan få data fra en eller flere partitioner </a:t>
+            </a:r>
+          </a:p>
+          <a:p>
+            <a:r>
+              <a:rPr lang="da-DK" dirty="0"/>
+              <a:t>Event </a:t>
+            </a:r>
+            <a:r>
+              <a:rPr lang="da-DK" dirty="0" err="1"/>
+              <a:t>Replikering</a:t>
+            </a:r>
+            <a:r>
+              <a:rPr lang="da-DK" dirty="0"/>
+              <a:t>, event er </a:t>
+            </a:r>
+            <a:r>
+              <a:rPr lang="da-DK" dirty="0" err="1"/>
+              <a:t>replikeret</a:t>
+            </a:r>
+            <a:r>
+              <a:rPr lang="da-DK" dirty="0"/>
+              <a:t> over flere brokers</a:t>
+            </a:r>
+          </a:p>
+          <a:p>
+            <a:r>
+              <a:rPr lang="da-DK" dirty="0"/>
+              <a:t>Consumer </a:t>
+            </a:r>
+            <a:r>
+              <a:rPr lang="da-DK" dirty="0" err="1"/>
+              <a:t>groupId</a:t>
+            </a:r>
+            <a:r>
+              <a:rPr lang="da-DK" dirty="0"/>
+              <a:t>, hvis samme id, </a:t>
+            </a:r>
+            <a:r>
+              <a:rPr lang="da-DK" dirty="0" err="1"/>
+              <a:t>round-robin</a:t>
+            </a:r>
+            <a:r>
+              <a:rPr lang="da-DK" dirty="0"/>
+              <a:t> fra </a:t>
+            </a:r>
+            <a:r>
+              <a:rPr lang="da-DK" dirty="0" err="1"/>
+              <a:t>partioner</a:t>
+            </a:r>
+            <a:r>
+              <a:rPr lang="da-DK" dirty="0"/>
+              <a:t> og der er mere end en partitioner</a:t>
+            </a:r>
+          </a:p>
+          <a:p>
+            <a:r>
+              <a:rPr lang="da-DK" dirty="0"/>
+              <a:t>https://stackoverflow.com/questions/38024514/understanding-kafka-topics-and-partitions</a:t>
             </a:r>
           </a:p>
         </p:txBody>
@@ -1750,7 +1743,7 @@
           <a:p>
             <a:fld id="{252E21F2-0B82-4ACE-A045-2AAC56859006}" type="slidenum">
               <a:rPr lang="da-DK" smtClean="0"/>
-              <a:t>32</a:t>
+              <a:t>29</a:t>
             </a:fld>
             <a:endParaRPr lang="da-DK"/>
           </a:p>
@@ -1759,7 +1752,7 @@
     </p:spTree>
     <p:extLst>
       <p:ext uri="{BB962C8B-B14F-4D97-AF65-F5344CB8AC3E}">
-        <p14:creationId xmlns:p14="http://schemas.microsoft.com/office/powerpoint/2010/main" val="1108710331"/>
+        <p14:creationId xmlns:p14="http://schemas.microsoft.com/office/powerpoint/2010/main" val="2764263524"/>
       </p:ext>
     </p:extLst>
   </p:cSld>
@@ -1914,43 +1907,7 @@
           <a:bodyPr/>
           <a:lstStyle/>
           <a:p>
-            <a:r>
-              <a:rPr lang="da-DK" dirty="0"/>
-              <a:t>Nævn at for </a:t>
-            </a:r>
-            <a:r>
-              <a:rPr lang="da-DK" dirty="0" err="1"/>
-              <a:t>RabbitMQ</a:t>
-            </a:r>
-            <a:r>
-              <a:rPr lang="da-DK" dirty="0"/>
-              <a:t> er der intet der tvinger en </a:t>
-            </a:r>
-            <a:r>
-              <a:rPr lang="da-DK" dirty="0" err="1"/>
-              <a:t>consumer</a:t>
-            </a:r>
-            <a:r>
-              <a:rPr lang="da-DK" dirty="0"/>
-              <a:t> at svare på en RPC</a:t>
-            </a:r>
-          </a:p>
-          <a:p>
-            <a:r>
-              <a:rPr lang="da-DK" dirty="0"/>
-              <a:t>Kafka er nok bedre for Event Collaboration/</a:t>
-            </a:r>
-            <a:r>
-              <a:rPr lang="da-DK" dirty="0" err="1"/>
-              <a:t>Sourcing</a:t>
-            </a:r>
             <a:endParaRPr lang="da-DK" dirty="0"/>
-          </a:p>
-          <a:p>
-            <a:r>
-              <a:rPr lang="da-DK" dirty="0"/>
-              <a:t>https://martinfowler.com/eaaDev/EventCollaboration.html</a:t>
-            </a:r>
           </a:p>
         </p:txBody>
       </p:sp>
@@ -1971,7 +1928,7 @@
           <a:p>
             <a:fld id="{252E21F2-0B82-4ACE-A045-2AAC56859006}" type="slidenum">
               <a:rPr lang="da-DK" smtClean="0"/>
-              <a:t>33</a:t>
+              <a:t>30</a:t>
             </a:fld>
             <a:endParaRPr lang="da-DK"/>
           </a:p>
@@ -1980,7 +1937,7 @@
     </p:spTree>
     <p:extLst>
       <p:ext uri="{BB962C8B-B14F-4D97-AF65-F5344CB8AC3E}">
-        <p14:creationId xmlns:p14="http://schemas.microsoft.com/office/powerpoint/2010/main" val="282527506"/>
+        <p14:creationId xmlns:p14="http://schemas.microsoft.com/office/powerpoint/2010/main" val="2125408469"/>
       </p:ext>
     </p:extLst>
   </p:cSld>
@@ -2036,27 +1993,332 @@
           <a:p>
             <a:r>
               <a:rPr lang="da-DK" dirty="0"/>
-              <a:t>Begge kræver at de kender hinanden.</a:t>
-            </a:r>
-          </a:p>
-          <a:p>
-            <a:r>
-              <a:rPr lang="da-DK" dirty="0"/>
-              <a:t>A kunne sende en url’en til en REST API med over</a:t>
-            </a:r>
-          </a:p>
-          <a:p>
-            <a:r>
-              <a:rPr lang="da-DK" dirty="0"/>
-              <a:t>Kafka er nok bedre hvis </a:t>
-            </a:r>
-            <a:r>
-              <a:rPr lang="da-DK" dirty="0" err="1"/>
-              <a:t>producer’en</a:t>
-            </a:r>
-            <a:r>
-              <a:rPr lang="da-DK" dirty="0"/>
-              <a:t> ikke skal reagere på </a:t>
+              <a:t>Nævn at broker nu kan være controllers, men før var det zookeeper</a:t>
+            </a:r>
+          </a:p>
+          <a:p>
+            <a:r>
+              <a:rPr lang="da-DK" dirty="0" err="1"/>
+              <a:t>ZooKeeper</a:t>
+            </a:r>
+            <a:r>
+              <a:rPr lang="da-DK" dirty="0"/>
+              <a:t> udskiftet med </a:t>
+            </a:r>
+            <a:r>
+              <a:rPr lang="da-DK" dirty="0" err="1"/>
+              <a:t>KRaft</a:t>
+            </a:r>
+            <a:r>
+              <a:rPr lang="da-DK" dirty="0"/>
+              <a:t>, en </a:t>
+            </a:r>
+            <a:r>
+              <a:rPr lang="da-DK" dirty="0" err="1"/>
+              <a:t>kafka</a:t>
+            </a:r>
+            <a:r>
+              <a:rPr lang="da-DK" dirty="0"/>
+              <a:t> server som enten er en controller, broker eller begge</a:t>
+            </a:r>
+          </a:p>
+        </p:txBody>
+      </p:sp>
+      <p:sp>
+        <p:nvSpPr>
+          <p:cNvPr id="4" name="Pladsholder til slidenummer 3"/>
+          <p:cNvSpPr>
+            <a:spLocks noGrp="1"/>
+          </p:cNvSpPr>
+          <p:nvPr>
+            <p:ph type="sldNum" sz="quarter" idx="5"/>
+          </p:nvPr>
+        </p:nvSpPr>
+        <p:spPr/>
+        <p:txBody>
+          <a:bodyPr/>
+          <a:lstStyle/>
+          <a:p>
+            <a:fld id="{252E21F2-0B82-4ACE-A045-2AAC56859006}" type="slidenum">
+              <a:rPr lang="da-DK" smtClean="0"/>
+              <a:t>31</a:t>
+            </a:fld>
+            <a:endParaRPr lang="da-DK"/>
+          </a:p>
+        </p:txBody>
+      </p:sp>
+    </p:spTree>
+    <p:extLst>
+      <p:ext uri="{BB962C8B-B14F-4D97-AF65-F5344CB8AC3E}">
+        <p14:creationId xmlns:p14="http://schemas.microsoft.com/office/powerpoint/2010/main" val="3998614641"/>
+      </p:ext>
+    </p:extLst>
+  </p:cSld>
+  <p:clrMapOvr>
+    <a:masterClrMapping/>
+  </p:clrMapOvr>
+</p:notes>
+</file>
+
+<file path=ppt/notesSlides/notesSlide22.xml><?xml version="1.0" encoding="utf-8"?>
+<p:notes xmlns:a="http://schemas.openxmlformats.org/drawingml/2006/main" xmlns:r="http://schemas.openxmlformats.org/officeDocument/2006/relationships" xmlns:p="http://schemas.openxmlformats.org/presentationml/2006/main">
+  <p:cSld>
+    <p:spTree>
+      <p:nvGrpSpPr>
+        <p:cNvPr id="1" name=""/>
+        <p:cNvGrpSpPr/>
+        <p:nvPr/>
+      </p:nvGrpSpPr>
+      <p:grpSpPr>
+        <a:xfrm>
+          <a:off x="0" y="0"/>
+          <a:ext cx="0" cy="0"/>
+          <a:chOff x="0" y="0"/>
+          <a:chExt cx="0" cy="0"/>
+        </a:xfrm>
+      </p:grpSpPr>
+      <p:sp>
+        <p:nvSpPr>
+          <p:cNvPr id="2" name="Pladsholder til slidebillede 1"/>
+          <p:cNvSpPr>
+            <a:spLocks noGrp="1" noRot="1" noChangeAspect="1"/>
+          </p:cNvSpPr>
+          <p:nvPr>
+            <p:ph type="sldImg"/>
+          </p:nvPr>
+        </p:nvSpPr>
+        <p:spPr/>
+      </p:sp>
+      <p:sp>
+        <p:nvSpPr>
+          <p:cNvPr id="3" name="Pladsholder til noter 2"/>
+          <p:cNvSpPr>
+            <a:spLocks noGrp="1"/>
+          </p:cNvSpPr>
+          <p:nvPr>
+            <p:ph type="body" idx="1"/>
+          </p:nvPr>
+        </p:nvSpPr>
+        <p:spPr/>
+        <p:txBody>
+          <a:bodyPr/>
+          <a:lstStyle/>
+          <a:p>
+            <a:r>
+              <a:rPr lang="da-DK" dirty="0" err="1"/>
+              <a:t>Confluent</a:t>
+            </a:r>
+            <a:r>
+              <a:rPr lang="da-DK" dirty="0"/>
+              <a:t> Kafka</a:t>
+            </a:r>
+          </a:p>
+          <a:p>
+            <a:r>
+              <a:rPr lang="da-DK" dirty="0"/>
+              <a:t>Kunne havde brugt </a:t>
+            </a:r>
+            <a:r>
+              <a:rPr lang="da-DK" dirty="0" err="1"/>
+              <a:t>Knet</a:t>
+            </a:r>
+            <a:endParaRPr lang="da-DK" dirty="0"/>
+          </a:p>
+          <a:p>
+            <a:r>
+              <a:rPr lang="da-DK" dirty="0"/>
+              <a:t>JSON, </a:t>
+            </a:r>
+            <a:r>
+              <a:rPr lang="da-DK" dirty="0" err="1"/>
+              <a:t>Arvo</a:t>
+            </a:r>
+            <a:r>
+              <a:rPr lang="da-DK" dirty="0"/>
+              <a:t>, </a:t>
+            </a:r>
+            <a:r>
+              <a:rPr lang="da-DK" dirty="0" err="1"/>
+              <a:t>Protobuf</a:t>
+            </a:r>
+            <a:r>
+              <a:rPr lang="da-DK" dirty="0"/>
+              <a:t>. </a:t>
+            </a:r>
+            <a:r>
+              <a:rPr lang="da-DK" dirty="0" err="1"/>
+              <a:t>Arvo</a:t>
+            </a:r>
+            <a:r>
+              <a:rPr lang="da-DK" dirty="0"/>
+              <a:t> brugt, da den virker til at være det mest </a:t>
+            </a:r>
+            <a:r>
+              <a:rPr lang="da-DK" dirty="0" err="1"/>
+              <a:t>almendlige</a:t>
+            </a:r>
+            <a:r>
+              <a:rPr lang="da-DK" dirty="0"/>
+              <a:t>. </a:t>
+            </a:r>
+            <a:r>
+              <a:rPr lang="da-DK" dirty="0" err="1"/>
+              <a:t>Arvo</a:t>
+            </a:r>
+            <a:r>
+              <a:rPr lang="da-DK" dirty="0"/>
+              <a:t> er Apache</a:t>
+            </a:r>
+          </a:p>
+          <a:p>
+            <a:r>
+              <a:rPr lang="da-DK" dirty="0"/>
+              <a:t>Key/Value, Key bruges til at sikre sig at beskeder sendes til den samme partition</a:t>
+            </a:r>
+          </a:p>
+          <a:p>
+            <a:r>
+              <a:rPr lang="da-DK" dirty="0"/>
+              <a:t>https://github.com/confluentinc/cp-all-in-one/blob/7.6.1-post/cp-all-in-one-kraft/docker-compose.yml</a:t>
+            </a:r>
+          </a:p>
+        </p:txBody>
+      </p:sp>
+      <p:sp>
+        <p:nvSpPr>
+          <p:cNvPr id="4" name="Pladsholder til slidenummer 3"/>
+          <p:cNvSpPr>
+            <a:spLocks noGrp="1"/>
+          </p:cNvSpPr>
+          <p:nvPr>
+            <p:ph type="sldNum" sz="quarter" idx="5"/>
+          </p:nvPr>
+        </p:nvSpPr>
+        <p:spPr/>
+        <p:txBody>
+          <a:bodyPr/>
+          <a:lstStyle/>
+          <a:p>
+            <a:fld id="{252E21F2-0B82-4ACE-A045-2AAC56859006}" type="slidenum">
+              <a:rPr lang="da-DK" smtClean="0"/>
+              <a:t>32</a:t>
+            </a:fld>
+            <a:endParaRPr lang="da-DK"/>
+          </a:p>
+        </p:txBody>
+      </p:sp>
+    </p:spTree>
+    <p:extLst>
+      <p:ext uri="{BB962C8B-B14F-4D97-AF65-F5344CB8AC3E}">
+        <p14:creationId xmlns:p14="http://schemas.microsoft.com/office/powerpoint/2010/main" val="3004894068"/>
+      </p:ext>
+    </p:extLst>
+  </p:cSld>
+  <p:clrMapOvr>
+    <a:masterClrMapping/>
+  </p:clrMapOvr>
+</p:notes>
+</file>
+
+<file path=ppt/notesSlides/notesSlide23.xml><?xml version="1.0" encoding="utf-8"?>
+<p:notes xmlns:a="http://schemas.openxmlformats.org/drawingml/2006/main" xmlns:r="http://schemas.openxmlformats.org/officeDocument/2006/relationships" xmlns:p="http://schemas.openxmlformats.org/presentationml/2006/main">
+  <p:cSld>
+    <p:spTree>
+      <p:nvGrpSpPr>
+        <p:cNvPr id="1" name=""/>
+        <p:cNvGrpSpPr/>
+        <p:nvPr/>
+      </p:nvGrpSpPr>
+      <p:grpSpPr>
+        <a:xfrm>
+          <a:off x="0" y="0"/>
+          <a:ext cx="0" cy="0"/>
+          <a:chOff x="0" y="0"/>
+          <a:chExt cx="0" cy="0"/>
+        </a:xfrm>
+      </p:grpSpPr>
+      <p:sp>
+        <p:nvSpPr>
+          <p:cNvPr id="2" name="Pladsholder til slidebillede 1"/>
+          <p:cNvSpPr>
+            <a:spLocks noGrp="1" noRot="1" noChangeAspect="1"/>
+          </p:cNvSpPr>
+          <p:nvPr>
+            <p:ph type="sldImg"/>
+          </p:nvPr>
+        </p:nvSpPr>
+        <p:spPr/>
+      </p:sp>
+      <p:sp>
+        <p:nvSpPr>
+          <p:cNvPr id="3" name="Pladsholder til noter 2"/>
+          <p:cNvSpPr>
+            <a:spLocks noGrp="1"/>
+          </p:cNvSpPr>
+          <p:nvPr>
+            <p:ph type="body" idx="1"/>
+          </p:nvPr>
+        </p:nvSpPr>
+        <p:spPr/>
+        <p:txBody>
+          <a:bodyPr/>
+          <a:lstStyle/>
+          <a:p>
+            <a:r>
+              <a:rPr lang="da-DK" dirty="0"/>
+              <a:t>Remote Procedure </a:t>
+            </a:r>
+            <a:r>
+              <a:rPr lang="da-DK" dirty="0" err="1"/>
+              <a:t>Cal</a:t>
+            </a:r>
+            <a:endParaRPr lang="da-DK" dirty="0"/>
+          </a:p>
+          <a:p>
+            <a:r>
+              <a:rPr lang="da-DK" dirty="0"/>
+              <a:t>Nævn at </a:t>
+            </a:r>
+            <a:r>
+              <a:rPr lang="da-DK" dirty="0" err="1"/>
+              <a:t>kafka</a:t>
+            </a:r>
+            <a:r>
+              <a:rPr lang="da-DK" dirty="0"/>
+              <a:t> ikke understøtter </a:t>
+            </a:r>
+            <a:r>
+              <a:rPr lang="da-DK" dirty="0" err="1"/>
+              <a:t>request-response</a:t>
+            </a:r>
+            <a:endParaRPr lang="da-DK" dirty="0"/>
+          </a:p>
+          <a:p>
+            <a:r>
+              <a:rPr lang="da-DK" dirty="0"/>
+              <a:t>Nævn at </a:t>
+            </a:r>
+            <a:r>
+              <a:rPr lang="da-DK" dirty="0" err="1"/>
+              <a:t>Rabbit</a:t>
+            </a:r>
+            <a:r>
+              <a:rPr lang="da-DK" dirty="0"/>
+              <a:t> Stream tillader en </a:t>
+            </a:r>
+            <a:r>
+              <a:rPr lang="da-DK" dirty="0" err="1"/>
+              <a:t>ligende</a:t>
+            </a:r>
+            <a:r>
+              <a:rPr lang="da-DK" dirty="0"/>
+              <a:t> opførelse som Kafka</a:t>
+            </a:r>
+          </a:p>
+          <a:p>
+            <a:r>
+              <a:rPr lang="da-DK" dirty="0"/>
+              <a:t>Korrekt opsætning af producer, </a:t>
             </a:r>
             <a:r>
               <a:rPr lang="da-DK" dirty="0" err="1"/>
@@ -2064,7 +2326,203 @@
             </a:r>
             <a:r>
               <a:rPr lang="da-DK" dirty="0"/>
+              <a:t> og partitioner tillader </a:t>
+            </a:r>
+            <a:r>
+              <a:rPr lang="da-DK" dirty="0" err="1"/>
+              <a:t>round-robin</a:t>
+            </a:r>
+            <a:r>
+              <a:rPr lang="da-DK" dirty="0"/>
+              <a:t> i Kafka. Flere </a:t>
+            </a:r>
+            <a:r>
+              <a:rPr lang="da-DK" dirty="0" err="1"/>
+              <a:t>consumer</a:t>
+            </a:r>
+            <a:r>
+              <a:rPr lang="da-DK" dirty="0"/>
+              <a:t> end partitioner, nogle </a:t>
+            </a:r>
+            <a:r>
+              <a:rPr lang="da-DK" dirty="0" err="1"/>
+              <a:t>consumer</a:t>
+            </a:r>
+            <a:r>
+              <a:rPr lang="da-DK" dirty="0"/>
+              <a:t> får intet data</a:t>
+            </a:r>
+          </a:p>
+          <a:p>
+            <a:r>
+              <a:rPr lang="da-DK" dirty="0"/>
+              <a:t>Kafka </a:t>
+            </a:r>
+            <a:r>
+              <a:rPr lang="da-DK" dirty="0" err="1"/>
+              <a:t>consumer</a:t>
+            </a:r>
+            <a:r>
+              <a:rPr lang="da-DK" dirty="0"/>
+              <a:t> kan læse enten læse events efter opstart eller også dem før. </a:t>
+            </a:r>
+            <a:r>
+              <a:rPr lang="da-DK" dirty="0" err="1"/>
+              <a:t>RabbitMQ</a:t>
+            </a:r>
+            <a:r>
+              <a:rPr lang="da-DK" dirty="0"/>
               <a:t> </a:t>
+            </a:r>
+            <a:r>
+              <a:rPr lang="da-DK" dirty="0" err="1"/>
+              <a:t>consumer</a:t>
+            </a:r>
+            <a:r>
+              <a:rPr lang="da-DK" dirty="0"/>
+              <a:t> læser beskeder i </a:t>
+            </a:r>
+            <a:r>
+              <a:rPr lang="da-DK" dirty="0" err="1"/>
+              <a:t>quenen</a:t>
+            </a:r>
+            <a:r>
+              <a:rPr lang="da-DK" dirty="0"/>
+              <a:t>. </a:t>
+            </a:r>
+          </a:p>
+          <a:p>
+            <a:r>
+              <a:rPr lang="da-DK" dirty="0"/>
+              <a:t>https://kafka.apache.org/documentation/#intro_nutshell nævner Kafka som en alternativ til </a:t>
+            </a:r>
+            <a:r>
+              <a:rPr lang="da-DK" dirty="0" err="1"/>
+              <a:t>RabbitMQ</a:t>
+            </a:r>
+            <a:r>
+              <a:rPr lang="da-DK" dirty="0"/>
+              <a:t> </a:t>
+            </a:r>
+          </a:p>
+        </p:txBody>
+      </p:sp>
+      <p:sp>
+        <p:nvSpPr>
+          <p:cNvPr id="4" name="Pladsholder til slidenummer 3"/>
+          <p:cNvSpPr>
+            <a:spLocks noGrp="1"/>
+          </p:cNvSpPr>
+          <p:nvPr>
+            <p:ph type="sldNum" sz="quarter" idx="5"/>
+          </p:nvPr>
+        </p:nvSpPr>
+        <p:spPr/>
+        <p:txBody>
+          <a:bodyPr/>
+          <a:lstStyle/>
+          <a:p>
+            <a:fld id="{252E21F2-0B82-4ACE-A045-2AAC56859006}" type="slidenum">
+              <a:rPr lang="da-DK" smtClean="0"/>
+              <a:t>33</a:t>
+            </a:fld>
+            <a:endParaRPr lang="da-DK"/>
+          </a:p>
+        </p:txBody>
+      </p:sp>
+    </p:spTree>
+    <p:extLst>
+      <p:ext uri="{BB962C8B-B14F-4D97-AF65-F5344CB8AC3E}">
+        <p14:creationId xmlns:p14="http://schemas.microsoft.com/office/powerpoint/2010/main" val="1108710331"/>
+      </p:ext>
+    </p:extLst>
+  </p:cSld>
+  <p:clrMapOvr>
+    <a:masterClrMapping/>
+  </p:clrMapOvr>
+</p:notes>
+</file>
+
+<file path=ppt/notesSlides/notesSlide24.xml><?xml version="1.0" encoding="utf-8"?>
+<p:notes xmlns:a="http://schemas.openxmlformats.org/drawingml/2006/main" xmlns:r="http://schemas.openxmlformats.org/officeDocument/2006/relationships" xmlns:p="http://schemas.openxmlformats.org/presentationml/2006/main">
+  <p:cSld>
+    <p:spTree>
+      <p:nvGrpSpPr>
+        <p:cNvPr id="1" name=""/>
+        <p:cNvGrpSpPr/>
+        <p:nvPr/>
+      </p:nvGrpSpPr>
+      <p:grpSpPr>
+        <a:xfrm>
+          <a:off x="0" y="0"/>
+          <a:ext cx="0" cy="0"/>
+          <a:chOff x="0" y="0"/>
+          <a:chExt cx="0" cy="0"/>
+        </a:xfrm>
+      </p:grpSpPr>
+      <p:sp>
+        <p:nvSpPr>
+          <p:cNvPr id="2" name="Pladsholder til slidebillede 1"/>
+          <p:cNvSpPr>
+            <a:spLocks noGrp="1" noRot="1" noChangeAspect="1"/>
+          </p:cNvSpPr>
+          <p:nvPr>
+            <p:ph type="sldImg"/>
+          </p:nvPr>
+        </p:nvSpPr>
+        <p:spPr/>
+      </p:sp>
+      <p:sp>
+        <p:nvSpPr>
+          <p:cNvPr id="3" name="Pladsholder til noter 2"/>
+          <p:cNvSpPr>
+            <a:spLocks noGrp="1"/>
+          </p:cNvSpPr>
+          <p:nvPr>
+            <p:ph type="body" idx="1"/>
+          </p:nvPr>
+        </p:nvSpPr>
+        <p:spPr/>
+        <p:txBody>
+          <a:bodyPr/>
+          <a:lstStyle/>
+          <a:p>
+            <a:r>
+              <a:rPr lang="da-DK" dirty="0"/>
+              <a:t>Nævn at for </a:t>
+            </a:r>
+            <a:r>
+              <a:rPr lang="da-DK" dirty="0" err="1"/>
+              <a:t>RabbitMQ</a:t>
+            </a:r>
+            <a:r>
+              <a:rPr lang="da-DK" dirty="0"/>
+              <a:t> er der intet der tvinger en </a:t>
+            </a:r>
+            <a:r>
+              <a:rPr lang="da-DK" dirty="0" err="1"/>
+              <a:t>consumer</a:t>
+            </a:r>
+            <a:r>
+              <a:rPr lang="da-DK" dirty="0"/>
+              <a:t> at svare på en RPC</a:t>
+            </a:r>
+          </a:p>
+          <a:p>
+            <a:r>
+              <a:rPr lang="da-DK" dirty="0"/>
+              <a:t>Kafka er nok bedre for Event Collaboration/</a:t>
+            </a:r>
+            <a:r>
+              <a:rPr lang="da-DK" dirty="0" err="1"/>
+              <a:t>Sourcing</a:t>
+            </a:r>
+            <a:endParaRPr lang="da-DK" dirty="0"/>
+          </a:p>
+          <a:p>
+            <a:r>
+              <a:rPr lang="da-DK" dirty="0"/>
+              <a:t>https://martinfowler.com/eaaDev/EventCollaboration.html</a:t>
             </a:r>
           </a:p>
         </p:txBody>
@@ -2087,6 +2545,121 @@
             <a:fld id="{252E21F2-0B82-4ACE-A045-2AAC56859006}" type="slidenum">
               <a:rPr lang="da-DK" smtClean="0"/>
               <a:t>34</a:t>
+            </a:fld>
+            <a:endParaRPr lang="da-DK"/>
+          </a:p>
+        </p:txBody>
+      </p:sp>
+    </p:spTree>
+    <p:extLst>
+      <p:ext uri="{BB962C8B-B14F-4D97-AF65-F5344CB8AC3E}">
+        <p14:creationId xmlns:p14="http://schemas.microsoft.com/office/powerpoint/2010/main" val="282527506"/>
+      </p:ext>
+    </p:extLst>
+  </p:cSld>
+  <p:clrMapOvr>
+    <a:masterClrMapping/>
+  </p:clrMapOvr>
+</p:notes>
+</file>
+
+<file path=ppt/notesSlides/notesSlide25.xml><?xml version="1.0" encoding="utf-8"?>
+<p:notes xmlns:a="http://schemas.openxmlformats.org/drawingml/2006/main" xmlns:r="http://schemas.openxmlformats.org/officeDocument/2006/relationships" xmlns:p="http://schemas.openxmlformats.org/presentationml/2006/main">
+  <p:cSld>
+    <p:spTree>
+      <p:nvGrpSpPr>
+        <p:cNvPr id="1" name=""/>
+        <p:cNvGrpSpPr/>
+        <p:nvPr/>
+      </p:nvGrpSpPr>
+      <p:grpSpPr>
+        <a:xfrm>
+          <a:off x="0" y="0"/>
+          <a:ext cx="0" cy="0"/>
+          <a:chOff x="0" y="0"/>
+          <a:chExt cx="0" cy="0"/>
+        </a:xfrm>
+      </p:grpSpPr>
+      <p:sp>
+        <p:nvSpPr>
+          <p:cNvPr id="2" name="Pladsholder til slidebillede 1"/>
+          <p:cNvSpPr>
+            <a:spLocks noGrp="1" noRot="1" noChangeAspect="1"/>
+          </p:cNvSpPr>
+          <p:nvPr>
+            <p:ph type="sldImg"/>
+          </p:nvPr>
+        </p:nvSpPr>
+        <p:spPr/>
+      </p:sp>
+      <p:sp>
+        <p:nvSpPr>
+          <p:cNvPr id="3" name="Pladsholder til noter 2"/>
+          <p:cNvSpPr>
+            <a:spLocks noGrp="1"/>
+          </p:cNvSpPr>
+          <p:nvPr>
+            <p:ph type="body" idx="1"/>
+          </p:nvPr>
+        </p:nvSpPr>
+        <p:spPr/>
+        <p:txBody>
+          <a:bodyPr/>
+          <a:lstStyle/>
+          <a:p>
+            <a:r>
+              <a:rPr lang="da-DK" dirty="0"/>
+              <a:t>Begge kræver at de kender hinanden.</a:t>
+            </a:r>
+          </a:p>
+          <a:p>
+            <a:r>
+              <a:rPr lang="da-DK" dirty="0"/>
+              <a:t>A kunne sende en url’en til en REST API med over</a:t>
+            </a:r>
+          </a:p>
+          <a:p>
+            <a:r>
+              <a:rPr lang="da-DK" dirty="0"/>
+              <a:t>Kafka er nok bedre hvis </a:t>
+            </a:r>
+            <a:r>
+              <a:rPr lang="da-DK" dirty="0" err="1"/>
+              <a:t>producer’en</a:t>
+            </a:r>
+            <a:r>
+              <a:rPr lang="da-DK" dirty="0"/>
+              <a:t> ikke skal reagere på </a:t>
+            </a:r>
+            <a:r>
+              <a:rPr lang="da-DK" dirty="0" err="1"/>
+              <a:t>consumer</a:t>
+            </a:r>
+            <a:r>
+              <a:rPr lang="da-DK" dirty="0"/>
+              <a:t> </a:t>
+            </a:r>
+          </a:p>
+        </p:txBody>
+      </p:sp>
+      <p:sp>
+        <p:nvSpPr>
+          <p:cNvPr id="4" name="Pladsholder til slidenummer 3"/>
+          <p:cNvSpPr>
+            <a:spLocks noGrp="1"/>
+          </p:cNvSpPr>
+          <p:nvPr>
+            <p:ph type="sldNum" sz="quarter" idx="5"/>
+          </p:nvPr>
+        </p:nvSpPr>
+        <p:spPr/>
+        <p:txBody>
+          <a:bodyPr/>
+          <a:lstStyle/>
+          <a:p>
+            <a:fld id="{252E21F2-0B82-4ACE-A045-2AAC56859006}" type="slidenum">
+              <a:rPr lang="da-DK" smtClean="0"/>
+              <a:t>35</a:t>
             </a:fld>
             <a:endParaRPr lang="da-DK"/>
           </a:p>
@@ -2150,6 +2723,30 @@
           <a:lstStyle/>
           <a:p>
             <a:r>
+              <a:rPr lang="da-DK" dirty="0"/>
+              <a:t>Nedarvning ude -&gt; ind</a:t>
+            </a:r>
+          </a:p>
+          <a:p>
+            <a:r>
+              <a:rPr lang="da-DK" dirty="0" err="1"/>
+              <a:t>Infrastucture</a:t>
+            </a:r>
+            <a:r>
+              <a:rPr lang="da-DK" dirty="0"/>
+              <a:t> -&gt; </a:t>
+            </a:r>
+            <a:r>
+              <a:rPr lang="da-DK" dirty="0" err="1"/>
+              <a:t>entityframework</a:t>
+            </a:r>
+            <a:endParaRPr lang="da-DK" dirty="0"/>
+          </a:p>
+          <a:p>
+            <a:endParaRPr lang="da-DK" dirty="0"/>
+          </a:p>
+          <a:p>
+            <a:r>
               <a:rPr lang="da-DK" dirty="0" err="1"/>
               <a:t>Onion</a:t>
             </a:r>
@@ -2779,6 +3376,53 @@
             </a:r>
             <a:endParaRPr lang="da-DK" dirty="0"/>
           </a:p>
+          <a:p>
+            <a:r>
+              <a:rPr lang="da-DK" dirty="0" err="1"/>
+              <a:t>IAggregateRoot</a:t>
+            </a:r>
+            <a:r>
+              <a:rPr lang="da-DK" dirty="0"/>
+              <a:t> og </a:t>
+            </a:r>
+            <a:r>
+              <a:rPr lang="da-DK" dirty="0" err="1"/>
+              <a:t>ReferenceId</a:t>
+            </a:r>
+            <a:r>
+              <a:rPr lang="da-DK" dirty="0"/>
+              <a:t>, hjælpe med at styre hvad er en rod (for </a:t>
+            </a:r>
+            <a:r>
+              <a:rPr lang="da-DK" dirty="0" err="1"/>
+              <a:t>entiyframework</a:t>
+            </a:r>
+            <a:r>
+              <a:rPr lang="da-DK" dirty="0"/>
+              <a:t>) og </a:t>
+            </a:r>
+            <a:r>
+              <a:rPr lang="da-DK" dirty="0" err="1"/>
+              <a:t>referenceId</a:t>
+            </a:r>
+            <a:r>
+              <a:rPr lang="da-DK" dirty="0"/>
+              <a:t> kan være </a:t>
+            </a:r>
+            <a:r>
+              <a:rPr lang="da-DK" dirty="0" err="1"/>
+              <a:t>burgbart</a:t>
+            </a:r>
+            <a:r>
+              <a:rPr lang="da-DK" dirty="0"/>
+              <a:t> for komplekse </a:t>
+            </a:r>
+            <a:r>
+              <a:rPr lang="da-DK" dirty="0" err="1"/>
+              <a:t>id’er</a:t>
+            </a:r>
+            <a:endParaRPr lang="da-DK" dirty="0"/>
+          </a:p>
         </p:txBody>
       </p:sp>
       <p:sp>
@@ -2861,16 +3505,7 @@
           <a:bodyPr/>
           <a:lstStyle/>
           <a:p>
-            <a:r>
-              <a:rPr lang="da-DK" dirty="0"/>
-              <a:t>https://martinfowler.com/bliki/UbiquitousLanguage.html</a:t>
-            </a:r>
-          </a:p>
-          <a:p>
-            <a:r>
-              <a:rPr lang="da-DK" dirty="0"/>
-              <a:t>https://martinfowler.com/bliki/BoundedContext.html</a:t>
-            </a:r>
+            <a:endParaRPr lang="da-DK" dirty="0"/>
           </a:p>
         </p:txBody>
       </p:sp>
@@ -2891,7 +3526,7 @@
           <a:p>
             <a:fld id="{252E21F2-0B82-4ACE-A045-2AAC56859006}" type="slidenum">
               <a:rPr lang="da-DK" smtClean="0"/>
-              <a:t>15</a:t>
+              <a:t>14</a:t>
             </a:fld>
             <a:endParaRPr lang="da-DK"/>
           </a:p>
@@ -2900,7 +3535,7 @@
     </p:spTree>
     <p:extLst>
       <p:ext uri="{BB962C8B-B14F-4D97-AF65-F5344CB8AC3E}">
-        <p14:creationId xmlns:p14="http://schemas.microsoft.com/office/powerpoint/2010/main" val="2568857346"/>
+        <p14:creationId xmlns:p14="http://schemas.microsoft.com/office/powerpoint/2010/main" val="2313198539"/>
       </p:ext>
     </p:extLst>
   </p:cSld>
@@ -2956,69 +3591,41 @@
           <a:p>
             <a:r>
               <a:rPr lang="da-DK" dirty="0"/>
-              <a:t>Channels tillader at benytte en enkel TCP forbindelse. Intet kommunikation mellem </a:t>
-            </a:r>
-            <a:r>
-              <a:rPr lang="da-DK" dirty="0" err="1"/>
-              <a:t>channels</a:t>
-            </a:r>
-            <a:r>
-              <a:rPr lang="da-DK" dirty="0"/>
-              <a:t>. Normalt en </a:t>
-            </a:r>
-            <a:r>
-              <a:rPr lang="da-DK" dirty="0" err="1"/>
-              <a:t>kannal</a:t>
-            </a:r>
-            <a:r>
-              <a:rPr lang="da-DK" dirty="0"/>
-              <a:t> per tråd </a:t>
-            </a:r>
-          </a:p>
-          <a:p>
-            <a:r>
-              <a:rPr lang="da-DK" dirty="0" err="1"/>
-              <a:t>Streams</a:t>
-            </a:r>
-            <a:r>
-              <a:rPr lang="da-DK" dirty="0"/>
-              <a:t> fjerner ikke beskeder. Kan bruges til at sende besked til flere </a:t>
-            </a:r>
-            <a:r>
-              <a:rPr lang="da-DK" dirty="0" err="1"/>
-              <a:t>consumers</a:t>
-            </a:r>
+              <a:t>User og Customer deler Id, navn og lokation. Id skal altid være det samme</a:t>
+            </a:r>
+          </a:p>
+          <a:p>
+            <a:r>
+              <a:rPr lang="da-DK" dirty="0" err="1"/>
+              <a:t>CompanyName</a:t>
+            </a:r>
+            <a:r>
+              <a:rPr lang="da-DK" dirty="0"/>
+              <a:t> og </a:t>
+            </a:r>
+            <a:r>
+              <a:rPr lang="da-DK" dirty="0" err="1"/>
+              <a:t>CustomerName</a:t>
+            </a:r>
+            <a:r>
+              <a:rPr lang="da-DK" dirty="0"/>
+              <a:t> er for at undgå at skulle slå op i begge databaser </a:t>
+            </a:r>
+          </a:p>
+          <a:p>
             <a:endParaRPr lang="da-DK" dirty="0"/>
           </a:p>
           <a:p>
             <a:r>
               <a:rPr lang="da-DK" dirty="0"/>
-              <a:t>Queue </a:t>
-            </a:r>
-            <a:r>
-              <a:rPr lang="da-DK" dirty="0" err="1"/>
-              <a:t>ordered</a:t>
-            </a:r>
-            <a:r>
-              <a:rPr lang="da-DK" dirty="0"/>
-              <a:t> samling af beskeder, FIFO. </a:t>
-            </a:r>
-            <a:r>
-              <a:rPr lang="da-DK" dirty="0" err="1"/>
-              <a:t>Enqueued</a:t>
-            </a:r>
-            <a:r>
-              <a:rPr lang="da-DK" dirty="0"/>
-              <a:t>, </a:t>
-            </a:r>
-            <a:r>
-              <a:rPr lang="da-DK" dirty="0" err="1"/>
-              <a:t>dequeued</a:t>
-            </a:r>
-            <a:endParaRPr lang="da-DK" dirty="0"/>
-          </a:p>
-          <a:p>
-            <a:endParaRPr lang="da-DK" dirty="0"/>
+              <a:t>https://martinfowler.com/bliki/UbiquitousLanguage.html</a:t>
+            </a:r>
+          </a:p>
+          <a:p>
+            <a:r>
+              <a:rPr lang="da-DK" dirty="0"/>
+              <a:t>https://martinfowler.com/bliki/BoundedContext.html</a:t>
+            </a:r>
           </a:p>
         </p:txBody>
       </p:sp>
@@ -3039,7 +3646,7 @@
           <a:p>
             <a:fld id="{252E21F2-0B82-4ACE-A045-2AAC56859006}" type="slidenum">
               <a:rPr lang="da-DK" smtClean="0"/>
-              <a:t>18</a:t>
+              <a:t>15</a:t>
             </a:fld>
             <a:endParaRPr lang="da-DK"/>
           </a:p>
@@ -3048,7 +3655,7 @@
     </p:spTree>
     <p:extLst>
       <p:ext uri="{BB962C8B-B14F-4D97-AF65-F5344CB8AC3E}">
-        <p14:creationId xmlns:p14="http://schemas.microsoft.com/office/powerpoint/2010/main" val="1091159589"/>
+        <p14:creationId xmlns:p14="http://schemas.microsoft.com/office/powerpoint/2010/main" val="2568857346"/>
       </p:ext>
     </p:extLst>
   </p:cSld>
@@ -3228,7 +3835,7 @@
           <a:p>
             <a:fld id="{904F8374-DDA3-4289-A3C4-A561B6E67BA2}" type="datetimeFigureOut">
               <a:rPr lang="da-DK" smtClean="0"/>
-              <a:t>08-05-2024</a:t>
+              <a:t>09-05-2024</a:t>
             </a:fld>
             <a:endParaRPr lang="da-DK"/>
           </a:p>
@@ -3495,7 +4102,7 @@
           <a:p>
             <a:fld id="{904F8374-DDA3-4289-A3C4-A561B6E67BA2}" type="datetimeFigureOut">
               <a:rPr lang="da-DK" smtClean="0"/>
-              <a:t>08-05-2024</a:t>
+              <a:t>09-05-2024</a:t>
             </a:fld>
             <a:endParaRPr lang="da-DK"/>
           </a:p>
@@ -3726,7 +4333,7 @@
           <a:p>
             <a:fld id="{904F8374-DDA3-4289-A3C4-A561B6E67BA2}" type="datetimeFigureOut">
               <a:rPr lang="da-DK" smtClean="0"/>
-              <a:t>08-05-2024</a:t>
+              <a:t>09-05-2024</a:t>
             </a:fld>
             <a:endParaRPr lang="da-DK"/>
           </a:p>
@@ -4036,7 +4643,7 @@
           <a:p>
             <a:fld id="{904F8374-DDA3-4289-A3C4-A561B6E67BA2}" type="datetimeFigureOut">
               <a:rPr lang="da-DK" smtClean="0"/>
-              <a:t>08-05-2024</a:t>
+              <a:t>09-05-2024</a:t>
             </a:fld>
             <a:endParaRPr lang="da-DK"/>
           </a:p>
@@ -4509,7 +5116,7 @@
           <a:p>
             <a:fld id="{904F8374-DDA3-4289-A3C4-A561B6E67BA2}" type="datetimeFigureOut">
               <a:rPr lang="da-DK" smtClean="0"/>
-              <a:t>08-05-2024</a:t>
+              <a:t>09-05-2024</a:t>
             </a:fld>
             <a:endParaRPr lang="da-DK"/>
           </a:p>
@@ -5056,7 +5663,7 @@
           <a:p>
             <a:fld id="{904F8374-DDA3-4289-A3C4-A561B6E67BA2}" type="datetimeFigureOut">
               <a:rPr lang="da-DK" smtClean="0"/>
-              <a:t>08-05-2024</a:t>
+              <a:t>09-05-2024</a:t>
             </a:fld>
             <a:endParaRPr lang="da-DK"/>
           </a:p>
@@ -5830,7 +6437,7 @@
           <a:p>
             <a:fld id="{904F8374-DDA3-4289-A3C4-A561B6E67BA2}" type="datetimeFigureOut">
               <a:rPr lang="da-DK" smtClean="0"/>
-              <a:t>08-05-2024</a:t>
+              <a:t>09-05-2024</a:t>
             </a:fld>
             <a:endParaRPr lang="da-DK"/>
           </a:p>
@@ -6005,7 +6612,7 @@
           <a:p>
             <a:fld id="{904F8374-DDA3-4289-A3C4-A561B6E67BA2}" type="datetimeFigureOut">
               <a:rPr lang="da-DK" smtClean="0"/>
-              <a:t>08-05-2024</a:t>
+              <a:t>09-05-2024</a:t>
             </a:fld>
             <a:endParaRPr lang="da-DK"/>
           </a:p>
@@ -6228,7 +6835,7 @@
           <a:p>
             <a:fld id="{904F8374-DDA3-4289-A3C4-A561B6E67BA2}" type="datetimeFigureOut">
               <a:rPr lang="da-DK" smtClean="0"/>
-              <a:t>08-05-2024</a:t>
+              <a:t>09-05-2024</a:t>
             </a:fld>
             <a:endParaRPr lang="da-DK"/>
           </a:p>
@@ -6408,7 +7015,7 @@
           <a:p>
             <a:fld id="{904F8374-DDA3-4289-A3C4-A561B6E67BA2}" type="datetimeFigureOut">
               <a:rPr lang="da-DK" smtClean="0"/>
-              <a:t>08-05-2024</a:t>
+              <a:t>09-05-2024</a:t>
             </a:fld>
             <a:endParaRPr lang="da-DK"/>
           </a:p>
@@ -6697,7 +7304,7 @@
           <a:p>
             <a:fld id="{904F8374-DDA3-4289-A3C4-A561B6E67BA2}" type="datetimeFigureOut">
               <a:rPr lang="da-DK" smtClean="0"/>
-              <a:t>08-05-2024</a:t>
+              <a:t>09-05-2024</a:t>
             </a:fld>
             <a:endParaRPr lang="da-DK"/>
           </a:p>
@@ -6939,7 +7546,7 @@
           <a:p>
             <a:fld id="{904F8374-DDA3-4289-A3C4-A561B6E67BA2}" type="datetimeFigureOut">
               <a:rPr lang="da-DK" smtClean="0"/>
-              <a:t>08-05-2024</a:t>
+              <a:t>09-05-2024</a:t>
             </a:fld>
             <a:endParaRPr lang="da-DK"/>
           </a:p>
@@ -7318,7 +7925,7 @@
           <a:p>
             <a:fld id="{904F8374-DDA3-4289-A3C4-A561B6E67BA2}" type="datetimeFigureOut">
               <a:rPr lang="da-DK" smtClean="0"/>
-              <a:t>08-05-2024</a:t>
+              <a:t>09-05-2024</a:t>
             </a:fld>
             <a:endParaRPr lang="da-DK"/>
           </a:p>
@@ -7436,7 +8043,7 @@
           <a:p>
             <a:fld id="{904F8374-DDA3-4289-A3C4-A561B6E67BA2}" type="datetimeFigureOut">
               <a:rPr lang="da-DK" smtClean="0"/>
-              <a:t>08-05-2024</a:t>
+              <a:t>09-05-2024</a:t>
             </a:fld>
             <a:endParaRPr lang="da-DK"/>
           </a:p>
@@ -7531,7 +8138,7 @@
           <a:p>
             <a:fld id="{904F8374-DDA3-4289-A3C4-A561B6E67BA2}" type="datetimeFigureOut">
               <a:rPr lang="da-DK" smtClean="0"/>
-              <a:t>08-05-2024</a:t>
+              <a:t>09-05-2024</a:t>
             </a:fld>
             <a:endParaRPr lang="da-DK"/>
           </a:p>
@@ -7780,7 +8387,7 @@
           <a:p>
             <a:fld id="{904F8374-DDA3-4289-A3C4-A561B6E67BA2}" type="datetimeFigureOut">
               <a:rPr lang="da-DK" smtClean="0"/>
-              <a:t>08-05-2024</a:t>
+              <a:t>09-05-2024</a:t>
             </a:fld>
             <a:endParaRPr lang="da-DK"/>
           </a:p>
@@ -8037,7 +8644,7 @@
           <a:p>
             <a:fld id="{904F8374-DDA3-4289-A3C4-A561B6E67BA2}" type="datetimeFigureOut">
               <a:rPr lang="da-DK" smtClean="0"/>
-              <a:t>08-05-2024</a:t>
+              <a:t>09-05-2024</a:t>
             </a:fld>
             <a:endParaRPr lang="da-DK"/>
           </a:p>
@@ -8280,7 +8887,7 @@
           <a:p>
             <a:fld id="{904F8374-DDA3-4289-A3C4-A561B6E67BA2}" type="datetimeFigureOut">
               <a:rPr lang="da-DK" smtClean="0"/>
-              <a:t>08-05-2024</a:t>
+              <a:t>09-05-2024</a:t>
             </a:fld>
             <a:endParaRPr lang="da-DK"/>
           </a:p>
@@ -9278,6 +9885,12 @@
               <a:t>Uforanderlig</a:t>
             </a:r>
           </a:p>
+          <a:p>
+            <a:r>
+              <a:rPr lang="da-DK" dirty="0"/>
+              <a:t>Kan have forretningslogik</a:t>
+            </a:r>
+          </a:p>
         </p:txBody>
       </p:sp>
       <p:sp>
@@ -9658,6 +10271,12 @@
               <a:t>Ikke så godt for mindre projekter</a:t>
             </a:r>
           </a:p>
+          <a:p>
+            <a:r>
+              <a:rPr lang="da-DK" dirty="0"/>
+              <a:t>Håndtering af datakonsistens, eventuelt</a:t>
+            </a:r>
+          </a:p>
         </p:txBody>
       </p:sp>
     </p:spTree>
@@ -10797,7 +11416,7 @@
           <p:cNvPr id="2" name="Titel 1">
             <a:extLst>
               <a:ext uri="{FF2B5EF4-FFF2-40B4-BE49-F238E27FC236}">
-                <a16:creationId xmlns:a16="http://schemas.microsoft.com/office/drawing/2014/main" id="{9AD4A813-A89A-825A-72FF-FA237F2E8B70}"/>
+                <a16:creationId xmlns:a16="http://schemas.microsoft.com/office/drawing/2014/main" id="{FFEC5993-EFA9-A519-83CC-AF07225CE353}"/>
               </a:ext>
             </a:extLst>
           </p:cNvPr>
@@ -10808,54 +11427,20 @@
             <p:ph type="title"/>
           </p:nvPr>
         </p:nvSpPr>
-        <p:spPr/>
-        <p:txBody>
-          <a:bodyPr/>
-          <a:lstStyle/>
-          <a:p>
-            <a:r>
-              <a:rPr lang="da-DK"/>
-              <a:t>Konklusion?</a:t>
-            </a:r>
-          </a:p>
-        </p:txBody>
-      </p:sp>
-      <p:sp>
-        <p:nvSpPr>
-          <p:cNvPr id="3" name="Pladsholder til indhold 2">
-            <a:extLst>
-              <a:ext uri="{FF2B5EF4-FFF2-40B4-BE49-F238E27FC236}">
-                <a16:creationId xmlns:a16="http://schemas.microsoft.com/office/drawing/2014/main" id="{4273B0C1-65DB-7237-D931-F20125F6C970}"/>
-              </a:ext>
-            </a:extLst>
-          </p:cNvPr>
-          <p:cNvSpPr>
-            <a:spLocks noGrp="1"/>
-          </p:cNvSpPr>
-          <p:nvPr>
-            <p:ph idx="1"/>
-          </p:nvPr>
-        </p:nvSpPr>
-        <p:spPr/>
-        <p:txBody>
-          <a:bodyPr/>
-          <a:lstStyle/>
-          <a:p>
-            <a:r>
-              <a:rPr lang="da-DK" dirty="0"/>
-              <a:t>Produktet læste problemformulering</a:t>
-            </a:r>
-          </a:p>
-          <a:p>
-            <a:r>
-              <a:rPr lang="da-DK" dirty="0"/>
-              <a:t>Har mangler før det ville kunne bruges i virkeligheden</a:t>
-            </a:r>
-          </a:p>
-          <a:p>
-            <a:r>
-              <a:rPr lang="da-DK" dirty="0"/>
-              <a:t>Er mere hen af en prototype</a:t>
+        <p:spPr>
+          <a:xfrm>
+            <a:off x="0" y="0"/>
+            <a:ext cx="12192000" cy="6857999"/>
+          </a:xfrm>
+        </p:spPr>
+        <p:txBody>
+          <a:bodyPr/>
+          <a:lstStyle/>
+          <a:p>
+            <a:pPr algn="ctr"/>
+            <a:r>
+              <a:rPr lang="da-DK" dirty="0"/>
+              <a:t>Konklusion</a:t>
             </a:r>
           </a:p>
         </p:txBody>
@@ -10863,7 +11448,7 @@
     </p:spTree>
     <p:extLst>
       <p:ext uri="{BB962C8B-B14F-4D97-AF65-F5344CB8AC3E}">
-        <p14:creationId xmlns:p14="http://schemas.microsoft.com/office/powerpoint/2010/main" val="2542655594"/>
+        <p14:creationId xmlns:p14="http://schemas.microsoft.com/office/powerpoint/2010/main" val="1632765315"/>
       </p:ext>
     </p:extLst>
   </p:cSld>
@@ -10895,6 +11480,154 @@
           <p:cNvPr id="2" name="Titel 1">
             <a:extLst>
               <a:ext uri="{FF2B5EF4-FFF2-40B4-BE49-F238E27FC236}">
+                <a16:creationId xmlns:a16="http://schemas.microsoft.com/office/drawing/2014/main" id="{9AD4A813-A89A-825A-72FF-FA237F2E8B70}"/>
+              </a:ext>
+            </a:extLst>
+          </p:cNvPr>
+          <p:cNvSpPr>
+            <a:spLocks noGrp="1"/>
+          </p:cNvSpPr>
+          <p:nvPr>
+            <p:ph type="title"/>
+          </p:nvPr>
+        </p:nvSpPr>
+        <p:spPr/>
+        <p:txBody>
+          <a:bodyPr/>
+          <a:lstStyle/>
+          <a:p>
+            <a:r>
+              <a:rPr lang="da-DK" dirty="0"/>
+              <a:t>Konklusion</a:t>
+            </a:r>
+          </a:p>
+        </p:txBody>
+      </p:sp>
+      <p:sp>
+        <p:nvSpPr>
+          <p:cNvPr id="3" name="Pladsholder til indhold 2">
+            <a:extLst>
+              <a:ext uri="{FF2B5EF4-FFF2-40B4-BE49-F238E27FC236}">
+                <a16:creationId xmlns:a16="http://schemas.microsoft.com/office/drawing/2014/main" id="{4273B0C1-65DB-7237-D931-F20125F6C970}"/>
+              </a:ext>
+            </a:extLst>
+          </p:cNvPr>
+          <p:cNvSpPr>
+            <a:spLocks noGrp="1"/>
+          </p:cNvSpPr>
+          <p:nvPr>
+            <p:ph idx="1"/>
+          </p:nvPr>
+        </p:nvSpPr>
+        <p:spPr/>
+        <p:txBody>
+          <a:bodyPr/>
+          <a:lstStyle/>
+          <a:p>
+            <a:r>
+              <a:rPr lang="da-DK" dirty="0"/>
+              <a:t>Produktet læste problemformulering</a:t>
+            </a:r>
+          </a:p>
+          <a:p>
+            <a:pPr lvl="1"/>
+            <a:r>
+              <a:rPr lang="da-DK" dirty="0"/>
+              <a:t>Kundeoprettelse</a:t>
+            </a:r>
+          </a:p>
+          <a:p>
+            <a:pPr lvl="1"/>
+            <a:r>
+              <a:rPr lang="da-DK" dirty="0"/>
+              <a:t>Menu-bestilling</a:t>
+            </a:r>
+          </a:p>
+          <a:p>
+            <a:pPr lvl="1"/>
+            <a:r>
+              <a:rPr lang="da-DK" dirty="0"/>
+              <a:t>Menu og ret oprettelse</a:t>
+            </a:r>
+          </a:p>
+          <a:p>
+            <a:pPr lvl="1"/>
+            <a:r>
+              <a:rPr lang="da-DK" dirty="0"/>
+              <a:t>Se ordrer </a:t>
+            </a:r>
+          </a:p>
+          <a:p>
+            <a:r>
+              <a:rPr lang="da-DK" dirty="0"/>
+              <a:t>Har mangler før det ville kunne bruges i virkeligheden</a:t>
+            </a:r>
+          </a:p>
+          <a:p>
+            <a:pPr lvl="1"/>
+            <a:r>
+              <a:rPr lang="da-DK" dirty="0"/>
+              <a:t>Sikkerhed</a:t>
+            </a:r>
+          </a:p>
+          <a:p>
+            <a:pPr lvl="1"/>
+            <a:r>
+              <a:rPr lang="da-DK" dirty="0" err="1"/>
+              <a:t>Frontend</a:t>
+            </a:r>
+            <a:endParaRPr lang="da-DK" dirty="0"/>
+          </a:p>
+          <a:p>
+            <a:pPr lvl="1"/>
+            <a:r>
+              <a:rPr lang="da-DK" dirty="0"/>
+              <a:t>Betaling </a:t>
+            </a:r>
+          </a:p>
+          <a:p>
+            <a:r>
+              <a:rPr lang="da-DK" dirty="0"/>
+              <a:t>Er mere hen af en prototype</a:t>
+            </a:r>
+          </a:p>
+        </p:txBody>
+      </p:sp>
+    </p:spTree>
+    <p:extLst>
+      <p:ext uri="{BB962C8B-B14F-4D97-AF65-F5344CB8AC3E}">
+        <p14:creationId xmlns:p14="http://schemas.microsoft.com/office/powerpoint/2010/main" val="2542655594"/>
+      </p:ext>
+    </p:extLst>
+  </p:cSld>
+  <p:clrMapOvr>
+    <a:masterClrMapping/>
+  </p:clrMapOvr>
+</p:sld>
+</file>
+
+<file path=ppt/slides/slide27.xml><?xml version="1.0" encoding="utf-8"?>
+<p:sld xmlns:a="http://schemas.openxmlformats.org/drawingml/2006/main" xmlns:r="http://schemas.openxmlformats.org/officeDocument/2006/relationships" xmlns:p="http://schemas.openxmlformats.org/presentationml/2006/main">
+  <p:cSld>
+    <p:spTree>
+      <p:nvGrpSpPr>
+        <p:cNvPr id="1" name=""/>
+        <p:cNvGrpSpPr/>
+        <p:nvPr/>
+      </p:nvGrpSpPr>
+      <p:grpSpPr>
+        <a:xfrm>
+          <a:off x="0" y="0"/>
+          <a:ext cx="0" cy="0"/>
+          <a:chOff x="0" y="0"/>
+          <a:chExt cx="0" cy="0"/>
+        </a:xfrm>
+      </p:grpSpPr>
+      <p:sp>
+        <p:nvSpPr>
+          <p:cNvPr id="2" name="Titel 1">
+            <a:extLst>
+              <a:ext uri="{FF2B5EF4-FFF2-40B4-BE49-F238E27FC236}">
                 <a16:creationId xmlns:a16="http://schemas.microsoft.com/office/drawing/2014/main" id="{FFEC5993-EFA9-A519-83CC-AF07225CE353}"/>
               </a:ext>
             </a:extLst>
@@ -10944,7 +11677,7 @@
 </p:sld>
 </file>
 
-<file path=ppt/slides/slide27.xml><?xml version="1.0" encoding="utf-8"?>
+<file path=ppt/slides/slide28.xml><?xml version="1.0" encoding="utf-8"?>
 <p:sld xmlns:a="http://schemas.openxmlformats.org/drawingml/2006/main" xmlns:r="http://schemas.openxmlformats.org/officeDocument/2006/relationships" xmlns:p="http://schemas.openxmlformats.org/presentationml/2006/main" show="0">
   <p:cSld>
     <p:spTree>
@@ -11072,142 +11805,6 @@
     <p:extLst>
       <p:ext uri="{BB962C8B-B14F-4D97-AF65-F5344CB8AC3E}">
         <p14:creationId xmlns:p14="http://schemas.microsoft.com/office/powerpoint/2010/main" val="4027690829"/>
-      </p:ext>
-    </p:extLst>
-  </p:cSld>
-  <p:clrMapOvr>
-    <a:masterClrMapping/>
-  </p:clrMapOvr>
-</p:sld>
-</file>
-
-<file path=ppt/slides/slide28.xml><?xml version="1.0" encoding="utf-8"?>
-<p:sld xmlns:a="http://schemas.openxmlformats.org/drawingml/2006/main" xmlns:r="http://schemas.openxmlformats.org/officeDocument/2006/relationships" xmlns:p="http://schemas.openxmlformats.org/presentationml/2006/main">
-  <p:cSld>
-    <p:spTree>
-      <p:nvGrpSpPr>
-        <p:cNvPr id="1" name=""/>
-        <p:cNvGrpSpPr/>
-        <p:nvPr/>
-      </p:nvGrpSpPr>
-      <p:grpSpPr>
-        <a:xfrm>
-          <a:off x="0" y="0"/>
-          <a:ext cx="0" cy="0"/>
-          <a:chOff x="0" y="0"/>
-          <a:chExt cx="0" cy="0"/>
-        </a:xfrm>
-      </p:grpSpPr>
-      <p:sp>
-        <p:nvSpPr>
-          <p:cNvPr id="8" name="Titel 7">
-            <a:extLst>
-              <a:ext uri="{FF2B5EF4-FFF2-40B4-BE49-F238E27FC236}">
-                <a16:creationId xmlns:a16="http://schemas.microsoft.com/office/drawing/2014/main" id="{964C56D4-D3DF-1B49-7986-BDEB15B6AF6E}"/>
-              </a:ext>
-            </a:extLst>
-          </p:cNvPr>
-          <p:cNvSpPr>
-            <a:spLocks noGrp="1"/>
-          </p:cNvSpPr>
-          <p:nvPr>
-            <p:ph type="title"/>
-          </p:nvPr>
-        </p:nvSpPr>
-        <p:spPr/>
-        <p:txBody>
-          <a:bodyPr/>
-          <a:lstStyle/>
-          <a:p>
-            <a:r>
-              <a:rPr lang="da-DK" dirty="0"/>
-              <a:t>Apache Kafka - Hvad Er</a:t>
-            </a:r>
-          </a:p>
-        </p:txBody>
-      </p:sp>
-      <p:sp>
-        <p:nvSpPr>
-          <p:cNvPr id="9" name="Pladsholder til indhold 8">
-            <a:extLst>
-              <a:ext uri="{FF2B5EF4-FFF2-40B4-BE49-F238E27FC236}">
-                <a16:creationId xmlns:a16="http://schemas.microsoft.com/office/drawing/2014/main" id="{084956D3-F9BC-364C-BE60-DE221C9ECB77}"/>
-              </a:ext>
-            </a:extLst>
-          </p:cNvPr>
-          <p:cNvSpPr>
-            <a:spLocks noGrp="1"/>
-          </p:cNvSpPr>
-          <p:nvPr>
-            <p:ph idx="1"/>
-          </p:nvPr>
-        </p:nvSpPr>
-        <p:spPr/>
-        <p:txBody>
-          <a:bodyPr/>
-          <a:lstStyle/>
-          <a:p>
-            <a:r>
-              <a:rPr lang="da-DK" dirty="0"/>
-              <a:t>Åben-kilde event streaming platform</a:t>
-            </a:r>
-          </a:p>
-          <a:p>
-            <a:r>
-              <a:rPr lang="da-DK" dirty="0"/>
-              <a:t>Event</a:t>
-            </a:r>
-          </a:p>
-          <a:p>
-            <a:r>
-              <a:rPr lang="da-DK" dirty="0" err="1"/>
-              <a:t>Topic</a:t>
-            </a:r>
-            <a:endParaRPr lang="da-DK" dirty="0"/>
-          </a:p>
-          <a:p>
-            <a:pPr lvl="1"/>
-            <a:r>
-              <a:rPr lang="da-DK" dirty="0" err="1"/>
-              <a:t>Partitioneret</a:t>
-            </a:r>
-            <a:endParaRPr lang="da-DK" dirty="0"/>
-          </a:p>
-          <a:p>
-            <a:r>
-              <a:rPr lang="da-DK" dirty="0"/>
-              <a:t>Kommunikation via TCP</a:t>
-            </a:r>
-          </a:p>
-          <a:p>
-            <a:r>
-              <a:rPr lang="da-DK" dirty="0"/>
-              <a:t>Server/Klient kommunikation</a:t>
-            </a:r>
-          </a:p>
-          <a:p>
-            <a:r>
-              <a:rPr lang="da-DK" dirty="0"/>
-              <a:t>Event </a:t>
-            </a:r>
-            <a:r>
-              <a:rPr lang="da-DK" dirty="0" err="1"/>
-              <a:t>replikering</a:t>
-            </a:r>
-            <a:r>
-              <a:rPr lang="da-DK" dirty="0"/>
-              <a:t> </a:t>
-            </a:r>
-          </a:p>
-          <a:p>
-            <a:endParaRPr lang="da-DK" dirty="0"/>
-          </a:p>
-        </p:txBody>
-      </p:sp>
-    </p:spTree>
-    <p:extLst>
-      <p:ext uri="{BB962C8B-B14F-4D97-AF65-F5344CB8AC3E}">
-        <p14:creationId xmlns:p14="http://schemas.microsoft.com/office/powerpoint/2010/main" val="2863351694"/>
       </p:ext>
     </p:extLst>
   </p:cSld>
@@ -11257,7 +11854,7 @@
           <a:p>
             <a:r>
               <a:rPr lang="da-DK" dirty="0"/>
-              <a:t>Apache Kafka - API</a:t>
+              <a:t>Apache Kafka - Hvad Er</a:t>
             </a:r>
           </a:p>
         </p:txBody>
@@ -11275,37 +11872,60 @@
             <a:spLocks noGrp="1"/>
           </p:cNvSpPr>
           <p:nvPr>
-            <p:ph sz="half" idx="1"/>
-          </p:nvPr>
-        </p:nvSpPr>
-        <p:spPr/>
-        <p:txBody>
-          <a:bodyPr>
-            <a:normAutofit/>
-          </a:bodyPr>
-          <a:lstStyle/>
-          <a:p>
-            <a:r>
-              <a:rPr lang="da-DK" dirty="0" err="1"/>
-              <a:t>Admin</a:t>
-            </a:r>
-            <a:r>
-              <a:rPr lang="da-DK" dirty="0"/>
-              <a:t> API </a:t>
-            </a:r>
+            <p:ph idx="1"/>
+          </p:nvPr>
+        </p:nvSpPr>
+        <p:spPr/>
+        <p:txBody>
+          <a:bodyPr/>
+          <a:lstStyle/>
+          <a:p>
+            <a:r>
+              <a:rPr lang="da-DK" dirty="0"/>
+              <a:t>Åben-kilde event streaming platform</a:t>
+            </a:r>
+          </a:p>
+          <a:p>
+            <a:r>
+              <a:rPr lang="da-DK" dirty="0"/>
+              <a:t>Event</a:t>
+            </a:r>
+          </a:p>
+          <a:p>
+            <a:r>
+              <a:rPr lang="da-DK" dirty="0" err="1"/>
+              <a:t>Topic</a:t>
+            </a:r>
+            <a:endParaRPr lang="da-DK" dirty="0"/>
           </a:p>
           <a:p>
             <a:pPr lvl="1"/>
             <a:r>
-              <a:rPr lang="da-DK" dirty="0"/>
-              <a:t>Styring og inspicere af </a:t>
-            </a:r>
-          </a:p>
-          <a:p>
-            <a:pPr lvl="2"/>
-            <a:r>
-              <a:rPr lang="da-DK" dirty="0" err="1"/>
-              <a:t>Topics</a:t>
+              <a:rPr lang="da-DK" dirty="0" err="1"/>
+              <a:t>Partitioneret</a:t>
+            </a:r>
+            <a:endParaRPr lang="da-DK" dirty="0"/>
+          </a:p>
+          <a:p>
+            <a:r>
+              <a:rPr lang="da-DK" dirty="0"/>
+              <a:t>Kommunikation via TCP</a:t>
+            </a:r>
+          </a:p>
+          <a:p>
+            <a:r>
+              <a:rPr lang="da-DK" dirty="0"/>
+              <a:t>Server/Klient kommunikation</a:t>
+            </a:r>
+          </a:p>
+          <a:p>
+            <a:r>
+              <a:rPr lang="da-DK" dirty="0"/>
+              <a:t>Event </a:t>
+            </a:r>
+            <a:r>
+              <a:rPr lang="da-DK" dirty="0" err="1"/>
+              <a:t>replikering</a:t>
             </a:r>
             <a:r>
               <a:rPr lang="da-DK" dirty="0"/>
@@ -11313,111 +11933,23 @@
             </a:r>
           </a:p>
           <a:p>
-            <a:pPr lvl="2"/>
-            <a:r>
-              <a:rPr lang="da-DK" dirty="0"/>
-              <a:t>Brokers </a:t>
-            </a:r>
-          </a:p>
-          <a:p>
-            <a:pPr lvl="2"/>
-            <a:r>
-              <a:rPr lang="da-DK" dirty="0"/>
-              <a:t>Andre Kafka objekter</a:t>
-            </a:r>
-          </a:p>
-          <a:p>
-            <a:r>
-              <a:rPr lang="da-DK" dirty="0"/>
-              <a:t>Producer API</a:t>
-            </a:r>
-          </a:p>
-          <a:p>
-            <a:pPr lvl="1"/>
-            <a:r>
-              <a:rPr lang="da-DK" dirty="0"/>
-              <a:t>Skrivning af events</a:t>
-            </a:r>
-          </a:p>
-        </p:txBody>
-      </p:sp>
-      <p:sp>
-        <p:nvSpPr>
-          <p:cNvPr id="2" name="Pladsholder til indhold 1">
-            <a:extLst>
-              <a:ext uri="{FF2B5EF4-FFF2-40B4-BE49-F238E27FC236}">
-                <a16:creationId xmlns:a16="http://schemas.microsoft.com/office/drawing/2014/main" id="{B3D68E9F-7A13-0520-7007-D08D335AD623}"/>
-              </a:ext>
-            </a:extLst>
-          </p:cNvPr>
-          <p:cNvSpPr>
-            <a:spLocks noGrp="1"/>
-          </p:cNvSpPr>
-          <p:nvPr>
-            <p:ph sz="half" idx="2"/>
-          </p:nvPr>
-        </p:nvSpPr>
-        <p:spPr/>
-        <p:txBody>
-          <a:bodyPr>
-            <a:normAutofit/>
-          </a:bodyPr>
-          <a:lstStyle/>
-          <a:p>
-            <a:r>
-              <a:rPr lang="da-DK" dirty="0"/>
-              <a:t>Consumer API</a:t>
-            </a:r>
-          </a:p>
-          <a:p>
-            <a:pPr lvl="1"/>
-            <a:r>
-              <a:rPr lang="da-DK" dirty="0"/>
-              <a:t>Læsning af event</a:t>
-            </a:r>
-          </a:p>
-          <a:p>
-            <a:r>
-              <a:rPr lang="da-DK" dirty="0" err="1"/>
-              <a:t>Streams</a:t>
-            </a:r>
-            <a:r>
-              <a:rPr lang="da-DK" dirty="0"/>
-              <a:t> API</a:t>
-            </a:r>
-          </a:p>
-          <a:p>
-            <a:pPr lvl="1"/>
-            <a:r>
-              <a:rPr lang="da-DK" dirty="0"/>
-              <a:t>Processering af event </a:t>
-            </a:r>
-            <a:r>
-              <a:rPr lang="da-DK" dirty="0" err="1"/>
-              <a:t>streams</a:t>
-            </a:r>
-            <a:r>
-              <a:rPr lang="da-DK" dirty="0"/>
-              <a:t> applikationer og </a:t>
-            </a:r>
-            <a:r>
-              <a:rPr lang="da-DK" dirty="0" err="1"/>
-              <a:t>microseriver</a:t>
-            </a:r>
-            <a:endParaRPr lang="da-DK" dirty="0"/>
-          </a:p>
-          <a:p>
-            <a:pPr marL="0" indent="0">
-              <a:buNone/>
-            </a:pPr>
-            <a:endParaRPr lang="da-DK" dirty="0"/>
+            <a:r>
+              <a:rPr lang="da-DK" dirty="0"/>
+              <a:t>Consumer</a:t>
+            </a:r>
+          </a:p>
+          <a:p>
+            <a:r>
+              <a:rPr lang="da-DK" dirty="0"/>
+              <a:t>Producer</a:t>
+            </a:r>
           </a:p>
         </p:txBody>
       </p:sp>
     </p:spTree>
     <p:extLst>
       <p:ext uri="{BB962C8B-B14F-4D97-AF65-F5344CB8AC3E}">
-        <p14:creationId xmlns:p14="http://schemas.microsoft.com/office/powerpoint/2010/main" val="122632923"/>
+        <p14:creationId xmlns:p14="http://schemas.microsoft.com/office/powerpoint/2010/main" val="2863351694"/>
       </p:ext>
     </p:extLst>
   </p:cSld>
@@ -11527,7 +12059,7 @@
 </file>
 
 <file path=ppt/slides/slide30.xml><?xml version="1.0" encoding="utf-8"?>
-<p:sld xmlns:a="http://schemas.openxmlformats.org/drawingml/2006/main" xmlns:r="http://schemas.openxmlformats.org/officeDocument/2006/relationships" xmlns:p="http://schemas.openxmlformats.org/presentationml/2006/main">
+<p:sld xmlns:a="http://schemas.openxmlformats.org/drawingml/2006/main" xmlns:r="http://schemas.openxmlformats.org/officeDocument/2006/relationships" xmlns:p="http://schemas.openxmlformats.org/presentationml/2006/main" show="0">
   <p:cSld>
     <p:spTree>
       <p:nvGrpSpPr>
@@ -11566,7 +12098,7 @@
           <a:p>
             <a:r>
               <a:rPr lang="da-DK" dirty="0"/>
-              <a:t>Apache Kafka - Dele</a:t>
+              <a:t>Apache Kafka - API</a:t>
             </a:r>
           </a:p>
         </p:txBody>
@@ -11584,7 +12116,7 @@
             <a:spLocks noGrp="1"/>
           </p:cNvSpPr>
           <p:nvPr>
-            <p:ph idx="1"/>
+            <p:ph sz="half" idx="1"/>
           </p:nvPr>
         </p:nvSpPr>
         <p:spPr/>
@@ -11595,101 +12127,125 @@
           <a:lstStyle/>
           <a:p>
             <a:r>
-              <a:rPr lang="da-DK" dirty="0"/>
-              <a:t>Broker</a:t>
+              <a:rPr lang="da-DK" dirty="0" err="1"/>
+              <a:t>Admin</a:t>
+            </a:r>
+            <a:r>
+              <a:rPr lang="da-DK" dirty="0"/>
+              <a:t> API </a:t>
             </a:r>
           </a:p>
           <a:p>
             <a:pPr lvl="1"/>
             <a:r>
               <a:rPr lang="da-DK" dirty="0"/>
-              <a:t>Lager servicer</a:t>
-            </a:r>
-          </a:p>
-          <a:p>
-            <a:r>
-              <a:rPr lang="da-DK" dirty="0"/>
-              <a:t>Controller </a:t>
+              <a:t>Styring og inspicere af </a:t>
+            </a:r>
+          </a:p>
+          <a:p>
+            <a:pPr lvl="2"/>
+            <a:r>
+              <a:rPr lang="da-DK" dirty="0" err="1"/>
+              <a:t>Topics</a:t>
+            </a:r>
+            <a:r>
+              <a:rPr lang="da-DK" dirty="0"/>
+              <a:t> </a:t>
+            </a:r>
+          </a:p>
+          <a:p>
+            <a:pPr lvl="2"/>
+            <a:r>
+              <a:rPr lang="da-DK" dirty="0"/>
+              <a:t>Brokers </a:t>
+            </a:r>
+          </a:p>
+          <a:p>
+            <a:pPr lvl="2"/>
+            <a:r>
+              <a:rPr lang="da-DK" dirty="0"/>
+              <a:t>Andre Kafka objekter</a:t>
+            </a:r>
+          </a:p>
+          <a:p>
+            <a:r>
+              <a:rPr lang="da-DK" dirty="0"/>
+              <a:t>Producer API</a:t>
             </a:r>
           </a:p>
           <a:p>
             <a:pPr lvl="1"/>
             <a:r>
               <a:rPr lang="da-DK" dirty="0"/>
-              <a:t>Styre at events bliver </a:t>
-            </a:r>
-            <a:r>
-              <a:rPr lang="da-DK" dirty="0" err="1"/>
-              <a:t>replikeret</a:t>
-            </a:r>
-            <a:r>
-              <a:rPr lang="da-DK" dirty="0"/>
-              <a:t> og administrative opgaver</a:t>
-            </a:r>
-          </a:p>
-          <a:p>
-            <a:r>
-              <a:rPr lang="da-DK" dirty="0"/>
-              <a:t>Stream</a:t>
+              <a:t>Skrivning af events</a:t>
+            </a:r>
+          </a:p>
+        </p:txBody>
+      </p:sp>
+      <p:sp>
+        <p:nvSpPr>
+          <p:cNvPr id="2" name="Pladsholder til indhold 1">
+            <a:extLst>
+              <a:ext uri="{FF2B5EF4-FFF2-40B4-BE49-F238E27FC236}">
+                <a16:creationId xmlns:a16="http://schemas.microsoft.com/office/drawing/2014/main" id="{B3D68E9F-7A13-0520-7007-D08D335AD623}"/>
+              </a:ext>
+            </a:extLst>
+          </p:cNvPr>
+          <p:cNvSpPr>
+            <a:spLocks noGrp="1"/>
+          </p:cNvSpPr>
+          <p:nvPr>
+            <p:ph sz="half" idx="2"/>
+          </p:nvPr>
+        </p:nvSpPr>
+        <p:spPr/>
+        <p:txBody>
+          <a:bodyPr>
+            <a:normAutofit/>
+          </a:bodyPr>
+          <a:lstStyle/>
+          <a:p>
+            <a:r>
+              <a:rPr lang="da-DK" dirty="0"/>
+              <a:t>Consumer API</a:t>
             </a:r>
           </a:p>
           <a:p>
             <a:pPr lvl="1"/>
             <a:r>
               <a:rPr lang="da-DK" dirty="0"/>
-              <a:t>Real-Time transformering og berigelse af events</a:t>
-            </a:r>
-          </a:p>
-          <a:p>
-            <a:r>
-              <a:rPr lang="da-DK" dirty="0" err="1"/>
-              <a:t>Schema</a:t>
-            </a:r>
-            <a:r>
-              <a:rPr lang="da-DK" dirty="0"/>
-              <a:t> Registry</a:t>
+              <a:t>Læsning af event</a:t>
+            </a:r>
+          </a:p>
+          <a:p>
+            <a:r>
+              <a:rPr lang="da-DK" dirty="0" err="1"/>
+              <a:t>Streams</a:t>
+            </a:r>
+            <a:r>
+              <a:rPr lang="da-DK" dirty="0"/>
+              <a:t> API</a:t>
             </a:r>
           </a:p>
           <a:p>
             <a:pPr lvl="1"/>
             <a:r>
               <a:rPr lang="da-DK" dirty="0"/>
-              <a:t>Dataskema for </a:t>
-            </a:r>
-            <a:r>
-              <a:rPr lang="da-DK" dirty="0" err="1"/>
-              <a:t>topics</a:t>
+              <a:t>Processering af event </a:t>
+            </a:r>
+            <a:r>
+              <a:rPr lang="da-DK" dirty="0" err="1"/>
+              <a:t>streams</a:t>
+            </a:r>
+            <a:r>
+              <a:rPr lang="da-DK" dirty="0"/>
+              <a:t> applikationer og </a:t>
+            </a:r>
+            <a:r>
+              <a:rPr lang="da-DK" dirty="0" err="1"/>
+              <a:t>microseriver</a:t>
             </a:r>
             <a:endParaRPr lang="da-DK" dirty="0"/>
-          </a:p>
-          <a:p>
-            <a:r>
-              <a:rPr lang="da-DK" dirty="0"/>
-              <a:t>Connect</a:t>
-            </a:r>
-          </a:p>
-          <a:p>
-            <a:pPr lvl="1"/>
-            <a:r>
-              <a:rPr lang="da-DK" dirty="0"/>
-              <a:t>Data import/</a:t>
-            </a:r>
-            <a:r>
-              <a:rPr lang="da-DK" dirty="0" err="1"/>
-              <a:t>export</a:t>
-            </a:r>
-            <a:r>
-              <a:rPr lang="da-DK" dirty="0"/>
-              <a:t> for event stream til og fra </a:t>
-            </a:r>
-            <a:r>
-              <a:rPr lang="da-DK" dirty="0" err="1"/>
-              <a:t>externe</a:t>
-            </a:r>
-            <a:r>
-              <a:rPr lang="da-DK" dirty="0"/>
-              <a:t> systemer</a:t>
-            </a:r>
           </a:p>
           <a:p>
             <a:pPr marL="0" indent="0">
@@ -11702,7 +12258,7 @@
     </p:spTree>
     <p:extLst>
       <p:ext uri="{BB962C8B-B14F-4D97-AF65-F5344CB8AC3E}">
-        <p14:creationId xmlns:p14="http://schemas.microsoft.com/office/powerpoint/2010/main" val="3462775647"/>
+        <p14:creationId xmlns:p14="http://schemas.microsoft.com/office/powerpoint/2010/main" val="122632923"/>
       </p:ext>
     </p:extLst>
   </p:cSld>
@@ -11731,10 +12287,10 @@
       </p:grpSpPr>
       <p:sp>
         <p:nvSpPr>
-          <p:cNvPr id="2" name="Titel 1">
+          <p:cNvPr id="8" name="Titel 7">
             <a:extLst>
               <a:ext uri="{FF2B5EF4-FFF2-40B4-BE49-F238E27FC236}">
-                <a16:creationId xmlns:a16="http://schemas.microsoft.com/office/drawing/2014/main" id="{FFEC5993-EFA9-A519-83CC-AF07225CE353}"/>
+                <a16:creationId xmlns:a16="http://schemas.microsoft.com/office/drawing/2014/main" id="{964C56D4-D3DF-1B49-7986-BDEB15B6AF6E}"/>
               </a:ext>
             </a:extLst>
           </p:cNvPr>
@@ -11745,35 +12301,150 @@
             <p:ph type="title"/>
           </p:nvPr>
         </p:nvSpPr>
-        <p:spPr>
-          <a:xfrm>
-            <a:off x="0" y="0"/>
-            <a:ext cx="12192000" cy="6857999"/>
-          </a:xfrm>
-        </p:spPr>
-        <p:txBody>
-          <a:bodyPr/>
-          <a:lstStyle/>
-          <a:p>
-            <a:pPr algn="ctr"/>
-            <a:r>
-              <a:rPr lang="da-DK" dirty="0"/>
-              <a:t>Demo</a:t>
-            </a:r>
-            <a:br>
-              <a:rPr lang="da-DK" dirty="0"/>
-            </a:br>
-            <a:r>
-              <a:rPr lang="da-DK" dirty="0"/>
-              <a:t>Kafka</a:t>
-            </a:r>
+        <p:spPr/>
+        <p:txBody>
+          <a:bodyPr/>
+          <a:lstStyle/>
+          <a:p>
+            <a:r>
+              <a:rPr lang="da-DK" dirty="0"/>
+              <a:t>Apache Kafka - Dele</a:t>
+            </a:r>
+          </a:p>
+        </p:txBody>
+      </p:sp>
+      <p:sp>
+        <p:nvSpPr>
+          <p:cNvPr id="9" name="Pladsholder til indhold 8">
+            <a:extLst>
+              <a:ext uri="{FF2B5EF4-FFF2-40B4-BE49-F238E27FC236}">
+                <a16:creationId xmlns:a16="http://schemas.microsoft.com/office/drawing/2014/main" id="{084956D3-F9BC-364C-BE60-DE221C9ECB77}"/>
+              </a:ext>
+            </a:extLst>
+          </p:cNvPr>
+          <p:cNvSpPr>
+            <a:spLocks noGrp="1"/>
+          </p:cNvSpPr>
+          <p:nvPr>
+            <p:ph idx="1"/>
+          </p:nvPr>
+        </p:nvSpPr>
+        <p:spPr/>
+        <p:txBody>
+          <a:bodyPr>
+            <a:normAutofit/>
+          </a:bodyPr>
+          <a:lstStyle/>
+          <a:p>
+            <a:r>
+              <a:rPr lang="da-DK" dirty="0"/>
+              <a:t>Broker</a:t>
+            </a:r>
+          </a:p>
+          <a:p>
+            <a:pPr lvl="1"/>
+            <a:r>
+              <a:rPr lang="da-DK" dirty="0"/>
+              <a:t>Lager servicer</a:t>
+            </a:r>
+          </a:p>
+          <a:p>
+            <a:r>
+              <a:rPr lang="da-DK" dirty="0"/>
+              <a:t>Controller </a:t>
+            </a:r>
+          </a:p>
+          <a:p>
+            <a:pPr lvl="1"/>
+            <a:r>
+              <a:rPr lang="da-DK" dirty="0"/>
+              <a:t>Styre at events bliver </a:t>
+            </a:r>
+            <a:r>
+              <a:rPr lang="da-DK" dirty="0" err="1"/>
+              <a:t>replikeret</a:t>
+            </a:r>
+            <a:r>
+              <a:rPr lang="da-DK" dirty="0"/>
+              <a:t> og administrative opgaver</a:t>
+            </a:r>
+          </a:p>
+          <a:p>
+            <a:r>
+              <a:rPr lang="da-DK" dirty="0"/>
+              <a:t>Stream</a:t>
+            </a:r>
+          </a:p>
+          <a:p>
+            <a:pPr lvl="1"/>
+            <a:r>
+              <a:rPr lang="da-DK" dirty="0"/>
+              <a:t>Real-Time transformering og berigelse af events</a:t>
+            </a:r>
+          </a:p>
+          <a:p>
+            <a:r>
+              <a:rPr lang="da-DK" dirty="0" err="1"/>
+              <a:t>Schema</a:t>
+            </a:r>
+            <a:r>
+              <a:rPr lang="da-DK" dirty="0"/>
+              <a:t> Registry</a:t>
+            </a:r>
+          </a:p>
+          <a:p>
+            <a:pPr lvl="1"/>
+            <a:r>
+              <a:rPr lang="da-DK" dirty="0"/>
+              <a:t>Dataskema for </a:t>
+            </a:r>
+            <a:r>
+              <a:rPr lang="da-DK" dirty="0" err="1"/>
+              <a:t>topics</a:t>
+            </a:r>
+            <a:endParaRPr lang="da-DK" dirty="0"/>
+          </a:p>
+          <a:p>
+            <a:r>
+              <a:rPr lang="da-DK" dirty="0"/>
+              <a:t>Connect</a:t>
+            </a:r>
+          </a:p>
+          <a:p>
+            <a:pPr lvl="1"/>
+            <a:r>
+              <a:rPr lang="da-DK" dirty="0"/>
+              <a:t>Data import/</a:t>
+            </a:r>
+            <a:r>
+              <a:rPr lang="da-DK" dirty="0" err="1"/>
+              <a:t>export</a:t>
+            </a:r>
+            <a:r>
+              <a:rPr lang="da-DK" dirty="0"/>
+              <a:t> for event stream til og fra </a:t>
+            </a:r>
+            <a:r>
+              <a:rPr lang="da-DK" dirty="0" err="1"/>
+              <a:t>externe</a:t>
+            </a:r>
+            <a:r>
+              <a:rPr lang="da-DK" dirty="0"/>
+              <a:t> systemer</a:t>
+            </a:r>
+          </a:p>
+          <a:p>
+            <a:pPr marL="0" indent="0">
+              <a:buNone/>
+            </a:pPr>
+            <a:endParaRPr lang="da-DK" dirty="0"/>
           </a:p>
         </p:txBody>
       </p:sp>
     </p:spTree>
     <p:extLst>
       <p:ext uri="{BB962C8B-B14F-4D97-AF65-F5344CB8AC3E}">
-        <p14:creationId xmlns:p14="http://schemas.microsoft.com/office/powerpoint/2010/main" val="230170436"/>
+        <p14:creationId xmlns:p14="http://schemas.microsoft.com/office/powerpoint/2010/main" val="3462775647"/>
       </p:ext>
     </p:extLst>
   </p:cSld>
@@ -11802,10 +12473,10 @@
       </p:grpSpPr>
       <p:sp>
         <p:nvSpPr>
-          <p:cNvPr id="8" name="Titel 7">
+          <p:cNvPr id="2" name="Titel 1">
             <a:extLst>
               <a:ext uri="{FF2B5EF4-FFF2-40B4-BE49-F238E27FC236}">
-                <a16:creationId xmlns:a16="http://schemas.microsoft.com/office/drawing/2014/main" id="{964C56D4-D3DF-1B49-7986-BDEB15B6AF6E}"/>
+                <a16:creationId xmlns:a16="http://schemas.microsoft.com/office/drawing/2014/main" id="{FFEC5993-EFA9-A519-83CC-AF07225CE353}"/>
               </a:ext>
             </a:extLst>
           </p:cNvPr>
@@ -11816,215 +12487,35 @@
             <p:ph type="title"/>
           </p:nvPr>
         </p:nvSpPr>
-        <p:spPr/>
-        <p:txBody>
-          <a:bodyPr/>
-          <a:lstStyle/>
-          <a:p>
-            <a:r>
-              <a:rPr lang="da-DK" dirty="0"/>
-              <a:t>Kafka - I forhold til </a:t>
-            </a:r>
-            <a:r>
-              <a:rPr lang="da-DK" dirty="0" err="1"/>
-              <a:t>RabbitMQ</a:t>
-            </a:r>
-            <a:endParaRPr lang="da-DK" dirty="0"/>
-          </a:p>
-        </p:txBody>
-      </p:sp>
-      <p:sp>
-        <p:nvSpPr>
-          <p:cNvPr id="2" name="Pladsholder til tekst 1">
-            <a:extLst>
-              <a:ext uri="{FF2B5EF4-FFF2-40B4-BE49-F238E27FC236}">
-                <a16:creationId xmlns:a16="http://schemas.microsoft.com/office/drawing/2014/main" id="{52D09D76-F7EA-FB42-58D6-435CFFBC688F}"/>
-              </a:ext>
-            </a:extLst>
-          </p:cNvPr>
-          <p:cNvSpPr>
-            <a:spLocks noGrp="1"/>
-          </p:cNvSpPr>
-          <p:nvPr>
-            <p:ph type="body" idx="1"/>
-          </p:nvPr>
-        </p:nvSpPr>
-        <p:spPr/>
-        <p:txBody>
-          <a:bodyPr/>
-          <a:lstStyle/>
-          <a:p>
+        <p:spPr>
+          <a:xfrm>
+            <a:off x="0" y="0"/>
+            <a:ext cx="12192000" cy="6857999"/>
+          </a:xfrm>
+        </p:spPr>
+        <p:txBody>
+          <a:bodyPr/>
+          <a:lstStyle/>
+          <a:p>
+            <a:pPr algn="ctr"/>
+            <a:r>
+              <a:rPr lang="da-DK" dirty="0"/>
+              <a:t>Demo</a:t>
+            </a:r>
+            <a:br>
+              <a:rPr lang="da-DK" dirty="0"/>
+            </a:br>
             <a:r>
               <a:rPr lang="da-DK" dirty="0"/>
               <a:t>Kafka</a:t>
             </a:r>
-          </a:p>
-        </p:txBody>
-      </p:sp>
-      <p:sp>
-        <p:nvSpPr>
-          <p:cNvPr id="3" name="Pladsholder til indhold 2">
-            <a:extLst>
-              <a:ext uri="{FF2B5EF4-FFF2-40B4-BE49-F238E27FC236}">
-                <a16:creationId xmlns:a16="http://schemas.microsoft.com/office/drawing/2014/main" id="{339997B2-9ED5-7B5A-EBCA-3B5D07672F58}"/>
-              </a:ext>
-            </a:extLst>
-          </p:cNvPr>
-          <p:cNvSpPr>
-            <a:spLocks noGrp="1"/>
-          </p:cNvSpPr>
-          <p:nvPr>
-            <p:ph sz="half" idx="2"/>
-          </p:nvPr>
-        </p:nvSpPr>
-        <p:spPr/>
-        <p:txBody>
-          <a:bodyPr/>
-          <a:lstStyle/>
-          <a:p>
-            <a:r>
-              <a:rPr lang="da-DK" dirty="0" err="1"/>
-              <a:t>Topic</a:t>
-            </a:r>
-            <a:endParaRPr lang="da-DK" dirty="0"/>
-          </a:p>
-          <a:p>
-            <a:r>
-              <a:rPr lang="da-DK" dirty="0"/>
-              <a:t>Kan have skema	</a:t>
-            </a:r>
-          </a:p>
-          <a:p>
-            <a:r>
-              <a:rPr lang="da-DK" dirty="0"/>
-              <a:t>Event</a:t>
-            </a:r>
-          </a:p>
-          <a:p>
-            <a:r>
-              <a:rPr lang="da-DK" dirty="0"/>
-              <a:t>Understøtter ikke </a:t>
-            </a:r>
-            <a:r>
-              <a:rPr lang="da-DK" dirty="0" err="1"/>
-              <a:t>Request</a:t>
-            </a:r>
-            <a:r>
-              <a:rPr lang="da-DK" dirty="0"/>
-              <a:t>/</a:t>
-            </a:r>
-            <a:r>
-              <a:rPr lang="da-DK" dirty="0" err="1"/>
-              <a:t>Response</a:t>
-            </a:r>
-            <a:endParaRPr lang="da-DK" dirty="0"/>
-          </a:p>
-          <a:p>
-            <a:r>
-              <a:rPr lang="da-DK" dirty="0"/>
-              <a:t>Consumer kan kun oprette </a:t>
-            </a:r>
-            <a:r>
-              <a:rPr lang="da-DK" dirty="0" err="1"/>
-              <a:t>topic</a:t>
-            </a:r>
-            <a:r>
-              <a:rPr lang="da-DK" dirty="0"/>
-              <a:t>, hvis broker tillader det</a:t>
-            </a:r>
-          </a:p>
-        </p:txBody>
-      </p:sp>
-      <p:sp>
-        <p:nvSpPr>
-          <p:cNvPr id="4" name="Pladsholder til tekst 3">
-            <a:extLst>
-              <a:ext uri="{FF2B5EF4-FFF2-40B4-BE49-F238E27FC236}">
-                <a16:creationId xmlns:a16="http://schemas.microsoft.com/office/drawing/2014/main" id="{D2BCD25E-3062-C776-FDCD-8724CFA931AE}"/>
-              </a:ext>
-            </a:extLst>
-          </p:cNvPr>
-          <p:cNvSpPr>
-            <a:spLocks noGrp="1"/>
-          </p:cNvSpPr>
-          <p:nvPr>
-            <p:ph type="body" sz="quarter" idx="3"/>
-          </p:nvPr>
-        </p:nvSpPr>
-        <p:spPr/>
-        <p:txBody>
-          <a:bodyPr/>
-          <a:lstStyle/>
-          <a:p>
-            <a:r>
-              <a:rPr lang="da-DK" dirty="0" err="1"/>
-              <a:t>RabbitMQ</a:t>
-            </a:r>
-            <a:endParaRPr lang="da-DK" dirty="0"/>
-          </a:p>
-        </p:txBody>
-      </p:sp>
-      <p:sp>
-        <p:nvSpPr>
-          <p:cNvPr id="5" name="Pladsholder til indhold 4">
-            <a:extLst>
-              <a:ext uri="{FF2B5EF4-FFF2-40B4-BE49-F238E27FC236}">
-                <a16:creationId xmlns:a16="http://schemas.microsoft.com/office/drawing/2014/main" id="{A6395EEA-AED6-2FD6-EC89-277DA9898817}"/>
-              </a:ext>
-            </a:extLst>
-          </p:cNvPr>
-          <p:cNvSpPr>
-            <a:spLocks noGrp="1"/>
-          </p:cNvSpPr>
-          <p:nvPr>
-            <p:ph sz="quarter" idx="4"/>
-          </p:nvPr>
-        </p:nvSpPr>
-        <p:spPr/>
-        <p:txBody>
-          <a:bodyPr/>
-          <a:lstStyle/>
-          <a:p>
-            <a:r>
-              <a:rPr lang="da-DK" dirty="0"/>
-              <a:t>Queue</a:t>
-            </a:r>
-          </a:p>
-          <a:p>
-            <a:r>
-              <a:rPr lang="da-DK" dirty="0"/>
-              <a:t>Intet skema</a:t>
-            </a:r>
-          </a:p>
-          <a:p>
-            <a:r>
-              <a:rPr lang="da-DK" dirty="0"/>
-              <a:t>Message</a:t>
-            </a:r>
-          </a:p>
-          <a:p>
-            <a:r>
-              <a:rPr lang="da-DK" dirty="0"/>
-              <a:t>Remote Procedure Call</a:t>
-            </a:r>
-          </a:p>
-          <a:p>
-            <a:r>
-              <a:rPr lang="da-DK" dirty="0"/>
-              <a:t>Consumer kan selv oprette </a:t>
-            </a:r>
-            <a:r>
-              <a:rPr lang="da-DK" dirty="0" err="1"/>
-              <a:t>queue</a:t>
-            </a:r>
-            <a:endParaRPr lang="da-DK" dirty="0"/>
           </a:p>
         </p:txBody>
       </p:sp>
     </p:spTree>
     <p:extLst>
       <p:ext uri="{BB962C8B-B14F-4D97-AF65-F5344CB8AC3E}">
-        <p14:creationId xmlns:p14="http://schemas.microsoft.com/office/powerpoint/2010/main" val="1977421596"/>
+        <p14:creationId xmlns:p14="http://schemas.microsoft.com/office/powerpoint/2010/main" val="230170436"/>
       </p:ext>
     </p:extLst>
   </p:cSld>
@@ -12074,6 +12565,257 @@
           <a:p>
             <a:r>
               <a:rPr lang="da-DK" dirty="0"/>
+              <a:t>Kafka - I forhold til </a:t>
+            </a:r>
+            <a:r>
+              <a:rPr lang="da-DK" dirty="0" err="1"/>
+              <a:t>RabbitMQ</a:t>
+            </a:r>
+            <a:endParaRPr lang="da-DK" dirty="0"/>
+          </a:p>
+        </p:txBody>
+      </p:sp>
+      <p:sp>
+        <p:nvSpPr>
+          <p:cNvPr id="2" name="Pladsholder til tekst 1">
+            <a:extLst>
+              <a:ext uri="{FF2B5EF4-FFF2-40B4-BE49-F238E27FC236}">
+                <a16:creationId xmlns:a16="http://schemas.microsoft.com/office/drawing/2014/main" id="{52D09D76-F7EA-FB42-58D6-435CFFBC688F}"/>
+              </a:ext>
+            </a:extLst>
+          </p:cNvPr>
+          <p:cNvSpPr>
+            <a:spLocks noGrp="1"/>
+          </p:cNvSpPr>
+          <p:nvPr>
+            <p:ph type="body" idx="1"/>
+          </p:nvPr>
+        </p:nvSpPr>
+        <p:spPr/>
+        <p:txBody>
+          <a:bodyPr/>
+          <a:lstStyle/>
+          <a:p>
+            <a:r>
+              <a:rPr lang="da-DK" dirty="0"/>
+              <a:t>Kafka</a:t>
+            </a:r>
+          </a:p>
+        </p:txBody>
+      </p:sp>
+      <p:sp>
+        <p:nvSpPr>
+          <p:cNvPr id="3" name="Pladsholder til indhold 2">
+            <a:extLst>
+              <a:ext uri="{FF2B5EF4-FFF2-40B4-BE49-F238E27FC236}">
+                <a16:creationId xmlns:a16="http://schemas.microsoft.com/office/drawing/2014/main" id="{339997B2-9ED5-7B5A-EBCA-3B5D07672F58}"/>
+              </a:ext>
+            </a:extLst>
+          </p:cNvPr>
+          <p:cNvSpPr>
+            <a:spLocks noGrp="1"/>
+          </p:cNvSpPr>
+          <p:nvPr>
+            <p:ph sz="half" idx="2"/>
+          </p:nvPr>
+        </p:nvSpPr>
+        <p:spPr/>
+        <p:txBody>
+          <a:bodyPr/>
+          <a:lstStyle/>
+          <a:p>
+            <a:r>
+              <a:rPr lang="da-DK" dirty="0" err="1"/>
+              <a:t>Topic</a:t>
+            </a:r>
+            <a:endParaRPr lang="da-DK" dirty="0"/>
+          </a:p>
+          <a:p>
+            <a:r>
+              <a:rPr lang="da-DK" dirty="0"/>
+              <a:t>Kan have skema	</a:t>
+            </a:r>
+          </a:p>
+          <a:p>
+            <a:r>
+              <a:rPr lang="da-DK" dirty="0"/>
+              <a:t>Event</a:t>
+            </a:r>
+          </a:p>
+          <a:p>
+            <a:r>
+              <a:rPr lang="da-DK" dirty="0"/>
+              <a:t>Understøtter ikke </a:t>
+            </a:r>
+            <a:r>
+              <a:rPr lang="da-DK" dirty="0" err="1"/>
+              <a:t>Request</a:t>
+            </a:r>
+            <a:r>
+              <a:rPr lang="da-DK" dirty="0"/>
+              <a:t>/</a:t>
+            </a:r>
+            <a:r>
+              <a:rPr lang="da-DK" dirty="0" err="1"/>
+              <a:t>Response</a:t>
+            </a:r>
+            <a:endParaRPr lang="da-DK" dirty="0"/>
+          </a:p>
+          <a:p>
+            <a:r>
+              <a:rPr lang="da-DK" dirty="0"/>
+              <a:t>Consumer kan kun oprette </a:t>
+            </a:r>
+            <a:r>
+              <a:rPr lang="da-DK" dirty="0" err="1"/>
+              <a:t>topic</a:t>
+            </a:r>
+            <a:r>
+              <a:rPr lang="da-DK" dirty="0"/>
+              <a:t>, hvis broker tillader det</a:t>
+            </a:r>
+          </a:p>
+        </p:txBody>
+      </p:sp>
+      <p:sp>
+        <p:nvSpPr>
+          <p:cNvPr id="4" name="Pladsholder til tekst 3">
+            <a:extLst>
+              <a:ext uri="{FF2B5EF4-FFF2-40B4-BE49-F238E27FC236}">
+                <a16:creationId xmlns:a16="http://schemas.microsoft.com/office/drawing/2014/main" id="{D2BCD25E-3062-C776-FDCD-8724CFA931AE}"/>
+              </a:ext>
+            </a:extLst>
+          </p:cNvPr>
+          <p:cNvSpPr>
+            <a:spLocks noGrp="1"/>
+          </p:cNvSpPr>
+          <p:nvPr>
+            <p:ph type="body" sz="quarter" idx="3"/>
+          </p:nvPr>
+        </p:nvSpPr>
+        <p:spPr/>
+        <p:txBody>
+          <a:bodyPr/>
+          <a:lstStyle/>
+          <a:p>
+            <a:r>
+              <a:rPr lang="da-DK" dirty="0" err="1"/>
+              <a:t>RabbitMQ</a:t>
+            </a:r>
+            <a:endParaRPr lang="da-DK" dirty="0"/>
+          </a:p>
+        </p:txBody>
+      </p:sp>
+      <p:sp>
+        <p:nvSpPr>
+          <p:cNvPr id="5" name="Pladsholder til indhold 4">
+            <a:extLst>
+              <a:ext uri="{FF2B5EF4-FFF2-40B4-BE49-F238E27FC236}">
+                <a16:creationId xmlns:a16="http://schemas.microsoft.com/office/drawing/2014/main" id="{A6395EEA-AED6-2FD6-EC89-277DA9898817}"/>
+              </a:ext>
+            </a:extLst>
+          </p:cNvPr>
+          <p:cNvSpPr>
+            <a:spLocks noGrp="1"/>
+          </p:cNvSpPr>
+          <p:nvPr>
+            <p:ph sz="quarter" idx="4"/>
+          </p:nvPr>
+        </p:nvSpPr>
+        <p:spPr/>
+        <p:txBody>
+          <a:bodyPr/>
+          <a:lstStyle/>
+          <a:p>
+            <a:r>
+              <a:rPr lang="da-DK" dirty="0"/>
+              <a:t>Queue/Stream</a:t>
+            </a:r>
+          </a:p>
+          <a:p>
+            <a:r>
+              <a:rPr lang="da-DK" dirty="0"/>
+              <a:t>Intet skema</a:t>
+            </a:r>
+          </a:p>
+          <a:p>
+            <a:r>
+              <a:rPr lang="da-DK" dirty="0"/>
+              <a:t>Message</a:t>
+            </a:r>
+          </a:p>
+          <a:p>
+            <a:r>
+              <a:rPr lang="da-DK" dirty="0"/>
+              <a:t>Remote Procedure Call</a:t>
+            </a:r>
+          </a:p>
+          <a:p>
+            <a:r>
+              <a:rPr lang="da-DK" dirty="0"/>
+              <a:t>Consumer kan selv oprette </a:t>
+            </a:r>
+            <a:r>
+              <a:rPr lang="da-DK" dirty="0" err="1"/>
+              <a:t>queue</a:t>
+            </a:r>
+            <a:endParaRPr lang="da-DK" dirty="0"/>
+          </a:p>
+        </p:txBody>
+      </p:sp>
+    </p:spTree>
+    <p:extLst>
+      <p:ext uri="{BB962C8B-B14F-4D97-AF65-F5344CB8AC3E}">
+        <p14:creationId xmlns:p14="http://schemas.microsoft.com/office/powerpoint/2010/main" val="1977421596"/>
+      </p:ext>
+    </p:extLst>
+  </p:cSld>
+  <p:clrMapOvr>
+    <a:masterClrMapping/>
+  </p:clrMapOvr>
+</p:sld>
+</file>
+
+<file path=ppt/slides/slide34.xml><?xml version="1.0" encoding="utf-8"?>
+<p:sld xmlns:a="http://schemas.openxmlformats.org/drawingml/2006/main" xmlns:r="http://schemas.openxmlformats.org/officeDocument/2006/relationships" xmlns:p="http://schemas.openxmlformats.org/presentationml/2006/main">
+  <p:cSld>
+    <p:spTree>
+      <p:nvGrpSpPr>
+        <p:cNvPr id="1" name=""/>
+        <p:cNvGrpSpPr/>
+        <p:nvPr/>
+      </p:nvGrpSpPr>
+      <p:grpSpPr>
+        <a:xfrm>
+          <a:off x="0" y="0"/>
+          <a:ext cx="0" cy="0"/>
+          <a:chOff x="0" y="0"/>
+          <a:chExt cx="0" cy="0"/>
+        </a:xfrm>
+      </p:grpSpPr>
+      <p:sp>
+        <p:nvSpPr>
+          <p:cNvPr id="8" name="Titel 7">
+            <a:extLst>
+              <a:ext uri="{FF2B5EF4-FFF2-40B4-BE49-F238E27FC236}">
+                <a16:creationId xmlns:a16="http://schemas.microsoft.com/office/drawing/2014/main" id="{964C56D4-D3DF-1B49-7986-BDEB15B6AF6E}"/>
+              </a:ext>
+            </a:extLst>
+          </p:cNvPr>
+          <p:cNvSpPr>
+            <a:spLocks noGrp="1"/>
+          </p:cNvSpPr>
+          <p:nvPr>
+            <p:ph type="title"/>
+          </p:nvPr>
+        </p:nvSpPr>
+        <p:spPr/>
+        <p:txBody>
+          <a:bodyPr/>
+          <a:lstStyle/>
+          <a:p>
+            <a:r>
+              <a:rPr lang="da-DK" dirty="0"/>
               <a:t>Kafka - Hvis brugt i produktet</a:t>
             </a:r>
           </a:p>
@@ -12151,7 +12893,7 @@
 </p:sld>
 </file>
 
-<file path=ppt/slides/slide34.xml><?xml version="1.0" encoding="utf-8"?>
+<file path=ppt/slides/slide35.xml><?xml version="1.0" encoding="utf-8"?>
 <p:sld xmlns:a="http://schemas.openxmlformats.org/drawingml/2006/main" xmlns:r="http://schemas.openxmlformats.org/officeDocument/2006/relationships" xmlns:p="http://schemas.openxmlformats.org/presentationml/2006/main">
   <p:cSld>
     <p:spTree>
@@ -12252,7 +12994,189 @@
 </p:sld>
 </file>
 
-<file path=ppt/slides/slide35.xml><?xml version="1.0" encoding="utf-8"?>
+<file path=ppt/slides/slide36.xml><?xml version="1.0" encoding="utf-8"?>
+<p:sld xmlns:a="http://schemas.openxmlformats.org/drawingml/2006/main" xmlns:r="http://schemas.openxmlformats.org/officeDocument/2006/relationships" xmlns:p="http://schemas.openxmlformats.org/presentationml/2006/main" show="0">
+  <p:cSld>
+    <p:spTree>
+      <p:nvGrpSpPr>
+        <p:cNvPr id="1" name=""/>
+        <p:cNvGrpSpPr/>
+        <p:nvPr/>
+      </p:nvGrpSpPr>
+      <p:grpSpPr>
+        <a:xfrm>
+          <a:off x="0" y="0"/>
+          <a:ext cx="0" cy="0"/>
+          <a:chOff x="0" y="0"/>
+          <a:chExt cx="0" cy="0"/>
+        </a:xfrm>
+      </p:grpSpPr>
+      <p:sp>
+        <p:nvSpPr>
+          <p:cNvPr id="2" name="Titel 1">
+            <a:extLst>
+              <a:ext uri="{FF2B5EF4-FFF2-40B4-BE49-F238E27FC236}">
+                <a16:creationId xmlns:a16="http://schemas.microsoft.com/office/drawing/2014/main" id="{BD49CE15-8830-7735-EEBA-56B46383EED4}"/>
+              </a:ext>
+            </a:extLst>
+          </p:cNvPr>
+          <p:cNvSpPr>
+            <a:spLocks noGrp="1"/>
+          </p:cNvSpPr>
+          <p:nvPr>
+            <p:ph type="title"/>
+          </p:nvPr>
+        </p:nvSpPr>
+        <p:spPr/>
+        <p:txBody>
+          <a:bodyPr/>
+          <a:lstStyle/>
+          <a:p>
+            <a:r>
+              <a:rPr lang="da-DK" dirty="0"/>
+              <a:t>Referencer</a:t>
+            </a:r>
+          </a:p>
+        </p:txBody>
+      </p:sp>
+      <p:sp>
+        <p:nvSpPr>
+          <p:cNvPr id="3" name="Pladsholder til indhold 2">
+            <a:extLst>
+              <a:ext uri="{FF2B5EF4-FFF2-40B4-BE49-F238E27FC236}">
+                <a16:creationId xmlns:a16="http://schemas.microsoft.com/office/drawing/2014/main" id="{DBD79205-814B-8ABA-7820-A8964F2C7957}"/>
+              </a:ext>
+            </a:extLst>
+          </p:cNvPr>
+          <p:cNvSpPr>
+            <a:spLocks noGrp="1"/>
+          </p:cNvSpPr>
+          <p:nvPr>
+            <p:ph idx="1"/>
+          </p:nvPr>
+        </p:nvSpPr>
+        <p:spPr/>
+        <p:txBody>
+          <a:bodyPr/>
+          <a:lstStyle/>
+          <a:p>
+            <a:r>
+              <a:rPr lang="da-DK" dirty="0"/>
+              <a:t>[1] M. Fowler: </a:t>
+            </a:r>
+            <a:r>
+              <a:rPr lang="da-DK" dirty="0">
+                <a:hlinkClick r:id="rId2">
+                  <a:extLst>
+                    <a:ext uri="{A12FA001-AC4F-418D-AE19-62706E023703}">
+                      <ahyp:hlinkClr xmlns:ahyp="http://schemas.microsoft.com/office/drawing/2018/hyperlinkcolor" val="tx"/>
+                    </a:ext>
+                  </a:extLst>
+                </a:hlinkClick>
+              </a:rPr>
+              <a:t>https://martinfowler.com/bliki/UbiquitousLanguage.html</a:t>
+            </a:r>
+            <a:r>
+              <a:rPr lang="da-DK" dirty="0"/>
+              <a:t> (3/5/2024</a:t>
+            </a:r>
+          </a:p>
+          <a:p>
+            <a:r>
+              <a:rPr lang="da-DK" dirty="0"/>
+              <a:t>[2] Microsoft: </a:t>
+            </a:r>
+            <a:r>
+              <a:rPr lang="da-DK" dirty="0">
+                <a:hlinkClick r:id="rId3">
+                  <a:extLst>
+                    <a:ext uri="{A12FA001-AC4F-418D-AE19-62706E023703}">
+                      <ahyp:hlinkClr xmlns:ahyp="http://schemas.microsoft.com/office/drawing/2018/hyperlinkcolor" val="tx"/>
+                    </a:ext>
+                  </a:extLst>
+                </a:hlinkClick>
+              </a:rPr>
+              <a:t>https://learn.microsoft.com/en-us/dotnet/architecture/microservices/microservice-ddd-cqrs-patterns/ddd-oriented-microservice</a:t>
+            </a:r>
+            <a:r>
+              <a:rPr lang="da-DK" dirty="0"/>
+              <a:t> (8/5/2024)</a:t>
+            </a:r>
+          </a:p>
+          <a:p>
+            <a:r>
+              <a:rPr lang="da-DK" dirty="0"/>
+              <a:t>[3] </a:t>
+            </a:r>
+            <a:r>
+              <a:rPr lang="da-DK" dirty="0" err="1"/>
+              <a:t>WebAssembly</a:t>
+            </a:r>
+            <a:r>
+              <a:rPr lang="da-DK" dirty="0"/>
+              <a:t>: </a:t>
+            </a:r>
+            <a:r>
+              <a:rPr lang="da-DK" dirty="0">
+                <a:hlinkClick r:id="rId4">
+                  <a:extLst>
+                    <a:ext uri="{A12FA001-AC4F-418D-AE19-62706E023703}">
+                      <ahyp:hlinkClr xmlns:ahyp="http://schemas.microsoft.com/office/drawing/2018/hyperlinkcolor" val="tx"/>
+                    </a:ext>
+                  </a:extLst>
+                </a:hlinkClick>
+              </a:rPr>
+              <a:t>https://webassembly.org/docs/faq/</a:t>
+            </a:r>
+            <a:r>
+              <a:rPr lang="da-DK" dirty="0"/>
+              <a:t> (8/5/2024)</a:t>
+            </a:r>
+          </a:p>
+          <a:p>
+            <a:r>
+              <a:rPr lang="da-DK" dirty="0"/>
+              <a:t>[4] Apache Kafka: </a:t>
+            </a:r>
+            <a:r>
+              <a:rPr lang="da-DK" dirty="0">
+                <a:hlinkClick r:id="rId5">
+                  <a:extLst>
+                    <a:ext uri="{A12FA001-AC4F-418D-AE19-62706E023703}">
+                      <ahyp:hlinkClr xmlns:ahyp="http://schemas.microsoft.com/office/drawing/2018/hyperlinkcolor" val="tx"/>
+                    </a:ext>
+                  </a:extLst>
+                </a:hlinkClick>
+              </a:rPr>
+              <a:t>https://kafka.apache.org/documentation</a:t>
+            </a:r>
+            <a:r>
+              <a:rPr lang="da-DK" dirty="0"/>
+              <a:t> (6/5/2024)</a:t>
+            </a:r>
+          </a:p>
+          <a:p>
+            <a:endParaRPr lang="da-DK" dirty="0"/>
+          </a:p>
+          <a:p>
+            <a:endParaRPr lang="da-DK" dirty="0"/>
+          </a:p>
+        </p:txBody>
+      </p:sp>
+    </p:spTree>
+    <p:extLst>
+      <p:ext uri="{BB962C8B-B14F-4D97-AF65-F5344CB8AC3E}">
+        <p14:creationId xmlns:p14="http://schemas.microsoft.com/office/powerpoint/2010/main" val="221808590"/>
+      </p:ext>
+    </p:extLst>
+  </p:cSld>
+  <p:clrMapOvr>
+    <a:masterClrMapping/>
+  </p:clrMapOvr>
+</p:sld>
+</file>
+
+<file path=ppt/slides/slide37.xml><?xml version="1.0" encoding="utf-8"?>
 <p:sld xmlns:a="http://schemas.openxmlformats.org/drawingml/2006/main" xmlns:r="http://schemas.openxmlformats.org/officeDocument/2006/relationships" xmlns:p="http://schemas.openxmlformats.org/presentationml/2006/main">
   <p:cSld>
     <p:spTree>
@@ -12324,7 +13248,13 @@
             </a:r>
             <a:r>
               <a:rPr lang="da-DK" dirty="0">
-                <a:hlinkClick r:id="rId2"/>
+                <a:hlinkClick r:id="rId2">
+                  <a:extLst>
+                    <a:ext uri="{A12FA001-AC4F-418D-AE19-62706E023703}">
+                      <ahyp:hlinkClr xmlns:ahyp="http://schemas.microsoft.com/office/drawing/2018/hyperlinkcolor" val="tx"/>
+                    </a:ext>
+                  </a:extLst>
+                </a:hlinkClick>
               </a:rPr>
               <a:t>https://martinfowler.com/bliki/UbiquitousLanguage.html</a:t>
             </a:r>
@@ -12340,47 +13270,35 @@
             </a:r>
             <a:r>
               <a:rPr lang="da-DK" dirty="0">
-                <a:hlinkClick r:id="rId3"/>
+                <a:hlinkClick r:id="rId3">
+                  <a:extLst>
+                    <a:ext uri="{A12FA001-AC4F-418D-AE19-62706E023703}">
+                      <ahyp:hlinkClr xmlns:ahyp="http://schemas.microsoft.com/office/drawing/2018/hyperlinkcolor" val="tx"/>
+                    </a:ext>
+                  </a:extLst>
+                </a:hlinkClick>
               </a:rPr>
               <a:t>https://learn.microsoft.com/en-us/dotnet/architecture/microservices/microservice-ddd-cqrs-patterns/ddd-oriented-microservice</a:t>
             </a:r>
             <a:r>
               <a:rPr lang="da-DK" dirty="0"/>
-              <a:t> (8/5/2024)</a:t>
-            </a:r>
-          </a:p>
-          <a:p>
-            <a:r>
-              <a:rPr lang="da-DK" dirty="0"/>
-              <a:t>[3] </a:t>
-            </a:r>
-            <a:r>
-              <a:rPr lang="da-DK" dirty="0" err="1"/>
-              <a:t>WebAssembly</a:t>
-            </a:r>
-            <a:r>
-              <a:rPr lang="da-DK" dirty="0"/>
-              <a:t>: </a:t>
+              <a:t> (8/5/2024) </a:t>
+            </a:r>
+          </a:p>
+          <a:p>
+            <a:r>
+              <a:rPr lang="da-DK" dirty="0"/>
+              <a:t>[3] Apache Kafka: </a:t>
             </a:r>
             <a:r>
               <a:rPr lang="da-DK" dirty="0">
-                <a:hlinkClick r:id="rId4"/>
-              </a:rPr>
-              <a:t>https://webassembly.org/docs/faq/</a:t>
-            </a:r>
-            <a:r>
-              <a:rPr lang="da-DK" dirty="0"/>
-              <a:t> (8/5/2024)</a:t>
-            </a:r>
-          </a:p>
-          <a:p>
-            <a:r>
-              <a:rPr lang="da-DK" dirty="0"/>
-              <a:t>[4] Apache Kafka: </a:t>
-            </a:r>
-            <a:r>
-              <a:rPr lang="da-DK" dirty="0">
-                <a:hlinkClick r:id="rId5"/>
+                <a:hlinkClick r:id="rId4">
+                  <a:extLst>
+                    <a:ext uri="{A12FA001-AC4F-418D-AE19-62706E023703}">
+                      <ahyp:hlinkClr xmlns:ahyp="http://schemas.microsoft.com/office/drawing/2018/hyperlinkcolor" val="tx"/>
+                    </a:ext>
+                  </a:extLst>
+                </a:hlinkClick>
               </a:rPr>
               <a:t>https://kafka.apache.org/documentation</a:t>
             </a:r>
@@ -12400,7 +13318,7 @@
     </p:spTree>
     <p:extLst>
       <p:ext uri="{BB962C8B-B14F-4D97-AF65-F5344CB8AC3E}">
-        <p14:creationId xmlns:p14="http://schemas.microsoft.com/office/powerpoint/2010/main" val="221808590"/>
+        <p14:creationId xmlns:p14="http://schemas.microsoft.com/office/powerpoint/2010/main" val="3618761977"/>
       </p:ext>
     </p:extLst>
   </p:cSld>
@@ -12824,7 +13742,7 @@
           <a:bodyPr/>
           <a:lstStyle/>
           <a:p>
-            <a:endParaRPr lang="da-DK"/>
+            <a:endParaRPr lang="da-DK" dirty="0"/>
           </a:p>
         </p:txBody>
       </p:sp>

--- a/presentation.pptx
+++ b/presentation.pptx
@@ -12945,10 +12945,10 @@
       </p:sp>
       <p:pic>
         <p:nvPicPr>
-          <p:cNvPr id="4" name="Pladsholder til indhold 3">
+          <p:cNvPr id="7" name="Pladsholder til indhold 6">
             <a:extLst>
               <a:ext uri="{FF2B5EF4-FFF2-40B4-BE49-F238E27FC236}">
-                <a16:creationId xmlns:a16="http://schemas.microsoft.com/office/drawing/2014/main" id="{668A7713-CA03-DA91-C2AF-EB92AC0442FC}"/>
+                <a16:creationId xmlns:a16="http://schemas.microsoft.com/office/drawing/2014/main" id="{AA9A49C4-0F77-453D-3AB4-03BA00FCB606}"/>
               </a:ext>
             </a:extLst>
           </p:cNvPr>
@@ -12973,12 +12973,9 @@
         </p:blipFill>
         <p:spPr>
           <a:xfrm>
-            <a:off x="3614737" y="2553494"/>
-            <a:ext cx="4962525" cy="3305175"/>
+            <a:off x="3614737" y="2558256"/>
+            <a:ext cx="4962525" cy="3295650"/>
           </a:xfrm>
-          <a:prstGeom prst="rect">
-            <a:avLst/>
-          </a:prstGeom>
         </p:spPr>
       </p:pic>
     </p:spTree>

--- a/presentation.pptx
+++ b/presentation.pptx
@@ -653,19 +653,41 @@
           <a:p>
             <a:r>
               <a:rPr lang="da-DK" dirty="0"/>
-              <a:t>Håndtering af referencer</a:t>
-            </a:r>
-          </a:p>
-          <a:p>
-            <a:r>
-              <a:rPr lang="da-DK" dirty="0"/>
-              <a:t>Produktet fremviser ikke helt det brugbare for DDD pga. </a:t>
-            </a:r>
-            <a:r>
-              <a:rPr lang="da-DK" dirty="0" err="1"/>
-              <a:t>simplehed</a:t>
-            </a:r>
+              <a:t>User og Customer deler Id, navn og lokation. Id skal altid være det samme</a:t>
+            </a:r>
+          </a:p>
+          <a:p>
+            <a:r>
+              <a:rPr lang="da-DK" dirty="0" err="1"/>
+              <a:t>CompanyName</a:t>
+            </a:r>
+            <a:r>
+              <a:rPr lang="da-DK" dirty="0"/>
+              <a:t> og </a:t>
+            </a:r>
+            <a:r>
+              <a:rPr lang="da-DK" dirty="0" err="1"/>
+              <a:t>CustomerName</a:t>
+            </a:r>
+            <a:r>
+              <a:rPr lang="da-DK" dirty="0"/>
+              <a:t> er for at undgå at skulle slå op i begge databaser </a:t>
+            </a:r>
+          </a:p>
+          <a:p>
             <a:endParaRPr lang="da-DK" dirty="0"/>
+          </a:p>
+          <a:p>
+            <a:r>
+              <a:rPr lang="da-DK" dirty="0"/>
+              <a:t>https://martinfowler.com/bliki/UbiquitousLanguage.html</a:t>
+            </a:r>
+          </a:p>
+          <a:p>
+            <a:r>
+              <a:rPr lang="da-DK" dirty="0"/>
+              <a:t>https://martinfowler.com/bliki/BoundedContext.html</a:t>
+            </a:r>
           </a:p>
         </p:txBody>
       </p:sp>
@@ -686,7 +708,7 @@
           <a:p>
             <a:fld id="{252E21F2-0B82-4ACE-A045-2AAC56859006}" type="slidenum">
               <a:rPr lang="da-DK" smtClean="0"/>
-              <a:t>16</a:t>
+              <a:t>15</a:t>
             </a:fld>
             <a:endParaRPr lang="da-DK"/>
           </a:p>
@@ -695,7 +717,7 @@
     </p:spTree>
     <p:extLst>
       <p:ext uri="{BB962C8B-B14F-4D97-AF65-F5344CB8AC3E}">
-        <p14:creationId xmlns:p14="http://schemas.microsoft.com/office/powerpoint/2010/main" val="2516361822"/>
+        <p14:creationId xmlns:p14="http://schemas.microsoft.com/office/powerpoint/2010/main" val="2568857346"/>
       </p:ext>
     </p:extLst>
   </p:cSld>
@@ -751,68 +773,18 @@
           <a:p>
             <a:r>
               <a:rPr lang="da-DK" dirty="0"/>
-              <a:t>Channels tillader at benytte en enkel TCP forbindelse. Intet kommunikation mellem </a:t>
-            </a:r>
-            <a:r>
-              <a:rPr lang="da-DK" dirty="0" err="1"/>
-              <a:t>channels</a:t>
-            </a:r>
-            <a:r>
-              <a:rPr lang="da-DK" dirty="0"/>
-              <a:t>. Normalt en </a:t>
-            </a:r>
-            <a:r>
-              <a:rPr lang="da-DK" dirty="0" err="1"/>
-              <a:t>kannal</a:t>
-            </a:r>
-            <a:r>
-              <a:rPr lang="da-DK" dirty="0"/>
-              <a:t> per tråd </a:t>
-            </a:r>
-          </a:p>
-          <a:p>
-            <a:r>
-              <a:rPr lang="da-DK" dirty="0" err="1"/>
-              <a:t>Streams</a:t>
-            </a:r>
-            <a:r>
-              <a:rPr lang="da-DK" dirty="0"/>
-              <a:t> fjerner ikke beskeder. Kan bruges til at sende besked til flere </a:t>
-            </a:r>
-            <a:r>
-              <a:rPr lang="da-DK" dirty="0" err="1"/>
-              <a:t>consumers</a:t>
-            </a:r>
-            <a:endParaRPr lang="da-DK" dirty="0"/>
-          </a:p>
-          <a:p>
-            <a:r>
-              <a:rPr lang="da-DK" dirty="0"/>
-              <a:t>Queue </a:t>
-            </a:r>
-            <a:r>
-              <a:rPr lang="da-DK" dirty="0" err="1"/>
-              <a:t>ordered</a:t>
-            </a:r>
-            <a:r>
-              <a:rPr lang="da-DK" dirty="0"/>
-              <a:t> samling af beskeder, FIFO. </a:t>
-            </a:r>
-            <a:r>
-              <a:rPr lang="da-DK" dirty="0" err="1"/>
-              <a:t>Enqueued</a:t>
-            </a:r>
-            <a:r>
-              <a:rPr lang="da-DK" dirty="0"/>
-              <a:t>, </a:t>
-            </a:r>
-            <a:r>
-              <a:rPr lang="da-DK" dirty="0" err="1"/>
-              <a:t>dequeued</a:t>
-            </a:r>
-            <a:endParaRPr lang="da-DK" dirty="0"/>
-          </a:p>
-          <a:p>
+              <a:t>Håndtering af referencer</a:t>
+            </a:r>
+          </a:p>
+          <a:p>
+            <a:r>
+              <a:rPr lang="da-DK" dirty="0"/>
+              <a:t>Produktet fremviser ikke helt det brugbare for DDD pga. </a:t>
+            </a:r>
+            <a:r>
+              <a:rPr lang="da-DK" dirty="0" err="1"/>
+              <a:t>simplehed</a:t>
+            </a:r>
             <a:endParaRPr lang="da-DK" dirty="0"/>
           </a:p>
         </p:txBody>
@@ -834,7 +806,7 @@
           <a:p>
             <a:fld id="{252E21F2-0B82-4ACE-A045-2AAC56859006}" type="slidenum">
               <a:rPr lang="da-DK" smtClean="0"/>
-              <a:t>18</a:t>
+              <a:t>16</a:t>
             </a:fld>
             <a:endParaRPr lang="da-DK"/>
           </a:p>
@@ -843,7 +815,7 @@
     </p:spTree>
     <p:extLst>
       <p:ext uri="{BB962C8B-B14F-4D97-AF65-F5344CB8AC3E}">
-        <p14:creationId xmlns:p14="http://schemas.microsoft.com/office/powerpoint/2010/main" val="1091159589"/>
+        <p14:creationId xmlns:p14="http://schemas.microsoft.com/office/powerpoint/2010/main" val="2516361822"/>
       </p:ext>
     </p:extLst>
   </p:cSld>
@@ -897,6 +869,70 @@
           <a:bodyPr/>
           <a:lstStyle/>
           <a:p>
+            <a:r>
+              <a:rPr lang="da-DK" dirty="0"/>
+              <a:t>Channels tillader at benytte en enkel TCP forbindelse. Intet kommunikation mellem </a:t>
+            </a:r>
+            <a:r>
+              <a:rPr lang="da-DK" dirty="0" err="1"/>
+              <a:t>channels</a:t>
+            </a:r>
+            <a:r>
+              <a:rPr lang="da-DK" dirty="0"/>
+              <a:t>. Normalt en </a:t>
+            </a:r>
+            <a:r>
+              <a:rPr lang="da-DK" dirty="0" err="1"/>
+              <a:t>kannal</a:t>
+            </a:r>
+            <a:r>
+              <a:rPr lang="da-DK" dirty="0"/>
+              <a:t> per tråd </a:t>
+            </a:r>
+          </a:p>
+          <a:p>
+            <a:r>
+              <a:rPr lang="da-DK" dirty="0" err="1"/>
+              <a:t>Streams</a:t>
+            </a:r>
+            <a:r>
+              <a:rPr lang="da-DK" dirty="0"/>
+              <a:t> fjerner ikke beskeder. Kan bruges til at sende besked til flere </a:t>
+            </a:r>
+            <a:r>
+              <a:rPr lang="da-DK" dirty="0" err="1"/>
+              <a:t>consumers</a:t>
+            </a:r>
+            <a:endParaRPr lang="da-DK" dirty="0"/>
+          </a:p>
+          <a:p>
+            <a:r>
+              <a:rPr lang="da-DK" dirty="0"/>
+              <a:t>Queue </a:t>
+            </a:r>
+            <a:r>
+              <a:rPr lang="da-DK" dirty="0" err="1"/>
+              <a:t>ordered</a:t>
+            </a:r>
+            <a:r>
+              <a:rPr lang="da-DK" dirty="0"/>
+              <a:t> samling af beskeder, FIFO. </a:t>
+            </a:r>
+            <a:r>
+              <a:rPr lang="da-DK" dirty="0" err="1"/>
+              <a:t>Enqueued</a:t>
+            </a:r>
+            <a:r>
+              <a:rPr lang="da-DK" dirty="0"/>
+              <a:t>, </a:t>
+            </a:r>
+            <a:r>
+              <a:rPr lang="da-DK" dirty="0" err="1"/>
+              <a:t>dequeued</a:t>
+            </a:r>
+            <a:endParaRPr lang="da-DK" dirty="0"/>
+          </a:p>
+          <a:p>
             <a:endParaRPr lang="da-DK" dirty="0"/>
           </a:p>
         </p:txBody>
@@ -918,7 +954,7 @@
           <a:p>
             <a:fld id="{252E21F2-0B82-4ACE-A045-2AAC56859006}" type="slidenum">
               <a:rPr lang="da-DK" smtClean="0"/>
-              <a:t>20</a:t>
+              <a:t>18</a:t>
             </a:fld>
             <a:endParaRPr lang="da-DK"/>
           </a:p>
@@ -927,7 +963,7 @@
     </p:spTree>
     <p:extLst>
       <p:ext uri="{BB962C8B-B14F-4D97-AF65-F5344CB8AC3E}">
-        <p14:creationId xmlns:p14="http://schemas.microsoft.com/office/powerpoint/2010/main" val="2289638430"/>
+        <p14:creationId xmlns:p14="http://schemas.microsoft.com/office/powerpoint/2010/main" val="1091159589"/>
       </p:ext>
     </p:extLst>
   </p:cSld>
@@ -981,30 +1017,7 @@
           <a:bodyPr/>
           <a:lstStyle/>
           <a:p>
-            <a:r>
-              <a:rPr lang="da-DK" dirty="0" err="1"/>
-              <a:t>Seq</a:t>
-            </a:r>
-            <a:r>
-              <a:rPr lang="da-DK" dirty="0"/>
-              <a:t> og </a:t>
-            </a:r>
-            <a:r>
-              <a:rPr lang="da-DK" dirty="0" err="1"/>
-              <a:t>Serilog</a:t>
-            </a:r>
-            <a:r>
-              <a:rPr lang="da-DK" dirty="0"/>
-              <a:t> er begge lette og små? </a:t>
-            </a:r>
-            <a:r>
-              <a:rPr lang="da-DK" dirty="0" err="1"/>
-              <a:t>Koncenteret</a:t>
-            </a:r>
-            <a:r>
-              <a:rPr lang="da-DK" dirty="0"/>
-              <a:t>? </a:t>
-            </a:r>
+            <a:endParaRPr lang="da-DK" dirty="0"/>
           </a:p>
         </p:txBody>
       </p:sp>
@@ -1025,7 +1038,7 @@
           <a:p>
             <a:fld id="{252E21F2-0B82-4ACE-A045-2AAC56859006}" type="slidenum">
               <a:rPr lang="da-DK" smtClean="0"/>
-              <a:t>21</a:t>
+              <a:t>20</a:t>
             </a:fld>
             <a:endParaRPr lang="da-DK"/>
           </a:p>
@@ -1034,7 +1047,7 @@
     </p:spTree>
     <p:extLst>
       <p:ext uri="{BB962C8B-B14F-4D97-AF65-F5344CB8AC3E}">
-        <p14:creationId xmlns:p14="http://schemas.microsoft.com/office/powerpoint/2010/main" val="2294237520"/>
+        <p14:creationId xmlns:p14="http://schemas.microsoft.com/office/powerpoint/2010/main" val="2289638430"/>
       </p:ext>
     </p:extLst>
   </p:cSld>
@@ -1089,16 +1102,28 @@
           <a:lstStyle/>
           <a:p>
             <a:r>
-              <a:rPr lang="da-DK" dirty="0"/>
-              <a:t>Kunne nævne ting som </a:t>
-            </a:r>
-            <a:r>
-              <a:rPr lang="da-DK" dirty="0" err="1"/>
-              <a:t>interceptor</a:t>
-            </a:r>
-            <a:r>
-              <a:rPr lang="da-DK" dirty="0"/>
-              <a:t> </a:t>
+              <a:rPr lang="da-DK" dirty="0" err="1"/>
+              <a:t>Seq</a:t>
+            </a:r>
+            <a:r>
+              <a:rPr lang="da-DK" dirty="0"/>
+              <a:t> og </a:t>
+            </a:r>
+            <a:r>
+              <a:rPr lang="da-DK" dirty="0" err="1"/>
+              <a:t>Serilog</a:t>
+            </a:r>
+            <a:r>
+              <a:rPr lang="da-DK" dirty="0"/>
+              <a:t> er begge lette og små? </a:t>
+            </a:r>
+            <a:r>
+              <a:rPr lang="da-DK" dirty="0" err="1"/>
+              <a:t>Koncenteret</a:t>
+            </a:r>
+            <a:r>
+              <a:rPr lang="da-DK" dirty="0"/>
+              <a:t>? </a:t>
             </a:r>
           </a:p>
         </p:txBody>
@@ -1120,7 +1145,7 @@
           <a:p>
             <a:fld id="{252E21F2-0B82-4ACE-A045-2AAC56859006}" type="slidenum">
               <a:rPr lang="da-DK" smtClean="0"/>
-              <a:t>22</a:t>
+              <a:t>21</a:t>
             </a:fld>
             <a:endParaRPr lang="da-DK"/>
           </a:p>
@@ -1129,7 +1154,7 @@
     </p:spTree>
     <p:extLst>
       <p:ext uri="{BB962C8B-B14F-4D97-AF65-F5344CB8AC3E}">
-        <p14:creationId xmlns:p14="http://schemas.microsoft.com/office/powerpoint/2010/main" val="4069340254"/>
+        <p14:creationId xmlns:p14="http://schemas.microsoft.com/office/powerpoint/2010/main" val="2294237520"/>
       </p:ext>
     </p:extLst>
   </p:cSld>
@@ -1185,50 +1210,16 @@
           <a:p>
             <a:r>
               <a:rPr lang="da-DK" dirty="0"/>
-              <a:t>20x hurtigere end JavaScript, </a:t>
-            </a:r>
-            <a:r>
-              <a:rPr lang="da-DK" dirty="0" err="1"/>
-              <a:t>stack-based</a:t>
-            </a:r>
-            <a:r>
-              <a:rPr lang="da-DK" dirty="0"/>
-              <a:t> JavaScript VM, </a:t>
-            </a:r>
-            <a:r>
-              <a:rPr lang="da-DK" dirty="0" err="1"/>
-              <a:t>sandboxed</a:t>
-            </a:r>
-            <a:r>
-              <a:rPr lang="da-DK" dirty="0"/>
-              <a:t>, binær format, C/C++ compiler</a:t>
-            </a:r>
-          </a:p>
-          <a:p>
-            <a:pPr marL="0" marR="0" lvl="0" indent="0" algn="l" defTabSz="914400" rtl="0" eaLnBrk="1" fontAlgn="auto" latinLnBrk="0" hangingPunct="1">
-              <a:lnSpc>
-                <a:spcPct val="100000"/>
-              </a:lnSpc>
-              <a:spcBef>
-                <a:spcPts val="0"/>
-              </a:spcBef>
-              <a:spcAft>
-                <a:spcPts val="0"/>
-              </a:spcAft>
-              <a:buClrTx/>
-              <a:buSzTx/>
-              <a:buFontTx/>
-              <a:buNone/>
-              <a:tabLst/>
-              <a:defRPr/>
-            </a:pPr>
-            <a:r>
-              <a:rPr lang="da-DK" dirty="0"/>
-              <a:t>https://webassembly.org/docs/faq/</a:t>
-            </a:r>
-          </a:p>
-          <a:p>
-            <a:endParaRPr lang="da-DK" dirty="0"/>
+              <a:t>Kunne nævne ting som </a:t>
+            </a:r>
+            <a:r>
+              <a:rPr lang="da-DK" dirty="0" err="1"/>
+              <a:t>interceptor</a:t>
+            </a:r>
+            <a:r>
+              <a:rPr lang="da-DK" dirty="0"/>
+              <a:t> </a:t>
+            </a:r>
           </a:p>
         </p:txBody>
       </p:sp>
@@ -1249,7 +1240,7 @@
           <a:p>
             <a:fld id="{252E21F2-0B82-4ACE-A045-2AAC56859006}" type="slidenum">
               <a:rPr lang="da-DK" smtClean="0"/>
-              <a:t>23</a:t>
+              <a:t>22</a:t>
             </a:fld>
             <a:endParaRPr lang="da-DK"/>
           </a:p>
@@ -1258,7 +1249,7 @@
     </p:spTree>
     <p:extLst>
       <p:ext uri="{BB962C8B-B14F-4D97-AF65-F5344CB8AC3E}">
-        <p14:creationId xmlns:p14="http://schemas.microsoft.com/office/powerpoint/2010/main" val="3114175968"/>
+        <p14:creationId xmlns:p14="http://schemas.microsoft.com/office/powerpoint/2010/main" val="4069340254"/>
       </p:ext>
     </p:extLst>
   </p:cSld>
@@ -1314,16 +1305,50 @@
           <a:p>
             <a:r>
               <a:rPr lang="da-DK" dirty="0"/>
-              <a:t>Kunne nævne ting som </a:t>
-            </a:r>
-            <a:r>
-              <a:rPr lang="da-DK" dirty="0" err="1"/>
-              <a:t>interceptor</a:t>
-            </a:r>
-            <a:r>
-              <a:rPr lang="da-DK" dirty="0"/>
-              <a:t> </a:t>
-            </a:r>
+              <a:t>20x hurtigere end JavaScript, </a:t>
+            </a:r>
+            <a:r>
+              <a:rPr lang="da-DK" dirty="0" err="1"/>
+              <a:t>stack-based</a:t>
+            </a:r>
+            <a:r>
+              <a:rPr lang="da-DK" dirty="0"/>
+              <a:t> JavaScript VM, </a:t>
+            </a:r>
+            <a:r>
+              <a:rPr lang="da-DK" dirty="0" err="1"/>
+              <a:t>sandboxed</a:t>
+            </a:r>
+            <a:r>
+              <a:rPr lang="da-DK" dirty="0"/>
+              <a:t>, binær format, C/C++ compiler</a:t>
+            </a:r>
+          </a:p>
+          <a:p>
+            <a:pPr marL="0" marR="0" lvl="0" indent="0" algn="l" defTabSz="914400" rtl="0" eaLnBrk="1" fontAlgn="auto" latinLnBrk="0" hangingPunct="1">
+              <a:lnSpc>
+                <a:spcPct val="100000"/>
+              </a:lnSpc>
+              <a:spcBef>
+                <a:spcPts val="0"/>
+              </a:spcBef>
+              <a:spcAft>
+                <a:spcPts val="0"/>
+              </a:spcAft>
+              <a:buClrTx/>
+              <a:buSzTx/>
+              <a:buFontTx/>
+              <a:buNone/>
+              <a:tabLst/>
+              <a:defRPr/>
+            </a:pPr>
+            <a:r>
+              <a:rPr lang="da-DK" dirty="0"/>
+              <a:t>https://webassembly.org/docs/faq/</a:t>
+            </a:r>
+          </a:p>
+          <a:p>
+            <a:endParaRPr lang="da-DK" dirty="0"/>
           </a:p>
         </p:txBody>
       </p:sp>
@@ -1344,7 +1369,7 @@
           <a:p>
             <a:fld id="{252E21F2-0B82-4ACE-A045-2AAC56859006}" type="slidenum">
               <a:rPr lang="da-DK" smtClean="0"/>
-              <a:t>25</a:t>
+              <a:t>23</a:t>
             </a:fld>
             <a:endParaRPr lang="da-DK"/>
           </a:p>
@@ -1353,7 +1378,7 @@
     </p:spTree>
     <p:extLst>
       <p:ext uri="{BB962C8B-B14F-4D97-AF65-F5344CB8AC3E}">
-        <p14:creationId xmlns:p14="http://schemas.microsoft.com/office/powerpoint/2010/main" val="2371307318"/>
+        <p14:creationId xmlns:p14="http://schemas.microsoft.com/office/powerpoint/2010/main" val="3114175968"/>
       </p:ext>
     </p:extLst>
   </p:cSld>
@@ -1408,26 +1433,17 @@
           <a:lstStyle/>
           <a:p>
             <a:r>
-              <a:rPr lang="da-DK" dirty="0" err="1"/>
-              <a:t>Refresh</a:t>
+              <a:rPr lang="da-DK" dirty="0"/>
+              <a:t>Kunne nævne ting som </a:t>
+            </a:r>
+            <a:r>
+              <a:rPr lang="da-DK" dirty="0" err="1"/>
+              <a:t>interceptor</a:t>
             </a:r>
             <a:r>
               <a:rPr lang="da-DK" dirty="0"/>
               <a:t> </a:t>
             </a:r>
-            <a:r>
-              <a:rPr lang="da-DK" dirty="0" err="1"/>
-              <a:t>token</a:t>
-            </a:r>
-            <a:r>
-              <a:rPr lang="da-DK" dirty="0"/>
-              <a:t> bliver ikke sat til invalid når den bruges til skabe nye </a:t>
-            </a:r>
-            <a:r>
-              <a:rPr lang="da-DK" dirty="0" err="1"/>
-              <a:t>tokens</a:t>
-            </a:r>
-            <a:endParaRPr lang="da-DK" dirty="0"/>
           </a:p>
         </p:txBody>
       </p:sp>
@@ -1448,7 +1464,7 @@
           <a:p>
             <a:fld id="{252E21F2-0B82-4ACE-A045-2AAC56859006}" type="slidenum">
               <a:rPr lang="da-DK" smtClean="0"/>
-              <a:t>26</a:t>
+              <a:t>25</a:t>
             </a:fld>
             <a:endParaRPr lang="da-DK"/>
           </a:p>
@@ -1457,7 +1473,7 @@
     </p:spTree>
     <p:extLst>
       <p:ext uri="{BB962C8B-B14F-4D97-AF65-F5344CB8AC3E}">
-        <p14:creationId xmlns:p14="http://schemas.microsoft.com/office/powerpoint/2010/main" val="671521866"/>
+        <p14:creationId xmlns:p14="http://schemas.microsoft.com/office/powerpoint/2010/main" val="2371307318"/>
       </p:ext>
     </p:extLst>
   </p:cSld>
@@ -1512,15 +1528,26 @@
           <a:lstStyle/>
           <a:p>
             <a:r>
-              <a:rPr lang="da-DK" dirty="0"/>
-              <a:t>https://kafka.apache.org/documentation/#intro_nutshell</a:t>
-            </a:r>
-          </a:p>
-          <a:p>
-            <a:r>
-              <a:rPr lang="da-DK" dirty="0"/>
-              <a:t>https://kafka.apache.org/documentation/#kraft_role</a:t>
-            </a:r>
+              <a:rPr lang="da-DK" dirty="0" err="1"/>
+              <a:t>Refresh</a:t>
+            </a:r>
+            <a:r>
+              <a:rPr lang="da-DK" dirty="0"/>
+              <a:t> </a:t>
+            </a:r>
+            <a:r>
+              <a:rPr lang="da-DK" dirty="0" err="1"/>
+              <a:t>token</a:t>
+            </a:r>
+            <a:r>
+              <a:rPr lang="da-DK" dirty="0"/>
+              <a:t> bliver ikke sat til invalid når den bruges til skabe nye </a:t>
+            </a:r>
+            <a:r>
+              <a:rPr lang="da-DK" dirty="0" err="1"/>
+              <a:t>tokens</a:t>
+            </a:r>
+            <a:endParaRPr lang="da-DK" dirty="0"/>
           </a:p>
         </p:txBody>
       </p:sp>
@@ -1541,7 +1568,7 @@
           <a:p>
             <a:fld id="{252E21F2-0B82-4ACE-A045-2AAC56859006}" type="slidenum">
               <a:rPr lang="da-DK" smtClean="0"/>
-              <a:t>28</a:t>
+              <a:t>26</a:t>
             </a:fld>
             <a:endParaRPr lang="da-DK"/>
           </a:p>
@@ -1550,7 +1577,7 @@
     </p:spTree>
     <p:extLst>
       <p:ext uri="{BB962C8B-B14F-4D97-AF65-F5344CB8AC3E}">
-        <p14:creationId xmlns:p14="http://schemas.microsoft.com/office/powerpoint/2010/main" val="8081506"/>
+        <p14:creationId xmlns:p14="http://schemas.microsoft.com/office/powerpoint/2010/main" val="671521866"/>
       </p:ext>
     </p:extLst>
   </p:cSld>
@@ -1604,124 +1631,15 @@
           <a:bodyPr/>
           <a:lstStyle/>
           <a:p>
-            <a:pPr marL="0" marR="0" lvl="0" indent="0" algn="l" defTabSz="914400" rtl="0" eaLnBrk="1" fontAlgn="auto" latinLnBrk="0" hangingPunct="1">
-              <a:lnSpc>
-                <a:spcPct val="100000"/>
-              </a:lnSpc>
-              <a:spcBef>
-                <a:spcPts val="0"/>
-              </a:spcBef>
-              <a:spcAft>
-                <a:spcPts val="0"/>
-              </a:spcAft>
-              <a:buClrTx/>
-              <a:buSzTx/>
-              <a:buFontTx/>
-              <a:buNone/>
-              <a:tabLst/>
-              <a:defRPr/>
-            </a:pPr>
-            <a:r>
-              <a:rPr lang="da-DK" dirty="0"/>
-              <a:t>Event </a:t>
-            </a:r>
-            <a:r>
-              <a:rPr lang="da-DK" dirty="0" err="1"/>
-              <a:t>schema</a:t>
-            </a:r>
-            <a:r>
-              <a:rPr lang="da-DK" dirty="0"/>
-              <a:t> //ikke nødvendigt</a:t>
-            </a:r>
-          </a:p>
-          <a:p>
-            <a:r>
-              <a:rPr lang="da-DK" dirty="0"/>
-              <a:t>Event, noget der er sket</a:t>
-            </a:r>
-          </a:p>
-          <a:p>
-            <a:r>
-              <a:rPr lang="da-DK" dirty="0" err="1"/>
-              <a:t>Topic</a:t>
-            </a:r>
-            <a:r>
-              <a:rPr lang="da-DK" dirty="0"/>
-              <a:t> </a:t>
-            </a:r>
-            <a:r>
-              <a:rPr lang="da-DK" dirty="0" err="1"/>
-              <a:t>partitioneret</a:t>
-            </a:r>
-            <a:r>
-              <a:rPr lang="da-DK" dirty="0"/>
-              <a:t> – en </a:t>
-            </a:r>
-            <a:r>
-              <a:rPr lang="da-DK" dirty="0" err="1"/>
-              <a:t>consumer</a:t>
-            </a:r>
-            <a:r>
-              <a:rPr lang="da-DK" dirty="0"/>
-              <a:t> kan få data fra en eller flere partitioner </a:t>
-            </a:r>
-          </a:p>
-          <a:p>
-            <a:r>
-              <a:rPr lang="da-DK" dirty="0"/>
-              <a:t>Event </a:t>
-            </a:r>
-            <a:r>
-              <a:rPr lang="da-DK" dirty="0" err="1"/>
-              <a:t>Replikering</a:t>
-            </a:r>
-            <a:r>
-              <a:rPr lang="da-DK" dirty="0"/>
-              <a:t>, event er </a:t>
-            </a:r>
-            <a:r>
-              <a:rPr lang="da-DK" dirty="0" err="1"/>
-              <a:t>replikeret</a:t>
-            </a:r>
-            <a:r>
-              <a:rPr lang="da-DK" dirty="0"/>
-              <a:t> over flere brokers</a:t>
-            </a:r>
-          </a:p>
-          <a:p>
-            <a:r>
-              <a:rPr lang="da-DK" dirty="0"/>
-              <a:t>Consumer </a:t>
-            </a:r>
-            <a:r>
-              <a:rPr lang="da-DK" dirty="0" err="1"/>
-              <a:t>groupId</a:t>
-            </a:r>
-            <a:r>
-              <a:rPr lang="da-DK" dirty="0"/>
-              <a:t>, hvis samme id, </a:t>
-            </a:r>
-            <a:r>
-              <a:rPr lang="da-DK" dirty="0" err="1"/>
-              <a:t>round-robin</a:t>
-            </a:r>
-            <a:r>
-              <a:rPr lang="da-DK" dirty="0"/>
-              <a:t> fra </a:t>
-            </a:r>
-            <a:r>
-              <a:rPr lang="da-DK" dirty="0" err="1"/>
-              <a:t>partioner</a:t>
-            </a:r>
-            <a:r>
-              <a:rPr lang="da-DK" dirty="0"/>
-              <a:t> og der er mere end en partitioner</a:t>
-            </a:r>
-          </a:p>
-          <a:p>
-            <a:r>
-              <a:rPr lang="da-DK" dirty="0"/>
-              <a:t>https://stackoverflow.com/questions/38024514/understanding-kafka-topics-and-partitions</a:t>
+            <a:r>
+              <a:rPr lang="da-DK" dirty="0"/>
+              <a:t>https://kafka.apache.org/documentation/#intro_nutshell</a:t>
+            </a:r>
+          </a:p>
+          <a:p>
+            <a:r>
+              <a:rPr lang="da-DK" dirty="0"/>
+              <a:t>https://kafka.apache.org/documentation/#kraft_role</a:t>
             </a:r>
           </a:p>
         </p:txBody>
@@ -1743,7 +1661,7 @@
           <a:p>
             <a:fld id="{252E21F2-0B82-4ACE-A045-2AAC56859006}" type="slidenum">
               <a:rPr lang="da-DK" smtClean="0"/>
-              <a:t>29</a:t>
+              <a:t>28</a:t>
             </a:fld>
             <a:endParaRPr lang="da-DK"/>
           </a:p>
@@ -1752,7 +1670,7 @@
     </p:spTree>
     <p:extLst>
       <p:ext uri="{BB962C8B-B14F-4D97-AF65-F5344CB8AC3E}">
-        <p14:creationId xmlns:p14="http://schemas.microsoft.com/office/powerpoint/2010/main" val="2764263524"/>
+        <p14:creationId xmlns:p14="http://schemas.microsoft.com/office/powerpoint/2010/main" val="8081506"/>
       </p:ext>
     </p:extLst>
   </p:cSld>
@@ -1907,7 +1825,125 @@
           <a:bodyPr/>
           <a:lstStyle/>
           <a:p>
-            <a:endParaRPr lang="da-DK" dirty="0"/>
+            <a:pPr marL="0" marR="0" lvl="0" indent="0" algn="l" defTabSz="914400" rtl="0" eaLnBrk="1" fontAlgn="auto" latinLnBrk="0" hangingPunct="1">
+              <a:lnSpc>
+                <a:spcPct val="100000"/>
+              </a:lnSpc>
+              <a:spcBef>
+                <a:spcPts val="0"/>
+              </a:spcBef>
+              <a:spcAft>
+                <a:spcPts val="0"/>
+              </a:spcAft>
+              <a:buClrTx/>
+              <a:buSzTx/>
+              <a:buFontTx/>
+              <a:buNone/>
+              <a:tabLst/>
+              <a:defRPr/>
+            </a:pPr>
+            <a:r>
+              <a:rPr lang="da-DK" dirty="0"/>
+              <a:t>Event </a:t>
+            </a:r>
+            <a:r>
+              <a:rPr lang="da-DK" dirty="0" err="1"/>
+              <a:t>schema</a:t>
+            </a:r>
+            <a:r>
+              <a:rPr lang="da-DK" dirty="0"/>
+              <a:t> //ikke nødvendigt</a:t>
+            </a:r>
+          </a:p>
+          <a:p>
+            <a:r>
+              <a:rPr lang="da-DK" dirty="0"/>
+              <a:t>Event, noget der er sket</a:t>
+            </a:r>
+          </a:p>
+          <a:p>
+            <a:r>
+              <a:rPr lang="da-DK" dirty="0" err="1"/>
+              <a:t>Topic</a:t>
+            </a:r>
+            <a:r>
+              <a:rPr lang="da-DK" dirty="0"/>
+              <a:t> </a:t>
+            </a:r>
+            <a:r>
+              <a:rPr lang="da-DK" dirty="0" err="1"/>
+              <a:t>partitioneret</a:t>
+            </a:r>
+            <a:r>
+              <a:rPr lang="da-DK" dirty="0"/>
+              <a:t> – en </a:t>
+            </a:r>
+            <a:r>
+              <a:rPr lang="da-DK" dirty="0" err="1"/>
+              <a:t>consumer</a:t>
+            </a:r>
+            <a:r>
+              <a:rPr lang="da-DK" dirty="0"/>
+              <a:t> kan få data fra en eller flere partitioner </a:t>
+            </a:r>
+          </a:p>
+          <a:p>
+            <a:r>
+              <a:rPr lang="da-DK" dirty="0"/>
+              <a:t>Event </a:t>
+            </a:r>
+            <a:r>
+              <a:rPr lang="da-DK" dirty="0" err="1"/>
+              <a:t>Replikering</a:t>
+            </a:r>
+            <a:r>
+              <a:rPr lang="da-DK" dirty="0"/>
+              <a:t>, event er </a:t>
+            </a:r>
+            <a:r>
+              <a:rPr lang="da-DK" dirty="0" err="1"/>
+              <a:t>replikeret</a:t>
+            </a:r>
+            <a:r>
+              <a:rPr lang="da-DK" dirty="0"/>
+              <a:t> over flere brokers</a:t>
+            </a:r>
+          </a:p>
+          <a:p>
+            <a:r>
+              <a:rPr lang="da-DK" dirty="0"/>
+              <a:t>Consumer </a:t>
+            </a:r>
+            <a:r>
+              <a:rPr lang="da-DK" dirty="0" err="1"/>
+              <a:t>groupId</a:t>
+            </a:r>
+            <a:r>
+              <a:rPr lang="da-DK" dirty="0"/>
+              <a:t>, hvis samme id, </a:t>
+            </a:r>
+            <a:r>
+              <a:rPr lang="da-DK" dirty="0" err="1"/>
+              <a:t>round-robin</a:t>
+            </a:r>
+            <a:r>
+              <a:rPr lang="da-DK" dirty="0"/>
+              <a:t> fra </a:t>
+            </a:r>
+            <a:r>
+              <a:rPr lang="da-DK" dirty="0" err="1"/>
+              <a:t>partioner</a:t>
+            </a:r>
+            <a:r>
+              <a:rPr lang="da-DK" dirty="0"/>
+              <a:t> og der er mere end en partitioner</a:t>
+            </a:r>
+          </a:p>
+          <a:p>
+            <a:r>
+              <a:rPr lang="da-DK" dirty="0"/>
+              <a:t>https://stackoverflow.com/questions/38024514/understanding-kafka-topics-and-partitions</a:t>
+            </a:r>
           </a:p>
         </p:txBody>
       </p:sp>
@@ -1928,7 +1964,7 @@
           <a:p>
             <a:fld id="{252E21F2-0B82-4ACE-A045-2AAC56859006}" type="slidenum">
               <a:rPr lang="da-DK" smtClean="0"/>
-              <a:t>30</a:t>
+              <a:t>29</a:t>
             </a:fld>
             <a:endParaRPr lang="da-DK"/>
           </a:p>
@@ -1937,7 +1973,7 @@
     </p:spTree>
     <p:extLst>
       <p:ext uri="{BB962C8B-B14F-4D97-AF65-F5344CB8AC3E}">
-        <p14:creationId xmlns:p14="http://schemas.microsoft.com/office/powerpoint/2010/main" val="2125408469"/>
+        <p14:creationId xmlns:p14="http://schemas.microsoft.com/office/powerpoint/2010/main" val="2764263524"/>
       </p:ext>
     </p:extLst>
   </p:cSld>
@@ -1991,36 +2027,7 @@
           <a:bodyPr/>
           <a:lstStyle/>
           <a:p>
-            <a:r>
-              <a:rPr lang="da-DK" dirty="0"/>
-              <a:t>Nævn at broker nu kan være controllers, men før var det zookeeper</a:t>
-            </a:r>
-          </a:p>
-          <a:p>
-            <a:r>
-              <a:rPr lang="da-DK" dirty="0" err="1"/>
-              <a:t>ZooKeeper</a:t>
-            </a:r>
-            <a:r>
-              <a:rPr lang="da-DK" dirty="0"/>
-              <a:t> udskiftet med </a:t>
-            </a:r>
-            <a:r>
-              <a:rPr lang="da-DK" dirty="0" err="1"/>
-              <a:t>KRaft</a:t>
-            </a:r>
-            <a:r>
-              <a:rPr lang="da-DK" dirty="0"/>
-              <a:t>, en </a:t>
-            </a:r>
-            <a:r>
-              <a:rPr lang="da-DK" dirty="0" err="1"/>
-              <a:t>kafka</a:t>
-            </a:r>
-            <a:r>
-              <a:rPr lang="da-DK" dirty="0"/>
-              <a:t> server som enten er en controller, broker eller begge</a:t>
-            </a:r>
+            <a:endParaRPr lang="da-DK" dirty="0"/>
           </a:p>
         </p:txBody>
       </p:sp>
@@ -2041,7 +2048,7 @@
           <a:p>
             <a:fld id="{252E21F2-0B82-4ACE-A045-2AAC56859006}" type="slidenum">
               <a:rPr lang="da-DK" smtClean="0"/>
-              <a:t>31</a:t>
+              <a:t>30</a:t>
             </a:fld>
             <a:endParaRPr lang="da-DK"/>
           </a:p>
@@ -2050,7 +2057,7 @@
     </p:spTree>
     <p:extLst>
       <p:ext uri="{BB962C8B-B14F-4D97-AF65-F5344CB8AC3E}">
-        <p14:creationId xmlns:p14="http://schemas.microsoft.com/office/powerpoint/2010/main" val="3998614641"/>
+        <p14:creationId xmlns:p14="http://schemas.microsoft.com/office/powerpoint/2010/main" val="2125408469"/>
       </p:ext>
     </p:extLst>
   </p:cSld>
@@ -2105,81 +2112,34 @@
           <a:lstStyle/>
           <a:p>
             <a:r>
-              <a:rPr lang="da-DK" dirty="0" err="1"/>
-              <a:t>Confluent</a:t>
-            </a:r>
-            <a:r>
-              <a:rPr lang="da-DK" dirty="0"/>
-              <a:t> Kafka</a:t>
-            </a:r>
-          </a:p>
-          <a:p>
-            <a:r>
-              <a:rPr lang="da-DK" dirty="0"/>
-              <a:t>Kunne havde brugt </a:t>
-            </a:r>
-            <a:r>
-              <a:rPr lang="da-DK" dirty="0" err="1"/>
-              <a:t>Knet</a:t>
-            </a:r>
-            <a:endParaRPr lang="da-DK" dirty="0"/>
-          </a:p>
-          <a:p>
-            <a:r>
-              <a:rPr lang="da-DK" dirty="0"/>
-              <a:t>JSON, </a:t>
-            </a:r>
-            <a:r>
-              <a:rPr lang="da-DK" dirty="0" err="1"/>
-              <a:t>Arvo</a:t>
-            </a:r>
-            <a:r>
-              <a:rPr lang="da-DK" dirty="0"/>
-              <a:t>, </a:t>
-            </a:r>
-            <a:r>
-              <a:rPr lang="da-DK" dirty="0" err="1"/>
-              <a:t>Protobuf</a:t>
-            </a:r>
-            <a:r>
-              <a:rPr lang="da-DK" dirty="0"/>
-              <a:t>. </a:t>
-            </a:r>
-            <a:r>
-              <a:rPr lang="da-DK" dirty="0" err="1"/>
-              <a:t>Arvo</a:t>
-            </a:r>
-            <a:r>
-              <a:rPr lang="da-DK" dirty="0"/>
-              <a:t> brugt, da den virker til at være det mest </a:t>
-            </a:r>
-            <a:r>
-              <a:rPr lang="da-DK" dirty="0" err="1"/>
-              <a:t>almendlige</a:t>
-            </a:r>
-            <a:r>
-              <a:rPr lang="da-DK" dirty="0"/>
-              <a:t>. </a:t>
-            </a:r>
-            <a:r>
-              <a:rPr lang="da-DK" dirty="0" err="1"/>
-              <a:t>Arvo</a:t>
-            </a:r>
-            <a:r>
-              <a:rPr lang="da-DK" dirty="0"/>
-              <a:t> er Apache</a:t>
-            </a:r>
-          </a:p>
-          <a:p>
-            <a:r>
-              <a:rPr lang="da-DK" dirty="0"/>
-              <a:t>Key/Value, Key bruges til at sikre sig at beskeder sendes til den samme partition</a:t>
-            </a:r>
-          </a:p>
-          <a:p>
-            <a:r>
-              <a:rPr lang="da-DK" dirty="0"/>
-              <a:t>https://github.com/confluentinc/cp-all-in-one/blob/7.6.1-post/cp-all-in-one-kraft/docker-compose.yml</a:t>
+              <a:rPr lang="da-DK" dirty="0"/>
+              <a:t>Nævn at broker nu kan være controllers, men før var det zookeeper</a:t>
+            </a:r>
+          </a:p>
+          <a:p>
+            <a:r>
+              <a:rPr lang="da-DK" dirty="0" err="1"/>
+              <a:t>ZooKeeper</a:t>
+            </a:r>
+            <a:r>
+              <a:rPr lang="da-DK" dirty="0"/>
+              <a:t> udskiftet med </a:t>
+            </a:r>
+            <a:r>
+              <a:rPr lang="da-DK" dirty="0" err="1"/>
+              <a:t>KRaft</a:t>
+            </a:r>
+            <a:r>
+              <a:rPr lang="da-DK" dirty="0"/>
+              <a:t>, en </a:t>
+            </a:r>
+            <a:r>
+              <a:rPr lang="da-DK" dirty="0" err="1"/>
+              <a:t>kafka</a:t>
+            </a:r>
+            <a:r>
+              <a:rPr lang="da-DK" dirty="0"/>
+              <a:t> server som enten er en controller, broker eller begge</a:t>
             </a:r>
           </a:p>
         </p:txBody>
@@ -2201,7 +2161,7 @@
           <a:p>
             <a:fld id="{252E21F2-0B82-4ACE-A045-2AAC56859006}" type="slidenum">
               <a:rPr lang="da-DK" smtClean="0"/>
-              <a:t>32</a:t>
+              <a:t>31</a:t>
             </a:fld>
             <a:endParaRPr lang="da-DK"/>
           </a:p>
@@ -2210,7 +2170,7 @@
     </p:spTree>
     <p:extLst>
       <p:ext uri="{BB962C8B-B14F-4D97-AF65-F5344CB8AC3E}">
-        <p14:creationId xmlns:p14="http://schemas.microsoft.com/office/powerpoint/2010/main" val="3004894068"/>
+        <p14:creationId xmlns:p14="http://schemas.microsoft.com/office/powerpoint/2010/main" val="3998614641"/>
       </p:ext>
     </p:extLst>
   </p:cSld>
@@ -2265,144 +2225,81 @@
           <a:lstStyle/>
           <a:p>
             <a:r>
-              <a:rPr lang="da-DK" dirty="0"/>
-              <a:t>Remote Procedure </a:t>
-            </a:r>
-            <a:r>
-              <a:rPr lang="da-DK" dirty="0" err="1"/>
-              <a:t>Cal</a:t>
+              <a:rPr lang="da-DK" dirty="0" err="1"/>
+              <a:t>Confluent</a:t>
+            </a:r>
+            <a:r>
+              <a:rPr lang="da-DK" dirty="0"/>
+              <a:t> Kafka</a:t>
+            </a:r>
+          </a:p>
+          <a:p>
+            <a:r>
+              <a:rPr lang="da-DK" dirty="0"/>
+              <a:t>Kunne havde brugt </a:t>
+            </a:r>
+            <a:r>
+              <a:rPr lang="da-DK" dirty="0" err="1"/>
+              <a:t>Knet</a:t>
             </a:r>
             <a:endParaRPr lang="da-DK" dirty="0"/>
           </a:p>
           <a:p>
             <a:r>
               <a:rPr lang="da-DK" dirty="0"/>
-              <a:t>Nævn at </a:t>
-            </a:r>
-            <a:r>
-              <a:rPr lang="da-DK" dirty="0" err="1"/>
-              <a:t>kafka</a:t>
-            </a:r>
-            <a:r>
-              <a:rPr lang="da-DK" dirty="0"/>
-              <a:t> ikke understøtter </a:t>
-            </a:r>
-            <a:r>
-              <a:rPr lang="da-DK" dirty="0" err="1"/>
-              <a:t>request-response</a:t>
-            </a:r>
-            <a:endParaRPr lang="da-DK" dirty="0"/>
-          </a:p>
-          <a:p>
-            <a:r>
-              <a:rPr lang="da-DK" dirty="0"/>
-              <a:t>Nævn at </a:t>
-            </a:r>
-            <a:r>
-              <a:rPr lang="da-DK" dirty="0" err="1"/>
-              <a:t>Rabbit</a:t>
-            </a:r>
-            <a:r>
-              <a:rPr lang="da-DK" dirty="0"/>
-              <a:t> Stream tillader en </a:t>
-            </a:r>
-            <a:r>
-              <a:rPr lang="da-DK" dirty="0" err="1"/>
-              <a:t>ligende</a:t>
-            </a:r>
-            <a:r>
-              <a:rPr lang="da-DK" dirty="0"/>
-              <a:t> opførelse som Kafka</a:t>
-            </a:r>
-          </a:p>
-          <a:p>
-            <a:r>
-              <a:rPr lang="da-DK" dirty="0"/>
-              <a:t>Korrekt opsætning af producer, </a:t>
-            </a:r>
-            <a:r>
-              <a:rPr lang="da-DK" dirty="0" err="1"/>
-              <a:t>consumer</a:t>
-            </a:r>
-            <a:r>
-              <a:rPr lang="da-DK" dirty="0"/>
-              <a:t> og partitioner tillader </a:t>
-            </a:r>
-            <a:r>
-              <a:rPr lang="da-DK" dirty="0" err="1"/>
-              <a:t>round-robin</a:t>
-            </a:r>
-            <a:r>
-              <a:rPr lang="da-DK" dirty="0"/>
-              <a:t> i Kafka. Flere </a:t>
-            </a:r>
-            <a:r>
-              <a:rPr lang="da-DK" dirty="0" err="1"/>
-              <a:t>consumer</a:t>
-            </a:r>
-            <a:r>
-              <a:rPr lang="da-DK" dirty="0"/>
-              <a:t> end partitioner, nogle </a:t>
-            </a:r>
-            <a:r>
-              <a:rPr lang="da-DK" dirty="0" err="1"/>
-              <a:t>consumer</a:t>
-            </a:r>
-            <a:r>
-              <a:rPr lang="da-DK" dirty="0"/>
-              <a:t> får intet data</a:t>
-            </a:r>
-          </a:p>
-          <a:p>
-            <a:r>
-              <a:rPr lang="da-DK" dirty="0"/>
-              <a:t>Kafka </a:t>
-            </a:r>
-            <a:r>
-              <a:rPr lang="da-DK" dirty="0" err="1"/>
-              <a:t>consumer</a:t>
-            </a:r>
-            <a:r>
-              <a:rPr lang="da-DK" dirty="0"/>
-              <a:t> kan læse enten læse events efter opstart eller også dem før. </a:t>
-            </a:r>
-            <a:r>
-              <a:rPr lang="da-DK" dirty="0" err="1"/>
-              <a:t>RabbitMQ</a:t>
-            </a:r>
-            <a:r>
-              <a:rPr lang="da-DK" dirty="0"/>
-              <a:t> </a:t>
-            </a:r>
-            <a:r>
-              <a:rPr lang="da-DK" dirty="0" err="1"/>
-              <a:t>consumer</a:t>
-            </a:r>
-            <a:r>
-              <a:rPr lang="da-DK" dirty="0"/>
-              <a:t> læser beskeder i </a:t>
-            </a:r>
-            <a:r>
-              <a:rPr lang="da-DK" dirty="0" err="1"/>
-              <a:t>quenen</a:t>
+              <a:t>JSON, </a:t>
+            </a:r>
+            <a:r>
+              <a:rPr lang="da-DK" dirty="0" err="1"/>
+              <a:t>Arvo</a:t>
+            </a:r>
+            <a:r>
+              <a:rPr lang="da-DK" dirty="0"/>
+              <a:t>, </a:t>
+            </a:r>
+            <a:r>
+              <a:rPr lang="da-DK" dirty="0" err="1"/>
+              <a:t>Protobuf</a:t>
             </a:r>
             <a:r>
               <a:rPr lang="da-DK" dirty="0"/>
               <a:t>. </a:t>
             </a:r>
-          </a:p>
-          <a:p>
-            <a:r>
-              <a:rPr lang="da-DK" dirty="0"/>
-              <a:t>https://kafka.apache.org/documentation/#intro_nutshell nævner Kafka som en alternativ til </a:t>
-            </a:r>
-            <a:r>
-              <a:rPr lang="da-DK" dirty="0" err="1"/>
-              <a:t>RabbitMQ</a:t>
-            </a:r>
-            <a:r>
-              <a:rPr lang="da-DK" dirty="0"/>
-              <a:t> </a:t>
+            <a:r>
+              <a:rPr lang="da-DK" dirty="0" err="1"/>
+              <a:t>Arvo</a:t>
+            </a:r>
+            <a:r>
+              <a:rPr lang="da-DK" dirty="0"/>
+              <a:t> brugt, da den virker til at være det mest </a:t>
+            </a:r>
+            <a:r>
+              <a:rPr lang="da-DK" dirty="0" err="1"/>
+              <a:t>almendlige</a:t>
+            </a:r>
+            <a:r>
+              <a:rPr lang="da-DK" dirty="0"/>
+              <a:t>. </a:t>
+            </a:r>
+            <a:r>
+              <a:rPr lang="da-DK" dirty="0" err="1"/>
+              <a:t>Arvo</a:t>
+            </a:r>
+            <a:r>
+              <a:rPr lang="da-DK" dirty="0"/>
+              <a:t> er Apache</a:t>
+            </a:r>
+          </a:p>
+          <a:p>
+            <a:r>
+              <a:rPr lang="da-DK" dirty="0"/>
+              <a:t>Key/Value, Key bruges til at sikre sig at beskeder sendes til den samme partition</a:t>
+            </a:r>
+          </a:p>
+          <a:p>
+            <a:r>
+              <a:rPr lang="da-DK" dirty="0"/>
+              <a:t>https://github.com/confluentinc/cp-all-in-one/blob/7.6.1-post/cp-all-in-one-kraft/docker-compose.yml</a:t>
             </a:r>
           </a:p>
         </p:txBody>
@@ -2424,7 +2321,7 @@
           <a:p>
             <a:fld id="{252E21F2-0B82-4ACE-A045-2AAC56859006}" type="slidenum">
               <a:rPr lang="da-DK" smtClean="0"/>
-              <a:t>33</a:t>
+              <a:t>32</a:t>
             </a:fld>
             <a:endParaRPr lang="da-DK"/>
           </a:p>
@@ -2433,7 +2330,7 @@
     </p:spTree>
     <p:extLst>
       <p:ext uri="{BB962C8B-B14F-4D97-AF65-F5344CB8AC3E}">
-        <p14:creationId xmlns:p14="http://schemas.microsoft.com/office/powerpoint/2010/main" val="1108710331"/>
+        <p14:creationId xmlns:p14="http://schemas.microsoft.com/office/powerpoint/2010/main" val="3004894068"/>
       </p:ext>
     </p:extLst>
   </p:cSld>
@@ -2489,7 +2386,105 @@
           <a:p>
             <a:r>
               <a:rPr lang="da-DK" dirty="0"/>
-              <a:t>Nævn at for </a:t>
+              <a:t>Remote Procedure </a:t>
+            </a:r>
+            <a:r>
+              <a:rPr lang="da-DK" dirty="0" err="1"/>
+              <a:t>Cal</a:t>
+            </a:r>
+            <a:endParaRPr lang="da-DK" dirty="0"/>
+          </a:p>
+          <a:p>
+            <a:r>
+              <a:rPr lang="da-DK" dirty="0"/>
+              <a:t>Nævn at </a:t>
+            </a:r>
+            <a:r>
+              <a:rPr lang="da-DK" dirty="0" err="1"/>
+              <a:t>kafka</a:t>
+            </a:r>
+            <a:r>
+              <a:rPr lang="da-DK" dirty="0"/>
+              <a:t> ikke understøtter </a:t>
+            </a:r>
+            <a:r>
+              <a:rPr lang="da-DK" dirty="0" err="1"/>
+              <a:t>request-response</a:t>
+            </a:r>
+            <a:endParaRPr lang="da-DK" dirty="0"/>
+          </a:p>
+          <a:p>
+            <a:r>
+              <a:rPr lang="da-DK" dirty="0"/>
+              <a:t>Nævn at </a:t>
+            </a:r>
+            <a:r>
+              <a:rPr lang="da-DK" dirty="0" err="1"/>
+              <a:t>Rabbit</a:t>
+            </a:r>
+            <a:r>
+              <a:rPr lang="da-DK" dirty="0"/>
+              <a:t> Stream tillader en </a:t>
+            </a:r>
+            <a:r>
+              <a:rPr lang="da-DK" dirty="0" err="1"/>
+              <a:t>ligende</a:t>
+            </a:r>
+            <a:r>
+              <a:rPr lang="da-DK" dirty="0"/>
+              <a:t> opførelse som Kafka</a:t>
+            </a:r>
+          </a:p>
+          <a:p>
+            <a:r>
+              <a:rPr lang="da-DK" dirty="0"/>
+              <a:t>Korrekt opsætning af producer, </a:t>
+            </a:r>
+            <a:r>
+              <a:rPr lang="da-DK" dirty="0" err="1"/>
+              <a:t>consumer</a:t>
+            </a:r>
+            <a:r>
+              <a:rPr lang="da-DK" dirty="0"/>
+              <a:t> og partitioner tillader </a:t>
+            </a:r>
+            <a:r>
+              <a:rPr lang="da-DK" dirty="0" err="1"/>
+              <a:t>round-robin</a:t>
+            </a:r>
+            <a:r>
+              <a:rPr lang="da-DK" dirty="0"/>
+              <a:t> i Kafka. Flere </a:t>
+            </a:r>
+            <a:r>
+              <a:rPr lang="da-DK" dirty="0" err="1"/>
+              <a:t>consumer</a:t>
+            </a:r>
+            <a:r>
+              <a:rPr lang="da-DK" dirty="0"/>
+              <a:t> end partitioner, nogle </a:t>
+            </a:r>
+            <a:r>
+              <a:rPr lang="da-DK" dirty="0" err="1"/>
+              <a:t>consumer</a:t>
+            </a:r>
+            <a:r>
+              <a:rPr lang="da-DK" dirty="0"/>
+              <a:t> får intet data</a:t>
+            </a:r>
+          </a:p>
+          <a:p>
+            <a:r>
+              <a:rPr lang="da-DK" dirty="0"/>
+              <a:t>Kafka </a:t>
+            </a:r>
+            <a:r>
+              <a:rPr lang="da-DK" dirty="0" err="1"/>
+              <a:t>consumer</a:t>
+            </a:r>
+            <a:r>
+              <a:rPr lang="da-DK" dirty="0"/>
+              <a:t> kan læse enten læse events efter opstart eller også dem før. </a:t>
             </a:r>
             <a:r>
               <a:rPr lang="da-DK" dirty="0" err="1"/>
@@ -2497,7 +2492,7 @@
             </a:r>
             <a:r>
               <a:rPr lang="da-DK" dirty="0"/>
-              <a:t> er der intet der tvinger en </a:t>
+              <a:t> </a:t>
             </a:r>
             <a:r>
               <a:rPr lang="da-DK" dirty="0" err="1"/>
@@ -2505,24 +2500,29 @@
             </a:r>
             <a:r>
               <a:rPr lang="da-DK" dirty="0"/>
-              <a:t> at svare på en RPC</a:t>
-            </a:r>
-          </a:p>
-          <a:p>
-            <a:r>
-              <a:rPr lang="da-DK" dirty="0"/>
-              <a:t>Kafka er nok bedre for Event Collaboration/</a:t>
-            </a:r>
-            <a:r>
-              <a:rPr lang="da-DK" dirty="0" err="1"/>
-              <a:t>Sourcing</a:t>
-            </a:r>
-            <a:endParaRPr lang="da-DK" dirty="0"/>
-          </a:p>
-          <a:p>
-            <a:r>
-              <a:rPr lang="da-DK" dirty="0"/>
-              <a:t>https://martinfowler.com/eaaDev/EventCollaboration.html</a:t>
+              <a:t> læser beskeder i </a:t>
+            </a:r>
+            <a:r>
+              <a:rPr lang="da-DK" dirty="0" err="1"/>
+              <a:t>quenen</a:t>
+            </a:r>
+            <a:r>
+              <a:rPr lang="da-DK" dirty="0"/>
+              <a:t>. </a:t>
+            </a:r>
+          </a:p>
+          <a:p>
+            <a:r>
+              <a:rPr lang="da-DK" dirty="0"/>
+              <a:t>https://kafka.apache.org/documentation/#intro_nutshell nævner Kafka som en alternativ til </a:t>
+            </a:r>
+            <a:r>
+              <a:rPr lang="da-DK" dirty="0" err="1"/>
+              <a:t>RabbitMQ</a:t>
+            </a:r>
+            <a:r>
+              <a:rPr lang="da-DK" dirty="0"/>
+              <a:t> </a:t>
             </a:r>
           </a:p>
         </p:txBody>
@@ -2544,7 +2544,7 @@
           <a:p>
             <a:fld id="{252E21F2-0B82-4ACE-A045-2AAC56859006}" type="slidenum">
               <a:rPr lang="da-DK" smtClean="0"/>
-              <a:t>34</a:t>
+              <a:t>33</a:t>
             </a:fld>
             <a:endParaRPr lang="da-DK"/>
           </a:p>
@@ -2553,7 +2553,7 @@
     </p:spTree>
     <p:extLst>
       <p:ext uri="{BB962C8B-B14F-4D97-AF65-F5344CB8AC3E}">
-        <p14:creationId xmlns:p14="http://schemas.microsoft.com/office/powerpoint/2010/main" val="282527506"/>
+        <p14:creationId xmlns:p14="http://schemas.microsoft.com/office/powerpoint/2010/main" val="1108710331"/>
       </p:ext>
     </p:extLst>
   </p:cSld>
@@ -2609,6 +2609,126 @@
           <a:p>
             <a:r>
               <a:rPr lang="da-DK" dirty="0"/>
+              <a:t>Nævn at for </a:t>
+            </a:r>
+            <a:r>
+              <a:rPr lang="da-DK" dirty="0" err="1"/>
+              <a:t>RabbitMQ</a:t>
+            </a:r>
+            <a:r>
+              <a:rPr lang="da-DK" dirty="0"/>
+              <a:t> er der intet der tvinger en </a:t>
+            </a:r>
+            <a:r>
+              <a:rPr lang="da-DK" dirty="0" err="1"/>
+              <a:t>consumer</a:t>
+            </a:r>
+            <a:r>
+              <a:rPr lang="da-DK" dirty="0"/>
+              <a:t> at svare på en RPC</a:t>
+            </a:r>
+          </a:p>
+          <a:p>
+            <a:r>
+              <a:rPr lang="da-DK" dirty="0"/>
+              <a:t>Kafka er nok bedre for Event Collaboration/</a:t>
+            </a:r>
+            <a:r>
+              <a:rPr lang="da-DK" dirty="0" err="1"/>
+              <a:t>Sourcing</a:t>
+            </a:r>
+            <a:endParaRPr lang="da-DK" dirty="0"/>
+          </a:p>
+          <a:p>
+            <a:r>
+              <a:rPr lang="da-DK" dirty="0"/>
+              <a:t>https://martinfowler.com/eaaDev/EventCollaboration.html</a:t>
+            </a:r>
+          </a:p>
+        </p:txBody>
+      </p:sp>
+      <p:sp>
+        <p:nvSpPr>
+          <p:cNvPr id="4" name="Pladsholder til slidenummer 3"/>
+          <p:cNvSpPr>
+            <a:spLocks noGrp="1"/>
+          </p:cNvSpPr>
+          <p:nvPr>
+            <p:ph type="sldNum" sz="quarter" idx="5"/>
+          </p:nvPr>
+        </p:nvSpPr>
+        <p:spPr/>
+        <p:txBody>
+          <a:bodyPr/>
+          <a:lstStyle/>
+          <a:p>
+            <a:fld id="{252E21F2-0B82-4ACE-A045-2AAC56859006}" type="slidenum">
+              <a:rPr lang="da-DK" smtClean="0"/>
+              <a:t>34</a:t>
+            </a:fld>
+            <a:endParaRPr lang="da-DK"/>
+          </a:p>
+        </p:txBody>
+      </p:sp>
+    </p:spTree>
+    <p:extLst>
+      <p:ext uri="{BB962C8B-B14F-4D97-AF65-F5344CB8AC3E}">
+        <p14:creationId xmlns:p14="http://schemas.microsoft.com/office/powerpoint/2010/main" val="282527506"/>
+      </p:ext>
+    </p:extLst>
+  </p:cSld>
+  <p:clrMapOvr>
+    <a:masterClrMapping/>
+  </p:clrMapOvr>
+</p:notes>
+</file>
+
+<file path=ppt/notesSlides/notesSlide26.xml><?xml version="1.0" encoding="utf-8"?>
+<p:notes xmlns:a="http://schemas.openxmlformats.org/drawingml/2006/main" xmlns:r="http://schemas.openxmlformats.org/officeDocument/2006/relationships" xmlns:p="http://schemas.openxmlformats.org/presentationml/2006/main">
+  <p:cSld>
+    <p:spTree>
+      <p:nvGrpSpPr>
+        <p:cNvPr id="1" name=""/>
+        <p:cNvGrpSpPr/>
+        <p:nvPr/>
+      </p:nvGrpSpPr>
+      <p:grpSpPr>
+        <a:xfrm>
+          <a:off x="0" y="0"/>
+          <a:ext cx="0" cy="0"/>
+          <a:chOff x="0" y="0"/>
+          <a:chExt cx="0" cy="0"/>
+        </a:xfrm>
+      </p:grpSpPr>
+      <p:sp>
+        <p:nvSpPr>
+          <p:cNvPr id="2" name="Pladsholder til slidebillede 1"/>
+          <p:cNvSpPr>
+            <a:spLocks noGrp="1" noRot="1" noChangeAspect="1"/>
+          </p:cNvSpPr>
+          <p:nvPr>
+            <p:ph type="sldImg"/>
+          </p:nvPr>
+        </p:nvSpPr>
+        <p:spPr/>
+      </p:sp>
+      <p:sp>
+        <p:nvSpPr>
+          <p:cNvPr id="3" name="Pladsholder til noter 2"/>
+          <p:cNvSpPr>
+            <a:spLocks noGrp="1"/>
+          </p:cNvSpPr>
+          <p:nvPr>
+            <p:ph type="body" idx="1"/>
+          </p:nvPr>
+        </p:nvSpPr>
+        <p:spPr/>
+        <p:txBody>
+          <a:bodyPr/>
+          <a:lstStyle/>
+          <a:p>
+            <a:r>
+              <a:rPr lang="da-DK" dirty="0"/>
               <a:t>Begge kræver at de kender hinanden.</a:t>
             </a:r>
           </a:p>
@@ -2638,6 +2758,28 @@
             <a:r>
               <a:rPr lang="da-DK" dirty="0"/>
               <a:t> </a:t>
+            </a:r>
+          </a:p>
+          <a:p>
+            <a:r>
+              <a:rPr lang="da-DK" dirty="0"/>
+              <a:t>Sidste kræver at kun en enkel </a:t>
+            </a:r>
+            <a:r>
+              <a:rPr lang="da-DK" dirty="0" err="1"/>
+              <a:t>consumer</a:t>
+            </a:r>
+            <a:r>
+              <a:rPr lang="da-DK" dirty="0"/>
+              <a:t> </a:t>
+            </a:r>
+            <a:r>
+              <a:rPr lang="da-DK" dirty="0" err="1"/>
+              <a:t>group</a:t>
+            </a:r>
+            <a:r>
+              <a:rPr lang="da-DK" dirty="0"/>
+              <a:t> sender data tilbage</a:t>
             </a:r>
           </a:p>
         </p:txBody>
@@ -3197,55 +3339,29 @@
           <a:lstStyle/>
           <a:p>
             <a:r>
-              <a:rPr lang="da-DK" dirty="0" err="1"/>
-              <a:t>Ubiquitous</a:t>
-            </a:r>
-            <a:r>
-              <a:rPr lang="da-DK" dirty="0"/>
-              <a:t> Language, koden skal tilpasset forretningssproget</a:t>
-            </a:r>
-          </a:p>
-          <a:p>
+              <a:rPr lang="da-DK" dirty="0"/>
+              <a:t>User </a:t>
+            </a:r>
+            <a:r>
+              <a:rPr lang="da-DK" dirty="0" err="1"/>
+              <a:t>Frontend</a:t>
+            </a:r>
             <a:endParaRPr lang="da-DK" dirty="0"/>
           </a:p>
           <a:p>
             <a:r>
               <a:rPr lang="da-DK" dirty="0"/>
-              <a:t>Domæne – forretningsregler, forretningsmodeller</a:t>
-            </a:r>
-          </a:p>
-          <a:p>
-            <a:r>
-              <a:rPr lang="da-DK" dirty="0"/>
-              <a:t>Applikation – jobs softwaren skal gøre og direkte til domæne objekter til at udføre arbejdet. </a:t>
-            </a:r>
-            <a:r>
-              <a:rPr lang="da-DK" dirty="0" err="1"/>
-              <a:t>Use</a:t>
-            </a:r>
-            <a:r>
-              <a:rPr lang="da-DK" dirty="0"/>
-              <a:t> cases for en givet </a:t>
-            </a:r>
-            <a:r>
-              <a:rPr lang="da-DK" dirty="0" err="1"/>
-              <a:t>frontend</a:t>
-            </a:r>
-            <a:endParaRPr lang="da-DK" dirty="0"/>
-          </a:p>
-          <a:p>
-            <a:r>
-              <a:rPr lang="da-DK" dirty="0"/>
-              <a:t>Infrastruktur – vedblev data  </a:t>
-            </a:r>
-          </a:p>
-          <a:p>
-            <a:endParaRPr lang="da-DK" dirty="0"/>
-          </a:p>
-          <a:p>
-            <a:r>
-              <a:rPr lang="da-DK" dirty="0"/>
-              <a:t>https://learn.microsoft.com/en-us/dotnet/architecture/microservices/microservice-ddd-cqrs-patterns/ddd-oriented-microservice</a:t>
+              <a:t>Catering REST</a:t>
+            </a:r>
+          </a:p>
+          <a:p>
+            <a:r>
+              <a:rPr lang="da-DK" dirty="0" err="1"/>
+              <a:t>Catering.DataProcessPlatform</a:t>
+            </a:r>
+            <a:r>
+              <a:rPr lang="da-DK" dirty="0"/>
+              <a:t> konsol </a:t>
             </a:r>
           </a:p>
         </p:txBody>
@@ -3267,7 +3383,7 @@
           <a:p>
             <a:fld id="{252E21F2-0B82-4ACE-A045-2AAC56859006}" type="slidenum">
               <a:rPr lang="da-DK" smtClean="0"/>
-              <a:t>12</a:t>
+              <a:t>10</a:t>
             </a:fld>
             <a:endParaRPr lang="da-DK"/>
           </a:p>
@@ -3276,7 +3392,7 @@
     </p:spTree>
     <p:extLst>
       <p:ext uri="{BB962C8B-B14F-4D97-AF65-F5344CB8AC3E}">
-        <p14:creationId xmlns:p14="http://schemas.microsoft.com/office/powerpoint/2010/main" val="2824294709"/>
+        <p14:creationId xmlns:p14="http://schemas.microsoft.com/office/powerpoint/2010/main" val="110564417"/>
       </p:ext>
     </p:extLst>
   </p:cSld>
@@ -3331,97 +3447,56 @@
           <a:lstStyle/>
           <a:p>
             <a:r>
-              <a:rPr lang="da-DK" dirty="0"/>
-              <a:t>Kun en enkel aggregatrod skulle påvirkes af gangen.</a:t>
-            </a:r>
-          </a:p>
-          <a:p>
-            <a:r>
-              <a:rPr lang="da-DK" dirty="0"/>
-              <a:t>Overholdes ikke helt dette i produktet, da det ville kræve event og håndtering af disse</a:t>
-            </a:r>
-          </a:p>
-          <a:p>
-            <a:r>
-              <a:rPr lang="da-DK" dirty="0"/>
-              <a:t>Søgning: F.eks. </a:t>
-            </a:r>
-            <a:r>
-              <a:rPr lang="da-DK" dirty="0" err="1"/>
-              <a:t>MenuPart</a:t>
-            </a:r>
-            <a:r>
-              <a:rPr lang="da-DK" dirty="0"/>
-              <a:t> indeholdte information omkring den bestemte </a:t>
-            </a:r>
-            <a:r>
-              <a:rPr lang="da-DK" dirty="0" err="1"/>
-              <a:t>MenuPart</a:t>
-            </a:r>
-            <a:r>
-              <a:rPr lang="da-DK" dirty="0"/>
-              <a:t> er vegansk eller ej, så ville der være en metode på roden der returner true, hvis alle </a:t>
-            </a:r>
-            <a:r>
-              <a:rPr lang="da-DK" dirty="0" err="1"/>
-              <a:t>MenuParts</a:t>
-            </a:r>
-            <a:r>
-              <a:rPr lang="da-DK" dirty="0"/>
-              <a:t> i Menu er </a:t>
-            </a:r>
-            <a:r>
-              <a:rPr lang="da-DK" dirty="0" err="1"/>
-              <a:t>veganisk</a:t>
-            </a:r>
+              <a:rPr lang="da-DK" dirty="0" err="1"/>
+              <a:t>Ubiquitous</a:t>
+            </a:r>
+            <a:r>
+              <a:rPr lang="da-DK" dirty="0"/>
+              <a:t> Language, koden skal tilpasset forretningssproget</a:t>
+            </a:r>
+          </a:p>
+          <a:p>
             <a:endParaRPr lang="da-DK" dirty="0"/>
           </a:p>
           <a:p>
             <a:r>
-              <a:rPr lang="da-DK" dirty="0" err="1"/>
-              <a:t>IAggregateRoot</a:t>
-            </a:r>
-            <a:r>
-              <a:rPr lang="da-DK" dirty="0"/>
-              <a:t> og </a:t>
-            </a:r>
-            <a:r>
-              <a:rPr lang="da-DK" dirty="0" err="1"/>
-              <a:t>ReferenceId</a:t>
-            </a:r>
-            <a:r>
-              <a:rPr lang="da-DK" dirty="0"/>
-              <a:t>, hjælpe med at styre hvad er en rod (for </a:t>
-            </a:r>
-            <a:r>
-              <a:rPr lang="da-DK" dirty="0" err="1"/>
-              <a:t>entiyframework</a:t>
-            </a:r>
-            <a:r>
-              <a:rPr lang="da-DK" dirty="0"/>
-              <a:t>) og </a:t>
-            </a:r>
-            <a:r>
-              <a:rPr lang="da-DK" dirty="0" err="1"/>
-              <a:t>referenceId</a:t>
-            </a:r>
-            <a:r>
-              <a:rPr lang="da-DK" dirty="0"/>
-              <a:t> kan være </a:t>
-            </a:r>
-            <a:r>
-              <a:rPr lang="da-DK" dirty="0" err="1"/>
-              <a:t>burgbart</a:t>
-            </a:r>
-            <a:r>
-              <a:rPr lang="da-DK" dirty="0"/>
-              <a:t> for komplekse </a:t>
-            </a:r>
-            <a:r>
-              <a:rPr lang="da-DK" dirty="0" err="1"/>
-              <a:t>id’er</a:t>
+              <a:rPr lang="da-DK" dirty="0"/>
+              <a:t>Domæne – forretningsregler, forretningsmodeller</a:t>
+            </a:r>
+          </a:p>
+          <a:p>
+            <a:r>
+              <a:rPr lang="da-DK" dirty="0"/>
+              <a:t>Applikation – jobs softwaren skal gøre og direkte til domæne objekter til at udføre arbejdet. </a:t>
+            </a:r>
+            <a:r>
+              <a:rPr lang="da-DK" dirty="0" err="1"/>
+              <a:t>Use</a:t>
+            </a:r>
+            <a:r>
+              <a:rPr lang="da-DK" dirty="0"/>
+              <a:t> cases for en givet </a:t>
+            </a:r>
+            <a:r>
+              <a:rPr lang="da-DK" dirty="0" err="1"/>
+              <a:t>frontend</a:t>
             </a:r>
             <a:endParaRPr lang="da-DK" dirty="0"/>
+          </a:p>
+          <a:p>
+            <a:r>
+              <a:rPr lang="da-DK" dirty="0"/>
+              <a:t>Infrastruktur – vedblev data  </a:t>
+            </a:r>
+          </a:p>
+          <a:p>
+            <a:endParaRPr lang="da-DK" dirty="0"/>
+          </a:p>
+          <a:p>
+            <a:r>
+              <a:rPr lang="da-DK" dirty="0"/>
+              <a:t>https://learn.microsoft.com/en-us/dotnet/architecture/microservices/microservice-ddd-cqrs-patterns/ddd-oriented-microservice</a:t>
+            </a:r>
           </a:p>
         </p:txBody>
       </p:sp>
@@ -3442,7 +3517,7 @@
           <a:p>
             <a:fld id="{252E21F2-0B82-4ACE-A045-2AAC56859006}" type="slidenum">
               <a:rPr lang="da-DK" smtClean="0"/>
-              <a:t>13</a:t>
+              <a:t>12</a:t>
             </a:fld>
             <a:endParaRPr lang="da-DK"/>
           </a:p>
@@ -3451,7 +3526,7 @@
     </p:spTree>
     <p:extLst>
       <p:ext uri="{BB962C8B-B14F-4D97-AF65-F5344CB8AC3E}">
-        <p14:creationId xmlns:p14="http://schemas.microsoft.com/office/powerpoint/2010/main" val="815936762"/>
+        <p14:creationId xmlns:p14="http://schemas.microsoft.com/office/powerpoint/2010/main" val="2824294709"/>
       </p:ext>
     </p:extLst>
   </p:cSld>
@@ -3505,6 +3580,97 @@
           <a:bodyPr/>
           <a:lstStyle/>
           <a:p>
+            <a:r>
+              <a:rPr lang="da-DK" dirty="0"/>
+              <a:t>Kun en enkel aggregatrod skulle påvirkes af gangen.</a:t>
+            </a:r>
+          </a:p>
+          <a:p>
+            <a:r>
+              <a:rPr lang="da-DK" dirty="0"/>
+              <a:t>Overholdes ikke helt dette i produktet, da det ville kræve event og håndtering af disse</a:t>
+            </a:r>
+          </a:p>
+          <a:p>
+            <a:r>
+              <a:rPr lang="da-DK" dirty="0"/>
+              <a:t>Søgning: F.eks. </a:t>
+            </a:r>
+            <a:r>
+              <a:rPr lang="da-DK" dirty="0" err="1"/>
+              <a:t>MenuPart</a:t>
+            </a:r>
+            <a:r>
+              <a:rPr lang="da-DK" dirty="0"/>
+              <a:t> indeholdte information omkring den bestemte </a:t>
+            </a:r>
+            <a:r>
+              <a:rPr lang="da-DK" dirty="0" err="1"/>
+              <a:t>MenuPart</a:t>
+            </a:r>
+            <a:r>
+              <a:rPr lang="da-DK" dirty="0"/>
+              <a:t> er vegansk eller ej, så ville der være en metode på roden der returner true, hvis alle </a:t>
+            </a:r>
+            <a:r>
+              <a:rPr lang="da-DK" dirty="0" err="1"/>
+              <a:t>MenuParts</a:t>
+            </a:r>
+            <a:r>
+              <a:rPr lang="da-DK" dirty="0"/>
+              <a:t> i Menu er </a:t>
+            </a:r>
+            <a:r>
+              <a:rPr lang="da-DK" dirty="0" err="1"/>
+              <a:t>veganisk</a:t>
+            </a:r>
+            <a:endParaRPr lang="da-DK" dirty="0"/>
+          </a:p>
+          <a:p>
+            <a:r>
+              <a:rPr lang="da-DK" dirty="0" err="1"/>
+              <a:t>IAggregateRoot</a:t>
+            </a:r>
+            <a:r>
+              <a:rPr lang="da-DK" dirty="0"/>
+              <a:t> og </a:t>
+            </a:r>
+            <a:r>
+              <a:rPr lang="da-DK" dirty="0" err="1"/>
+              <a:t>ReferenceId</a:t>
+            </a:r>
+            <a:r>
+              <a:rPr lang="da-DK" dirty="0"/>
+              <a:t>, hjælpe med at styre hvad er en rod (for </a:t>
+            </a:r>
+            <a:r>
+              <a:rPr lang="da-DK" dirty="0" err="1"/>
+              <a:t>entiyframework</a:t>
+            </a:r>
+            <a:r>
+              <a:rPr lang="da-DK" dirty="0"/>
+              <a:t>) og </a:t>
+            </a:r>
+            <a:r>
+              <a:rPr lang="da-DK" dirty="0" err="1"/>
+              <a:t>referenceId</a:t>
+            </a:r>
+            <a:r>
+              <a:rPr lang="da-DK" dirty="0"/>
+              <a:t> kan være </a:t>
+            </a:r>
+            <a:r>
+              <a:rPr lang="da-DK" dirty="0" err="1"/>
+              <a:t>burgbart</a:t>
+            </a:r>
+            <a:r>
+              <a:rPr lang="da-DK" dirty="0"/>
+              <a:t> for komplekse </a:t>
+            </a:r>
+            <a:r>
+              <a:rPr lang="da-DK" dirty="0" err="1"/>
+              <a:t>id’er</a:t>
+            </a:r>
             <a:endParaRPr lang="da-DK" dirty="0"/>
           </a:p>
         </p:txBody>
@@ -3526,7 +3692,7 @@
           <a:p>
             <a:fld id="{252E21F2-0B82-4ACE-A045-2AAC56859006}" type="slidenum">
               <a:rPr lang="da-DK" smtClean="0"/>
-              <a:t>14</a:t>
+              <a:t>13</a:t>
             </a:fld>
             <a:endParaRPr lang="da-DK"/>
           </a:p>
@@ -3535,7 +3701,7 @@
     </p:spTree>
     <p:extLst>
       <p:ext uri="{BB962C8B-B14F-4D97-AF65-F5344CB8AC3E}">
-        <p14:creationId xmlns:p14="http://schemas.microsoft.com/office/powerpoint/2010/main" val="2313198539"/>
+        <p14:creationId xmlns:p14="http://schemas.microsoft.com/office/powerpoint/2010/main" val="815936762"/>
       </p:ext>
     </p:extLst>
   </p:cSld>
@@ -3589,43 +3755,7 @@
           <a:bodyPr/>
           <a:lstStyle/>
           <a:p>
-            <a:r>
-              <a:rPr lang="da-DK" dirty="0"/>
-              <a:t>User og Customer deler Id, navn og lokation. Id skal altid være det samme</a:t>
-            </a:r>
-          </a:p>
-          <a:p>
-            <a:r>
-              <a:rPr lang="da-DK" dirty="0" err="1"/>
-              <a:t>CompanyName</a:t>
-            </a:r>
-            <a:r>
-              <a:rPr lang="da-DK" dirty="0"/>
-              <a:t> og </a:t>
-            </a:r>
-            <a:r>
-              <a:rPr lang="da-DK" dirty="0" err="1"/>
-              <a:t>CustomerName</a:t>
-            </a:r>
-            <a:r>
-              <a:rPr lang="da-DK" dirty="0"/>
-              <a:t> er for at undgå at skulle slå op i begge databaser </a:t>
-            </a:r>
-          </a:p>
-          <a:p>
             <a:endParaRPr lang="da-DK" dirty="0"/>
-          </a:p>
-          <a:p>
-            <a:r>
-              <a:rPr lang="da-DK" dirty="0"/>
-              <a:t>https://martinfowler.com/bliki/UbiquitousLanguage.html</a:t>
-            </a:r>
-          </a:p>
-          <a:p>
-            <a:r>
-              <a:rPr lang="da-DK" dirty="0"/>
-              <a:t>https://martinfowler.com/bliki/BoundedContext.html</a:t>
-            </a:r>
           </a:p>
         </p:txBody>
       </p:sp>
@@ -3646,7 +3776,7 @@
           <a:p>
             <a:fld id="{252E21F2-0B82-4ACE-A045-2AAC56859006}" type="slidenum">
               <a:rPr lang="da-DK" smtClean="0"/>
-              <a:t>15</a:t>
+              <a:t>14</a:t>
             </a:fld>
             <a:endParaRPr lang="da-DK"/>
           </a:p>
@@ -3655,7 +3785,7 @@
     </p:spTree>
     <p:extLst>
       <p:ext uri="{BB962C8B-B14F-4D97-AF65-F5344CB8AC3E}">
-        <p14:creationId xmlns:p14="http://schemas.microsoft.com/office/powerpoint/2010/main" val="2568857346"/>
+        <p14:creationId xmlns:p14="http://schemas.microsoft.com/office/powerpoint/2010/main" val="2313198539"/>
       </p:ext>
     </p:extLst>
   </p:cSld>
@@ -9789,6 +9919,42 @@
           </a:p>
         </p:txBody>
       </p:sp>
+      <p:pic>
+        <p:nvPicPr>
+          <p:cNvPr id="6" name="Billede 5">
+            <a:extLst>
+              <a:ext uri="{FF2B5EF4-FFF2-40B4-BE49-F238E27FC236}">
+                <a16:creationId xmlns:a16="http://schemas.microsoft.com/office/drawing/2014/main" id="{54A37753-C395-3DE9-EF63-5BEB9990E558}"/>
+              </a:ext>
+            </a:extLst>
+          </p:cNvPr>
+          <p:cNvPicPr>
+            <a:picLocks noChangeAspect="1"/>
+          </p:cNvPicPr>
+          <p:nvPr/>
+        </p:nvPicPr>
+        <p:blipFill>
+          <a:blip r:embed="rId3">
+            <a:extLst>
+              <a:ext uri="{28A0092B-C50C-407E-A947-70E740481C1C}">
+                <a14:useLocalDpi xmlns:a14="http://schemas.microsoft.com/office/drawing/2010/main" val="0"/>
+              </a:ext>
+            </a:extLst>
+          </a:blip>
+          <a:stretch>
+            <a:fillRect/>
+          </a:stretch>
+        </p:blipFill>
+        <p:spPr>
+          <a:xfrm>
+            <a:off x="6172200" y="3638550"/>
+            <a:ext cx="4962525" cy="2324100"/>
+          </a:xfrm>
+          <a:prstGeom prst="rect">
+            <a:avLst/>
+          </a:prstGeom>
+        </p:spPr>
+      </p:pic>
     </p:spTree>
     <p:extLst>
       <p:ext uri="{BB962C8B-B14F-4D97-AF65-F5344CB8AC3E}">

--- a/presentation.pptx
+++ b/presentation.pptx
@@ -5,7 +5,7 @@
     <p:sldMasterId id="2147483768" r:id="rId1"/>
   </p:sldMasterIdLst>
   <p:notesMasterIdLst>
-    <p:notesMasterId r:id="rId39"/>
+    <p:notesMasterId r:id="rId42"/>
   </p:notesMasterIdLst>
   <p:sldIdLst>
     <p:sldId id="256" r:id="rId2"/>
@@ -39,12 +39,15 @@
     <p:sldId id="268" r:id="rId30"/>
     <p:sldId id="292" r:id="rId31"/>
     <p:sldId id="270" r:id="rId32"/>
-    <p:sldId id="267" r:id="rId33"/>
-    <p:sldId id="269" r:id="rId34"/>
-    <p:sldId id="271" r:id="rId35"/>
-    <p:sldId id="272" r:id="rId36"/>
-    <p:sldId id="281" r:id="rId37"/>
-    <p:sldId id="298" r:id="rId38"/>
+    <p:sldId id="301" r:id="rId33"/>
+    <p:sldId id="302" r:id="rId34"/>
+    <p:sldId id="303" r:id="rId35"/>
+    <p:sldId id="267" r:id="rId36"/>
+    <p:sldId id="269" r:id="rId37"/>
+    <p:sldId id="271" r:id="rId38"/>
+    <p:sldId id="272" r:id="rId39"/>
+    <p:sldId id="281" r:id="rId40"/>
+    <p:sldId id="298" r:id="rId41"/>
   </p:sldIdLst>
   <p:sldSz cx="12192000" cy="6858000"/>
   <p:notesSz cx="6858000" cy="9144000"/>
@@ -233,7 +236,7 @@
           <a:p>
             <a:fld id="{8F5AC0EE-C0EF-4DBE-8184-146DED29BF67}" type="datetimeFigureOut">
               <a:rPr lang="da-DK" smtClean="0"/>
-              <a:t>09-05-2024</a:t>
+              <a:t>10-05-2024</a:t>
             </a:fld>
             <a:endParaRPr lang="da-DK"/>
           </a:p>
@@ -544,30 +547,10 @@
           <a:bodyPr/>
           <a:lstStyle/>
           <a:p>
-            <a:pPr marL="0" marR="0" lvl="0" indent="0" algn="l" defTabSz="914400" rtl="0" eaLnBrk="1" fontAlgn="auto" latinLnBrk="0" hangingPunct="1">
-              <a:lnSpc>
-                <a:spcPct val="100000"/>
-              </a:lnSpc>
-              <a:spcBef>
-                <a:spcPts val="0"/>
-              </a:spcBef>
-              <a:spcAft>
-                <a:spcPts val="0"/>
-              </a:spcAft>
-              <a:buClrTx/>
-              <a:buSzTx/>
-              <a:buFontTx/>
-              <a:buNone/>
-              <a:tabLst/>
-              <a:defRPr/>
-            </a:pPr>
-            <a:r>
-              <a:rPr lang="da-DK" dirty="0"/>
-              <a:t>Kunne fremvise noget kode på hist og her</a:t>
-            </a:r>
-          </a:p>
-          <a:p>
-            <a:endParaRPr lang="da-DK" dirty="0"/>
+            <a:r>
+              <a:rPr lang="da-DK" dirty="0"/>
+              <a:t>Kort opsummering</a:t>
+            </a:r>
           </a:p>
         </p:txBody>
       </p:sp>
@@ -588,7 +571,7 @@
           <a:p>
             <a:fld id="{252E21F2-0B82-4ACE-A045-2AAC56859006}" type="slidenum">
               <a:rPr lang="da-DK" smtClean="0"/>
-              <a:t>4</a:t>
+              <a:t>3</a:t>
             </a:fld>
             <a:endParaRPr lang="da-DK"/>
           </a:p>
@@ -597,7 +580,7 @@
     </p:spTree>
     <p:extLst>
       <p:ext uri="{BB962C8B-B14F-4D97-AF65-F5344CB8AC3E}">
-        <p14:creationId xmlns:p14="http://schemas.microsoft.com/office/powerpoint/2010/main" val="4156315854"/>
+        <p14:creationId xmlns:p14="http://schemas.microsoft.com/office/powerpoint/2010/main" val="3394159357"/>
       </p:ext>
     </p:extLst>
   </p:cSld>
@@ -651,43 +634,7 @@
           <a:bodyPr/>
           <a:lstStyle/>
           <a:p>
-            <a:r>
-              <a:rPr lang="da-DK" dirty="0"/>
-              <a:t>User og Customer deler Id, navn og lokation. Id skal altid være det samme</a:t>
-            </a:r>
-          </a:p>
-          <a:p>
-            <a:r>
-              <a:rPr lang="da-DK" dirty="0" err="1"/>
-              <a:t>CompanyName</a:t>
-            </a:r>
-            <a:r>
-              <a:rPr lang="da-DK" dirty="0"/>
-              <a:t> og </a:t>
-            </a:r>
-            <a:r>
-              <a:rPr lang="da-DK" dirty="0" err="1"/>
-              <a:t>CustomerName</a:t>
-            </a:r>
-            <a:r>
-              <a:rPr lang="da-DK" dirty="0"/>
-              <a:t> er for at undgå at skulle slå op i begge databaser </a:t>
-            </a:r>
-          </a:p>
-          <a:p>
             <a:endParaRPr lang="da-DK" dirty="0"/>
-          </a:p>
-          <a:p>
-            <a:r>
-              <a:rPr lang="da-DK" dirty="0"/>
-              <a:t>https://martinfowler.com/bliki/UbiquitousLanguage.html</a:t>
-            </a:r>
-          </a:p>
-          <a:p>
-            <a:r>
-              <a:rPr lang="da-DK" dirty="0"/>
-              <a:t>https://martinfowler.com/bliki/BoundedContext.html</a:t>
-            </a:r>
           </a:p>
         </p:txBody>
       </p:sp>
@@ -708,7 +655,7 @@
           <a:p>
             <a:fld id="{252E21F2-0B82-4ACE-A045-2AAC56859006}" type="slidenum">
               <a:rPr lang="da-DK" smtClean="0"/>
-              <a:t>15</a:t>
+              <a:t>14</a:t>
             </a:fld>
             <a:endParaRPr lang="da-DK"/>
           </a:p>
@@ -717,7 +664,7 @@
     </p:spTree>
     <p:extLst>
       <p:ext uri="{BB962C8B-B14F-4D97-AF65-F5344CB8AC3E}">
-        <p14:creationId xmlns:p14="http://schemas.microsoft.com/office/powerpoint/2010/main" val="2568857346"/>
+        <p14:creationId xmlns:p14="http://schemas.microsoft.com/office/powerpoint/2010/main" val="2313198539"/>
       </p:ext>
     </p:extLst>
   </p:cSld>
@@ -773,19 +720,41 @@
           <a:p>
             <a:r>
               <a:rPr lang="da-DK" dirty="0"/>
-              <a:t>Håndtering af referencer</a:t>
-            </a:r>
-          </a:p>
-          <a:p>
-            <a:r>
-              <a:rPr lang="da-DK" dirty="0"/>
-              <a:t>Produktet fremviser ikke helt det brugbare for DDD pga. </a:t>
-            </a:r>
-            <a:r>
-              <a:rPr lang="da-DK" dirty="0" err="1"/>
-              <a:t>simplehed</a:t>
-            </a:r>
+              <a:t>User og Customer deler Id, navn og lokation. Id skal altid være det samme</a:t>
+            </a:r>
+          </a:p>
+          <a:p>
+            <a:r>
+              <a:rPr lang="da-DK" dirty="0" err="1"/>
+              <a:t>CompanyName</a:t>
+            </a:r>
+            <a:r>
+              <a:rPr lang="da-DK" dirty="0"/>
+              <a:t> og </a:t>
+            </a:r>
+            <a:r>
+              <a:rPr lang="da-DK" dirty="0" err="1"/>
+              <a:t>CustomerName</a:t>
+            </a:r>
+            <a:r>
+              <a:rPr lang="da-DK" dirty="0"/>
+              <a:t> er for at undgå at skulle slå op i begge databaser </a:t>
+            </a:r>
+          </a:p>
+          <a:p>
             <a:endParaRPr lang="da-DK" dirty="0"/>
+          </a:p>
+          <a:p>
+            <a:r>
+              <a:rPr lang="da-DK" dirty="0"/>
+              <a:t>https://martinfowler.com/bliki/UbiquitousLanguage.html</a:t>
+            </a:r>
+          </a:p>
+          <a:p>
+            <a:r>
+              <a:rPr lang="da-DK" dirty="0"/>
+              <a:t>https://martinfowler.com/bliki/BoundedContext.html</a:t>
+            </a:r>
           </a:p>
         </p:txBody>
       </p:sp>
@@ -806,7 +775,7 @@
           <a:p>
             <a:fld id="{252E21F2-0B82-4ACE-A045-2AAC56859006}" type="slidenum">
               <a:rPr lang="da-DK" smtClean="0"/>
-              <a:t>16</a:t>
+              <a:t>15</a:t>
             </a:fld>
             <a:endParaRPr lang="da-DK"/>
           </a:p>
@@ -815,7 +784,7 @@
     </p:spTree>
     <p:extLst>
       <p:ext uri="{BB962C8B-B14F-4D97-AF65-F5344CB8AC3E}">
-        <p14:creationId xmlns:p14="http://schemas.microsoft.com/office/powerpoint/2010/main" val="2516361822"/>
+        <p14:creationId xmlns:p14="http://schemas.microsoft.com/office/powerpoint/2010/main" val="2568857346"/>
       </p:ext>
     </p:extLst>
   </p:cSld>
@@ -871,68 +840,18 @@
           <a:p>
             <a:r>
               <a:rPr lang="da-DK" dirty="0"/>
-              <a:t>Channels tillader at benytte en enkel TCP forbindelse. Intet kommunikation mellem </a:t>
-            </a:r>
-            <a:r>
-              <a:rPr lang="da-DK" dirty="0" err="1"/>
-              <a:t>channels</a:t>
-            </a:r>
-            <a:r>
-              <a:rPr lang="da-DK" dirty="0"/>
-              <a:t>. Normalt en </a:t>
-            </a:r>
-            <a:r>
-              <a:rPr lang="da-DK" dirty="0" err="1"/>
-              <a:t>kannal</a:t>
-            </a:r>
-            <a:r>
-              <a:rPr lang="da-DK" dirty="0"/>
-              <a:t> per tråd </a:t>
-            </a:r>
-          </a:p>
-          <a:p>
-            <a:r>
-              <a:rPr lang="da-DK" dirty="0" err="1"/>
-              <a:t>Streams</a:t>
-            </a:r>
-            <a:r>
-              <a:rPr lang="da-DK" dirty="0"/>
-              <a:t> fjerner ikke beskeder. Kan bruges til at sende besked til flere </a:t>
-            </a:r>
-            <a:r>
-              <a:rPr lang="da-DK" dirty="0" err="1"/>
-              <a:t>consumers</a:t>
-            </a:r>
-            <a:endParaRPr lang="da-DK" dirty="0"/>
-          </a:p>
-          <a:p>
-            <a:r>
-              <a:rPr lang="da-DK" dirty="0"/>
-              <a:t>Queue </a:t>
-            </a:r>
-            <a:r>
-              <a:rPr lang="da-DK" dirty="0" err="1"/>
-              <a:t>ordered</a:t>
-            </a:r>
-            <a:r>
-              <a:rPr lang="da-DK" dirty="0"/>
-              <a:t> samling af beskeder, FIFO. </a:t>
-            </a:r>
-            <a:r>
-              <a:rPr lang="da-DK" dirty="0" err="1"/>
-              <a:t>Enqueued</a:t>
-            </a:r>
-            <a:r>
-              <a:rPr lang="da-DK" dirty="0"/>
-              <a:t>, </a:t>
-            </a:r>
-            <a:r>
-              <a:rPr lang="da-DK" dirty="0" err="1"/>
-              <a:t>dequeued</a:t>
-            </a:r>
-            <a:endParaRPr lang="da-DK" dirty="0"/>
-          </a:p>
-          <a:p>
+              <a:t>Håndtering af referencer</a:t>
+            </a:r>
+          </a:p>
+          <a:p>
+            <a:r>
+              <a:rPr lang="da-DK" dirty="0"/>
+              <a:t>Produktet fremviser ikke helt det brugbare for DDD pga. </a:t>
+            </a:r>
+            <a:r>
+              <a:rPr lang="da-DK" dirty="0" err="1"/>
+              <a:t>simplehed</a:t>
+            </a:r>
             <a:endParaRPr lang="da-DK" dirty="0"/>
           </a:p>
         </p:txBody>
@@ -954,7 +873,7 @@
           <a:p>
             <a:fld id="{252E21F2-0B82-4ACE-A045-2AAC56859006}" type="slidenum">
               <a:rPr lang="da-DK" smtClean="0"/>
-              <a:t>18</a:t>
+              <a:t>16</a:t>
             </a:fld>
             <a:endParaRPr lang="da-DK"/>
           </a:p>
@@ -963,7 +882,7 @@
     </p:spTree>
     <p:extLst>
       <p:ext uri="{BB962C8B-B14F-4D97-AF65-F5344CB8AC3E}">
-        <p14:creationId xmlns:p14="http://schemas.microsoft.com/office/powerpoint/2010/main" val="1091159589"/>
+        <p14:creationId xmlns:p14="http://schemas.microsoft.com/office/powerpoint/2010/main" val="2516361822"/>
       </p:ext>
     </p:extLst>
   </p:cSld>
@@ -1017,6 +936,70 @@
           <a:bodyPr/>
           <a:lstStyle/>
           <a:p>
+            <a:r>
+              <a:rPr lang="da-DK" dirty="0"/>
+              <a:t>Channels tillader at benytte en enkel TCP forbindelse. Intet kommunikation mellem </a:t>
+            </a:r>
+            <a:r>
+              <a:rPr lang="da-DK" dirty="0" err="1"/>
+              <a:t>channels</a:t>
+            </a:r>
+            <a:r>
+              <a:rPr lang="da-DK" dirty="0"/>
+              <a:t>. Normalt en </a:t>
+            </a:r>
+            <a:r>
+              <a:rPr lang="da-DK" dirty="0" err="1"/>
+              <a:t>kannal</a:t>
+            </a:r>
+            <a:r>
+              <a:rPr lang="da-DK" dirty="0"/>
+              <a:t> per tråd </a:t>
+            </a:r>
+          </a:p>
+          <a:p>
+            <a:r>
+              <a:rPr lang="da-DK" dirty="0" err="1"/>
+              <a:t>Streams</a:t>
+            </a:r>
+            <a:r>
+              <a:rPr lang="da-DK" dirty="0"/>
+              <a:t> fjerner ikke beskeder. Kan bruges til at sende besked til flere </a:t>
+            </a:r>
+            <a:r>
+              <a:rPr lang="da-DK" dirty="0" err="1"/>
+              <a:t>consumers</a:t>
+            </a:r>
+            <a:endParaRPr lang="da-DK" dirty="0"/>
+          </a:p>
+          <a:p>
+            <a:r>
+              <a:rPr lang="da-DK" dirty="0"/>
+              <a:t>Queue </a:t>
+            </a:r>
+            <a:r>
+              <a:rPr lang="da-DK" dirty="0" err="1"/>
+              <a:t>ordered</a:t>
+            </a:r>
+            <a:r>
+              <a:rPr lang="da-DK" dirty="0"/>
+              <a:t> samling af beskeder, FIFO. </a:t>
+            </a:r>
+            <a:r>
+              <a:rPr lang="da-DK" dirty="0" err="1"/>
+              <a:t>Enqueued</a:t>
+            </a:r>
+            <a:r>
+              <a:rPr lang="da-DK" dirty="0"/>
+              <a:t>, </a:t>
+            </a:r>
+            <a:r>
+              <a:rPr lang="da-DK" dirty="0" err="1"/>
+              <a:t>dequeued</a:t>
+            </a:r>
+            <a:endParaRPr lang="da-DK" dirty="0"/>
+          </a:p>
+          <a:p>
             <a:endParaRPr lang="da-DK" dirty="0"/>
           </a:p>
         </p:txBody>
@@ -1038,7 +1021,7 @@
           <a:p>
             <a:fld id="{252E21F2-0B82-4ACE-A045-2AAC56859006}" type="slidenum">
               <a:rPr lang="da-DK" smtClean="0"/>
-              <a:t>20</a:t>
+              <a:t>18</a:t>
             </a:fld>
             <a:endParaRPr lang="da-DK"/>
           </a:p>
@@ -1047,7 +1030,7 @@
     </p:spTree>
     <p:extLst>
       <p:ext uri="{BB962C8B-B14F-4D97-AF65-F5344CB8AC3E}">
-        <p14:creationId xmlns:p14="http://schemas.microsoft.com/office/powerpoint/2010/main" val="2289638430"/>
+        <p14:creationId xmlns:p14="http://schemas.microsoft.com/office/powerpoint/2010/main" val="1091159589"/>
       </p:ext>
     </p:extLst>
   </p:cSld>
@@ -1101,30 +1084,7 @@
           <a:bodyPr/>
           <a:lstStyle/>
           <a:p>
-            <a:r>
-              <a:rPr lang="da-DK" dirty="0" err="1"/>
-              <a:t>Seq</a:t>
-            </a:r>
-            <a:r>
-              <a:rPr lang="da-DK" dirty="0"/>
-              <a:t> og </a:t>
-            </a:r>
-            <a:r>
-              <a:rPr lang="da-DK" dirty="0" err="1"/>
-              <a:t>Serilog</a:t>
-            </a:r>
-            <a:r>
-              <a:rPr lang="da-DK" dirty="0"/>
-              <a:t> er begge lette og små? </a:t>
-            </a:r>
-            <a:r>
-              <a:rPr lang="da-DK" dirty="0" err="1"/>
-              <a:t>Koncenteret</a:t>
-            </a:r>
-            <a:r>
-              <a:rPr lang="da-DK" dirty="0"/>
-              <a:t>? </a:t>
-            </a:r>
+            <a:endParaRPr lang="da-DK" dirty="0"/>
           </a:p>
         </p:txBody>
       </p:sp>
@@ -1145,7 +1105,7 @@
           <a:p>
             <a:fld id="{252E21F2-0B82-4ACE-A045-2AAC56859006}" type="slidenum">
               <a:rPr lang="da-DK" smtClean="0"/>
-              <a:t>21</a:t>
+              <a:t>20</a:t>
             </a:fld>
             <a:endParaRPr lang="da-DK"/>
           </a:p>
@@ -1154,7 +1114,7 @@
     </p:spTree>
     <p:extLst>
       <p:ext uri="{BB962C8B-B14F-4D97-AF65-F5344CB8AC3E}">
-        <p14:creationId xmlns:p14="http://schemas.microsoft.com/office/powerpoint/2010/main" val="2294237520"/>
+        <p14:creationId xmlns:p14="http://schemas.microsoft.com/office/powerpoint/2010/main" val="2289638430"/>
       </p:ext>
     </p:extLst>
   </p:cSld>
@@ -1209,16 +1169,28 @@
           <a:lstStyle/>
           <a:p>
             <a:r>
-              <a:rPr lang="da-DK" dirty="0"/>
-              <a:t>Kunne nævne ting som </a:t>
-            </a:r>
-            <a:r>
-              <a:rPr lang="da-DK" dirty="0" err="1"/>
-              <a:t>interceptor</a:t>
-            </a:r>
-            <a:r>
-              <a:rPr lang="da-DK" dirty="0"/>
-              <a:t> </a:t>
+              <a:rPr lang="da-DK" dirty="0" err="1"/>
+              <a:t>Seq</a:t>
+            </a:r>
+            <a:r>
+              <a:rPr lang="da-DK" dirty="0"/>
+              <a:t> og </a:t>
+            </a:r>
+            <a:r>
+              <a:rPr lang="da-DK" dirty="0" err="1"/>
+              <a:t>Serilog</a:t>
+            </a:r>
+            <a:r>
+              <a:rPr lang="da-DK" dirty="0"/>
+              <a:t> er begge lette og små? </a:t>
+            </a:r>
+            <a:r>
+              <a:rPr lang="da-DK" dirty="0" err="1"/>
+              <a:t>Koncenteret</a:t>
+            </a:r>
+            <a:r>
+              <a:rPr lang="da-DK" dirty="0"/>
+              <a:t>? </a:t>
             </a:r>
           </a:p>
         </p:txBody>
@@ -1240,7 +1212,7 @@
           <a:p>
             <a:fld id="{252E21F2-0B82-4ACE-A045-2AAC56859006}" type="slidenum">
               <a:rPr lang="da-DK" smtClean="0"/>
-              <a:t>22</a:t>
+              <a:t>21</a:t>
             </a:fld>
             <a:endParaRPr lang="da-DK"/>
           </a:p>
@@ -1249,7 +1221,7 @@
     </p:spTree>
     <p:extLst>
       <p:ext uri="{BB962C8B-B14F-4D97-AF65-F5344CB8AC3E}">
-        <p14:creationId xmlns:p14="http://schemas.microsoft.com/office/powerpoint/2010/main" val="4069340254"/>
+        <p14:creationId xmlns:p14="http://schemas.microsoft.com/office/powerpoint/2010/main" val="2294237520"/>
       </p:ext>
     </p:extLst>
   </p:cSld>
@@ -1305,50 +1277,16 @@
           <a:p>
             <a:r>
               <a:rPr lang="da-DK" dirty="0"/>
-              <a:t>20x hurtigere end JavaScript, </a:t>
-            </a:r>
-            <a:r>
-              <a:rPr lang="da-DK" dirty="0" err="1"/>
-              <a:t>stack-based</a:t>
-            </a:r>
-            <a:r>
-              <a:rPr lang="da-DK" dirty="0"/>
-              <a:t> JavaScript VM, </a:t>
-            </a:r>
-            <a:r>
-              <a:rPr lang="da-DK" dirty="0" err="1"/>
-              <a:t>sandboxed</a:t>
-            </a:r>
-            <a:r>
-              <a:rPr lang="da-DK" dirty="0"/>
-              <a:t>, binær format, C/C++ compiler</a:t>
-            </a:r>
-          </a:p>
-          <a:p>
-            <a:pPr marL="0" marR="0" lvl="0" indent="0" algn="l" defTabSz="914400" rtl="0" eaLnBrk="1" fontAlgn="auto" latinLnBrk="0" hangingPunct="1">
-              <a:lnSpc>
-                <a:spcPct val="100000"/>
-              </a:lnSpc>
-              <a:spcBef>
-                <a:spcPts val="0"/>
-              </a:spcBef>
-              <a:spcAft>
-                <a:spcPts val="0"/>
-              </a:spcAft>
-              <a:buClrTx/>
-              <a:buSzTx/>
-              <a:buFontTx/>
-              <a:buNone/>
-              <a:tabLst/>
-              <a:defRPr/>
-            </a:pPr>
-            <a:r>
-              <a:rPr lang="da-DK" dirty="0"/>
-              <a:t>https://webassembly.org/docs/faq/</a:t>
-            </a:r>
-          </a:p>
-          <a:p>
-            <a:endParaRPr lang="da-DK" dirty="0"/>
+              <a:t>Kunne nævne ting som </a:t>
+            </a:r>
+            <a:r>
+              <a:rPr lang="da-DK" dirty="0" err="1"/>
+              <a:t>interceptor</a:t>
+            </a:r>
+            <a:r>
+              <a:rPr lang="da-DK" dirty="0"/>
+              <a:t> </a:t>
+            </a:r>
           </a:p>
         </p:txBody>
       </p:sp>
@@ -1369,7 +1307,7 @@
           <a:p>
             <a:fld id="{252E21F2-0B82-4ACE-A045-2AAC56859006}" type="slidenum">
               <a:rPr lang="da-DK" smtClean="0"/>
-              <a:t>23</a:t>
+              <a:t>22</a:t>
             </a:fld>
             <a:endParaRPr lang="da-DK"/>
           </a:p>
@@ -1378,7 +1316,7 @@
     </p:spTree>
     <p:extLst>
       <p:ext uri="{BB962C8B-B14F-4D97-AF65-F5344CB8AC3E}">
-        <p14:creationId xmlns:p14="http://schemas.microsoft.com/office/powerpoint/2010/main" val="3114175968"/>
+        <p14:creationId xmlns:p14="http://schemas.microsoft.com/office/powerpoint/2010/main" val="4069340254"/>
       </p:ext>
     </p:extLst>
   </p:cSld>
@@ -1434,16 +1372,50 @@
           <a:p>
             <a:r>
               <a:rPr lang="da-DK" dirty="0"/>
-              <a:t>Kunne nævne ting som </a:t>
-            </a:r>
-            <a:r>
-              <a:rPr lang="da-DK" dirty="0" err="1"/>
-              <a:t>interceptor</a:t>
-            </a:r>
-            <a:r>
-              <a:rPr lang="da-DK" dirty="0"/>
-              <a:t> </a:t>
-            </a:r>
+              <a:t>20x hurtigere end JavaScript, </a:t>
+            </a:r>
+            <a:r>
+              <a:rPr lang="da-DK" dirty="0" err="1"/>
+              <a:t>stack-based</a:t>
+            </a:r>
+            <a:r>
+              <a:rPr lang="da-DK" dirty="0"/>
+              <a:t> JavaScript VM, </a:t>
+            </a:r>
+            <a:r>
+              <a:rPr lang="da-DK" dirty="0" err="1"/>
+              <a:t>sandboxed</a:t>
+            </a:r>
+            <a:r>
+              <a:rPr lang="da-DK" dirty="0"/>
+              <a:t>, binær format, C/C++ compiler</a:t>
+            </a:r>
+          </a:p>
+          <a:p>
+            <a:pPr marL="0" marR="0" lvl="0" indent="0" algn="l" defTabSz="914400" rtl="0" eaLnBrk="1" fontAlgn="auto" latinLnBrk="0" hangingPunct="1">
+              <a:lnSpc>
+                <a:spcPct val="100000"/>
+              </a:lnSpc>
+              <a:spcBef>
+                <a:spcPts val="0"/>
+              </a:spcBef>
+              <a:spcAft>
+                <a:spcPts val="0"/>
+              </a:spcAft>
+              <a:buClrTx/>
+              <a:buSzTx/>
+              <a:buFontTx/>
+              <a:buNone/>
+              <a:tabLst/>
+              <a:defRPr/>
+            </a:pPr>
+            <a:r>
+              <a:rPr lang="da-DK" dirty="0"/>
+              <a:t>https://webassembly.org/docs/faq/</a:t>
+            </a:r>
+          </a:p>
+          <a:p>
+            <a:endParaRPr lang="da-DK" dirty="0"/>
           </a:p>
         </p:txBody>
       </p:sp>
@@ -1464,7 +1436,7 @@
           <a:p>
             <a:fld id="{252E21F2-0B82-4ACE-A045-2AAC56859006}" type="slidenum">
               <a:rPr lang="da-DK" smtClean="0"/>
-              <a:t>25</a:t>
+              <a:t>23</a:t>
             </a:fld>
             <a:endParaRPr lang="da-DK"/>
           </a:p>
@@ -1473,7 +1445,7 @@
     </p:spTree>
     <p:extLst>
       <p:ext uri="{BB962C8B-B14F-4D97-AF65-F5344CB8AC3E}">
-        <p14:creationId xmlns:p14="http://schemas.microsoft.com/office/powerpoint/2010/main" val="2371307318"/>
+        <p14:creationId xmlns:p14="http://schemas.microsoft.com/office/powerpoint/2010/main" val="3114175968"/>
       </p:ext>
     </p:extLst>
   </p:cSld>
@@ -1528,26 +1500,17 @@
           <a:lstStyle/>
           <a:p>
             <a:r>
-              <a:rPr lang="da-DK" dirty="0" err="1"/>
-              <a:t>Refresh</a:t>
+              <a:rPr lang="da-DK" dirty="0"/>
+              <a:t>Kunne nævne ting som </a:t>
+            </a:r>
+            <a:r>
+              <a:rPr lang="da-DK" dirty="0" err="1"/>
+              <a:t>interceptor</a:t>
             </a:r>
             <a:r>
               <a:rPr lang="da-DK" dirty="0"/>
               <a:t> </a:t>
             </a:r>
-            <a:r>
-              <a:rPr lang="da-DK" dirty="0" err="1"/>
-              <a:t>token</a:t>
-            </a:r>
-            <a:r>
-              <a:rPr lang="da-DK" dirty="0"/>
-              <a:t> bliver ikke sat til invalid når den bruges til skabe nye </a:t>
-            </a:r>
-            <a:r>
-              <a:rPr lang="da-DK" dirty="0" err="1"/>
-              <a:t>tokens</a:t>
-            </a:r>
-            <a:endParaRPr lang="da-DK" dirty="0"/>
           </a:p>
         </p:txBody>
       </p:sp>
@@ -1568,7 +1531,7 @@
           <a:p>
             <a:fld id="{252E21F2-0B82-4ACE-A045-2AAC56859006}" type="slidenum">
               <a:rPr lang="da-DK" smtClean="0"/>
-              <a:t>26</a:t>
+              <a:t>25</a:t>
             </a:fld>
             <a:endParaRPr lang="da-DK"/>
           </a:p>
@@ -1577,7 +1540,7 @@
     </p:spTree>
     <p:extLst>
       <p:ext uri="{BB962C8B-B14F-4D97-AF65-F5344CB8AC3E}">
-        <p14:creationId xmlns:p14="http://schemas.microsoft.com/office/powerpoint/2010/main" val="671521866"/>
+        <p14:creationId xmlns:p14="http://schemas.microsoft.com/office/powerpoint/2010/main" val="2371307318"/>
       </p:ext>
     </p:extLst>
   </p:cSld>
@@ -1632,15 +1595,26 @@
           <a:lstStyle/>
           <a:p>
             <a:r>
-              <a:rPr lang="da-DK" dirty="0"/>
-              <a:t>https://kafka.apache.org/documentation/#intro_nutshell</a:t>
-            </a:r>
-          </a:p>
-          <a:p>
-            <a:r>
-              <a:rPr lang="da-DK" dirty="0"/>
-              <a:t>https://kafka.apache.org/documentation/#kraft_role</a:t>
-            </a:r>
+              <a:rPr lang="da-DK" dirty="0" err="1"/>
+              <a:t>Refresh</a:t>
+            </a:r>
+            <a:r>
+              <a:rPr lang="da-DK" dirty="0"/>
+              <a:t> </a:t>
+            </a:r>
+            <a:r>
+              <a:rPr lang="da-DK" dirty="0" err="1"/>
+              <a:t>token</a:t>
+            </a:r>
+            <a:r>
+              <a:rPr lang="da-DK" dirty="0"/>
+              <a:t> bliver ikke sat til invalid når den bruges til skabe nye </a:t>
+            </a:r>
+            <a:r>
+              <a:rPr lang="da-DK" dirty="0" err="1"/>
+              <a:t>tokens</a:t>
+            </a:r>
+            <a:endParaRPr lang="da-DK" dirty="0"/>
           </a:p>
         </p:txBody>
       </p:sp>
@@ -1661,7 +1635,7 @@
           <a:p>
             <a:fld id="{252E21F2-0B82-4ACE-A045-2AAC56859006}" type="slidenum">
               <a:rPr lang="da-DK" smtClean="0"/>
-              <a:t>28</a:t>
+              <a:t>26</a:t>
             </a:fld>
             <a:endParaRPr lang="da-DK"/>
           </a:p>
@@ -1670,7 +1644,7 @@
     </p:spTree>
     <p:extLst>
       <p:ext uri="{BB962C8B-B14F-4D97-AF65-F5344CB8AC3E}">
-        <p14:creationId xmlns:p14="http://schemas.microsoft.com/office/powerpoint/2010/main" val="8081506"/>
+        <p14:creationId xmlns:p14="http://schemas.microsoft.com/office/powerpoint/2010/main" val="671521866"/>
       </p:ext>
     </p:extLst>
   </p:cSld>
@@ -1724,24 +1698,30 @@
           <a:bodyPr/>
           <a:lstStyle/>
           <a:p>
-            <a:r>
-              <a:rPr lang="da-DK" dirty="0"/>
-              <a:t>https://martinfowler.com/microservices/</a:t>
-            </a:r>
-          </a:p>
-          <a:p>
-            <a:r>
-              <a:rPr lang="da-DK" dirty="0"/>
-              <a:t>Hver boks er sin egen </a:t>
-            </a:r>
-            <a:r>
-              <a:rPr lang="da-DK" dirty="0" err="1"/>
-              <a:t>microservice</a:t>
-            </a:r>
-            <a:r>
-              <a:rPr lang="da-DK" dirty="0"/>
-              <a:t> i princippet</a:t>
-            </a:r>
+            <a:pPr marL="0" marR="0" lvl="0" indent="0" algn="l" defTabSz="914400" rtl="0" eaLnBrk="1" fontAlgn="auto" latinLnBrk="0" hangingPunct="1">
+              <a:lnSpc>
+                <a:spcPct val="100000"/>
+              </a:lnSpc>
+              <a:spcBef>
+                <a:spcPts val="0"/>
+              </a:spcBef>
+              <a:spcAft>
+                <a:spcPts val="0"/>
+              </a:spcAft>
+              <a:buClrTx/>
+              <a:buSzTx/>
+              <a:buFontTx/>
+              <a:buNone/>
+              <a:tabLst/>
+              <a:defRPr/>
+            </a:pPr>
+            <a:r>
+              <a:rPr lang="da-DK" dirty="0"/>
+              <a:t>Kunne fremvise noget kode på hist og her</a:t>
+            </a:r>
+          </a:p>
+          <a:p>
+            <a:endParaRPr lang="da-DK" dirty="0"/>
           </a:p>
         </p:txBody>
       </p:sp>
@@ -1762,7 +1742,7 @@
           <a:p>
             <a:fld id="{252E21F2-0B82-4ACE-A045-2AAC56859006}" type="slidenum">
               <a:rPr lang="da-DK" smtClean="0"/>
-              <a:t>6</a:t>
+              <a:t>4</a:t>
             </a:fld>
             <a:endParaRPr lang="da-DK"/>
           </a:p>
@@ -1771,7 +1751,7 @@
     </p:spTree>
     <p:extLst>
       <p:ext uri="{BB962C8B-B14F-4D97-AF65-F5344CB8AC3E}">
-        <p14:creationId xmlns:p14="http://schemas.microsoft.com/office/powerpoint/2010/main" val="669242770"/>
+        <p14:creationId xmlns:p14="http://schemas.microsoft.com/office/powerpoint/2010/main" val="4156315854"/>
       </p:ext>
     </p:extLst>
   </p:cSld>
@@ -1825,124 +1805,15 @@
           <a:bodyPr/>
           <a:lstStyle/>
           <a:p>
-            <a:pPr marL="0" marR="0" lvl="0" indent="0" algn="l" defTabSz="914400" rtl="0" eaLnBrk="1" fontAlgn="auto" latinLnBrk="0" hangingPunct="1">
-              <a:lnSpc>
-                <a:spcPct val="100000"/>
-              </a:lnSpc>
-              <a:spcBef>
-                <a:spcPts val="0"/>
-              </a:spcBef>
-              <a:spcAft>
-                <a:spcPts val="0"/>
-              </a:spcAft>
-              <a:buClrTx/>
-              <a:buSzTx/>
-              <a:buFontTx/>
-              <a:buNone/>
-              <a:tabLst/>
-              <a:defRPr/>
-            </a:pPr>
-            <a:r>
-              <a:rPr lang="da-DK" dirty="0"/>
-              <a:t>Event </a:t>
-            </a:r>
-            <a:r>
-              <a:rPr lang="da-DK" dirty="0" err="1"/>
-              <a:t>schema</a:t>
-            </a:r>
-            <a:r>
-              <a:rPr lang="da-DK" dirty="0"/>
-              <a:t> //ikke nødvendigt</a:t>
-            </a:r>
-          </a:p>
-          <a:p>
-            <a:r>
-              <a:rPr lang="da-DK" dirty="0"/>
-              <a:t>Event, noget der er sket</a:t>
-            </a:r>
-          </a:p>
-          <a:p>
-            <a:r>
-              <a:rPr lang="da-DK" dirty="0" err="1"/>
-              <a:t>Topic</a:t>
-            </a:r>
-            <a:r>
-              <a:rPr lang="da-DK" dirty="0"/>
-              <a:t> </a:t>
-            </a:r>
-            <a:r>
-              <a:rPr lang="da-DK" dirty="0" err="1"/>
-              <a:t>partitioneret</a:t>
-            </a:r>
-            <a:r>
-              <a:rPr lang="da-DK" dirty="0"/>
-              <a:t> – en </a:t>
-            </a:r>
-            <a:r>
-              <a:rPr lang="da-DK" dirty="0" err="1"/>
-              <a:t>consumer</a:t>
-            </a:r>
-            <a:r>
-              <a:rPr lang="da-DK" dirty="0"/>
-              <a:t> kan få data fra en eller flere partitioner </a:t>
-            </a:r>
-          </a:p>
-          <a:p>
-            <a:r>
-              <a:rPr lang="da-DK" dirty="0"/>
-              <a:t>Event </a:t>
-            </a:r>
-            <a:r>
-              <a:rPr lang="da-DK" dirty="0" err="1"/>
-              <a:t>Replikering</a:t>
-            </a:r>
-            <a:r>
-              <a:rPr lang="da-DK" dirty="0"/>
-              <a:t>, event er </a:t>
-            </a:r>
-            <a:r>
-              <a:rPr lang="da-DK" dirty="0" err="1"/>
-              <a:t>replikeret</a:t>
-            </a:r>
-            <a:r>
-              <a:rPr lang="da-DK" dirty="0"/>
-              <a:t> over flere brokers</a:t>
-            </a:r>
-          </a:p>
-          <a:p>
-            <a:r>
-              <a:rPr lang="da-DK" dirty="0"/>
-              <a:t>Consumer </a:t>
-            </a:r>
-            <a:r>
-              <a:rPr lang="da-DK" dirty="0" err="1"/>
-              <a:t>groupId</a:t>
-            </a:r>
-            <a:r>
-              <a:rPr lang="da-DK" dirty="0"/>
-              <a:t>, hvis samme id, </a:t>
-            </a:r>
-            <a:r>
-              <a:rPr lang="da-DK" dirty="0" err="1"/>
-              <a:t>round-robin</a:t>
-            </a:r>
-            <a:r>
-              <a:rPr lang="da-DK" dirty="0"/>
-              <a:t> fra </a:t>
-            </a:r>
-            <a:r>
-              <a:rPr lang="da-DK" dirty="0" err="1"/>
-              <a:t>partioner</a:t>
-            </a:r>
-            <a:r>
-              <a:rPr lang="da-DK" dirty="0"/>
-              <a:t> og der er mere end en partitioner</a:t>
-            </a:r>
-          </a:p>
-          <a:p>
-            <a:r>
-              <a:rPr lang="da-DK" dirty="0"/>
-              <a:t>https://stackoverflow.com/questions/38024514/understanding-kafka-topics-and-partitions</a:t>
+            <a:r>
+              <a:rPr lang="da-DK" dirty="0"/>
+              <a:t>https://kafka.apache.org/documentation/#intro_nutshell</a:t>
+            </a:r>
+          </a:p>
+          <a:p>
+            <a:r>
+              <a:rPr lang="da-DK" dirty="0"/>
+              <a:t>https://kafka.apache.org/documentation/#kraft_role</a:t>
             </a:r>
           </a:p>
         </p:txBody>
@@ -1964,7 +1835,7 @@
           <a:p>
             <a:fld id="{252E21F2-0B82-4ACE-A045-2AAC56859006}" type="slidenum">
               <a:rPr lang="da-DK" smtClean="0"/>
-              <a:t>29</a:t>
+              <a:t>28</a:t>
             </a:fld>
             <a:endParaRPr lang="da-DK"/>
           </a:p>
@@ -1973,7 +1844,7 @@
     </p:spTree>
     <p:extLst>
       <p:ext uri="{BB962C8B-B14F-4D97-AF65-F5344CB8AC3E}">
-        <p14:creationId xmlns:p14="http://schemas.microsoft.com/office/powerpoint/2010/main" val="2764263524"/>
+        <p14:creationId xmlns:p14="http://schemas.microsoft.com/office/powerpoint/2010/main" val="8081506"/>
       </p:ext>
     </p:extLst>
   </p:cSld>
@@ -2027,7 +1898,125 @@
           <a:bodyPr/>
           <a:lstStyle/>
           <a:p>
-            <a:endParaRPr lang="da-DK" dirty="0"/>
+            <a:pPr marL="0" marR="0" lvl="0" indent="0" algn="l" defTabSz="914400" rtl="0" eaLnBrk="1" fontAlgn="auto" latinLnBrk="0" hangingPunct="1">
+              <a:lnSpc>
+                <a:spcPct val="100000"/>
+              </a:lnSpc>
+              <a:spcBef>
+                <a:spcPts val="0"/>
+              </a:spcBef>
+              <a:spcAft>
+                <a:spcPts val="0"/>
+              </a:spcAft>
+              <a:buClrTx/>
+              <a:buSzTx/>
+              <a:buFontTx/>
+              <a:buNone/>
+              <a:tabLst/>
+              <a:defRPr/>
+            </a:pPr>
+            <a:r>
+              <a:rPr lang="da-DK" dirty="0"/>
+              <a:t>Event </a:t>
+            </a:r>
+            <a:r>
+              <a:rPr lang="da-DK" dirty="0" err="1"/>
+              <a:t>schema</a:t>
+            </a:r>
+            <a:r>
+              <a:rPr lang="da-DK" dirty="0"/>
+              <a:t> //ikke nødvendigt</a:t>
+            </a:r>
+          </a:p>
+          <a:p>
+            <a:r>
+              <a:rPr lang="da-DK" dirty="0"/>
+              <a:t>Event, noget der er sket</a:t>
+            </a:r>
+          </a:p>
+          <a:p>
+            <a:r>
+              <a:rPr lang="da-DK" dirty="0" err="1"/>
+              <a:t>Topic</a:t>
+            </a:r>
+            <a:r>
+              <a:rPr lang="da-DK" dirty="0"/>
+              <a:t> </a:t>
+            </a:r>
+            <a:r>
+              <a:rPr lang="da-DK" dirty="0" err="1"/>
+              <a:t>partitioneret</a:t>
+            </a:r>
+            <a:r>
+              <a:rPr lang="da-DK" dirty="0"/>
+              <a:t> – en </a:t>
+            </a:r>
+            <a:r>
+              <a:rPr lang="da-DK" dirty="0" err="1"/>
+              <a:t>consumer</a:t>
+            </a:r>
+            <a:r>
+              <a:rPr lang="da-DK" dirty="0"/>
+              <a:t> kan få data fra en eller flere partitioner </a:t>
+            </a:r>
+          </a:p>
+          <a:p>
+            <a:r>
+              <a:rPr lang="da-DK" dirty="0"/>
+              <a:t>Event </a:t>
+            </a:r>
+            <a:r>
+              <a:rPr lang="da-DK" dirty="0" err="1"/>
+              <a:t>Replikering</a:t>
+            </a:r>
+            <a:r>
+              <a:rPr lang="da-DK" dirty="0"/>
+              <a:t>, event er </a:t>
+            </a:r>
+            <a:r>
+              <a:rPr lang="da-DK" dirty="0" err="1"/>
+              <a:t>replikeret</a:t>
+            </a:r>
+            <a:r>
+              <a:rPr lang="da-DK" dirty="0"/>
+              <a:t> over flere brokers</a:t>
+            </a:r>
+          </a:p>
+          <a:p>
+            <a:r>
+              <a:rPr lang="da-DK" dirty="0"/>
+              <a:t>Consumer </a:t>
+            </a:r>
+            <a:r>
+              <a:rPr lang="da-DK" dirty="0" err="1"/>
+              <a:t>groupId</a:t>
+            </a:r>
+            <a:r>
+              <a:rPr lang="da-DK" dirty="0"/>
+              <a:t>, hvis samme id, </a:t>
+            </a:r>
+            <a:r>
+              <a:rPr lang="da-DK" dirty="0" err="1"/>
+              <a:t>round-robin</a:t>
+            </a:r>
+            <a:r>
+              <a:rPr lang="da-DK" dirty="0"/>
+              <a:t> fra </a:t>
+            </a:r>
+            <a:r>
+              <a:rPr lang="da-DK" dirty="0" err="1"/>
+              <a:t>partioner</a:t>
+            </a:r>
+            <a:r>
+              <a:rPr lang="da-DK" dirty="0"/>
+              <a:t> og der er mere end en partitioner</a:t>
+            </a:r>
+          </a:p>
+          <a:p>
+            <a:r>
+              <a:rPr lang="da-DK" dirty="0"/>
+              <a:t>https://stackoverflow.com/questions/38024514/understanding-kafka-topics-and-partitions</a:t>
+            </a:r>
           </a:p>
         </p:txBody>
       </p:sp>
@@ -2048,7 +2037,7 @@
           <a:p>
             <a:fld id="{252E21F2-0B82-4ACE-A045-2AAC56859006}" type="slidenum">
               <a:rPr lang="da-DK" smtClean="0"/>
-              <a:t>30</a:t>
+              <a:t>29</a:t>
             </a:fld>
             <a:endParaRPr lang="da-DK"/>
           </a:p>
@@ -2057,7 +2046,7 @@
     </p:spTree>
     <p:extLst>
       <p:ext uri="{BB962C8B-B14F-4D97-AF65-F5344CB8AC3E}">
-        <p14:creationId xmlns:p14="http://schemas.microsoft.com/office/powerpoint/2010/main" val="2125408469"/>
+        <p14:creationId xmlns:p14="http://schemas.microsoft.com/office/powerpoint/2010/main" val="2764263524"/>
       </p:ext>
     </p:extLst>
   </p:cSld>
@@ -2111,36 +2100,7 @@
           <a:bodyPr/>
           <a:lstStyle/>
           <a:p>
-            <a:r>
-              <a:rPr lang="da-DK" dirty="0"/>
-              <a:t>Nævn at broker nu kan være controllers, men før var det zookeeper</a:t>
-            </a:r>
-          </a:p>
-          <a:p>
-            <a:r>
-              <a:rPr lang="da-DK" dirty="0" err="1"/>
-              <a:t>ZooKeeper</a:t>
-            </a:r>
-            <a:r>
-              <a:rPr lang="da-DK" dirty="0"/>
-              <a:t> udskiftet med </a:t>
-            </a:r>
-            <a:r>
-              <a:rPr lang="da-DK" dirty="0" err="1"/>
-              <a:t>KRaft</a:t>
-            </a:r>
-            <a:r>
-              <a:rPr lang="da-DK" dirty="0"/>
-              <a:t>, en </a:t>
-            </a:r>
-            <a:r>
-              <a:rPr lang="da-DK" dirty="0" err="1"/>
-              <a:t>kafka</a:t>
-            </a:r>
-            <a:r>
-              <a:rPr lang="da-DK" dirty="0"/>
-              <a:t> server som enten er en controller, broker eller begge</a:t>
-            </a:r>
+            <a:endParaRPr lang="da-DK" dirty="0"/>
           </a:p>
         </p:txBody>
       </p:sp>
@@ -2161,7 +2121,7 @@
           <a:p>
             <a:fld id="{252E21F2-0B82-4ACE-A045-2AAC56859006}" type="slidenum">
               <a:rPr lang="da-DK" smtClean="0"/>
-              <a:t>31</a:t>
+              <a:t>30</a:t>
             </a:fld>
             <a:endParaRPr lang="da-DK"/>
           </a:p>
@@ -2170,7 +2130,7 @@
     </p:spTree>
     <p:extLst>
       <p:ext uri="{BB962C8B-B14F-4D97-AF65-F5344CB8AC3E}">
-        <p14:creationId xmlns:p14="http://schemas.microsoft.com/office/powerpoint/2010/main" val="3998614641"/>
+        <p14:creationId xmlns:p14="http://schemas.microsoft.com/office/powerpoint/2010/main" val="2125408469"/>
       </p:ext>
     </p:extLst>
   </p:cSld>
@@ -2225,81 +2185,34 @@
           <a:lstStyle/>
           <a:p>
             <a:r>
-              <a:rPr lang="da-DK" dirty="0" err="1"/>
-              <a:t>Confluent</a:t>
-            </a:r>
-            <a:r>
-              <a:rPr lang="da-DK" dirty="0"/>
-              <a:t> Kafka</a:t>
-            </a:r>
-          </a:p>
-          <a:p>
-            <a:r>
-              <a:rPr lang="da-DK" dirty="0"/>
-              <a:t>Kunne havde brugt </a:t>
-            </a:r>
-            <a:r>
-              <a:rPr lang="da-DK" dirty="0" err="1"/>
-              <a:t>Knet</a:t>
-            </a:r>
-            <a:endParaRPr lang="da-DK" dirty="0"/>
-          </a:p>
-          <a:p>
-            <a:r>
-              <a:rPr lang="da-DK" dirty="0"/>
-              <a:t>JSON, </a:t>
-            </a:r>
-            <a:r>
-              <a:rPr lang="da-DK" dirty="0" err="1"/>
-              <a:t>Arvo</a:t>
-            </a:r>
-            <a:r>
-              <a:rPr lang="da-DK" dirty="0"/>
-              <a:t>, </a:t>
-            </a:r>
-            <a:r>
-              <a:rPr lang="da-DK" dirty="0" err="1"/>
-              <a:t>Protobuf</a:t>
-            </a:r>
-            <a:r>
-              <a:rPr lang="da-DK" dirty="0"/>
-              <a:t>. </a:t>
-            </a:r>
-            <a:r>
-              <a:rPr lang="da-DK" dirty="0" err="1"/>
-              <a:t>Arvo</a:t>
-            </a:r>
-            <a:r>
-              <a:rPr lang="da-DK" dirty="0"/>
-              <a:t> brugt, da den virker til at være det mest </a:t>
-            </a:r>
-            <a:r>
-              <a:rPr lang="da-DK" dirty="0" err="1"/>
-              <a:t>almendlige</a:t>
-            </a:r>
-            <a:r>
-              <a:rPr lang="da-DK" dirty="0"/>
-              <a:t>. </a:t>
-            </a:r>
-            <a:r>
-              <a:rPr lang="da-DK" dirty="0" err="1"/>
-              <a:t>Arvo</a:t>
-            </a:r>
-            <a:r>
-              <a:rPr lang="da-DK" dirty="0"/>
-              <a:t> er Apache</a:t>
-            </a:r>
-          </a:p>
-          <a:p>
-            <a:r>
-              <a:rPr lang="da-DK" dirty="0"/>
-              <a:t>Key/Value, Key bruges til at sikre sig at beskeder sendes til den samme partition</a:t>
-            </a:r>
-          </a:p>
-          <a:p>
-            <a:r>
-              <a:rPr lang="da-DK" dirty="0"/>
-              <a:t>https://github.com/confluentinc/cp-all-in-one/blob/7.6.1-post/cp-all-in-one-kraft/docker-compose.yml</a:t>
+              <a:rPr lang="da-DK" dirty="0"/>
+              <a:t>Nævn at broker nu kan være controllers, men før var det zookeeper</a:t>
+            </a:r>
+          </a:p>
+          <a:p>
+            <a:r>
+              <a:rPr lang="da-DK" dirty="0" err="1"/>
+              <a:t>ZooKeeper</a:t>
+            </a:r>
+            <a:r>
+              <a:rPr lang="da-DK" dirty="0"/>
+              <a:t> udskiftet med </a:t>
+            </a:r>
+            <a:r>
+              <a:rPr lang="da-DK" dirty="0" err="1"/>
+              <a:t>KRaft</a:t>
+            </a:r>
+            <a:r>
+              <a:rPr lang="da-DK" dirty="0"/>
+              <a:t>, en </a:t>
+            </a:r>
+            <a:r>
+              <a:rPr lang="da-DK" dirty="0" err="1"/>
+              <a:t>kafka</a:t>
+            </a:r>
+            <a:r>
+              <a:rPr lang="da-DK" dirty="0"/>
+              <a:t> server som enten er en controller, broker eller begge</a:t>
             </a:r>
           </a:p>
         </p:txBody>
@@ -2321,7 +2234,7 @@
           <a:p>
             <a:fld id="{252E21F2-0B82-4ACE-A045-2AAC56859006}" type="slidenum">
               <a:rPr lang="da-DK" smtClean="0"/>
-              <a:t>32</a:t>
+              <a:t>31</a:t>
             </a:fld>
             <a:endParaRPr lang="da-DK"/>
           </a:p>
@@ -2330,7 +2243,7 @@
     </p:spTree>
     <p:extLst>
       <p:ext uri="{BB962C8B-B14F-4D97-AF65-F5344CB8AC3E}">
-        <p14:creationId xmlns:p14="http://schemas.microsoft.com/office/powerpoint/2010/main" val="3004894068"/>
+        <p14:creationId xmlns:p14="http://schemas.microsoft.com/office/powerpoint/2010/main" val="3998614641"/>
       </p:ext>
     </p:extLst>
   </p:cSld>
@@ -2386,40 +2299,10 @@
           <a:p>
             <a:r>
               <a:rPr lang="da-DK" dirty="0"/>
-              <a:t>Remote Procedure </a:t>
-            </a:r>
-            <a:r>
-              <a:rPr lang="da-DK" dirty="0" err="1"/>
-              <a:t>Cal</a:t>
-            </a:r>
-            <a:endParaRPr lang="da-DK" dirty="0"/>
-          </a:p>
-          <a:p>
-            <a:r>
-              <a:rPr lang="da-DK" dirty="0"/>
               <a:t>Nævn at </a:t>
             </a:r>
             <a:r>
               <a:rPr lang="da-DK" dirty="0" err="1"/>
-              <a:t>kafka</a:t>
-            </a:r>
-            <a:r>
-              <a:rPr lang="da-DK" dirty="0"/>
-              <a:t> ikke understøtter </a:t>
-            </a:r>
-            <a:r>
-              <a:rPr lang="da-DK" dirty="0" err="1"/>
-              <a:t>request-response</a:t>
-            </a:r>
-            <a:endParaRPr lang="da-DK" dirty="0"/>
-          </a:p>
-          <a:p>
-            <a:r>
-              <a:rPr lang="da-DK" dirty="0"/>
-              <a:t>Nævn at </a:t>
-            </a:r>
-            <a:r>
-              <a:rPr lang="da-DK" dirty="0" err="1"/>
               <a:t>Rabbit</a:t>
             </a:r>
             <a:r>
@@ -2508,21 +2391,7 @@
             </a:r>
             <a:r>
               <a:rPr lang="da-DK" dirty="0"/>
-              <a:t>. </a:t>
-            </a:r>
-          </a:p>
-          <a:p>
-            <a:r>
-              <a:rPr lang="da-DK" dirty="0"/>
-              <a:t>https://kafka.apache.org/documentation/#intro_nutshell nævner Kafka som en alternativ til </a:t>
-            </a:r>
-            <a:r>
-              <a:rPr lang="da-DK" dirty="0" err="1"/>
-              <a:t>RabbitMQ</a:t>
-            </a:r>
-            <a:r>
-              <a:rPr lang="da-DK" dirty="0"/>
-              <a:t> </a:t>
+              <a:t>.</a:t>
             </a:r>
           </a:p>
         </p:txBody>
@@ -2544,7 +2413,7 @@
           <a:p>
             <a:fld id="{252E21F2-0B82-4ACE-A045-2AAC56859006}" type="slidenum">
               <a:rPr lang="da-DK" smtClean="0"/>
-              <a:t>33</a:t>
+              <a:t>32</a:t>
             </a:fld>
             <a:endParaRPr lang="da-DK"/>
           </a:p>
@@ -2553,7 +2422,7 @@
     </p:spTree>
     <p:extLst>
       <p:ext uri="{BB962C8B-B14F-4D97-AF65-F5344CB8AC3E}">
-        <p14:creationId xmlns:p14="http://schemas.microsoft.com/office/powerpoint/2010/main" val="1108710331"/>
+        <p14:creationId xmlns:p14="http://schemas.microsoft.com/office/powerpoint/2010/main" val="706796139"/>
       </p:ext>
     </p:extLst>
   </p:cSld>
@@ -2609,7 +2478,75 @@
           <a:p>
             <a:r>
               <a:rPr lang="da-DK" dirty="0"/>
-              <a:t>Nævn at for </a:t>
+              <a:t>Nævn at </a:t>
+            </a:r>
+            <a:r>
+              <a:rPr lang="da-DK" dirty="0" err="1"/>
+              <a:t>Rabbit</a:t>
+            </a:r>
+            <a:r>
+              <a:rPr lang="da-DK" dirty="0"/>
+              <a:t> Stream tillader en </a:t>
+            </a:r>
+            <a:r>
+              <a:rPr lang="da-DK" dirty="0" err="1"/>
+              <a:t>ligende</a:t>
+            </a:r>
+            <a:r>
+              <a:rPr lang="da-DK" dirty="0"/>
+              <a:t> opførelse som Kafka</a:t>
+            </a:r>
+          </a:p>
+          <a:p>
+            <a:r>
+              <a:rPr lang="da-DK" dirty="0"/>
+              <a:t>Korrekt opsætning af producer, </a:t>
+            </a:r>
+            <a:r>
+              <a:rPr lang="da-DK" dirty="0" err="1"/>
+              <a:t>consumer</a:t>
+            </a:r>
+            <a:r>
+              <a:rPr lang="da-DK" dirty="0"/>
+              <a:t> og partitioner tillader </a:t>
+            </a:r>
+            <a:r>
+              <a:rPr lang="da-DK" dirty="0" err="1"/>
+              <a:t>round-robin</a:t>
+            </a:r>
+            <a:r>
+              <a:rPr lang="da-DK" dirty="0"/>
+              <a:t> i Kafka. Flere </a:t>
+            </a:r>
+            <a:r>
+              <a:rPr lang="da-DK" dirty="0" err="1"/>
+              <a:t>consumer</a:t>
+            </a:r>
+            <a:r>
+              <a:rPr lang="da-DK" dirty="0"/>
+              <a:t> end partitioner, nogle </a:t>
+            </a:r>
+            <a:r>
+              <a:rPr lang="da-DK" dirty="0" err="1"/>
+              <a:t>consumer</a:t>
+            </a:r>
+            <a:r>
+              <a:rPr lang="da-DK" dirty="0"/>
+              <a:t> får intet data</a:t>
+            </a:r>
+          </a:p>
+          <a:p>
+            <a:r>
+              <a:rPr lang="da-DK" dirty="0"/>
+              <a:t>Kafka </a:t>
+            </a:r>
+            <a:r>
+              <a:rPr lang="da-DK" dirty="0" err="1"/>
+              <a:t>consumer</a:t>
+            </a:r>
+            <a:r>
+              <a:rPr lang="da-DK" dirty="0"/>
+              <a:t> kan læse enten læse events efter opstart eller også dem før. </a:t>
             </a:r>
             <a:r>
               <a:rPr lang="da-DK" dirty="0" err="1"/>
@@ -2617,7 +2554,7 @@
             </a:r>
             <a:r>
               <a:rPr lang="da-DK" dirty="0"/>
-              <a:t> er der intet der tvinger en </a:t>
+              <a:t> </a:t>
             </a:r>
             <a:r>
               <a:rPr lang="da-DK" dirty="0" err="1"/>
@@ -2625,24 +2562,15 @@
             </a:r>
             <a:r>
               <a:rPr lang="da-DK" dirty="0"/>
-              <a:t> at svare på en RPC</a:t>
-            </a:r>
-          </a:p>
-          <a:p>
-            <a:r>
-              <a:rPr lang="da-DK" dirty="0"/>
-              <a:t>Kafka er nok bedre for Event Collaboration/</a:t>
-            </a:r>
-            <a:r>
-              <a:rPr lang="da-DK" dirty="0" err="1"/>
-              <a:t>Sourcing</a:t>
-            </a:r>
-            <a:endParaRPr lang="da-DK" dirty="0"/>
-          </a:p>
-          <a:p>
-            <a:r>
-              <a:rPr lang="da-DK" dirty="0"/>
-              <a:t>https://martinfowler.com/eaaDev/EventCollaboration.html</a:t>
+              <a:t> læser beskeder i </a:t>
+            </a:r>
+            <a:r>
+              <a:rPr lang="da-DK" dirty="0" err="1"/>
+              <a:t>quenen</a:t>
+            </a:r>
+            <a:r>
+              <a:rPr lang="da-DK" dirty="0"/>
+              <a:t>.</a:t>
             </a:r>
           </a:p>
         </p:txBody>
@@ -2664,7 +2592,7 @@
           <a:p>
             <a:fld id="{252E21F2-0B82-4ACE-A045-2AAC56859006}" type="slidenum">
               <a:rPr lang="da-DK" smtClean="0"/>
-              <a:t>34</a:t>
+              <a:t>33</a:t>
             </a:fld>
             <a:endParaRPr lang="da-DK"/>
           </a:p>
@@ -2673,7 +2601,7 @@
     </p:spTree>
     <p:extLst>
       <p:ext uri="{BB962C8B-B14F-4D97-AF65-F5344CB8AC3E}">
-        <p14:creationId xmlns:p14="http://schemas.microsoft.com/office/powerpoint/2010/main" val="282527506"/>
+        <p14:creationId xmlns:p14="http://schemas.microsoft.com/office/powerpoint/2010/main" val="193030540"/>
       </p:ext>
     </p:extLst>
   </p:cSld>
@@ -2729,27 +2657,29 @@
           <a:p>
             <a:r>
               <a:rPr lang="da-DK" dirty="0"/>
-              <a:t>Begge kræver at de kender hinanden.</a:t>
-            </a:r>
-          </a:p>
-          <a:p>
-            <a:r>
-              <a:rPr lang="da-DK" dirty="0"/>
-              <a:t>A kunne sende en url’en til en REST API med over</a:t>
-            </a:r>
-          </a:p>
-          <a:p>
-            <a:r>
-              <a:rPr lang="da-DK" dirty="0"/>
-              <a:t>Kafka er nok bedre hvis </a:t>
-            </a:r>
-            <a:r>
-              <a:rPr lang="da-DK" dirty="0" err="1"/>
-              <a:t>producer’en</a:t>
-            </a:r>
-            <a:r>
-              <a:rPr lang="da-DK" dirty="0"/>
-              <a:t> ikke skal reagere på </a:t>
+              <a:t>Nævn at </a:t>
+            </a:r>
+            <a:r>
+              <a:rPr lang="da-DK" dirty="0" err="1"/>
+              <a:t>Rabbit</a:t>
+            </a:r>
+            <a:r>
+              <a:rPr lang="da-DK" dirty="0"/>
+              <a:t> Stream tillader en </a:t>
+            </a:r>
+            <a:r>
+              <a:rPr lang="da-DK" dirty="0" err="1"/>
+              <a:t>ligende</a:t>
+            </a:r>
+            <a:r>
+              <a:rPr lang="da-DK" dirty="0"/>
+              <a:t> opførelse som Kafka</a:t>
+            </a:r>
+          </a:p>
+          <a:p>
+            <a:r>
+              <a:rPr lang="da-DK" dirty="0"/>
+              <a:t>Korrekt opsætning af producer, </a:t>
             </a:r>
             <a:r>
               <a:rPr lang="da-DK" dirty="0" err="1"/>
@@ -2757,29 +2687,229 @@
             </a:r>
             <a:r>
               <a:rPr lang="da-DK" dirty="0"/>
+              <a:t> og partitioner tillader </a:t>
+            </a:r>
+            <a:r>
+              <a:rPr lang="da-DK" dirty="0" err="1"/>
+              <a:t>round-robin</a:t>
+            </a:r>
+            <a:r>
+              <a:rPr lang="da-DK" dirty="0"/>
+              <a:t> i Kafka. Flere </a:t>
+            </a:r>
+            <a:r>
+              <a:rPr lang="da-DK" dirty="0" err="1"/>
+              <a:t>consumer</a:t>
+            </a:r>
+            <a:r>
+              <a:rPr lang="da-DK" dirty="0"/>
+              <a:t> end partitioner, nogle </a:t>
+            </a:r>
+            <a:r>
+              <a:rPr lang="da-DK" dirty="0" err="1"/>
+              <a:t>consumer</a:t>
+            </a:r>
+            <a:r>
+              <a:rPr lang="da-DK" dirty="0"/>
+              <a:t> får intet data</a:t>
+            </a:r>
+          </a:p>
+          <a:p>
+            <a:r>
+              <a:rPr lang="da-DK" dirty="0"/>
+              <a:t>Kafka </a:t>
+            </a:r>
+            <a:r>
+              <a:rPr lang="da-DK" dirty="0" err="1"/>
+              <a:t>consumer</a:t>
+            </a:r>
+            <a:r>
+              <a:rPr lang="da-DK" dirty="0"/>
+              <a:t> kan læse enten læse events efter opstart eller også dem før. </a:t>
+            </a:r>
+            <a:r>
+              <a:rPr lang="da-DK" dirty="0" err="1"/>
+              <a:t>RabbitMQ</a:t>
+            </a:r>
+            <a:r>
+              <a:rPr lang="da-DK" dirty="0"/>
               <a:t> </a:t>
             </a:r>
-          </a:p>
-          <a:p>
-            <a:r>
-              <a:rPr lang="da-DK" dirty="0"/>
-              <a:t>Sidste kræver at kun en enkel </a:t>
-            </a:r>
             <a:r>
               <a:rPr lang="da-DK" dirty="0" err="1"/>
               <a:t>consumer</a:t>
             </a:r>
             <a:r>
               <a:rPr lang="da-DK" dirty="0"/>
-              <a:t> </a:t>
-            </a:r>
-            <a:r>
-              <a:rPr lang="da-DK" dirty="0" err="1"/>
-              <a:t>group</a:t>
-            </a:r>
-            <a:r>
-              <a:rPr lang="da-DK" dirty="0"/>
-              <a:t> sender data tilbage</a:t>
+              <a:t> læser beskeder i </a:t>
+            </a:r>
+            <a:r>
+              <a:rPr lang="da-DK" dirty="0" err="1"/>
+              <a:t>quenen</a:t>
+            </a:r>
+            <a:r>
+              <a:rPr lang="da-DK" dirty="0"/>
+              <a:t>.</a:t>
+            </a:r>
+          </a:p>
+        </p:txBody>
+      </p:sp>
+      <p:sp>
+        <p:nvSpPr>
+          <p:cNvPr id="4" name="Pladsholder til slidenummer 3"/>
+          <p:cNvSpPr>
+            <a:spLocks noGrp="1"/>
+          </p:cNvSpPr>
+          <p:nvPr>
+            <p:ph type="sldNum" sz="quarter" idx="5"/>
+          </p:nvPr>
+        </p:nvSpPr>
+        <p:spPr/>
+        <p:txBody>
+          <a:bodyPr/>
+          <a:lstStyle/>
+          <a:p>
+            <a:fld id="{252E21F2-0B82-4ACE-A045-2AAC56859006}" type="slidenum">
+              <a:rPr lang="da-DK" smtClean="0"/>
+              <a:t>34</a:t>
+            </a:fld>
+            <a:endParaRPr lang="da-DK"/>
+          </a:p>
+        </p:txBody>
+      </p:sp>
+    </p:spTree>
+    <p:extLst>
+      <p:ext uri="{BB962C8B-B14F-4D97-AF65-F5344CB8AC3E}">
+        <p14:creationId xmlns:p14="http://schemas.microsoft.com/office/powerpoint/2010/main" val="3854854098"/>
+      </p:ext>
+    </p:extLst>
+  </p:cSld>
+  <p:clrMapOvr>
+    <a:masterClrMapping/>
+  </p:clrMapOvr>
+</p:notes>
+</file>
+
+<file path=ppt/notesSlides/notesSlide27.xml><?xml version="1.0" encoding="utf-8"?>
+<p:notes xmlns:a="http://schemas.openxmlformats.org/drawingml/2006/main" xmlns:r="http://schemas.openxmlformats.org/officeDocument/2006/relationships" xmlns:p="http://schemas.openxmlformats.org/presentationml/2006/main">
+  <p:cSld>
+    <p:spTree>
+      <p:nvGrpSpPr>
+        <p:cNvPr id="1" name=""/>
+        <p:cNvGrpSpPr/>
+        <p:nvPr/>
+      </p:nvGrpSpPr>
+      <p:grpSpPr>
+        <a:xfrm>
+          <a:off x="0" y="0"/>
+          <a:ext cx="0" cy="0"/>
+          <a:chOff x="0" y="0"/>
+          <a:chExt cx="0" cy="0"/>
+        </a:xfrm>
+      </p:grpSpPr>
+      <p:sp>
+        <p:nvSpPr>
+          <p:cNvPr id="2" name="Pladsholder til slidebillede 1"/>
+          <p:cNvSpPr>
+            <a:spLocks noGrp="1" noRot="1" noChangeAspect="1"/>
+          </p:cNvSpPr>
+          <p:nvPr>
+            <p:ph type="sldImg"/>
+          </p:nvPr>
+        </p:nvSpPr>
+        <p:spPr/>
+      </p:sp>
+      <p:sp>
+        <p:nvSpPr>
+          <p:cNvPr id="3" name="Pladsholder til noter 2"/>
+          <p:cNvSpPr>
+            <a:spLocks noGrp="1"/>
+          </p:cNvSpPr>
+          <p:nvPr>
+            <p:ph type="body" idx="1"/>
+          </p:nvPr>
+        </p:nvSpPr>
+        <p:spPr/>
+        <p:txBody>
+          <a:bodyPr/>
+          <a:lstStyle/>
+          <a:p>
+            <a:r>
+              <a:rPr lang="da-DK" dirty="0" err="1"/>
+              <a:t>Confluent</a:t>
+            </a:r>
+            <a:r>
+              <a:rPr lang="da-DK" dirty="0"/>
+              <a:t> Kafka</a:t>
+            </a:r>
+          </a:p>
+          <a:p>
+            <a:r>
+              <a:rPr lang="da-DK" dirty="0"/>
+              <a:t>Kunne havde brugt </a:t>
+            </a:r>
+            <a:r>
+              <a:rPr lang="da-DK" dirty="0" err="1"/>
+              <a:t>Knet</a:t>
+            </a:r>
+            <a:endParaRPr lang="da-DK" dirty="0"/>
+          </a:p>
+          <a:p>
+            <a:r>
+              <a:rPr lang="da-DK" dirty="0"/>
+              <a:t>JSON, </a:t>
+            </a:r>
+            <a:r>
+              <a:rPr lang="da-DK" dirty="0" err="1"/>
+              <a:t>Arvo</a:t>
+            </a:r>
+            <a:r>
+              <a:rPr lang="da-DK" dirty="0"/>
+              <a:t>, </a:t>
+            </a:r>
+            <a:r>
+              <a:rPr lang="da-DK" dirty="0" err="1"/>
+              <a:t>Protobuf</a:t>
+            </a:r>
+            <a:r>
+              <a:rPr lang="da-DK" dirty="0"/>
+              <a:t>. </a:t>
+            </a:r>
+            <a:r>
+              <a:rPr lang="da-DK" dirty="0" err="1"/>
+              <a:t>Arvo</a:t>
+            </a:r>
+            <a:r>
+              <a:rPr lang="da-DK" dirty="0"/>
+              <a:t> brugt, da den virker til at være det mest </a:t>
+            </a:r>
+            <a:r>
+              <a:rPr lang="da-DK" dirty="0" err="1"/>
+              <a:t>almendlige</a:t>
+            </a:r>
+            <a:r>
+              <a:rPr lang="da-DK" dirty="0"/>
+              <a:t>. </a:t>
+            </a:r>
+            <a:r>
+              <a:rPr lang="da-DK" dirty="0" err="1"/>
+              <a:t>Arvo</a:t>
+            </a:r>
+            <a:r>
+              <a:rPr lang="da-DK" dirty="0"/>
+              <a:t> er Apache</a:t>
+            </a:r>
+          </a:p>
+          <a:p>
+            <a:r>
+              <a:rPr lang="da-DK" dirty="0"/>
+              <a:t>Key/Value, Key bruges til at sikre sig at beskeder sendes til den samme partition</a:t>
+            </a:r>
+          </a:p>
+          <a:p>
+            <a:r>
+              <a:rPr lang="da-DK" dirty="0"/>
+              <a:t>https://github.com/confluentinc/cp-all-in-one/blob/7.6.1-post/cp-all-in-one-kraft/docker-compose.yml</a:t>
             </a:r>
           </a:p>
         </p:txBody>
@@ -2810,7 +2940,255 @@
     </p:spTree>
     <p:extLst>
       <p:ext uri="{BB962C8B-B14F-4D97-AF65-F5344CB8AC3E}">
-        <p14:creationId xmlns:p14="http://schemas.microsoft.com/office/powerpoint/2010/main" val="1430961321"/>
+        <p14:creationId xmlns:p14="http://schemas.microsoft.com/office/powerpoint/2010/main" val="3004894068"/>
+      </p:ext>
+    </p:extLst>
+  </p:cSld>
+  <p:clrMapOvr>
+    <a:masterClrMapping/>
+  </p:clrMapOvr>
+</p:notes>
+</file>
+
+<file path=ppt/notesSlides/notesSlide28.xml><?xml version="1.0" encoding="utf-8"?>
+<p:notes xmlns:a="http://schemas.openxmlformats.org/drawingml/2006/main" xmlns:r="http://schemas.openxmlformats.org/officeDocument/2006/relationships" xmlns:p="http://schemas.openxmlformats.org/presentationml/2006/main">
+  <p:cSld>
+    <p:spTree>
+      <p:nvGrpSpPr>
+        <p:cNvPr id="1" name=""/>
+        <p:cNvGrpSpPr/>
+        <p:nvPr/>
+      </p:nvGrpSpPr>
+      <p:grpSpPr>
+        <a:xfrm>
+          <a:off x="0" y="0"/>
+          <a:ext cx="0" cy="0"/>
+          <a:chOff x="0" y="0"/>
+          <a:chExt cx="0" cy="0"/>
+        </a:xfrm>
+      </p:grpSpPr>
+      <p:sp>
+        <p:nvSpPr>
+          <p:cNvPr id="2" name="Pladsholder til slidebillede 1"/>
+          <p:cNvSpPr>
+            <a:spLocks noGrp="1" noRot="1" noChangeAspect="1"/>
+          </p:cNvSpPr>
+          <p:nvPr>
+            <p:ph type="sldImg"/>
+          </p:nvPr>
+        </p:nvSpPr>
+        <p:spPr/>
+      </p:sp>
+      <p:sp>
+        <p:nvSpPr>
+          <p:cNvPr id="3" name="Pladsholder til noter 2"/>
+          <p:cNvSpPr>
+            <a:spLocks noGrp="1"/>
+          </p:cNvSpPr>
+          <p:nvPr>
+            <p:ph type="body" idx="1"/>
+          </p:nvPr>
+        </p:nvSpPr>
+        <p:spPr/>
+        <p:txBody>
+          <a:bodyPr/>
+          <a:lstStyle/>
+          <a:p>
+            <a:r>
+              <a:rPr lang="da-DK" dirty="0"/>
+              <a:t>Remote Procedure </a:t>
+            </a:r>
+            <a:r>
+              <a:rPr lang="da-DK" dirty="0" err="1"/>
+              <a:t>Cal</a:t>
+            </a:r>
+            <a:endParaRPr lang="da-DK" dirty="0"/>
+          </a:p>
+          <a:p>
+            <a:r>
+              <a:rPr lang="da-DK" dirty="0"/>
+              <a:t>Nævn at </a:t>
+            </a:r>
+            <a:r>
+              <a:rPr lang="da-DK" dirty="0" err="1"/>
+              <a:t>kafka</a:t>
+            </a:r>
+            <a:r>
+              <a:rPr lang="da-DK" dirty="0"/>
+              <a:t> ikke understøtter </a:t>
+            </a:r>
+            <a:r>
+              <a:rPr lang="da-DK" dirty="0" err="1"/>
+              <a:t>request-response</a:t>
+            </a:r>
+            <a:r>
+              <a:rPr lang="da-DK" dirty="0"/>
+              <a:t> </a:t>
+            </a:r>
+          </a:p>
+          <a:p>
+            <a:r>
+              <a:rPr lang="da-DK" dirty="0"/>
+              <a:t>https://kafka.apache.org/documentation/#intro_nutshell nævner Kafka som en alternativ til </a:t>
+            </a:r>
+            <a:r>
+              <a:rPr lang="da-DK" dirty="0" err="1"/>
+              <a:t>RabbitMQ</a:t>
+            </a:r>
+            <a:r>
+              <a:rPr lang="da-DK" dirty="0"/>
+              <a:t> </a:t>
+            </a:r>
+          </a:p>
+        </p:txBody>
+      </p:sp>
+      <p:sp>
+        <p:nvSpPr>
+          <p:cNvPr id="4" name="Pladsholder til slidenummer 3"/>
+          <p:cNvSpPr>
+            <a:spLocks noGrp="1"/>
+          </p:cNvSpPr>
+          <p:nvPr>
+            <p:ph type="sldNum" sz="quarter" idx="5"/>
+          </p:nvPr>
+        </p:nvSpPr>
+        <p:spPr/>
+        <p:txBody>
+          <a:bodyPr/>
+          <a:lstStyle/>
+          <a:p>
+            <a:fld id="{252E21F2-0B82-4ACE-A045-2AAC56859006}" type="slidenum">
+              <a:rPr lang="da-DK" smtClean="0"/>
+              <a:t>36</a:t>
+            </a:fld>
+            <a:endParaRPr lang="da-DK"/>
+          </a:p>
+        </p:txBody>
+      </p:sp>
+    </p:spTree>
+    <p:extLst>
+      <p:ext uri="{BB962C8B-B14F-4D97-AF65-F5344CB8AC3E}">
+        <p14:creationId xmlns:p14="http://schemas.microsoft.com/office/powerpoint/2010/main" val="1108710331"/>
+      </p:ext>
+    </p:extLst>
+  </p:cSld>
+  <p:clrMapOvr>
+    <a:masterClrMapping/>
+  </p:clrMapOvr>
+</p:notes>
+</file>
+
+<file path=ppt/notesSlides/notesSlide29.xml><?xml version="1.0" encoding="utf-8"?>
+<p:notes xmlns:a="http://schemas.openxmlformats.org/drawingml/2006/main" xmlns:r="http://schemas.openxmlformats.org/officeDocument/2006/relationships" xmlns:p="http://schemas.openxmlformats.org/presentationml/2006/main">
+  <p:cSld>
+    <p:spTree>
+      <p:nvGrpSpPr>
+        <p:cNvPr id="1" name=""/>
+        <p:cNvGrpSpPr/>
+        <p:nvPr/>
+      </p:nvGrpSpPr>
+      <p:grpSpPr>
+        <a:xfrm>
+          <a:off x="0" y="0"/>
+          <a:ext cx="0" cy="0"/>
+          <a:chOff x="0" y="0"/>
+          <a:chExt cx="0" cy="0"/>
+        </a:xfrm>
+      </p:grpSpPr>
+      <p:sp>
+        <p:nvSpPr>
+          <p:cNvPr id="2" name="Pladsholder til slidebillede 1"/>
+          <p:cNvSpPr>
+            <a:spLocks noGrp="1" noRot="1" noChangeAspect="1"/>
+          </p:cNvSpPr>
+          <p:nvPr>
+            <p:ph type="sldImg"/>
+          </p:nvPr>
+        </p:nvSpPr>
+        <p:spPr/>
+      </p:sp>
+      <p:sp>
+        <p:nvSpPr>
+          <p:cNvPr id="3" name="Pladsholder til noter 2"/>
+          <p:cNvSpPr>
+            <a:spLocks noGrp="1"/>
+          </p:cNvSpPr>
+          <p:nvPr>
+            <p:ph type="body" idx="1"/>
+          </p:nvPr>
+        </p:nvSpPr>
+        <p:spPr/>
+        <p:txBody>
+          <a:bodyPr/>
+          <a:lstStyle/>
+          <a:p>
+            <a:r>
+              <a:rPr lang="da-DK" dirty="0"/>
+              <a:t>Nævn at for </a:t>
+            </a:r>
+            <a:r>
+              <a:rPr lang="da-DK" dirty="0" err="1"/>
+              <a:t>RabbitMQ</a:t>
+            </a:r>
+            <a:r>
+              <a:rPr lang="da-DK" dirty="0"/>
+              <a:t> er der intet der tvinger en </a:t>
+            </a:r>
+            <a:r>
+              <a:rPr lang="da-DK" dirty="0" err="1"/>
+              <a:t>consumer</a:t>
+            </a:r>
+            <a:r>
+              <a:rPr lang="da-DK" dirty="0"/>
+              <a:t> at svare på en RPC</a:t>
+            </a:r>
+          </a:p>
+          <a:p>
+            <a:r>
+              <a:rPr lang="da-DK" dirty="0"/>
+              <a:t>Kafka er nok bedre for Event Collaboration/</a:t>
+            </a:r>
+            <a:r>
+              <a:rPr lang="da-DK" dirty="0" err="1"/>
+              <a:t>Sourcing</a:t>
+            </a:r>
+            <a:endParaRPr lang="da-DK" dirty="0"/>
+          </a:p>
+          <a:p>
+            <a:r>
+              <a:rPr lang="da-DK" dirty="0"/>
+              <a:t>https://martinfowler.com/eaaDev/EventCollaboration.html</a:t>
+            </a:r>
+          </a:p>
+        </p:txBody>
+      </p:sp>
+      <p:sp>
+        <p:nvSpPr>
+          <p:cNvPr id="4" name="Pladsholder til slidenummer 3"/>
+          <p:cNvSpPr>
+            <a:spLocks noGrp="1"/>
+          </p:cNvSpPr>
+          <p:nvPr>
+            <p:ph type="sldNum" sz="quarter" idx="5"/>
+          </p:nvPr>
+        </p:nvSpPr>
+        <p:spPr/>
+        <p:txBody>
+          <a:bodyPr/>
+          <a:lstStyle/>
+          <a:p>
+            <a:fld id="{252E21F2-0B82-4ACE-A045-2AAC56859006}" type="slidenum">
+              <a:rPr lang="da-DK" smtClean="0"/>
+              <a:t>37</a:t>
+            </a:fld>
+            <a:endParaRPr lang="da-DK"/>
+          </a:p>
+        </p:txBody>
+      </p:sp>
+    </p:spTree>
+    <p:extLst>
+      <p:ext uri="{BB962C8B-B14F-4D97-AF65-F5344CB8AC3E}">
+        <p14:creationId xmlns:p14="http://schemas.microsoft.com/office/powerpoint/2010/main" val="282527506"/>
       </p:ext>
     </p:extLst>
   </p:cSld>
@@ -2866,131 +3244,22 @@
           <a:p>
             <a:r>
               <a:rPr lang="da-DK" dirty="0"/>
-              <a:t>Nedarvning ude -&gt; ind</a:t>
-            </a:r>
-          </a:p>
-          <a:p>
-            <a:r>
-              <a:rPr lang="da-DK" dirty="0" err="1"/>
-              <a:t>Infrastucture</a:t>
-            </a:r>
-            <a:r>
-              <a:rPr lang="da-DK" dirty="0"/>
-              <a:t> -&gt; </a:t>
-            </a:r>
-            <a:r>
-              <a:rPr lang="da-DK" dirty="0" err="1"/>
-              <a:t>entityframework</a:t>
-            </a:r>
-            <a:endParaRPr lang="da-DK" dirty="0"/>
-          </a:p>
-          <a:p>
-            <a:endParaRPr lang="da-DK" dirty="0"/>
-          </a:p>
-          <a:p>
-            <a:r>
-              <a:rPr lang="da-DK" dirty="0" err="1"/>
-              <a:t>Onion</a:t>
-            </a:r>
-            <a:r>
-              <a:rPr lang="da-DK" dirty="0"/>
-              <a:t> Arkitektur</a:t>
-            </a:r>
-          </a:p>
-          <a:p>
-            <a:r>
-              <a:rPr lang="da-DK" dirty="0"/>
-              <a:t>Diagram</a:t>
-            </a:r>
-          </a:p>
-          <a:p>
-            <a:r>
-              <a:rPr lang="da-DK" dirty="0"/>
-              <a:t>Domain </a:t>
-            </a:r>
-            <a:r>
-              <a:rPr lang="da-DK" dirty="0" err="1"/>
-              <a:t>Serice</a:t>
-            </a:r>
-            <a:r>
-              <a:rPr lang="da-DK" dirty="0"/>
-              <a:t> </a:t>
-            </a:r>
-            <a:r>
-              <a:rPr lang="da-DK" dirty="0" err="1"/>
-              <a:t>Layer</a:t>
-            </a:r>
-            <a:r>
-              <a:rPr lang="da-DK" dirty="0"/>
-              <a:t> had domæne logik, </a:t>
-            </a:r>
-            <a:r>
-              <a:rPr lang="da-DK" dirty="0" err="1"/>
-              <a:t>application</a:t>
-            </a:r>
-            <a:r>
-              <a:rPr lang="da-DK" dirty="0"/>
-              <a:t> service </a:t>
-            </a:r>
-            <a:r>
-              <a:rPr lang="da-DK" dirty="0" err="1"/>
-              <a:t>layer</a:t>
-            </a:r>
-            <a:r>
-              <a:rPr lang="da-DK" dirty="0"/>
-              <a:t> har ikke</a:t>
-            </a:r>
-          </a:p>
-          <a:p>
-            <a:endParaRPr lang="da-DK" dirty="0"/>
-          </a:p>
-          <a:p>
-            <a:r>
-              <a:rPr lang="da-DK" dirty="0"/>
-              <a:t>Domain og Application Service </a:t>
-            </a:r>
-            <a:r>
-              <a:rPr lang="da-DK" dirty="0" err="1"/>
-              <a:t>Layer</a:t>
-            </a:r>
-            <a:endParaRPr lang="da-DK" dirty="0"/>
-          </a:p>
-          <a:p>
-            <a:r>
-              <a:rPr lang="da-DK" dirty="0" err="1"/>
-              <a:t>Infrastructure</a:t>
-            </a:r>
-            <a:r>
-              <a:rPr lang="da-DK" dirty="0"/>
-              <a:t> </a:t>
-            </a:r>
-            <a:r>
-              <a:rPr lang="da-DK" dirty="0" err="1"/>
-              <a:t>Persistance</a:t>
-            </a:r>
-            <a:r>
-              <a:rPr lang="da-DK" dirty="0"/>
-              <a:t> </a:t>
-            </a:r>
-            <a:r>
-              <a:rPr lang="da-DK" dirty="0" err="1"/>
-              <a:t>Layer</a:t>
-            </a:r>
-            <a:endParaRPr lang="da-DK" dirty="0"/>
-          </a:p>
-          <a:p>
-            <a:r>
-              <a:rPr lang="da-DK" dirty="0"/>
-              <a:t>Domain </a:t>
-            </a:r>
-            <a:r>
-              <a:rPr lang="da-DK" dirty="0" err="1"/>
-              <a:t>Layer</a:t>
-            </a:r>
-            <a:endParaRPr lang="da-DK" dirty="0"/>
-          </a:p>
-          <a:p>
-            <a:endParaRPr lang="da-DK" dirty="0"/>
+              <a:t>https://martinfowler.com/microservices/</a:t>
+            </a:r>
+          </a:p>
+          <a:p>
+            <a:r>
+              <a:rPr lang="da-DK" dirty="0"/>
+              <a:t>Hver boks er sin egen </a:t>
+            </a:r>
+            <a:r>
+              <a:rPr lang="da-DK" dirty="0" err="1"/>
+              <a:t>microservice</a:t>
+            </a:r>
+            <a:r>
+              <a:rPr lang="da-DK" dirty="0"/>
+              <a:t> i princippet</a:t>
+            </a:r>
           </a:p>
         </p:txBody>
       </p:sp>
@@ -3011,7 +3280,7 @@
           <a:p>
             <a:fld id="{252E21F2-0B82-4ACE-A045-2AAC56859006}" type="slidenum">
               <a:rPr lang="da-DK" smtClean="0"/>
-              <a:t>7</a:t>
+              <a:t>6</a:t>
             </a:fld>
             <a:endParaRPr lang="da-DK"/>
           </a:p>
@@ -3020,7 +3289,150 @@
     </p:spTree>
     <p:extLst>
       <p:ext uri="{BB962C8B-B14F-4D97-AF65-F5344CB8AC3E}">
-        <p14:creationId xmlns:p14="http://schemas.microsoft.com/office/powerpoint/2010/main" val="1916579596"/>
+        <p14:creationId xmlns:p14="http://schemas.microsoft.com/office/powerpoint/2010/main" val="669242770"/>
+      </p:ext>
+    </p:extLst>
+  </p:cSld>
+  <p:clrMapOvr>
+    <a:masterClrMapping/>
+  </p:clrMapOvr>
+</p:notes>
+</file>
+
+<file path=ppt/notesSlides/notesSlide30.xml><?xml version="1.0" encoding="utf-8"?>
+<p:notes xmlns:a="http://schemas.openxmlformats.org/drawingml/2006/main" xmlns:r="http://schemas.openxmlformats.org/officeDocument/2006/relationships" xmlns:p="http://schemas.openxmlformats.org/presentationml/2006/main">
+  <p:cSld>
+    <p:spTree>
+      <p:nvGrpSpPr>
+        <p:cNvPr id="1" name=""/>
+        <p:cNvGrpSpPr/>
+        <p:nvPr/>
+      </p:nvGrpSpPr>
+      <p:grpSpPr>
+        <a:xfrm>
+          <a:off x="0" y="0"/>
+          <a:ext cx="0" cy="0"/>
+          <a:chOff x="0" y="0"/>
+          <a:chExt cx="0" cy="0"/>
+        </a:xfrm>
+      </p:grpSpPr>
+      <p:sp>
+        <p:nvSpPr>
+          <p:cNvPr id="2" name="Pladsholder til slidebillede 1"/>
+          <p:cNvSpPr>
+            <a:spLocks noGrp="1" noRot="1" noChangeAspect="1"/>
+          </p:cNvSpPr>
+          <p:nvPr>
+            <p:ph type="sldImg"/>
+          </p:nvPr>
+        </p:nvSpPr>
+        <p:spPr/>
+      </p:sp>
+      <p:sp>
+        <p:nvSpPr>
+          <p:cNvPr id="3" name="Pladsholder til noter 2"/>
+          <p:cNvSpPr>
+            <a:spLocks noGrp="1"/>
+          </p:cNvSpPr>
+          <p:nvPr>
+            <p:ph type="body" idx="1"/>
+          </p:nvPr>
+        </p:nvSpPr>
+        <p:spPr/>
+        <p:txBody>
+          <a:bodyPr/>
+          <a:lstStyle/>
+          <a:p>
+            <a:r>
+              <a:rPr lang="da-DK" dirty="0"/>
+              <a:t>Begge kræver at de kender hinanden.</a:t>
+            </a:r>
+          </a:p>
+          <a:p>
+            <a:r>
+              <a:rPr lang="da-DK" dirty="0"/>
+              <a:t>A kunne sende en url’en til en REST API med over</a:t>
+            </a:r>
+          </a:p>
+          <a:p>
+            <a:r>
+              <a:rPr lang="da-DK" dirty="0"/>
+              <a:t>Kafka er nok bedre hvis </a:t>
+            </a:r>
+            <a:r>
+              <a:rPr lang="da-DK" dirty="0" err="1"/>
+              <a:t>producer’en</a:t>
+            </a:r>
+            <a:r>
+              <a:rPr lang="da-DK" dirty="0"/>
+              <a:t> ikke skal reagere på </a:t>
+            </a:r>
+            <a:r>
+              <a:rPr lang="da-DK" dirty="0" err="1"/>
+              <a:t>consumer</a:t>
+            </a:r>
+            <a:r>
+              <a:rPr lang="da-DK" dirty="0"/>
+              <a:t> </a:t>
+            </a:r>
+          </a:p>
+          <a:p>
+            <a:r>
+              <a:rPr lang="da-DK" dirty="0"/>
+              <a:t>Sidste kræver at kun en enkel </a:t>
+            </a:r>
+            <a:r>
+              <a:rPr lang="da-DK" dirty="0" err="1"/>
+              <a:t>consumer</a:t>
+            </a:r>
+            <a:r>
+              <a:rPr lang="da-DK" dirty="0"/>
+              <a:t> </a:t>
+            </a:r>
+            <a:r>
+              <a:rPr lang="da-DK" dirty="0" err="1"/>
+              <a:t>group</a:t>
+            </a:r>
+            <a:r>
+              <a:rPr lang="da-DK" dirty="0"/>
+              <a:t> sender data tilbage</a:t>
+            </a:r>
+          </a:p>
+          <a:p>
+            <a:r>
+              <a:rPr lang="da-DK" dirty="0"/>
+              <a:t>Sidste kræver nok også at beskeden bliver gemt i en database med behandlings status </a:t>
+            </a:r>
+          </a:p>
+        </p:txBody>
+      </p:sp>
+      <p:sp>
+        <p:nvSpPr>
+          <p:cNvPr id="4" name="Pladsholder til slidenummer 3"/>
+          <p:cNvSpPr>
+            <a:spLocks noGrp="1"/>
+          </p:cNvSpPr>
+          <p:nvPr>
+            <p:ph type="sldNum" sz="quarter" idx="5"/>
+          </p:nvPr>
+        </p:nvSpPr>
+        <p:spPr/>
+        <p:txBody>
+          <a:bodyPr/>
+          <a:lstStyle/>
+          <a:p>
+            <a:fld id="{252E21F2-0B82-4ACE-A045-2AAC56859006}" type="slidenum">
+              <a:rPr lang="da-DK" smtClean="0"/>
+              <a:t>38</a:t>
+            </a:fld>
+            <a:endParaRPr lang="da-DK"/>
+          </a:p>
+        </p:txBody>
+      </p:sp>
+    </p:spTree>
+    <p:extLst>
+      <p:ext uri="{BB962C8B-B14F-4D97-AF65-F5344CB8AC3E}">
+        <p14:creationId xmlns:p14="http://schemas.microsoft.com/office/powerpoint/2010/main" val="1430961321"/>
       </p:ext>
     </p:extLst>
   </p:cSld>
@@ -3076,18 +3488,88 @@
           <a:p>
             <a:r>
               <a:rPr lang="da-DK" dirty="0"/>
-              <a:t>Presentation </a:t>
+              <a:t>Nedarvning ude -&gt; ind</a:t>
+            </a:r>
+          </a:p>
+          <a:p>
+            <a:r>
+              <a:rPr lang="da-DK" dirty="0" err="1"/>
+              <a:t>Infrastucture</a:t>
+            </a:r>
+            <a:r>
+              <a:rPr lang="da-DK" dirty="0"/>
+              <a:t> -&gt; </a:t>
+            </a:r>
+            <a:r>
+              <a:rPr lang="da-DK" dirty="0" err="1"/>
+              <a:t>entityframework</a:t>
+            </a:r>
+            <a:endParaRPr lang="da-DK" dirty="0"/>
+          </a:p>
+          <a:p>
+            <a:endParaRPr lang="da-DK" dirty="0"/>
+          </a:p>
+          <a:p>
+            <a:r>
+              <a:rPr lang="da-DK" dirty="0" err="1"/>
+              <a:t>Onion</a:t>
+            </a:r>
+            <a:r>
+              <a:rPr lang="da-DK" dirty="0"/>
+              <a:t> Arkitektur</a:t>
+            </a:r>
+          </a:p>
+          <a:p>
+            <a:r>
+              <a:rPr lang="da-DK" dirty="0"/>
+              <a:t>Diagram</a:t>
+            </a:r>
+          </a:p>
+          <a:p>
+            <a:r>
+              <a:rPr lang="da-DK" dirty="0"/>
+              <a:t>Domain </a:t>
+            </a:r>
+            <a:r>
+              <a:rPr lang="da-DK" dirty="0" err="1"/>
+              <a:t>Serice</a:t>
+            </a:r>
+            <a:r>
+              <a:rPr lang="da-DK" dirty="0"/>
+              <a:t> </a:t>
             </a:r>
             <a:r>
               <a:rPr lang="da-DK" dirty="0" err="1"/>
               <a:t>Layer</a:t>
             </a:r>
+            <a:r>
+              <a:rPr lang="da-DK" dirty="0"/>
+              <a:t> had domæne logik, </a:t>
+            </a:r>
+            <a:r>
+              <a:rPr lang="da-DK" dirty="0" err="1"/>
+              <a:t>application</a:t>
+            </a:r>
+            <a:r>
+              <a:rPr lang="da-DK" dirty="0"/>
+              <a:t> service </a:t>
+            </a:r>
+            <a:r>
+              <a:rPr lang="da-DK" dirty="0" err="1"/>
+              <a:t>layer</a:t>
+            </a:r>
+            <a:r>
+              <a:rPr lang="da-DK" dirty="0"/>
+              <a:t> har ikke</a:t>
+            </a:r>
+          </a:p>
+          <a:p>
             <a:endParaRPr lang="da-DK" dirty="0"/>
           </a:p>
           <a:p>
             <a:r>
               <a:rPr lang="da-DK" dirty="0"/>
-              <a:t>Application Service </a:t>
+              <a:t>Domain og Application Service </a:t>
             </a:r>
             <a:r>
               <a:rPr lang="da-DK" dirty="0" err="1"/>
@@ -3103,6 +3585,25 @@
             <a:r>
               <a:rPr lang="da-DK" dirty="0"/>
               <a:t> </a:t>
+            </a:r>
+            <a:r>
+              <a:rPr lang="da-DK" dirty="0" err="1"/>
+              <a:t>Persistance</a:t>
+            </a:r>
+            <a:r>
+              <a:rPr lang="da-DK" dirty="0"/>
+              <a:t> </a:t>
+            </a:r>
+            <a:r>
+              <a:rPr lang="da-DK" dirty="0" err="1"/>
+              <a:t>Layer</a:t>
+            </a:r>
+            <a:endParaRPr lang="da-DK" dirty="0"/>
+          </a:p>
+          <a:p>
+            <a:r>
+              <a:rPr lang="da-DK" dirty="0"/>
+              <a:t>Domain </a:t>
             </a:r>
             <a:r>
               <a:rPr lang="da-DK" dirty="0" err="1"/>
@@ -3132,7 +3633,7 @@
           <a:p>
             <a:fld id="{252E21F2-0B82-4ACE-A045-2AAC56859006}" type="slidenum">
               <a:rPr lang="da-DK" smtClean="0"/>
-              <a:t>8</a:t>
+              <a:t>7</a:t>
             </a:fld>
             <a:endParaRPr lang="da-DK"/>
           </a:p>
@@ -3141,7 +3642,7 @@
     </p:spTree>
     <p:extLst>
       <p:ext uri="{BB962C8B-B14F-4D97-AF65-F5344CB8AC3E}">
-        <p14:creationId xmlns:p14="http://schemas.microsoft.com/office/powerpoint/2010/main" val="3983630066"/>
+        <p14:creationId xmlns:p14="http://schemas.microsoft.com/office/powerpoint/2010/main" val="1916579596"/>
       </p:ext>
     </p:extLst>
   </p:cSld>
@@ -3208,44 +3709,22 @@
           <a:p>
             <a:r>
               <a:rPr lang="da-DK" dirty="0"/>
-              <a:t>Domain og Application Service </a:t>
+              <a:t>Application Service </a:t>
             </a:r>
             <a:r>
               <a:rPr lang="da-DK" dirty="0" err="1"/>
               <a:t>Layer</a:t>
             </a:r>
+            <a:endParaRPr lang="da-DK" dirty="0"/>
+          </a:p>
+          <a:p>
+            <a:r>
+              <a:rPr lang="da-DK" dirty="0" err="1"/>
+              <a:t>Infrastructure</a:t>
+            </a:r>
             <a:r>
               <a:rPr lang="da-DK" dirty="0"/>
               <a:t> </a:t>
-            </a:r>
-          </a:p>
-          <a:p>
-            <a:r>
-              <a:rPr lang="da-DK" dirty="0" err="1"/>
-              <a:t>Infrastructure</a:t>
-            </a:r>
-            <a:r>
-              <a:rPr lang="da-DK" dirty="0"/>
-              <a:t> </a:t>
-            </a:r>
-            <a:r>
-              <a:rPr lang="da-DK" dirty="0" err="1"/>
-              <a:t>Persistance</a:t>
-            </a:r>
-            <a:r>
-              <a:rPr lang="da-DK" dirty="0"/>
-              <a:t> </a:t>
-            </a:r>
-            <a:r>
-              <a:rPr lang="da-DK" dirty="0" err="1"/>
-              <a:t>Layer</a:t>
-            </a:r>
-            <a:endParaRPr lang="da-DK" dirty="0"/>
-          </a:p>
-          <a:p>
-            <a:r>
-              <a:rPr lang="da-DK" dirty="0"/>
-              <a:t>Domain </a:t>
             </a:r>
             <a:r>
               <a:rPr lang="da-DK" dirty="0" err="1"/>
@@ -3275,7 +3754,7 @@
           <a:p>
             <a:fld id="{252E21F2-0B82-4ACE-A045-2AAC56859006}" type="slidenum">
               <a:rPr lang="da-DK" smtClean="0"/>
-              <a:t>9</a:t>
+              <a:t>8</a:t>
             </a:fld>
             <a:endParaRPr lang="da-DK"/>
           </a:p>
@@ -3284,7 +3763,7 @@
     </p:spTree>
     <p:extLst>
       <p:ext uri="{BB962C8B-B14F-4D97-AF65-F5344CB8AC3E}">
-        <p14:creationId xmlns:p14="http://schemas.microsoft.com/office/powerpoint/2010/main" val="4130427050"/>
+        <p14:creationId xmlns:p14="http://schemas.microsoft.com/office/powerpoint/2010/main" val="3983630066"/>
       </p:ext>
     </p:extLst>
   </p:cSld>
@@ -3340,29 +3819,64 @@
           <a:p>
             <a:r>
               <a:rPr lang="da-DK" dirty="0"/>
-              <a:t>User </a:t>
-            </a:r>
-            <a:r>
-              <a:rPr lang="da-DK" dirty="0" err="1"/>
-              <a:t>Frontend</a:t>
+              <a:t>Presentation </a:t>
+            </a:r>
+            <a:r>
+              <a:rPr lang="da-DK" dirty="0" err="1"/>
+              <a:t>Layer</a:t>
             </a:r>
             <a:endParaRPr lang="da-DK" dirty="0"/>
           </a:p>
           <a:p>
             <a:r>
               <a:rPr lang="da-DK" dirty="0"/>
-              <a:t>Catering REST</a:t>
-            </a:r>
-          </a:p>
-          <a:p>
-            <a:r>
-              <a:rPr lang="da-DK" dirty="0" err="1"/>
-              <a:t>Catering.DataProcessPlatform</a:t>
-            </a:r>
-            <a:r>
-              <a:rPr lang="da-DK" dirty="0"/>
-              <a:t> konsol </a:t>
-            </a:r>
+              <a:t>Domain og Application Service </a:t>
+            </a:r>
+            <a:r>
+              <a:rPr lang="da-DK" dirty="0" err="1"/>
+              <a:t>Layer</a:t>
+            </a:r>
+            <a:r>
+              <a:rPr lang="da-DK" dirty="0"/>
+              <a:t> </a:t>
+            </a:r>
+          </a:p>
+          <a:p>
+            <a:r>
+              <a:rPr lang="da-DK" dirty="0" err="1"/>
+              <a:t>Infrastructure</a:t>
+            </a:r>
+            <a:r>
+              <a:rPr lang="da-DK" dirty="0"/>
+              <a:t> </a:t>
+            </a:r>
+            <a:r>
+              <a:rPr lang="da-DK" dirty="0" err="1"/>
+              <a:t>Persistance</a:t>
+            </a:r>
+            <a:r>
+              <a:rPr lang="da-DK" dirty="0"/>
+              <a:t> </a:t>
+            </a:r>
+            <a:r>
+              <a:rPr lang="da-DK" dirty="0" err="1"/>
+              <a:t>Layer</a:t>
+            </a:r>
+            <a:endParaRPr lang="da-DK" dirty="0"/>
+          </a:p>
+          <a:p>
+            <a:r>
+              <a:rPr lang="da-DK" dirty="0"/>
+              <a:t>Domain </a:t>
+            </a:r>
+            <a:r>
+              <a:rPr lang="da-DK" dirty="0" err="1"/>
+              <a:t>Layer</a:t>
+            </a:r>
+            <a:endParaRPr lang="da-DK" dirty="0"/>
+          </a:p>
+          <a:p>
+            <a:endParaRPr lang="da-DK" dirty="0"/>
           </a:p>
         </p:txBody>
       </p:sp>
@@ -3383,7 +3897,7 @@
           <a:p>
             <a:fld id="{252E21F2-0B82-4ACE-A045-2AAC56859006}" type="slidenum">
               <a:rPr lang="da-DK" smtClean="0"/>
-              <a:t>10</a:t>
+              <a:t>9</a:t>
             </a:fld>
             <a:endParaRPr lang="da-DK"/>
           </a:p>
@@ -3392,7 +3906,7 @@
     </p:spTree>
     <p:extLst>
       <p:ext uri="{BB962C8B-B14F-4D97-AF65-F5344CB8AC3E}">
-        <p14:creationId xmlns:p14="http://schemas.microsoft.com/office/powerpoint/2010/main" val="110564417"/>
+        <p14:creationId xmlns:p14="http://schemas.microsoft.com/office/powerpoint/2010/main" val="4130427050"/>
       </p:ext>
     </p:extLst>
   </p:cSld>
@@ -3447,55 +3961,29 @@
           <a:lstStyle/>
           <a:p>
             <a:r>
-              <a:rPr lang="da-DK" dirty="0" err="1"/>
-              <a:t>Ubiquitous</a:t>
-            </a:r>
-            <a:r>
-              <a:rPr lang="da-DK" dirty="0"/>
-              <a:t> Language, koden skal tilpasset forretningssproget</a:t>
-            </a:r>
-          </a:p>
-          <a:p>
+              <a:rPr lang="da-DK" dirty="0"/>
+              <a:t>User </a:t>
+            </a:r>
+            <a:r>
+              <a:rPr lang="da-DK" dirty="0" err="1"/>
+              <a:t>Frontend</a:t>
+            </a:r>
             <a:endParaRPr lang="da-DK" dirty="0"/>
           </a:p>
           <a:p>
             <a:r>
               <a:rPr lang="da-DK" dirty="0"/>
-              <a:t>Domæne – forretningsregler, forretningsmodeller</a:t>
-            </a:r>
-          </a:p>
-          <a:p>
-            <a:r>
-              <a:rPr lang="da-DK" dirty="0"/>
-              <a:t>Applikation – jobs softwaren skal gøre og direkte til domæne objekter til at udføre arbejdet. </a:t>
-            </a:r>
-            <a:r>
-              <a:rPr lang="da-DK" dirty="0" err="1"/>
-              <a:t>Use</a:t>
-            </a:r>
-            <a:r>
-              <a:rPr lang="da-DK" dirty="0"/>
-              <a:t> cases for en givet </a:t>
-            </a:r>
-            <a:r>
-              <a:rPr lang="da-DK" dirty="0" err="1"/>
-              <a:t>frontend</a:t>
-            </a:r>
-            <a:endParaRPr lang="da-DK" dirty="0"/>
-          </a:p>
-          <a:p>
-            <a:r>
-              <a:rPr lang="da-DK" dirty="0"/>
-              <a:t>Infrastruktur – vedblev data  </a:t>
-            </a:r>
-          </a:p>
-          <a:p>
-            <a:endParaRPr lang="da-DK" dirty="0"/>
-          </a:p>
-          <a:p>
-            <a:r>
-              <a:rPr lang="da-DK" dirty="0"/>
-              <a:t>https://learn.microsoft.com/en-us/dotnet/architecture/microservices/microservice-ddd-cqrs-patterns/ddd-oriented-microservice</a:t>
+              <a:t>Catering REST</a:t>
+            </a:r>
+          </a:p>
+          <a:p>
+            <a:r>
+              <a:rPr lang="da-DK" dirty="0" err="1"/>
+              <a:t>Catering.DataProcessPlatform</a:t>
+            </a:r>
+            <a:r>
+              <a:rPr lang="da-DK" dirty="0"/>
+              <a:t> konsol </a:t>
             </a:r>
           </a:p>
         </p:txBody>
@@ -3517,7 +4005,7 @@
           <a:p>
             <a:fld id="{252E21F2-0B82-4ACE-A045-2AAC56859006}" type="slidenum">
               <a:rPr lang="da-DK" smtClean="0"/>
-              <a:t>12</a:t>
+              <a:t>10</a:t>
             </a:fld>
             <a:endParaRPr lang="da-DK"/>
           </a:p>
@@ -3526,7 +4014,7 @@
     </p:spTree>
     <p:extLst>
       <p:ext uri="{BB962C8B-B14F-4D97-AF65-F5344CB8AC3E}">
-        <p14:creationId xmlns:p14="http://schemas.microsoft.com/office/powerpoint/2010/main" val="2824294709"/>
+        <p14:creationId xmlns:p14="http://schemas.microsoft.com/office/powerpoint/2010/main" val="110564417"/>
       </p:ext>
     </p:extLst>
   </p:cSld>
@@ -3582,96 +4070,72 @@
           <a:p>
             <a:r>
               <a:rPr lang="da-DK" dirty="0"/>
-              <a:t>Kun en enkel aggregatrod skulle påvirkes af gangen.</a:t>
-            </a:r>
-          </a:p>
-          <a:p>
-            <a:r>
-              <a:rPr lang="da-DK" dirty="0"/>
-              <a:t>Overholdes ikke helt dette i produktet, da det ville kræve event og håndtering af disse</a:t>
-            </a:r>
-          </a:p>
-          <a:p>
-            <a:r>
-              <a:rPr lang="da-DK" dirty="0"/>
-              <a:t>Søgning: F.eks. </a:t>
-            </a:r>
-            <a:r>
-              <a:rPr lang="da-DK" dirty="0" err="1"/>
-              <a:t>MenuPart</a:t>
-            </a:r>
-            <a:r>
-              <a:rPr lang="da-DK" dirty="0"/>
-              <a:t> indeholdte information omkring den bestemte </a:t>
-            </a:r>
-            <a:r>
-              <a:rPr lang="da-DK" dirty="0" err="1"/>
-              <a:t>MenuPart</a:t>
-            </a:r>
-            <a:r>
-              <a:rPr lang="da-DK" dirty="0"/>
-              <a:t> er vegansk eller ej, så ville der være en metode på roden der returner true, hvis alle </a:t>
-            </a:r>
-            <a:r>
-              <a:rPr lang="da-DK" dirty="0" err="1"/>
-              <a:t>MenuParts</a:t>
-            </a:r>
-            <a:r>
-              <a:rPr lang="da-DK" dirty="0"/>
-              <a:t> i Menu er </a:t>
-            </a:r>
-            <a:r>
-              <a:rPr lang="da-DK" dirty="0" err="1"/>
-              <a:t>veganisk</a:t>
+              <a:t>Domænet i dette projekt er catering </a:t>
+            </a:r>
+          </a:p>
+          <a:p>
+            <a:r>
+              <a:rPr lang="da-DK" dirty="0"/>
+              <a:t>DDD prøve at få software til at være en model af et virkelig system eller </a:t>
+            </a:r>
+            <a:r>
+              <a:rPr lang="da-DK" dirty="0" err="1"/>
+              <a:t>processe</a:t>
             </a:r>
             <a:endParaRPr lang="da-DK" dirty="0"/>
           </a:p>
           <a:p>
             <a:r>
               <a:rPr lang="da-DK" dirty="0" err="1"/>
-              <a:t>IAggregateRoot</a:t>
-            </a:r>
-            <a:r>
-              <a:rPr lang="da-DK" dirty="0"/>
-              <a:t> og </a:t>
-            </a:r>
-            <a:r>
-              <a:rPr lang="da-DK" dirty="0" err="1"/>
-              <a:t>ReferenceId</a:t>
-            </a:r>
-            <a:r>
-              <a:rPr lang="da-DK" dirty="0"/>
-              <a:t>, hjælpe med at styre hvad er en rod (for </a:t>
-            </a:r>
-            <a:r>
-              <a:rPr lang="da-DK" dirty="0" err="1"/>
-              <a:t>entiyframework</a:t>
-            </a:r>
-            <a:r>
-              <a:rPr lang="da-DK" dirty="0"/>
-              <a:t>) og </a:t>
-            </a:r>
-            <a:r>
-              <a:rPr lang="da-DK" dirty="0" err="1"/>
-              <a:t>referenceId</a:t>
-            </a:r>
-            <a:r>
-              <a:rPr lang="da-DK" dirty="0"/>
-              <a:t> kan være </a:t>
-            </a:r>
-            <a:r>
-              <a:rPr lang="da-DK" dirty="0" err="1"/>
-              <a:t>burgbart</a:t>
-            </a:r>
-            <a:r>
-              <a:rPr lang="da-DK" dirty="0"/>
-              <a:t> for komplekse </a:t>
-            </a:r>
-            <a:r>
-              <a:rPr lang="da-DK" dirty="0" err="1"/>
-              <a:t>id’er</a:t>
-            </a:r>
+              <a:t>Ubiquitous</a:t>
+            </a:r>
+            <a:r>
+              <a:rPr lang="da-DK" dirty="0"/>
+              <a:t> Language, koden skal tilpasset forretningssproget</a:t>
+            </a:r>
+          </a:p>
+          <a:p>
             <a:endParaRPr lang="da-DK" dirty="0"/>
+          </a:p>
+          <a:p>
+            <a:r>
+              <a:rPr lang="da-DK" dirty="0"/>
+              <a:t>Domæne – forretningsregler, forretningsmodeller</a:t>
+            </a:r>
+          </a:p>
+          <a:p>
+            <a:r>
+              <a:rPr lang="da-DK" dirty="0"/>
+              <a:t>Applikation – jobs softwaren skal gøre og direkte til domæne objekter til at udføre arbejdet. </a:t>
+            </a:r>
+            <a:r>
+              <a:rPr lang="da-DK" dirty="0" err="1"/>
+              <a:t>Use</a:t>
+            </a:r>
+            <a:r>
+              <a:rPr lang="da-DK" dirty="0"/>
+              <a:t> cases for en givet </a:t>
+            </a:r>
+            <a:r>
+              <a:rPr lang="da-DK" dirty="0" err="1"/>
+              <a:t>frontend</a:t>
+            </a:r>
+            <a:endParaRPr lang="da-DK" dirty="0"/>
+          </a:p>
+          <a:p>
+            <a:r>
+              <a:rPr lang="da-DK" dirty="0"/>
+              <a:t>Infrastruktur – vedblev data  </a:t>
+            </a:r>
+          </a:p>
+          <a:p>
+            <a:endParaRPr lang="da-DK" dirty="0"/>
+          </a:p>
+          <a:p>
+            <a:r>
+              <a:rPr lang="da-DK" dirty="0"/>
+              <a:t>https://learn.microsoft.com/en-us/dotnet/architecture/microservices/microservice-ddd-cqrs-patterns/ddd-oriented-microservice</a:t>
+            </a:r>
           </a:p>
         </p:txBody>
       </p:sp>
@@ -3692,7 +4156,7 @@
           <a:p>
             <a:fld id="{252E21F2-0B82-4ACE-A045-2AAC56859006}" type="slidenum">
               <a:rPr lang="da-DK" smtClean="0"/>
-              <a:t>13</a:t>
+              <a:t>12</a:t>
             </a:fld>
             <a:endParaRPr lang="da-DK"/>
           </a:p>
@@ -3701,7 +4165,7 @@
     </p:spTree>
     <p:extLst>
       <p:ext uri="{BB962C8B-B14F-4D97-AF65-F5344CB8AC3E}">
-        <p14:creationId xmlns:p14="http://schemas.microsoft.com/office/powerpoint/2010/main" val="815936762"/>
+        <p14:creationId xmlns:p14="http://schemas.microsoft.com/office/powerpoint/2010/main" val="2824294709"/>
       </p:ext>
     </p:extLst>
   </p:cSld>
@@ -3755,6 +4219,97 @@
           <a:bodyPr/>
           <a:lstStyle/>
           <a:p>
+            <a:r>
+              <a:rPr lang="da-DK" dirty="0"/>
+              <a:t>Kun en enkel aggregatrod skulle påvirkes af gangen.</a:t>
+            </a:r>
+          </a:p>
+          <a:p>
+            <a:r>
+              <a:rPr lang="da-DK" dirty="0"/>
+              <a:t>Overholdes ikke helt dette i produktet, da det ville kræve event og håndtering af disse</a:t>
+            </a:r>
+          </a:p>
+          <a:p>
+            <a:r>
+              <a:rPr lang="da-DK" dirty="0"/>
+              <a:t>Søgning: F.eks. </a:t>
+            </a:r>
+            <a:r>
+              <a:rPr lang="da-DK" dirty="0" err="1"/>
+              <a:t>MenuPart</a:t>
+            </a:r>
+            <a:r>
+              <a:rPr lang="da-DK" dirty="0"/>
+              <a:t> indeholdte information omkring den bestemte </a:t>
+            </a:r>
+            <a:r>
+              <a:rPr lang="da-DK" dirty="0" err="1"/>
+              <a:t>MenuPart</a:t>
+            </a:r>
+            <a:r>
+              <a:rPr lang="da-DK" dirty="0"/>
+              <a:t> er vegansk eller ej, så ville der være en metode på roden der returner true, hvis alle </a:t>
+            </a:r>
+            <a:r>
+              <a:rPr lang="da-DK" dirty="0" err="1"/>
+              <a:t>MenuParts</a:t>
+            </a:r>
+            <a:r>
+              <a:rPr lang="da-DK" dirty="0"/>
+              <a:t> i Menu er </a:t>
+            </a:r>
+            <a:r>
+              <a:rPr lang="da-DK" dirty="0" err="1"/>
+              <a:t>veganisk</a:t>
+            </a:r>
+            <a:endParaRPr lang="da-DK" dirty="0"/>
+          </a:p>
+          <a:p>
+            <a:r>
+              <a:rPr lang="da-DK" dirty="0" err="1"/>
+              <a:t>IAggregateRoot</a:t>
+            </a:r>
+            <a:r>
+              <a:rPr lang="da-DK" dirty="0"/>
+              <a:t> og </a:t>
+            </a:r>
+            <a:r>
+              <a:rPr lang="da-DK" dirty="0" err="1"/>
+              <a:t>ReferenceId</a:t>
+            </a:r>
+            <a:r>
+              <a:rPr lang="da-DK" dirty="0"/>
+              <a:t>, hjælpe med at styre hvad er en rod (for </a:t>
+            </a:r>
+            <a:r>
+              <a:rPr lang="da-DK" dirty="0" err="1"/>
+              <a:t>entiyframework</a:t>
+            </a:r>
+            <a:r>
+              <a:rPr lang="da-DK" dirty="0"/>
+              <a:t>) og </a:t>
+            </a:r>
+            <a:r>
+              <a:rPr lang="da-DK" dirty="0" err="1"/>
+              <a:t>referenceId</a:t>
+            </a:r>
+            <a:r>
+              <a:rPr lang="da-DK" dirty="0"/>
+              <a:t> kan være </a:t>
+            </a:r>
+            <a:r>
+              <a:rPr lang="da-DK" dirty="0" err="1"/>
+              <a:t>burgbart</a:t>
+            </a:r>
+            <a:r>
+              <a:rPr lang="da-DK" dirty="0"/>
+              <a:t> for komplekse </a:t>
+            </a:r>
+            <a:r>
+              <a:rPr lang="da-DK" dirty="0" err="1"/>
+              <a:t>id’er</a:t>
+            </a:r>
             <a:endParaRPr lang="da-DK" dirty="0"/>
           </a:p>
         </p:txBody>
@@ -3776,7 +4331,7 @@
           <a:p>
             <a:fld id="{252E21F2-0B82-4ACE-A045-2AAC56859006}" type="slidenum">
               <a:rPr lang="da-DK" smtClean="0"/>
-              <a:t>14</a:t>
+              <a:t>13</a:t>
             </a:fld>
             <a:endParaRPr lang="da-DK"/>
           </a:p>
@@ -3785,7 +4340,7 @@
     </p:spTree>
     <p:extLst>
       <p:ext uri="{BB962C8B-B14F-4D97-AF65-F5344CB8AC3E}">
-        <p14:creationId xmlns:p14="http://schemas.microsoft.com/office/powerpoint/2010/main" val="2313198539"/>
+        <p14:creationId xmlns:p14="http://schemas.microsoft.com/office/powerpoint/2010/main" val="815936762"/>
       </p:ext>
     </p:extLst>
   </p:cSld>
@@ -3965,7 +4520,7 @@
           <a:p>
             <a:fld id="{904F8374-DDA3-4289-A3C4-A561B6E67BA2}" type="datetimeFigureOut">
               <a:rPr lang="da-DK" smtClean="0"/>
-              <a:t>09-05-2024</a:t>
+              <a:t>10-05-2024</a:t>
             </a:fld>
             <a:endParaRPr lang="da-DK"/>
           </a:p>
@@ -4232,7 +4787,7 @@
           <a:p>
             <a:fld id="{904F8374-DDA3-4289-A3C4-A561B6E67BA2}" type="datetimeFigureOut">
               <a:rPr lang="da-DK" smtClean="0"/>
-              <a:t>09-05-2024</a:t>
+              <a:t>10-05-2024</a:t>
             </a:fld>
             <a:endParaRPr lang="da-DK"/>
           </a:p>
@@ -4463,7 +5018,7 @@
           <a:p>
             <a:fld id="{904F8374-DDA3-4289-A3C4-A561B6E67BA2}" type="datetimeFigureOut">
               <a:rPr lang="da-DK" smtClean="0"/>
-              <a:t>09-05-2024</a:t>
+              <a:t>10-05-2024</a:t>
             </a:fld>
             <a:endParaRPr lang="da-DK"/>
           </a:p>
@@ -4773,7 +5328,7 @@
           <a:p>
             <a:fld id="{904F8374-DDA3-4289-A3C4-A561B6E67BA2}" type="datetimeFigureOut">
               <a:rPr lang="da-DK" smtClean="0"/>
-              <a:t>09-05-2024</a:t>
+              <a:t>10-05-2024</a:t>
             </a:fld>
             <a:endParaRPr lang="da-DK"/>
           </a:p>
@@ -5246,7 +5801,7 @@
           <a:p>
             <a:fld id="{904F8374-DDA3-4289-A3C4-A561B6E67BA2}" type="datetimeFigureOut">
               <a:rPr lang="da-DK" smtClean="0"/>
-              <a:t>09-05-2024</a:t>
+              <a:t>10-05-2024</a:t>
             </a:fld>
             <a:endParaRPr lang="da-DK"/>
           </a:p>
@@ -5793,7 +6348,7 @@
           <a:p>
             <a:fld id="{904F8374-DDA3-4289-A3C4-A561B6E67BA2}" type="datetimeFigureOut">
               <a:rPr lang="da-DK" smtClean="0"/>
-              <a:t>09-05-2024</a:t>
+              <a:t>10-05-2024</a:t>
             </a:fld>
             <a:endParaRPr lang="da-DK"/>
           </a:p>
@@ -6567,7 +7122,7 @@
           <a:p>
             <a:fld id="{904F8374-DDA3-4289-A3C4-A561B6E67BA2}" type="datetimeFigureOut">
               <a:rPr lang="da-DK" smtClean="0"/>
-              <a:t>09-05-2024</a:t>
+              <a:t>10-05-2024</a:t>
             </a:fld>
             <a:endParaRPr lang="da-DK"/>
           </a:p>
@@ -6742,7 +7297,7 @@
           <a:p>
             <a:fld id="{904F8374-DDA3-4289-A3C4-A561B6E67BA2}" type="datetimeFigureOut">
               <a:rPr lang="da-DK" smtClean="0"/>
-              <a:t>09-05-2024</a:t>
+              <a:t>10-05-2024</a:t>
             </a:fld>
             <a:endParaRPr lang="da-DK"/>
           </a:p>
@@ -6965,7 +7520,7 @@
           <a:p>
             <a:fld id="{904F8374-DDA3-4289-A3C4-A561B6E67BA2}" type="datetimeFigureOut">
               <a:rPr lang="da-DK" smtClean="0"/>
-              <a:t>09-05-2024</a:t>
+              <a:t>10-05-2024</a:t>
             </a:fld>
             <a:endParaRPr lang="da-DK"/>
           </a:p>
@@ -7145,7 +7700,7 @@
           <a:p>
             <a:fld id="{904F8374-DDA3-4289-A3C4-A561B6E67BA2}" type="datetimeFigureOut">
               <a:rPr lang="da-DK" smtClean="0"/>
-              <a:t>09-05-2024</a:t>
+              <a:t>10-05-2024</a:t>
             </a:fld>
             <a:endParaRPr lang="da-DK"/>
           </a:p>
@@ -7434,7 +7989,7 @@
           <a:p>
             <a:fld id="{904F8374-DDA3-4289-A3C4-A561B6E67BA2}" type="datetimeFigureOut">
               <a:rPr lang="da-DK" smtClean="0"/>
-              <a:t>09-05-2024</a:t>
+              <a:t>10-05-2024</a:t>
             </a:fld>
             <a:endParaRPr lang="da-DK"/>
           </a:p>
@@ -7676,7 +8231,7 @@
           <a:p>
             <a:fld id="{904F8374-DDA3-4289-A3C4-A561B6E67BA2}" type="datetimeFigureOut">
               <a:rPr lang="da-DK" smtClean="0"/>
-              <a:t>09-05-2024</a:t>
+              <a:t>10-05-2024</a:t>
             </a:fld>
             <a:endParaRPr lang="da-DK"/>
           </a:p>
@@ -8055,7 +8610,7 @@
           <a:p>
             <a:fld id="{904F8374-DDA3-4289-A3C4-A561B6E67BA2}" type="datetimeFigureOut">
               <a:rPr lang="da-DK" smtClean="0"/>
-              <a:t>09-05-2024</a:t>
+              <a:t>10-05-2024</a:t>
             </a:fld>
             <a:endParaRPr lang="da-DK"/>
           </a:p>
@@ -8173,7 +8728,7 @@
           <a:p>
             <a:fld id="{904F8374-DDA3-4289-A3C4-A561B6E67BA2}" type="datetimeFigureOut">
               <a:rPr lang="da-DK" smtClean="0"/>
-              <a:t>09-05-2024</a:t>
+              <a:t>10-05-2024</a:t>
             </a:fld>
             <a:endParaRPr lang="da-DK"/>
           </a:p>
@@ -8268,7 +8823,7 @@
           <a:p>
             <a:fld id="{904F8374-DDA3-4289-A3C4-A561B6E67BA2}" type="datetimeFigureOut">
               <a:rPr lang="da-DK" smtClean="0"/>
-              <a:t>09-05-2024</a:t>
+              <a:t>10-05-2024</a:t>
             </a:fld>
             <a:endParaRPr lang="da-DK"/>
           </a:p>
@@ -8517,7 +9072,7 @@
           <a:p>
             <a:fld id="{904F8374-DDA3-4289-A3C4-A561B6E67BA2}" type="datetimeFigureOut">
               <a:rPr lang="da-DK" smtClean="0"/>
-              <a:t>09-05-2024</a:t>
+              <a:t>10-05-2024</a:t>
             </a:fld>
             <a:endParaRPr lang="da-DK"/>
           </a:p>
@@ -8774,7 +9329,7 @@
           <a:p>
             <a:fld id="{904F8374-DDA3-4289-A3C4-A561B6E67BA2}" type="datetimeFigureOut">
               <a:rPr lang="da-DK" smtClean="0"/>
-              <a:t>09-05-2024</a:t>
+              <a:t>10-05-2024</a:t>
             </a:fld>
             <a:endParaRPr lang="da-DK"/>
           </a:p>
@@ -9017,7 +9572,7 @@
           <a:p>
             <a:fld id="{904F8374-DDA3-4289-A3C4-A561B6E67BA2}" type="datetimeFigureOut">
               <a:rPr lang="da-DK" smtClean="0"/>
-              <a:t>09-05-2024</a:t>
+              <a:t>10-05-2024</a:t>
             </a:fld>
             <a:endParaRPr lang="da-DK"/>
           </a:p>
@@ -9715,6 +10270,12 @@
             </a:r>
           </a:p>
           <a:p>
+            <a:r>
+              <a:rPr lang="da-DK" dirty="0"/>
+              <a:t>Domæne eksperter</a:t>
+            </a:r>
+          </a:p>
+          <a:p>
             <a:endParaRPr lang="da-DK" dirty="0"/>
           </a:p>
           <a:p>
@@ -10095,6 +10656,42 @@
           </a:p>
         </p:txBody>
       </p:sp>
+      <p:pic>
+        <p:nvPicPr>
+          <p:cNvPr id="5" name="Billede 4">
+            <a:extLst>
+              <a:ext uri="{FF2B5EF4-FFF2-40B4-BE49-F238E27FC236}">
+                <a16:creationId xmlns:a16="http://schemas.microsoft.com/office/drawing/2014/main" id="{98162E0F-1D44-8C31-9B1F-A531EC229008}"/>
+              </a:ext>
+            </a:extLst>
+          </p:cNvPr>
+          <p:cNvPicPr>
+            <a:picLocks noChangeAspect="1"/>
+          </p:cNvPicPr>
+          <p:nvPr/>
+        </p:nvPicPr>
+        <p:blipFill>
+          <a:blip r:embed="rId3">
+            <a:extLst>
+              <a:ext uri="{28A0092B-C50C-407E-A947-70E740481C1C}">
+                <a14:useLocalDpi xmlns:a14="http://schemas.microsoft.com/office/drawing/2010/main" val="0"/>
+              </a:ext>
+            </a:extLst>
+          </a:blip>
+          <a:stretch>
+            <a:fillRect/>
+          </a:stretch>
+        </p:blipFill>
+        <p:spPr>
+          <a:xfrm>
+            <a:off x="6172200" y="3638550"/>
+            <a:ext cx="4962525" cy="2324100"/>
+          </a:xfrm>
+          <a:prstGeom prst="rect">
+            <a:avLst/>
+          </a:prstGeom>
+        </p:spPr>
+      </p:pic>
     </p:spTree>
     <p:extLst>
       <p:ext uri="{BB962C8B-B14F-4D97-AF65-F5344CB8AC3E}">
@@ -10610,12 +11207,32 @@
             </a:r>
           </a:p>
           <a:p>
+            <a:pPr lvl="1"/>
+            <a:r>
+              <a:rPr lang="da-DK" dirty="0" err="1"/>
+              <a:t>Round-robin</a:t>
+            </a:r>
+            <a:endParaRPr lang="da-DK" dirty="0"/>
+          </a:p>
+          <a:p>
             <a:r>
               <a:rPr lang="da-DK" dirty="0"/>
               <a:t>Stream</a:t>
             </a:r>
           </a:p>
           <a:p>
+            <a:pPr lvl="1"/>
+            <a:r>
+              <a:rPr lang="da-DK" dirty="0"/>
+              <a:t>Send til alle </a:t>
+            </a:r>
+            <a:r>
+              <a:rPr lang="da-DK" dirty="0" err="1"/>
+              <a:t>consumers</a:t>
+            </a:r>
+            <a:endParaRPr lang="da-DK" dirty="0"/>
+          </a:p>
+          <a:p>
             <a:r>
               <a:rPr lang="da-DK" dirty="0"/>
               <a:t>Skrive beskeder</a:t>
@@ -10626,13 +11243,6 @@
               <a:rPr lang="da-DK" dirty="0"/>
               <a:t>Læse beskeder</a:t>
             </a:r>
-          </a:p>
-          <a:p>
-            <a:r>
-              <a:rPr lang="da-DK" dirty="0" err="1"/>
-              <a:t>Round-robin</a:t>
-            </a:r>
-            <a:endParaRPr lang="da-DK" dirty="0"/>
           </a:p>
           <a:p>
             <a:r>
@@ -12642,7 +13252,7 @@
           <p:cNvPr id="2" name="Titel 1">
             <a:extLst>
               <a:ext uri="{FF2B5EF4-FFF2-40B4-BE49-F238E27FC236}">
-                <a16:creationId xmlns:a16="http://schemas.microsoft.com/office/drawing/2014/main" id="{FFEC5993-EFA9-A519-83CC-AF07225CE353}"/>
+                <a16:creationId xmlns:a16="http://schemas.microsoft.com/office/drawing/2014/main" id="{3619FEFF-8C80-E463-8638-98D6D67306F1}"/>
               </a:ext>
             </a:extLst>
           </p:cNvPr>
@@ -12653,35 +13263,57 @@
             <p:ph type="title"/>
           </p:nvPr>
         </p:nvSpPr>
+        <p:spPr/>
+        <p:txBody>
+          <a:bodyPr/>
+          <a:lstStyle/>
+          <a:p>
+            <a:r>
+              <a:rPr lang="da-DK" dirty="0"/>
+              <a:t>Kafka - partitioner</a:t>
+            </a:r>
+          </a:p>
+        </p:txBody>
+      </p:sp>
+      <p:pic>
+        <p:nvPicPr>
+          <p:cNvPr id="5" name="Pladsholder til indhold 4">
+            <a:extLst>
+              <a:ext uri="{FF2B5EF4-FFF2-40B4-BE49-F238E27FC236}">
+                <a16:creationId xmlns:a16="http://schemas.microsoft.com/office/drawing/2014/main" id="{B945296C-3408-0044-144C-7DA535AC563A}"/>
+              </a:ext>
+            </a:extLst>
+          </p:cNvPr>
+          <p:cNvPicPr>
+            <a:picLocks noGrp="1" noChangeAspect="1"/>
+          </p:cNvPicPr>
+          <p:nvPr>
+            <p:ph idx="1"/>
+          </p:nvPr>
+        </p:nvPicPr>
+        <p:blipFill>
+          <a:blip r:embed="rId3">
+            <a:extLst>
+              <a:ext uri="{28A0092B-C50C-407E-A947-70E740481C1C}">
+                <a14:useLocalDpi xmlns:a14="http://schemas.microsoft.com/office/drawing/2010/main" val="0"/>
+              </a:ext>
+            </a:extLst>
+          </a:blip>
+          <a:stretch>
+            <a:fillRect/>
+          </a:stretch>
+        </p:blipFill>
         <p:spPr>
           <a:xfrm>
-            <a:off x="0" y="0"/>
-            <a:ext cx="12192000" cy="6857999"/>
+            <a:off x="3662362" y="2377281"/>
+            <a:ext cx="4867275" cy="3657600"/>
           </a:xfrm>
         </p:spPr>
-        <p:txBody>
-          <a:bodyPr/>
-          <a:lstStyle/>
-          <a:p>
-            <a:pPr algn="ctr"/>
-            <a:r>
-              <a:rPr lang="da-DK" dirty="0"/>
-              <a:t>Demo</a:t>
-            </a:r>
-            <a:br>
-              <a:rPr lang="da-DK" dirty="0"/>
-            </a:br>
-            <a:r>
-              <a:rPr lang="da-DK" dirty="0"/>
-              <a:t>Kafka</a:t>
-            </a:r>
-          </a:p>
-        </p:txBody>
-      </p:sp>
+      </p:pic>
     </p:spTree>
     <p:extLst>
       <p:ext uri="{BB962C8B-B14F-4D97-AF65-F5344CB8AC3E}">
-        <p14:creationId xmlns:p14="http://schemas.microsoft.com/office/powerpoint/2010/main" val="230170436"/>
+        <p14:creationId xmlns:p14="http://schemas.microsoft.com/office/powerpoint/2010/main" val="3859196325"/>
       </p:ext>
     </p:extLst>
   </p:cSld>
@@ -12710,10 +13342,10 @@
       </p:grpSpPr>
       <p:sp>
         <p:nvSpPr>
-          <p:cNvPr id="8" name="Titel 7">
+          <p:cNvPr id="2" name="Titel 1">
             <a:extLst>
               <a:ext uri="{FF2B5EF4-FFF2-40B4-BE49-F238E27FC236}">
-                <a16:creationId xmlns:a16="http://schemas.microsoft.com/office/drawing/2014/main" id="{964C56D4-D3DF-1B49-7986-BDEB15B6AF6E}"/>
+                <a16:creationId xmlns:a16="http://schemas.microsoft.com/office/drawing/2014/main" id="{3619FEFF-8C80-E463-8638-98D6D67306F1}"/>
               </a:ext>
             </a:extLst>
           </p:cNvPr>
@@ -12731,208 +13363,50 @@
           <a:p>
             <a:r>
               <a:rPr lang="da-DK" dirty="0"/>
-              <a:t>Kafka - I forhold til </a:t>
-            </a:r>
-            <a:r>
-              <a:rPr lang="da-DK" dirty="0" err="1"/>
-              <a:t>RabbitMQ</a:t>
-            </a:r>
-            <a:endParaRPr lang="da-DK" dirty="0"/>
-          </a:p>
-        </p:txBody>
-      </p:sp>
-      <p:sp>
-        <p:nvSpPr>
-          <p:cNvPr id="2" name="Pladsholder til tekst 1">
+              <a:t>Kafka - partitioner</a:t>
+            </a:r>
+          </a:p>
+        </p:txBody>
+      </p:sp>
+      <p:pic>
+        <p:nvPicPr>
+          <p:cNvPr id="5" name="Pladsholder til indhold 4">
             <a:extLst>
               <a:ext uri="{FF2B5EF4-FFF2-40B4-BE49-F238E27FC236}">
-                <a16:creationId xmlns:a16="http://schemas.microsoft.com/office/drawing/2014/main" id="{52D09D76-F7EA-FB42-58D6-435CFFBC688F}"/>
+                <a16:creationId xmlns:a16="http://schemas.microsoft.com/office/drawing/2014/main" id="{F43CCC08-BEA9-ECA5-F5AA-CCB14F8704E6}"/>
               </a:ext>
             </a:extLst>
           </p:cNvPr>
-          <p:cNvSpPr>
-            <a:spLocks noGrp="1"/>
-          </p:cNvSpPr>
-          <p:nvPr>
-            <p:ph type="body" idx="1"/>
-          </p:nvPr>
-        </p:nvSpPr>
-        <p:spPr/>
-        <p:txBody>
-          <a:bodyPr/>
-          <a:lstStyle/>
-          <a:p>
-            <a:r>
-              <a:rPr lang="da-DK" dirty="0"/>
-              <a:t>Kafka</a:t>
-            </a:r>
-          </a:p>
-        </p:txBody>
-      </p:sp>
-      <p:sp>
-        <p:nvSpPr>
-          <p:cNvPr id="3" name="Pladsholder til indhold 2">
+          <p:cNvPicPr>
+            <a:picLocks noGrp="1" noChangeAspect="1"/>
+          </p:cNvPicPr>
+          <p:nvPr>
+            <p:ph idx="1"/>
+          </p:nvPr>
+        </p:nvPicPr>
+        <p:blipFill>
+          <a:blip r:embed="rId3">
             <a:extLst>
-              <a:ext uri="{FF2B5EF4-FFF2-40B4-BE49-F238E27FC236}">
-                <a16:creationId xmlns:a16="http://schemas.microsoft.com/office/drawing/2014/main" id="{339997B2-9ED5-7B5A-EBCA-3B5D07672F58}"/>
+              <a:ext uri="{28A0092B-C50C-407E-A947-70E740481C1C}">
+                <a14:useLocalDpi xmlns:a14="http://schemas.microsoft.com/office/drawing/2010/main" val="0"/>
               </a:ext>
             </a:extLst>
-          </p:cNvPr>
-          <p:cNvSpPr>
-            <a:spLocks noGrp="1"/>
-          </p:cNvSpPr>
-          <p:nvPr>
-            <p:ph sz="half" idx="2"/>
-          </p:nvPr>
-        </p:nvSpPr>
-        <p:spPr/>
-        <p:txBody>
-          <a:bodyPr/>
-          <a:lstStyle/>
-          <a:p>
-            <a:r>
-              <a:rPr lang="da-DK" dirty="0" err="1"/>
-              <a:t>Topic</a:t>
-            </a:r>
-            <a:endParaRPr lang="da-DK" dirty="0"/>
-          </a:p>
-          <a:p>
-            <a:r>
-              <a:rPr lang="da-DK" dirty="0"/>
-              <a:t>Kan have skema	</a:t>
-            </a:r>
-          </a:p>
-          <a:p>
-            <a:r>
-              <a:rPr lang="da-DK" dirty="0"/>
-              <a:t>Event</a:t>
-            </a:r>
-          </a:p>
-          <a:p>
-            <a:r>
-              <a:rPr lang="da-DK" dirty="0"/>
-              <a:t>Understøtter ikke </a:t>
-            </a:r>
-            <a:r>
-              <a:rPr lang="da-DK" dirty="0" err="1"/>
-              <a:t>Request</a:t>
-            </a:r>
-            <a:r>
-              <a:rPr lang="da-DK" dirty="0"/>
-              <a:t>/</a:t>
-            </a:r>
-            <a:r>
-              <a:rPr lang="da-DK" dirty="0" err="1"/>
-              <a:t>Response</a:t>
-            </a:r>
-            <a:endParaRPr lang="da-DK" dirty="0"/>
-          </a:p>
-          <a:p>
-            <a:r>
-              <a:rPr lang="da-DK" dirty="0"/>
-              <a:t>Consumer kan kun oprette </a:t>
-            </a:r>
-            <a:r>
-              <a:rPr lang="da-DK" dirty="0" err="1"/>
-              <a:t>topic</a:t>
-            </a:r>
-            <a:r>
-              <a:rPr lang="da-DK" dirty="0"/>
-              <a:t>, hvis broker tillader det</a:t>
-            </a:r>
-          </a:p>
-        </p:txBody>
-      </p:sp>
-      <p:sp>
-        <p:nvSpPr>
-          <p:cNvPr id="4" name="Pladsholder til tekst 3">
-            <a:extLst>
-              <a:ext uri="{FF2B5EF4-FFF2-40B4-BE49-F238E27FC236}">
-                <a16:creationId xmlns:a16="http://schemas.microsoft.com/office/drawing/2014/main" id="{D2BCD25E-3062-C776-FDCD-8724CFA931AE}"/>
-              </a:ext>
-            </a:extLst>
-          </p:cNvPr>
-          <p:cNvSpPr>
-            <a:spLocks noGrp="1"/>
-          </p:cNvSpPr>
-          <p:nvPr>
-            <p:ph type="body" sz="quarter" idx="3"/>
-          </p:nvPr>
-        </p:nvSpPr>
-        <p:spPr/>
-        <p:txBody>
-          <a:bodyPr/>
-          <a:lstStyle/>
-          <a:p>
-            <a:r>
-              <a:rPr lang="da-DK" dirty="0" err="1"/>
-              <a:t>RabbitMQ</a:t>
-            </a:r>
-            <a:endParaRPr lang="da-DK" dirty="0"/>
-          </a:p>
-        </p:txBody>
-      </p:sp>
-      <p:sp>
-        <p:nvSpPr>
-          <p:cNvPr id="5" name="Pladsholder til indhold 4">
-            <a:extLst>
-              <a:ext uri="{FF2B5EF4-FFF2-40B4-BE49-F238E27FC236}">
-                <a16:creationId xmlns:a16="http://schemas.microsoft.com/office/drawing/2014/main" id="{A6395EEA-AED6-2FD6-EC89-277DA9898817}"/>
-              </a:ext>
-            </a:extLst>
-          </p:cNvPr>
-          <p:cNvSpPr>
-            <a:spLocks noGrp="1"/>
-          </p:cNvSpPr>
-          <p:nvPr>
-            <p:ph sz="quarter" idx="4"/>
-          </p:nvPr>
-        </p:nvSpPr>
-        <p:spPr/>
-        <p:txBody>
-          <a:bodyPr/>
-          <a:lstStyle/>
-          <a:p>
-            <a:r>
-              <a:rPr lang="da-DK" dirty="0"/>
-              <a:t>Queue/Stream</a:t>
-            </a:r>
-          </a:p>
-          <a:p>
-            <a:r>
-              <a:rPr lang="da-DK" dirty="0"/>
-              <a:t>Intet skema</a:t>
-            </a:r>
-          </a:p>
-          <a:p>
-            <a:r>
-              <a:rPr lang="da-DK" dirty="0"/>
-              <a:t>Message</a:t>
-            </a:r>
-          </a:p>
-          <a:p>
-            <a:r>
-              <a:rPr lang="da-DK" dirty="0"/>
-              <a:t>Remote Procedure Call</a:t>
-            </a:r>
-          </a:p>
-          <a:p>
-            <a:r>
-              <a:rPr lang="da-DK" dirty="0"/>
-              <a:t>Consumer kan selv oprette </a:t>
-            </a:r>
-            <a:r>
-              <a:rPr lang="da-DK" dirty="0" err="1"/>
-              <a:t>queue</a:t>
-            </a:r>
-            <a:endParaRPr lang="da-DK" dirty="0"/>
-          </a:p>
-        </p:txBody>
-      </p:sp>
+          </a:blip>
+          <a:stretch>
+            <a:fillRect/>
+          </a:stretch>
+        </p:blipFill>
+        <p:spPr>
+          <a:xfrm>
+            <a:off x="3662362" y="2377281"/>
+            <a:ext cx="4867275" cy="3657600"/>
+          </a:xfrm>
+        </p:spPr>
+      </p:pic>
     </p:spTree>
     <p:extLst>
       <p:ext uri="{BB962C8B-B14F-4D97-AF65-F5344CB8AC3E}">
-        <p14:creationId xmlns:p14="http://schemas.microsoft.com/office/powerpoint/2010/main" val="1977421596"/>
+        <p14:creationId xmlns:p14="http://schemas.microsoft.com/office/powerpoint/2010/main" val="2256734993"/>
       </p:ext>
     </p:extLst>
   </p:cSld>
@@ -12961,6 +13435,421 @@
       </p:grpSpPr>
       <p:sp>
         <p:nvSpPr>
+          <p:cNvPr id="2" name="Titel 1">
+            <a:extLst>
+              <a:ext uri="{FF2B5EF4-FFF2-40B4-BE49-F238E27FC236}">
+                <a16:creationId xmlns:a16="http://schemas.microsoft.com/office/drawing/2014/main" id="{3619FEFF-8C80-E463-8638-98D6D67306F1}"/>
+              </a:ext>
+            </a:extLst>
+          </p:cNvPr>
+          <p:cNvSpPr>
+            <a:spLocks noGrp="1"/>
+          </p:cNvSpPr>
+          <p:nvPr>
+            <p:ph type="title"/>
+          </p:nvPr>
+        </p:nvSpPr>
+        <p:spPr/>
+        <p:txBody>
+          <a:bodyPr/>
+          <a:lstStyle/>
+          <a:p>
+            <a:r>
+              <a:rPr lang="da-DK" dirty="0"/>
+              <a:t>Kafka - partitioner</a:t>
+            </a:r>
+          </a:p>
+        </p:txBody>
+      </p:sp>
+      <p:pic>
+        <p:nvPicPr>
+          <p:cNvPr id="5" name="Pladsholder til indhold 4">
+            <a:extLst>
+              <a:ext uri="{FF2B5EF4-FFF2-40B4-BE49-F238E27FC236}">
+                <a16:creationId xmlns:a16="http://schemas.microsoft.com/office/drawing/2014/main" id="{635D7DC8-6A24-FBBA-5D4C-F9F6F5F5FBE9}"/>
+              </a:ext>
+            </a:extLst>
+          </p:cNvPr>
+          <p:cNvPicPr>
+            <a:picLocks noGrp="1" noChangeAspect="1"/>
+          </p:cNvPicPr>
+          <p:nvPr>
+            <p:ph idx="1"/>
+          </p:nvPr>
+        </p:nvPicPr>
+        <p:blipFill>
+          <a:blip r:embed="rId3">
+            <a:extLst>
+              <a:ext uri="{28A0092B-C50C-407E-A947-70E740481C1C}">
+                <a14:useLocalDpi xmlns:a14="http://schemas.microsoft.com/office/drawing/2010/main" val="0"/>
+              </a:ext>
+            </a:extLst>
+          </a:blip>
+          <a:stretch>
+            <a:fillRect/>
+          </a:stretch>
+        </p:blipFill>
+        <p:spPr>
+          <a:xfrm>
+            <a:off x="3662362" y="2377281"/>
+            <a:ext cx="4867275" cy="3657600"/>
+          </a:xfrm>
+        </p:spPr>
+      </p:pic>
+    </p:spTree>
+    <p:extLst>
+      <p:ext uri="{BB962C8B-B14F-4D97-AF65-F5344CB8AC3E}">
+        <p14:creationId xmlns:p14="http://schemas.microsoft.com/office/powerpoint/2010/main" val="3414003879"/>
+      </p:ext>
+    </p:extLst>
+  </p:cSld>
+  <p:clrMapOvr>
+    <a:masterClrMapping/>
+  </p:clrMapOvr>
+</p:sld>
+</file>
+
+<file path=ppt/slides/slide35.xml><?xml version="1.0" encoding="utf-8"?>
+<p:sld xmlns:a="http://schemas.openxmlformats.org/drawingml/2006/main" xmlns:r="http://schemas.openxmlformats.org/officeDocument/2006/relationships" xmlns:p="http://schemas.openxmlformats.org/presentationml/2006/main">
+  <p:cSld>
+    <p:spTree>
+      <p:nvGrpSpPr>
+        <p:cNvPr id="1" name=""/>
+        <p:cNvGrpSpPr/>
+        <p:nvPr/>
+      </p:nvGrpSpPr>
+      <p:grpSpPr>
+        <a:xfrm>
+          <a:off x="0" y="0"/>
+          <a:ext cx="0" cy="0"/>
+          <a:chOff x="0" y="0"/>
+          <a:chExt cx="0" cy="0"/>
+        </a:xfrm>
+      </p:grpSpPr>
+      <p:sp>
+        <p:nvSpPr>
+          <p:cNvPr id="2" name="Titel 1">
+            <a:extLst>
+              <a:ext uri="{FF2B5EF4-FFF2-40B4-BE49-F238E27FC236}">
+                <a16:creationId xmlns:a16="http://schemas.microsoft.com/office/drawing/2014/main" id="{FFEC5993-EFA9-A519-83CC-AF07225CE353}"/>
+              </a:ext>
+            </a:extLst>
+          </p:cNvPr>
+          <p:cNvSpPr>
+            <a:spLocks noGrp="1"/>
+          </p:cNvSpPr>
+          <p:nvPr>
+            <p:ph type="title"/>
+          </p:nvPr>
+        </p:nvSpPr>
+        <p:spPr>
+          <a:xfrm>
+            <a:off x="0" y="0"/>
+            <a:ext cx="12192000" cy="6857999"/>
+          </a:xfrm>
+        </p:spPr>
+        <p:txBody>
+          <a:bodyPr/>
+          <a:lstStyle/>
+          <a:p>
+            <a:pPr algn="ctr"/>
+            <a:r>
+              <a:rPr lang="da-DK" dirty="0"/>
+              <a:t>Demo</a:t>
+            </a:r>
+            <a:br>
+              <a:rPr lang="da-DK" dirty="0"/>
+            </a:br>
+            <a:r>
+              <a:rPr lang="da-DK" dirty="0"/>
+              <a:t>Kafka</a:t>
+            </a:r>
+          </a:p>
+        </p:txBody>
+      </p:sp>
+    </p:spTree>
+    <p:extLst>
+      <p:ext uri="{BB962C8B-B14F-4D97-AF65-F5344CB8AC3E}">
+        <p14:creationId xmlns:p14="http://schemas.microsoft.com/office/powerpoint/2010/main" val="230170436"/>
+      </p:ext>
+    </p:extLst>
+  </p:cSld>
+  <p:clrMapOvr>
+    <a:masterClrMapping/>
+  </p:clrMapOvr>
+</p:sld>
+</file>
+
+<file path=ppt/slides/slide36.xml><?xml version="1.0" encoding="utf-8"?>
+<p:sld xmlns:a="http://schemas.openxmlformats.org/drawingml/2006/main" xmlns:r="http://schemas.openxmlformats.org/officeDocument/2006/relationships" xmlns:p="http://schemas.openxmlformats.org/presentationml/2006/main">
+  <p:cSld>
+    <p:spTree>
+      <p:nvGrpSpPr>
+        <p:cNvPr id="1" name=""/>
+        <p:cNvGrpSpPr/>
+        <p:nvPr/>
+      </p:nvGrpSpPr>
+      <p:grpSpPr>
+        <a:xfrm>
+          <a:off x="0" y="0"/>
+          <a:ext cx="0" cy="0"/>
+          <a:chOff x="0" y="0"/>
+          <a:chExt cx="0" cy="0"/>
+        </a:xfrm>
+      </p:grpSpPr>
+      <p:sp>
+        <p:nvSpPr>
+          <p:cNvPr id="8" name="Titel 7">
+            <a:extLst>
+              <a:ext uri="{FF2B5EF4-FFF2-40B4-BE49-F238E27FC236}">
+                <a16:creationId xmlns:a16="http://schemas.microsoft.com/office/drawing/2014/main" id="{964C56D4-D3DF-1B49-7986-BDEB15B6AF6E}"/>
+              </a:ext>
+            </a:extLst>
+          </p:cNvPr>
+          <p:cNvSpPr>
+            <a:spLocks noGrp="1"/>
+          </p:cNvSpPr>
+          <p:nvPr>
+            <p:ph type="title"/>
+          </p:nvPr>
+        </p:nvSpPr>
+        <p:spPr/>
+        <p:txBody>
+          <a:bodyPr/>
+          <a:lstStyle/>
+          <a:p>
+            <a:r>
+              <a:rPr lang="da-DK" dirty="0"/>
+              <a:t>Kafka - I forhold til </a:t>
+            </a:r>
+            <a:r>
+              <a:rPr lang="da-DK" dirty="0" err="1"/>
+              <a:t>RabbitMQ</a:t>
+            </a:r>
+            <a:endParaRPr lang="da-DK" dirty="0"/>
+          </a:p>
+        </p:txBody>
+      </p:sp>
+      <p:sp>
+        <p:nvSpPr>
+          <p:cNvPr id="2" name="Pladsholder til tekst 1">
+            <a:extLst>
+              <a:ext uri="{FF2B5EF4-FFF2-40B4-BE49-F238E27FC236}">
+                <a16:creationId xmlns:a16="http://schemas.microsoft.com/office/drawing/2014/main" id="{52D09D76-F7EA-FB42-58D6-435CFFBC688F}"/>
+              </a:ext>
+            </a:extLst>
+          </p:cNvPr>
+          <p:cNvSpPr>
+            <a:spLocks noGrp="1"/>
+          </p:cNvSpPr>
+          <p:nvPr>
+            <p:ph type="body" idx="1"/>
+          </p:nvPr>
+        </p:nvSpPr>
+        <p:spPr/>
+        <p:txBody>
+          <a:bodyPr/>
+          <a:lstStyle/>
+          <a:p>
+            <a:r>
+              <a:rPr lang="da-DK" dirty="0"/>
+              <a:t>Kafka</a:t>
+            </a:r>
+          </a:p>
+        </p:txBody>
+      </p:sp>
+      <p:sp>
+        <p:nvSpPr>
+          <p:cNvPr id="3" name="Pladsholder til indhold 2">
+            <a:extLst>
+              <a:ext uri="{FF2B5EF4-FFF2-40B4-BE49-F238E27FC236}">
+                <a16:creationId xmlns:a16="http://schemas.microsoft.com/office/drawing/2014/main" id="{339997B2-9ED5-7B5A-EBCA-3B5D07672F58}"/>
+              </a:ext>
+            </a:extLst>
+          </p:cNvPr>
+          <p:cNvSpPr>
+            <a:spLocks noGrp="1"/>
+          </p:cNvSpPr>
+          <p:nvPr>
+            <p:ph sz="half" idx="2"/>
+          </p:nvPr>
+        </p:nvSpPr>
+        <p:spPr/>
+        <p:txBody>
+          <a:bodyPr/>
+          <a:lstStyle/>
+          <a:p>
+            <a:r>
+              <a:rPr lang="da-DK" dirty="0" err="1"/>
+              <a:t>Topic</a:t>
+            </a:r>
+            <a:endParaRPr lang="da-DK" dirty="0"/>
+          </a:p>
+          <a:p>
+            <a:r>
+              <a:rPr lang="da-DK" dirty="0"/>
+              <a:t>Kan have skema	</a:t>
+            </a:r>
+          </a:p>
+          <a:p>
+            <a:r>
+              <a:rPr lang="da-DK" dirty="0"/>
+              <a:t>Event</a:t>
+            </a:r>
+          </a:p>
+          <a:p>
+            <a:r>
+              <a:rPr lang="da-DK" dirty="0"/>
+              <a:t>Understøtter ikke </a:t>
+            </a:r>
+            <a:r>
+              <a:rPr lang="da-DK" dirty="0" err="1"/>
+              <a:t>Request</a:t>
+            </a:r>
+            <a:r>
+              <a:rPr lang="da-DK" dirty="0"/>
+              <a:t>/</a:t>
+            </a:r>
+            <a:r>
+              <a:rPr lang="da-DK" dirty="0" err="1"/>
+              <a:t>Response</a:t>
+            </a:r>
+            <a:endParaRPr lang="da-DK" dirty="0"/>
+          </a:p>
+          <a:p>
+            <a:r>
+              <a:rPr lang="da-DK" dirty="0"/>
+              <a:t>Consumer kan kun oprette </a:t>
+            </a:r>
+            <a:r>
+              <a:rPr lang="da-DK" dirty="0" err="1"/>
+              <a:t>topic</a:t>
+            </a:r>
+            <a:r>
+              <a:rPr lang="da-DK" dirty="0"/>
+              <a:t>, hvis broker tillader det</a:t>
+            </a:r>
+          </a:p>
+        </p:txBody>
+      </p:sp>
+      <p:sp>
+        <p:nvSpPr>
+          <p:cNvPr id="4" name="Pladsholder til tekst 3">
+            <a:extLst>
+              <a:ext uri="{FF2B5EF4-FFF2-40B4-BE49-F238E27FC236}">
+                <a16:creationId xmlns:a16="http://schemas.microsoft.com/office/drawing/2014/main" id="{D2BCD25E-3062-C776-FDCD-8724CFA931AE}"/>
+              </a:ext>
+            </a:extLst>
+          </p:cNvPr>
+          <p:cNvSpPr>
+            <a:spLocks noGrp="1"/>
+          </p:cNvSpPr>
+          <p:nvPr>
+            <p:ph type="body" sz="quarter" idx="3"/>
+          </p:nvPr>
+        </p:nvSpPr>
+        <p:spPr/>
+        <p:txBody>
+          <a:bodyPr/>
+          <a:lstStyle/>
+          <a:p>
+            <a:r>
+              <a:rPr lang="da-DK" dirty="0" err="1"/>
+              <a:t>RabbitMQ</a:t>
+            </a:r>
+            <a:endParaRPr lang="da-DK" dirty="0"/>
+          </a:p>
+        </p:txBody>
+      </p:sp>
+      <p:sp>
+        <p:nvSpPr>
+          <p:cNvPr id="5" name="Pladsholder til indhold 4">
+            <a:extLst>
+              <a:ext uri="{FF2B5EF4-FFF2-40B4-BE49-F238E27FC236}">
+                <a16:creationId xmlns:a16="http://schemas.microsoft.com/office/drawing/2014/main" id="{A6395EEA-AED6-2FD6-EC89-277DA9898817}"/>
+              </a:ext>
+            </a:extLst>
+          </p:cNvPr>
+          <p:cNvSpPr>
+            <a:spLocks noGrp="1"/>
+          </p:cNvSpPr>
+          <p:nvPr>
+            <p:ph sz="quarter" idx="4"/>
+          </p:nvPr>
+        </p:nvSpPr>
+        <p:spPr/>
+        <p:txBody>
+          <a:bodyPr/>
+          <a:lstStyle/>
+          <a:p>
+            <a:r>
+              <a:rPr lang="da-DK" dirty="0"/>
+              <a:t>Queue/Stream</a:t>
+            </a:r>
+          </a:p>
+          <a:p>
+            <a:r>
+              <a:rPr lang="da-DK" dirty="0"/>
+              <a:t>Intet skema</a:t>
+            </a:r>
+          </a:p>
+          <a:p>
+            <a:r>
+              <a:rPr lang="da-DK" dirty="0"/>
+              <a:t>Message</a:t>
+            </a:r>
+          </a:p>
+          <a:p>
+            <a:r>
+              <a:rPr lang="da-DK" dirty="0"/>
+              <a:t>Remote Procedure Call</a:t>
+            </a:r>
+          </a:p>
+          <a:p>
+            <a:r>
+              <a:rPr lang="da-DK" dirty="0"/>
+              <a:t>Consumer kan selv oprette </a:t>
+            </a:r>
+            <a:r>
+              <a:rPr lang="da-DK" dirty="0" err="1"/>
+              <a:t>queue</a:t>
+            </a:r>
+            <a:endParaRPr lang="da-DK" dirty="0"/>
+          </a:p>
+        </p:txBody>
+      </p:sp>
+    </p:spTree>
+    <p:extLst>
+      <p:ext uri="{BB962C8B-B14F-4D97-AF65-F5344CB8AC3E}">
+        <p14:creationId xmlns:p14="http://schemas.microsoft.com/office/powerpoint/2010/main" val="1977421596"/>
+      </p:ext>
+    </p:extLst>
+  </p:cSld>
+  <p:clrMapOvr>
+    <a:masterClrMapping/>
+  </p:clrMapOvr>
+</p:sld>
+</file>
+
+<file path=ppt/slides/slide37.xml><?xml version="1.0" encoding="utf-8"?>
+<p:sld xmlns:a="http://schemas.openxmlformats.org/drawingml/2006/main" xmlns:r="http://schemas.openxmlformats.org/officeDocument/2006/relationships" xmlns:p="http://schemas.openxmlformats.org/presentationml/2006/main">
+  <p:cSld>
+    <p:spTree>
+      <p:nvGrpSpPr>
+        <p:cNvPr id="1" name=""/>
+        <p:cNvGrpSpPr/>
+        <p:nvPr/>
+      </p:nvGrpSpPr>
+      <p:grpSpPr>
+        <a:xfrm>
+          <a:off x="0" y="0"/>
+          <a:ext cx="0" cy="0"/>
+          <a:chOff x="0" y="0"/>
+          <a:chExt cx="0" cy="0"/>
+        </a:xfrm>
+      </p:grpSpPr>
+      <p:sp>
+        <p:nvSpPr>
           <p:cNvPr id="8" name="Titel 7">
             <a:extLst>
               <a:ext uri="{FF2B5EF4-FFF2-40B4-BE49-F238E27FC236}">
@@ -13059,7 +13948,7 @@
 </p:sld>
 </file>
 
-<file path=ppt/slides/slide35.xml><?xml version="1.0" encoding="utf-8"?>
+<file path=ppt/slides/slide38.xml><?xml version="1.0" encoding="utf-8"?>
 <p:sld xmlns:a="http://schemas.openxmlformats.org/drawingml/2006/main" xmlns:r="http://schemas.openxmlformats.org/officeDocument/2006/relationships" xmlns:p="http://schemas.openxmlformats.org/presentationml/2006/main">
   <p:cSld>
     <p:spTree>
@@ -13157,7 +14046,7 @@
 </p:sld>
 </file>
 
-<file path=ppt/slides/slide36.xml><?xml version="1.0" encoding="utf-8"?>
+<file path=ppt/slides/slide39.xml><?xml version="1.0" encoding="utf-8"?>
 <p:sld xmlns:a="http://schemas.openxmlformats.org/drawingml/2006/main" xmlns:r="http://schemas.openxmlformats.org/officeDocument/2006/relationships" xmlns:p="http://schemas.openxmlformats.org/presentationml/2006/main" show="0">
   <p:cSld>
     <p:spTree>
@@ -13330,158 +14219,6 @@
     <p:extLst>
       <p:ext uri="{BB962C8B-B14F-4D97-AF65-F5344CB8AC3E}">
         <p14:creationId xmlns:p14="http://schemas.microsoft.com/office/powerpoint/2010/main" val="221808590"/>
-      </p:ext>
-    </p:extLst>
-  </p:cSld>
-  <p:clrMapOvr>
-    <a:masterClrMapping/>
-  </p:clrMapOvr>
-</p:sld>
-</file>
-
-<file path=ppt/slides/slide37.xml><?xml version="1.0" encoding="utf-8"?>
-<p:sld xmlns:a="http://schemas.openxmlformats.org/drawingml/2006/main" xmlns:r="http://schemas.openxmlformats.org/officeDocument/2006/relationships" xmlns:p="http://schemas.openxmlformats.org/presentationml/2006/main">
-  <p:cSld>
-    <p:spTree>
-      <p:nvGrpSpPr>
-        <p:cNvPr id="1" name=""/>
-        <p:cNvGrpSpPr/>
-        <p:nvPr/>
-      </p:nvGrpSpPr>
-      <p:grpSpPr>
-        <a:xfrm>
-          <a:off x="0" y="0"/>
-          <a:ext cx="0" cy="0"/>
-          <a:chOff x="0" y="0"/>
-          <a:chExt cx="0" cy="0"/>
-        </a:xfrm>
-      </p:grpSpPr>
-      <p:sp>
-        <p:nvSpPr>
-          <p:cNvPr id="2" name="Titel 1">
-            <a:extLst>
-              <a:ext uri="{FF2B5EF4-FFF2-40B4-BE49-F238E27FC236}">
-                <a16:creationId xmlns:a16="http://schemas.microsoft.com/office/drawing/2014/main" id="{BD49CE15-8830-7735-EEBA-56B46383EED4}"/>
-              </a:ext>
-            </a:extLst>
-          </p:cNvPr>
-          <p:cNvSpPr>
-            <a:spLocks noGrp="1"/>
-          </p:cNvSpPr>
-          <p:nvPr>
-            <p:ph type="title"/>
-          </p:nvPr>
-        </p:nvSpPr>
-        <p:spPr/>
-        <p:txBody>
-          <a:bodyPr/>
-          <a:lstStyle/>
-          <a:p>
-            <a:r>
-              <a:rPr lang="da-DK" dirty="0"/>
-              <a:t>Referencer</a:t>
-            </a:r>
-          </a:p>
-        </p:txBody>
-      </p:sp>
-      <p:sp>
-        <p:nvSpPr>
-          <p:cNvPr id="3" name="Pladsholder til indhold 2">
-            <a:extLst>
-              <a:ext uri="{FF2B5EF4-FFF2-40B4-BE49-F238E27FC236}">
-                <a16:creationId xmlns:a16="http://schemas.microsoft.com/office/drawing/2014/main" id="{DBD79205-814B-8ABA-7820-A8964F2C7957}"/>
-              </a:ext>
-            </a:extLst>
-          </p:cNvPr>
-          <p:cNvSpPr>
-            <a:spLocks noGrp="1"/>
-          </p:cNvSpPr>
-          <p:nvPr>
-            <p:ph idx="1"/>
-          </p:nvPr>
-        </p:nvSpPr>
-        <p:spPr/>
-        <p:txBody>
-          <a:bodyPr/>
-          <a:lstStyle/>
-          <a:p>
-            <a:r>
-              <a:rPr lang="da-DK" dirty="0"/>
-              <a:t>[1] M. Fowler: </a:t>
-            </a:r>
-            <a:r>
-              <a:rPr lang="da-DK" dirty="0">
-                <a:hlinkClick r:id="rId2">
-                  <a:extLst>
-                    <a:ext uri="{A12FA001-AC4F-418D-AE19-62706E023703}">
-                      <ahyp:hlinkClr xmlns:ahyp="http://schemas.microsoft.com/office/drawing/2018/hyperlinkcolor" val="tx"/>
-                    </a:ext>
-                  </a:extLst>
-                </a:hlinkClick>
-              </a:rPr>
-              <a:t>https://martinfowler.com/bliki/UbiquitousLanguage.html</a:t>
-            </a:r>
-            <a:r>
-              <a:rPr lang="da-DK" dirty="0"/>
-              <a:t> (3/5/2024</a:t>
-            </a:r>
-          </a:p>
-          <a:p>
-            <a:r>
-              <a:rPr lang="da-DK" dirty="0"/>
-              <a:t>[2] Microsoft: </a:t>
-            </a:r>
-            <a:r>
-              <a:rPr lang="da-DK" dirty="0">
-                <a:hlinkClick r:id="rId3">
-                  <a:extLst>
-                    <a:ext uri="{A12FA001-AC4F-418D-AE19-62706E023703}">
-                      <ahyp:hlinkClr xmlns:ahyp="http://schemas.microsoft.com/office/drawing/2018/hyperlinkcolor" val="tx"/>
-                    </a:ext>
-                  </a:extLst>
-                </a:hlinkClick>
-              </a:rPr>
-              <a:t>https://learn.microsoft.com/en-us/dotnet/architecture/microservices/microservice-ddd-cqrs-patterns/ddd-oriented-microservice</a:t>
-            </a:r>
-            <a:r>
-              <a:rPr lang="da-DK" dirty="0"/>
-              <a:t> (8/5/2024) </a:t>
-            </a:r>
-          </a:p>
-          <a:p>
-            <a:r>
-              <a:rPr lang="da-DK" dirty="0"/>
-              <a:t>[3] Apache Kafka: </a:t>
-            </a:r>
-            <a:r>
-              <a:rPr lang="da-DK" dirty="0">
-                <a:hlinkClick r:id="rId4">
-                  <a:extLst>
-                    <a:ext uri="{A12FA001-AC4F-418D-AE19-62706E023703}">
-                      <ahyp:hlinkClr xmlns:ahyp="http://schemas.microsoft.com/office/drawing/2018/hyperlinkcolor" val="tx"/>
-                    </a:ext>
-                  </a:extLst>
-                </a:hlinkClick>
-              </a:rPr>
-              <a:t>https://kafka.apache.org/documentation</a:t>
-            </a:r>
-            <a:r>
-              <a:rPr lang="da-DK" dirty="0"/>
-              <a:t> (6/5/2024)</a:t>
-            </a:r>
-          </a:p>
-          <a:p>
-            <a:endParaRPr lang="da-DK" dirty="0"/>
-          </a:p>
-          <a:p>
-            <a:endParaRPr lang="da-DK" dirty="0"/>
-          </a:p>
-        </p:txBody>
-      </p:sp>
-    </p:spTree>
-    <p:extLst>
-      <p:ext uri="{BB962C8B-B14F-4D97-AF65-F5344CB8AC3E}">
-        <p14:creationId xmlns:p14="http://schemas.microsoft.com/office/powerpoint/2010/main" val="3618761977"/>
       </p:ext>
     </p:extLst>
   </p:cSld>
@@ -13572,6 +14309,158 @@
     <p:extLst>
       <p:ext uri="{BB962C8B-B14F-4D97-AF65-F5344CB8AC3E}">
         <p14:creationId xmlns:p14="http://schemas.microsoft.com/office/powerpoint/2010/main" val="3445350388"/>
+      </p:ext>
+    </p:extLst>
+  </p:cSld>
+  <p:clrMapOvr>
+    <a:masterClrMapping/>
+  </p:clrMapOvr>
+</p:sld>
+</file>
+
+<file path=ppt/slides/slide40.xml><?xml version="1.0" encoding="utf-8"?>
+<p:sld xmlns:a="http://schemas.openxmlformats.org/drawingml/2006/main" xmlns:r="http://schemas.openxmlformats.org/officeDocument/2006/relationships" xmlns:p="http://schemas.openxmlformats.org/presentationml/2006/main">
+  <p:cSld>
+    <p:spTree>
+      <p:nvGrpSpPr>
+        <p:cNvPr id="1" name=""/>
+        <p:cNvGrpSpPr/>
+        <p:nvPr/>
+      </p:nvGrpSpPr>
+      <p:grpSpPr>
+        <a:xfrm>
+          <a:off x="0" y="0"/>
+          <a:ext cx="0" cy="0"/>
+          <a:chOff x="0" y="0"/>
+          <a:chExt cx="0" cy="0"/>
+        </a:xfrm>
+      </p:grpSpPr>
+      <p:sp>
+        <p:nvSpPr>
+          <p:cNvPr id="2" name="Titel 1">
+            <a:extLst>
+              <a:ext uri="{FF2B5EF4-FFF2-40B4-BE49-F238E27FC236}">
+                <a16:creationId xmlns:a16="http://schemas.microsoft.com/office/drawing/2014/main" id="{BD49CE15-8830-7735-EEBA-56B46383EED4}"/>
+              </a:ext>
+            </a:extLst>
+          </p:cNvPr>
+          <p:cNvSpPr>
+            <a:spLocks noGrp="1"/>
+          </p:cNvSpPr>
+          <p:nvPr>
+            <p:ph type="title"/>
+          </p:nvPr>
+        </p:nvSpPr>
+        <p:spPr/>
+        <p:txBody>
+          <a:bodyPr/>
+          <a:lstStyle/>
+          <a:p>
+            <a:r>
+              <a:rPr lang="da-DK" dirty="0"/>
+              <a:t>Referencer</a:t>
+            </a:r>
+          </a:p>
+        </p:txBody>
+      </p:sp>
+      <p:sp>
+        <p:nvSpPr>
+          <p:cNvPr id="3" name="Pladsholder til indhold 2">
+            <a:extLst>
+              <a:ext uri="{FF2B5EF4-FFF2-40B4-BE49-F238E27FC236}">
+                <a16:creationId xmlns:a16="http://schemas.microsoft.com/office/drawing/2014/main" id="{DBD79205-814B-8ABA-7820-A8964F2C7957}"/>
+              </a:ext>
+            </a:extLst>
+          </p:cNvPr>
+          <p:cNvSpPr>
+            <a:spLocks noGrp="1"/>
+          </p:cNvSpPr>
+          <p:nvPr>
+            <p:ph idx="1"/>
+          </p:nvPr>
+        </p:nvSpPr>
+        <p:spPr/>
+        <p:txBody>
+          <a:bodyPr/>
+          <a:lstStyle/>
+          <a:p>
+            <a:r>
+              <a:rPr lang="da-DK" dirty="0"/>
+              <a:t>[1] M. Fowler: </a:t>
+            </a:r>
+            <a:r>
+              <a:rPr lang="da-DK" dirty="0">
+                <a:hlinkClick r:id="rId2">
+                  <a:extLst>
+                    <a:ext uri="{A12FA001-AC4F-418D-AE19-62706E023703}">
+                      <ahyp:hlinkClr xmlns:ahyp="http://schemas.microsoft.com/office/drawing/2018/hyperlinkcolor" val="tx"/>
+                    </a:ext>
+                  </a:extLst>
+                </a:hlinkClick>
+              </a:rPr>
+              <a:t>https://martinfowler.com/bliki/UbiquitousLanguage.html</a:t>
+            </a:r>
+            <a:r>
+              <a:rPr lang="da-DK" dirty="0"/>
+              <a:t> (3/5/2024</a:t>
+            </a:r>
+          </a:p>
+          <a:p>
+            <a:r>
+              <a:rPr lang="da-DK" dirty="0"/>
+              <a:t>[2] Microsoft: </a:t>
+            </a:r>
+            <a:r>
+              <a:rPr lang="da-DK" dirty="0">
+                <a:hlinkClick r:id="rId3">
+                  <a:extLst>
+                    <a:ext uri="{A12FA001-AC4F-418D-AE19-62706E023703}">
+                      <ahyp:hlinkClr xmlns:ahyp="http://schemas.microsoft.com/office/drawing/2018/hyperlinkcolor" val="tx"/>
+                    </a:ext>
+                  </a:extLst>
+                </a:hlinkClick>
+              </a:rPr>
+              <a:t>https://learn.microsoft.com/en-us/dotnet/architecture/microservices/microservice-ddd-cqrs-patterns/ddd-oriented-microservice</a:t>
+            </a:r>
+            <a:r>
+              <a:rPr lang="da-DK" dirty="0"/>
+              <a:t> (8/5/2024) </a:t>
+            </a:r>
+          </a:p>
+          <a:p>
+            <a:r>
+              <a:rPr lang="da-DK" dirty="0"/>
+              <a:t>[3] Apache Kafka: </a:t>
+            </a:r>
+            <a:r>
+              <a:rPr lang="da-DK" dirty="0">
+                <a:hlinkClick r:id="rId4">
+                  <a:extLst>
+                    <a:ext uri="{A12FA001-AC4F-418D-AE19-62706E023703}">
+                      <ahyp:hlinkClr xmlns:ahyp="http://schemas.microsoft.com/office/drawing/2018/hyperlinkcolor" val="tx"/>
+                    </a:ext>
+                  </a:extLst>
+                </a:hlinkClick>
+              </a:rPr>
+              <a:t>https://kafka.apache.org/documentation</a:t>
+            </a:r>
+            <a:r>
+              <a:rPr lang="da-DK" dirty="0"/>
+              <a:t> (6/5/2024)</a:t>
+            </a:r>
+          </a:p>
+          <a:p>
+            <a:endParaRPr lang="da-DK" dirty="0"/>
+          </a:p>
+          <a:p>
+            <a:endParaRPr lang="da-DK" dirty="0"/>
+          </a:p>
+        </p:txBody>
+      </p:sp>
+    </p:spTree>
+    <p:extLst>
+      <p:ext uri="{BB962C8B-B14F-4D97-AF65-F5344CB8AC3E}">
+        <p14:creationId xmlns:p14="http://schemas.microsoft.com/office/powerpoint/2010/main" val="3618761977"/>
       </p:ext>
     </p:extLst>
   </p:cSld>

--- a/presentation.pptx
+++ b/presentation.pptx
@@ -5,7 +5,7 @@
     <p:sldMasterId id="2147483768" r:id="rId1"/>
   </p:sldMasterIdLst>
   <p:notesMasterIdLst>
-    <p:notesMasterId r:id="rId42"/>
+    <p:notesMasterId r:id="rId33"/>
   </p:notesMasterIdLst>
   <p:sldIdLst>
     <p:sldId id="256" r:id="rId2"/>
@@ -26,28 +26,19 @@
     <p:sldId id="288" r:id="rId17"/>
     <p:sldId id="290" r:id="rId18"/>
     <p:sldId id="296" r:id="rId19"/>
-    <p:sldId id="289" r:id="rId20"/>
-    <p:sldId id="276" r:id="rId21"/>
-    <p:sldId id="274" r:id="rId22"/>
-    <p:sldId id="293" r:id="rId23"/>
-    <p:sldId id="294" r:id="rId24"/>
-    <p:sldId id="295" r:id="rId25"/>
-    <p:sldId id="297" r:id="rId26"/>
-    <p:sldId id="282" r:id="rId27"/>
-    <p:sldId id="277" r:id="rId28"/>
-    <p:sldId id="262" r:id="rId29"/>
-    <p:sldId id="268" r:id="rId30"/>
-    <p:sldId id="292" r:id="rId31"/>
-    <p:sldId id="270" r:id="rId32"/>
-    <p:sldId id="301" r:id="rId33"/>
-    <p:sldId id="302" r:id="rId34"/>
-    <p:sldId id="303" r:id="rId35"/>
-    <p:sldId id="267" r:id="rId36"/>
-    <p:sldId id="269" r:id="rId37"/>
-    <p:sldId id="271" r:id="rId38"/>
-    <p:sldId id="272" r:id="rId39"/>
-    <p:sldId id="281" r:id="rId40"/>
-    <p:sldId id="298" r:id="rId41"/>
+    <p:sldId id="297" r:id="rId20"/>
+    <p:sldId id="282" r:id="rId21"/>
+    <p:sldId id="277" r:id="rId22"/>
+    <p:sldId id="268" r:id="rId23"/>
+    <p:sldId id="270" r:id="rId24"/>
+    <p:sldId id="301" r:id="rId25"/>
+    <p:sldId id="302" r:id="rId26"/>
+    <p:sldId id="303" r:id="rId27"/>
+    <p:sldId id="267" r:id="rId28"/>
+    <p:sldId id="269" r:id="rId29"/>
+    <p:sldId id="271" r:id="rId30"/>
+    <p:sldId id="272" r:id="rId31"/>
+    <p:sldId id="298" r:id="rId32"/>
   </p:sldIdLst>
   <p:sldSz cx="12192000" cy="6858000"/>
   <p:notesSz cx="6858000" cy="9144000"/>
@@ -236,7 +227,7 @@
           <a:p>
             <a:fld id="{8F5AC0EE-C0EF-4DBE-8184-146DED29BF67}" type="datetimeFigureOut">
               <a:rPr lang="da-DK" smtClean="0"/>
-              <a:t>10-05-2024</a:t>
+              <a:t>12-05-2024</a:t>
             </a:fld>
             <a:endParaRPr lang="da-DK"/>
           </a:p>
@@ -1084,7 +1075,18 @@
           <a:bodyPr/>
           <a:lstStyle/>
           <a:p>
-            <a:endParaRPr lang="da-DK" dirty="0"/>
+            <a:r>
+              <a:rPr lang="da-DK" dirty="0"/>
+              <a:t>Kunne nævne ting som </a:t>
+            </a:r>
+            <a:r>
+              <a:rPr lang="da-DK" dirty="0" err="1"/>
+              <a:t>interceptor</a:t>
+            </a:r>
+            <a:r>
+              <a:rPr lang="da-DK" dirty="0"/>
+              <a:t> </a:t>
+            </a:r>
           </a:p>
         </p:txBody>
       </p:sp>
@@ -1105,7 +1107,7 @@
           <a:p>
             <a:fld id="{252E21F2-0B82-4ACE-A045-2AAC56859006}" type="slidenum">
               <a:rPr lang="da-DK" smtClean="0"/>
-              <a:t>20</a:t>
+              <a:t>19</a:t>
             </a:fld>
             <a:endParaRPr lang="da-DK"/>
           </a:p>
@@ -1114,7 +1116,7 @@
     </p:spTree>
     <p:extLst>
       <p:ext uri="{BB962C8B-B14F-4D97-AF65-F5344CB8AC3E}">
-        <p14:creationId xmlns:p14="http://schemas.microsoft.com/office/powerpoint/2010/main" val="2289638430"/>
+        <p14:creationId xmlns:p14="http://schemas.microsoft.com/office/powerpoint/2010/main" val="2371307318"/>
       </p:ext>
     </p:extLst>
   </p:cSld>
@@ -1170,28 +1172,25 @@
           <a:p>
             <a:r>
               <a:rPr lang="da-DK" dirty="0" err="1"/>
-              <a:t>Seq</a:t>
-            </a:r>
-            <a:r>
-              <a:rPr lang="da-DK" dirty="0"/>
-              <a:t> og </a:t>
-            </a:r>
-            <a:r>
-              <a:rPr lang="da-DK" dirty="0" err="1"/>
-              <a:t>Serilog</a:t>
-            </a:r>
-            <a:r>
-              <a:rPr lang="da-DK" dirty="0"/>
-              <a:t> er begge lette og små? </a:t>
-            </a:r>
-            <a:r>
-              <a:rPr lang="da-DK" dirty="0" err="1"/>
-              <a:t>Koncenteret</a:t>
-            </a:r>
-            <a:r>
-              <a:rPr lang="da-DK" dirty="0"/>
-              <a:t>? </a:t>
-            </a:r>
+              <a:t>Refresh</a:t>
+            </a:r>
+            <a:r>
+              <a:rPr lang="da-DK" dirty="0"/>
+              <a:t> </a:t>
+            </a:r>
+            <a:r>
+              <a:rPr lang="da-DK" dirty="0" err="1"/>
+              <a:t>token</a:t>
+            </a:r>
+            <a:r>
+              <a:rPr lang="da-DK" dirty="0"/>
+              <a:t> bliver ikke sat til invalid når den bruges til skabe nye </a:t>
+            </a:r>
+            <a:r>
+              <a:rPr lang="da-DK" dirty="0" err="1"/>
+              <a:t>tokens</a:t>
+            </a:r>
+            <a:endParaRPr lang="da-DK" dirty="0"/>
           </a:p>
         </p:txBody>
       </p:sp>
@@ -1212,7 +1211,7 @@
           <a:p>
             <a:fld id="{252E21F2-0B82-4ACE-A045-2AAC56859006}" type="slidenum">
               <a:rPr lang="da-DK" smtClean="0"/>
-              <a:t>21</a:t>
+              <a:t>20</a:t>
             </a:fld>
             <a:endParaRPr lang="da-DK"/>
           </a:p>
@@ -1221,7 +1220,7 @@
     </p:spTree>
     <p:extLst>
       <p:ext uri="{BB962C8B-B14F-4D97-AF65-F5344CB8AC3E}">
-        <p14:creationId xmlns:p14="http://schemas.microsoft.com/office/powerpoint/2010/main" val="2294237520"/>
+        <p14:creationId xmlns:p14="http://schemas.microsoft.com/office/powerpoint/2010/main" val="671521866"/>
       </p:ext>
     </p:extLst>
   </p:cSld>
@@ -1275,18 +1274,154 @@
           <a:bodyPr/>
           <a:lstStyle/>
           <a:p>
-            <a:r>
-              <a:rPr lang="da-DK" dirty="0"/>
-              <a:t>Kunne nævne ting som </a:t>
-            </a:r>
-            <a:r>
-              <a:rPr lang="da-DK" dirty="0" err="1"/>
-              <a:t>interceptor</a:t>
+            <a:pPr marL="0" marR="0" lvl="0" indent="0" algn="l" defTabSz="914400" rtl="0" eaLnBrk="1" fontAlgn="auto" latinLnBrk="0" hangingPunct="1">
+              <a:lnSpc>
+                <a:spcPct val="100000"/>
+              </a:lnSpc>
+              <a:spcBef>
+                <a:spcPts val="0"/>
+              </a:spcBef>
+              <a:spcAft>
+                <a:spcPts val="0"/>
+              </a:spcAft>
+              <a:buClrTx/>
+              <a:buSzTx/>
+              <a:buFontTx/>
+              <a:buNone/>
+              <a:tabLst/>
+              <a:defRPr/>
+            </a:pPr>
+            <a:r>
+              <a:rPr lang="da-DK" dirty="0"/>
+              <a:t>Event </a:t>
+            </a:r>
+            <a:r>
+              <a:rPr lang="da-DK" dirty="0" err="1"/>
+              <a:t>schema</a:t>
+            </a:r>
+            <a:r>
+              <a:rPr lang="da-DK" dirty="0"/>
+              <a:t> //ikke nødvendigt</a:t>
+            </a:r>
+          </a:p>
+          <a:p>
+            <a:r>
+              <a:rPr lang="da-DK" dirty="0"/>
+              <a:t>Event, noget der er sket</a:t>
+            </a:r>
+          </a:p>
+          <a:p>
+            <a:r>
+              <a:rPr lang="da-DK" dirty="0" err="1"/>
+              <a:t>Topic</a:t>
             </a:r>
             <a:r>
               <a:rPr lang="da-DK" dirty="0"/>
               <a:t> </a:t>
             </a:r>
+            <a:r>
+              <a:rPr lang="da-DK" dirty="0" err="1"/>
+              <a:t>partitioneret</a:t>
+            </a:r>
+            <a:r>
+              <a:rPr lang="da-DK" dirty="0"/>
+              <a:t> – en </a:t>
+            </a:r>
+            <a:r>
+              <a:rPr lang="da-DK" dirty="0" err="1"/>
+              <a:t>consumer</a:t>
+            </a:r>
+            <a:r>
+              <a:rPr lang="da-DK" dirty="0"/>
+              <a:t> kan få data fra en eller flere partitioner </a:t>
+            </a:r>
+          </a:p>
+          <a:p>
+            <a:r>
+              <a:rPr lang="da-DK" dirty="0"/>
+              <a:t>Event </a:t>
+            </a:r>
+            <a:r>
+              <a:rPr lang="da-DK" dirty="0" err="1"/>
+              <a:t>Replikering</a:t>
+            </a:r>
+            <a:r>
+              <a:rPr lang="da-DK" dirty="0"/>
+              <a:t>, event er </a:t>
+            </a:r>
+            <a:r>
+              <a:rPr lang="da-DK" dirty="0" err="1"/>
+              <a:t>replikeret</a:t>
+            </a:r>
+            <a:r>
+              <a:rPr lang="da-DK" dirty="0"/>
+              <a:t> over flere brokers</a:t>
+            </a:r>
+          </a:p>
+          <a:p>
+            <a:r>
+              <a:rPr lang="da-DK" dirty="0"/>
+              <a:t>Consumer </a:t>
+            </a:r>
+            <a:r>
+              <a:rPr lang="da-DK" dirty="0" err="1"/>
+              <a:t>groupId</a:t>
+            </a:r>
+            <a:r>
+              <a:rPr lang="da-DK" dirty="0"/>
+              <a:t>, hvis samme id, </a:t>
+            </a:r>
+            <a:r>
+              <a:rPr lang="da-DK" dirty="0" err="1"/>
+              <a:t>round-robin</a:t>
+            </a:r>
+            <a:r>
+              <a:rPr lang="da-DK" dirty="0"/>
+              <a:t> fra </a:t>
+            </a:r>
+            <a:r>
+              <a:rPr lang="da-DK" dirty="0" err="1"/>
+              <a:t>partioner</a:t>
+            </a:r>
+            <a:r>
+              <a:rPr lang="da-DK" dirty="0"/>
+              <a:t> og der er mere end en partitioner</a:t>
+            </a:r>
+          </a:p>
+          <a:p>
+            <a:r>
+              <a:rPr lang="da-DK" dirty="0"/>
+              <a:t>https://stackoverflow.com/questions/38024514/understanding-kafka-topics-and-partitions</a:t>
+            </a:r>
+          </a:p>
+          <a:p>
+            <a:endParaRPr lang="da-DK" dirty="0"/>
+          </a:p>
+          <a:p>
+            <a:pPr marL="0" marR="0" lvl="0" indent="0" algn="l" defTabSz="914400" rtl="0" eaLnBrk="1" fontAlgn="auto" latinLnBrk="0" hangingPunct="1">
+              <a:lnSpc>
+                <a:spcPct val="100000"/>
+              </a:lnSpc>
+              <a:spcBef>
+                <a:spcPts val="0"/>
+              </a:spcBef>
+              <a:spcAft>
+                <a:spcPts val="0"/>
+              </a:spcAft>
+              <a:buClrTx/>
+              <a:buSzTx/>
+              <a:buFontTx/>
+              <a:buNone/>
+              <a:tabLst/>
+              <a:defRPr/>
+            </a:pPr>
+            <a:r>
+              <a:rPr lang="da-DK" dirty="0"/>
+              <a:t>Kommunikation via TCP</a:t>
+            </a:r>
+          </a:p>
+          <a:p>
+            <a:endParaRPr lang="da-DK" dirty="0"/>
           </a:p>
         </p:txBody>
       </p:sp>
@@ -1316,7 +1451,7 @@
     </p:spTree>
     <p:extLst>
       <p:ext uri="{BB962C8B-B14F-4D97-AF65-F5344CB8AC3E}">
-        <p14:creationId xmlns:p14="http://schemas.microsoft.com/office/powerpoint/2010/main" val="4069340254"/>
+        <p14:creationId xmlns:p14="http://schemas.microsoft.com/office/powerpoint/2010/main" val="2764263524"/>
       </p:ext>
     </p:extLst>
   </p:cSld>
@@ -1372,50 +1507,34 @@
           <a:p>
             <a:r>
               <a:rPr lang="da-DK" dirty="0"/>
-              <a:t>20x hurtigere end JavaScript, </a:t>
-            </a:r>
-            <a:r>
-              <a:rPr lang="da-DK" dirty="0" err="1"/>
-              <a:t>stack-based</a:t>
-            </a:r>
-            <a:r>
-              <a:rPr lang="da-DK" dirty="0"/>
-              <a:t> JavaScript VM, </a:t>
-            </a:r>
-            <a:r>
-              <a:rPr lang="da-DK" dirty="0" err="1"/>
-              <a:t>sandboxed</a:t>
-            </a:r>
-            <a:r>
-              <a:rPr lang="da-DK" dirty="0"/>
-              <a:t>, binær format, C/C++ compiler</a:t>
-            </a:r>
-          </a:p>
-          <a:p>
-            <a:pPr marL="0" marR="0" lvl="0" indent="0" algn="l" defTabSz="914400" rtl="0" eaLnBrk="1" fontAlgn="auto" latinLnBrk="0" hangingPunct="1">
-              <a:lnSpc>
-                <a:spcPct val="100000"/>
-              </a:lnSpc>
-              <a:spcBef>
-                <a:spcPts val="0"/>
-              </a:spcBef>
-              <a:spcAft>
-                <a:spcPts val="0"/>
-              </a:spcAft>
-              <a:buClrTx/>
-              <a:buSzTx/>
-              <a:buFontTx/>
-              <a:buNone/>
-              <a:tabLst/>
-              <a:defRPr/>
-            </a:pPr>
-            <a:r>
-              <a:rPr lang="da-DK" dirty="0"/>
-              <a:t>https://webassembly.org/docs/faq/</a:t>
-            </a:r>
-          </a:p>
-          <a:p>
-            <a:endParaRPr lang="da-DK" dirty="0"/>
+              <a:t>Nævn at broker nu kan være controllers, men før var det zookeeper</a:t>
+            </a:r>
+          </a:p>
+          <a:p>
+            <a:r>
+              <a:rPr lang="da-DK" dirty="0" err="1"/>
+              <a:t>ZooKeeper</a:t>
+            </a:r>
+            <a:r>
+              <a:rPr lang="da-DK" dirty="0"/>
+              <a:t> udskiftet med </a:t>
+            </a:r>
+            <a:r>
+              <a:rPr lang="da-DK" dirty="0" err="1"/>
+              <a:t>KRaft</a:t>
+            </a:r>
+            <a:r>
+              <a:rPr lang="da-DK" dirty="0"/>
+              <a:t>, en </a:t>
+            </a:r>
+            <a:r>
+              <a:rPr lang="da-DK" dirty="0" err="1"/>
+              <a:t>kafka</a:t>
+            </a:r>
+            <a:r>
+              <a:rPr lang="da-DK" dirty="0"/>
+              <a:t> server som enten er en controller, broker eller begge</a:t>
+            </a:r>
           </a:p>
         </p:txBody>
       </p:sp>
@@ -1445,7 +1564,7 @@
     </p:spTree>
     <p:extLst>
       <p:ext uri="{BB962C8B-B14F-4D97-AF65-F5344CB8AC3E}">
-        <p14:creationId xmlns:p14="http://schemas.microsoft.com/office/powerpoint/2010/main" val="3114175968"/>
+        <p14:creationId xmlns:p14="http://schemas.microsoft.com/office/powerpoint/2010/main" val="3998614641"/>
       </p:ext>
     </p:extLst>
   </p:cSld>
@@ -1501,15 +1620,99 @@
           <a:p>
             <a:r>
               <a:rPr lang="da-DK" dirty="0"/>
-              <a:t>Kunne nævne ting som </a:t>
-            </a:r>
-            <a:r>
-              <a:rPr lang="da-DK" dirty="0" err="1"/>
-              <a:t>interceptor</a:t>
+              <a:t>Nævn at </a:t>
+            </a:r>
+            <a:r>
+              <a:rPr lang="da-DK" dirty="0" err="1"/>
+              <a:t>Rabbit</a:t>
+            </a:r>
+            <a:r>
+              <a:rPr lang="da-DK" dirty="0"/>
+              <a:t> Stream tillader en </a:t>
+            </a:r>
+            <a:r>
+              <a:rPr lang="da-DK" dirty="0" err="1"/>
+              <a:t>ligende</a:t>
+            </a:r>
+            <a:r>
+              <a:rPr lang="da-DK" dirty="0"/>
+              <a:t> opførelse som Kafka</a:t>
+            </a:r>
+          </a:p>
+          <a:p>
+            <a:r>
+              <a:rPr lang="da-DK" dirty="0"/>
+              <a:t>Korrekt opsætning af producer, </a:t>
+            </a:r>
+            <a:r>
+              <a:rPr lang="da-DK" dirty="0" err="1"/>
+              <a:t>consumer</a:t>
+            </a:r>
+            <a:r>
+              <a:rPr lang="da-DK" dirty="0"/>
+              <a:t> og partitioner tillader </a:t>
+            </a:r>
+            <a:r>
+              <a:rPr lang="da-DK" dirty="0" err="1"/>
+              <a:t>round-robin</a:t>
+            </a:r>
+            <a:r>
+              <a:rPr lang="da-DK" dirty="0"/>
+              <a:t> i Kafka. Flere </a:t>
+            </a:r>
+            <a:r>
+              <a:rPr lang="da-DK" dirty="0" err="1"/>
+              <a:t>consumer</a:t>
+            </a:r>
+            <a:r>
+              <a:rPr lang="da-DK" dirty="0"/>
+              <a:t> end partitioner, nogle </a:t>
+            </a:r>
+            <a:r>
+              <a:rPr lang="da-DK" dirty="0" err="1"/>
+              <a:t>consumer</a:t>
+            </a:r>
+            <a:r>
+              <a:rPr lang="da-DK" dirty="0"/>
+              <a:t> får intet data</a:t>
+            </a:r>
+          </a:p>
+          <a:p>
+            <a:r>
+              <a:rPr lang="da-DK" dirty="0"/>
+              <a:t>Kafka </a:t>
+            </a:r>
+            <a:r>
+              <a:rPr lang="da-DK" dirty="0" err="1"/>
+              <a:t>consumer</a:t>
+            </a:r>
+            <a:r>
+              <a:rPr lang="da-DK" dirty="0"/>
+              <a:t> kan læse enten læse events efter opstart eller også dem før. </a:t>
+            </a:r>
+            <a:r>
+              <a:rPr lang="da-DK" dirty="0" err="1"/>
+              <a:t>RabbitMQ</a:t>
             </a:r>
             <a:r>
               <a:rPr lang="da-DK" dirty="0"/>
               <a:t> </a:t>
+            </a:r>
+            <a:r>
+              <a:rPr lang="da-DK" dirty="0" err="1"/>
+              <a:t>consumer</a:t>
+            </a:r>
+            <a:r>
+              <a:rPr lang="da-DK" dirty="0"/>
+              <a:t> læser beskeder i </a:t>
+            </a:r>
+            <a:r>
+              <a:rPr lang="da-DK" dirty="0" err="1"/>
+              <a:t>quenen</a:t>
+            </a:r>
+            <a:r>
+              <a:rPr lang="da-DK" dirty="0"/>
+              <a:t>.</a:t>
             </a:r>
           </a:p>
         </p:txBody>
@@ -1531,7 +1734,7 @@
           <a:p>
             <a:fld id="{252E21F2-0B82-4ACE-A045-2AAC56859006}" type="slidenum">
               <a:rPr lang="da-DK" smtClean="0"/>
-              <a:t>25</a:t>
+              <a:t>24</a:t>
             </a:fld>
             <a:endParaRPr lang="da-DK"/>
           </a:p>
@@ -1540,7 +1743,7 @@
     </p:spTree>
     <p:extLst>
       <p:ext uri="{BB962C8B-B14F-4D97-AF65-F5344CB8AC3E}">
-        <p14:creationId xmlns:p14="http://schemas.microsoft.com/office/powerpoint/2010/main" val="2371307318"/>
+        <p14:creationId xmlns:p14="http://schemas.microsoft.com/office/powerpoint/2010/main" val="706796139"/>
       </p:ext>
     </p:extLst>
   </p:cSld>
@@ -1595,8 +1798,80 @@
           <a:lstStyle/>
           <a:p>
             <a:r>
-              <a:rPr lang="da-DK" dirty="0" err="1"/>
-              <a:t>Refresh</a:t>
+              <a:rPr lang="da-DK" dirty="0"/>
+              <a:t>Nævn at </a:t>
+            </a:r>
+            <a:r>
+              <a:rPr lang="da-DK" dirty="0" err="1"/>
+              <a:t>Rabbit</a:t>
+            </a:r>
+            <a:r>
+              <a:rPr lang="da-DK" dirty="0"/>
+              <a:t> Stream tillader en </a:t>
+            </a:r>
+            <a:r>
+              <a:rPr lang="da-DK" dirty="0" err="1"/>
+              <a:t>ligende</a:t>
+            </a:r>
+            <a:r>
+              <a:rPr lang="da-DK" dirty="0"/>
+              <a:t> opførelse som Kafka</a:t>
+            </a:r>
+          </a:p>
+          <a:p>
+            <a:r>
+              <a:rPr lang="da-DK" dirty="0"/>
+              <a:t>Korrekt opsætning af producer, </a:t>
+            </a:r>
+            <a:r>
+              <a:rPr lang="da-DK" dirty="0" err="1"/>
+              <a:t>consumer</a:t>
+            </a:r>
+            <a:r>
+              <a:rPr lang="da-DK" dirty="0"/>
+              <a:t> og partitioner tillader </a:t>
+            </a:r>
+            <a:r>
+              <a:rPr lang="da-DK" dirty="0" err="1"/>
+              <a:t>round-robin</a:t>
+            </a:r>
+            <a:r>
+              <a:rPr lang="da-DK" dirty="0"/>
+              <a:t> i Kafka. Flere </a:t>
+            </a:r>
+            <a:r>
+              <a:rPr lang="da-DK" dirty="0" err="1"/>
+              <a:t>consumer</a:t>
+            </a:r>
+            <a:r>
+              <a:rPr lang="da-DK" dirty="0"/>
+              <a:t> end partitioner, nogle </a:t>
+            </a:r>
+            <a:r>
+              <a:rPr lang="da-DK" dirty="0" err="1"/>
+              <a:t>consumer</a:t>
+            </a:r>
+            <a:r>
+              <a:rPr lang="da-DK" dirty="0"/>
+              <a:t> får intet data</a:t>
+            </a:r>
+          </a:p>
+          <a:p>
+            <a:r>
+              <a:rPr lang="da-DK" dirty="0"/>
+              <a:t>Kafka </a:t>
+            </a:r>
+            <a:r>
+              <a:rPr lang="da-DK" dirty="0" err="1"/>
+              <a:t>consumer</a:t>
+            </a:r>
+            <a:r>
+              <a:rPr lang="da-DK" dirty="0"/>
+              <a:t> kan læse enten læse events efter opstart eller også dem før. </a:t>
+            </a:r>
+            <a:r>
+              <a:rPr lang="da-DK" dirty="0" err="1"/>
+              <a:t>RabbitMQ</a:t>
             </a:r>
             <a:r>
               <a:rPr lang="da-DK" dirty="0"/>
@@ -1604,17 +1879,20 @@
             </a:r>
             <a:r>
               <a:rPr lang="da-DK" dirty="0" err="1"/>
-              <a:t>token</a:t>
-            </a:r>
-            <a:r>
-              <a:rPr lang="da-DK" dirty="0"/>
-              <a:t> bliver ikke sat til invalid når den bruges til skabe nye </a:t>
-            </a:r>
-            <a:r>
-              <a:rPr lang="da-DK" dirty="0" err="1"/>
-              <a:t>tokens</a:t>
-            </a:r>
-            <a:endParaRPr lang="da-DK" dirty="0"/>
+              <a:t>consumer</a:t>
+            </a:r>
+            <a:r>
+              <a:rPr lang="da-DK" dirty="0"/>
+              <a:t> læser beskeder i </a:t>
+            </a:r>
+            <a:r>
+              <a:rPr lang="da-DK" dirty="0" err="1"/>
+              <a:t>quenen</a:t>
+            </a:r>
+            <a:r>
+              <a:rPr lang="da-DK" dirty="0"/>
+              <a:t>.</a:t>
+            </a:r>
           </a:p>
         </p:txBody>
       </p:sp>
@@ -1635,7 +1913,7 @@
           <a:p>
             <a:fld id="{252E21F2-0B82-4ACE-A045-2AAC56859006}" type="slidenum">
               <a:rPr lang="da-DK" smtClean="0"/>
-              <a:t>26</a:t>
+              <a:t>25</a:t>
             </a:fld>
             <a:endParaRPr lang="da-DK"/>
           </a:p>
@@ -1644,7 +1922,7 @@
     </p:spTree>
     <p:extLst>
       <p:ext uri="{BB962C8B-B14F-4D97-AF65-F5344CB8AC3E}">
-        <p14:creationId xmlns:p14="http://schemas.microsoft.com/office/powerpoint/2010/main" val="671521866"/>
+        <p14:creationId xmlns:p14="http://schemas.microsoft.com/office/powerpoint/2010/main" val="193030540"/>
       </p:ext>
     </p:extLst>
   </p:cSld>
@@ -1807,13 +2085,99 @@
           <a:p>
             <a:r>
               <a:rPr lang="da-DK" dirty="0"/>
-              <a:t>https://kafka.apache.org/documentation/#intro_nutshell</a:t>
-            </a:r>
-          </a:p>
-          <a:p>
-            <a:r>
-              <a:rPr lang="da-DK" dirty="0"/>
-              <a:t>https://kafka.apache.org/documentation/#kraft_role</a:t>
+              <a:t>Nævn at </a:t>
+            </a:r>
+            <a:r>
+              <a:rPr lang="da-DK" dirty="0" err="1"/>
+              <a:t>Rabbit</a:t>
+            </a:r>
+            <a:r>
+              <a:rPr lang="da-DK" dirty="0"/>
+              <a:t> Stream tillader en </a:t>
+            </a:r>
+            <a:r>
+              <a:rPr lang="da-DK" dirty="0" err="1"/>
+              <a:t>ligende</a:t>
+            </a:r>
+            <a:r>
+              <a:rPr lang="da-DK" dirty="0"/>
+              <a:t> opførelse som Kafka</a:t>
+            </a:r>
+          </a:p>
+          <a:p>
+            <a:r>
+              <a:rPr lang="da-DK" dirty="0"/>
+              <a:t>Korrekt opsætning af producer, </a:t>
+            </a:r>
+            <a:r>
+              <a:rPr lang="da-DK" dirty="0" err="1"/>
+              <a:t>consumer</a:t>
+            </a:r>
+            <a:r>
+              <a:rPr lang="da-DK" dirty="0"/>
+              <a:t> og partitioner tillader </a:t>
+            </a:r>
+            <a:r>
+              <a:rPr lang="da-DK" dirty="0" err="1"/>
+              <a:t>round-robin</a:t>
+            </a:r>
+            <a:r>
+              <a:rPr lang="da-DK" dirty="0"/>
+              <a:t> i Kafka. Flere </a:t>
+            </a:r>
+            <a:r>
+              <a:rPr lang="da-DK" dirty="0" err="1"/>
+              <a:t>consumer</a:t>
+            </a:r>
+            <a:r>
+              <a:rPr lang="da-DK" dirty="0"/>
+              <a:t> end partitioner, nogle </a:t>
+            </a:r>
+            <a:r>
+              <a:rPr lang="da-DK" dirty="0" err="1"/>
+              <a:t>consumer</a:t>
+            </a:r>
+            <a:r>
+              <a:rPr lang="da-DK" dirty="0"/>
+              <a:t> får intet data</a:t>
+            </a:r>
+          </a:p>
+          <a:p>
+            <a:r>
+              <a:rPr lang="da-DK" dirty="0"/>
+              <a:t>Kafka </a:t>
+            </a:r>
+            <a:r>
+              <a:rPr lang="da-DK" dirty="0" err="1"/>
+              <a:t>consumer</a:t>
+            </a:r>
+            <a:r>
+              <a:rPr lang="da-DK" dirty="0"/>
+              <a:t> kan læse enten læse events efter opstart eller også dem før. </a:t>
+            </a:r>
+            <a:r>
+              <a:rPr lang="da-DK" dirty="0" err="1"/>
+              <a:t>RabbitMQ</a:t>
+            </a:r>
+            <a:r>
+              <a:rPr lang="da-DK" dirty="0"/>
+              <a:t> </a:t>
+            </a:r>
+            <a:r>
+              <a:rPr lang="da-DK" dirty="0" err="1"/>
+              <a:t>consumer</a:t>
+            </a:r>
+            <a:r>
+              <a:rPr lang="da-DK" dirty="0"/>
+              <a:t> læser beskeder i </a:t>
+            </a:r>
+            <a:r>
+              <a:rPr lang="da-DK" dirty="0" err="1"/>
+              <a:t>quenen</a:t>
+            </a:r>
+            <a:r>
+              <a:rPr lang="da-DK" dirty="0"/>
+              <a:t>.</a:t>
             </a:r>
           </a:p>
         </p:txBody>
@@ -1835,7 +2199,7 @@
           <a:p>
             <a:fld id="{252E21F2-0B82-4ACE-A045-2AAC56859006}" type="slidenum">
               <a:rPr lang="da-DK" smtClean="0"/>
-              <a:t>28</a:t>
+              <a:t>26</a:t>
             </a:fld>
             <a:endParaRPr lang="da-DK"/>
           </a:p>
@@ -1844,7 +2208,7 @@
     </p:spTree>
     <p:extLst>
       <p:ext uri="{BB962C8B-B14F-4D97-AF65-F5344CB8AC3E}">
-        <p14:creationId xmlns:p14="http://schemas.microsoft.com/office/powerpoint/2010/main" val="8081506"/>
+        <p14:creationId xmlns:p14="http://schemas.microsoft.com/office/powerpoint/2010/main" val="3854854098"/>
       </p:ext>
     </p:extLst>
   </p:cSld>
@@ -1898,124 +2262,82 @@
           <a:bodyPr/>
           <a:lstStyle/>
           <a:p>
-            <a:pPr marL="0" marR="0" lvl="0" indent="0" algn="l" defTabSz="914400" rtl="0" eaLnBrk="1" fontAlgn="auto" latinLnBrk="0" hangingPunct="1">
-              <a:lnSpc>
-                <a:spcPct val="100000"/>
-              </a:lnSpc>
-              <a:spcBef>
-                <a:spcPts val="0"/>
-              </a:spcBef>
-              <a:spcAft>
-                <a:spcPts val="0"/>
-              </a:spcAft>
-              <a:buClrTx/>
-              <a:buSzTx/>
-              <a:buFontTx/>
-              <a:buNone/>
-              <a:tabLst/>
-              <a:defRPr/>
-            </a:pPr>
-            <a:r>
-              <a:rPr lang="da-DK" dirty="0"/>
-              <a:t>Event </a:t>
-            </a:r>
-            <a:r>
-              <a:rPr lang="da-DK" dirty="0" err="1"/>
-              <a:t>schema</a:t>
-            </a:r>
-            <a:r>
-              <a:rPr lang="da-DK" dirty="0"/>
-              <a:t> //ikke nødvendigt</a:t>
-            </a:r>
-          </a:p>
-          <a:p>
-            <a:r>
-              <a:rPr lang="da-DK" dirty="0"/>
-              <a:t>Event, noget der er sket</a:t>
-            </a:r>
-          </a:p>
-          <a:p>
-            <a:r>
-              <a:rPr lang="da-DK" dirty="0" err="1"/>
-              <a:t>Topic</a:t>
-            </a:r>
-            <a:r>
-              <a:rPr lang="da-DK" dirty="0"/>
-              <a:t> </a:t>
-            </a:r>
-            <a:r>
-              <a:rPr lang="da-DK" dirty="0" err="1"/>
-              <a:t>partitioneret</a:t>
-            </a:r>
-            <a:r>
-              <a:rPr lang="da-DK" dirty="0"/>
-              <a:t> – en </a:t>
-            </a:r>
-            <a:r>
-              <a:rPr lang="da-DK" dirty="0" err="1"/>
-              <a:t>consumer</a:t>
-            </a:r>
-            <a:r>
-              <a:rPr lang="da-DK" dirty="0"/>
-              <a:t> kan få data fra en eller flere partitioner </a:t>
-            </a:r>
-          </a:p>
-          <a:p>
-            <a:r>
-              <a:rPr lang="da-DK" dirty="0"/>
-              <a:t>Event </a:t>
-            </a:r>
-            <a:r>
-              <a:rPr lang="da-DK" dirty="0" err="1"/>
-              <a:t>Replikering</a:t>
-            </a:r>
-            <a:r>
-              <a:rPr lang="da-DK" dirty="0"/>
-              <a:t>, event er </a:t>
-            </a:r>
-            <a:r>
-              <a:rPr lang="da-DK" dirty="0" err="1"/>
-              <a:t>replikeret</a:t>
-            </a:r>
-            <a:r>
-              <a:rPr lang="da-DK" dirty="0"/>
-              <a:t> over flere brokers</a:t>
-            </a:r>
-          </a:p>
-          <a:p>
-            <a:r>
-              <a:rPr lang="da-DK" dirty="0"/>
-              <a:t>Consumer </a:t>
-            </a:r>
-            <a:r>
-              <a:rPr lang="da-DK" dirty="0" err="1"/>
-              <a:t>groupId</a:t>
-            </a:r>
-            <a:r>
-              <a:rPr lang="da-DK" dirty="0"/>
-              <a:t>, hvis samme id, </a:t>
-            </a:r>
-            <a:r>
-              <a:rPr lang="da-DK" dirty="0" err="1"/>
-              <a:t>round-robin</a:t>
-            </a:r>
-            <a:r>
-              <a:rPr lang="da-DK" dirty="0"/>
-              <a:t> fra </a:t>
-            </a:r>
-            <a:r>
-              <a:rPr lang="da-DK" dirty="0" err="1"/>
-              <a:t>partioner</a:t>
-            </a:r>
-            <a:r>
-              <a:rPr lang="da-DK" dirty="0"/>
-              <a:t> og der er mere end en partitioner</a:t>
-            </a:r>
-          </a:p>
-          <a:p>
-            <a:r>
-              <a:rPr lang="da-DK" dirty="0"/>
-              <a:t>https://stackoverflow.com/questions/38024514/understanding-kafka-topics-and-partitions</a:t>
+            <a:r>
+              <a:rPr lang="da-DK" dirty="0" err="1"/>
+              <a:t>Confluent</a:t>
+            </a:r>
+            <a:r>
+              <a:rPr lang="da-DK" dirty="0"/>
+              <a:t> Kafka</a:t>
+            </a:r>
+          </a:p>
+          <a:p>
+            <a:r>
+              <a:rPr lang="da-DK" dirty="0"/>
+              <a:t>Kunne havde brugt </a:t>
+            </a:r>
+            <a:r>
+              <a:rPr lang="da-DK" dirty="0" err="1"/>
+              <a:t>Knet</a:t>
+            </a:r>
+            <a:endParaRPr lang="da-DK" dirty="0"/>
+          </a:p>
+          <a:p>
+            <a:r>
+              <a:rPr lang="da-DK" dirty="0"/>
+              <a:t>JSON, </a:t>
+            </a:r>
+            <a:r>
+              <a:rPr lang="da-DK" dirty="0" err="1"/>
+              <a:t>Arvo</a:t>
+            </a:r>
+            <a:r>
+              <a:rPr lang="da-DK" dirty="0"/>
+              <a:t>, </a:t>
+            </a:r>
+            <a:r>
+              <a:rPr lang="da-DK" dirty="0" err="1"/>
+              <a:t>Protobuf</a:t>
+            </a:r>
+            <a:r>
+              <a:rPr lang="da-DK" dirty="0"/>
+              <a:t>. </a:t>
+            </a:r>
+            <a:r>
+              <a:rPr lang="da-DK" dirty="0" err="1"/>
+              <a:t>Arvo</a:t>
+            </a:r>
+            <a:r>
+              <a:rPr lang="da-DK" dirty="0"/>
+              <a:t> brugt, da den virker til at være det mest </a:t>
+            </a:r>
+            <a:r>
+              <a:rPr lang="da-DK" dirty="0" err="1"/>
+              <a:t>almendlige</a:t>
+            </a:r>
+            <a:r>
+              <a:rPr lang="da-DK" dirty="0"/>
+              <a:t>. </a:t>
+            </a:r>
+            <a:r>
+              <a:rPr lang="da-DK" dirty="0" err="1"/>
+              <a:t>Arvo</a:t>
+            </a:r>
+            <a:r>
+              <a:rPr lang="da-DK" dirty="0"/>
+              <a:t> er Apache</a:t>
+            </a:r>
+          </a:p>
+          <a:p>
+            <a:r>
+              <a:rPr lang="da-DK" dirty="0"/>
+              <a:t>Key/Value, Key bruges til at sikre sig at beskeder sendes til den samme partition</a:t>
+            </a:r>
+          </a:p>
+          <a:p>
+            <a:r>
+              <a:rPr lang="da-DK" dirty="0"/>
+              <a:t>https://github.com/confluentinc/cp-all-in-one/blob/7.6.1-post/cp-all-in-one-kraft/docker-compose.yml</a:t>
             </a:r>
           </a:p>
         </p:txBody>
@@ -2037,7 +2359,7 @@
           <a:p>
             <a:fld id="{252E21F2-0B82-4ACE-A045-2AAC56859006}" type="slidenum">
               <a:rPr lang="da-DK" smtClean="0"/>
-              <a:t>29</a:t>
+              <a:t>27</a:t>
             </a:fld>
             <a:endParaRPr lang="da-DK"/>
           </a:p>
@@ -2046,7 +2368,7 @@
     </p:spTree>
     <p:extLst>
       <p:ext uri="{BB962C8B-B14F-4D97-AF65-F5344CB8AC3E}">
-        <p14:creationId xmlns:p14="http://schemas.microsoft.com/office/powerpoint/2010/main" val="2764263524"/>
+        <p14:creationId xmlns:p14="http://schemas.microsoft.com/office/powerpoint/2010/main" val="3004894068"/>
       </p:ext>
     </p:extLst>
   </p:cSld>
@@ -2100,7 +2422,51 @@
           <a:bodyPr/>
           <a:lstStyle/>
           <a:p>
+            <a:r>
+              <a:rPr lang="da-DK" dirty="0"/>
+              <a:t>Remote Procedure </a:t>
+            </a:r>
+            <a:r>
+              <a:rPr lang="da-DK" dirty="0" err="1"/>
+              <a:t>Cal</a:t>
+            </a:r>
             <a:endParaRPr lang="da-DK" dirty="0"/>
+          </a:p>
+          <a:p>
+            <a:r>
+              <a:rPr lang="da-DK" dirty="0"/>
+              <a:t>Nævn at </a:t>
+            </a:r>
+            <a:r>
+              <a:rPr lang="da-DK" dirty="0" err="1"/>
+              <a:t>kafka</a:t>
+            </a:r>
+            <a:r>
+              <a:rPr lang="da-DK" dirty="0"/>
+              <a:t> ikke understøtter </a:t>
+            </a:r>
+            <a:r>
+              <a:rPr lang="da-DK" dirty="0" err="1"/>
+              <a:t>request-response</a:t>
+            </a:r>
+            <a:r>
+              <a:rPr lang="da-DK" dirty="0"/>
+              <a:t> </a:t>
+            </a:r>
+          </a:p>
+          <a:p>
+            <a:r>
+              <a:rPr lang="da-DK" dirty="0"/>
+              <a:t>https://kafka.apache.org/documentation/#intro_nutshell nævner Kafka som en alternativ til </a:t>
+            </a:r>
+            <a:r>
+              <a:rPr lang="da-DK" dirty="0" err="1"/>
+              <a:t>RabbitMQ</a:t>
+            </a:r>
+            <a:r>
+              <a:rPr lang="da-DK" dirty="0"/>
+              <a:t> </a:t>
+            </a:r>
           </a:p>
         </p:txBody>
       </p:sp>
@@ -2121,7 +2487,7 @@
           <a:p>
             <a:fld id="{252E21F2-0B82-4ACE-A045-2AAC56859006}" type="slidenum">
               <a:rPr lang="da-DK" smtClean="0"/>
-              <a:t>30</a:t>
+              <a:t>28</a:t>
             </a:fld>
             <a:endParaRPr lang="da-DK"/>
           </a:p>
@@ -2130,7 +2496,7 @@
     </p:spTree>
     <p:extLst>
       <p:ext uri="{BB962C8B-B14F-4D97-AF65-F5344CB8AC3E}">
-        <p14:creationId xmlns:p14="http://schemas.microsoft.com/office/powerpoint/2010/main" val="2125408469"/>
+        <p14:creationId xmlns:p14="http://schemas.microsoft.com/office/powerpoint/2010/main" val="1108710331"/>
       </p:ext>
     </p:extLst>
   </p:cSld>
@@ -2186,33 +2552,40 @@
           <a:p>
             <a:r>
               <a:rPr lang="da-DK" dirty="0"/>
-              <a:t>Nævn at broker nu kan være controllers, men før var det zookeeper</a:t>
-            </a:r>
-          </a:p>
-          <a:p>
-            <a:r>
-              <a:rPr lang="da-DK" dirty="0" err="1"/>
-              <a:t>ZooKeeper</a:t>
-            </a:r>
-            <a:r>
-              <a:rPr lang="da-DK" dirty="0"/>
-              <a:t> udskiftet med </a:t>
-            </a:r>
-            <a:r>
-              <a:rPr lang="da-DK" dirty="0" err="1"/>
-              <a:t>KRaft</a:t>
-            </a:r>
-            <a:r>
-              <a:rPr lang="da-DK" dirty="0"/>
-              <a:t>, en </a:t>
-            </a:r>
-            <a:r>
-              <a:rPr lang="da-DK" dirty="0" err="1"/>
-              <a:t>kafka</a:t>
-            </a:r>
-            <a:r>
-              <a:rPr lang="da-DK" dirty="0"/>
-              <a:t> server som enten er en controller, broker eller begge</a:t>
+              <a:t>Nævn at for </a:t>
+            </a:r>
+            <a:r>
+              <a:rPr lang="da-DK" dirty="0" err="1"/>
+              <a:t>RabbitMQ</a:t>
+            </a:r>
+            <a:r>
+              <a:rPr lang="da-DK" dirty="0"/>
+              <a:t> er der intet der tvinger en </a:t>
+            </a:r>
+            <a:r>
+              <a:rPr lang="da-DK" dirty="0" err="1"/>
+              <a:t>consumer</a:t>
+            </a:r>
+            <a:r>
+              <a:rPr lang="da-DK" dirty="0"/>
+              <a:t> at svare på en RPC</a:t>
+            </a:r>
+          </a:p>
+          <a:p>
+            <a:r>
+              <a:rPr lang="da-DK" dirty="0"/>
+              <a:t>Kafka er nok bedre for Event Collaboration/</a:t>
+            </a:r>
+            <a:r>
+              <a:rPr lang="da-DK" dirty="0" err="1"/>
+              <a:t>Sourcing</a:t>
+            </a:r>
+            <a:endParaRPr lang="da-DK" dirty="0"/>
+          </a:p>
+          <a:p>
+            <a:r>
+              <a:rPr lang="da-DK" dirty="0"/>
+              <a:t>https://martinfowler.com/eaaDev/EventCollaboration.html</a:t>
             </a:r>
           </a:p>
         </p:txBody>
@@ -2234,7 +2607,7 @@
           <a:p>
             <a:fld id="{252E21F2-0B82-4ACE-A045-2AAC56859006}" type="slidenum">
               <a:rPr lang="da-DK" smtClean="0"/>
-              <a:t>31</a:t>
+              <a:t>29</a:t>
             </a:fld>
             <a:endParaRPr lang="da-DK"/>
           </a:p>
@@ -2243,7 +2616,7 @@
     </p:spTree>
     <p:extLst>
       <p:ext uri="{BB962C8B-B14F-4D97-AF65-F5344CB8AC3E}">
-        <p14:creationId xmlns:p14="http://schemas.microsoft.com/office/powerpoint/2010/main" val="3998614641"/>
+        <p14:creationId xmlns:p14="http://schemas.microsoft.com/office/powerpoint/2010/main" val="282527506"/>
       </p:ext>
     </p:extLst>
   </p:cSld>
@@ -2299,29 +2672,27 @@
           <a:p>
             <a:r>
               <a:rPr lang="da-DK" dirty="0"/>
-              <a:t>Nævn at </a:t>
-            </a:r>
-            <a:r>
-              <a:rPr lang="da-DK" dirty="0" err="1"/>
-              <a:t>Rabbit</a:t>
-            </a:r>
-            <a:r>
-              <a:rPr lang="da-DK" dirty="0"/>
-              <a:t> Stream tillader en </a:t>
-            </a:r>
-            <a:r>
-              <a:rPr lang="da-DK" dirty="0" err="1"/>
-              <a:t>ligende</a:t>
-            </a:r>
-            <a:r>
-              <a:rPr lang="da-DK" dirty="0"/>
-              <a:t> opførelse som Kafka</a:t>
-            </a:r>
-          </a:p>
-          <a:p>
-            <a:r>
-              <a:rPr lang="da-DK" dirty="0"/>
-              <a:t>Korrekt opsætning af producer, </a:t>
+              <a:t>Begge kræver at de kender hinanden.</a:t>
+            </a:r>
+          </a:p>
+          <a:p>
+            <a:r>
+              <a:rPr lang="da-DK" dirty="0"/>
+              <a:t>A kunne sende en url’en til en REST API med over</a:t>
+            </a:r>
+          </a:p>
+          <a:p>
+            <a:r>
+              <a:rPr lang="da-DK" dirty="0"/>
+              <a:t>Kafka er nok bedre hvis </a:t>
+            </a:r>
+            <a:r>
+              <a:rPr lang="da-DK" dirty="0" err="1"/>
+              <a:t>producer’en</a:t>
+            </a:r>
+            <a:r>
+              <a:rPr lang="da-DK" dirty="0"/>
+              <a:t> ikke skal reagere på </a:t>
             </a:r>
             <a:r>
               <a:rPr lang="da-DK" dirty="0" err="1"/>
@@ -2329,15 +2700,13 @@
             </a:r>
             <a:r>
               <a:rPr lang="da-DK" dirty="0"/>
-              <a:t> og partitioner tillader </a:t>
-            </a:r>
-            <a:r>
-              <a:rPr lang="da-DK" dirty="0" err="1"/>
-              <a:t>round-robin</a:t>
-            </a:r>
-            <a:r>
-              <a:rPr lang="da-DK" dirty="0"/>
-              <a:t> i Kafka. Flere </a:t>
+              <a:t> </a:t>
+            </a:r>
+          </a:p>
+          <a:p>
+            <a:r>
+              <a:rPr lang="da-DK" dirty="0"/>
+              <a:t>Sidste kræver at kun en enkel </a:t>
             </a:r>
             <a:r>
               <a:rPr lang="da-DK" dirty="0" err="1"/>
@@ -2345,53 +2714,21 @@
             </a:r>
             <a:r>
               <a:rPr lang="da-DK" dirty="0"/>
-              <a:t> end partitioner, nogle </a:t>
-            </a:r>
-            <a:r>
-              <a:rPr lang="da-DK" dirty="0" err="1"/>
-              <a:t>consumer</a:t>
-            </a:r>
-            <a:r>
-              <a:rPr lang="da-DK" dirty="0"/>
-              <a:t> får intet data</a:t>
-            </a:r>
-          </a:p>
-          <a:p>
-            <a:r>
-              <a:rPr lang="da-DK" dirty="0"/>
-              <a:t>Kafka </a:t>
-            </a:r>
-            <a:r>
-              <a:rPr lang="da-DK" dirty="0" err="1"/>
-              <a:t>consumer</a:t>
-            </a:r>
-            <a:r>
-              <a:rPr lang="da-DK" dirty="0"/>
-              <a:t> kan læse enten læse events efter opstart eller også dem før. </a:t>
-            </a:r>
-            <a:r>
-              <a:rPr lang="da-DK" dirty="0" err="1"/>
-              <a:t>RabbitMQ</a:t>
-            </a:r>
-            <a:r>
-              <a:rPr lang="da-DK" dirty="0"/>
               <a:t> </a:t>
             </a:r>
             <a:r>
               <a:rPr lang="da-DK" dirty="0" err="1"/>
-              <a:t>consumer</a:t>
-            </a:r>
-            <a:r>
-              <a:rPr lang="da-DK" dirty="0"/>
-              <a:t> læser beskeder i </a:t>
-            </a:r>
-            <a:r>
-              <a:rPr lang="da-DK" dirty="0" err="1"/>
-              <a:t>quenen</a:t>
-            </a:r>
-            <a:r>
-              <a:rPr lang="da-DK" dirty="0"/>
-              <a:t>.</a:t>
+              <a:t>group</a:t>
+            </a:r>
+            <a:r>
+              <a:rPr lang="da-DK" dirty="0"/>
+              <a:t> sender data tilbage</a:t>
+            </a:r>
+          </a:p>
+          <a:p>
+            <a:r>
+              <a:rPr lang="da-DK" dirty="0"/>
+              <a:t>Sidste kræver nok også at beskeden bliver gemt i en database med behandlings status </a:t>
             </a:r>
           </a:p>
         </p:txBody>
@@ -2413,7 +2750,7 @@
           <a:p>
             <a:fld id="{252E21F2-0B82-4ACE-A045-2AAC56859006}" type="slidenum">
               <a:rPr lang="da-DK" smtClean="0"/>
-              <a:t>32</a:t>
+              <a:t>30</a:t>
             </a:fld>
             <a:endParaRPr lang="da-DK"/>
           </a:p>
@@ -2422,773 +2759,7 @@
     </p:spTree>
     <p:extLst>
       <p:ext uri="{BB962C8B-B14F-4D97-AF65-F5344CB8AC3E}">
-        <p14:creationId xmlns:p14="http://schemas.microsoft.com/office/powerpoint/2010/main" val="706796139"/>
-      </p:ext>
-    </p:extLst>
-  </p:cSld>
-  <p:clrMapOvr>
-    <a:masterClrMapping/>
-  </p:clrMapOvr>
-</p:notes>
-</file>
-
-<file path=ppt/notesSlides/notesSlide25.xml><?xml version="1.0" encoding="utf-8"?>
-<p:notes xmlns:a="http://schemas.openxmlformats.org/drawingml/2006/main" xmlns:r="http://schemas.openxmlformats.org/officeDocument/2006/relationships" xmlns:p="http://schemas.openxmlformats.org/presentationml/2006/main">
-  <p:cSld>
-    <p:spTree>
-      <p:nvGrpSpPr>
-        <p:cNvPr id="1" name=""/>
-        <p:cNvGrpSpPr/>
-        <p:nvPr/>
-      </p:nvGrpSpPr>
-      <p:grpSpPr>
-        <a:xfrm>
-          <a:off x="0" y="0"/>
-          <a:ext cx="0" cy="0"/>
-          <a:chOff x="0" y="0"/>
-          <a:chExt cx="0" cy="0"/>
-        </a:xfrm>
-      </p:grpSpPr>
-      <p:sp>
-        <p:nvSpPr>
-          <p:cNvPr id="2" name="Pladsholder til slidebillede 1"/>
-          <p:cNvSpPr>
-            <a:spLocks noGrp="1" noRot="1" noChangeAspect="1"/>
-          </p:cNvSpPr>
-          <p:nvPr>
-            <p:ph type="sldImg"/>
-          </p:nvPr>
-        </p:nvSpPr>
-        <p:spPr/>
-      </p:sp>
-      <p:sp>
-        <p:nvSpPr>
-          <p:cNvPr id="3" name="Pladsholder til noter 2"/>
-          <p:cNvSpPr>
-            <a:spLocks noGrp="1"/>
-          </p:cNvSpPr>
-          <p:nvPr>
-            <p:ph type="body" idx="1"/>
-          </p:nvPr>
-        </p:nvSpPr>
-        <p:spPr/>
-        <p:txBody>
-          <a:bodyPr/>
-          <a:lstStyle/>
-          <a:p>
-            <a:r>
-              <a:rPr lang="da-DK" dirty="0"/>
-              <a:t>Nævn at </a:t>
-            </a:r>
-            <a:r>
-              <a:rPr lang="da-DK" dirty="0" err="1"/>
-              <a:t>Rabbit</a:t>
-            </a:r>
-            <a:r>
-              <a:rPr lang="da-DK" dirty="0"/>
-              <a:t> Stream tillader en </a:t>
-            </a:r>
-            <a:r>
-              <a:rPr lang="da-DK" dirty="0" err="1"/>
-              <a:t>ligende</a:t>
-            </a:r>
-            <a:r>
-              <a:rPr lang="da-DK" dirty="0"/>
-              <a:t> opførelse som Kafka</a:t>
-            </a:r>
-          </a:p>
-          <a:p>
-            <a:r>
-              <a:rPr lang="da-DK" dirty="0"/>
-              <a:t>Korrekt opsætning af producer, </a:t>
-            </a:r>
-            <a:r>
-              <a:rPr lang="da-DK" dirty="0" err="1"/>
-              <a:t>consumer</a:t>
-            </a:r>
-            <a:r>
-              <a:rPr lang="da-DK" dirty="0"/>
-              <a:t> og partitioner tillader </a:t>
-            </a:r>
-            <a:r>
-              <a:rPr lang="da-DK" dirty="0" err="1"/>
-              <a:t>round-robin</a:t>
-            </a:r>
-            <a:r>
-              <a:rPr lang="da-DK" dirty="0"/>
-              <a:t> i Kafka. Flere </a:t>
-            </a:r>
-            <a:r>
-              <a:rPr lang="da-DK" dirty="0" err="1"/>
-              <a:t>consumer</a:t>
-            </a:r>
-            <a:r>
-              <a:rPr lang="da-DK" dirty="0"/>
-              <a:t> end partitioner, nogle </a:t>
-            </a:r>
-            <a:r>
-              <a:rPr lang="da-DK" dirty="0" err="1"/>
-              <a:t>consumer</a:t>
-            </a:r>
-            <a:r>
-              <a:rPr lang="da-DK" dirty="0"/>
-              <a:t> får intet data</a:t>
-            </a:r>
-          </a:p>
-          <a:p>
-            <a:r>
-              <a:rPr lang="da-DK" dirty="0"/>
-              <a:t>Kafka </a:t>
-            </a:r>
-            <a:r>
-              <a:rPr lang="da-DK" dirty="0" err="1"/>
-              <a:t>consumer</a:t>
-            </a:r>
-            <a:r>
-              <a:rPr lang="da-DK" dirty="0"/>
-              <a:t> kan læse enten læse events efter opstart eller også dem før. </a:t>
-            </a:r>
-            <a:r>
-              <a:rPr lang="da-DK" dirty="0" err="1"/>
-              <a:t>RabbitMQ</a:t>
-            </a:r>
-            <a:r>
-              <a:rPr lang="da-DK" dirty="0"/>
-              <a:t> </a:t>
-            </a:r>
-            <a:r>
-              <a:rPr lang="da-DK" dirty="0" err="1"/>
-              <a:t>consumer</a:t>
-            </a:r>
-            <a:r>
-              <a:rPr lang="da-DK" dirty="0"/>
-              <a:t> læser beskeder i </a:t>
-            </a:r>
-            <a:r>
-              <a:rPr lang="da-DK" dirty="0" err="1"/>
-              <a:t>quenen</a:t>
-            </a:r>
-            <a:r>
-              <a:rPr lang="da-DK" dirty="0"/>
-              <a:t>.</a:t>
-            </a:r>
-          </a:p>
-        </p:txBody>
-      </p:sp>
-      <p:sp>
-        <p:nvSpPr>
-          <p:cNvPr id="4" name="Pladsholder til slidenummer 3"/>
-          <p:cNvSpPr>
-            <a:spLocks noGrp="1"/>
-          </p:cNvSpPr>
-          <p:nvPr>
-            <p:ph type="sldNum" sz="quarter" idx="5"/>
-          </p:nvPr>
-        </p:nvSpPr>
-        <p:spPr/>
-        <p:txBody>
-          <a:bodyPr/>
-          <a:lstStyle/>
-          <a:p>
-            <a:fld id="{252E21F2-0B82-4ACE-A045-2AAC56859006}" type="slidenum">
-              <a:rPr lang="da-DK" smtClean="0"/>
-              <a:t>33</a:t>
-            </a:fld>
-            <a:endParaRPr lang="da-DK"/>
-          </a:p>
-        </p:txBody>
-      </p:sp>
-    </p:spTree>
-    <p:extLst>
-      <p:ext uri="{BB962C8B-B14F-4D97-AF65-F5344CB8AC3E}">
-        <p14:creationId xmlns:p14="http://schemas.microsoft.com/office/powerpoint/2010/main" val="193030540"/>
-      </p:ext>
-    </p:extLst>
-  </p:cSld>
-  <p:clrMapOvr>
-    <a:masterClrMapping/>
-  </p:clrMapOvr>
-</p:notes>
-</file>
-
-<file path=ppt/notesSlides/notesSlide26.xml><?xml version="1.0" encoding="utf-8"?>
-<p:notes xmlns:a="http://schemas.openxmlformats.org/drawingml/2006/main" xmlns:r="http://schemas.openxmlformats.org/officeDocument/2006/relationships" xmlns:p="http://schemas.openxmlformats.org/presentationml/2006/main">
-  <p:cSld>
-    <p:spTree>
-      <p:nvGrpSpPr>
-        <p:cNvPr id="1" name=""/>
-        <p:cNvGrpSpPr/>
-        <p:nvPr/>
-      </p:nvGrpSpPr>
-      <p:grpSpPr>
-        <a:xfrm>
-          <a:off x="0" y="0"/>
-          <a:ext cx="0" cy="0"/>
-          <a:chOff x="0" y="0"/>
-          <a:chExt cx="0" cy="0"/>
-        </a:xfrm>
-      </p:grpSpPr>
-      <p:sp>
-        <p:nvSpPr>
-          <p:cNvPr id="2" name="Pladsholder til slidebillede 1"/>
-          <p:cNvSpPr>
-            <a:spLocks noGrp="1" noRot="1" noChangeAspect="1"/>
-          </p:cNvSpPr>
-          <p:nvPr>
-            <p:ph type="sldImg"/>
-          </p:nvPr>
-        </p:nvSpPr>
-        <p:spPr/>
-      </p:sp>
-      <p:sp>
-        <p:nvSpPr>
-          <p:cNvPr id="3" name="Pladsholder til noter 2"/>
-          <p:cNvSpPr>
-            <a:spLocks noGrp="1"/>
-          </p:cNvSpPr>
-          <p:nvPr>
-            <p:ph type="body" idx="1"/>
-          </p:nvPr>
-        </p:nvSpPr>
-        <p:spPr/>
-        <p:txBody>
-          <a:bodyPr/>
-          <a:lstStyle/>
-          <a:p>
-            <a:r>
-              <a:rPr lang="da-DK" dirty="0"/>
-              <a:t>Nævn at </a:t>
-            </a:r>
-            <a:r>
-              <a:rPr lang="da-DK" dirty="0" err="1"/>
-              <a:t>Rabbit</a:t>
-            </a:r>
-            <a:r>
-              <a:rPr lang="da-DK" dirty="0"/>
-              <a:t> Stream tillader en </a:t>
-            </a:r>
-            <a:r>
-              <a:rPr lang="da-DK" dirty="0" err="1"/>
-              <a:t>ligende</a:t>
-            </a:r>
-            <a:r>
-              <a:rPr lang="da-DK" dirty="0"/>
-              <a:t> opførelse som Kafka</a:t>
-            </a:r>
-          </a:p>
-          <a:p>
-            <a:r>
-              <a:rPr lang="da-DK" dirty="0"/>
-              <a:t>Korrekt opsætning af producer, </a:t>
-            </a:r>
-            <a:r>
-              <a:rPr lang="da-DK" dirty="0" err="1"/>
-              <a:t>consumer</a:t>
-            </a:r>
-            <a:r>
-              <a:rPr lang="da-DK" dirty="0"/>
-              <a:t> og partitioner tillader </a:t>
-            </a:r>
-            <a:r>
-              <a:rPr lang="da-DK" dirty="0" err="1"/>
-              <a:t>round-robin</a:t>
-            </a:r>
-            <a:r>
-              <a:rPr lang="da-DK" dirty="0"/>
-              <a:t> i Kafka. Flere </a:t>
-            </a:r>
-            <a:r>
-              <a:rPr lang="da-DK" dirty="0" err="1"/>
-              <a:t>consumer</a:t>
-            </a:r>
-            <a:r>
-              <a:rPr lang="da-DK" dirty="0"/>
-              <a:t> end partitioner, nogle </a:t>
-            </a:r>
-            <a:r>
-              <a:rPr lang="da-DK" dirty="0" err="1"/>
-              <a:t>consumer</a:t>
-            </a:r>
-            <a:r>
-              <a:rPr lang="da-DK" dirty="0"/>
-              <a:t> får intet data</a:t>
-            </a:r>
-          </a:p>
-          <a:p>
-            <a:r>
-              <a:rPr lang="da-DK" dirty="0"/>
-              <a:t>Kafka </a:t>
-            </a:r>
-            <a:r>
-              <a:rPr lang="da-DK" dirty="0" err="1"/>
-              <a:t>consumer</a:t>
-            </a:r>
-            <a:r>
-              <a:rPr lang="da-DK" dirty="0"/>
-              <a:t> kan læse enten læse events efter opstart eller også dem før. </a:t>
-            </a:r>
-            <a:r>
-              <a:rPr lang="da-DK" dirty="0" err="1"/>
-              <a:t>RabbitMQ</a:t>
-            </a:r>
-            <a:r>
-              <a:rPr lang="da-DK" dirty="0"/>
-              <a:t> </a:t>
-            </a:r>
-            <a:r>
-              <a:rPr lang="da-DK" dirty="0" err="1"/>
-              <a:t>consumer</a:t>
-            </a:r>
-            <a:r>
-              <a:rPr lang="da-DK" dirty="0"/>
-              <a:t> læser beskeder i </a:t>
-            </a:r>
-            <a:r>
-              <a:rPr lang="da-DK" dirty="0" err="1"/>
-              <a:t>quenen</a:t>
-            </a:r>
-            <a:r>
-              <a:rPr lang="da-DK" dirty="0"/>
-              <a:t>.</a:t>
-            </a:r>
-          </a:p>
-        </p:txBody>
-      </p:sp>
-      <p:sp>
-        <p:nvSpPr>
-          <p:cNvPr id="4" name="Pladsholder til slidenummer 3"/>
-          <p:cNvSpPr>
-            <a:spLocks noGrp="1"/>
-          </p:cNvSpPr>
-          <p:nvPr>
-            <p:ph type="sldNum" sz="quarter" idx="5"/>
-          </p:nvPr>
-        </p:nvSpPr>
-        <p:spPr/>
-        <p:txBody>
-          <a:bodyPr/>
-          <a:lstStyle/>
-          <a:p>
-            <a:fld id="{252E21F2-0B82-4ACE-A045-2AAC56859006}" type="slidenum">
-              <a:rPr lang="da-DK" smtClean="0"/>
-              <a:t>34</a:t>
-            </a:fld>
-            <a:endParaRPr lang="da-DK"/>
-          </a:p>
-        </p:txBody>
-      </p:sp>
-    </p:spTree>
-    <p:extLst>
-      <p:ext uri="{BB962C8B-B14F-4D97-AF65-F5344CB8AC3E}">
-        <p14:creationId xmlns:p14="http://schemas.microsoft.com/office/powerpoint/2010/main" val="3854854098"/>
-      </p:ext>
-    </p:extLst>
-  </p:cSld>
-  <p:clrMapOvr>
-    <a:masterClrMapping/>
-  </p:clrMapOvr>
-</p:notes>
-</file>
-
-<file path=ppt/notesSlides/notesSlide27.xml><?xml version="1.0" encoding="utf-8"?>
-<p:notes xmlns:a="http://schemas.openxmlformats.org/drawingml/2006/main" xmlns:r="http://schemas.openxmlformats.org/officeDocument/2006/relationships" xmlns:p="http://schemas.openxmlformats.org/presentationml/2006/main">
-  <p:cSld>
-    <p:spTree>
-      <p:nvGrpSpPr>
-        <p:cNvPr id="1" name=""/>
-        <p:cNvGrpSpPr/>
-        <p:nvPr/>
-      </p:nvGrpSpPr>
-      <p:grpSpPr>
-        <a:xfrm>
-          <a:off x="0" y="0"/>
-          <a:ext cx="0" cy="0"/>
-          <a:chOff x="0" y="0"/>
-          <a:chExt cx="0" cy="0"/>
-        </a:xfrm>
-      </p:grpSpPr>
-      <p:sp>
-        <p:nvSpPr>
-          <p:cNvPr id="2" name="Pladsholder til slidebillede 1"/>
-          <p:cNvSpPr>
-            <a:spLocks noGrp="1" noRot="1" noChangeAspect="1"/>
-          </p:cNvSpPr>
-          <p:nvPr>
-            <p:ph type="sldImg"/>
-          </p:nvPr>
-        </p:nvSpPr>
-        <p:spPr/>
-      </p:sp>
-      <p:sp>
-        <p:nvSpPr>
-          <p:cNvPr id="3" name="Pladsholder til noter 2"/>
-          <p:cNvSpPr>
-            <a:spLocks noGrp="1"/>
-          </p:cNvSpPr>
-          <p:nvPr>
-            <p:ph type="body" idx="1"/>
-          </p:nvPr>
-        </p:nvSpPr>
-        <p:spPr/>
-        <p:txBody>
-          <a:bodyPr/>
-          <a:lstStyle/>
-          <a:p>
-            <a:r>
-              <a:rPr lang="da-DK" dirty="0" err="1"/>
-              <a:t>Confluent</a:t>
-            </a:r>
-            <a:r>
-              <a:rPr lang="da-DK" dirty="0"/>
-              <a:t> Kafka</a:t>
-            </a:r>
-          </a:p>
-          <a:p>
-            <a:r>
-              <a:rPr lang="da-DK" dirty="0"/>
-              <a:t>Kunne havde brugt </a:t>
-            </a:r>
-            <a:r>
-              <a:rPr lang="da-DK" dirty="0" err="1"/>
-              <a:t>Knet</a:t>
-            </a:r>
-            <a:endParaRPr lang="da-DK" dirty="0"/>
-          </a:p>
-          <a:p>
-            <a:r>
-              <a:rPr lang="da-DK" dirty="0"/>
-              <a:t>JSON, </a:t>
-            </a:r>
-            <a:r>
-              <a:rPr lang="da-DK" dirty="0" err="1"/>
-              <a:t>Arvo</a:t>
-            </a:r>
-            <a:r>
-              <a:rPr lang="da-DK" dirty="0"/>
-              <a:t>, </a:t>
-            </a:r>
-            <a:r>
-              <a:rPr lang="da-DK" dirty="0" err="1"/>
-              <a:t>Protobuf</a:t>
-            </a:r>
-            <a:r>
-              <a:rPr lang="da-DK" dirty="0"/>
-              <a:t>. </a:t>
-            </a:r>
-            <a:r>
-              <a:rPr lang="da-DK" dirty="0" err="1"/>
-              <a:t>Arvo</a:t>
-            </a:r>
-            <a:r>
-              <a:rPr lang="da-DK" dirty="0"/>
-              <a:t> brugt, da den virker til at være det mest </a:t>
-            </a:r>
-            <a:r>
-              <a:rPr lang="da-DK" dirty="0" err="1"/>
-              <a:t>almendlige</a:t>
-            </a:r>
-            <a:r>
-              <a:rPr lang="da-DK" dirty="0"/>
-              <a:t>. </a:t>
-            </a:r>
-            <a:r>
-              <a:rPr lang="da-DK" dirty="0" err="1"/>
-              <a:t>Arvo</a:t>
-            </a:r>
-            <a:r>
-              <a:rPr lang="da-DK" dirty="0"/>
-              <a:t> er Apache</a:t>
-            </a:r>
-          </a:p>
-          <a:p>
-            <a:r>
-              <a:rPr lang="da-DK" dirty="0"/>
-              <a:t>Key/Value, Key bruges til at sikre sig at beskeder sendes til den samme partition</a:t>
-            </a:r>
-          </a:p>
-          <a:p>
-            <a:r>
-              <a:rPr lang="da-DK" dirty="0"/>
-              <a:t>https://github.com/confluentinc/cp-all-in-one/blob/7.6.1-post/cp-all-in-one-kraft/docker-compose.yml</a:t>
-            </a:r>
-          </a:p>
-        </p:txBody>
-      </p:sp>
-      <p:sp>
-        <p:nvSpPr>
-          <p:cNvPr id="4" name="Pladsholder til slidenummer 3"/>
-          <p:cNvSpPr>
-            <a:spLocks noGrp="1"/>
-          </p:cNvSpPr>
-          <p:nvPr>
-            <p:ph type="sldNum" sz="quarter" idx="5"/>
-          </p:nvPr>
-        </p:nvSpPr>
-        <p:spPr/>
-        <p:txBody>
-          <a:bodyPr/>
-          <a:lstStyle/>
-          <a:p>
-            <a:fld id="{252E21F2-0B82-4ACE-A045-2AAC56859006}" type="slidenum">
-              <a:rPr lang="da-DK" smtClean="0"/>
-              <a:t>35</a:t>
-            </a:fld>
-            <a:endParaRPr lang="da-DK"/>
-          </a:p>
-        </p:txBody>
-      </p:sp>
-    </p:spTree>
-    <p:extLst>
-      <p:ext uri="{BB962C8B-B14F-4D97-AF65-F5344CB8AC3E}">
-        <p14:creationId xmlns:p14="http://schemas.microsoft.com/office/powerpoint/2010/main" val="3004894068"/>
-      </p:ext>
-    </p:extLst>
-  </p:cSld>
-  <p:clrMapOvr>
-    <a:masterClrMapping/>
-  </p:clrMapOvr>
-</p:notes>
-</file>
-
-<file path=ppt/notesSlides/notesSlide28.xml><?xml version="1.0" encoding="utf-8"?>
-<p:notes xmlns:a="http://schemas.openxmlformats.org/drawingml/2006/main" xmlns:r="http://schemas.openxmlformats.org/officeDocument/2006/relationships" xmlns:p="http://schemas.openxmlformats.org/presentationml/2006/main">
-  <p:cSld>
-    <p:spTree>
-      <p:nvGrpSpPr>
-        <p:cNvPr id="1" name=""/>
-        <p:cNvGrpSpPr/>
-        <p:nvPr/>
-      </p:nvGrpSpPr>
-      <p:grpSpPr>
-        <a:xfrm>
-          <a:off x="0" y="0"/>
-          <a:ext cx="0" cy="0"/>
-          <a:chOff x="0" y="0"/>
-          <a:chExt cx="0" cy="0"/>
-        </a:xfrm>
-      </p:grpSpPr>
-      <p:sp>
-        <p:nvSpPr>
-          <p:cNvPr id="2" name="Pladsholder til slidebillede 1"/>
-          <p:cNvSpPr>
-            <a:spLocks noGrp="1" noRot="1" noChangeAspect="1"/>
-          </p:cNvSpPr>
-          <p:nvPr>
-            <p:ph type="sldImg"/>
-          </p:nvPr>
-        </p:nvSpPr>
-        <p:spPr/>
-      </p:sp>
-      <p:sp>
-        <p:nvSpPr>
-          <p:cNvPr id="3" name="Pladsholder til noter 2"/>
-          <p:cNvSpPr>
-            <a:spLocks noGrp="1"/>
-          </p:cNvSpPr>
-          <p:nvPr>
-            <p:ph type="body" idx="1"/>
-          </p:nvPr>
-        </p:nvSpPr>
-        <p:spPr/>
-        <p:txBody>
-          <a:bodyPr/>
-          <a:lstStyle/>
-          <a:p>
-            <a:r>
-              <a:rPr lang="da-DK" dirty="0"/>
-              <a:t>Remote Procedure </a:t>
-            </a:r>
-            <a:r>
-              <a:rPr lang="da-DK" dirty="0" err="1"/>
-              <a:t>Cal</a:t>
-            </a:r>
-            <a:endParaRPr lang="da-DK" dirty="0"/>
-          </a:p>
-          <a:p>
-            <a:r>
-              <a:rPr lang="da-DK" dirty="0"/>
-              <a:t>Nævn at </a:t>
-            </a:r>
-            <a:r>
-              <a:rPr lang="da-DK" dirty="0" err="1"/>
-              <a:t>kafka</a:t>
-            </a:r>
-            <a:r>
-              <a:rPr lang="da-DK" dirty="0"/>
-              <a:t> ikke understøtter </a:t>
-            </a:r>
-            <a:r>
-              <a:rPr lang="da-DK" dirty="0" err="1"/>
-              <a:t>request-response</a:t>
-            </a:r>
-            <a:r>
-              <a:rPr lang="da-DK" dirty="0"/>
-              <a:t> </a:t>
-            </a:r>
-          </a:p>
-          <a:p>
-            <a:r>
-              <a:rPr lang="da-DK" dirty="0"/>
-              <a:t>https://kafka.apache.org/documentation/#intro_nutshell nævner Kafka som en alternativ til </a:t>
-            </a:r>
-            <a:r>
-              <a:rPr lang="da-DK" dirty="0" err="1"/>
-              <a:t>RabbitMQ</a:t>
-            </a:r>
-            <a:r>
-              <a:rPr lang="da-DK" dirty="0"/>
-              <a:t> </a:t>
-            </a:r>
-          </a:p>
-        </p:txBody>
-      </p:sp>
-      <p:sp>
-        <p:nvSpPr>
-          <p:cNvPr id="4" name="Pladsholder til slidenummer 3"/>
-          <p:cNvSpPr>
-            <a:spLocks noGrp="1"/>
-          </p:cNvSpPr>
-          <p:nvPr>
-            <p:ph type="sldNum" sz="quarter" idx="5"/>
-          </p:nvPr>
-        </p:nvSpPr>
-        <p:spPr/>
-        <p:txBody>
-          <a:bodyPr/>
-          <a:lstStyle/>
-          <a:p>
-            <a:fld id="{252E21F2-0B82-4ACE-A045-2AAC56859006}" type="slidenum">
-              <a:rPr lang="da-DK" smtClean="0"/>
-              <a:t>36</a:t>
-            </a:fld>
-            <a:endParaRPr lang="da-DK"/>
-          </a:p>
-        </p:txBody>
-      </p:sp>
-    </p:spTree>
-    <p:extLst>
-      <p:ext uri="{BB962C8B-B14F-4D97-AF65-F5344CB8AC3E}">
-        <p14:creationId xmlns:p14="http://schemas.microsoft.com/office/powerpoint/2010/main" val="1108710331"/>
-      </p:ext>
-    </p:extLst>
-  </p:cSld>
-  <p:clrMapOvr>
-    <a:masterClrMapping/>
-  </p:clrMapOvr>
-</p:notes>
-</file>
-
-<file path=ppt/notesSlides/notesSlide29.xml><?xml version="1.0" encoding="utf-8"?>
-<p:notes xmlns:a="http://schemas.openxmlformats.org/drawingml/2006/main" xmlns:r="http://schemas.openxmlformats.org/officeDocument/2006/relationships" xmlns:p="http://schemas.openxmlformats.org/presentationml/2006/main">
-  <p:cSld>
-    <p:spTree>
-      <p:nvGrpSpPr>
-        <p:cNvPr id="1" name=""/>
-        <p:cNvGrpSpPr/>
-        <p:nvPr/>
-      </p:nvGrpSpPr>
-      <p:grpSpPr>
-        <a:xfrm>
-          <a:off x="0" y="0"/>
-          <a:ext cx="0" cy="0"/>
-          <a:chOff x="0" y="0"/>
-          <a:chExt cx="0" cy="0"/>
-        </a:xfrm>
-      </p:grpSpPr>
-      <p:sp>
-        <p:nvSpPr>
-          <p:cNvPr id="2" name="Pladsholder til slidebillede 1"/>
-          <p:cNvSpPr>
-            <a:spLocks noGrp="1" noRot="1" noChangeAspect="1"/>
-          </p:cNvSpPr>
-          <p:nvPr>
-            <p:ph type="sldImg"/>
-          </p:nvPr>
-        </p:nvSpPr>
-        <p:spPr/>
-      </p:sp>
-      <p:sp>
-        <p:nvSpPr>
-          <p:cNvPr id="3" name="Pladsholder til noter 2"/>
-          <p:cNvSpPr>
-            <a:spLocks noGrp="1"/>
-          </p:cNvSpPr>
-          <p:nvPr>
-            <p:ph type="body" idx="1"/>
-          </p:nvPr>
-        </p:nvSpPr>
-        <p:spPr/>
-        <p:txBody>
-          <a:bodyPr/>
-          <a:lstStyle/>
-          <a:p>
-            <a:r>
-              <a:rPr lang="da-DK" dirty="0"/>
-              <a:t>Nævn at for </a:t>
-            </a:r>
-            <a:r>
-              <a:rPr lang="da-DK" dirty="0" err="1"/>
-              <a:t>RabbitMQ</a:t>
-            </a:r>
-            <a:r>
-              <a:rPr lang="da-DK" dirty="0"/>
-              <a:t> er der intet der tvinger en </a:t>
-            </a:r>
-            <a:r>
-              <a:rPr lang="da-DK" dirty="0" err="1"/>
-              <a:t>consumer</a:t>
-            </a:r>
-            <a:r>
-              <a:rPr lang="da-DK" dirty="0"/>
-              <a:t> at svare på en RPC</a:t>
-            </a:r>
-          </a:p>
-          <a:p>
-            <a:r>
-              <a:rPr lang="da-DK" dirty="0"/>
-              <a:t>Kafka er nok bedre for Event Collaboration/</a:t>
-            </a:r>
-            <a:r>
-              <a:rPr lang="da-DK" dirty="0" err="1"/>
-              <a:t>Sourcing</a:t>
-            </a:r>
-            <a:endParaRPr lang="da-DK" dirty="0"/>
-          </a:p>
-          <a:p>
-            <a:r>
-              <a:rPr lang="da-DK" dirty="0"/>
-              <a:t>https://martinfowler.com/eaaDev/EventCollaboration.html</a:t>
-            </a:r>
-          </a:p>
-        </p:txBody>
-      </p:sp>
-      <p:sp>
-        <p:nvSpPr>
-          <p:cNvPr id="4" name="Pladsholder til slidenummer 3"/>
-          <p:cNvSpPr>
-            <a:spLocks noGrp="1"/>
-          </p:cNvSpPr>
-          <p:nvPr>
-            <p:ph type="sldNum" sz="quarter" idx="5"/>
-          </p:nvPr>
-        </p:nvSpPr>
-        <p:spPr/>
-        <p:txBody>
-          <a:bodyPr/>
-          <a:lstStyle/>
-          <a:p>
-            <a:fld id="{252E21F2-0B82-4ACE-A045-2AAC56859006}" type="slidenum">
-              <a:rPr lang="da-DK" smtClean="0"/>
-              <a:t>37</a:t>
-            </a:fld>
-            <a:endParaRPr lang="da-DK"/>
-          </a:p>
-        </p:txBody>
-      </p:sp>
-    </p:spTree>
-    <p:extLst>
-      <p:ext uri="{BB962C8B-B14F-4D97-AF65-F5344CB8AC3E}">
-        <p14:creationId xmlns:p14="http://schemas.microsoft.com/office/powerpoint/2010/main" val="282527506"/>
+        <p14:creationId xmlns:p14="http://schemas.microsoft.com/office/powerpoint/2010/main" val="1430961321"/>
       </p:ext>
     </p:extLst>
   </p:cSld>
@@ -3299,149 +2870,6 @@
 </p:notes>
 </file>
 
-<file path=ppt/notesSlides/notesSlide30.xml><?xml version="1.0" encoding="utf-8"?>
-<p:notes xmlns:a="http://schemas.openxmlformats.org/drawingml/2006/main" xmlns:r="http://schemas.openxmlformats.org/officeDocument/2006/relationships" xmlns:p="http://schemas.openxmlformats.org/presentationml/2006/main">
-  <p:cSld>
-    <p:spTree>
-      <p:nvGrpSpPr>
-        <p:cNvPr id="1" name=""/>
-        <p:cNvGrpSpPr/>
-        <p:nvPr/>
-      </p:nvGrpSpPr>
-      <p:grpSpPr>
-        <a:xfrm>
-          <a:off x="0" y="0"/>
-          <a:ext cx="0" cy="0"/>
-          <a:chOff x="0" y="0"/>
-          <a:chExt cx="0" cy="0"/>
-        </a:xfrm>
-      </p:grpSpPr>
-      <p:sp>
-        <p:nvSpPr>
-          <p:cNvPr id="2" name="Pladsholder til slidebillede 1"/>
-          <p:cNvSpPr>
-            <a:spLocks noGrp="1" noRot="1" noChangeAspect="1"/>
-          </p:cNvSpPr>
-          <p:nvPr>
-            <p:ph type="sldImg"/>
-          </p:nvPr>
-        </p:nvSpPr>
-        <p:spPr/>
-      </p:sp>
-      <p:sp>
-        <p:nvSpPr>
-          <p:cNvPr id="3" name="Pladsholder til noter 2"/>
-          <p:cNvSpPr>
-            <a:spLocks noGrp="1"/>
-          </p:cNvSpPr>
-          <p:nvPr>
-            <p:ph type="body" idx="1"/>
-          </p:nvPr>
-        </p:nvSpPr>
-        <p:spPr/>
-        <p:txBody>
-          <a:bodyPr/>
-          <a:lstStyle/>
-          <a:p>
-            <a:r>
-              <a:rPr lang="da-DK" dirty="0"/>
-              <a:t>Begge kræver at de kender hinanden.</a:t>
-            </a:r>
-          </a:p>
-          <a:p>
-            <a:r>
-              <a:rPr lang="da-DK" dirty="0"/>
-              <a:t>A kunne sende en url’en til en REST API med over</a:t>
-            </a:r>
-          </a:p>
-          <a:p>
-            <a:r>
-              <a:rPr lang="da-DK" dirty="0"/>
-              <a:t>Kafka er nok bedre hvis </a:t>
-            </a:r>
-            <a:r>
-              <a:rPr lang="da-DK" dirty="0" err="1"/>
-              <a:t>producer’en</a:t>
-            </a:r>
-            <a:r>
-              <a:rPr lang="da-DK" dirty="0"/>
-              <a:t> ikke skal reagere på </a:t>
-            </a:r>
-            <a:r>
-              <a:rPr lang="da-DK" dirty="0" err="1"/>
-              <a:t>consumer</a:t>
-            </a:r>
-            <a:r>
-              <a:rPr lang="da-DK" dirty="0"/>
-              <a:t> </a:t>
-            </a:r>
-          </a:p>
-          <a:p>
-            <a:r>
-              <a:rPr lang="da-DK" dirty="0"/>
-              <a:t>Sidste kræver at kun en enkel </a:t>
-            </a:r>
-            <a:r>
-              <a:rPr lang="da-DK" dirty="0" err="1"/>
-              <a:t>consumer</a:t>
-            </a:r>
-            <a:r>
-              <a:rPr lang="da-DK" dirty="0"/>
-              <a:t> </a:t>
-            </a:r>
-            <a:r>
-              <a:rPr lang="da-DK" dirty="0" err="1"/>
-              <a:t>group</a:t>
-            </a:r>
-            <a:r>
-              <a:rPr lang="da-DK" dirty="0"/>
-              <a:t> sender data tilbage</a:t>
-            </a:r>
-          </a:p>
-          <a:p>
-            <a:r>
-              <a:rPr lang="da-DK" dirty="0"/>
-              <a:t>Sidste kræver nok også at beskeden bliver gemt i en database med behandlings status </a:t>
-            </a:r>
-          </a:p>
-        </p:txBody>
-      </p:sp>
-      <p:sp>
-        <p:nvSpPr>
-          <p:cNvPr id="4" name="Pladsholder til slidenummer 3"/>
-          <p:cNvSpPr>
-            <a:spLocks noGrp="1"/>
-          </p:cNvSpPr>
-          <p:nvPr>
-            <p:ph type="sldNum" sz="quarter" idx="5"/>
-          </p:nvPr>
-        </p:nvSpPr>
-        <p:spPr/>
-        <p:txBody>
-          <a:bodyPr/>
-          <a:lstStyle/>
-          <a:p>
-            <a:fld id="{252E21F2-0B82-4ACE-A045-2AAC56859006}" type="slidenum">
-              <a:rPr lang="da-DK" smtClean="0"/>
-              <a:t>38</a:t>
-            </a:fld>
-            <a:endParaRPr lang="da-DK"/>
-          </a:p>
-        </p:txBody>
-      </p:sp>
-    </p:spTree>
-    <p:extLst>
-      <p:ext uri="{BB962C8B-B14F-4D97-AF65-F5344CB8AC3E}">
-        <p14:creationId xmlns:p14="http://schemas.microsoft.com/office/powerpoint/2010/main" val="1430961321"/>
-      </p:ext>
-    </p:extLst>
-  </p:cSld>
-  <p:clrMapOvr>
-    <a:masterClrMapping/>
-  </p:clrMapOvr>
-</p:notes>
-</file>
-
 <file path=ppt/notesSlides/notesSlide4.xml><?xml version="1.0" encoding="utf-8"?>
 <p:notes xmlns:a="http://schemas.openxmlformats.org/drawingml/2006/main" xmlns:r="http://schemas.openxmlformats.org/officeDocument/2006/relationships" xmlns:p="http://schemas.openxmlformats.org/presentationml/2006/main">
   <p:cSld>
@@ -3485,6 +2913,12 @@
         <p:txBody>
           <a:bodyPr/>
           <a:lstStyle/>
+          <a:p>
+            <a:r>
+              <a:rPr lang="da-DK" dirty="0"/>
+              <a:t>Hvordan kode strukturen er opbygget </a:t>
+            </a:r>
+          </a:p>
           <a:p>
             <a:r>
               <a:rPr lang="da-DK" dirty="0"/>
@@ -4520,7 +3954,7 @@
           <a:p>
             <a:fld id="{904F8374-DDA3-4289-A3C4-A561B6E67BA2}" type="datetimeFigureOut">
               <a:rPr lang="da-DK" smtClean="0"/>
-              <a:t>10-05-2024</a:t>
+              <a:t>12-05-2024</a:t>
             </a:fld>
             <a:endParaRPr lang="da-DK"/>
           </a:p>
@@ -4787,7 +4221,7 @@
           <a:p>
             <a:fld id="{904F8374-DDA3-4289-A3C4-A561B6E67BA2}" type="datetimeFigureOut">
               <a:rPr lang="da-DK" smtClean="0"/>
-              <a:t>10-05-2024</a:t>
+              <a:t>12-05-2024</a:t>
             </a:fld>
             <a:endParaRPr lang="da-DK"/>
           </a:p>
@@ -5018,7 +4452,7 @@
           <a:p>
             <a:fld id="{904F8374-DDA3-4289-A3C4-A561B6E67BA2}" type="datetimeFigureOut">
               <a:rPr lang="da-DK" smtClean="0"/>
-              <a:t>10-05-2024</a:t>
+              <a:t>12-05-2024</a:t>
             </a:fld>
             <a:endParaRPr lang="da-DK"/>
           </a:p>
@@ -5328,7 +4762,7 @@
           <a:p>
             <a:fld id="{904F8374-DDA3-4289-A3C4-A561B6E67BA2}" type="datetimeFigureOut">
               <a:rPr lang="da-DK" smtClean="0"/>
-              <a:t>10-05-2024</a:t>
+              <a:t>12-05-2024</a:t>
             </a:fld>
             <a:endParaRPr lang="da-DK"/>
           </a:p>
@@ -5801,7 +5235,7 @@
           <a:p>
             <a:fld id="{904F8374-DDA3-4289-A3C4-A561B6E67BA2}" type="datetimeFigureOut">
               <a:rPr lang="da-DK" smtClean="0"/>
-              <a:t>10-05-2024</a:t>
+              <a:t>12-05-2024</a:t>
             </a:fld>
             <a:endParaRPr lang="da-DK"/>
           </a:p>
@@ -6348,7 +5782,7 @@
           <a:p>
             <a:fld id="{904F8374-DDA3-4289-A3C4-A561B6E67BA2}" type="datetimeFigureOut">
               <a:rPr lang="da-DK" smtClean="0"/>
-              <a:t>10-05-2024</a:t>
+              <a:t>12-05-2024</a:t>
             </a:fld>
             <a:endParaRPr lang="da-DK"/>
           </a:p>
@@ -7122,7 +6556,7 @@
           <a:p>
             <a:fld id="{904F8374-DDA3-4289-A3C4-A561B6E67BA2}" type="datetimeFigureOut">
               <a:rPr lang="da-DK" smtClean="0"/>
-              <a:t>10-05-2024</a:t>
+              <a:t>12-05-2024</a:t>
             </a:fld>
             <a:endParaRPr lang="da-DK"/>
           </a:p>
@@ -7297,7 +6731,7 @@
           <a:p>
             <a:fld id="{904F8374-DDA3-4289-A3C4-A561B6E67BA2}" type="datetimeFigureOut">
               <a:rPr lang="da-DK" smtClean="0"/>
-              <a:t>10-05-2024</a:t>
+              <a:t>12-05-2024</a:t>
             </a:fld>
             <a:endParaRPr lang="da-DK"/>
           </a:p>
@@ -7520,7 +6954,7 @@
           <a:p>
             <a:fld id="{904F8374-DDA3-4289-A3C4-A561B6E67BA2}" type="datetimeFigureOut">
               <a:rPr lang="da-DK" smtClean="0"/>
-              <a:t>10-05-2024</a:t>
+              <a:t>12-05-2024</a:t>
             </a:fld>
             <a:endParaRPr lang="da-DK"/>
           </a:p>
@@ -7700,7 +7134,7 @@
           <a:p>
             <a:fld id="{904F8374-DDA3-4289-A3C4-A561B6E67BA2}" type="datetimeFigureOut">
               <a:rPr lang="da-DK" smtClean="0"/>
-              <a:t>10-05-2024</a:t>
+              <a:t>12-05-2024</a:t>
             </a:fld>
             <a:endParaRPr lang="da-DK"/>
           </a:p>
@@ -7989,7 +7423,7 @@
           <a:p>
             <a:fld id="{904F8374-DDA3-4289-A3C4-A561B6E67BA2}" type="datetimeFigureOut">
               <a:rPr lang="da-DK" smtClean="0"/>
-              <a:t>10-05-2024</a:t>
+              <a:t>12-05-2024</a:t>
             </a:fld>
             <a:endParaRPr lang="da-DK"/>
           </a:p>
@@ -8231,7 +7665,7 @@
           <a:p>
             <a:fld id="{904F8374-DDA3-4289-A3C4-A561B6E67BA2}" type="datetimeFigureOut">
               <a:rPr lang="da-DK" smtClean="0"/>
-              <a:t>10-05-2024</a:t>
+              <a:t>12-05-2024</a:t>
             </a:fld>
             <a:endParaRPr lang="da-DK"/>
           </a:p>
@@ -8610,7 +8044,7 @@
           <a:p>
             <a:fld id="{904F8374-DDA3-4289-A3C4-A561B6E67BA2}" type="datetimeFigureOut">
               <a:rPr lang="da-DK" smtClean="0"/>
-              <a:t>10-05-2024</a:t>
+              <a:t>12-05-2024</a:t>
             </a:fld>
             <a:endParaRPr lang="da-DK"/>
           </a:p>
@@ -8728,7 +8162,7 @@
           <a:p>
             <a:fld id="{904F8374-DDA3-4289-A3C4-A561B6E67BA2}" type="datetimeFigureOut">
               <a:rPr lang="da-DK" smtClean="0"/>
-              <a:t>10-05-2024</a:t>
+              <a:t>12-05-2024</a:t>
             </a:fld>
             <a:endParaRPr lang="da-DK"/>
           </a:p>
@@ -8823,7 +8257,7 @@
           <a:p>
             <a:fld id="{904F8374-DDA3-4289-A3C4-A561B6E67BA2}" type="datetimeFigureOut">
               <a:rPr lang="da-DK" smtClean="0"/>
-              <a:t>10-05-2024</a:t>
+              <a:t>12-05-2024</a:t>
             </a:fld>
             <a:endParaRPr lang="da-DK"/>
           </a:p>
@@ -9072,7 +8506,7 @@
           <a:p>
             <a:fld id="{904F8374-DDA3-4289-A3C4-A561B6E67BA2}" type="datetimeFigureOut">
               <a:rPr lang="da-DK" smtClean="0"/>
-              <a:t>10-05-2024</a:t>
+              <a:t>12-05-2024</a:t>
             </a:fld>
             <a:endParaRPr lang="da-DK"/>
           </a:p>
@@ -9329,7 +8763,7 @@
           <a:p>
             <a:fld id="{904F8374-DDA3-4289-A3C4-A561B6E67BA2}" type="datetimeFigureOut">
               <a:rPr lang="da-DK" smtClean="0"/>
-              <a:t>10-05-2024</a:t>
+              <a:t>12-05-2024</a:t>
             </a:fld>
             <a:endParaRPr lang="da-DK"/>
           </a:p>
@@ -9572,7 +9006,7 @@
           <a:p>
             <a:fld id="{904F8374-DDA3-4289-A3C4-A561B6E67BA2}" type="datetimeFigureOut">
               <a:rPr lang="da-DK" smtClean="0"/>
-              <a:t>10-05-2024</a:t>
+              <a:t>12-05-2024</a:t>
             </a:fld>
             <a:endParaRPr lang="da-DK"/>
           </a:p>
@@ -11272,7 +10706,7 @@
 </file>
 
 <file path=ppt/slides/slide19.xml><?xml version="1.0" encoding="utf-8"?>
-<p:sld xmlns:a="http://schemas.openxmlformats.org/drawingml/2006/main" xmlns:r="http://schemas.openxmlformats.org/officeDocument/2006/relationships" xmlns:p="http://schemas.openxmlformats.org/presentationml/2006/main" show="0">
+<p:sld xmlns:a="http://schemas.openxmlformats.org/drawingml/2006/main" xmlns:r="http://schemas.openxmlformats.org/officeDocument/2006/relationships" xmlns:p="http://schemas.openxmlformats.org/presentationml/2006/main">
   <p:cSld>
     <p:spTree>
       <p:nvGrpSpPr>
@@ -11317,15 +10751,7 @@
             <a:pPr algn="ctr"/>
             <a:r>
               <a:rPr lang="da-DK" dirty="0"/>
-              <a:t>Command Query </a:t>
-            </a:r>
-            <a:r>
-              <a:rPr lang="da-DK" dirty="0" err="1"/>
-              <a:t>Responsilibty</a:t>
-            </a:r>
-            <a:r>
-              <a:rPr lang="da-DK" dirty="0"/>
-              <a:t> Segregation</a:t>
+              <a:t>Konklusion</a:t>
             </a:r>
           </a:p>
         </p:txBody>
@@ -11333,7 +10759,7 @@
     </p:spTree>
     <p:extLst>
       <p:ext uri="{BB962C8B-B14F-4D97-AF65-F5344CB8AC3E}">
-        <p14:creationId xmlns:p14="http://schemas.microsoft.com/office/powerpoint/2010/main" val="1359063521"/>
+        <p14:creationId xmlns:p14="http://schemas.microsoft.com/office/powerpoint/2010/main" val="1632765315"/>
       </p:ext>
     </p:extLst>
   </p:cSld>
@@ -11572,605 +10998,6 @@
 </file>
 
 <file path=ppt/slides/slide20.xml><?xml version="1.0" encoding="utf-8"?>
-<p:sld xmlns:a="http://schemas.openxmlformats.org/drawingml/2006/main" xmlns:r="http://schemas.openxmlformats.org/officeDocument/2006/relationships" xmlns:p="http://schemas.openxmlformats.org/presentationml/2006/main" show="0">
-  <p:cSld>
-    <p:spTree>
-      <p:nvGrpSpPr>
-        <p:cNvPr id="1" name=""/>
-        <p:cNvGrpSpPr/>
-        <p:nvPr/>
-      </p:nvGrpSpPr>
-      <p:grpSpPr>
-        <a:xfrm>
-          <a:off x="0" y="0"/>
-          <a:ext cx="0" cy="0"/>
-          <a:chOff x="0" y="0"/>
-          <a:chExt cx="0" cy="0"/>
-        </a:xfrm>
-      </p:grpSpPr>
-      <p:sp>
-        <p:nvSpPr>
-          <p:cNvPr id="2" name="Titel 1">
-            <a:extLst>
-              <a:ext uri="{FF2B5EF4-FFF2-40B4-BE49-F238E27FC236}">
-                <a16:creationId xmlns:a16="http://schemas.microsoft.com/office/drawing/2014/main" id="{FFEC5993-EFA9-A519-83CC-AF07225CE353}"/>
-              </a:ext>
-            </a:extLst>
-          </p:cNvPr>
-          <p:cNvSpPr>
-            <a:spLocks noGrp="1"/>
-          </p:cNvSpPr>
-          <p:nvPr>
-            <p:ph type="title"/>
-          </p:nvPr>
-        </p:nvSpPr>
-        <p:spPr>
-          <a:xfrm>
-            <a:off x="0" y="0"/>
-            <a:ext cx="12192000" cy="6857999"/>
-          </a:xfrm>
-        </p:spPr>
-        <p:txBody>
-          <a:bodyPr/>
-          <a:lstStyle/>
-          <a:p>
-            <a:pPr algn="ctr"/>
-            <a:r>
-              <a:rPr lang="da-DK" dirty="0"/>
-              <a:t>Logning</a:t>
-            </a:r>
-          </a:p>
-        </p:txBody>
-      </p:sp>
-    </p:spTree>
-    <p:extLst>
-      <p:ext uri="{BB962C8B-B14F-4D97-AF65-F5344CB8AC3E}">
-        <p14:creationId xmlns:p14="http://schemas.microsoft.com/office/powerpoint/2010/main" val="1136211132"/>
-      </p:ext>
-    </p:extLst>
-  </p:cSld>
-  <p:clrMapOvr>
-    <a:masterClrMapping/>
-  </p:clrMapOvr>
-</p:sld>
-</file>
-
-<file path=ppt/slides/slide21.xml><?xml version="1.0" encoding="utf-8"?>
-<p:sld xmlns:a="http://schemas.openxmlformats.org/drawingml/2006/main" xmlns:r="http://schemas.openxmlformats.org/officeDocument/2006/relationships" xmlns:p="http://schemas.openxmlformats.org/presentationml/2006/main" show="0">
-  <p:cSld>
-    <p:spTree>
-      <p:nvGrpSpPr>
-        <p:cNvPr id="1" name=""/>
-        <p:cNvGrpSpPr/>
-        <p:nvPr/>
-      </p:nvGrpSpPr>
-      <p:grpSpPr>
-        <a:xfrm>
-          <a:off x="0" y="0"/>
-          <a:ext cx="0" cy="0"/>
-          <a:chOff x="0" y="0"/>
-          <a:chExt cx="0" cy="0"/>
-        </a:xfrm>
-      </p:grpSpPr>
-      <p:sp>
-        <p:nvSpPr>
-          <p:cNvPr id="2" name="Titel 1">
-            <a:extLst>
-              <a:ext uri="{FF2B5EF4-FFF2-40B4-BE49-F238E27FC236}">
-                <a16:creationId xmlns:a16="http://schemas.microsoft.com/office/drawing/2014/main" id="{21C30BFC-C22D-1BBC-081D-EF99A2BD28B4}"/>
-              </a:ext>
-            </a:extLst>
-          </p:cNvPr>
-          <p:cNvSpPr>
-            <a:spLocks noGrp="1"/>
-          </p:cNvSpPr>
-          <p:nvPr>
-            <p:ph type="title"/>
-          </p:nvPr>
-        </p:nvSpPr>
-        <p:spPr/>
-        <p:txBody>
-          <a:bodyPr/>
-          <a:lstStyle/>
-          <a:p>
-            <a:r>
-              <a:rPr lang="da-DK" dirty="0"/>
-              <a:t>Logning</a:t>
-            </a:r>
-          </a:p>
-        </p:txBody>
-      </p:sp>
-      <p:sp>
-        <p:nvSpPr>
-          <p:cNvPr id="3" name="Pladsholder til indhold 2">
-            <a:extLst>
-              <a:ext uri="{FF2B5EF4-FFF2-40B4-BE49-F238E27FC236}">
-                <a16:creationId xmlns:a16="http://schemas.microsoft.com/office/drawing/2014/main" id="{33B21E7F-37E8-8AE0-E2C8-025FD2672AC8}"/>
-              </a:ext>
-            </a:extLst>
-          </p:cNvPr>
-          <p:cNvSpPr>
-            <a:spLocks noGrp="1"/>
-          </p:cNvSpPr>
-          <p:nvPr>
-            <p:ph idx="1"/>
-          </p:nvPr>
-        </p:nvSpPr>
-        <p:spPr/>
-        <p:txBody>
-          <a:bodyPr/>
-          <a:lstStyle/>
-          <a:p>
-            <a:endParaRPr lang="da-DK" dirty="0"/>
-          </a:p>
-          <a:p>
-            <a:r>
-              <a:rPr lang="da-DK" dirty="0"/>
-              <a:t>Benytter </a:t>
-            </a:r>
-            <a:r>
-              <a:rPr lang="da-DK" dirty="0" err="1"/>
-              <a:t>Seq</a:t>
-            </a:r>
-            <a:r>
-              <a:rPr lang="da-DK" dirty="0"/>
-              <a:t> og </a:t>
-            </a:r>
-            <a:r>
-              <a:rPr lang="da-DK" dirty="0" err="1"/>
-              <a:t>Serilog</a:t>
-            </a:r>
-            <a:endParaRPr lang="da-DK" dirty="0"/>
-          </a:p>
-          <a:p>
-            <a:r>
-              <a:rPr lang="da-DK" dirty="0"/>
-              <a:t>Hjælper med at finde opførelser over tid</a:t>
-            </a:r>
-          </a:p>
-          <a:p>
-            <a:r>
-              <a:rPr lang="da-DK" dirty="0"/>
-              <a:t>Hjælper med at forstå bugs, der først opstår efter lang tid</a:t>
-            </a:r>
-          </a:p>
-          <a:p>
-            <a:pPr marL="0" indent="0">
-              <a:buNone/>
-            </a:pPr>
-            <a:endParaRPr lang="da-DK" dirty="0"/>
-          </a:p>
-        </p:txBody>
-      </p:sp>
-    </p:spTree>
-    <p:extLst>
-      <p:ext uri="{BB962C8B-B14F-4D97-AF65-F5344CB8AC3E}">
-        <p14:creationId xmlns:p14="http://schemas.microsoft.com/office/powerpoint/2010/main" val="3231485805"/>
-      </p:ext>
-    </p:extLst>
-  </p:cSld>
-  <p:clrMapOvr>
-    <a:masterClrMapping/>
-  </p:clrMapOvr>
-</p:sld>
-</file>
-
-<file path=ppt/slides/slide22.xml><?xml version="1.0" encoding="utf-8"?>
-<p:sld xmlns:a="http://schemas.openxmlformats.org/drawingml/2006/main" xmlns:r="http://schemas.openxmlformats.org/officeDocument/2006/relationships" xmlns:p="http://schemas.openxmlformats.org/presentationml/2006/main" show="0">
-  <p:cSld>
-    <p:spTree>
-      <p:nvGrpSpPr>
-        <p:cNvPr id="1" name=""/>
-        <p:cNvGrpSpPr/>
-        <p:nvPr/>
-      </p:nvGrpSpPr>
-      <p:grpSpPr>
-        <a:xfrm>
-          <a:off x="0" y="0"/>
-          <a:ext cx="0" cy="0"/>
-          <a:chOff x="0" y="0"/>
-          <a:chExt cx="0" cy="0"/>
-        </a:xfrm>
-      </p:grpSpPr>
-      <p:sp>
-        <p:nvSpPr>
-          <p:cNvPr id="2" name="Titel 1">
-            <a:extLst>
-              <a:ext uri="{FF2B5EF4-FFF2-40B4-BE49-F238E27FC236}">
-                <a16:creationId xmlns:a16="http://schemas.microsoft.com/office/drawing/2014/main" id="{FFEC5993-EFA9-A519-83CC-AF07225CE353}"/>
-              </a:ext>
-            </a:extLst>
-          </p:cNvPr>
-          <p:cNvSpPr>
-            <a:spLocks noGrp="1"/>
-          </p:cNvSpPr>
-          <p:nvPr>
-            <p:ph type="title"/>
-          </p:nvPr>
-        </p:nvSpPr>
-        <p:spPr>
-          <a:xfrm>
-            <a:off x="0" y="0"/>
-            <a:ext cx="12192000" cy="6857999"/>
-          </a:xfrm>
-        </p:spPr>
-        <p:txBody>
-          <a:bodyPr/>
-          <a:lstStyle/>
-          <a:p>
-            <a:pPr algn="ctr"/>
-            <a:r>
-              <a:rPr lang="da-DK" dirty="0" err="1"/>
-              <a:t>Frontend</a:t>
-            </a:r>
-            <a:endParaRPr lang="da-DK" dirty="0"/>
-          </a:p>
-        </p:txBody>
-      </p:sp>
-    </p:spTree>
-    <p:extLst>
-      <p:ext uri="{BB962C8B-B14F-4D97-AF65-F5344CB8AC3E}">
-        <p14:creationId xmlns:p14="http://schemas.microsoft.com/office/powerpoint/2010/main" val="684450765"/>
-      </p:ext>
-    </p:extLst>
-  </p:cSld>
-  <p:clrMapOvr>
-    <a:masterClrMapping/>
-  </p:clrMapOvr>
-</p:sld>
-</file>
-
-<file path=ppt/slides/slide23.xml><?xml version="1.0" encoding="utf-8"?>
-<p:sld xmlns:a="http://schemas.openxmlformats.org/drawingml/2006/main" xmlns:r="http://schemas.openxmlformats.org/officeDocument/2006/relationships" xmlns:p="http://schemas.openxmlformats.org/presentationml/2006/main" show="0">
-  <p:cSld>
-    <p:spTree>
-      <p:nvGrpSpPr>
-        <p:cNvPr id="1" name=""/>
-        <p:cNvGrpSpPr/>
-        <p:nvPr/>
-      </p:nvGrpSpPr>
-      <p:grpSpPr>
-        <a:xfrm>
-          <a:off x="0" y="0"/>
-          <a:ext cx="0" cy="0"/>
-          <a:chOff x="0" y="0"/>
-          <a:chExt cx="0" cy="0"/>
-        </a:xfrm>
-      </p:grpSpPr>
-      <p:sp>
-        <p:nvSpPr>
-          <p:cNvPr id="2" name="Titel 1">
-            <a:extLst>
-              <a:ext uri="{FF2B5EF4-FFF2-40B4-BE49-F238E27FC236}">
-                <a16:creationId xmlns:a16="http://schemas.microsoft.com/office/drawing/2014/main" id="{F3019DD0-C209-385A-D32B-340F2A60648D}"/>
-              </a:ext>
-            </a:extLst>
-          </p:cNvPr>
-          <p:cNvSpPr>
-            <a:spLocks noGrp="1"/>
-          </p:cNvSpPr>
-          <p:nvPr>
-            <p:ph type="title"/>
-          </p:nvPr>
-        </p:nvSpPr>
-        <p:spPr/>
-        <p:txBody>
-          <a:bodyPr/>
-          <a:lstStyle/>
-          <a:p>
-            <a:r>
-              <a:rPr lang="da-DK" dirty="0" err="1"/>
-              <a:t>Blazor</a:t>
-            </a:r>
-            <a:endParaRPr lang="da-DK" dirty="0"/>
-          </a:p>
-        </p:txBody>
-      </p:sp>
-      <p:sp>
-        <p:nvSpPr>
-          <p:cNvPr id="3" name="Pladsholder til indhold 2">
-            <a:extLst>
-              <a:ext uri="{FF2B5EF4-FFF2-40B4-BE49-F238E27FC236}">
-                <a16:creationId xmlns:a16="http://schemas.microsoft.com/office/drawing/2014/main" id="{703AD30A-B471-D400-AECD-D6CB46AD4206}"/>
-              </a:ext>
-            </a:extLst>
-          </p:cNvPr>
-          <p:cNvSpPr>
-            <a:spLocks noGrp="1"/>
-          </p:cNvSpPr>
-          <p:nvPr>
-            <p:ph idx="1"/>
-          </p:nvPr>
-        </p:nvSpPr>
-        <p:spPr/>
-        <p:txBody>
-          <a:bodyPr/>
-          <a:lstStyle/>
-          <a:p>
-            <a:r>
-              <a:rPr lang="da-DK" dirty="0" err="1"/>
-              <a:t>WebAssembly</a:t>
-            </a:r>
-            <a:endParaRPr lang="da-DK" dirty="0"/>
-          </a:p>
-          <a:p>
-            <a:r>
-              <a:rPr lang="da-DK" dirty="0" err="1"/>
-              <a:t>Razor</a:t>
-            </a:r>
-            <a:r>
-              <a:rPr lang="da-DK" dirty="0"/>
-              <a:t> Syntaks</a:t>
-            </a:r>
-          </a:p>
-          <a:p>
-            <a:r>
-              <a:rPr lang="da-DK" dirty="0"/>
-              <a:t>Single og </a:t>
-            </a:r>
-            <a:r>
-              <a:rPr lang="da-DK" dirty="0" err="1"/>
-              <a:t>Multi</a:t>
-            </a:r>
-            <a:r>
-              <a:rPr lang="da-DK" dirty="0"/>
-              <a:t> Page Application</a:t>
-            </a:r>
-          </a:p>
-          <a:p>
-            <a:r>
-              <a:rPr lang="da-DK" dirty="0"/>
-              <a:t>Komponenter</a:t>
-            </a:r>
-          </a:p>
-        </p:txBody>
-      </p:sp>
-    </p:spTree>
-    <p:extLst>
-      <p:ext uri="{BB962C8B-B14F-4D97-AF65-F5344CB8AC3E}">
-        <p14:creationId xmlns:p14="http://schemas.microsoft.com/office/powerpoint/2010/main" val="898303584"/>
-      </p:ext>
-    </p:extLst>
-  </p:cSld>
-  <p:clrMapOvr>
-    <a:masterClrMapping/>
-  </p:clrMapOvr>
-</p:sld>
-</file>
-
-<file path=ppt/slides/slide24.xml><?xml version="1.0" encoding="utf-8"?>
-<p:sld xmlns:a="http://schemas.openxmlformats.org/drawingml/2006/main" xmlns:r="http://schemas.openxmlformats.org/officeDocument/2006/relationships" xmlns:p="http://schemas.openxmlformats.org/presentationml/2006/main" show="0">
-  <p:cSld>
-    <p:spTree>
-      <p:nvGrpSpPr>
-        <p:cNvPr id="1" name=""/>
-        <p:cNvGrpSpPr/>
-        <p:nvPr/>
-      </p:nvGrpSpPr>
-      <p:grpSpPr>
-        <a:xfrm>
-          <a:off x="0" y="0"/>
-          <a:ext cx="0" cy="0"/>
-          <a:chOff x="0" y="0"/>
-          <a:chExt cx="0" cy="0"/>
-        </a:xfrm>
-      </p:grpSpPr>
-      <p:sp>
-        <p:nvSpPr>
-          <p:cNvPr id="3" name="Titel 2">
-            <a:extLst>
-              <a:ext uri="{FF2B5EF4-FFF2-40B4-BE49-F238E27FC236}">
-                <a16:creationId xmlns:a16="http://schemas.microsoft.com/office/drawing/2014/main" id="{7AAF8386-09A5-C985-33B7-777E34A0D9E9}"/>
-              </a:ext>
-            </a:extLst>
-          </p:cNvPr>
-          <p:cNvSpPr>
-            <a:spLocks noGrp="1"/>
-          </p:cNvSpPr>
-          <p:nvPr>
-            <p:ph type="title"/>
-          </p:nvPr>
-        </p:nvSpPr>
-        <p:spPr/>
-        <p:txBody>
-          <a:bodyPr/>
-          <a:lstStyle/>
-          <a:p>
-            <a:r>
-              <a:rPr lang="da-DK" dirty="0" err="1"/>
-              <a:t>Blazor</a:t>
-            </a:r>
-            <a:r>
-              <a:rPr lang="da-DK" dirty="0"/>
-              <a:t> – </a:t>
-            </a:r>
-            <a:r>
-              <a:rPr lang="da-DK" dirty="0" err="1"/>
-              <a:t>Refresh</a:t>
-            </a:r>
-            <a:r>
-              <a:rPr lang="da-DK" dirty="0"/>
-              <a:t> </a:t>
-            </a:r>
-            <a:r>
-              <a:rPr lang="da-DK" dirty="0" err="1"/>
-              <a:t>Token</a:t>
-            </a:r>
-            <a:endParaRPr lang="da-DK" dirty="0"/>
-          </a:p>
-        </p:txBody>
-      </p:sp>
-      <p:sp>
-        <p:nvSpPr>
-          <p:cNvPr id="4" name="Pladsholder til tekst 3">
-            <a:extLst>
-              <a:ext uri="{FF2B5EF4-FFF2-40B4-BE49-F238E27FC236}">
-                <a16:creationId xmlns:a16="http://schemas.microsoft.com/office/drawing/2014/main" id="{63F805C9-2BBE-AAAF-AC3D-0012B553FE7E}"/>
-              </a:ext>
-            </a:extLst>
-          </p:cNvPr>
-          <p:cNvSpPr>
-            <a:spLocks noGrp="1"/>
-          </p:cNvSpPr>
-          <p:nvPr>
-            <p:ph type="body" idx="1"/>
-          </p:nvPr>
-        </p:nvSpPr>
-        <p:spPr/>
-        <p:txBody>
-          <a:bodyPr/>
-          <a:lstStyle/>
-          <a:p>
-            <a:r>
-              <a:rPr lang="da-DK" dirty="0" err="1"/>
-              <a:t>Blazor</a:t>
-            </a:r>
-            <a:endParaRPr lang="da-DK" dirty="0"/>
-          </a:p>
-        </p:txBody>
-      </p:sp>
-      <p:sp>
-        <p:nvSpPr>
-          <p:cNvPr id="5" name="Pladsholder til indhold 4">
-            <a:extLst>
-              <a:ext uri="{FF2B5EF4-FFF2-40B4-BE49-F238E27FC236}">
-                <a16:creationId xmlns:a16="http://schemas.microsoft.com/office/drawing/2014/main" id="{FA4DD623-FA22-1FCD-9537-ADE6F504CE02}"/>
-              </a:ext>
-            </a:extLst>
-          </p:cNvPr>
-          <p:cNvSpPr>
-            <a:spLocks noGrp="1"/>
-          </p:cNvSpPr>
-          <p:nvPr>
-            <p:ph sz="half" idx="2"/>
-          </p:nvPr>
-        </p:nvSpPr>
-        <p:spPr/>
-        <p:txBody>
-          <a:bodyPr/>
-          <a:lstStyle/>
-          <a:p>
-            <a:r>
-              <a:rPr lang="da-DK" dirty="0"/>
-              <a:t>Har ikke </a:t>
-            </a:r>
-            <a:r>
-              <a:rPr lang="da-DK" dirty="0" err="1"/>
-              <a:t>interceptors</a:t>
-            </a:r>
-            <a:r>
-              <a:rPr lang="da-DK" dirty="0"/>
-              <a:t> som </a:t>
-            </a:r>
-            <a:r>
-              <a:rPr lang="da-DK" dirty="0" err="1"/>
-              <a:t>Angular</a:t>
-            </a:r>
-            <a:endParaRPr lang="da-DK" dirty="0"/>
-          </a:p>
-          <a:p>
-            <a:r>
-              <a:rPr lang="da-DK" dirty="0" err="1"/>
-              <a:t>Blazor</a:t>
-            </a:r>
-            <a:r>
-              <a:rPr lang="da-DK" dirty="0"/>
-              <a:t> SPA har ikke </a:t>
-            </a:r>
-            <a:r>
-              <a:rPr lang="da-DK" dirty="0" err="1"/>
-              <a:t>middleware</a:t>
-            </a:r>
-            <a:endParaRPr lang="da-DK" dirty="0"/>
-          </a:p>
-          <a:p>
-            <a:endParaRPr lang="da-DK" dirty="0"/>
-          </a:p>
-          <a:p>
-            <a:r>
-              <a:rPr lang="da-DK" dirty="0"/>
-              <a:t>Særlig HTTP Klient service</a:t>
-            </a:r>
-          </a:p>
-        </p:txBody>
-      </p:sp>
-      <p:sp>
-        <p:nvSpPr>
-          <p:cNvPr id="6" name="Pladsholder til tekst 5">
-            <a:extLst>
-              <a:ext uri="{FF2B5EF4-FFF2-40B4-BE49-F238E27FC236}">
-                <a16:creationId xmlns:a16="http://schemas.microsoft.com/office/drawing/2014/main" id="{6034F8DD-ACCE-41BD-1076-C9ADCCD72CC2}"/>
-              </a:ext>
-            </a:extLst>
-          </p:cNvPr>
-          <p:cNvSpPr>
-            <a:spLocks noGrp="1"/>
-          </p:cNvSpPr>
-          <p:nvPr>
-            <p:ph type="body" sz="quarter" idx="3"/>
-          </p:nvPr>
-        </p:nvSpPr>
-        <p:spPr/>
-        <p:txBody>
-          <a:bodyPr/>
-          <a:lstStyle/>
-          <a:p>
-            <a:r>
-              <a:rPr lang="da-DK" dirty="0" err="1"/>
-              <a:t>Angular</a:t>
-            </a:r>
-            <a:endParaRPr lang="da-DK" dirty="0"/>
-          </a:p>
-        </p:txBody>
-      </p:sp>
-      <p:pic>
-        <p:nvPicPr>
-          <p:cNvPr id="9" name="Pladsholder til indhold 8">
-            <a:extLst>
-              <a:ext uri="{FF2B5EF4-FFF2-40B4-BE49-F238E27FC236}">
-                <a16:creationId xmlns:a16="http://schemas.microsoft.com/office/drawing/2014/main" id="{05298FA0-6CD7-3C1A-2D1D-3AED3663FDED}"/>
-              </a:ext>
-            </a:extLst>
-          </p:cNvPr>
-          <p:cNvPicPr>
-            <a:picLocks noGrp="1" noChangeAspect="1"/>
-          </p:cNvPicPr>
-          <p:nvPr>
-            <p:ph sz="quarter" idx="4"/>
-          </p:nvPr>
-        </p:nvPicPr>
-        <p:blipFill rotWithShape="1">
-          <a:blip r:embed="rId2">
-            <a:extLst>
-              <a:ext uri="{28A0092B-C50C-407E-A947-70E740481C1C}">
-                <a14:useLocalDpi xmlns:a14="http://schemas.microsoft.com/office/drawing/2010/main" val="0"/>
-              </a:ext>
-            </a:extLst>
-          </a:blip>
-          <a:srcRect t="10126" r="671" b="8745"/>
-          <a:stretch/>
-        </p:blipFill>
-        <p:spPr>
-          <a:xfrm>
-            <a:off x="8274254" y="1710173"/>
-            <a:ext cx="3917746" cy="5147827"/>
-          </a:xfrm>
-        </p:spPr>
-      </p:pic>
-    </p:spTree>
-    <p:extLst>
-      <p:ext uri="{BB962C8B-B14F-4D97-AF65-F5344CB8AC3E}">
-        <p14:creationId xmlns:p14="http://schemas.microsoft.com/office/powerpoint/2010/main" val="172690852"/>
-      </p:ext>
-    </p:extLst>
-  </p:cSld>
-  <p:clrMapOvr>
-    <a:masterClrMapping/>
-  </p:clrMapOvr>
-</p:sld>
-</file>
-
-<file path=ppt/slides/slide25.xml><?xml version="1.0" encoding="utf-8"?>
 <p:sld xmlns:a="http://schemas.openxmlformats.org/drawingml/2006/main" xmlns:r="http://schemas.openxmlformats.org/officeDocument/2006/relationships" xmlns:p="http://schemas.openxmlformats.org/presentationml/2006/main">
   <p:cSld>
     <p:spTree>
@@ -12192,7 +11019,7 @@
           <p:cNvPr id="2" name="Titel 1">
             <a:extLst>
               <a:ext uri="{FF2B5EF4-FFF2-40B4-BE49-F238E27FC236}">
-                <a16:creationId xmlns:a16="http://schemas.microsoft.com/office/drawing/2014/main" id="{FFEC5993-EFA9-A519-83CC-AF07225CE353}"/>
+                <a16:creationId xmlns:a16="http://schemas.microsoft.com/office/drawing/2014/main" id="{9AD4A813-A89A-825A-72FF-FA237F2E8B70}"/>
               </a:ext>
             </a:extLst>
           </p:cNvPr>
@@ -12203,20 +11030,116 @@
             <p:ph type="title"/>
           </p:nvPr>
         </p:nvSpPr>
-        <p:spPr>
-          <a:xfrm>
-            <a:off x="0" y="0"/>
-            <a:ext cx="12192000" cy="6857999"/>
-          </a:xfrm>
-        </p:spPr>
-        <p:txBody>
-          <a:bodyPr/>
-          <a:lstStyle/>
-          <a:p>
-            <a:pPr algn="ctr"/>
+        <p:spPr/>
+        <p:txBody>
+          <a:bodyPr/>
+          <a:lstStyle/>
+          <a:p>
             <a:r>
               <a:rPr lang="da-DK" dirty="0"/>
               <a:t>Konklusion</a:t>
+            </a:r>
+          </a:p>
+        </p:txBody>
+      </p:sp>
+      <p:sp>
+        <p:nvSpPr>
+          <p:cNvPr id="3" name="Pladsholder til indhold 2">
+            <a:extLst>
+              <a:ext uri="{FF2B5EF4-FFF2-40B4-BE49-F238E27FC236}">
+                <a16:creationId xmlns:a16="http://schemas.microsoft.com/office/drawing/2014/main" id="{4273B0C1-65DB-7237-D931-F20125F6C970}"/>
+              </a:ext>
+            </a:extLst>
+          </p:cNvPr>
+          <p:cNvSpPr>
+            <a:spLocks noGrp="1"/>
+          </p:cNvSpPr>
+          <p:nvPr>
+            <p:ph idx="1"/>
+          </p:nvPr>
+        </p:nvSpPr>
+        <p:spPr/>
+        <p:txBody>
+          <a:bodyPr/>
+          <a:lstStyle/>
+          <a:p>
+            <a:r>
+              <a:rPr lang="da-DK" dirty="0"/>
+              <a:t>Produktet læste problemformulering</a:t>
+            </a:r>
+          </a:p>
+          <a:p>
+            <a:pPr lvl="1"/>
+            <a:r>
+              <a:rPr lang="da-DK" dirty="0"/>
+              <a:t>Kundeoprettelse</a:t>
+            </a:r>
+          </a:p>
+          <a:p>
+            <a:pPr lvl="1"/>
+            <a:r>
+              <a:rPr lang="da-DK" dirty="0"/>
+              <a:t>Menu-bestilling</a:t>
+            </a:r>
+          </a:p>
+          <a:p>
+            <a:pPr lvl="1"/>
+            <a:r>
+              <a:rPr lang="da-DK" dirty="0"/>
+              <a:t>Menu og ret oprettelse</a:t>
+            </a:r>
+          </a:p>
+          <a:p>
+            <a:pPr lvl="1"/>
+            <a:r>
+              <a:rPr lang="da-DK" dirty="0"/>
+              <a:t>Se ordrer </a:t>
+            </a:r>
+          </a:p>
+          <a:p>
+            <a:r>
+              <a:rPr lang="da-DK" dirty="0"/>
+              <a:t>Har mangler før det ville kunne bruges i virkeligheden</a:t>
+            </a:r>
+          </a:p>
+          <a:p>
+            <a:pPr lvl="1"/>
+            <a:r>
+              <a:rPr lang="da-DK" dirty="0"/>
+              <a:t>Sikkerhed</a:t>
+            </a:r>
+          </a:p>
+          <a:p>
+            <a:pPr lvl="1"/>
+            <a:r>
+              <a:rPr lang="da-DK" dirty="0" err="1"/>
+              <a:t>Frontend</a:t>
+            </a:r>
+            <a:endParaRPr lang="da-DK" dirty="0"/>
+          </a:p>
+          <a:p>
+            <a:pPr lvl="1"/>
+            <a:r>
+              <a:rPr lang="da-DK" dirty="0"/>
+              <a:t>Betaling </a:t>
+            </a:r>
+          </a:p>
+          <a:p>
+            <a:pPr lvl="1"/>
+            <a:r>
+              <a:rPr lang="da-DK" dirty="0"/>
+              <a:t>Kunde få information omkring </a:t>
+            </a:r>
+            <a:r>
+              <a:rPr lang="da-DK"/>
+              <a:t>deres bestilling</a:t>
+            </a:r>
+            <a:endParaRPr lang="da-DK" dirty="0"/>
+          </a:p>
+          <a:p>
+            <a:r>
+              <a:rPr lang="da-DK" dirty="0"/>
+              <a:t>Er mere hen af en prototype</a:t>
             </a:r>
           </a:p>
         </p:txBody>
@@ -12224,7 +11147,7 @@
     </p:spTree>
     <p:extLst>
       <p:ext uri="{BB962C8B-B14F-4D97-AF65-F5344CB8AC3E}">
-        <p14:creationId xmlns:p14="http://schemas.microsoft.com/office/powerpoint/2010/main" val="1632765315"/>
+        <p14:creationId xmlns:p14="http://schemas.microsoft.com/office/powerpoint/2010/main" val="2542655594"/>
       </p:ext>
     </p:extLst>
   </p:cSld>
@@ -12234,7 +11157,7 @@
 </p:sld>
 </file>
 
-<file path=ppt/slides/slide26.xml><?xml version="1.0" encoding="utf-8"?>
+<file path=ppt/slides/slide21.xml><?xml version="1.0" encoding="utf-8"?>
 <p:sld xmlns:a="http://schemas.openxmlformats.org/drawingml/2006/main" xmlns:r="http://schemas.openxmlformats.org/officeDocument/2006/relationships" xmlns:p="http://schemas.openxmlformats.org/presentationml/2006/main">
   <p:cSld>
     <p:spTree>
@@ -12256,7 +11179,7 @@
           <p:cNvPr id="2" name="Titel 1">
             <a:extLst>
               <a:ext uri="{FF2B5EF4-FFF2-40B4-BE49-F238E27FC236}">
-                <a16:creationId xmlns:a16="http://schemas.microsoft.com/office/drawing/2014/main" id="{9AD4A813-A89A-825A-72FF-FA237F2E8B70}"/>
+                <a16:creationId xmlns:a16="http://schemas.microsoft.com/office/drawing/2014/main" id="{FFEC5993-EFA9-A519-83CC-AF07225CE353}"/>
               </a:ext>
             </a:extLst>
           </p:cNvPr>
@@ -12267,104 +11190,27 @@
             <p:ph type="title"/>
           </p:nvPr>
         </p:nvSpPr>
-        <p:spPr/>
-        <p:txBody>
-          <a:bodyPr/>
-          <a:lstStyle/>
-          <a:p>
-            <a:r>
-              <a:rPr lang="da-DK" dirty="0"/>
-              <a:t>Konklusion</a:t>
-            </a:r>
-          </a:p>
-        </p:txBody>
-      </p:sp>
-      <p:sp>
-        <p:nvSpPr>
-          <p:cNvPr id="3" name="Pladsholder til indhold 2">
-            <a:extLst>
-              <a:ext uri="{FF2B5EF4-FFF2-40B4-BE49-F238E27FC236}">
-                <a16:creationId xmlns:a16="http://schemas.microsoft.com/office/drawing/2014/main" id="{4273B0C1-65DB-7237-D931-F20125F6C970}"/>
-              </a:ext>
-            </a:extLst>
-          </p:cNvPr>
-          <p:cNvSpPr>
-            <a:spLocks noGrp="1"/>
-          </p:cNvSpPr>
-          <p:nvPr>
-            <p:ph idx="1"/>
-          </p:nvPr>
-        </p:nvSpPr>
-        <p:spPr/>
-        <p:txBody>
-          <a:bodyPr/>
-          <a:lstStyle/>
-          <a:p>
-            <a:r>
-              <a:rPr lang="da-DK" dirty="0"/>
-              <a:t>Produktet læste problemformulering</a:t>
-            </a:r>
-          </a:p>
-          <a:p>
-            <a:pPr lvl="1"/>
-            <a:r>
-              <a:rPr lang="da-DK" dirty="0"/>
-              <a:t>Kundeoprettelse</a:t>
-            </a:r>
-          </a:p>
-          <a:p>
-            <a:pPr lvl="1"/>
-            <a:r>
-              <a:rPr lang="da-DK" dirty="0"/>
-              <a:t>Menu-bestilling</a:t>
-            </a:r>
-          </a:p>
-          <a:p>
-            <a:pPr lvl="1"/>
-            <a:r>
-              <a:rPr lang="da-DK" dirty="0"/>
-              <a:t>Menu og ret oprettelse</a:t>
-            </a:r>
-          </a:p>
-          <a:p>
-            <a:pPr lvl="1"/>
-            <a:r>
-              <a:rPr lang="da-DK" dirty="0"/>
-              <a:t>Se ordrer </a:t>
-            </a:r>
-          </a:p>
-          <a:p>
-            <a:r>
-              <a:rPr lang="da-DK" dirty="0"/>
-              <a:t>Har mangler før det ville kunne bruges i virkeligheden</a:t>
-            </a:r>
-          </a:p>
-          <a:p>
-            <a:pPr lvl="1"/>
-            <a:r>
-              <a:rPr lang="da-DK" dirty="0"/>
-              <a:t>Sikkerhed</a:t>
-            </a:r>
-          </a:p>
-          <a:p>
-            <a:pPr lvl="1"/>
-            <a:r>
-              <a:rPr lang="da-DK" dirty="0" err="1"/>
-              <a:t>Frontend</a:t>
-            </a:r>
-            <a:endParaRPr lang="da-DK" dirty="0"/>
-          </a:p>
-          <a:p>
-            <a:pPr lvl="1"/>
-            <a:r>
-              <a:rPr lang="da-DK" dirty="0"/>
-              <a:t>Betaling </a:t>
-            </a:r>
-          </a:p>
-          <a:p>
-            <a:r>
-              <a:rPr lang="da-DK" dirty="0"/>
-              <a:t>Er mere hen af en prototype</a:t>
+        <p:spPr>
+          <a:xfrm>
+            <a:off x="0" y="0"/>
+            <a:ext cx="12192000" cy="6857999"/>
+          </a:xfrm>
+        </p:spPr>
+        <p:txBody>
+          <a:bodyPr/>
+          <a:lstStyle/>
+          <a:p>
+            <a:pPr algn="ctr"/>
+            <a:r>
+              <a:rPr lang="da-DK" dirty="0"/>
+              <a:t>Selvvalgt Emne </a:t>
+            </a:r>
+            <a:br>
+              <a:rPr lang="da-DK" dirty="0"/>
+            </a:br>
+            <a:r>
+              <a:rPr lang="da-DK" dirty="0"/>
+              <a:t>Kafka</a:t>
             </a:r>
           </a:p>
         </p:txBody>
@@ -12372,7 +11218,7 @@
     </p:spTree>
     <p:extLst>
       <p:ext uri="{BB962C8B-B14F-4D97-AF65-F5344CB8AC3E}">
-        <p14:creationId xmlns:p14="http://schemas.microsoft.com/office/powerpoint/2010/main" val="2542655594"/>
+        <p14:creationId xmlns:p14="http://schemas.microsoft.com/office/powerpoint/2010/main" val="900528911"/>
       </p:ext>
     </p:extLst>
   </p:cSld>
@@ -12382,7 +11228,7 @@
 </p:sld>
 </file>
 
-<file path=ppt/slides/slide27.xml><?xml version="1.0" encoding="utf-8"?>
+<file path=ppt/slides/slide22.xml><?xml version="1.0" encoding="utf-8"?>
 <p:sld xmlns:a="http://schemas.openxmlformats.org/drawingml/2006/main" xmlns:r="http://schemas.openxmlformats.org/officeDocument/2006/relationships" xmlns:p="http://schemas.openxmlformats.org/presentationml/2006/main">
   <p:cSld>
     <p:spTree>
@@ -12401,10 +11247,10 @@
       </p:grpSpPr>
       <p:sp>
         <p:nvSpPr>
-          <p:cNvPr id="2" name="Titel 1">
+          <p:cNvPr id="8" name="Titel 7">
             <a:extLst>
               <a:ext uri="{FF2B5EF4-FFF2-40B4-BE49-F238E27FC236}">
-                <a16:creationId xmlns:a16="http://schemas.microsoft.com/office/drawing/2014/main" id="{FFEC5993-EFA9-A519-83CC-AF07225CE353}"/>
+                <a16:creationId xmlns:a16="http://schemas.microsoft.com/office/drawing/2014/main" id="{964C56D4-D3DF-1B49-7986-BDEB15B6AF6E}"/>
               </a:ext>
             </a:extLst>
           </p:cNvPr>
@@ -12415,27 +11261,95 @@
             <p:ph type="title"/>
           </p:nvPr>
         </p:nvSpPr>
-        <p:spPr>
-          <a:xfrm>
-            <a:off x="0" y="0"/>
-            <a:ext cx="12192000" cy="6857999"/>
-          </a:xfrm>
-        </p:spPr>
-        <p:txBody>
-          <a:bodyPr/>
-          <a:lstStyle/>
-          <a:p>
-            <a:pPr algn="ctr"/>
-            <a:r>
-              <a:rPr lang="da-DK" dirty="0"/>
-              <a:t>Selvvalgt Emne </a:t>
-            </a:r>
-            <a:br>
-              <a:rPr lang="da-DK" dirty="0"/>
-            </a:br>
-            <a:r>
-              <a:rPr lang="da-DK" dirty="0"/>
-              <a:t>Kafka</a:t>
+        <p:spPr/>
+        <p:txBody>
+          <a:bodyPr/>
+          <a:lstStyle/>
+          <a:p>
+            <a:r>
+              <a:rPr lang="da-DK" dirty="0"/>
+              <a:t>Apache Kafka - Hvad Er</a:t>
+            </a:r>
+          </a:p>
+        </p:txBody>
+      </p:sp>
+      <p:sp>
+        <p:nvSpPr>
+          <p:cNvPr id="9" name="Pladsholder til indhold 8">
+            <a:extLst>
+              <a:ext uri="{FF2B5EF4-FFF2-40B4-BE49-F238E27FC236}">
+                <a16:creationId xmlns:a16="http://schemas.microsoft.com/office/drawing/2014/main" id="{084956D3-F9BC-364C-BE60-DE221C9ECB77}"/>
+              </a:ext>
+            </a:extLst>
+          </p:cNvPr>
+          <p:cNvSpPr>
+            <a:spLocks noGrp="1"/>
+          </p:cNvSpPr>
+          <p:nvPr>
+            <p:ph idx="1"/>
+          </p:nvPr>
+        </p:nvSpPr>
+        <p:spPr/>
+        <p:txBody>
+          <a:bodyPr/>
+          <a:lstStyle/>
+          <a:p>
+            <a:r>
+              <a:rPr lang="da-DK" dirty="0"/>
+              <a:t>Åben-kilde event streaming platform</a:t>
+            </a:r>
+          </a:p>
+          <a:p>
+            <a:r>
+              <a:rPr lang="da-DK" dirty="0"/>
+              <a:t>Event</a:t>
+            </a:r>
+          </a:p>
+          <a:p>
+            <a:r>
+              <a:rPr lang="da-DK" dirty="0" err="1"/>
+              <a:t>Topic</a:t>
+            </a:r>
+            <a:endParaRPr lang="da-DK" dirty="0"/>
+          </a:p>
+          <a:p>
+            <a:pPr lvl="1"/>
+            <a:r>
+              <a:rPr lang="da-DK" dirty="0" err="1"/>
+              <a:t>Partitioneret</a:t>
+            </a:r>
+            <a:endParaRPr lang="da-DK" dirty="0"/>
+          </a:p>
+          <a:p>
+            <a:r>
+              <a:rPr lang="da-DK" dirty="0"/>
+              <a:t>Server/Klient kommunikation</a:t>
+            </a:r>
+          </a:p>
+          <a:p>
+            <a:r>
+              <a:rPr lang="da-DK" dirty="0"/>
+              <a:t>Event </a:t>
+            </a:r>
+            <a:r>
+              <a:rPr lang="da-DK" dirty="0" err="1"/>
+              <a:t>replikering</a:t>
+            </a:r>
+            <a:r>
+              <a:rPr lang="da-DK" dirty="0"/>
+              <a:t> </a:t>
+            </a:r>
+          </a:p>
+          <a:p>
+            <a:r>
+              <a:rPr lang="da-DK" dirty="0"/>
+              <a:t>Consumer</a:t>
+            </a:r>
+          </a:p>
+          <a:p>
+            <a:r>
+              <a:rPr lang="da-DK" dirty="0"/>
+              <a:t>Producer</a:t>
             </a:r>
           </a:p>
         </p:txBody>
@@ -12443,7 +11357,7 @@
     </p:spTree>
     <p:extLst>
       <p:ext uri="{BB962C8B-B14F-4D97-AF65-F5344CB8AC3E}">
-        <p14:creationId xmlns:p14="http://schemas.microsoft.com/office/powerpoint/2010/main" val="900528911"/>
+        <p14:creationId xmlns:p14="http://schemas.microsoft.com/office/powerpoint/2010/main" val="2863351694"/>
       </p:ext>
     </p:extLst>
   </p:cSld>
@@ -12453,144 +11367,7 @@
 </p:sld>
 </file>
 
-<file path=ppt/slides/slide28.xml><?xml version="1.0" encoding="utf-8"?>
-<p:sld xmlns:a="http://schemas.openxmlformats.org/drawingml/2006/main" xmlns:r="http://schemas.openxmlformats.org/officeDocument/2006/relationships" xmlns:p="http://schemas.openxmlformats.org/presentationml/2006/main" show="0">
-  <p:cSld>
-    <p:spTree>
-      <p:nvGrpSpPr>
-        <p:cNvPr id="1" name=""/>
-        <p:cNvGrpSpPr/>
-        <p:nvPr/>
-      </p:nvGrpSpPr>
-      <p:grpSpPr>
-        <a:xfrm>
-          <a:off x="0" y="0"/>
-          <a:ext cx="0" cy="0"/>
-          <a:chOff x="0" y="0"/>
-          <a:chExt cx="0" cy="0"/>
-        </a:xfrm>
-      </p:grpSpPr>
-      <p:sp>
-        <p:nvSpPr>
-          <p:cNvPr id="2" name="Titel 1">
-            <a:extLst>
-              <a:ext uri="{FF2B5EF4-FFF2-40B4-BE49-F238E27FC236}">
-                <a16:creationId xmlns:a16="http://schemas.microsoft.com/office/drawing/2014/main" id="{1472BA20-C2D2-35CC-B001-35FBC754D728}"/>
-              </a:ext>
-            </a:extLst>
-          </p:cNvPr>
-          <p:cNvSpPr>
-            <a:spLocks noGrp="1"/>
-          </p:cNvSpPr>
-          <p:nvPr>
-            <p:ph type="title"/>
-          </p:nvPr>
-        </p:nvSpPr>
-        <p:spPr/>
-        <p:txBody>
-          <a:bodyPr/>
-          <a:lstStyle/>
-          <a:p>
-            <a:r>
-              <a:rPr lang="da-DK" dirty="0"/>
-              <a:t>Apache Kafka</a:t>
-            </a:r>
-          </a:p>
-        </p:txBody>
-      </p:sp>
-      <p:sp>
-        <p:nvSpPr>
-          <p:cNvPr id="3" name="Pladsholder til indhold 2">
-            <a:extLst>
-              <a:ext uri="{FF2B5EF4-FFF2-40B4-BE49-F238E27FC236}">
-                <a16:creationId xmlns:a16="http://schemas.microsoft.com/office/drawing/2014/main" id="{9C39A511-988C-E6E3-1E83-875E8D499B70}"/>
-              </a:ext>
-            </a:extLst>
-          </p:cNvPr>
-          <p:cNvSpPr>
-            <a:spLocks noGrp="1"/>
-          </p:cNvSpPr>
-          <p:nvPr>
-            <p:ph idx="1"/>
-          </p:nvPr>
-        </p:nvSpPr>
-        <p:spPr/>
-        <p:txBody>
-          <a:bodyPr>
-            <a:normAutofit/>
-          </a:bodyPr>
-          <a:lstStyle/>
-          <a:p>
-            <a:r>
-              <a:rPr lang="da-DK" dirty="0"/>
-              <a:t>Event Streaming </a:t>
-            </a:r>
-          </a:p>
-          <a:p>
-            <a:r>
-              <a:rPr lang="da-DK" dirty="0"/>
-              <a:t>Broker – Lager</a:t>
-            </a:r>
-          </a:p>
-          <a:p>
-            <a:r>
-              <a:rPr lang="da-DK" dirty="0"/>
-              <a:t>Connect – </a:t>
-            </a:r>
-          </a:p>
-          <a:p>
-            <a:r>
-              <a:rPr lang="da-DK" dirty="0"/>
-              <a:t>Stream </a:t>
-            </a:r>
-          </a:p>
-          <a:p>
-            <a:r>
-              <a:rPr lang="da-DK" dirty="0"/>
-              <a:t>Event</a:t>
-            </a:r>
-          </a:p>
-          <a:p>
-            <a:r>
-              <a:rPr lang="da-DK" dirty="0"/>
-              <a:t>Producer</a:t>
-            </a:r>
-          </a:p>
-          <a:p>
-            <a:r>
-              <a:rPr lang="da-DK" dirty="0"/>
-              <a:t>Consumer</a:t>
-            </a:r>
-          </a:p>
-          <a:p>
-            <a:r>
-              <a:rPr lang="da-DK" dirty="0" err="1"/>
-              <a:t>Topic</a:t>
-            </a:r>
-            <a:endParaRPr lang="da-DK" dirty="0"/>
-          </a:p>
-          <a:p>
-            <a:r>
-              <a:rPr lang="da-DK" dirty="0"/>
-              <a:t>Partition</a:t>
-            </a:r>
-          </a:p>
-        </p:txBody>
-      </p:sp>
-    </p:spTree>
-    <p:extLst>
-      <p:ext uri="{BB962C8B-B14F-4D97-AF65-F5344CB8AC3E}">
-        <p14:creationId xmlns:p14="http://schemas.microsoft.com/office/powerpoint/2010/main" val="4027690829"/>
-      </p:ext>
-    </p:extLst>
-  </p:cSld>
-  <p:clrMapOvr>
-    <a:masterClrMapping/>
-  </p:clrMapOvr>
-</p:sld>
-</file>
-
-<file path=ppt/slides/slide29.xml><?xml version="1.0" encoding="utf-8"?>
+<file path=ppt/slides/slide23.xml><?xml version="1.0" encoding="utf-8"?>
 <p:sld xmlns:a="http://schemas.openxmlformats.org/drawingml/2006/main" xmlns:r="http://schemas.openxmlformats.org/officeDocument/2006/relationships" xmlns:p="http://schemas.openxmlformats.org/presentationml/2006/main">
   <p:cSld>
     <p:spTree>
@@ -12630,460 +11407,6 @@
           <a:p>
             <a:r>
               <a:rPr lang="da-DK" dirty="0"/>
-              <a:t>Apache Kafka - Hvad Er</a:t>
-            </a:r>
-          </a:p>
-        </p:txBody>
-      </p:sp>
-      <p:sp>
-        <p:nvSpPr>
-          <p:cNvPr id="9" name="Pladsholder til indhold 8">
-            <a:extLst>
-              <a:ext uri="{FF2B5EF4-FFF2-40B4-BE49-F238E27FC236}">
-                <a16:creationId xmlns:a16="http://schemas.microsoft.com/office/drawing/2014/main" id="{084956D3-F9BC-364C-BE60-DE221C9ECB77}"/>
-              </a:ext>
-            </a:extLst>
-          </p:cNvPr>
-          <p:cNvSpPr>
-            <a:spLocks noGrp="1"/>
-          </p:cNvSpPr>
-          <p:nvPr>
-            <p:ph idx="1"/>
-          </p:nvPr>
-        </p:nvSpPr>
-        <p:spPr/>
-        <p:txBody>
-          <a:bodyPr/>
-          <a:lstStyle/>
-          <a:p>
-            <a:r>
-              <a:rPr lang="da-DK" dirty="0"/>
-              <a:t>Åben-kilde event streaming platform</a:t>
-            </a:r>
-          </a:p>
-          <a:p>
-            <a:r>
-              <a:rPr lang="da-DK" dirty="0"/>
-              <a:t>Event</a:t>
-            </a:r>
-          </a:p>
-          <a:p>
-            <a:r>
-              <a:rPr lang="da-DK" dirty="0" err="1"/>
-              <a:t>Topic</a:t>
-            </a:r>
-            <a:endParaRPr lang="da-DK" dirty="0"/>
-          </a:p>
-          <a:p>
-            <a:pPr lvl="1"/>
-            <a:r>
-              <a:rPr lang="da-DK" dirty="0" err="1"/>
-              <a:t>Partitioneret</a:t>
-            </a:r>
-            <a:endParaRPr lang="da-DK" dirty="0"/>
-          </a:p>
-          <a:p>
-            <a:r>
-              <a:rPr lang="da-DK" dirty="0"/>
-              <a:t>Kommunikation via TCP</a:t>
-            </a:r>
-          </a:p>
-          <a:p>
-            <a:r>
-              <a:rPr lang="da-DK" dirty="0"/>
-              <a:t>Server/Klient kommunikation</a:t>
-            </a:r>
-          </a:p>
-          <a:p>
-            <a:r>
-              <a:rPr lang="da-DK" dirty="0"/>
-              <a:t>Event </a:t>
-            </a:r>
-            <a:r>
-              <a:rPr lang="da-DK" dirty="0" err="1"/>
-              <a:t>replikering</a:t>
-            </a:r>
-            <a:r>
-              <a:rPr lang="da-DK" dirty="0"/>
-              <a:t> </a:t>
-            </a:r>
-          </a:p>
-          <a:p>
-            <a:r>
-              <a:rPr lang="da-DK" dirty="0"/>
-              <a:t>Consumer</a:t>
-            </a:r>
-          </a:p>
-          <a:p>
-            <a:r>
-              <a:rPr lang="da-DK" dirty="0"/>
-              <a:t>Producer</a:t>
-            </a:r>
-          </a:p>
-        </p:txBody>
-      </p:sp>
-    </p:spTree>
-    <p:extLst>
-      <p:ext uri="{BB962C8B-B14F-4D97-AF65-F5344CB8AC3E}">
-        <p14:creationId xmlns:p14="http://schemas.microsoft.com/office/powerpoint/2010/main" val="2863351694"/>
-      </p:ext>
-    </p:extLst>
-  </p:cSld>
-  <p:clrMapOvr>
-    <a:masterClrMapping/>
-  </p:clrMapOvr>
-</p:sld>
-</file>
-
-<file path=ppt/slides/slide3.xml><?xml version="1.0" encoding="utf-8"?>
-<p:sld xmlns:a="http://schemas.openxmlformats.org/drawingml/2006/main" xmlns:r="http://schemas.openxmlformats.org/officeDocument/2006/relationships" xmlns:p="http://schemas.openxmlformats.org/presentationml/2006/main">
-  <p:cSld>
-    <p:spTree>
-      <p:nvGrpSpPr>
-        <p:cNvPr id="1" name=""/>
-        <p:cNvGrpSpPr/>
-        <p:nvPr/>
-      </p:nvGrpSpPr>
-      <p:grpSpPr>
-        <a:xfrm>
-          <a:off x="0" y="0"/>
-          <a:ext cx="0" cy="0"/>
-          <a:chOff x="0" y="0"/>
-          <a:chExt cx="0" cy="0"/>
-        </a:xfrm>
-      </p:grpSpPr>
-      <p:sp>
-        <p:nvSpPr>
-          <p:cNvPr id="2" name="Titel 1">
-            <a:extLst>
-              <a:ext uri="{FF2B5EF4-FFF2-40B4-BE49-F238E27FC236}">
-                <a16:creationId xmlns:a16="http://schemas.microsoft.com/office/drawing/2014/main" id="{35BBFCE9-F563-7FB6-9C56-D3D222778226}"/>
-              </a:ext>
-            </a:extLst>
-          </p:cNvPr>
-          <p:cNvSpPr>
-            <a:spLocks noGrp="1"/>
-          </p:cNvSpPr>
-          <p:nvPr>
-            <p:ph type="title"/>
-          </p:nvPr>
-        </p:nvSpPr>
-        <p:spPr/>
-        <p:txBody>
-          <a:bodyPr/>
-          <a:lstStyle/>
-          <a:p>
-            <a:r>
-              <a:rPr lang="da-DK" dirty="0"/>
-              <a:t>Case</a:t>
-            </a:r>
-          </a:p>
-        </p:txBody>
-      </p:sp>
-      <p:sp>
-        <p:nvSpPr>
-          <p:cNvPr id="3" name="Pladsholder til indhold 2">
-            <a:extLst>
-              <a:ext uri="{FF2B5EF4-FFF2-40B4-BE49-F238E27FC236}">
-                <a16:creationId xmlns:a16="http://schemas.microsoft.com/office/drawing/2014/main" id="{CE1BE493-FC3C-597D-B98F-158AD2A20057}"/>
-              </a:ext>
-            </a:extLst>
-          </p:cNvPr>
-          <p:cNvSpPr>
-            <a:spLocks noGrp="1"/>
-          </p:cNvSpPr>
-          <p:nvPr>
-            <p:ph idx="1"/>
-          </p:nvPr>
-        </p:nvSpPr>
-        <p:spPr/>
-        <p:txBody>
-          <a:bodyPr>
-            <a:normAutofit/>
-          </a:bodyPr>
-          <a:lstStyle/>
-          <a:p>
-            <a:pPr marL="0" indent="0">
-              <a:buNone/>
-            </a:pPr>
-            <a:r>
-              <a:rPr lang="da-DK" dirty="0"/>
-              <a:t>Ikke alle virksomheder har mulighed for at servere mad i deres kantiner fra deres egen køkken. Dermed er der økonomiske gevinster for en cateringvirksomhed ved at sælge færdiglavede retter til disse virksomheder. På sammen tid er det blevet mere udbredt blandt virksomheder at sælge deres produkter via internettet. Disse muligheder vil cateringvirksomheden </a:t>
-            </a:r>
-            <a:r>
-              <a:rPr lang="da-DK" dirty="0" err="1"/>
-              <a:t>FoodForAll</a:t>
-            </a:r>
-            <a:r>
-              <a:rPr lang="da-DK" dirty="0"/>
-              <a:t> A/S gerne benytte sig af for at øge deres omsætning og øge antallet af kunder via en hjemmeside der er let at bruge, da de på nuværende tidspunkt kun tillader bestillinger via deres telefon besat af en enkelt ansat</a:t>
-            </a:r>
-          </a:p>
-        </p:txBody>
-      </p:sp>
-    </p:spTree>
-    <p:extLst>
-      <p:ext uri="{BB962C8B-B14F-4D97-AF65-F5344CB8AC3E}">
-        <p14:creationId xmlns:p14="http://schemas.microsoft.com/office/powerpoint/2010/main" val="2572417642"/>
-      </p:ext>
-    </p:extLst>
-  </p:cSld>
-  <p:clrMapOvr>
-    <a:masterClrMapping/>
-  </p:clrMapOvr>
-</p:sld>
-</file>
-
-<file path=ppt/slides/slide30.xml><?xml version="1.0" encoding="utf-8"?>
-<p:sld xmlns:a="http://schemas.openxmlformats.org/drawingml/2006/main" xmlns:r="http://schemas.openxmlformats.org/officeDocument/2006/relationships" xmlns:p="http://schemas.openxmlformats.org/presentationml/2006/main" show="0">
-  <p:cSld>
-    <p:spTree>
-      <p:nvGrpSpPr>
-        <p:cNvPr id="1" name=""/>
-        <p:cNvGrpSpPr/>
-        <p:nvPr/>
-      </p:nvGrpSpPr>
-      <p:grpSpPr>
-        <a:xfrm>
-          <a:off x="0" y="0"/>
-          <a:ext cx="0" cy="0"/>
-          <a:chOff x="0" y="0"/>
-          <a:chExt cx="0" cy="0"/>
-        </a:xfrm>
-      </p:grpSpPr>
-      <p:sp>
-        <p:nvSpPr>
-          <p:cNvPr id="8" name="Titel 7">
-            <a:extLst>
-              <a:ext uri="{FF2B5EF4-FFF2-40B4-BE49-F238E27FC236}">
-                <a16:creationId xmlns:a16="http://schemas.microsoft.com/office/drawing/2014/main" id="{964C56D4-D3DF-1B49-7986-BDEB15B6AF6E}"/>
-              </a:ext>
-            </a:extLst>
-          </p:cNvPr>
-          <p:cNvSpPr>
-            <a:spLocks noGrp="1"/>
-          </p:cNvSpPr>
-          <p:nvPr>
-            <p:ph type="title"/>
-          </p:nvPr>
-        </p:nvSpPr>
-        <p:spPr/>
-        <p:txBody>
-          <a:bodyPr/>
-          <a:lstStyle/>
-          <a:p>
-            <a:r>
-              <a:rPr lang="da-DK" dirty="0"/>
-              <a:t>Apache Kafka - API</a:t>
-            </a:r>
-          </a:p>
-        </p:txBody>
-      </p:sp>
-      <p:sp>
-        <p:nvSpPr>
-          <p:cNvPr id="9" name="Pladsholder til indhold 8">
-            <a:extLst>
-              <a:ext uri="{FF2B5EF4-FFF2-40B4-BE49-F238E27FC236}">
-                <a16:creationId xmlns:a16="http://schemas.microsoft.com/office/drawing/2014/main" id="{084956D3-F9BC-364C-BE60-DE221C9ECB77}"/>
-              </a:ext>
-            </a:extLst>
-          </p:cNvPr>
-          <p:cNvSpPr>
-            <a:spLocks noGrp="1"/>
-          </p:cNvSpPr>
-          <p:nvPr>
-            <p:ph sz="half" idx="1"/>
-          </p:nvPr>
-        </p:nvSpPr>
-        <p:spPr/>
-        <p:txBody>
-          <a:bodyPr>
-            <a:normAutofit/>
-          </a:bodyPr>
-          <a:lstStyle/>
-          <a:p>
-            <a:r>
-              <a:rPr lang="da-DK" dirty="0" err="1"/>
-              <a:t>Admin</a:t>
-            </a:r>
-            <a:r>
-              <a:rPr lang="da-DK" dirty="0"/>
-              <a:t> API </a:t>
-            </a:r>
-          </a:p>
-          <a:p>
-            <a:pPr lvl="1"/>
-            <a:r>
-              <a:rPr lang="da-DK" dirty="0"/>
-              <a:t>Styring og inspicere af </a:t>
-            </a:r>
-          </a:p>
-          <a:p>
-            <a:pPr lvl="2"/>
-            <a:r>
-              <a:rPr lang="da-DK" dirty="0" err="1"/>
-              <a:t>Topics</a:t>
-            </a:r>
-            <a:r>
-              <a:rPr lang="da-DK" dirty="0"/>
-              <a:t> </a:t>
-            </a:r>
-          </a:p>
-          <a:p>
-            <a:pPr lvl="2"/>
-            <a:r>
-              <a:rPr lang="da-DK" dirty="0"/>
-              <a:t>Brokers </a:t>
-            </a:r>
-          </a:p>
-          <a:p>
-            <a:pPr lvl="2"/>
-            <a:r>
-              <a:rPr lang="da-DK" dirty="0"/>
-              <a:t>Andre Kafka objekter</a:t>
-            </a:r>
-          </a:p>
-          <a:p>
-            <a:r>
-              <a:rPr lang="da-DK" dirty="0"/>
-              <a:t>Producer API</a:t>
-            </a:r>
-          </a:p>
-          <a:p>
-            <a:pPr lvl="1"/>
-            <a:r>
-              <a:rPr lang="da-DK" dirty="0"/>
-              <a:t>Skrivning af events</a:t>
-            </a:r>
-          </a:p>
-        </p:txBody>
-      </p:sp>
-      <p:sp>
-        <p:nvSpPr>
-          <p:cNvPr id="2" name="Pladsholder til indhold 1">
-            <a:extLst>
-              <a:ext uri="{FF2B5EF4-FFF2-40B4-BE49-F238E27FC236}">
-                <a16:creationId xmlns:a16="http://schemas.microsoft.com/office/drawing/2014/main" id="{B3D68E9F-7A13-0520-7007-D08D335AD623}"/>
-              </a:ext>
-            </a:extLst>
-          </p:cNvPr>
-          <p:cNvSpPr>
-            <a:spLocks noGrp="1"/>
-          </p:cNvSpPr>
-          <p:nvPr>
-            <p:ph sz="half" idx="2"/>
-          </p:nvPr>
-        </p:nvSpPr>
-        <p:spPr/>
-        <p:txBody>
-          <a:bodyPr>
-            <a:normAutofit/>
-          </a:bodyPr>
-          <a:lstStyle/>
-          <a:p>
-            <a:r>
-              <a:rPr lang="da-DK" dirty="0"/>
-              <a:t>Consumer API</a:t>
-            </a:r>
-          </a:p>
-          <a:p>
-            <a:pPr lvl="1"/>
-            <a:r>
-              <a:rPr lang="da-DK" dirty="0"/>
-              <a:t>Læsning af event</a:t>
-            </a:r>
-          </a:p>
-          <a:p>
-            <a:r>
-              <a:rPr lang="da-DK" dirty="0" err="1"/>
-              <a:t>Streams</a:t>
-            </a:r>
-            <a:r>
-              <a:rPr lang="da-DK" dirty="0"/>
-              <a:t> API</a:t>
-            </a:r>
-          </a:p>
-          <a:p>
-            <a:pPr lvl="1"/>
-            <a:r>
-              <a:rPr lang="da-DK" dirty="0"/>
-              <a:t>Processering af event </a:t>
-            </a:r>
-            <a:r>
-              <a:rPr lang="da-DK" dirty="0" err="1"/>
-              <a:t>streams</a:t>
-            </a:r>
-            <a:r>
-              <a:rPr lang="da-DK" dirty="0"/>
-              <a:t> applikationer og </a:t>
-            </a:r>
-            <a:r>
-              <a:rPr lang="da-DK" dirty="0" err="1"/>
-              <a:t>microseriver</a:t>
-            </a:r>
-            <a:endParaRPr lang="da-DK" dirty="0"/>
-          </a:p>
-          <a:p>
-            <a:pPr marL="0" indent="0">
-              <a:buNone/>
-            </a:pPr>
-            <a:endParaRPr lang="da-DK" dirty="0"/>
-          </a:p>
-        </p:txBody>
-      </p:sp>
-    </p:spTree>
-    <p:extLst>
-      <p:ext uri="{BB962C8B-B14F-4D97-AF65-F5344CB8AC3E}">
-        <p14:creationId xmlns:p14="http://schemas.microsoft.com/office/powerpoint/2010/main" val="122632923"/>
-      </p:ext>
-    </p:extLst>
-  </p:cSld>
-  <p:clrMapOvr>
-    <a:masterClrMapping/>
-  </p:clrMapOvr>
-</p:sld>
-</file>
-
-<file path=ppt/slides/slide31.xml><?xml version="1.0" encoding="utf-8"?>
-<p:sld xmlns:a="http://schemas.openxmlformats.org/drawingml/2006/main" xmlns:r="http://schemas.openxmlformats.org/officeDocument/2006/relationships" xmlns:p="http://schemas.openxmlformats.org/presentationml/2006/main">
-  <p:cSld>
-    <p:spTree>
-      <p:nvGrpSpPr>
-        <p:cNvPr id="1" name=""/>
-        <p:cNvGrpSpPr/>
-        <p:nvPr/>
-      </p:nvGrpSpPr>
-      <p:grpSpPr>
-        <a:xfrm>
-          <a:off x="0" y="0"/>
-          <a:ext cx="0" cy="0"/>
-          <a:chOff x="0" y="0"/>
-          <a:chExt cx="0" cy="0"/>
-        </a:xfrm>
-      </p:grpSpPr>
-      <p:sp>
-        <p:nvSpPr>
-          <p:cNvPr id="8" name="Titel 7">
-            <a:extLst>
-              <a:ext uri="{FF2B5EF4-FFF2-40B4-BE49-F238E27FC236}">
-                <a16:creationId xmlns:a16="http://schemas.microsoft.com/office/drawing/2014/main" id="{964C56D4-D3DF-1B49-7986-BDEB15B6AF6E}"/>
-              </a:ext>
-            </a:extLst>
-          </p:cNvPr>
-          <p:cNvSpPr>
-            <a:spLocks noGrp="1"/>
-          </p:cNvSpPr>
-          <p:nvPr>
-            <p:ph type="title"/>
-          </p:nvPr>
-        </p:nvSpPr>
-        <p:spPr/>
-        <p:txBody>
-          <a:bodyPr/>
-          <a:lstStyle/>
-          <a:p>
-            <a:r>
-              <a:rPr lang="da-DK" dirty="0"/>
               <a:t>Apache Kafka - Dele</a:t>
             </a:r>
           </a:p>
@@ -13230,7 +11553,7 @@
 </p:sld>
 </file>
 
-<file path=ppt/slides/slide32.xml><?xml version="1.0" encoding="utf-8"?>
+<file path=ppt/slides/slide24.xml><?xml version="1.0" encoding="utf-8"?>
 <p:sld xmlns:a="http://schemas.openxmlformats.org/drawingml/2006/main" xmlns:r="http://schemas.openxmlformats.org/officeDocument/2006/relationships" xmlns:p="http://schemas.openxmlformats.org/presentationml/2006/main">
   <p:cSld>
     <p:spTree>
@@ -13323,7 +11646,7 @@
 </p:sld>
 </file>
 
-<file path=ppt/slides/slide33.xml><?xml version="1.0" encoding="utf-8"?>
+<file path=ppt/slides/slide25.xml><?xml version="1.0" encoding="utf-8"?>
 <p:sld xmlns:a="http://schemas.openxmlformats.org/drawingml/2006/main" xmlns:r="http://schemas.openxmlformats.org/officeDocument/2006/relationships" xmlns:p="http://schemas.openxmlformats.org/presentationml/2006/main">
   <p:cSld>
     <p:spTree>
@@ -13416,7 +11739,7 @@
 </p:sld>
 </file>
 
-<file path=ppt/slides/slide34.xml><?xml version="1.0" encoding="utf-8"?>
+<file path=ppt/slides/slide26.xml><?xml version="1.0" encoding="utf-8"?>
 <p:sld xmlns:a="http://schemas.openxmlformats.org/drawingml/2006/main" xmlns:r="http://schemas.openxmlformats.org/officeDocument/2006/relationships" xmlns:p="http://schemas.openxmlformats.org/presentationml/2006/main">
   <p:cSld>
     <p:spTree>
@@ -13509,7 +11832,7 @@
 </p:sld>
 </file>
 
-<file path=ppt/slides/slide35.xml><?xml version="1.0" encoding="utf-8"?>
+<file path=ppt/slides/slide27.xml><?xml version="1.0" encoding="utf-8"?>
 <p:sld xmlns:a="http://schemas.openxmlformats.org/drawingml/2006/main" xmlns:r="http://schemas.openxmlformats.org/officeDocument/2006/relationships" xmlns:p="http://schemas.openxmlformats.org/presentationml/2006/main">
   <p:cSld>
     <p:spTree>
@@ -13580,7 +11903,7 @@
 </p:sld>
 </file>
 
-<file path=ppt/slides/slide36.xml><?xml version="1.0" encoding="utf-8"?>
+<file path=ppt/slides/slide28.xml><?xml version="1.0" encoding="utf-8"?>
 <p:sld xmlns:a="http://schemas.openxmlformats.org/drawingml/2006/main" xmlns:r="http://schemas.openxmlformats.org/officeDocument/2006/relationships" xmlns:p="http://schemas.openxmlformats.org/presentationml/2006/main">
   <p:cSld>
     <p:spTree>
@@ -13831,7 +12154,7 @@
 </p:sld>
 </file>
 
-<file path=ppt/slides/slide37.xml><?xml version="1.0" encoding="utf-8"?>
+<file path=ppt/slides/slide29.xml><?xml version="1.0" encoding="utf-8"?>
 <p:sld xmlns:a="http://schemas.openxmlformats.org/drawingml/2006/main" xmlns:r="http://schemas.openxmlformats.org/officeDocument/2006/relationships" xmlns:p="http://schemas.openxmlformats.org/presentationml/2006/main">
   <p:cSld>
     <p:spTree>
@@ -13948,7 +12271,106 @@
 </p:sld>
 </file>
 
-<file path=ppt/slides/slide38.xml><?xml version="1.0" encoding="utf-8"?>
+<file path=ppt/slides/slide3.xml><?xml version="1.0" encoding="utf-8"?>
+<p:sld xmlns:a="http://schemas.openxmlformats.org/drawingml/2006/main" xmlns:r="http://schemas.openxmlformats.org/officeDocument/2006/relationships" xmlns:p="http://schemas.openxmlformats.org/presentationml/2006/main">
+  <p:cSld>
+    <p:spTree>
+      <p:nvGrpSpPr>
+        <p:cNvPr id="1" name=""/>
+        <p:cNvGrpSpPr/>
+        <p:nvPr/>
+      </p:nvGrpSpPr>
+      <p:grpSpPr>
+        <a:xfrm>
+          <a:off x="0" y="0"/>
+          <a:ext cx="0" cy="0"/>
+          <a:chOff x="0" y="0"/>
+          <a:chExt cx="0" cy="0"/>
+        </a:xfrm>
+      </p:grpSpPr>
+      <p:sp>
+        <p:nvSpPr>
+          <p:cNvPr id="2" name="Titel 1">
+            <a:extLst>
+              <a:ext uri="{FF2B5EF4-FFF2-40B4-BE49-F238E27FC236}">
+                <a16:creationId xmlns:a16="http://schemas.microsoft.com/office/drawing/2014/main" id="{35BBFCE9-F563-7FB6-9C56-D3D222778226}"/>
+              </a:ext>
+            </a:extLst>
+          </p:cNvPr>
+          <p:cNvSpPr>
+            <a:spLocks noGrp="1"/>
+          </p:cNvSpPr>
+          <p:nvPr>
+            <p:ph type="title"/>
+          </p:nvPr>
+        </p:nvSpPr>
+        <p:spPr/>
+        <p:txBody>
+          <a:bodyPr/>
+          <a:lstStyle/>
+          <a:p>
+            <a:r>
+              <a:rPr lang="da-DK" dirty="0"/>
+              <a:t>Case</a:t>
+            </a:r>
+          </a:p>
+        </p:txBody>
+      </p:sp>
+      <p:sp>
+        <p:nvSpPr>
+          <p:cNvPr id="3" name="Pladsholder til indhold 2">
+            <a:extLst>
+              <a:ext uri="{FF2B5EF4-FFF2-40B4-BE49-F238E27FC236}">
+                <a16:creationId xmlns:a16="http://schemas.microsoft.com/office/drawing/2014/main" id="{CE1BE493-FC3C-597D-B98F-158AD2A20057}"/>
+              </a:ext>
+            </a:extLst>
+          </p:cNvPr>
+          <p:cNvSpPr>
+            <a:spLocks noGrp="1"/>
+          </p:cNvSpPr>
+          <p:nvPr>
+            <p:ph idx="1"/>
+          </p:nvPr>
+        </p:nvSpPr>
+        <p:spPr/>
+        <p:txBody>
+          <a:bodyPr>
+            <a:normAutofit/>
+          </a:bodyPr>
+          <a:lstStyle/>
+          <a:p>
+            <a:pPr marL="0" indent="0">
+              <a:buNone/>
+            </a:pPr>
+            <a:r>
+              <a:rPr lang="da-DK" dirty="0"/>
+              <a:t>Ikke alle virksomheder har mulighed for at servere mad i deres kantiner fra deres egen køkken. Dermed er der økonomiske gevinster for en cateringvirksomhed ved at sælge færdiglavede retter til disse virksomheder. På sammen tid er det blevet mere udbredt blandt virksomheder at sælge deres produkter via internettet. Disse muligheder vil cateringvirksomheden </a:t>
+            </a:r>
+            <a:r>
+              <a:rPr lang="da-DK" dirty="0" err="1"/>
+              <a:t>FoodForAll</a:t>
+            </a:r>
+            <a:r>
+              <a:rPr lang="da-DK" dirty="0"/>
+              <a:t> A/S gerne benytte sig af for at øge deres omsætning og øge antallet af kunder via en hjemmeside der er let at bruge, da de på nuværende tidspunkt kun tillader bestillinger via deres telefon besat af en enkelt ansat</a:t>
+            </a:r>
+          </a:p>
+        </p:txBody>
+      </p:sp>
+    </p:spTree>
+    <p:extLst>
+      <p:ext uri="{BB962C8B-B14F-4D97-AF65-F5344CB8AC3E}">
+        <p14:creationId xmlns:p14="http://schemas.microsoft.com/office/powerpoint/2010/main" val="2572417642"/>
+      </p:ext>
+    </p:extLst>
+  </p:cSld>
+  <p:clrMapOvr>
+    <a:masterClrMapping/>
+  </p:clrMapOvr>
+</p:sld>
+</file>
+
+<file path=ppt/slides/slide30.xml><?xml version="1.0" encoding="utf-8"?>
 <p:sld xmlns:a="http://schemas.openxmlformats.org/drawingml/2006/main" xmlns:r="http://schemas.openxmlformats.org/officeDocument/2006/relationships" xmlns:p="http://schemas.openxmlformats.org/presentationml/2006/main">
   <p:cSld>
     <p:spTree>
@@ -14046,8 +12468,8 @@
 </p:sld>
 </file>
 
-<file path=ppt/slides/slide39.xml><?xml version="1.0" encoding="utf-8"?>
-<p:sld xmlns:a="http://schemas.openxmlformats.org/drawingml/2006/main" xmlns:r="http://schemas.openxmlformats.org/officeDocument/2006/relationships" xmlns:p="http://schemas.openxmlformats.org/presentationml/2006/main" show="0">
+<file path=ppt/slides/slide31.xml><?xml version="1.0" encoding="utf-8"?>
+<p:sld xmlns:a="http://schemas.openxmlformats.org/drawingml/2006/main" xmlns:r="http://schemas.openxmlformats.org/officeDocument/2006/relationships" xmlns:p="http://schemas.openxmlformats.org/presentationml/2006/main">
   <p:cSld>
     <p:spTree>
       <p:nvGrpSpPr>
@@ -14152,21 +12574,13 @@
             </a:r>
             <a:r>
               <a:rPr lang="da-DK" dirty="0"/>
-              <a:t> (8/5/2024)</a:t>
-            </a:r>
-          </a:p>
-          <a:p>
-            <a:r>
-              <a:rPr lang="da-DK" dirty="0"/>
-              <a:t>[3] </a:t>
-            </a:r>
-            <a:r>
-              <a:rPr lang="da-DK" dirty="0" err="1"/>
-              <a:t>WebAssembly</a:t>
-            </a:r>
-            <a:r>
-              <a:rPr lang="da-DK" dirty="0"/>
-              <a:t>: </a:t>
+              <a:t> (8/5/2024) </a:t>
+            </a:r>
+          </a:p>
+          <a:p>
+            <a:r>
+              <a:rPr lang="da-DK" dirty="0"/>
+              <a:t>[3] Apache Kafka: </a:t>
             </a:r>
             <a:r>
               <a:rPr lang="da-DK" dirty="0">
@@ -14178,28 +12592,6 @@
                   </a:extLst>
                 </a:hlinkClick>
               </a:rPr>
-              <a:t>https://webassembly.org/docs/faq/</a:t>
-            </a:r>
-            <a:r>
-              <a:rPr lang="da-DK" dirty="0"/>
-              <a:t> (8/5/2024)</a:t>
-            </a:r>
-          </a:p>
-          <a:p>
-            <a:r>
-              <a:rPr lang="da-DK" dirty="0"/>
-              <a:t>[4] Apache Kafka: </a:t>
-            </a:r>
-            <a:r>
-              <a:rPr lang="da-DK" dirty="0">
-                <a:hlinkClick r:id="rId5">
-                  <a:extLst>
-                    <a:ext uri="{A12FA001-AC4F-418D-AE19-62706E023703}">
-                      <ahyp:hlinkClr xmlns:ahyp="http://schemas.microsoft.com/office/drawing/2018/hyperlinkcolor" val="tx"/>
-                    </a:ext>
-                  </a:extLst>
-                </a:hlinkClick>
-              </a:rPr>
               <a:t>https://kafka.apache.org/documentation</a:t>
             </a:r>
             <a:r>
@@ -14218,7 +12610,7 @@
     </p:spTree>
     <p:extLst>
       <p:ext uri="{BB962C8B-B14F-4D97-AF65-F5344CB8AC3E}">
-        <p14:creationId xmlns:p14="http://schemas.microsoft.com/office/powerpoint/2010/main" val="221808590"/>
+        <p14:creationId xmlns:p14="http://schemas.microsoft.com/office/powerpoint/2010/main" val="3618761977"/>
       </p:ext>
     </p:extLst>
   </p:cSld>
@@ -14309,158 +12701,6 @@
     <p:extLst>
       <p:ext uri="{BB962C8B-B14F-4D97-AF65-F5344CB8AC3E}">
         <p14:creationId xmlns:p14="http://schemas.microsoft.com/office/powerpoint/2010/main" val="3445350388"/>
-      </p:ext>
-    </p:extLst>
-  </p:cSld>
-  <p:clrMapOvr>
-    <a:masterClrMapping/>
-  </p:clrMapOvr>
-</p:sld>
-</file>
-
-<file path=ppt/slides/slide40.xml><?xml version="1.0" encoding="utf-8"?>
-<p:sld xmlns:a="http://schemas.openxmlformats.org/drawingml/2006/main" xmlns:r="http://schemas.openxmlformats.org/officeDocument/2006/relationships" xmlns:p="http://schemas.openxmlformats.org/presentationml/2006/main">
-  <p:cSld>
-    <p:spTree>
-      <p:nvGrpSpPr>
-        <p:cNvPr id="1" name=""/>
-        <p:cNvGrpSpPr/>
-        <p:nvPr/>
-      </p:nvGrpSpPr>
-      <p:grpSpPr>
-        <a:xfrm>
-          <a:off x="0" y="0"/>
-          <a:ext cx="0" cy="0"/>
-          <a:chOff x="0" y="0"/>
-          <a:chExt cx="0" cy="0"/>
-        </a:xfrm>
-      </p:grpSpPr>
-      <p:sp>
-        <p:nvSpPr>
-          <p:cNvPr id="2" name="Titel 1">
-            <a:extLst>
-              <a:ext uri="{FF2B5EF4-FFF2-40B4-BE49-F238E27FC236}">
-                <a16:creationId xmlns:a16="http://schemas.microsoft.com/office/drawing/2014/main" id="{BD49CE15-8830-7735-EEBA-56B46383EED4}"/>
-              </a:ext>
-            </a:extLst>
-          </p:cNvPr>
-          <p:cNvSpPr>
-            <a:spLocks noGrp="1"/>
-          </p:cNvSpPr>
-          <p:nvPr>
-            <p:ph type="title"/>
-          </p:nvPr>
-        </p:nvSpPr>
-        <p:spPr/>
-        <p:txBody>
-          <a:bodyPr/>
-          <a:lstStyle/>
-          <a:p>
-            <a:r>
-              <a:rPr lang="da-DK" dirty="0"/>
-              <a:t>Referencer</a:t>
-            </a:r>
-          </a:p>
-        </p:txBody>
-      </p:sp>
-      <p:sp>
-        <p:nvSpPr>
-          <p:cNvPr id="3" name="Pladsholder til indhold 2">
-            <a:extLst>
-              <a:ext uri="{FF2B5EF4-FFF2-40B4-BE49-F238E27FC236}">
-                <a16:creationId xmlns:a16="http://schemas.microsoft.com/office/drawing/2014/main" id="{DBD79205-814B-8ABA-7820-A8964F2C7957}"/>
-              </a:ext>
-            </a:extLst>
-          </p:cNvPr>
-          <p:cNvSpPr>
-            <a:spLocks noGrp="1"/>
-          </p:cNvSpPr>
-          <p:nvPr>
-            <p:ph idx="1"/>
-          </p:nvPr>
-        </p:nvSpPr>
-        <p:spPr/>
-        <p:txBody>
-          <a:bodyPr/>
-          <a:lstStyle/>
-          <a:p>
-            <a:r>
-              <a:rPr lang="da-DK" dirty="0"/>
-              <a:t>[1] M. Fowler: </a:t>
-            </a:r>
-            <a:r>
-              <a:rPr lang="da-DK" dirty="0">
-                <a:hlinkClick r:id="rId2">
-                  <a:extLst>
-                    <a:ext uri="{A12FA001-AC4F-418D-AE19-62706E023703}">
-                      <ahyp:hlinkClr xmlns:ahyp="http://schemas.microsoft.com/office/drawing/2018/hyperlinkcolor" val="tx"/>
-                    </a:ext>
-                  </a:extLst>
-                </a:hlinkClick>
-              </a:rPr>
-              <a:t>https://martinfowler.com/bliki/UbiquitousLanguage.html</a:t>
-            </a:r>
-            <a:r>
-              <a:rPr lang="da-DK" dirty="0"/>
-              <a:t> (3/5/2024</a:t>
-            </a:r>
-          </a:p>
-          <a:p>
-            <a:r>
-              <a:rPr lang="da-DK" dirty="0"/>
-              <a:t>[2] Microsoft: </a:t>
-            </a:r>
-            <a:r>
-              <a:rPr lang="da-DK" dirty="0">
-                <a:hlinkClick r:id="rId3">
-                  <a:extLst>
-                    <a:ext uri="{A12FA001-AC4F-418D-AE19-62706E023703}">
-                      <ahyp:hlinkClr xmlns:ahyp="http://schemas.microsoft.com/office/drawing/2018/hyperlinkcolor" val="tx"/>
-                    </a:ext>
-                  </a:extLst>
-                </a:hlinkClick>
-              </a:rPr>
-              <a:t>https://learn.microsoft.com/en-us/dotnet/architecture/microservices/microservice-ddd-cqrs-patterns/ddd-oriented-microservice</a:t>
-            </a:r>
-            <a:r>
-              <a:rPr lang="da-DK" dirty="0"/>
-              <a:t> (8/5/2024) </a:t>
-            </a:r>
-          </a:p>
-          <a:p>
-            <a:r>
-              <a:rPr lang="da-DK" dirty="0"/>
-              <a:t>[3] Apache Kafka: </a:t>
-            </a:r>
-            <a:r>
-              <a:rPr lang="da-DK" dirty="0">
-                <a:hlinkClick r:id="rId4">
-                  <a:extLst>
-                    <a:ext uri="{A12FA001-AC4F-418D-AE19-62706E023703}">
-                      <ahyp:hlinkClr xmlns:ahyp="http://schemas.microsoft.com/office/drawing/2018/hyperlinkcolor" val="tx"/>
-                    </a:ext>
-                  </a:extLst>
-                </a:hlinkClick>
-              </a:rPr>
-              <a:t>https://kafka.apache.org/documentation</a:t>
-            </a:r>
-            <a:r>
-              <a:rPr lang="da-DK" dirty="0"/>
-              <a:t> (6/5/2024)</a:t>
-            </a:r>
-          </a:p>
-          <a:p>
-            <a:endParaRPr lang="da-DK" dirty="0"/>
-          </a:p>
-          <a:p>
-            <a:endParaRPr lang="da-DK" dirty="0"/>
-          </a:p>
-        </p:txBody>
-      </p:sp>
-    </p:spTree>
-    <p:extLst>
-      <p:ext uri="{BB962C8B-B14F-4D97-AF65-F5344CB8AC3E}">
-        <p14:creationId xmlns:p14="http://schemas.microsoft.com/office/powerpoint/2010/main" val="3618761977"/>
       </p:ext>
     </p:extLst>
   </p:cSld>

--- a/presentation.pptx
+++ b/presentation.pptx
@@ -227,7 +227,7 @@
           <a:p>
             <a:fld id="{8F5AC0EE-C0EF-4DBE-8184-146DED29BF67}" type="datetimeFigureOut">
               <a:rPr lang="da-DK" smtClean="0"/>
-              <a:t>12-05-2024</a:t>
+              <a:t>13-05-2024</a:t>
             </a:fld>
             <a:endParaRPr lang="da-DK"/>
           </a:p>
@@ -729,7 +729,13 @@
             </a:r>
             <a:r>
               <a:rPr lang="da-DK" dirty="0"/>
-              <a:t> er for at undgå at skulle slå op i begge databaser </a:t>
+              <a:t> er for at undgå at skulle slå op i begge databaser</a:t>
+            </a:r>
+          </a:p>
+          <a:p>
+            <a:r>
+              <a:rPr lang="da-DK" dirty="0"/>
+              <a:t>Fremviser at den samme værdi kan havde forskellige navne i forretningen</a:t>
             </a:r>
           </a:p>
           <a:p>
@@ -837,13 +843,8 @@
           <a:p>
             <a:r>
               <a:rPr lang="da-DK" dirty="0"/>
-              <a:t>Produktet fremviser ikke helt det brugbare for DDD pga. </a:t>
-            </a:r>
-            <a:r>
-              <a:rPr lang="da-DK" dirty="0" err="1"/>
-              <a:t>simplehed</a:t>
-            </a:r>
-            <a:endParaRPr lang="da-DK" dirty="0"/>
+              <a:t>Produktet fremviser ikke helt det brugbare for DDD pga. simpelhed</a:t>
+            </a:r>
           </a:p>
         </p:txBody>
       </p:sp>
@@ -991,7 +992,10 @@
             <a:endParaRPr lang="da-DK" dirty="0"/>
           </a:p>
           <a:p>
-            <a:endParaRPr lang="da-DK" dirty="0"/>
+            <a:r>
+              <a:rPr lang="da-DK" dirty="0"/>
+              <a:t>RPC svare tilbage på producer oprettede køer</a:t>
+            </a:r>
           </a:p>
         </p:txBody>
       </p:sp>
@@ -1421,6 +1425,49 @@
             </a:r>
           </a:p>
           <a:p>
+            <a:pPr marL="0" marR="0" lvl="0" indent="0" algn="l" defTabSz="914400" rtl="0" eaLnBrk="1" fontAlgn="auto" latinLnBrk="0" hangingPunct="1">
+              <a:lnSpc>
+                <a:spcPct val="100000"/>
+              </a:lnSpc>
+              <a:spcBef>
+                <a:spcPts val="0"/>
+              </a:spcBef>
+              <a:spcAft>
+                <a:spcPts val="0"/>
+              </a:spcAft>
+              <a:buClrTx/>
+              <a:buSzTx/>
+              <a:buFontTx/>
+              <a:buNone/>
+              <a:tabLst/>
+              <a:defRPr/>
+            </a:pPr>
+            <a:r>
+              <a:rPr lang="da-DK" dirty="0"/>
+              <a:t>Server/Klient kommunikation</a:t>
+            </a:r>
+          </a:p>
+          <a:p>
+            <a:pPr marL="0" marR="0" lvl="0" indent="0" algn="l" defTabSz="914400" rtl="0" eaLnBrk="1" fontAlgn="auto" latinLnBrk="0" hangingPunct="1">
+              <a:lnSpc>
+                <a:spcPct val="100000"/>
+              </a:lnSpc>
+              <a:spcBef>
+                <a:spcPts val="0"/>
+              </a:spcBef>
+              <a:spcAft>
+                <a:spcPts val="0"/>
+              </a:spcAft>
+              <a:buClrTx/>
+              <a:buSzTx/>
+              <a:buFontTx/>
+              <a:buNone/>
+              <a:tabLst/>
+              <a:defRPr/>
+            </a:pPr>
+            <a:endParaRPr lang="da-DK" dirty="0"/>
+          </a:p>
+          <a:p>
             <a:endParaRPr lang="da-DK" dirty="0"/>
           </a:p>
         </p:txBody>
@@ -1536,6 +1583,24 @@
               <a:t> server som enten er en controller, broker eller begge</a:t>
             </a:r>
           </a:p>
+          <a:p>
+            <a:r>
+              <a:rPr lang="da-DK" dirty="0" err="1"/>
+              <a:t>Schema</a:t>
+            </a:r>
+            <a:r>
+              <a:rPr lang="da-DK" dirty="0"/>
+              <a:t> </a:t>
+            </a:r>
+            <a:r>
+              <a:rPr lang="da-DK" dirty="0" err="1"/>
+              <a:t>registry</a:t>
+            </a:r>
+            <a:r>
+              <a:rPr lang="da-DK" dirty="0"/>
+              <a:t>, ikke nødvendigt</a:t>
+            </a:r>
+          </a:p>
         </p:txBody>
       </p:sp>
       <p:sp>
@@ -2731,6 +2796,37 @@
               <a:t>Sidste kræver nok også at beskeden bliver gemt i en database med behandlings status </a:t>
             </a:r>
           </a:p>
+          <a:p>
+            <a:r>
+              <a:rPr lang="da-DK" dirty="0" err="1"/>
+              <a:t>Rabbitmq</a:t>
+            </a:r>
+            <a:r>
+              <a:rPr lang="da-DK" dirty="0"/>
+              <a:t> </a:t>
+            </a:r>
+            <a:r>
+              <a:rPr lang="da-DK" dirty="0" err="1"/>
+              <a:t>to-vejs</a:t>
+            </a:r>
+            <a:r>
+              <a:rPr lang="da-DK" dirty="0"/>
+              <a:t>, </a:t>
+            </a:r>
+            <a:r>
+              <a:rPr lang="da-DK" dirty="0" err="1"/>
+              <a:t>kafka</a:t>
+            </a:r>
+            <a:r>
+              <a:rPr lang="da-DK" dirty="0"/>
+              <a:t>, </a:t>
+            </a:r>
+            <a:r>
+              <a:rPr lang="da-DK" dirty="0" err="1"/>
+              <a:t>en-vejs</a:t>
+            </a:r>
+            <a:endParaRPr lang="da-DK" dirty="0"/>
+          </a:p>
         </p:txBody>
       </p:sp>
       <p:sp>
@@ -3132,6 +3228,31 @@
           <a:p>
             <a:r>
               <a:rPr lang="da-DK" dirty="0"/>
+              <a:t>Bruges som et lag mellem </a:t>
+            </a:r>
+            <a:r>
+              <a:rPr lang="da-DK" dirty="0" err="1"/>
+              <a:t>extern</a:t>
+            </a:r>
+            <a:r>
+              <a:rPr lang="da-DK" dirty="0"/>
+              <a:t> og intern, til at ‘forbinde’ </a:t>
+            </a:r>
+            <a:r>
+              <a:rPr lang="da-DK" dirty="0" err="1"/>
+              <a:t>extern</a:t>
+            </a:r>
+            <a:r>
+              <a:rPr lang="da-DK" dirty="0"/>
+              <a:t> med intern </a:t>
+            </a:r>
+          </a:p>
+          <a:p>
+            <a:endParaRPr lang="da-DK" dirty="0"/>
+          </a:p>
+          <a:p>
+            <a:r>
+              <a:rPr lang="da-DK" dirty="0"/>
               <a:t>Presentation </a:t>
             </a:r>
             <a:r>
@@ -3393,6 +3514,12 @@
         <p:txBody>
           <a:bodyPr/>
           <a:lstStyle/>
+          <a:p>
+            <a:r>
+              <a:rPr lang="da-DK" dirty="0"/>
+              <a:t>Fremvise brugerfladerne</a:t>
+            </a:r>
+          </a:p>
           <a:p>
             <a:r>
               <a:rPr lang="da-DK" dirty="0"/>
@@ -3954,7 +4081,7 @@
           <a:p>
             <a:fld id="{904F8374-DDA3-4289-A3C4-A561B6E67BA2}" type="datetimeFigureOut">
               <a:rPr lang="da-DK" smtClean="0"/>
-              <a:t>12-05-2024</a:t>
+              <a:t>13-05-2024</a:t>
             </a:fld>
             <a:endParaRPr lang="da-DK"/>
           </a:p>
@@ -4221,7 +4348,7 @@
           <a:p>
             <a:fld id="{904F8374-DDA3-4289-A3C4-A561B6E67BA2}" type="datetimeFigureOut">
               <a:rPr lang="da-DK" smtClean="0"/>
-              <a:t>12-05-2024</a:t>
+              <a:t>13-05-2024</a:t>
             </a:fld>
             <a:endParaRPr lang="da-DK"/>
           </a:p>
@@ -4452,7 +4579,7 @@
           <a:p>
             <a:fld id="{904F8374-DDA3-4289-A3C4-A561B6E67BA2}" type="datetimeFigureOut">
               <a:rPr lang="da-DK" smtClean="0"/>
-              <a:t>12-05-2024</a:t>
+              <a:t>13-05-2024</a:t>
             </a:fld>
             <a:endParaRPr lang="da-DK"/>
           </a:p>
@@ -4762,7 +4889,7 @@
           <a:p>
             <a:fld id="{904F8374-DDA3-4289-A3C4-A561B6E67BA2}" type="datetimeFigureOut">
               <a:rPr lang="da-DK" smtClean="0"/>
-              <a:t>12-05-2024</a:t>
+              <a:t>13-05-2024</a:t>
             </a:fld>
             <a:endParaRPr lang="da-DK"/>
           </a:p>
@@ -5235,7 +5362,7 @@
           <a:p>
             <a:fld id="{904F8374-DDA3-4289-A3C4-A561B6E67BA2}" type="datetimeFigureOut">
               <a:rPr lang="da-DK" smtClean="0"/>
-              <a:t>12-05-2024</a:t>
+              <a:t>13-05-2024</a:t>
             </a:fld>
             <a:endParaRPr lang="da-DK"/>
           </a:p>
@@ -5782,7 +5909,7 @@
           <a:p>
             <a:fld id="{904F8374-DDA3-4289-A3C4-A561B6E67BA2}" type="datetimeFigureOut">
               <a:rPr lang="da-DK" smtClean="0"/>
-              <a:t>12-05-2024</a:t>
+              <a:t>13-05-2024</a:t>
             </a:fld>
             <a:endParaRPr lang="da-DK"/>
           </a:p>
@@ -6556,7 +6683,7 @@
           <a:p>
             <a:fld id="{904F8374-DDA3-4289-A3C4-A561B6E67BA2}" type="datetimeFigureOut">
               <a:rPr lang="da-DK" smtClean="0"/>
-              <a:t>12-05-2024</a:t>
+              <a:t>13-05-2024</a:t>
             </a:fld>
             <a:endParaRPr lang="da-DK"/>
           </a:p>
@@ -6731,7 +6858,7 @@
           <a:p>
             <a:fld id="{904F8374-DDA3-4289-A3C4-A561B6E67BA2}" type="datetimeFigureOut">
               <a:rPr lang="da-DK" smtClean="0"/>
-              <a:t>12-05-2024</a:t>
+              <a:t>13-05-2024</a:t>
             </a:fld>
             <a:endParaRPr lang="da-DK"/>
           </a:p>
@@ -6954,7 +7081,7 @@
           <a:p>
             <a:fld id="{904F8374-DDA3-4289-A3C4-A561B6E67BA2}" type="datetimeFigureOut">
               <a:rPr lang="da-DK" smtClean="0"/>
-              <a:t>12-05-2024</a:t>
+              <a:t>13-05-2024</a:t>
             </a:fld>
             <a:endParaRPr lang="da-DK"/>
           </a:p>
@@ -7134,7 +7261,7 @@
           <a:p>
             <a:fld id="{904F8374-DDA3-4289-A3C4-A561B6E67BA2}" type="datetimeFigureOut">
               <a:rPr lang="da-DK" smtClean="0"/>
-              <a:t>12-05-2024</a:t>
+              <a:t>13-05-2024</a:t>
             </a:fld>
             <a:endParaRPr lang="da-DK"/>
           </a:p>
@@ -7423,7 +7550,7 @@
           <a:p>
             <a:fld id="{904F8374-DDA3-4289-A3C4-A561B6E67BA2}" type="datetimeFigureOut">
               <a:rPr lang="da-DK" smtClean="0"/>
-              <a:t>12-05-2024</a:t>
+              <a:t>13-05-2024</a:t>
             </a:fld>
             <a:endParaRPr lang="da-DK"/>
           </a:p>
@@ -7665,7 +7792,7 @@
           <a:p>
             <a:fld id="{904F8374-DDA3-4289-A3C4-A561B6E67BA2}" type="datetimeFigureOut">
               <a:rPr lang="da-DK" smtClean="0"/>
-              <a:t>12-05-2024</a:t>
+              <a:t>13-05-2024</a:t>
             </a:fld>
             <a:endParaRPr lang="da-DK"/>
           </a:p>
@@ -8044,7 +8171,7 @@
           <a:p>
             <a:fld id="{904F8374-DDA3-4289-A3C4-A561B6E67BA2}" type="datetimeFigureOut">
               <a:rPr lang="da-DK" smtClean="0"/>
-              <a:t>12-05-2024</a:t>
+              <a:t>13-05-2024</a:t>
             </a:fld>
             <a:endParaRPr lang="da-DK"/>
           </a:p>
@@ -8162,7 +8289,7 @@
           <a:p>
             <a:fld id="{904F8374-DDA3-4289-A3C4-A561B6E67BA2}" type="datetimeFigureOut">
               <a:rPr lang="da-DK" smtClean="0"/>
-              <a:t>12-05-2024</a:t>
+              <a:t>13-05-2024</a:t>
             </a:fld>
             <a:endParaRPr lang="da-DK"/>
           </a:p>
@@ -8257,7 +8384,7 @@
           <a:p>
             <a:fld id="{904F8374-DDA3-4289-A3C4-A561B6E67BA2}" type="datetimeFigureOut">
               <a:rPr lang="da-DK" smtClean="0"/>
-              <a:t>12-05-2024</a:t>
+              <a:t>13-05-2024</a:t>
             </a:fld>
             <a:endParaRPr lang="da-DK"/>
           </a:p>
@@ -8506,7 +8633,7 @@
           <a:p>
             <a:fld id="{904F8374-DDA3-4289-A3C4-A561B6E67BA2}" type="datetimeFigureOut">
               <a:rPr lang="da-DK" smtClean="0"/>
-              <a:t>12-05-2024</a:t>
+              <a:t>13-05-2024</a:t>
             </a:fld>
             <a:endParaRPr lang="da-DK"/>
           </a:p>
@@ -8763,7 +8890,7 @@
           <a:p>
             <a:fld id="{904F8374-DDA3-4289-A3C4-A561B6E67BA2}" type="datetimeFigureOut">
               <a:rPr lang="da-DK" smtClean="0"/>
-              <a:t>12-05-2024</a:t>
+              <a:t>13-05-2024</a:t>
             </a:fld>
             <a:endParaRPr lang="da-DK"/>
           </a:p>
@@ -9006,7 +9133,7 @@
           <a:p>
             <a:fld id="{904F8374-DDA3-4289-A3C4-A561B6E67BA2}" type="datetimeFigureOut">
               <a:rPr lang="da-DK" smtClean="0"/>
-              <a:t>12-05-2024</a:t>
+              <a:t>13-05-2024</a:t>
             </a:fld>
             <a:endParaRPr lang="da-DK"/>
           </a:p>
@@ -10277,13 +10404,13 @@
               </a:ext>
             </a:extLst>
           </a:blip>
-          <a:srcRect l="33944" r="43745" b="60746"/>
+          <a:srcRect l="34258" r="43936" b="60746"/>
           <a:stretch/>
         </p:blipFill>
         <p:spPr>
           <a:xfrm>
-            <a:off x="2417536" y="3429000"/>
-            <a:ext cx="1990531" cy="2506702"/>
+            <a:off x="2445545" y="3429000"/>
+            <a:ext cx="1945480" cy="2506702"/>
           </a:xfrm>
           <a:prstGeom prst="rect">
             <a:avLst/>
@@ -10618,7 +10745,9 @@
         </p:nvSpPr>
         <p:spPr/>
         <p:txBody>
-          <a:bodyPr/>
+          <a:bodyPr>
+            <a:normAutofit/>
+          </a:bodyPr>
           <a:lstStyle/>
           <a:p>
             <a:r>
@@ -10637,6 +10766,18 @@
           <a:p>
             <a:r>
               <a:rPr lang="da-DK" dirty="0"/>
+              <a:t>Skrive beskeder</a:t>
+            </a:r>
+          </a:p>
+          <a:p>
+            <a:r>
+              <a:rPr lang="da-DK" dirty="0"/>
+              <a:t>Læse beskeder</a:t>
+            </a:r>
+          </a:p>
+          <a:p>
+            <a:r>
+              <a:rPr lang="da-DK" dirty="0"/>
               <a:t>Queue</a:t>
             </a:r>
           </a:p>
@@ -10665,18 +10806,6 @@
               <a:t>consumers</a:t>
             </a:r>
             <a:endParaRPr lang="da-DK" dirty="0"/>
-          </a:p>
-          <a:p>
-            <a:r>
-              <a:rPr lang="da-DK" dirty="0"/>
-              <a:t>Skrive beskeder</a:t>
-            </a:r>
-          </a:p>
-          <a:p>
-            <a:r>
-              <a:rPr lang="da-DK" dirty="0"/>
-              <a:t>Læse beskeder</a:t>
-            </a:r>
           </a:p>
           <a:p>
             <a:r>
@@ -11319,12 +11448,6 @@
               <a:t>Partitioneret</a:t>
             </a:r>
             <a:endParaRPr lang="da-DK" dirty="0"/>
-          </a:p>
-          <a:p>
-            <a:r>
-              <a:rPr lang="da-DK" dirty="0"/>
-              <a:t>Server/Klient kommunikation</a:t>
-            </a:r>
           </a:p>
           <a:p>
             <a:r>
@@ -12659,10 +12782,9 @@
           <a:lstStyle/>
           <a:p>
             <a:r>
-              <a:rPr lang="da-DK" dirty="0" err="1"/>
-              <a:t>ProblemFormulering</a:t>
-            </a:r>
-            <a:endParaRPr lang="da-DK" dirty="0"/>
+              <a:rPr lang="da-DK" dirty="0"/>
+              <a:t>Problemformulering</a:t>
+            </a:r>
           </a:p>
         </p:txBody>
       </p:sp>
@@ -12711,7 +12833,7 @@
 </file>
 
 <file path=ppt/slides/slide5.xml><?xml version="1.0" encoding="utf-8"?>
-<p:sld xmlns:a="http://schemas.openxmlformats.org/drawingml/2006/main" xmlns:r="http://schemas.openxmlformats.org/officeDocument/2006/relationships" xmlns:p="http://schemas.openxmlformats.org/presentationml/2006/main">
+<p:sld xmlns:a="http://schemas.openxmlformats.org/drawingml/2006/main" xmlns:r="http://schemas.openxmlformats.org/officeDocument/2006/relationships" xmlns:p="http://schemas.openxmlformats.org/presentationml/2006/main" show="0">
   <p:cSld>
     <p:spTree>
       <p:nvGrpSpPr>
@@ -12778,13 +12900,8 @@
           <a:p>
             <a:r>
               <a:rPr lang="da-DK" dirty="0"/>
-              <a:t>Intet </a:t>
-            </a:r>
-            <a:r>
-              <a:rPr lang="da-DK" dirty="0" err="1"/>
-              <a:t>betalingssytem</a:t>
-            </a:r>
-            <a:endParaRPr lang="da-DK" dirty="0"/>
+              <a:t>Intet betalingssystem</a:t>
+            </a:r>
           </a:p>
           <a:p>
             <a:r>
